--- a/Tryton 6.0 - Doc 00.01 - Installation & administration.pptx
+++ b/Tryton 6.0 - Doc 00.01 - Installation & administration.pptx
@@ -15,11 +15,11 @@
     <p:sldId id="735" r:id="rId3"/>
     <p:sldId id="747" r:id="rId4"/>
     <p:sldId id="825" r:id="rId5"/>
-    <p:sldId id="837" r:id="rId6"/>
-    <p:sldId id="835" r:id="rId7"/>
+    <p:sldId id="835" r:id="rId6"/>
+    <p:sldId id="837" r:id="rId7"/>
     <p:sldId id="836" r:id="rId8"/>
     <p:sldId id="823" r:id="rId9"/>
-    <p:sldId id="739" r:id="rId10"/>
+    <p:sldId id="858" r:id="rId10"/>
     <p:sldId id="802" r:id="rId11"/>
     <p:sldId id="803" r:id="rId12"/>
     <p:sldId id="317" r:id="rId13"/>
@@ -212,15 +212,15 @@
           <p14:sldIdLst>
             <p14:sldId id="747"/>
             <p14:sldId id="825"/>
+            <p14:sldId id="835"/>
             <p14:sldId id="837"/>
-            <p14:sldId id="835"/>
             <p14:sldId id="836"/>
           </p14:sldIdLst>
         </p14:section>
         <p14:section name="Table of Content" id="{44C98B18-3B58-4185-A01E-0F0B61260078}">
           <p14:sldIdLst>
             <p14:sldId id="823"/>
-            <p14:sldId id="739"/>
+            <p14:sldId id="858"/>
           </p14:sldIdLst>
         </p14:section>
         <p14:section name="Docker Installation" id="{10D7A994-345E-4BDF-97B5-823B135A4A0C}">
@@ -466,7 +466,7 @@
           <a:p>
             <a:fld id="{1888941B-6604-4841-9FBD-A94850160ED1}" type="datetimeFigureOut">
               <a:rPr lang="en-BE" smtClean="0"/>
-              <a:t>08/05/2021</a:t>
+              <a:t>09/05/2021</a:t>
             </a:fld>
             <a:endParaRPr lang="en-BE"/>
           </a:p>
@@ -643,7 +643,7 @@
           <a:p>
             <a:fld id="{F8FD9220-3D18-4077-BD0E-AFA621EE8E9B}" type="datetimeFigureOut">
               <a:rPr lang="en-BE" smtClean="0"/>
-              <a:t>08/05/2021</a:t>
+              <a:t>09/05/2021</a:t>
             </a:fld>
             <a:endParaRPr lang="en-BE"/>
           </a:p>
@@ -12210,7 +12210,7 @@
             </a:r>
             <a:r>
               <a:rPr lang="fr-BE" dirty="0"/>
-              <a:t> the basics of the TRYTON ERP. It </a:t>
+              <a:t> the TRYTON ERP. It </a:t>
             </a:r>
             <a:r>
               <a:rPr lang="fr-BE" dirty="0" err="1"/>
@@ -12227,6 +12227,22 @@
             <a:r>
               <a:rPr lang="fr-BE" dirty="0"/>
               <a:t> initiative. The content </a:t>
+            </a:r>
+            <a:r>
+              <a:rPr lang="fr-BE" dirty="0" err="1"/>
+              <a:t>covers</a:t>
+            </a:r>
+            <a:r>
+              <a:rPr lang="fr-BE" dirty="0"/>
+              <a:t> </a:t>
+            </a:r>
+            <a:r>
+              <a:rPr lang="fr-BE" dirty="0" err="1"/>
+              <a:t>only</a:t>
+            </a:r>
+            <a:r>
+              <a:rPr lang="fr-BE" dirty="0"/>
+              <a:t> the basics of the system and </a:t>
             </a:r>
             <a:r>
               <a:rPr lang="fr-BE" dirty="0" err="1"/>
@@ -21574,11 +21590,7 @@
           <a:p>
             <a:r>
               <a:rPr lang="fr-BE" dirty="0"/>
-              <a:t>Container </a:t>
-            </a:r>
-            <a:r>
-              <a:rPr lang="fr-BE" dirty="0" err="1"/>
-              <a:t>Uninstallation</a:t>
+              <a:t>Container Management</a:t>
             </a:r>
             <a:endParaRPr lang="en-BE" dirty="0"/>
           </a:p>
@@ -22709,88 +22721,6 @@
           </a:p>
         </p:txBody>
       </p:sp>
-      <p:sp>
-        <p:nvSpPr>
-          <p:cNvPr id="9" name="Rectangle 8">
-            <a:extLst>
-              <a:ext uri="{FF2B5EF4-FFF2-40B4-BE49-F238E27FC236}">
-                <a16:creationId xmlns:a16="http://schemas.microsoft.com/office/drawing/2014/main" id="{55FE39FC-D736-4827-9AC1-E76728AD6ED7}"/>
-              </a:ext>
-            </a:extLst>
-          </p:cNvPr>
-          <p:cNvSpPr/>
-          <p:nvPr/>
-        </p:nvSpPr>
-        <p:spPr>
-          <a:xfrm>
-            <a:off x="11728938" y="6453554"/>
-            <a:ext cx="463062" cy="404446"/>
-          </a:xfrm>
-          <a:prstGeom prst="rect">
-            <a:avLst/>
-          </a:prstGeom>
-          <a:solidFill>
-            <a:srgbClr val="FF0000"/>
-          </a:solidFill>
-          <a:ln>
-            <a:noFill/>
-          </a:ln>
-        </p:spPr>
-        <p:style>
-          <a:lnRef idx="2">
-            <a:schemeClr val="accent1">
-              <a:shade val="50000"/>
-            </a:schemeClr>
-          </a:lnRef>
-          <a:fillRef idx="1">
-            <a:schemeClr val="accent1"/>
-          </a:fillRef>
-          <a:effectRef idx="0">
-            <a:schemeClr val="accent1"/>
-          </a:effectRef>
-          <a:fontRef idx="minor">
-            <a:schemeClr val="lt1"/>
-          </a:fontRef>
-        </p:style>
-        <p:txBody>
-          <a:bodyPr rtlCol="0" anchor="ctr"/>
-          <a:lstStyle/>
-          <a:p>
-            <a:pPr algn="ctr"/>
-            <a:endParaRPr lang="en-BE"/>
-          </a:p>
-        </p:txBody>
-      </p:sp>
-      <p:pic>
-        <p:nvPicPr>
-          <p:cNvPr id="3" name="Picture 2">
-            <a:extLst>
-              <a:ext uri="{FF2B5EF4-FFF2-40B4-BE49-F238E27FC236}">
-                <a16:creationId xmlns:a16="http://schemas.microsoft.com/office/drawing/2014/main" id="{E9914F31-9668-43C3-B482-53E96C7F99AE}"/>
-              </a:ext>
-            </a:extLst>
-          </p:cNvPr>
-          <p:cNvPicPr>
-            <a:picLocks noChangeAspect="1"/>
-          </p:cNvPicPr>
-          <p:nvPr/>
-        </p:nvPicPr>
-        <p:blipFill>
-          <a:blip r:embed="rId2"/>
-          <a:stretch>
-            <a:fillRect/>
-          </a:stretch>
-        </p:blipFill>
-        <p:spPr>
-          <a:xfrm>
-            <a:off x="838200" y="962267"/>
-            <a:ext cx="3981450" cy="4162425"/>
-          </a:xfrm>
-          <a:prstGeom prst="rect">
-            <a:avLst/>
-          </a:prstGeom>
-        </p:spPr>
-      </p:pic>
       <p:graphicFrame>
         <p:nvGraphicFramePr>
           <p:cNvPr id="14" name="Table 4">
@@ -23081,6 +23011,90 @@
           </a:graphicData>
         </a:graphic>
       </p:graphicFrame>
+      <p:pic>
+        <p:nvPicPr>
+          <p:cNvPr id="5" name="Picture 4">
+            <a:extLst>
+              <a:ext uri="{FF2B5EF4-FFF2-40B4-BE49-F238E27FC236}">
+                <a16:creationId xmlns:a16="http://schemas.microsoft.com/office/drawing/2014/main" id="{AD4EC2D0-714B-4B87-AA6B-4A4B499E3ED9}"/>
+              </a:ext>
+            </a:extLst>
+          </p:cNvPr>
+          <p:cNvPicPr>
+            <a:picLocks noChangeAspect="1"/>
+          </p:cNvPicPr>
+          <p:nvPr/>
+        </p:nvPicPr>
+        <p:blipFill>
+          <a:blip r:embed="rId2"/>
+          <a:stretch>
+            <a:fillRect/>
+          </a:stretch>
+        </p:blipFill>
+        <p:spPr>
+          <a:xfrm>
+            <a:off x="838200" y="962267"/>
+            <a:ext cx="4124325" cy="1171575"/>
+          </a:xfrm>
+          <a:prstGeom prst="rect">
+            <a:avLst/>
+          </a:prstGeom>
+        </p:spPr>
+      </p:pic>
+      <p:sp>
+        <p:nvSpPr>
+          <p:cNvPr id="10" name="Rectangle 9">
+            <a:extLst>
+              <a:ext uri="{FF2B5EF4-FFF2-40B4-BE49-F238E27FC236}">
+                <a16:creationId xmlns:a16="http://schemas.microsoft.com/office/drawing/2014/main" id="{AFE16847-36A8-4285-B83C-59B0F891008A}"/>
+              </a:ext>
+            </a:extLst>
+          </p:cNvPr>
+          <p:cNvSpPr/>
+          <p:nvPr/>
+        </p:nvSpPr>
+        <p:spPr>
+          <a:xfrm>
+            <a:off x="11728938" y="6453554"/>
+            <a:ext cx="463062" cy="404446"/>
+          </a:xfrm>
+          <a:prstGeom prst="rect">
+            <a:avLst/>
+          </a:prstGeom>
+          <a:solidFill>
+            <a:schemeClr val="accent5">
+              <a:lumMod val="75000"/>
+            </a:schemeClr>
+          </a:solidFill>
+          <a:ln>
+            <a:noFill/>
+          </a:ln>
+        </p:spPr>
+        <p:style>
+          <a:lnRef idx="2">
+            <a:schemeClr val="accent1">
+              <a:shade val="50000"/>
+            </a:schemeClr>
+          </a:lnRef>
+          <a:fillRef idx="1">
+            <a:schemeClr val="accent1"/>
+          </a:fillRef>
+          <a:effectRef idx="0">
+            <a:schemeClr val="accent1"/>
+          </a:effectRef>
+          <a:fontRef idx="minor">
+            <a:schemeClr val="lt1"/>
+          </a:fontRef>
+        </p:style>
+        <p:txBody>
+          <a:bodyPr rtlCol="0" anchor="ctr"/>
+          <a:lstStyle/>
+          <a:p>
+            <a:pPr algn="ctr"/>
+            <a:endParaRPr lang="en-BE"/>
+          </a:p>
+        </p:txBody>
+      </p:sp>
     </p:spTree>
     <p:extLst>
       <p:ext uri="{BB962C8B-B14F-4D97-AF65-F5344CB8AC3E}">
@@ -25820,10 +25834,10 @@
       </p:grpSpPr>
       <p:sp>
         <p:nvSpPr>
-          <p:cNvPr id="6" name="Title 5">
-            <a:extLst>
-              <a:ext uri="{FF2B5EF4-FFF2-40B4-BE49-F238E27FC236}">
-                <a16:creationId xmlns:a16="http://schemas.microsoft.com/office/drawing/2014/main" id="{58602178-544B-4666-8E9B-555376EB72FA}"/>
+          <p:cNvPr id="2" name="Title 1">
+            <a:extLst>
+              <a:ext uri="{FF2B5EF4-FFF2-40B4-BE49-F238E27FC236}">
+                <a16:creationId xmlns:a16="http://schemas.microsoft.com/office/drawing/2014/main" id="{A5AABBF0-44BB-4BD7-BF73-1C1B53AB85BF}"/>
               </a:ext>
             </a:extLst>
           </p:cNvPr>
@@ -25836,31 +25850,56 @@
         </p:nvSpPr>
         <p:spPr/>
         <p:txBody>
-          <a:bodyPr>
-            <a:normAutofit fontScale="90000"/>
-          </a:bodyPr>
-          <a:lstStyle/>
-          <a:p>
-            <a:r>
-              <a:rPr lang="fr-BE" dirty="0"/>
-              <a:t>Structure</a:t>
-            </a:r>
-            <a:br>
-              <a:rPr lang="fr-BE" dirty="0"/>
-            </a:br>
-            <a:br>
-              <a:rPr lang="fr-BE" dirty="0"/>
-            </a:br>
+          <a:bodyPr/>
+          <a:lstStyle/>
+          <a:p>
+            <a:r>
+              <a:rPr lang="fr-BE" dirty="0"/>
+              <a:t>Scripts and </a:t>
+            </a:r>
+            <a:r>
+              <a:rPr lang="fr-BE" dirty="0" err="1"/>
+              <a:t>database</a:t>
+            </a:r>
+            <a:r>
+              <a:rPr lang="fr-BE" dirty="0"/>
+              <a:t> snapshots</a:t>
+            </a:r>
             <a:endParaRPr lang="en-BE" dirty="0"/>
           </a:p>
         </p:txBody>
       </p:sp>
       <p:sp>
         <p:nvSpPr>
-          <p:cNvPr id="4" name="Slide Number Placeholder 3">
-            <a:extLst>
-              <a:ext uri="{FF2B5EF4-FFF2-40B4-BE49-F238E27FC236}">
-                <a16:creationId xmlns:a16="http://schemas.microsoft.com/office/drawing/2014/main" id="{EAA02D43-D45B-4DB6-B6A2-79AC2BE24160}"/>
+          <p:cNvPr id="4" name="Text Placeholder 3">
+            <a:extLst>
+              <a:ext uri="{FF2B5EF4-FFF2-40B4-BE49-F238E27FC236}">
+                <a16:creationId xmlns:a16="http://schemas.microsoft.com/office/drawing/2014/main" id="{595A4D49-9062-4C4A-AC34-56AA863A3A3C}"/>
+              </a:ext>
+            </a:extLst>
+          </p:cNvPr>
+          <p:cNvSpPr>
+            <a:spLocks noGrp="1"/>
+          </p:cNvSpPr>
+          <p:nvPr>
+            <p:ph type="body" idx="1"/>
+          </p:nvPr>
+        </p:nvSpPr>
+        <p:spPr/>
+        <p:txBody>
+          <a:bodyPr/>
+          <a:lstStyle/>
+          <a:p>
+            <a:endParaRPr lang="en-BE"/>
+          </a:p>
+        </p:txBody>
+      </p:sp>
+      <p:sp>
+        <p:nvSpPr>
+          <p:cNvPr id="6" name="Slide Number Placeholder 5">
+            <a:extLst>
+              <a:ext uri="{FF2B5EF4-FFF2-40B4-BE49-F238E27FC236}">
+                <a16:creationId xmlns:a16="http://schemas.microsoft.com/office/drawing/2014/main" id="{57228C1D-3324-49D2-B699-117C49B9F5A0}"/>
               </a:ext>
             </a:extLst>
           </p:cNvPr>
@@ -25871,12 +25910,7 @@
             <p:ph type="sldNum" sz="quarter" idx="12"/>
           </p:nvPr>
         </p:nvSpPr>
-        <p:spPr>
-          <a:xfrm rot="16200000">
-            <a:off x="-40341" y="6146519"/>
-            <a:ext cx="842683" cy="365125"/>
-          </a:xfrm>
-        </p:spPr>
+        <p:spPr/>
         <p:txBody>
           <a:bodyPr/>
           <a:lstStyle/>
@@ -25885,16 +25919,16 @@
               <a:rPr lang="en-BE" smtClean="0"/>
               <a:t>5</a:t>
             </a:fld>
-            <a:endParaRPr lang="en-BE"/>
-          </a:p>
-        </p:txBody>
-      </p:sp>
-      <p:sp>
-        <p:nvSpPr>
-          <p:cNvPr id="9" name="Rectangle 8">
-            <a:extLst>
-              <a:ext uri="{FF2B5EF4-FFF2-40B4-BE49-F238E27FC236}">
-                <a16:creationId xmlns:a16="http://schemas.microsoft.com/office/drawing/2014/main" id="{55FE39FC-D736-4827-9AC1-E76728AD6ED7}"/>
+            <a:endParaRPr lang="en-BE" dirty="0"/>
+          </a:p>
+        </p:txBody>
+      </p:sp>
+      <p:sp>
+        <p:nvSpPr>
+          <p:cNvPr id="5" name="Rectangle 4">
+            <a:extLst>
+              <a:ext uri="{FF2B5EF4-FFF2-40B4-BE49-F238E27FC236}">
+                <a16:creationId xmlns:a16="http://schemas.microsoft.com/office/drawing/2014/main" id="{3F8CBACF-A939-4CE4-AD56-015F2974F65A}"/>
               </a:ext>
             </a:extLst>
           </p:cNvPr>
@@ -25910,7 +25944,9 @@
             <a:avLst/>
           </a:prstGeom>
           <a:solidFill>
-            <a:srgbClr val="FF0000"/>
+            <a:schemeClr val="accent5">
+              <a:lumMod val="75000"/>
+            </a:schemeClr>
           </a:solidFill>
           <a:ln>
             <a:noFill/>
@@ -25941,70 +25977,10 @@
           </a:p>
         </p:txBody>
       </p:sp>
-      <p:pic>
-        <p:nvPicPr>
-          <p:cNvPr id="11" name="Picture 10">
-            <a:extLst>
-              <a:ext uri="{FF2B5EF4-FFF2-40B4-BE49-F238E27FC236}">
-                <a16:creationId xmlns:a16="http://schemas.microsoft.com/office/drawing/2014/main" id="{8ECFB92D-B0C6-4B97-80E6-494EA459A0C9}"/>
-              </a:ext>
-            </a:extLst>
-          </p:cNvPr>
-          <p:cNvPicPr>
-            <a:picLocks noChangeAspect="1"/>
-          </p:cNvPicPr>
-          <p:nvPr/>
-        </p:nvPicPr>
-        <p:blipFill>
-          <a:blip r:embed="rId2"/>
-          <a:stretch>
-            <a:fillRect/>
-          </a:stretch>
-        </p:blipFill>
-        <p:spPr>
-          <a:xfrm>
-            <a:off x="838200" y="1147439"/>
-            <a:ext cx="3209925" cy="1895475"/>
-          </a:xfrm>
-          <a:prstGeom prst="rect">
-            <a:avLst/>
-          </a:prstGeom>
-        </p:spPr>
-      </p:pic>
-      <p:pic>
-        <p:nvPicPr>
-          <p:cNvPr id="13" name="Picture 12">
-            <a:extLst>
-              <a:ext uri="{FF2B5EF4-FFF2-40B4-BE49-F238E27FC236}">
-                <a16:creationId xmlns:a16="http://schemas.microsoft.com/office/drawing/2014/main" id="{D362DF0B-0FCB-4403-A606-8745881057E7}"/>
-              </a:ext>
-            </a:extLst>
-          </p:cNvPr>
-          <p:cNvPicPr>
-            <a:picLocks noChangeAspect="1"/>
-          </p:cNvPicPr>
-          <p:nvPr/>
-        </p:nvPicPr>
-        <p:blipFill>
-          <a:blip r:embed="rId3"/>
-          <a:stretch>
-            <a:fillRect/>
-          </a:stretch>
-        </p:blipFill>
-        <p:spPr>
-          <a:xfrm>
-            <a:off x="4492319" y="1147439"/>
-            <a:ext cx="5981700" cy="5105400"/>
-          </a:xfrm>
-          <a:prstGeom prst="rect">
-            <a:avLst/>
-          </a:prstGeom>
-        </p:spPr>
-      </p:pic>
     </p:spTree>
     <p:extLst>
       <p:ext uri="{BB962C8B-B14F-4D97-AF65-F5344CB8AC3E}">
-        <p14:creationId xmlns:p14="http://schemas.microsoft.com/office/powerpoint/2010/main" val="3043266786"/>
+        <p14:creationId xmlns:p14="http://schemas.microsoft.com/office/powerpoint/2010/main" val="3615538216"/>
       </p:ext>
     </p:extLst>
   </p:cSld>
@@ -28504,10 +28480,10 @@
       </p:grpSpPr>
       <p:sp>
         <p:nvSpPr>
-          <p:cNvPr id="2" name="Title 1">
-            <a:extLst>
-              <a:ext uri="{FF2B5EF4-FFF2-40B4-BE49-F238E27FC236}">
-                <a16:creationId xmlns:a16="http://schemas.microsoft.com/office/drawing/2014/main" id="{A5AABBF0-44BB-4BD7-BF73-1C1B53AB85BF}"/>
+          <p:cNvPr id="6" name="Title 5">
+            <a:extLst>
+              <a:ext uri="{FF2B5EF4-FFF2-40B4-BE49-F238E27FC236}">
+                <a16:creationId xmlns:a16="http://schemas.microsoft.com/office/drawing/2014/main" id="{58602178-544B-4666-8E9B-555376EB72FA}"/>
               </a:ext>
             </a:extLst>
           </p:cNvPr>
@@ -28520,56 +28496,31 @@
         </p:nvSpPr>
         <p:spPr/>
         <p:txBody>
-          <a:bodyPr/>
-          <a:lstStyle/>
-          <a:p>
-            <a:r>
-              <a:rPr lang="fr-BE" dirty="0"/>
-              <a:t>Scripts and </a:t>
-            </a:r>
-            <a:r>
-              <a:rPr lang="fr-BE" dirty="0" err="1"/>
-              <a:t>database</a:t>
-            </a:r>
-            <a:r>
-              <a:rPr lang="fr-BE" dirty="0"/>
-              <a:t> snapshots</a:t>
-            </a:r>
+          <a:bodyPr>
+            <a:normAutofit fontScale="90000"/>
+          </a:bodyPr>
+          <a:lstStyle/>
+          <a:p>
+            <a:r>
+              <a:rPr lang="fr-BE" dirty="0"/>
+              <a:t>Structure</a:t>
+            </a:r>
+            <a:br>
+              <a:rPr lang="fr-BE" dirty="0"/>
+            </a:br>
+            <a:br>
+              <a:rPr lang="fr-BE" dirty="0"/>
+            </a:br>
             <a:endParaRPr lang="en-BE" dirty="0"/>
           </a:p>
         </p:txBody>
       </p:sp>
       <p:sp>
         <p:nvSpPr>
-          <p:cNvPr id="3" name="Text Placeholder 2">
-            <a:extLst>
-              <a:ext uri="{FF2B5EF4-FFF2-40B4-BE49-F238E27FC236}">
-                <a16:creationId xmlns:a16="http://schemas.microsoft.com/office/drawing/2014/main" id="{6061569B-4D1E-4EC2-AC4D-DB1D229470E5}"/>
-              </a:ext>
-            </a:extLst>
-          </p:cNvPr>
-          <p:cNvSpPr>
-            <a:spLocks noGrp="1"/>
-          </p:cNvSpPr>
-          <p:nvPr>
-            <p:ph type="body" idx="1"/>
-          </p:nvPr>
-        </p:nvSpPr>
-        <p:spPr/>
-        <p:txBody>
-          <a:bodyPr/>
-          <a:lstStyle/>
-          <a:p>
-            <a:endParaRPr lang="en-BE" dirty="0"/>
-          </a:p>
-        </p:txBody>
-      </p:sp>
-      <p:sp>
-        <p:nvSpPr>
-          <p:cNvPr id="6" name="Slide Number Placeholder 5">
-            <a:extLst>
-              <a:ext uri="{FF2B5EF4-FFF2-40B4-BE49-F238E27FC236}">
-                <a16:creationId xmlns:a16="http://schemas.microsoft.com/office/drawing/2014/main" id="{57228C1D-3324-49D2-B699-117C49B9F5A0}"/>
+          <p:cNvPr id="4" name="Slide Number Placeholder 3">
+            <a:extLst>
+              <a:ext uri="{FF2B5EF4-FFF2-40B4-BE49-F238E27FC236}">
+                <a16:creationId xmlns:a16="http://schemas.microsoft.com/office/drawing/2014/main" id="{EAA02D43-D45B-4DB6-B6A2-79AC2BE24160}"/>
               </a:ext>
             </a:extLst>
           </p:cNvPr>
@@ -28580,7 +28531,12 @@
             <p:ph type="sldNum" sz="quarter" idx="12"/>
           </p:nvPr>
         </p:nvSpPr>
-        <p:spPr/>
+        <p:spPr>
+          <a:xfrm rot="16200000">
+            <a:off x="-40341" y="6146519"/>
+            <a:ext cx="842683" cy="365125"/>
+          </a:xfrm>
+        </p:spPr>
         <p:txBody>
           <a:bodyPr/>
           <a:lstStyle/>
@@ -28589,16 +28545,76 @@
               <a:rPr lang="en-BE" smtClean="0"/>
               <a:t>6</a:t>
             </a:fld>
-            <a:endParaRPr lang="en-BE" dirty="0"/>
-          </a:p>
-        </p:txBody>
-      </p:sp>
-      <p:sp>
-        <p:nvSpPr>
-          <p:cNvPr id="5" name="Rectangle 4">
-            <a:extLst>
-              <a:ext uri="{FF2B5EF4-FFF2-40B4-BE49-F238E27FC236}">
-                <a16:creationId xmlns:a16="http://schemas.microsoft.com/office/drawing/2014/main" id="{3F8CBACF-A939-4CE4-AD56-015F2974F65A}"/>
+            <a:endParaRPr lang="en-BE"/>
+          </a:p>
+        </p:txBody>
+      </p:sp>
+      <p:pic>
+        <p:nvPicPr>
+          <p:cNvPr id="7" name="Picture 6">
+            <a:extLst>
+              <a:ext uri="{FF2B5EF4-FFF2-40B4-BE49-F238E27FC236}">
+                <a16:creationId xmlns:a16="http://schemas.microsoft.com/office/drawing/2014/main" id="{F3E4277F-559C-4459-8A80-5E7E950245A3}"/>
+              </a:ext>
+            </a:extLst>
+          </p:cNvPr>
+          <p:cNvPicPr>
+            <a:picLocks noChangeAspect="1"/>
+          </p:cNvPicPr>
+          <p:nvPr/>
+        </p:nvPicPr>
+        <p:blipFill>
+          <a:blip r:embed="rId2"/>
+          <a:stretch>
+            <a:fillRect/>
+          </a:stretch>
+        </p:blipFill>
+        <p:spPr>
+          <a:xfrm>
+            <a:off x="838200" y="903776"/>
+            <a:ext cx="1714500" cy="1571625"/>
+          </a:xfrm>
+          <a:prstGeom prst="rect">
+            <a:avLst/>
+          </a:prstGeom>
+        </p:spPr>
+      </p:pic>
+      <p:pic>
+        <p:nvPicPr>
+          <p:cNvPr id="10" name="Picture 9">
+            <a:extLst>
+              <a:ext uri="{FF2B5EF4-FFF2-40B4-BE49-F238E27FC236}">
+                <a16:creationId xmlns:a16="http://schemas.microsoft.com/office/drawing/2014/main" id="{CB55385C-3226-4ACF-A285-7988EF8F1BA0}"/>
+              </a:ext>
+            </a:extLst>
+          </p:cNvPr>
+          <p:cNvPicPr>
+            <a:picLocks noChangeAspect="1"/>
+          </p:cNvPicPr>
+          <p:nvPr/>
+        </p:nvPicPr>
+        <p:blipFill>
+          <a:blip r:embed="rId3"/>
+          <a:stretch>
+            <a:fillRect/>
+          </a:stretch>
+        </p:blipFill>
+        <p:spPr>
+          <a:xfrm>
+            <a:off x="4438757" y="0"/>
+            <a:ext cx="6690732" cy="6858000"/>
+          </a:xfrm>
+          <a:prstGeom prst="rect">
+            <a:avLst/>
+          </a:prstGeom>
+        </p:spPr>
+      </p:pic>
+      <p:sp>
+        <p:nvSpPr>
+          <p:cNvPr id="14" name="Rectangle 13">
+            <a:extLst>
+              <a:ext uri="{FF2B5EF4-FFF2-40B4-BE49-F238E27FC236}">
+                <a16:creationId xmlns:a16="http://schemas.microsoft.com/office/drawing/2014/main" id="{AFD44F54-0496-460B-A2BB-A6856744A10D}"/>
               </a:ext>
             </a:extLst>
           </p:cNvPr>
@@ -28650,7 +28666,7 @@
     </p:spTree>
     <p:extLst>
       <p:ext uri="{BB962C8B-B14F-4D97-AF65-F5344CB8AC3E}">
-        <p14:creationId xmlns:p14="http://schemas.microsoft.com/office/powerpoint/2010/main" val="3615538216"/>
+        <p14:creationId xmlns:p14="http://schemas.microsoft.com/office/powerpoint/2010/main" val="3043266786"/>
       </p:ext>
     </p:extLst>
   </p:cSld>
@@ -36828,7 +36844,13 @@
           <p:cNvGraphicFramePr>
             <a:graphicFrameLocks noGrp="1"/>
           </p:cNvGraphicFramePr>
-          <p:nvPr/>
+          <p:nvPr>
+            <p:extLst>
+              <p:ext uri="{D42A27DB-BD31-4B8C-83A1-F6EECF244321}">
+                <p14:modId xmlns:p14="http://schemas.microsoft.com/office/powerpoint/2010/main" val="3039390229"/>
+              </p:ext>
+            </p:extLst>
+          </p:nvPr>
         </p:nvGraphicFramePr>
         <p:xfrm>
           <a:off x="841128" y="1546142"/>
@@ -36903,7 +36925,7 @@
                       </a:r>
                       <a:r>
                         <a:rPr lang="en-GB" sz="1600" dirty="0"/>
-                        <a:t> 5.8 - Doc 80.01 - Ancillaries</a:t>
+                        <a:t> 6.0 - Doc 80.01 - Ancillaries</a:t>
                       </a:r>
                       <a:endParaRPr lang="en-BE" sz="1600" dirty="0"/>
                     </a:p>
@@ -36946,7 +36968,7 @@
                       </a:r>
                       <a:r>
                         <a:rPr lang="en-GB" sz="1600" dirty="0"/>
-                        <a:t> 5.8 - Doc 15.05 - </a:t>
+                        <a:t> 6.0 - Doc 15.05 - </a:t>
                       </a:r>
                       <a:r>
                         <a:rPr lang="fr-BE" sz="1600" dirty="0"/>
@@ -37141,7 +37163,7 @@
                       </a:r>
                       <a:r>
                         <a:rPr lang="en-GB" sz="1600" dirty="0"/>
-                        <a:t> 5.8 - Doc 10.05 - </a:t>
+                        <a:t> 6.0 - Doc 10.05 - </a:t>
                       </a:r>
                       <a:r>
                         <a:rPr lang="fr-BE" sz="1600" dirty="0" err="1"/>
@@ -37173,7 +37195,7 @@
                       </a:r>
                       <a:r>
                         <a:rPr lang="en-GB" sz="1600" dirty="0"/>
-                        <a:t> 5.8 - Doc 15.05 - </a:t>
+                        <a:t> 6.0 - Doc 15.05 - </a:t>
                       </a:r>
                       <a:r>
                         <a:rPr lang="fr-BE" sz="1600" dirty="0"/>
@@ -37338,7 +37360,7 @@
                       </a:r>
                       <a:r>
                         <a:rPr lang="en-GB" sz="1600" dirty="0"/>
-                        <a:t> 5.8 - Doc 10.05 - </a:t>
+                        <a:t> 6.0 - Doc 10.05 - </a:t>
                       </a:r>
                       <a:r>
                         <a:rPr lang="fr-BE" sz="1600" dirty="0" err="1"/>
@@ -37425,7 +37447,7 @@
                         <a:defRPr/>
                       </a:pPr>
                       <a:r>
-                        <a:rPr lang="fr-BE" sz="1600"/>
+                        <a:rPr lang="fr-BE" sz="1600" dirty="0"/>
                         <a:t>-</a:t>
                       </a:r>
                       <a:endParaRPr lang="en-BE" sz="1600" dirty="0"/>
@@ -37556,15 +37578,7 @@
                       </a:r>
                       <a:r>
                         <a:rPr lang="fr-BE" sz="1600" dirty="0"/>
-                        <a:t> 5.8 - </a:t>
-                      </a:r>
-                      <a:r>
-                        <a:rPr lang="fr-BE" sz="1600"/>
-                        <a:t>Doc 00.01 </a:t>
-                      </a:r>
-                      <a:r>
-                        <a:rPr lang="fr-BE" sz="1600" dirty="0"/>
-                        <a:t>- Installation</a:t>
+                        <a:t> 6.0 - Doc 00.01 - Installation</a:t>
                       </a:r>
                     </a:p>
                   </a:txBody>
@@ -38683,14 +38697,6 @@
 <file path=ppt/slides/slide9.xml><?xml version="1.0" encoding="utf-8"?>
 <p:sld xmlns:a="http://schemas.openxmlformats.org/drawingml/2006/main" xmlns:r="http://schemas.openxmlformats.org/officeDocument/2006/relationships" xmlns:p="http://schemas.openxmlformats.org/presentationml/2006/main">
   <p:cSld>
-    <p:bg>
-      <p:bgPr>
-        <a:solidFill>
-          <a:srgbClr val="FF0000"/>
-        </a:solidFill>
-        <a:effectLst/>
-      </p:bgPr>
-    </p:bg>
     <p:spTree>
       <p:nvGrpSpPr>
         <p:cNvPr id="1" name=""/>
@@ -38721,7 +38727,12 @@
             <p:ph type="title"/>
           </p:nvPr>
         </p:nvSpPr>
-        <p:spPr/>
+        <p:spPr>
+          <a:xfrm>
+            <a:off x="838200" y="365125"/>
+            <a:ext cx="1177636" cy="462189"/>
+          </a:xfrm>
+        </p:spPr>
         <p:txBody>
           <a:bodyPr>
             <a:normAutofit fontScale="90000"/>
@@ -38787,8 +38798,8 @@
         </p:nvSpPr>
         <p:spPr>
           <a:xfrm>
-            <a:off x="2757854" y="748780"/>
-            <a:ext cx="2760784" cy="6001643"/>
+            <a:off x="2924108" y="502559"/>
+            <a:ext cx="2760784" cy="6247864"/>
           </a:xfrm>
           <a:prstGeom prst="rect">
             <a:avLst/>
@@ -38803,6 +38814,19 @@
           <a:p>
             <a:pPr algn="r"/>
             <a:r>
+              <a:rPr lang="fr-BE" sz="1600" b="1" dirty="0">
+                <a:solidFill>
+                  <a:schemeClr val="accent2">
+                    <a:lumMod val="75000"/>
+                  </a:schemeClr>
+                </a:solidFill>
+              </a:rPr>
+              <a:t>CONTAINERS</a:t>
+            </a:r>
+            <a:br>
+              <a:rPr lang="fr-BE" sz="1600" b="1" dirty="0"/>
+            </a:br>
+            <a:r>
               <a:rPr lang="fr-BE" sz="1600" b="1" dirty="0"/>
               <a:t>Docker Installation</a:t>
             </a:r>
@@ -38871,39 +38895,8 @@
             <a:pPr algn="r"/>
             <a:r>
               <a:rPr lang="fr-BE" sz="1600" b="1" dirty="0"/>
-              <a:t>Docker Administration</a:t>
-            </a:r>
-          </a:p>
-          <a:p>
-            <a:pPr algn="r"/>
-            <a:r>
-              <a:rPr lang="fr-BE" sz="1600" dirty="0"/>
-              <a:t> </a:t>
-            </a:r>
-            <a:r>
-              <a:rPr lang="fr-BE" sz="1600" dirty="0" err="1"/>
-              <a:t>Commands</a:t>
-            </a:r>
-            <a:endParaRPr lang="fr-BE" sz="1600" dirty="0"/>
-          </a:p>
-          <a:p>
-            <a:pPr algn="r"/>
-            <a:r>
-              <a:rPr lang="fr-BE" sz="1600" dirty="0"/>
-              <a:t> Reboot</a:t>
-            </a:r>
-          </a:p>
-          <a:p>
-            <a:pPr algn="r"/>
-            <a:r>
-              <a:rPr lang="fr-BE" sz="1600" dirty="0"/>
-              <a:t> Shell </a:t>
-            </a:r>
-            <a:r>
-              <a:rPr lang="fr-BE" sz="1600" dirty="0" err="1"/>
-              <a:t>Execution</a:t>
-            </a:r>
-            <a:endParaRPr lang="fr-BE" sz="1600" dirty="0"/>
+              <a:t>Container Management</a:t>
+            </a:r>
           </a:p>
           <a:p>
             <a:pPr algn="r"/>
@@ -38920,108 +38913,12 @@
           <a:p>
             <a:pPr algn="r"/>
             <a:r>
-              <a:rPr lang="fr-BE" sz="1600" b="1" dirty="0" err="1"/>
-              <a:t>Database</a:t>
-            </a:r>
-            <a:r>
-              <a:rPr lang="fr-BE" sz="1600" b="1" dirty="0"/>
-              <a:t> Backup</a:t>
-            </a:r>
-          </a:p>
-          <a:p>
-            <a:pPr algn="r"/>
-            <a:r>
-              <a:rPr lang="fr-BE" sz="1600" dirty="0"/>
-              <a:t> </a:t>
-            </a:r>
-            <a:r>
-              <a:rPr lang="fr-BE" sz="1600" dirty="0" err="1"/>
-              <a:t>Tryton</a:t>
-            </a:r>
-            <a:endParaRPr lang="fr-BE" sz="1600" dirty="0"/>
-          </a:p>
-          <a:p>
-            <a:pPr algn="r"/>
-            <a:r>
-              <a:rPr lang="fr-BE" sz="1600" dirty="0"/>
-              <a:t> </a:t>
-            </a:r>
-            <a:r>
-              <a:rPr lang="fr-BE" sz="1600" dirty="0" err="1"/>
-              <a:t>Postgres</a:t>
-            </a:r>
-            <a:endParaRPr lang="fr-BE" sz="1600" dirty="0"/>
-          </a:p>
-          <a:p>
-            <a:pPr algn="r"/>
-            <a:r>
-              <a:rPr lang="fr-BE" sz="1600" b="1" dirty="0" err="1"/>
-              <a:t>Database</a:t>
-            </a:r>
-            <a:r>
-              <a:rPr lang="fr-BE" sz="1600" b="1" dirty="0"/>
-              <a:t> Restore</a:t>
-            </a:r>
-          </a:p>
-          <a:p>
-            <a:pPr algn="r"/>
-            <a:r>
-              <a:rPr lang="fr-BE" sz="1600" dirty="0"/>
-              <a:t> </a:t>
-            </a:r>
-            <a:r>
-              <a:rPr lang="fr-BE" sz="1600" dirty="0" err="1"/>
-              <a:t>Tryton</a:t>
-            </a:r>
-            <a:endParaRPr lang="fr-BE" sz="1600" dirty="0"/>
-          </a:p>
-          <a:p>
-            <a:pPr algn="r"/>
-            <a:r>
-              <a:rPr lang="fr-BE" sz="1600" dirty="0"/>
-              <a:t> </a:t>
-            </a:r>
-            <a:r>
-              <a:rPr lang="fr-BE" sz="1600" dirty="0" err="1"/>
-              <a:t>Postgres</a:t>
-            </a:r>
-            <a:br>
-              <a:rPr lang="fr-BE" sz="1600" dirty="0"/>
-            </a:br>
-            <a:r>
-              <a:rPr lang="fr-BE" sz="1600" b="1" dirty="0" err="1"/>
-              <a:t>Database</a:t>
-            </a:r>
-            <a:r>
-              <a:rPr lang="fr-BE" sz="1600" b="1" dirty="0"/>
-              <a:t> Operations</a:t>
-            </a:r>
-          </a:p>
-          <a:p>
-            <a:pPr algn="r"/>
-            <a:r>
-              <a:rPr lang="fr-BE" sz="1600" dirty="0" err="1"/>
-              <a:t>Tryton</a:t>
-            </a:r>
-            <a:endParaRPr lang="fr-BE" sz="1600" dirty="0"/>
-          </a:p>
-          <a:p>
-            <a:pPr algn="r"/>
-            <a:r>
-              <a:rPr lang="fr-BE" sz="1600" dirty="0" err="1"/>
-              <a:t>Postgres</a:t>
-            </a:r>
-            <a:endParaRPr lang="fr-BE" sz="1600" dirty="0"/>
-          </a:p>
-          <a:p>
-            <a:pPr algn="r"/>
-            <a:r>
               <a:rPr lang="fr-BE" sz="1600" b="1" dirty="0"/>
               <a:t>User Interface</a:t>
             </a:r>
-          </a:p>
-          <a:p>
-            <a:pPr algn="r"/>
+            <a:br>
+              <a:rPr lang="fr-BE" sz="1600" b="1" dirty="0"/>
+            </a:br>
             <a:r>
               <a:rPr lang="fr-BE" sz="1600" dirty="0"/>
               <a:t> PgAdmin4</a:t>
@@ -39045,22 +38942,153 @@
               </a:rPr>
               <a:t>Tryton</a:t>
             </a:r>
-            <a:endParaRPr lang="fr-BE" sz="1600" dirty="0">
-              <a:solidFill>
-                <a:schemeClr val="accent1"/>
-              </a:solidFill>
-            </a:endParaRPr>
-          </a:p>
-          <a:p>
-            <a:pPr algn="r"/>
-            <a:r>
-              <a:rPr lang="fr-BE" sz="1600" b="1" dirty="0"/>
-              <a:t>Issues</a:t>
-            </a:r>
             <a:br>
               <a:rPr lang="fr-BE" sz="1600" b="1" dirty="0"/>
             </a:br>
             <a:r>
+              <a:rPr lang="fr-BE" sz="1600" b="1" dirty="0"/>
+              <a:t>System Reboot</a:t>
+            </a:r>
+            <a:br>
+              <a:rPr lang="fr-BE" sz="1600" b="1" dirty="0"/>
+            </a:br>
+            <a:br>
+              <a:rPr lang="fr-BE" sz="1600" b="1" dirty="0"/>
+            </a:br>
+            <a:r>
+              <a:rPr lang="fr-BE" sz="1600" b="1" dirty="0">
+                <a:solidFill>
+                  <a:schemeClr val="accent2">
+                    <a:lumMod val="75000"/>
+                  </a:schemeClr>
+                </a:solidFill>
+              </a:rPr>
+              <a:t>DATABASES</a:t>
+            </a:r>
+          </a:p>
+          <a:p>
+            <a:pPr algn="r"/>
+            <a:r>
+              <a:rPr lang="fr-BE" sz="1600" b="1" dirty="0" err="1"/>
+              <a:t>Database</a:t>
+            </a:r>
+            <a:r>
+              <a:rPr lang="fr-BE" sz="1600" b="1" dirty="0"/>
+              <a:t> Operations</a:t>
+            </a:r>
+          </a:p>
+          <a:p>
+            <a:pPr algn="r"/>
+            <a:r>
+              <a:rPr lang="fr-BE" sz="1600" dirty="0" err="1"/>
+              <a:t>Tryton</a:t>
+            </a:r>
+            <a:r>
+              <a:rPr lang="fr-BE" sz="1600" dirty="0"/>
+              <a:t> &amp; </a:t>
+            </a:r>
+            <a:r>
+              <a:rPr lang="fr-BE" sz="1600" dirty="0" err="1"/>
+              <a:t>Postgres</a:t>
+            </a:r>
+            <a:br>
+              <a:rPr lang="fr-BE" sz="1600" dirty="0"/>
+            </a:br>
+            <a:r>
+              <a:rPr lang="fr-BE" sz="1600" b="1" dirty="0" err="1"/>
+              <a:t>Database</a:t>
+            </a:r>
+            <a:r>
+              <a:rPr lang="fr-BE" sz="1600" b="1" dirty="0"/>
+              <a:t> Backup</a:t>
+            </a:r>
+          </a:p>
+          <a:p>
+            <a:pPr algn="r"/>
+            <a:r>
+              <a:rPr lang="fr-BE" sz="1600" dirty="0"/>
+              <a:t>  </a:t>
+            </a:r>
+            <a:r>
+              <a:rPr lang="fr-BE" sz="1600" dirty="0" err="1"/>
+              <a:t>Tryton</a:t>
+            </a:r>
+            <a:r>
+              <a:rPr lang="fr-BE" sz="1600" dirty="0"/>
+              <a:t> &amp; </a:t>
+            </a:r>
+            <a:r>
+              <a:rPr lang="fr-BE" sz="1600" dirty="0" err="1"/>
+              <a:t>Postgres</a:t>
+            </a:r>
+            <a:endParaRPr lang="fr-BE" sz="1600" dirty="0"/>
+          </a:p>
+          <a:p>
+            <a:pPr algn="r"/>
+            <a:r>
+              <a:rPr lang="fr-BE" sz="1600" b="1" dirty="0" err="1"/>
+              <a:t>Database</a:t>
+            </a:r>
+            <a:r>
+              <a:rPr lang="fr-BE" sz="1600" b="1" dirty="0"/>
+              <a:t> Restore</a:t>
+            </a:r>
+          </a:p>
+          <a:p>
+            <a:pPr algn="r"/>
+            <a:r>
+              <a:rPr lang="fr-BE" sz="1600" dirty="0"/>
+              <a:t> </a:t>
+            </a:r>
+            <a:r>
+              <a:rPr lang="fr-BE" sz="1600" dirty="0" err="1"/>
+              <a:t>Tryton</a:t>
+            </a:r>
+            <a:r>
+              <a:rPr lang="fr-BE" sz="1600" dirty="0"/>
+              <a:t> &amp; </a:t>
+            </a:r>
+            <a:r>
+              <a:rPr lang="fr-BE" sz="1600" dirty="0" err="1"/>
+              <a:t>Postgres</a:t>
+            </a:r>
+            <a:endParaRPr lang="fr-BE" sz="1600" dirty="0"/>
+          </a:p>
+          <a:p>
+            <a:pPr algn="r"/>
+            <a:endParaRPr lang="fr-BE" sz="1600" b="1" dirty="0"/>
+          </a:p>
+          <a:p>
+            <a:pPr algn="r"/>
+            <a:r>
+              <a:rPr lang="fr-BE" sz="1600" b="1" dirty="0">
+                <a:solidFill>
+                  <a:schemeClr val="accent2">
+                    <a:lumMod val="75000"/>
+                  </a:schemeClr>
+                </a:solidFill>
+              </a:rPr>
+              <a:t>SUMMARY</a:t>
+            </a:r>
+            <a:br>
+              <a:rPr lang="fr-BE" sz="1600" b="1" dirty="0"/>
+            </a:br>
+            <a:r>
+              <a:rPr lang="fr-BE" sz="1600" b="1" dirty="0"/>
+              <a:t>Next</a:t>
+            </a:r>
+            <a:endParaRPr lang="fr-BE" sz="1600" dirty="0"/>
+          </a:p>
+          <a:p>
+            <a:pPr algn="r"/>
+            <a:r>
+              <a:rPr lang="fr-BE" sz="1600" b="1" dirty="0"/>
+              <a:t>Issues</a:t>
+            </a:r>
+            <a:br>
+              <a:rPr lang="fr-BE" sz="1600" b="1" dirty="0"/>
+            </a:br>
+            <a:r>
               <a:rPr lang="fr-BE" sz="1600" b="1" dirty="0" err="1"/>
               <a:t>References</a:t>
             </a:r>
@@ -39082,8 +39110,8 @@
         </p:nvSpPr>
         <p:spPr>
           <a:xfrm>
-            <a:off x="5518637" y="748780"/>
-            <a:ext cx="5835163" cy="6001643"/>
+            <a:off x="5684891" y="502559"/>
+            <a:ext cx="5835163" cy="6247864"/>
           </a:xfrm>
           <a:prstGeom prst="rect">
             <a:avLst/>
@@ -39096,6 +39124,9 @@
           </a:bodyPr>
           <a:lstStyle/>
           <a:p>
+            <a:br>
+              <a:rPr lang="fr-BE" sz="1600" b="1" dirty="0"/>
+            </a:br>
             <a:r>
               <a:rPr lang="fr-BE" sz="1600" b="1" dirty="0" err="1"/>
               <a:t>Installing</a:t>
@@ -39270,8 +39301,23 @@
             </a:r>
             <a:r>
               <a:rPr lang="fr-BE" sz="1600" dirty="0"/>
-              <a:t> data on volume</a:t>
-            </a:r>
+              <a:t> data on volume </a:t>
+            </a:r>
+            <a:r>
+              <a:rPr lang="fr-BE" sz="1600" dirty="0" err="1"/>
+              <a:t>outside</a:t>
+            </a:r>
+            <a:r>
+              <a:rPr lang="fr-BE" sz="1600" dirty="0"/>
+              <a:t> of container</a:t>
+            </a:r>
+          </a:p>
+          <a:p>
+            <a:r>
+              <a:rPr lang="fr-BE" sz="1600" b="1" dirty="0"/>
+              <a:t>How to manage containers</a:t>
+            </a:r>
+            <a:endParaRPr lang="fr-BE" sz="1600" dirty="0"/>
           </a:p>
           <a:p>
             <a:r>
@@ -39280,7 +39326,7 @@
             </a:r>
             <a:r>
               <a:rPr lang="fr-BE" sz="1600" b="1" dirty="0" err="1"/>
-              <a:t>administer</a:t>
+              <a:t>uninstall</a:t>
             </a:r>
             <a:r>
               <a:rPr lang="fr-BE" sz="1600" b="1" dirty="0"/>
@@ -39289,253 +39335,14 @@
           </a:p>
           <a:p>
             <a:r>
+              <a:rPr lang="fr-BE" sz="1600" b="1" dirty="0"/>
+              <a:t>Interface to TRYTON &amp; PGADMIN</a:t>
+            </a:r>
+          </a:p>
+          <a:p>
+            <a:r>
               <a:rPr lang="fr-BE" sz="1600" dirty="0"/>
-              <a:t> </a:t>
-            </a:r>
-            <a:r>
-              <a:rPr lang="fr-BE" sz="1600" dirty="0" err="1"/>
-              <a:t>Commands</a:t>
-            </a:r>
-            <a:r>
-              <a:rPr lang="fr-BE" sz="1600" dirty="0"/>
-              <a:t> for </a:t>
-            </a:r>
-            <a:r>
-              <a:rPr lang="fr-BE" sz="1600" dirty="0" err="1"/>
-              <a:t>managing</a:t>
-            </a:r>
-            <a:r>
-              <a:rPr lang="fr-BE" sz="1600" dirty="0"/>
-              <a:t> containers</a:t>
-            </a:r>
-          </a:p>
-          <a:p>
-            <a:r>
-              <a:rPr lang="fr-BE" sz="1600" dirty="0"/>
-              <a:t> </a:t>
-            </a:r>
-            <a:r>
-              <a:rPr lang="fr-BE" sz="1600" dirty="0" err="1"/>
-              <a:t>What</a:t>
-            </a:r>
-            <a:r>
-              <a:rPr lang="fr-BE" sz="1600" dirty="0"/>
-              <a:t> </a:t>
-            </a:r>
-            <a:r>
-              <a:rPr lang="fr-BE" sz="1600" dirty="0" err="1"/>
-              <a:t>when</a:t>
-            </a:r>
-            <a:r>
-              <a:rPr lang="fr-BE" sz="1600" dirty="0"/>
-              <a:t> </a:t>
-            </a:r>
-            <a:r>
-              <a:rPr lang="fr-BE" sz="1600" dirty="0" err="1"/>
-              <a:t>rebooting</a:t>
-            </a:r>
-            <a:r>
-              <a:rPr lang="fr-BE" sz="1600" dirty="0"/>
-              <a:t> PC</a:t>
-            </a:r>
-          </a:p>
-          <a:p>
-            <a:r>
-              <a:rPr lang="fr-BE" sz="1600" dirty="0"/>
-              <a:t> </a:t>
-            </a:r>
-            <a:r>
-              <a:rPr lang="fr-BE" sz="1600" dirty="0" err="1"/>
-              <a:t>Executing</a:t>
-            </a:r>
-            <a:r>
-              <a:rPr lang="fr-BE" sz="1600" dirty="0"/>
-              <a:t> </a:t>
-            </a:r>
-            <a:r>
-              <a:rPr lang="fr-BE" sz="1600" dirty="0" err="1"/>
-              <a:t>commands</a:t>
-            </a:r>
-            <a:r>
-              <a:rPr lang="fr-BE" sz="1600" dirty="0"/>
-              <a:t> </a:t>
-            </a:r>
-            <a:r>
-              <a:rPr lang="fr-BE" sz="1600" dirty="0" err="1"/>
-              <a:t>inside</a:t>
-            </a:r>
-            <a:r>
-              <a:rPr lang="fr-BE" sz="1600" dirty="0"/>
-              <a:t> a container</a:t>
-            </a:r>
-          </a:p>
-          <a:p>
-            <a:r>
-              <a:rPr lang="fr-BE" sz="1600" b="1" dirty="0"/>
-              <a:t>How to </a:t>
-            </a:r>
-            <a:r>
-              <a:rPr lang="fr-BE" sz="1600" b="1" dirty="0" err="1"/>
-              <a:t>uninstall</a:t>
-            </a:r>
-            <a:r>
-              <a:rPr lang="fr-BE" sz="1600" b="1" dirty="0"/>
-              <a:t> containers</a:t>
-            </a:r>
-          </a:p>
-          <a:p>
-            <a:r>
-              <a:rPr lang="fr-BE" sz="1600" b="1" dirty="0" err="1"/>
-              <a:t>Database</a:t>
-            </a:r>
-            <a:r>
-              <a:rPr lang="fr-BE" sz="1600" b="1" dirty="0"/>
-              <a:t> Backup</a:t>
-            </a:r>
-          </a:p>
-          <a:p>
-            <a:r>
-              <a:rPr lang="fr-BE" sz="1600" dirty="0"/>
-              <a:t> Backing up a </a:t>
-            </a:r>
-            <a:r>
-              <a:rPr lang="fr-BE" sz="1600" dirty="0" err="1"/>
-              <a:t>Tryton</a:t>
-            </a:r>
-            <a:r>
-              <a:rPr lang="fr-BE" sz="1600" dirty="0"/>
-              <a:t> </a:t>
-            </a:r>
-            <a:r>
-              <a:rPr lang="fr-BE" sz="1600" dirty="0" err="1"/>
-              <a:t>database</a:t>
-            </a:r>
-            <a:r>
-              <a:rPr lang="fr-BE" sz="1600" dirty="0"/>
-              <a:t> (UTF-8)</a:t>
-            </a:r>
-          </a:p>
-          <a:p>
-            <a:r>
-              <a:rPr lang="fr-BE" sz="1600" dirty="0"/>
-              <a:t> Backing up a </a:t>
-            </a:r>
-            <a:r>
-              <a:rPr lang="fr-BE" sz="1600" dirty="0" err="1"/>
-              <a:t>Postgres</a:t>
-            </a:r>
-            <a:r>
-              <a:rPr lang="fr-BE" sz="1600" dirty="0"/>
-              <a:t> </a:t>
-            </a:r>
-            <a:r>
-              <a:rPr lang="fr-BE" sz="1600" dirty="0" err="1"/>
-              <a:t>database</a:t>
-            </a:r>
-            <a:r>
-              <a:rPr lang="fr-BE" sz="1600" dirty="0"/>
-              <a:t> (UTF-8)</a:t>
-            </a:r>
-          </a:p>
-          <a:p>
-            <a:r>
-              <a:rPr lang="fr-BE" sz="1600" b="1" dirty="0" err="1"/>
-              <a:t>Database</a:t>
-            </a:r>
-            <a:r>
-              <a:rPr lang="fr-BE" sz="1600" b="1" dirty="0"/>
-              <a:t> Restore</a:t>
-            </a:r>
-          </a:p>
-          <a:p>
-            <a:r>
-              <a:rPr lang="fr-BE" sz="1600" dirty="0"/>
-              <a:t> </a:t>
-            </a:r>
-            <a:r>
-              <a:rPr lang="fr-BE" sz="1600" dirty="0" err="1"/>
-              <a:t>Restoring</a:t>
-            </a:r>
-            <a:r>
-              <a:rPr lang="fr-BE" sz="1600" dirty="0"/>
-              <a:t> a </a:t>
-            </a:r>
-            <a:r>
-              <a:rPr lang="fr-BE" sz="1600" dirty="0" err="1"/>
-              <a:t>Tryton</a:t>
-            </a:r>
-            <a:r>
-              <a:rPr lang="fr-BE" sz="1600" dirty="0"/>
-              <a:t> </a:t>
-            </a:r>
-            <a:r>
-              <a:rPr lang="fr-BE" sz="1600" dirty="0" err="1"/>
-              <a:t>database</a:t>
-            </a:r>
-            <a:endParaRPr lang="fr-BE" sz="1600" dirty="0"/>
-          </a:p>
-          <a:p>
-            <a:r>
-              <a:rPr lang="fr-BE" sz="1600" dirty="0"/>
-              <a:t> </a:t>
-            </a:r>
-            <a:r>
-              <a:rPr lang="fr-BE" sz="1600" dirty="0" err="1"/>
-              <a:t>Restoring</a:t>
-            </a:r>
-            <a:r>
-              <a:rPr lang="fr-BE" sz="1600" dirty="0"/>
-              <a:t> a </a:t>
-            </a:r>
-            <a:r>
-              <a:rPr lang="fr-BE" sz="1600" dirty="0" err="1"/>
-              <a:t>Postgres</a:t>
-            </a:r>
-            <a:r>
-              <a:rPr lang="fr-BE" sz="1600" dirty="0"/>
-              <a:t> </a:t>
-            </a:r>
-            <a:r>
-              <a:rPr lang="fr-BE" sz="1600" dirty="0" err="1"/>
-              <a:t>database</a:t>
-            </a:r>
-            <a:endParaRPr lang="fr-BE" sz="1600" dirty="0"/>
-          </a:p>
-          <a:p>
-            <a:r>
-              <a:rPr lang="fr-BE" sz="1600" b="1" dirty="0"/>
-              <a:t>Operations about the respective </a:t>
-            </a:r>
-            <a:r>
-              <a:rPr lang="fr-BE" sz="1600" b="1" dirty="0" err="1"/>
-              <a:t>databases</a:t>
-            </a:r>
-            <a:endParaRPr lang="fr-BE" sz="1600" b="1" dirty="0"/>
-          </a:p>
-          <a:p>
-            <a:r>
-              <a:rPr lang="fr-BE" sz="1600" dirty="0" err="1"/>
-              <a:t>Tryton</a:t>
-            </a:r>
-            <a:endParaRPr lang="fr-BE" sz="1600" dirty="0"/>
-          </a:p>
-          <a:p>
-            <a:r>
-              <a:rPr lang="fr-BE" sz="1600" dirty="0" err="1"/>
-              <a:t>Postgres</a:t>
-            </a:r>
-            <a:br>
-              <a:rPr lang="fr-BE" sz="1600" dirty="0"/>
-            </a:br>
-            <a:r>
-              <a:rPr lang="fr-BE" sz="1600" b="1" dirty="0"/>
-              <a:t>User Interface</a:t>
-            </a:r>
-          </a:p>
-          <a:p>
-            <a:r>
-              <a:rPr lang="fr-BE" sz="1600" dirty="0"/>
-              <a:t> Setting up &amp; </a:t>
+              <a:t>Setting up &amp; </a:t>
             </a:r>
             <a:r>
               <a:rPr lang="fr-BE" sz="1600" dirty="0" err="1"/>
@@ -39565,7 +39372,7 @@
                   <a:schemeClr val="accent1"/>
                 </a:solidFill>
               </a:rPr>
-              <a:t> / </a:t>
+              <a:t> &amp; </a:t>
             </a:r>
             <a:r>
               <a:rPr lang="fr-BE" sz="1600" dirty="0" err="1">
@@ -39575,23 +39382,16 @@
               </a:rPr>
               <a:t>Logout</a:t>
             </a:r>
-            <a:r>
-              <a:rPr lang="fr-BE" sz="1600" dirty="0">
-                <a:solidFill>
-                  <a:schemeClr val="accent1"/>
-                </a:solidFill>
-              </a:rPr>
-              <a:t> - Usage</a:t>
-            </a:r>
+            <a:endParaRPr lang="fr-BE" sz="1600" b="1" dirty="0"/>
           </a:p>
           <a:p>
             <a:r>
               <a:rPr lang="fr-BE" sz="1600" b="1" dirty="0"/>
-              <a:t>Topics to </a:t>
+              <a:t>How to </a:t>
             </a:r>
             <a:r>
               <a:rPr lang="fr-BE" sz="1600" b="1" dirty="0" err="1"/>
-              <a:t>be</a:t>
+              <a:t>proceed</a:t>
             </a:r>
             <a:r>
               <a:rPr lang="fr-BE" sz="1600" b="1" dirty="0"/>
@@ -39599,22 +39399,112 @@
             </a:r>
             <a:r>
               <a:rPr lang="fr-BE" sz="1600" b="1" dirty="0" err="1"/>
-              <a:t>examined</a:t>
+              <a:t>after</a:t>
             </a:r>
             <a:r>
               <a:rPr lang="fr-BE" sz="1600" b="1" dirty="0"/>
-              <a:t> </a:t>
-            </a:r>
-            <a:r>
-              <a:rPr lang="fr-BE" sz="1600" b="1" dirty="0" err="1"/>
-              <a:t>further</a:t>
+              <a:t> system reboot</a:t>
             </a:r>
             <a:br>
               <a:rPr lang="fr-BE" sz="1600" b="1" dirty="0"/>
             </a:br>
+            <a:endParaRPr lang="fr-BE" sz="1600" b="1" dirty="0"/>
+          </a:p>
+          <a:p>
+            <a:br>
+              <a:rPr lang="fr-BE" sz="1600" b="1" dirty="0"/>
+            </a:br>
+            <a:br>
+              <a:rPr lang="fr-BE" sz="1600" b="1" dirty="0"/>
+            </a:br>
+            <a:r>
+              <a:rPr lang="fr-BE" sz="1600" dirty="0" err="1"/>
+              <a:t>Working</a:t>
+            </a:r>
+            <a:r>
+              <a:rPr lang="fr-BE" sz="1600" dirty="0"/>
+              <a:t> </a:t>
+            </a:r>
+            <a:r>
+              <a:rPr lang="fr-BE" sz="1600" dirty="0" err="1"/>
+              <a:t>with</a:t>
+            </a:r>
+            <a:r>
+              <a:rPr lang="fr-BE" sz="1600" dirty="0"/>
+              <a:t> the </a:t>
+            </a:r>
+            <a:r>
+              <a:rPr lang="fr-BE" sz="1600" dirty="0" err="1"/>
+              <a:t>database</a:t>
+            </a:r>
+            <a:endParaRPr lang="fr-BE" sz="1600" b="1" dirty="0"/>
+          </a:p>
+          <a:p>
+            <a:endParaRPr lang="fr-BE" sz="1600" b="1" dirty="0"/>
+          </a:p>
+          <a:p>
+            <a:r>
+              <a:rPr lang="fr-BE" sz="1600" dirty="0"/>
+              <a:t>Backing up the </a:t>
+            </a:r>
+            <a:r>
+              <a:rPr lang="fr-BE" sz="1600" dirty="0" err="1"/>
+              <a:t>database</a:t>
+            </a:r>
+            <a:r>
+              <a:rPr lang="fr-BE" sz="1600" dirty="0"/>
+              <a:t> (UTF-8 compliant)</a:t>
+            </a:r>
+          </a:p>
+          <a:p>
+            <a:endParaRPr lang="fr-BE" sz="1600" b="1" dirty="0"/>
+          </a:p>
+          <a:p>
+            <a:r>
+              <a:rPr lang="fr-BE" sz="1600" dirty="0" err="1"/>
+              <a:t>Restoring</a:t>
+            </a:r>
+            <a:r>
+              <a:rPr lang="fr-BE" sz="1600" dirty="0"/>
+              <a:t> the </a:t>
+            </a:r>
+            <a:r>
+              <a:rPr lang="fr-BE" sz="1600" dirty="0" err="1"/>
+              <a:t>database</a:t>
+            </a:r>
+            <a:r>
+              <a:rPr lang="fr-BE" sz="1600" dirty="0"/>
+              <a:t> (UTF-8 compliant)</a:t>
+            </a:r>
+          </a:p>
+          <a:p>
+            <a:br>
+              <a:rPr lang="fr-BE" sz="1600" b="1" dirty="0"/>
+            </a:br>
+            <a:br>
+              <a:rPr lang="fr-BE" sz="1600" b="1" dirty="0"/>
+            </a:br>
+            <a:r>
+              <a:rPr lang="fr-BE" sz="1600" b="1" dirty="0"/>
+              <a:t>Next topics</a:t>
+            </a:r>
+          </a:p>
+          <a:p>
+            <a:r>
+              <a:rPr lang="fr-BE" sz="1600" b="1" dirty="0"/>
+              <a:t>Documentation points </a:t>
+            </a:r>
             <a:r>
               <a:rPr lang="fr-BE" sz="1600" b="1" dirty="0" err="1"/>
-              <a:t>Some</a:t>
+              <a:t>still</a:t>
+            </a:r>
+            <a:r>
+              <a:rPr lang="fr-BE" sz="1600" b="1" dirty="0"/>
+              <a:t> to </a:t>
+            </a:r>
+            <a:r>
+              <a:rPr lang="fr-BE" sz="1600" b="1" dirty="0" err="1"/>
+              <a:t>be</a:t>
             </a:r>
             <a:r>
               <a:rPr lang="fr-BE" sz="1600" b="1" dirty="0"/>
@@ -39622,13 +39512,20 @@
             </a:r>
             <a:r>
               <a:rPr lang="fr-BE" sz="1600" b="1" dirty="0" err="1"/>
-              <a:t>interesting</a:t>
-            </a:r>
+              <a:t>resolved</a:t>
+            </a:r>
+            <a:endParaRPr lang="fr-BE" sz="1600" b="1" dirty="0"/>
+          </a:p>
+          <a:p>
             <a:r>
               <a:rPr lang="fr-BE" sz="1600" b="1" dirty="0"/>
-              <a:t> documentation </a:t>
-            </a:r>
-            <a:endParaRPr lang="en-BE" sz="1600" b="1" dirty="0"/>
+              <a:t>Links of </a:t>
+            </a:r>
+            <a:r>
+              <a:rPr lang="fr-BE" sz="1600" b="1" dirty="0" err="1"/>
+              <a:t>interest</a:t>
+            </a:r>
+            <a:endParaRPr lang="fr-BE" sz="1600" b="1" dirty="0"/>
           </a:p>
         </p:txBody>
       </p:sp>
@@ -39646,8 +39543,8 @@
         </p:nvSpPr>
         <p:spPr>
           <a:xfrm rot="16200000">
-            <a:off x="-1142397" y="3381192"/>
-            <a:ext cx="4972448" cy="923330"/>
+            <a:off x="-1209788" y="2960668"/>
+            <a:ext cx="4970814" cy="923330"/>
           </a:xfrm>
           <a:prstGeom prst="rect">
             <a:avLst/>
@@ -39750,10 +39647,64 @@
           </a:p>
         </p:txBody>
       </p:sp>
+      <p:sp>
+        <p:nvSpPr>
+          <p:cNvPr id="8" name="Rectangle 7">
+            <a:extLst>
+              <a:ext uri="{FF2B5EF4-FFF2-40B4-BE49-F238E27FC236}">
+                <a16:creationId xmlns:a16="http://schemas.microsoft.com/office/drawing/2014/main" id="{4D4D4FC0-24DB-476C-82CF-2A1C16EDC922}"/>
+              </a:ext>
+            </a:extLst>
+          </p:cNvPr>
+          <p:cNvSpPr/>
+          <p:nvPr/>
+        </p:nvSpPr>
+        <p:spPr>
+          <a:xfrm>
+            <a:off x="11728938" y="6453554"/>
+            <a:ext cx="463062" cy="404446"/>
+          </a:xfrm>
+          <a:prstGeom prst="rect">
+            <a:avLst/>
+          </a:prstGeom>
+          <a:solidFill>
+            <a:schemeClr val="accent5">
+              <a:lumMod val="75000"/>
+            </a:schemeClr>
+          </a:solidFill>
+          <a:ln>
+            <a:noFill/>
+          </a:ln>
+        </p:spPr>
+        <p:style>
+          <a:lnRef idx="2">
+            <a:schemeClr val="accent1">
+              <a:shade val="50000"/>
+            </a:schemeClr>
+          </a:lnRef>
+          <a:fillRef idx="1">
+            <a:schemeClr val="accent1"/>
+          </a:fillRef>
+          <a:effectRef idx="0">
+            <a:schemeClr val="accent1"/>
+          </a:effectRef>
+          <a:fontRef idx="minor">
+            <a:schemeClr val="lt1"/>
+          </a:fontRef>
+        </p:style>
+        <p:txBody>
+          <a:bodyPr rtlCol="0" anchor="ctr"/>
+          <a:lstStyle/>
+          <a:p>
+            <a:pPr algn="ctr"/>
+            <a:endParaRPr lang="en-BE"/>
+          </a:p>
+        </p:txBody>
+      </p:sp>
     </p:spTree>
     <p:extLst>
       <p:ext uri="{BB962C8B-B14F-4D97-AF65-F5344CB8AC3E}">
-        <p14:creationId xmlns:p14="http://schemas.microsoft.com/office/powerpoint/2010/main" val="1829513515"/>
+        <p14:creationId xmlns:p14="http://schemas.microsoft.com/office/powerpoint/2010/main" val="3613006825"/>
       </p:ext>
     </p:extLst>
   </p:cSld>

--- a/Tryton 6.0 - Doc 00.01 - Installation & administration.pptx
+++ b/Tryton 6.0 - Doc 00.01 - Installation & administration.pptx
@@ -5,10 +5,10 @@
     <p:sldMasterId id="2147483648" r:id="rId1"/>
   </p:sldMasterIdLst>
   <p:notesMasterIdLst>
-    <p:notesMasterId r:id="rId88"/>
+    <p:notesMasterId r:id="rId90"/>
   </p:notesMasterIdLst>
   <p:handoutMasterIdLst>
-    <p:handoutMasterId r:id="rId89"/>
+    <p:handoutMasterId r:id="rId91"/>
   </p:handoutMasterIdLst>
   <p:sldIdLst>
     <p:sldId id="372" r:id="rId2"/>
@@ -56,47 +56,49 @@
     <p:sldId id="846" r:id="rId44"/>
     <p:sldId id="847" r:id="rId45"/>
     <p:sldId id="328" r:id="rId46"/>
-    <p:sldId id="581" r:id="rId47"/>
-    <p:sldId id="330" r:id="rId48"/>
-    <p:sldId id="331" r:id="rId49"/>
-    <p:sldId id="843" r:id="rId50"/>
-    <p:sldId id="335" r:id="rId51"/>
-    <p:sldId id="333" r:id="rId52"/>
-    <p:sldId id="360" r:id="rId53"/>
-    <p:sldId id="582" r:id="rId54"/>
-    <p:sldId id="741" r:id="rId55"/>
-    <p:sldId id="583" r:id="rId56"/>
-    <p:sldId id="844" r:id="rId57"/>
-    <p:sldId id="337" r:id="rId58"/>
-    <p:sldId id="848" r:id="rId59"/>
-    <p:sldId id="807" r:id="rId60"/>
-    <p:sldId id="808" r:id="rId61"/>
-    <p:sldId id="810" r:id="rId62"/>
-    <p:sldId id="811" r:id="rId63"/>
-    <p:sldId id="751" r:id="rId64"/>
-    <p:sldId id="738" r:id="rId65"/>
-    <p:sldId id="748" r:id="rId66"/>
-    <p:sldId id="768" r:id="rId67"/>
-    <p:sldId id="774" r:id="rId68"/>
-    <p:sldId id="853" r:id="rId69"/>
-    <p:sldId id="775" r:id="rId70"/>
-    <p:sldId id="769" r:id="rId71"/>
-    <p:sldId id="812" r:id="rId72"/>
-    <p:sldId id="773" r:id="rId73"/>
-    <p:sldId id="771" r:id="rId74"/>
-    <p:sldId id="813" r:id="rId75"/>
-    <p:sldId id="788" r:id="rId76"/>
-    <p:sldId id="856" r:id="rId77"/>
-    <p:sldId id="777" r:id="rId78"/>
-    <p:sldId id="857" r:id="rId79"/>
-    <p:sldId id="814" r:id="rId80"/>
-    <p:sldId id="815" r:id="rId81"/>
-    <p:sldId id="834" r:id="rId82"/>
-    <p:sldId id="831" r:id="rId83"/>
-    <p:sldId id="663" r:id="rId84"/>
-    <p:sldId id="584" r:id="rId85"/>
-    <p:sldId id="829" r:id="rId86"/>
-    <p:sldId id="828" r:id="rId87"/>
+    <p:sldId id="860" r:id="rId47"/>
+    <p:sldId id="859" r:id="rId48"/>
+    <p:sldId id="581" r:id="rId49"/>
+    <p:sldId id="330" r:id="rId50"/>
+    <p:sldId id="331" r:id="rId51"/>
+    <p:sldId id="843" r:id="rId52"/>
+    <p:sldId id="335" r:id="rId53"/>
+    <p:sldId id="333" r:id="rId54"/>
+    <p:sldId id="360" r:id="rId55"/>
+    <p:sldId id="582" r:id="rId56"/>
+    <p:sldId id="741" r:id="rId57"/>
+    <p:sldId id="583" r:id="rId58"/>
+    <p:sldId id="844" r:id="rId59"/>
+    <p:sldId id="337" r:id="rId60"/>
+    <p:sldId id="848" r:id="rId61"/>
+    <p:sldId id="807" r:id="rId62"/>
+    <p:sldId id="808" r:id="rId63"/>
+    <p:sldId id="810" r:id="rId64"/>
+    <p:sldId id="811" r:id="rId65"/>
+    <p:sldId id="751" r:id="rId66"/>
+    <p:sldId id="738" r:id="rId67"/>
+    <p:sldId id="748" r:id="rId68"/>
+    <p:sldId id="768" r:id="rId69"/>
+    <p:sldId id="774" r:id="rId70"/>
+    <p:sldId id="853" r:id="rId71"/>
+    <p:sldId id="775" r:id="rId72"/>
+    <p:sldId id="769" r:id="rId73"/>
+    <p:sldId id="812" r:id="rId74"/>
+    <p:sldId id="773" r:id="rId75"/>
+    <p:sldId id="771" r:id="rId76"/>
+    <p:sldId id="813" r:id="rId77"/>
+    <p:sldId id="788" r:id="rId78"/>
+    <p:sldId id="856" r:id="rId79"/>
+    <p:sldId id="777" r:id="rId80"/>
+    <p:sldId id="857" r:id="rId81"/>
+    <p:sldId id="814" r:id="rId82"/>
+    <p:sldId id="815" r:id="rId83"/>
+    <p:sldId id="834" r:id="rId84"/>
+    <p:sldId id="831" r:id="rId85"/>
+    <p:sldId id="663" r:id="rId86"/>
+    <p:sldId id="584" r:id="rId87"/>
+    <p:sldId id="829" r:id="rId88"/>
+    <p:sldId id="828" r:id="rId89"/>
   </p:sldIdLst>
   <p:sldSz cx="12192000" cy="6858000"/>
   <p:notesSz cx="6858000" cy="9144000"/>
@@ -286,9 +288,15 @@
             <p14:sldId id="847"/>
           </p14:sldIdLst>
         </p14:section>
+        <p14:section name="Container multi-versioning" id="{9EFE37C1-4AFD-48B0-9B5A-8569F049C048}">
+          <p14:sldIdLst>
+            <p14:sldId id="328"/>
+            <p14:sldId id="860"/>
+          </p14:sldIdLst>
+        </p14:section>
         <p14:section name="User Interface" id="{5E0AB994-A08C-496C-8ED9-438238FF700F}">
           <p14:sldIdLst>
-            <p14:sldId id="328"/>
+            <p14:sldId id="859"/>
             <p14:sldId id="581"/>
             <p14:sldId id="330"/>
             <p14:sldId id="331"/>
@@ -466,7 +474,7 @@
           <a:p>
             <a:fld id="{1888941B-6604-4841-9FBD-A94850160ED1}" type="datetimeFigureOut">
               <a:rPr lang="en-BE" smtClean="0"/>
-              <a:t>09/05/2021</a:t>
+              <a:t>11/05/2021</a:t>
             </a:fld>
             <a:endParaRPr lang="en-BE"/>
           </a:p>
@@ -643,7 +651,7 @@
           <a:p>
             <a:fld id="{F8FD9220-3D18-4077-BD0E-AFA621EE8E9B}" type="datetimeFigureOut">
               <a:rPr lang="en-BE" smtClean="0"/>
-              <a:t>09/05/2021</a:t>
+              <a:t>11/05/2021</a:t>
             </a:fld>
             <a:endParaRPr lang="en-BE"/>
           </a:p>
@@ -24540,7 +24548,7 @@
           <a:p>
             <a:r>
               <a:rPr lang="fr-BE" dirty="0"/>
-              <a:t>User Interface</a:t>
+              <a:t>Container multi-versioning</a:t>
             </a:r>
             <a:endParaRPr lang="en-BE" dirty="0"/>
           </a:p>
@@ -24686,10 +24694,44 @@
       </p:grpSpPr>
       <p:sp>
         <p:nvSpPr>
-          <p:cNvPr id="4" name="Title 3">
-            <a:extLst>
-              <a:ext uri="{FF2B5EF4-FFF2-40B4-BE49-F238E27FC236}">
-                <a16:creationId xmlns:a16="http://schemas.microsoft.com/office/drawing/2014/main" id="{41BA066E-3422-4368-97E5-68340B3CAC4F}"/>
+          <p:cNvPr id="5" name="Slide Number Placeholder 4">
+            <a:extLst>
+              <a:ext uri="{FF2B5EF4-FFF2-40B4-BE49-F238E27FC236}">
+                <a16:creationId xmlns:a16="http://schemas.microsoft.com/office/drawing/2014/main" id="{81032038-9680-475F-B14C-EB2C1ED81E5F}"/>
+              </a:ext>
+            </a:extLst>
+          </p:cNvPr>
+          <p:cNvSpPr>
+            <a:spLocks noGrp="1"/>
+          </p:cNvSpPr>
+          <p:nvPr>
+            <p:ph type="sldNum" sz="quarter" idx="12"/>
+          </p:nvPr>
+        </p:nvSpPr>
+        <p:spPr>
+          <a:xfrm rot="16200000">
+            <a:off x="-40341" y="6146519"/>
+            <a:ext cx="842683" cy="365125"/>
+          </a:xfrm>
+        </p:spPr>
+        <p:txBody>
+          <a:bodyPr/>
+          <a:lstStyle/>
+          <a:p>
+            <a:fld id="{69D2CCA8-53B9-41C4-8716-EA9CD8A55276}" type="slidenum">
+              <a:rPr lang="en-BE" smtClean="0"/>
+              <a:t>46</a:t>
+            </a:fld>
+            <a:endParaRPr lang="en-BE"/>
+          </a:p>
+        </p:txBody>
+      </p:sp>
+      <p:sp>
+        <p:nvSpPr>
+          <p:cNvPr id="9" name="Title 1">
+            <a:extLst>
+              <a:ext uri="{FF2B5EF4-FFF2-40B4-BE49-F238E27FC236}">
+                <a16:creationId xmlns:a16="http://schemas.microsoft.com/office/drawing/2014/main" id="{8484E15B-0329-4BE2-8710-7956E1C3B8C1}"/>
               </a:ext>
             </a:extLst>
           </p:cNvPr>
@@ -24700,14 +24742,25 @@
             <p:ph type="title"/>
           </p:nvPr>
         </p:nvSpPr>
-        <p:spPr/>
-        <p:txBody>
-          <a:bodyPr/>
-          <a:lstStyle/>
-          <a:p>
-            <a:r>
-              <a:rPr lang="fr-BE" dirty="0"/>
-              <a:t>PgAdmin4</a:t>
+        <p:spPr>
+          <a:xfrm>
+            <a:off x="838200" y="365125"/>
+            <a:ext cx="10515600" cy="462189"/>
+          </a:xfrm>
+        </p:spPr>
+        <p:txBody>
+          <a:bodyPr>
+            <a:normAutofit/>
+          </a:bodyPr>
+          <a:lstStyle/>
+          <a:p>
+            <a:r>
+              <a:rPr lang="fr-BE" dirty="0" err="1"/>
+              <a:t>Installing</a:t>
+            </a:r>
+            <a:r>
+              <a:rPr lang="fr-BE" dirty="0"/>
+              <a:t> multiple image version containers</a:t>
             </a:r>
             <a:endParaRPr lang="en-BE" dirty="0"/>
           </a:p>
@@ -24715,64 +24768,10 @@
       </p:sp>
       <p:sp>
         <p:nvSpPr>
-          <p:cNvPr id="5" name="Text Placeholder 4">
-            <a:extLst>
-              <a:ext uri="{FF2B5EF4-FFF2-40B4-BE49-F238E27FC236}">
-                <a16:creationId xmlns:a16="http://schemas.microsoft.com/office/drawing/2014/main" id="{33031EBA-02B4-467B-806C-0992C70B928B}"/>
-              </a:ext>
-            </a:extLst>
-          </p:cNvPr>
-          <p:cNvSpPr>
-            <a:spLocks noGrp="1"/>
-          </p:cNvSpPr>
-          <p:nvPr>
-            <p:ph type="body" idx="1"/>
-          </p:nvPr>
-        </p:nvSpPr>
-        <p:spPr/>
-        <p:txBody>
-          <a:bodyPr/>
-          <a:lstStyle/>
-          <a:p>
-            <a:endParaRPr lang="en-BE"/>
-          </a:p>
-        </p:txBody>
-      </p:sp>
-      <p:sp>
-        <p:nvSpPr>
-          <p:cNvPr id="6" name="Slide Number Placeholder 5">
-            <a:extLst>
-              <a:ext uri="{FF2B5EF4-FFF2-40B4-BE49-F238E27FC236}">
-                <a16:creationId xmlns:a16="http://schemas.microsoft.com/office/drawing/2014/main" id="{1B401D7C-D015-4C18-BD73-E2FCD796C8E6}"/>
-              </a:ext>
-            </a:extLst>
-          </p:cNvPr>
-          <p:cNvSpPr>
-            <a:spLocks noGrp="1"/>
-          </p:cNvSpPr>
-          <p:nvPr>
-            <p:ph type="sldNum" sz="quarter" idx="12"/>
-          </p:nvPr>
-        </p:nvSpPr>
-        <p:spPr/>
-        <p:txBody>
-          <a:bodyPr/>
-          <a:lstStyle/>
-          <a:p>
-            <a:fld id="{69D2CCA8-53B9-41C4-8716-EA9CD8A55276}" type="slidenum">
-              <a:rPr lang="en-BE" smtClean="0"/>
-              <a:t>46</a:t>
-            </a:fld>
-            <a:endParaRPr lang="en-BE"/>
-          </a:p>
-        </p:txBody>
-      </p:sp>
-      <p:sp>
-        <p:nvSpPr>
           <p:cNvPr id="7" name="Rectangle 6">
             <a:extLst>
               <a:ext uri="{FF2B5EF4-FFF2-40B4-BE49-F238E27FC236}">
-                <a16:creationId xmlns:a16="http://schemas.microsoft.com/office/drawing/2014/main" id="{5C86071F-B463-474D-BEC5-04F5B5D3C4DC}"/>
+                <a16:creationId xmlns:a16="http://schemas.microsoft.com/office/drawing/2014/main" id="{3C4B9224-84A0-438C-B065-6A0800F004CC}"/>
               </a:ext>
             </a:extLst>
           </p:cNvPr>
@@ -24821,10 +24820,595 @@
           </a:p>
         </p:txBody>
       </p:sp>
+      <p:sp>
+        <p:nvSpPr>
+          <p:cNvPr id="3" name="TextBox 2">
+            <a:extLst>
+              <a:ext uri="{FF2B5EF4-FFF2-40B4-BE49-F238E27FC236}">
+                <a16:creationId xmlns:a16="http://schemas.microsoft.com/office/drawing/2014/main" id="{4397AFC9-CB6C-451C-A293-3871571055E8}"/>
+              </a:ext>
+            </a:extLst>
+          </p:cNvPr>
+          <p:cNvSpPr txBox="1"/>
+          <p:nvPr/>
+        </p:nvSpPr>
+        <p:spPr>
+          <a:xfrm>
+            <a:off x="838200" y="976746"/>
+            <a:ext cx="10726882" cy="3693319"/>
+          </a:xfrm>
+          <a:prstGeom prst="rect">
+            <a:avLst/>
+          </a:prstGeom>
+          <a:noFill/>
+        </p:spPr>
+        <p:txBody>
+          <a:bodyPr wrap="square" rtlCol="0">
+            <a:spAutoFit/>
+          </a:bodyPr>
+          <a:lstStyle/>
+          <a:p>
+            <a:pPr marL="285750" indent="-285750">
+              <a:buFontTx/>
+              <a:buChar char="-"/>
+            </a:pPr>
+            <a:r>
+              <a:rPr lang="fr-BE" dirty="0"/>
+              <a:t>Docker </a:t>
+            </a:r>
+            <a:r>
+              <a:rPr lang="fr-BE" dirty="0" err="1"/>
+              <a:t>shines</a:t>
+            </a:r>
+            <a:r>
+              <a:rPr lang="fr-BE" dirty="0"/>
+              <a:t> </a:t>
+            </a:r>
+            <a:r>
+              <a:rPr lang="fr-BE" dirty="0" err="1"/>
+              <a:t>thanks</a:t>
+            </a:r>
+            <a:r>
+              <a:rPr lang="fr-BE" dirty="0"/>
+              <a:t> to </a:t>
+            </a:r>
+            <a:r>
+              <a:rPr lang="fr-BE" dirty="0" err="1"/>
+              <a:t>its</a:t>
+            </a:r>
+            <a:r>
+              <a:rPr lang="fr-BE" dirty="0"/>
+              <a:t> </a:t>
+            </a:r>
+            <a:r>
+              <a:rPr lang="fr-BE" dirty="0" err="1"/>
+              <a:t>capability</a:t>
+            </a:r>
+            <a:r>
+              <a:rPr lang="fr-BE" dirty="0"/>
+              <a:t> to </a:t>
+            </a:r>
+            <a:r>
+              <a:rPr lang="fr-BE" dirty="0" err="1"/>
+              <a:t>isolate</a:t>
+            </a:r>
+            <a:r>
+              <a:rPr lang="fr-BE" dirty="0"/>
+              <a:t> containers </a:t>
+            </a:r>
+            <a:r>
+              <a:rPr lang="fr-BE" dirty="0" err="1"/>
+              <a:t>from</a:t>
+            </a:r>
+            <a:r>
+              <a:rPr lang="fr-BE" dirty="0"/>
+              <a:t> one </a:t>
+            </a:r>
+            <a:r>
+              <a:rPr lang="fr-BE" dirty="0" err="1"/>
+              <a:t>another</a:t>
+            </a:r>
+            <a:r>
+              <a:rPr lang="fr-BE" dirty="0"/>
+              <a:t>, </a:t>
+            </a:r>
+            <a:r>
+              <a:rPr lang="fr-BE" dirty="0" err="1"/>
+              <a:t>especially</a:t>
+            </a:r>
+            <a:r>
+              <a:rPr lang="fr-BE" dirty="0"/>
+              <a:t> </a:t>
+            </a:r>
+            <a:r>
+              <a:rPr lang="fr-BE" dirty="0" err="1"/>
+              <a:t>when</a:t>
+            </a:r>
+            <a:r>
+              <a:rPr lang="fr-BE" dirty="0"/>
+              <a:t> </a:t>
+            </a:r>
+            <a:r>
+              <a:rPr lang="fr-BE" dirty="0" err="1"/>
+              <a:t>such</a:t>
+            </a:r>
+            <a:r>
+              <a:rPr lang="fr-BE" dirty="0"/>
+              <a:t> containers are </a:t>
+            </a:r>
+            <a:r>
+              <a:rPr lang="fr-BE" dirty="0" err="1"/>
+              <a:t>generated</a:t>
+            </a:r>
+            <a:r>
+              <a:rPr lang="fr-BE" dirty="0"/>
+              <a:t> </a:t>
+            </a:r>
+            <a:r>
+              <a:rPr lang="fr-BE" dirty="0" err="1"/>
+              <a:t>from</a:t>
+            </a:r>
+            <a:r>
+              <a:rPr lang="fr-BE" dirty="0"/>
+              <a:t> a « </a:t>
+            </a:r>
+            <a:r>
+              <a:rPr lang="fr-BE" dirty="0" err="1"/>
+              <a:t>same</a:t>
+            </a:r>
+            <a:r>
+              <a:rPr lang="fr-BE" dirty="0"/>
+              <a:t> image </a:t>
+            </a:r>
+            <a:r>
+              <a:rPr lang="fr-BE" dirty="0" err="1"/>
+              <a:t>having</a:t>
+            </a:r>
+            <a:r>
+              <a:rPr lang="fr-BE" dirty="0"/>
+              <a:t> a </a:t>
+            </a:r>
+            <a:r>
+              <a:rPr lang="fr-BE" dirty="0" err="1"/>
+              <a:t>different</a:t>
+            </a:r>
+            <a:r>
+              <a:rPr lang="fr-BE" dirty="0"/>
+              <a:t> « tag » (call </a:t>
+            </a:r>
+            <a:r>
+              <a:rPr lang="fr-BE" dirty="0" err="1"/>
+              <a:t>it</a:t>
+            </a:r>
+            <a:r>
+              <a:rPr lang="fr-BE" dirty="0"/>
+              <a:t> « version ») . </a:t>
+            </a:r>
+            <a:r>
+              <a:rPr lang="fr-BE" dirty="0" err="1"/>
+              <a:t>F.i</a:t>
+            </a:r>
+            <a:r>
+              <a:rPr lang="fr-BE" dirty="0"/>
+              <a:t>. :</a:t>
+            </a:r>
+          </a:p>
+          <a:p>
+            <a:pPr marL="285750" indent="-285750">
+              <a:buFontTx/>
+              <a:buChar char="-"/>
+            </a:pPr>
+            <a:r>
+              <a:rPr lang="fr-BE" dirty="0"/>
+              <a:t>Image « </a:t>
+            </a:r>
+            <a:r>
+              <a:rPr lang="fr-BE" dirty="0" err="1"/>
+              <a:t>tryton</a:t>
+            </a:r>
+            <a:r>
+              <a:rPr lang="fr-BE" dirty="0"/>
+              <a:t>/tryton:5.0 »</a:t>
+            </a:r>
+          </a:p>
+          <a:p>
+            <a:pPr marL="285750" indent="-285750">
+              <a:buFontTx/>
+              <a:buChar char="-"/>
+            </a:pPr>
+            <a:r>
+              <a:rPr lang="fr-BE" dirty="0"/>
+              <a:t>Image « </a:t>
+            </a:r>
+            <a:r>
+              <a:rPr lang="fr-BE" dirty="0" err="1"/>
+              <a:t>tryton</a:t>
+            </a:r>
+            <a:r>
+              <a:rPr lang="fr-BE" dirty="0"/>
+              <a:t>/tryton:6:0 » or « </a:t>
+            </a:r>
+            <a:r>
+              <a:rPr lang="fr-BE" dirty="0" err="1"/>
+              <a:t>tryton</a:t>
+            </a:r>
+            <a:r>
+              <a:rPr lang="fr-BE" dirty="0"/>
+              <a:t>/</a:t>
+            </a:r>
+            <a:r>
+              <a:rPr lang="fr-BE" dirty="0" err="1"/>
+              <a:t>tryton:latest</a:t>
+            </a:r>
+            <a:r>
+              <a:rPr lang="fr-BE" dirty="0"/>
+              <a:t> »</a:t>
+            </a:r>
+          </a:p>
+          <a:p>
+            <a:pPr marL="285750" indent="-285750">
+              <a:buFontTx/>
+              <a:buChar char="-"/>
+            </a:pPr>
+            <a:endParaRPr lang="fr-BE" dirty="0"/>
+          </a:p>
+          <a:p>
+            <a:pPr marL="285750" indent="-285750">
+              <a:buFontTx/>
+              <a:buChar char="-"/>
+            </a:pPr>
+            <a:r>
+              <a:rPr lang="fr-BE" dirty="0"/>
+              <a:t>In </a:t>
+            </a:r>
+            <a:r>
+              <a:rPr lang="fr-BE" dirty="0" err="1"/>
+              <a:t>order</a:t>
+            </a:r>
+            <a:r>
+              <a:rPr lang="fr-BE" dirty="0"/>
+              <a:t> to </a:t>
+            </a:r>
+            <a:r>
+              <a:rPr lang="fr-BE" dirty="0" err="1"/>
+              <a:t>succeed</a:t>
+            </a:r>
+            <a:r>
+              <a:rPr lang="fr-BE" dirty="0"/>
+              <a:t>, </a:t>
+            </a:r>
+            <a:r>
+              <a:rPr lang="fr-BE" dirty="0" err="1"/>
+              <a:t>it</a:t>
+            </a:r>
+            <a:r>
+              <a:rPr lang="fr-BE" dirty="0"/>
+              <a:t> </a:t>
+            </a:r>
+            <a:r>
+              <a:rPr lang="fr-BE" dirty="0" err="1"/>
+              <a:t>is</a:t>
+            </a:r>
+            <a:r>
+              <a:rPr lang="fr-BE" dirty="0"/>
+              <a:t> </a:t>
+            </a:r>
+            <a:r>
+              <a:rPr lang="fr-BE" dirty="0" err="1"/>
+              <a:t>necessary</a:t>
+            </a:r>
+            <a:r>
+              <a:rPr lang="fr-BE" dirty="0"/>
+              <a:t> to </a:t>
+            </a:r>
+            <a:r>
+              <a:rPr lang="fr-BE" dirty="0" err="1"/>
+              <a:t>segregate</a:t>
+            </a:r>
+            <a:r>
+              <a:rPr lang="fr-BE" dirty="0"/>
+              <a:t> containers e.g. « 5.0 » and « </a:t>
+            </a:r>
+            <a:r>
+              <a:rPr lang="fr-BE" dirty="0" err="1"/>
+              <a:t>latest</a:t>
+            </a:r>
+            <a:r>
+              <a:rPr lang="fr-BE" dirty="0"/>
+              <a:t> », </a:t>
+            </a:r>
+            <a:r>
+              <a:rPr lang="fr-BE" dirty="0" err="1"/>
+              <a:t>using</a:t>
+            </a:r>
+            <a:r>
+              <a:rPr lang="fr-BE" dirty="0"/>
+              <a:t> </a:t>
+            </a:r>
+            <a:r>
+              <a:rPr lang="fr-BE" dirty="0" err="1"/>
+              <a:t>some</a:t>
+            </a:r>
+            <a:r>
+              <a:rPr lang="fr-BE" dirty="0"/>
+              <a:t> </a:t>
+            </a:r>
+            <a:r>
+              <a:rPr lang="fr-BE" dirty="0" err="1"/>
+              <a:t>parameters</a:t>
+            </a:r>
+            <a:r>
+              <a:rPr lang="fr-BE" dirty="0"/>
+              <a:t> </a:t>
+            </a:r>
+            <a:r>
+              <a:rPr lang="fr-BE" dirty="0" err="1"/>
+              <a:t>clearly</a:t>
+            </a:r>
+            <a:r>
+              <a:rPr lang="fr-BE" dirty="0"/>
+              <a:t> </a:t>
+            </a:r>
+            <a:r>
+              <a:rPr lang="fr-BE" dirty="0" err="1"/>
+              <a:t>identified</a:t>
+            </a:r>
+            <a:r>
+              <a:rPr lang="fr-BE" dirty="0"/>
+              <a:t> in the respective utility scripts. Just </a:t>
+            </a:r>
+            <a:r>
+              <a:rPr lang="fr-BE" dirty="0" err="1"/>
+              <a:t>perform</a:t>
+            </a:r>
+            <a:r>
+              <a:rPr lang="fr-BE" dirty="0"/>
+              <a:t> a « replace all » of :</a:t>
+            </a:r>
+          </a:p>
+          <a:p>
+            <a:pPr marL="742950" lvl="1" indent="-285750">
+              <a:buFontTx/>
+              <a:buChar char="-"/>
+            </a:pPr>
+            <a:r>
+              <a:rPr lang="fr-BE" dirty="0"/>
+              <a:t>« tryt11 » : Container, </a:t>
+            </a:r>
+            <a:r>
+              <a:rPr lang="fr-BE" dirty="0" err="1"/>
+              <a:t>database</a:t>
+            </a:r>
+            <a:r>
+              <a:rPr lang="fr-BE" dirty="0"/>
+              <a:t> « </a:t>
+            </a:r>
+            <a:r>
+              <a:rPr lang="fr-BE" dirty="0" err="1"/>
+              <a:t>names</a:t>
+            </a:r>
+            <a:r>
+              <a:rPr lang="fr-BE" dirty="0"/>
+              <a:t> »</a:t>
+            </a:r>
+          </a:p>
+          <a:p>
+            <a:pPr marL="742950" lvl="1" indent="-285750">
+              <a:buFontTx/>
+              <a:buChar char="-"/>
+            </a:pPr>
+            <a:r>
+              <a:rPr lang="fr-BE" dirty="0"/>
+              <a:t>« 5443 » : the </a:t>
+            </a:r>
+            <a:r>
+              <a:rPr lang="fr-BE" dirty="0" err="1"/>
+              <a:t>database</a:t>
+            </a:r>
+            <a:r>
+              <a:rPr lang="fr-BE" dirty="0"/>
+              <a:t> port on the host system </a:t>
+            </a:r>
+            <a:r>
+              <a:rPr lang="fr-BE" dirty="0" err="1"/>
+              <a:t>side</a:t>
+            </a:r>
+            <a:r>
+              <a:rPr lang="fr-BE" dirty="0"/>
+              <a:t> &amp; « 8011 » : the </a:t>
+            </a:r>
+            <a:r>
+              <a:rPr lang="fr-BE" dirty="0" err="1"/>
+              <a:t>tryton</a:t>
+            </a:r>
+            <a:r>
+              <a:rPr lang="fr-BE" dirty="0"/>
+              <a:t> port on the host system </a:t>
+            </a:r>
+            <a:r>
+              <a:rPr lang="fr-BE" dirty="0" err="1"/>
+              <a:t>side</a:t>
+            </a:r>
+            <a:endParaRPr lang="fr-BE" dirty="0"/>
+          </a:p>
+          <a:p>
+            <a:pPr marL="742950" lvl="1" indent="-285750">
+              <a:buFontTx/>
+              <a:buChar char="-"/>
+            </a:pPr>
+            <a:r>
+              <a:rPr lang="fr-BE" dirty="0"/>
+              <a:t>For </a:t>
+            </a:r>
+            <a:r>
+              <a:rPr lang="fr-BE" dirty="0" err="1"/>
+              <a:t>simplicity</a:t>
+            </a:r>
+            <a:r>
+              <a:rPr lang="fr-BE" dirty="0"/>
+              <a:t>, if the </a:t>
+            </a:r>
+            <a:r>
+              <a:rPr lang="fr-BE" dirty="0" err="1"/>
+              <a:t>name</a:t>
+            </a:r>
+            <a:r>
+              <a:rPr lang="fr-BE" dirty="0"/>
+              <a:t> </a:t>
+            </a:r>
+            <a:r>
+              <a:rPr lang="fr-BE" dirty="0" err="1"/>
+              <a:t>is</a:t>
+            </a:r>
+            <a:r>
+              <a:rPr lang="fr-BE" dirty="0"/>
+              <a:t> « 11 », </a:t>
+            </a:r>
+            <a:r>
+              <a:rPr lang="fr-BE" dirty="0" err="1"/>
+              <a:t>we</a:t>
+            </a:r>
+            <a:r>
+              <a:rPr lang="fr-BE" dirty="0"/>
+              <a:t> </a:t>
+            </a:r>
+            <a:r>
+              <a:rPr lang="fr-BE" dirty="0" err="1"/>
+              <a:t>added</a:t>
+            </a:r>
+            <a:r>
+              <a:rPr lang="fr-BE" dirty="0"/>
+              <a:t> « 11 » to default ports « 5432 » and « 8000 »</a:t>
+            </a:r>
+          </a:p>
+          <a:p>
+            <a:pPr marL="742950" lvl="1" indent="-285750">
+              <a:buFontTx/>
+              <a:buChar char="-"/>
+            </a:pPr>
+            <a:r>
+              <a:rPr lang="fr-BE" dirty="0"/>
+              <a:t>« </a:t>
+            </a:r>
+            <a:r>
+              <a:rPr lang="fr-BE" dirty="0" err="1"/>
+              <a:t>tryton</a:t>
+            </a:r>
+            <a:r>
+              <a:rPr lang="fr-BE" dirty="0"/>
+              <a:t>/</a:t>
+            </a:r>
+            <a:r>
+              <a:rPr lang="fr-BE" dirty="0" err="1"/>
+              <a:t>tryton:latest</a:t>
+            </a:r>
+            <a:r>
+              <a:rPr lang="fr-BE" dirty="0"/>
+              <a:t> » : change if </a:t>
+            </a:r>
+            <a:r>
+              <a:rPr lang="fr-BE" dirty="0" err="1"/>
+              <a:t>necessary</a:t>
+            </a:r>
+            <a:endParaRPr lang="fr-BE" dirty="0"/>
+          </a:p>
+          <a:p>
+            <a:pPr marL="742950" lvl="1" indent="-285750">
+              <a:buFontTx/>
+              <a:buChar char="-"/>
+            </a:pPr>
+            <a:endParaRPr lang="fr-BE" dirty="0"/>
+          </a:p>
+          <a:p>
+            <a:pPr marL="285750" indent="-285750">
+              <a:buFontTx/>
+              <a:buChar char="-"/>
+            </a:pPr>
+            <a:r>
+              <a:rPr lang="fr-BE" dirty="0" err="1"/>
+              <a:t>Finally</a:t>
+            </a:r>
+            <a:r>
+              <a:rPr lang="fr-BE" dirty="0"/>
+              <a:t> </a:t>
+            </a:r>
+            <a:r>
+              <a:rPr lang="fr-BE" dirty="0" err="1"/>
+              <a:t>adapt</a:t>
+            </a:r>
+            <a:r>
+              <a:rPr lang="fr-BE" dirty="0"/>
+              <a:t> </a:t>
+            </a:r>
+            <a:r>
+              <a:rPr lang="fr-BE" dirty="0" err="1"/>
+              <a:t>inthes</a:t>
+            </a:r>
+            <a:r>
+              <a:rPr lang="fr-BE" dirty="0"/>
+              <a:t> script </a:t>
+            </a:r>
+            <a:r>
+              <a:rPr lang="fr-BE" dirty="0" err="1"/>
+              <a:t>some</a:t>
+            </a:r>
+            <a:r>
+              <a:rPr lang="fr-BE" dirty="0"/>
+              <a:t> </a:t>
+            </a:r>
+            <a:r>
+              <a:rPr lang="fr-BE" dirty="0" err="1"/>
+              <a:t>environment</a:t>
+            </a:r>
+            <a:r>
+              <a:rPr lang="fr-BE" dirty="0"/>
+              <a:t> variables and volume locations </a:t>
+            </a:r>
+            <a:r>
+              <a:rPr lang="fr-BE" dirty="0" err="1"/>
+              <a:t>according</a:t>
+            </a:r>
+            <a:r>
+              <a:rPr lang="fr-BE" dirty="0"/>
+              <a:t> to taste</a:t>
+            </a:r>
+          </a:p>
+        </p:txBody>
+      </p:sp>
+      <p:pic>
+        <p:nvPicPr>
+          <p:cNvPr id="13" name="Picture 12">
+            <a:extLst>
+              <a:ext uri="{FF2B5EF4-FFF2-40B4-BE49-F238E27FC236}">
+                <a16:creationId xmlns:a16="http://schemas.microsoft.com/office/drawing/2014/main" id="{7796EA75-9F64-4836-BF2E-43C3A0D0E7BC}"/>
+              </a:ext>
+            </a:extLst>
+          </p:cNvPr>
+          <p:cNvPicPr>
+            <a:picLocks noChangeAspect="1"/>
+          </p:cNvPicPr>
+          <p:nvPr/>
+        </p:nvPicPr>
+        <p:blipFill>
+          <a:blip r:embed="rId2"/>
+          <a:stretch>
+            <a:fillRect/>
+          </a:stretch>
+        </p:blipFill>
+        <p:spPr>
+          <a:xfrm>
+            <a:off x="838200" y="4819497"/>
+            <a:ext cx="5324475" cy="1314450"/>
+          </a:xfrm>
+          <a:prstGeom prst="rect">
+            <a:avLst/>
+          </a:prstGeom>
+        </p:spPr>
+      </p:pic>
     </p:spTree>
     <p:extLst>
       <p:ext uri="{BB962C8B-B14F-4D97-AF65-F5344CB8AC3E}">
-        <p14:creationId xmlns:p14="http://schemas.microsoft.com/office/powerpoint/2010/main" val="516665859"/>
+        <p14:creationId xmlns:p14="http://schemas.microsoft.com/office/powerpoint/2010/main" val="1884982498"/>
       </p:ext>
     </p:extLst>
   </p:cSld>
@@ -24853,10 +25437,10 @@
       </p:grpSpPr>
       <p:sp>
         <p:nvSpPr>
-          <p:cNvPr id="4" name="Title 3">
-            <a:extLst>
-              <a:ext uri="{FF2B5EF4-FFF2-40B4-BE49-F238E27FC236}">
-                <a16:creationId xmlns:a16="http://schemas.microsoft.com/office/drawing/2014/main" id="{ED3FC1DE-7B16-486F-9A86-76CD1459AFD2}"/>
+          <p:cNvPr id="2" name="Title 1">
+            <a:extLst>
+              <a:ext uri="{FF2B5EF4-FFF2-40B4-BE49-F238E27FC236}">
+                <a16:creationId xmlns:a16="http://schemas.microsoft.com/office/drawing/2014/main" id="{A5AABBF0-44BB-4BD7-BF73-1C1B53AB85BF}"/>
               </a:ext>
             </a:extLst>
           </p:cNvPr>
@@ -24874,7 +25458,7 @@
           <a:p>
             <a:r>
               <a:rPr lang="fr-BE" dirty="0"/>
-              <a:t>pgAdmin4</a:t>
+              <a:t>User Interface</a:t>
             </a:r>
             <a:endParaRPr lang="en-BE" dirty="0"/>
           </a:p>
@@ -24882,116 +25466,25 @@
       </p:sp>
       <p:sp>
         <p:nvSpPr>
-          <p:cNvPr id="14" name="TextBox 13">
-            <a:extLst>
-              <a:ext uri="{FF2B5EF4-FFF2-40B4-BE49-F238E27FC236}">
-                <a16:creationId xmlns:a16="http://schemas.microsoft.com/office/drawing/2014/main" id="{506BF65E-C24F-49F2-A8DD-78A0E2B914CE}"/>
-              </a:ext>
-            </a:extLst>
-          </p:cNvPr>
-          <p:cNvSpPr txBox="1"/>
-          <p:nvPr/>
-        </p:nvSpPr>
-        <p:spPr>
-          <a:xfrm>
-            <a:off x="710297" y="5122967"/>
-            <a:ext cx="7332785" cy="923330"/>
-          </a:xfrm>
-          <a:prstGeom prst="rect">
-            <a:avLst/>
-          </a:prstGeom>
-          <a:noFill/>
-        </p:spPr>
-        <p:txBody>
-          <a:bodyPr wrap="square" rtlCol="0">
-            <a:spAutoFit/>
-          </a:bodyPr>
-          <a:lstStyle/>
-          <a:p>
-            <a:r>
-              <a:rPr lang="fr-BE" dirty="0"/>
-              <a:t>Note : </a:t>
-            </a:r>
-          </a:p>
-          <a:p>
-            <a:pPr marL="285750" indent="-285750">
-              <a:buFontTx/>
-              <a:buChar char="-"/>
-            </a:pPr>
-            <a:r>
-              <a:rPr lang="fr-BE" dirty="0"/>
-              <a:t>User : « x@gmail.com » </a:t>
-            </a:r>
-            <a:r>
-              <a:rPr lang="fr-BE" dirty="0" err="1"/>
-              <a:t>is</a:t>
-            </a:r>
-            <a:r>
-              <a:rPr lang="fr-BE" dirty="0"/>
-              <a:t> the </a:t>
-            </a:r>
-            <a:r>
-              <a:rPr lang="fr-BE" dirty="0" err="1"/>
-              <a:t>address</a:t>
-            </a:r>
-            <a:r>
-              <a:rPr lang="fr-BE" dirty="0"/>
-              <a:t> </a:t>
-            </a:r>
-            <a:r>
-              <a:rPr lang="fr-BE" dirty="0" err="1"/>
-              <a:t>used</a:t>
-            </a:r>
-            <a:r>
-              <a:rPr lang="fr-BE" dirty="0"/>
-              <a:t> in the script</a:t>
-            </a:r>
-          </a:p>
-          <a:p>
-            <a:pPr marL="285750" indent="-285750">
-              <a:buFontTx/>
-              <a:buChar char="-"/>
-            </a:pPr>
-            <a:r>
-              <a:rPr lang="fr-BE" dirty="0" err="1"/>
-              <a:t>Password</a:t>
-            </a:r>
-            <a:r>
-              <a:rPr lang="fr-BE" dirty="0"/>
-              <a:t> : « </a:t>
-            </a:r>
-            <a:r>
-              <a:rPr lang="fr-BE" dirty="0" err="1"/>
-              <a:t>Password</a:t>
-            </a:r>
-            <a:r>
-              <a:rPr lang="fr-BE" dirty="0"/>
-              <a:t> » </a:t>
-            </a:r>
-            <a:r>
-              <a:rPr lang="fr-BE" dirty="0" err="1"/>
-              <a:t>is</a:t>
-            </a:r>
-            <a:r>
-              <a:rPr lang="fr-BE" dirty="0"/>
-              <a:t> the </a:t>
-            </a:r>
-            <a:r>
-              <a:rPr lang="fr-BE" dirty="0" err="1"/>
-              <a:t>password</a:t>
-            </a:r>
-            <a:r>
-              <a:rPr lang="fr-BE" dirty="0"/>
-              <a:t> </a:t>
-            </a:r>
-            <a:r>
-              <a:rPr lang="fr-BE" dirty="0" err="1"/>
-              <a:t>defined</a:t>
-            </a:r>
-            <a:r>
-              <a:rPr lang="fr-BE" dirty="0"/>
-              <a:t> in the script</a:t>
-            </a:r>
+          <p:cNvPr id="3" name="Text Placeholder 2">
+            <a:extLst>
+              <a:ext uri="{FF2B5EF4-FFF2-40B4-BE49-F238E27FC236}">
+                <a16:creationId xmlns:a16="http://schemas.microsoft.com/office/drawing/2014/main" id="{6061569B-4D1E-4EC2-AC4D-DB1D229470E5}"/>
+              </a:ext>
+            </a:extLst>
+          </p:cNvPr>
+          <p:cNvSpPr>
+            <a:spLocks noGrp="1"/>
+          </p:cNvSpPr>
+          <p:nvPr>
+            <p:ph type="body" idx="1"/>
+          </p:nvPr>
+        </p:nvSpPr>
+        <p:spPr/>
+        <p:txBody>
+          <a:bodyPr/>
+          <a:lstStyle/>
+          <a:p>
             <a:endParaRPr lang="en-BE" dirty="0"/>
           </a:p>
         </p:txBody>
@@ -25001,7 +25494,7 @@
           <p:cNvPr id="6" name="Slide Number Placeholder 5">
             <a:extLst>
               <a:ext uri="{FF2B5EF4-FFF2-40B4-BE49-F238E27FC236}">
-                <a16:creationId xmlns:a16="http://schemas.microsoft.com/office/drawing/2014/main" id="{13230F40-135A-4111-9387-46D72B65C6BE}"/>
+                <a16:creationId xmlns:a16="http://schemas.microsoft.com/office/drawing/2014/main" id="{BDF0AD69-D82A-42E8-BC94-E097442C2CDF}"/>
               </a:ext>
             </a:extLst>
           </p:cNvPr>
@@ -25012,12 +25505,7 @@
             <p:ph type="sldNum" sz="quarter" idx="12"/>
           </p:nvPr>
         </p:nvSpPr>
-        <p:spPr>
-          <a:xfrm rot="16200000">
-            <a:off x="-40341" y="6146519"/>
-            <a:ext cx="842683" cy="365125"/>
-          </a:xfrm>
-        </p:spPr>
+        <p:spPr/>
         <p:txBody>
           <a:bodyPr/>
           <a:lstStyle/>
@@ -25030,72 +25518,12 @@
           </a:p>
         </p:txBody>
       </p:sp>
-      <p:pic>
-        <p:nvPicPr>
-          <p:cNvPr id="11" name="Picture 10">
-            <a:extLst>
-              <a:ext uri="{FF2B5EF4-FFF2-40B4-BE49-F238E27FC236}">
-                <a16:creationId xmlns:a16="http://schemas.microsoft.com/office/drawing/2014/main" id="{C2212CE2-5BFB-4200-B90A-8317A7685B7E}"/>
-              </a:ext>
-            </a:extLst>
-          </p:cNvPr>
-          <p:cNvPicPr>
-            <a:picLocks noChangeAspect="1"/>
-          </p:cNvPicPr>
-          <p:nvPr/>
-        </p:nvPicPr>
-        <p:blipFill>
-          <a:blip r:embed="rId2"/>
-          <a:stretch>
-            <a:fillRect/>
-          </a:stretch>
-        </p:blipFill>
-        <p:spPr>
-          <a:xfrm>
-            <a:off x="710297" y="960402"/>
-            <a:ext cx="5557154" cy="3296016"/>
-          </a:xfrm>
-          <a:prstGeom prst="rect">
-            <a:avLst/>
-          </a:prstGeom>
-        </p:spPr>
-      </p:pic>
-      <p:pic>
-        <p:nvPicPr>
-          <p:cNvPr id="9" name="Picture 8">
-            <a:extLst>
-              <a:ext uri="{FF2B5EF4-FFF2-40B4-BE49-F238E27FC236}">
-                <a16:creationId xmlns:a16="http://schemas.microsoft.com/office/drawing/2014/main" id="{DEB7E37A-0AED-4813-8005-B7CC7519C336}"/>
-              </a:ext>
-            </a:extLst>
-          </p:cNvPr>
-          <p:cNvPicPr>
-            <a:picLocks noChangeAspect="1"/>
-          </p:cNvPicPr>
-          <p:nvPr/>
-        </p:nvPicPr>
-        <p:blipFill>
-          <a:blip r:embed="rId3"/>
-          <a:stretch>
-            <a:fillRect/>
-          </a:stretch>
-        </p:blipFill>
-        <p:spPr>
-          <a:xfrm>
-            <a:off x="6531220" y="960402"/>
-            <a:ext cx="5086349" cy="3628307"/>
-          </a:xfrm>
-          <a:prstGeom prst="rect">
-            <a:avLst/>
-          </a:prstGeom>
-        </p:spPr>
-      </p:pic>
-      <p:sp>
-        <p:nvSpPr>
-          <p:cNvPr id="13" name="Rectangle 12">
-            <a:extLst>
-              <a:ext uri="{FF2B5EF4-FFF2-40B4-BE49-F238E27FC236}">
-                <a16:creationId xmlns:a16="http://schemas.microsoft.com/office/drawing/2014/main" id="{3B9AB7A0-9C48-48E2-A780-317FF1E0443F}"/>
+      <p:sp>
+        <p:nvSpPr>
+          <p:cNvPr id="5" name="Rectangle 4">
+            <a:extLst>
+              <a:ext uri="{FF2B5EF4-FFF2-40B4-BE49-F238E27FC236}">
+                <a16:creationId xmlns:a16="http://schemas.microsoft.com/office/drawing/2014/main" id="{AC84AF6F-494F-431C-998F-221B85D40744}"/>
               </a:ext>
             </a:extLst>
           </p:cNvPr>
@@ -25147,7 +25575,7 @@
     </p:spTree>
     <p:extLst>
       <p:ext uri="{BB962C8B-B14F-4D97-AF65-F5344CB8AC3E}">
-        <p14:creationId xmlns:p14="http://schemas.microsoft.com/office/powerpoint/2010/main" val="4112674719"/>
+        <p14:creationId xmlns:p14="http://schemas.microsoft.com/office/powerpoint/2010/main" val="866875493"/>
       </p:ext>
     </p:extLst>
   </p:cSld>
@@ -25179,6 +25607,671 @@
           <p:cNvPr id="4" name="Title 3">
             <a:extLst>
               <a:ext uri="{FF2B5EF4-FFF2-40B4-BE49-F238E27FC236}">
+                <a16:creationId xmlns:a16="http://schemas.microsoft.com/office/drawing/2014/main" id="{41BA066E-3422-4368-97E5-68340B3CAC4F}"/>
+              </a:ext>
+            </a:extLst>
+          </p:cNvPr>
+          <p:cNvSpPr>
+            <a:spLocks noGrp="1"/>
+          </p:cNvSpPr>
+          <p:nvPr>
+            <p:ph type="title"/>
+          </p:nvPr>
+        </p:nvSpPr>
+        <p:spPr/>
+        <p:txBody>
+          <a:bodyPr/>
+          <a:lstStyle/>
+          <a:p>
+            <a:r>
+              <a:rPr lang="fr-BE" dirty="0"/>
+              <a:t>PgAdmin4</a:t>
+            </a:r>
+            <a:endParaRPr lang="en-BE" dirty="0"/>
+          </a:p>
+        </p:txBody>
+      </p:sp>
+      <p:sp>
+        <p:nvSpPr>
+          <p:cNvPr id="5" name="Text Placeholder 4">
+            <a:extLst>
+              <a:ext uri="{FF2B5EF4-FFF2-40B4-BE49-F238E27FC236}">
+                <a16:creationId xmlns:a16="http://schemas.microsoft.com/office/drawing/2014/main" id="{33031EBA-02B4-467B-806C-0992C70B928B}"/>
+              </a:ext>
+            </a:extLst>
+          </p:cNvPr>
+          <p:cNvSpPr>
+            <a:spLocks noGrp="1"/>
+          </p:cNvSpPr>
+          <p:nvPr>
+            <p:ph type="body" idx="1"/>
+          </p:nvPr>
+        </p:nvSpPr>
+        <p:spPr/>
+        <p:txBody>
+          <a:bodyPr/>
+          <a:lstStyle/>
+          <a:p>
+            <a:endParaRPr lang="en-BE"/>
+          </a:p>
+        </p:txBody>
+      </p:sp>
+      <p:sp>
+        <p:nvSpPr>
+          <p:cNvPr id="6" name="Slide Number Placeholder 5">
+            <a:extLst>
+              <a:ext uri="{FF2B5EF4-FFF2-40B4-BE49-F238E27FC236}">
+                <a16:creationId xmlns:a16="http://schemas.microsoft.com/office/drawing/2014/main" id="{1B401D7C-D015-4C18-BD73-E2FCD796C8E6}"/>
+              </a:ext>
+            </a:extLst>
+          </p:cNvPr>
+          <p:cNvSpPr>
+            <a:spLocks noGrp="1"/>
+          </p:cNvSpPr>
+          <p:nvPr>
+            <p:ph type="sldNum" sz="quarter" idx="12"/>
+          </p:nvPr>
+        </p:nvSpPr>
+        <p:spPr/>
+        <p:txBody>
+          <a:bodyPr/>
+          <a:lstStyle/>
+          <a:p>
+            <a:fld id="{69D2CCA8-53B9-41C4-8716-EA9CD8A55276}" type="slidenum">
+              <a:rPr lang="en-BE" smtClean="0"/>
+              <a:t>48</a:t>
+            </a:fld>
+            <a:endParaRPr lang="en-BE"/>
+          </a:p>
+        </p:txBody>
+      </p:sp>
+      <p:sp>
+        <p:nvSpPr>
+          <p:cNvPr id="7" name="Rectangle 6">
+            <a:extLst>
+              <a:ext uri="{FF2B5EF4-FFF2-40B4-BE49-F238E27FC236}">
+                <a16:creationId xmlns:a16="http://schemas.microsoft.com/office/drawing/2014/main" id="{5C86071F-B463-474D-BEC5-04F5B5D3C4DC}"/>
+              </a:ext>
+            </a:extLst>
+          </p:cNvPr>
+          <p:cNvSpPr/>
+          <p:nvPr/>
+        </p:nvSpPr>
+        <p:spPr>
+          <a:xfrm>
+            <a:off x="11728938" y="6453554"/>
+            <a:ext cx="463062" cy="404446"/>
+          </a:xfrm>
+          <a:prstGeom prst="rect">
+            <a:avLst/>
+          </a:prstGeom>
+          <a:solidFill>
+            <a:schemeClr val="accent5">
+              <a:lumMod val="75000"/>
+            </a:schemeClr>
+          </a:solidFill>
+          <a:ln>
+            <a:noFill/>
+          </a:ln>
+        </p:spPr>
+        <p:style>
+          <a:lnRef idx="2">
+            <a:schemeClr val="accent1">
+              <a:shade val="50000"/>
+            </a:schemeClr>
+          </a:lnRef>
+          <a:fillRef idx="1">
+            <a:schemeClr val="accent1"/>
+          </a:fillRef>
+          <a:effectRef idx="0">
+            <a:schemeClr val="accent1"/>
+          </a:effectRef>
+          <a:fontRef idx="minor">
+            <a:schemeClr val="lt1"/>
+          </a:fontRef>
+        </p:style>
+        <p:txBody>
+          <a:bodyPr rtlCol="0" anchor="ctr"/>
+          <a:lstStyle/>
+          <a:p>
+            <a:pPr algn="ctr"/>
+            <a:endParaRPr lang="en-BE"/>
+          </a:p>
+        </p:txBody>
+      </p:sp>
+    </p:spTree>
+    <p:extLst>
+      <p:ext uri="{BB962C8B-B14F-4D97-AF65-F5344CB8AC3E}">
+        <p14:creationId xmlns:p14="http://schemas.microsoft.com/office/powerpoint/2010/main" val="516665859"/>
+      </p:ext>
+    </p:extLst>
+  </p:cSld>
+  <p:clrMapOvr>
+    <a:masterClrMapping/>
+  </p:clrMapOvr>
+</p:sld>
+</file>
+
+<file path=ppt/slides/slide49.xml><?xml version="1.0" encoding="utf-8"?>
+<p:sld xmlns:a="http://schemas.openxmlformats.org/drawingml/2006/main" xmlns:r="http://schemas.openxmlformats.org/officeDocument/2006/relationships" xmlns:p="http://schemas.openxmlformats.org/presentationml/2006/main">
+  <p:cSld>
+    <p:spTree>
+      <p:nvGrpSpPr>
+        <p:cNvPr id="1" name=""/>
+        <p:cNvGrpSpPr/>
+        <p:nvPr/>
+      </p:nvGrpSpPr>
+      <p:grpSpPr>
+        <a:xfrm>
+          <a:off x="0" y="0"/>
+          <a:ext cx="0" cy="0"/>
+          <a:chOff x="0" y="0"/>
+          <a:chExt cx="0" cy="0"/>
+        </a:xfrm>
+      </p:grpSpPr>
+      <p:sp>
+        <p:nvSpPr>
+          <p:cNvPr id="4" name="Title 3">
+            <a:extLst>
+              <a:ext uri="{FF2B5EF4-FFF2-40B4-BE49-F238E27FC236}">
+                <a16:creationId xmlns:a16="http://schemas.microsoft.com/office/drawing/2014/main" id="{ED3FC1DE-7B16-486F-9A86-76CD1459AFD2}"/>
+              </a:ext>
+            </a:extLst>
+          </p:cNvPr>
+          <p:cNvSpPr>
+            <a:spLocks noGrp="1"/>
+          </p:cNvSpPr>
+          <p:nvPr>
+            <p:ph type="title"/>
+          </p:nvPr>
+        </p:nvSpPr>
+        <p:spPr/>
+        <p:txBody>
+          <a:bodyPr/>
+          <a:lstStyle/>
+          <a:p>
+            <a:r>
+              <a:rPr lang="fr-BE" dirty="0"/>
+              <a:t>pgAdmin4</a:t>
+            </a:r>
+            <a:endParaRPr lang="en-BE" dirty="0"/>
+          </a:p>
+        </p:txBody>
+      </p:sp>
+      <p:sp>
+        <p:nvSpPr>
+          <p:cNvPr id="14" name="TextBox 13">
+            <a:extLst>
+              <a:ext uri="{FF2B5EF4-FFF2-40B4-BE49-F238E27FC236}">
+                <a16:creationId xmlns:a16="http://schemas.microsoft.com/office/drawing/2014/main" id="{506BF65E-C24F-49F2-A8DD-78A0E2B914CE}"/>
+              </a:ext>
+            </a:extLst>
+          </p:cNvPr>
+          <p:cNvSpPr txBox="1"/>
+          <p:nvPr/>
+        </p:nvSpPr>
+        <p:spPr>
+          <a:xfrm>
+            <a:off x="710297" y="5122967"/>
+            <a:ext cx="7332785" cy="923330"/>
+          </a:xfrm>
+          <a:prstGeom prst="rect">
+            <a:avLst/>
+          </a:prstGeom>
+          <a:noFill/>
+        </p:spPr>
+        <p:txBody>
+          <a:bodyPr wrap="square" rtlCol="0">
+            <a:spAutoFit/>
+          </a:bodyPr>
+          <a:lstStyle/>
+          <a:p>
+            <a:r>
+              <a:rPr lang="fr-BE" dirty="0"/>
+              <a:t>Note : </a:t>
+            </a:r>
+          </a:p>
+          <a:p>
+            <a:pPr marL="285750" indent="-285750">
+              <a:buFontTx/>
+              <a:buChar char="-"/>
+            </a:pPr>
+            <a:r>
+              <a:rPr lang="fr-BE" dirty="0"/>
+              <a:t>User : « x@gmail.com » </a:t>
+            </a:r>
+            <a:r>
+              <a:rPr lang="fr-BE" dirty="0" err="1"/>
+              <a:t>is</a:t>
+            </a:r>
+            <a:r>
+              <a:rPr lang="fr-BE" dirty="0"/>
+              <a:t> the </a:t>
+            </a:r>
+            <a:r>
+              <a:rPr lang="fr-BE" dirty="0" err="1"/>
+              <a:t>address</a:t>
+            </a:r>
+            <a:r>
+              <a:rPr lang="fr-BE" dirty="0"/>
+              <a:t> </a:t>
+            </a:r>
+            <a:r>
+              <a:rPr lang="fr-BE" dirty="0" err="1"/>
+              <a:t>used</a:t>
+            </a:r>
+            <a:r>
+              <a:rPr lang="fr-BE" dirty="0"/>
+              <a:t> in the script</a:t>
+            </a:r>
+          </a:p>
+          <a:p>
+            <a:pPr marL="285750" indent="-285750">
+              <a:buFontTx/>
+              <a:buChar char="-"/>
+            </a:pPr>
+            <a:r>
+              <a:rPr lang="fr-BE" dirty="0" err="1"/>
+              <a:t>Password</a:t>
+            </a:r>
+            <a:r>
+              <a:rPr lang="fr-BE" dirty="0"/>
+              <a:t> : « </a:t>
+            </a:r>
+            <a:r>
+              <a:rPr lang="fr-BE" dirty="0" err="1"/>
+              <a:t>Password</a:t>
+            </a:r>
+            <a:r>
+              <a:rPr lang="fr-BE" dirty="0"/>
+              <a:t> » </a:t>
+            </a:r>
+            <a:r>
+              <a:rPr lang="fr-BE" dirty="0" err="1"/>
+              <a:t>is</a:t>
+            </a:r>
+            <a:r>
+              <a:rPr lang="fr-BE" dirty="0"/>
+              <a:t> the </a:t>
+            </a:r>
+            <a:r>
+              <a:rPr lang="fr-BE" dirty="0" err="1"/>
+              <a:t>password</a:t>
+            </a:r>
+            <a:r>
+              <a:rPr lang="fr-BE" dirty="0"/>
+              <a:t> </a:t>
+            </a:r>
+            <a:r>
+              <a:rPr lang="fr-BE" dirty="0" err="1"/>
+              <a:t>defined</a:t>
+            </a:r>
+            <a:r>
+              <a:rPr lang="fr-BE" dirty="0"/>
+              <a:t> in the script</a:t>
+            </a:r>
+            <a:endParaRPr lang="en-BE" dirty="0"/>
+          </a:p>
+        </p:txBody>
+      </p:sp>
+      <p:sp>
+        <p:nvSpPr>
+          <p:cNvPr id="6" name="Slide Number Placeholder 5">
+            <a:extLst>
+              <a:ext uri="{FF2B5EF4-FFF2-40B4-BE49-F238E27FC236}">
+                <a16:creationId xmlns:a16="http://schemas.microsoft.com/office/drawing/2014/main" id="{13230F40-135A-4111-9387-46D72B65C6BE}"/>
+              </a:ext>
+            </a:extLst>
+          </p:cNvPr>
+          <p:cNvSpPr>
+            <a:spLocks noGrp="1"/>
+          </p:cNvSpPr>
+          <p:nvPr>
+            <p:ph type="sldNum" sz="quarter" idx="12"/>
+          </p:nvPr>
+        </p:nvSpPr>
+        <p:spPr>
+          <a:xfrm rot="16200000">
+            <a:off x="-40341" y="6146519"/>
+            <a:ext cx="842683" cy="365125"/>
+          </a:xfrm>
+        </p:spPr>
+        <p:txBody>
+          <a:bodyPr/>
+          <a:lstStyle/>
+          <a:p>
+            <a:fld id="{69D2CCA8-53B9-41C4-8716-EA9CD8A55276}" type="slidenum">
+              <a:rPr lang="en-BE" smtClean="0"/>
+              <a:t>49</a:t>
+            </a:fld>
+            <a:endParaRPr lang="en-BE"/>
+          </a:p>
+        </p:txBody>
+      </p:sp>
+      <p:pic>
+        <p:nvPicPr>
+          <p:cNvPr id="11" name="Picture 10">
+            <a:extLst>
+              <a:ext uri="{FF2B5EF4-FFF2-40B4-BE49-F238E27FC236}">
+                <a16:creationId xmlns:a16="http://schemas.microsoft.com/office/drawing/2014/main" id="{C2212CE2-5BFB-4200-B90A-8317A7685B7E}"/>
+              </a:ext>
+            </a:extLst>
+          </p:cNvPr>
+          <p:cNvPicPr>
+            <a:picLocks noChangeAspect="1"/>
+          </p:cNvPicPr>
+          <p:nvPr/>
+        </p:nvPicPr>
+        <p:blipFill>
+          <a:blip r:embed="rId2"/>
+          <a:stretch>
+            <a:fillRect/>
+          </a:stretch>
+        </p:blipFill>
+        <p:spPr>
+          <a:xfrm>
+            <a:off x="710297" y="960402"/>
+            <a:ext cx="5557154" cy="3296016"/>
+          </a:xfrm>
+          <a:prstGeom prst="rect">
+            <a:avLst/>
+          </a:prstGeom>
+        </p:spPr>
+      </p:pic>
+      <p:pic>
+        <p:nvPicPr>
+          <p:cNvPr id="9" name="Picture 8">
+            <a:extLst>
+              <a:ext uri="{FF2B5EF4-FFF2-40B4-BE49-F238E27FC236}">
+                <a16:creationId xmlns:a16="http://schemas.microsoft.com/office/drawing/2014/main" id="{DEB7E37A-0AED-4813-8005-B7CC7519C336}"/>
+              </a:ext>
+            </a:extLst>
+          </p:cNvPr>
+          <p:cNvPicPr>
+            <a:picLocks noChangeAspect="1"/>
+          </p:cNvPicPr>
+          <p:nvPr/>
+        </p:nvPicPr>
+        <p:blipFill>
+          <a:blip r:embed="rId3"/>
+          <a:stretch>
+            <a:fillRect/>
+          </a:stretch>
+        </p:blipFill>
+        <p:spPr>
+          <a:xfrm>
+            <a:off x="6531220" y="960402"/>
+            <a:ext cx="5086349" cy="3628307"/>
+          </a:xfrm>
+          <a:prstGeom prst="rect">
+            <a:avLst/>
+          </a:prstGeom>
+        </p:spPr>
+      </p:pic>
+      <p:sp>
+        <p:nvSpPr>
+          <p:cNvPr id="13" name="Rectangle 12">
+            <a:extLst>
+              <a:ext uri="{FF2B5EF4-FFF2-40B4-BE49-F238E27FC236}">
+                <a16:creationId xmlns:a16="http://schemas.microsoft.com/office/drawing/2014/main" id="{3B9AB7A0-9C48-48E2-A780-317FF1E0443F}"/>
+              </a:ext>
+            </a:extLst>
+          </p:cNvPr>
+          <p:cNvSpPr/>
+          <p:nvPr/>
+        </p:nvSpPr>
+        <p:spPr>
+          <a:xfrm>
+            <a:off x="11728938" y="6453554"/>
+            <a:ext cx="463062" cy="404446"/>
+          </a:xfrm>
+          <a:prstGeom prst="rect">
+            <a:avLst/>
+          </a:prstGeom>
+          <a:solidFill>
+            <a:schemeClr val="accent5">
+              <a:lumMod val="75000"/>
+            </a:schemeClr>
+          </a:solidFill>
+          <a:ln>
+            <a:noFill/>
+          </a:ln>
+        </p:spPr>
+        <p:style>
+          <a:lnRef idx="2">
+            <a:schemeClr val="accent1">
+              <a:shade val="50000"/>
+            </a:schemeClr>
+          </a:lnRef>
+          <a:fillRef idx="1">
+            <a:schemeClr val="accent1"/>
+          </a:fillRef>
+          <a:effectRef idx="0">
+            <a:schemeClr val="accent1"/>
+          </a:effectRef>
+          <a:fontRef idx="minor">
+            <a:schemeClr val="lt1"/>
+          </a:fontRef>
+        </p:style>
+        <p:txBody>
+          <a:bodyPr rtlCol="0" anchor="ctr"/>
+          <a:lstStyle/>
+          <a:p>
+            <a:pPr algn="ctr"/>
+            <a:endParaRPr lang="en-BE"/>
+          </a:p>
+        </p:txBody>
+      </p:sp>
+    </p:spTree>
+    <p:extLst>
+      <p:ext uri="{BB962C8B-B14F-4D97-AF65-F5344CB8AC3E}">
+        <p14:creationId xmlns:p14="http://schemas.microsoft.com/office/powerpoint/2010/main" val="4112674719"/>
+      </p:ext>
+    </p:extLst>
+  </p:cSld>
+  <p:clrMapOvr>
+    <a:masterClrMapping/>
+  </p:clrMapOvr>
+</p:sld>
+</file>
+
+<file path=ppt/slides/slide5.xml><?xml version="1.0" encoding="utf-8"?>
+<p:sld xmlns:a="http://schemas.openxmlformats.org/drawingml/2006/main" xmlns:r="http://schemas.openxmlformats.org/officeDocument/2006/relationships" xmlns:p="http://schemas.openxmlformats.org/presentationml/2006/main">
+  <p:cSld>
+    <p:spTree>
+      <p:nvGrpSpPr>
+        <p:cNvPr id="1" name=""/>
+        <p:cNvGrpSpPr/>
+        <p:nvPr/>
+      </p:nvGrpSpPr>
+      <p:grpSpPr>
+        <a:xfrm>
+          <a:off x="0" y="0"/>
+          <a:ext cx="0" cy="0"/>
+          <a:chOff x="0" y="0"/>
+          <a:chExt cx="0" cy="0"/>
+        </a:xfrm>
+      </p:grpSpPr>
+      <p:sp>
+        <p:nvSpPr>
+          <p:cNvPr id="2" name="Title 1">
+            <a:extLst>
+              <a:ext uri="{FF2B5EF4-FFF2-40B4-BE49-F238E27FC236}">
+                <a16:creationId xmlns:a16="http://schemas.microsoft.com/office/drawing/2014/main" id="{A5AABBF0-44BB-4BD7-BF73-1C1B53AB85BF}"/>
+              </a:ext>
+            </a:extLst>
+          </p:cNvPr>
+          <p:cNvSpPr>
+            <a:spLocks noGrp="1"/>
+          </p:cNvSpPr>
+          <p:nvPr>
+            <p:ph type="title"/>
+          </p:nvPr>
+        </p:nvSpPr>
+        <p:spPr/>
+        <p:txBody>
+          <a:bodyPr/>
+          <a:lstStyle/>
+          <a:p>
+            <a:r>
+              <a:rPr lang="fr-BE" dirty="0"/>
+              <a:t>Scripts and </a:t>
+            </a:r>
+            <a:r>
+              <a:rPr lang="fr-BE" dirty="0" err="1"/>
+              <a:t>database</a:t>
+            </a:r>
+            <a:r>
+              <a:rPr lang="fr-BE" dirty="0"/>
+              <a:t> snapshots</a:t>
+            </a:r>
+            <a:endParaRPr lang="en-BE" dirty="0"/>
+          </a:p>
+        </p:txBody>
+      </p:sp>
+      <p:sp>
+        <p:nvSpPr>
+          <p:cNvPr id="4" name="Text Placeholder 3">
+            <a:extLst>
+              <a:ext uri="{FF2B5EF4-FFF2-40B4-BE49-F238E27FC236}">
+                <a16:creationId xmlns:a16="http://schemas.microsoft.com/office/drawing/2014/main" id="{595A4D49-9062-4C4A-AC34-56AA863A3A3C}"/>
+              </a:ext>
+            </a:extLst>
+          </p:cNvPr>
+          <p:cNvSpPr>
+            <a:spLocks noGrp="1"/>
+          </p:cNvSpPr>
+          <p:nvPr>
+            <p:ph type="body" idx="1"/>
+          </p:nvPr>
+        </p:nvSpPr>
+        <p:spPr/>
+        <p:txBody>
+          <a:bodyPr/>
+          <a:lstStyle/>
+          <a:p>
+            <a:endParaRPr lang="en-BE"/>
+          </a:p>
+        </p:txBody>
+      </p:sp>
+      <p:sp>
+        <p:nvSpPr>
+          <p:cNvPr id="6" name="Slide Number Placeholder 5">
+            <a:extLst>
+              <a:ext uri="{FF2B5EF4-FFF2-40B4-BE49-F238E27FC236}">
+                <a16:creationId xmlns:a16="http://schemas.microsoft.com/office/drawing/2014/main" id="{57228C1D-3324-49D2-B699-117C49B9F5A0}"/>
+              </a:ext>
+            </a:extLst>
+          </p:cNvPr>
+          <p:cNvSpPr>
+            <a:spLocks noGrp="1"/>
+          </p:cNvSpPr>
+          <p:nvPr>
+            <p:ph type="sldNum" sz="quarter" idx="12"/>
+          </p:nvPr>
+        </p:nvSpPr>
+        <p:spPr/>
+        <p:txBody>
+          <a:bodyPr/>
+          <a:lstStyle/>
+          <a:p>
+            <a:fld id="{69D2CCA8-53B9-41C4-8716-EA9CD8A55276}" type="slidenum">
+              <a:rPr lang="en-BE" smtClean="0"/>
+              <a:t>5</a:t>
+            </a:fld>
+            <a:endParaRPr lang="en-BE" dirty="0"/>
+          </a:p>
+        </p:txBody>
+      </p:sp>
+      <p:sp>
+        <p:nvSpPr>
+          <p:cNvPr id="5" name="Rectangle 4">
+            <a:extLst>
+              <a:ext uri="{FF2B5EF4-FFF2-40B4-BE49-F238E27FC236}">
+                <a16:creationId xmlns:a16="http://schemas.microsoft.com/office/drawing/2014/main" id="{3F8CBACF-A939-4CE4-AD56-015F2974F65A}"/>
+              </a:ext>
+            </a:extLst>
+          </p:cNvPr>
+          <p:cNvSpPr/>
+          <p:nvPr/>
+        </p:nvSpPr>
+        <p:spPr>
+          <a:xfrm>
+            <a:off x="11728938" y="6453554"/>
+            <a:ext cx="463062" cy="404446"/>
+          </a:xfrm>
+          <a:prstGeom prst="rect">
+            <a:avLst/>
+          </a:prstGeom>
+          <a:solidFill>
+            <a:schemeClr val="accent5">
+              <a:lumMod val="75000"/>
+            </a:schemeClr>
+          </a:solidFill>
+          <a:ln>
+            <a:noFill/>
+          </a:ln>
+        </p:spPr>
+        <p:style>
+          <a:lnRef idx="2">
+            <a:schemeClr val="accent1">
+              <a:shade val="50000"/>
+            </a:schemeClr>
+          </a:lnRef>
+          <a:fillRef idx="1">
+            <a:schemeClr val="accent1"/>
+          </a:fillRef>
+          <a:effectRef idx="0">
+            <a:schemeClr val="accent1"/>
+          </a:effectRef>
+          <a:fontRef idx="minor">
+            <a:schemeClr val="lt1"/>
+          </a:fontRef>
+        </p:style>
+        <p:txBody>
+          <a:bodyPr rtlCol="0" anchor="ctr"/>
+          <a:lstStyle/>
+          <a:p>
+            <a:pPr algn="ctr"/>
+            <a:endParaRPr lang="en-BE"/>
+          </a:p>
+        </p:txBody>
+      </p:sp>
+    </p:spTree>
+    <p:extLst>
+      <p:ext uri="{BB962C8B-B14F-4D97-AF65-F5344CB8AC3E}">
+        <p14:creationId xmlns:p14="http://schemas.microsoft.com/office/powerpoint/2010/main" val="3615538216"/>
+      </p:ext>
+    </p:extLst>
+  </p:cSld>
+  <p:clrMapOvr>
+    <a:masterClrMapping/>
+  </p:clrMapOvr>
+</p:sld>
+</file>
+
+<file path=ppt/slides/slide50.xml><?xml version="1.0" encoding="utf-8"?>
+<p:sld xmlns:a="http://schemas.openxmlformats.org/drawingml/2006/main" xmlns:r="http://schemas.openxmlformats.org/officeDocument/2006/relationships" xmlns:p="http://schemas.openxmlformats.org/presentationml/2006/main">
+  <p:cSld>
+    <p:spTree>
+      <p:nvGrpSpPr>
+        <p:cNvPr id="1" name=""/>
+        <p:cNvGrpSpPr/>
+        <p:nvPr/>
+      </p:nvGrpSpPr>
+      <p:grpSpPr>
+        <a:xfrm>
+          <a:off x="0" y="0"/>
+          <a:ext cx="0" cy="0"/>
+          <a:chOff x="0" y="0"/>
+          <a:chExt cx="0" cy="0"/>
+        </a:xfrm>
+      </p:grpSpPr>
+      <p:sp>
+        <p:nvSpPr>
+          <p:cNvPr id="4" name="Title 3">
+            <a:extLst>
+              <a:ext uri="{FF2B5EF4-FFF2-40B4-BE49-F238E27FC236}">
                 <a16:creationId xmlns:a16="http://schemas.microsoft.com/office/drawing/2014/main" id="{ED3FC1DE-7B16-486F-9A86-76CD1459AFD2}"/>
               </a:ext>
             </a:extLst>
@@ -25277,7 +26370,7 @@
           <a:p>
             <a:fld id="{69D2CCA8-53B9-41C4-8716-EA9CD8A55276}" type="slidenum">
               <a:rPr lang="en-BE" smtClean="0"/>
-              <a:t>48</a:t>
+              <a:t>50</a:t>
             </a:fld>
             <a:endParaRPr lang="en-BE"/>
           </a:p>
@@ -25527,7 +26620,7 @@
 </p:sld>
 </file>
 
-<file path=ppt/slides/slide49.xml><?xml version="1.0" encoding="utf-8"?>
+<file path=ppt/slides/slide51.xml><?xml version="1.0" encoding="utf-8"?>
 <p:sld xmlns:a="http://schemas.openxmlformats.org/drawingml/2006/main" xmlns:r="http://schemas.openxmlformats.org/officeDocument/2006/relationships" xmlns:p="http://schemas.openxmlformats.org/presentationml/2006/main">
   <p:cSld>
     <p:spTree>
@@ -25622,7 +26715,7 @@
           <a:p>
             <a:fld id="{69D2CCA8-53B9-41C4-8716-EA9CD8A55276}" type="slidenum">
               <a:rPr lang="en-BE" smtClean="0"/>
-              <a:t>49</a:t>
+              <a:t>51</a:t>
             </a:fld>
             <a:endParaRPr lang="en-BE"/>
           </a:p>
@@ -25815,7 +26908,7 @@
 </p:sld>
 </file>
 
-<file path=ppt/slides/slide5.xml><?xml version="1.0" encoding="utf-8"?>
+<file path=ppt/slides/slide52.xml><?xml version="1.0" encoding="utf-8"?>
 <p:sld xmlns:a="http://schemas.openxmlformats.org/drawingml/2006/main" xmlns:r="http://schemas.openxmlformats.org/officeDocument/2006/relationships" xmlns:p="http://schemas.openxmlformats.org/presentationml/2006/main">
   <p:cSld>
     <p:spTree>
@@ -25837,7 +26930,7 @@
           <p:cNvPr id="2" name="Title 1">
             <a:extLst>
               <a:ext uri="{FF2B5EF4-FFF2-40B4-BE49-F238E27FC236}">
-                <a16:creationId xmlns:a16="http://schemas.microsoft.com/office/drawing/2014/main" id="{A5AABBF0-44BB-4BD7-BF73-1C1B53AB85BF}"/>
+                <a16:creationId xmlns:a16="http://schemas.microsoft.com/office/drawing/2014/main" id="{B256BE96-90CE-4947-85E0-A5EB4DB422CF}"/>
               </a:ext>
             </a:extLst>
           </p:cNvPr>
@@ -25848,14 +26941,35 @@
             <p:ph type="title"/>
           </p:nvPr>
         </p:nvSpPr>
-        <p:spPr/>
+        <p:spPr>
+          <a:xfrm>
+            <a:off x="266699" y="298450"/>
+            <a:ext cx="11532577" cy="462189"/>
+          </a:xfrm>
+        </p:spPr>
         <p:txBody>
           <a:bodyPr/>
           <a:lstStyle/>
           <a:p>
             <a:r>
               <a:rPr lang="fr-BE" dirty="0"/>
-              <a:t>Scripts and </a:t>
+              <a:t>Server 2 - </a:t>
+            </a:r>
+            <a:r>
+              <a:rPr lang="fr-BE" dirty="0" err="1"/>
+              <a:t>Connect</a:t>
+            </a:r>
+            <a:r>
+              <a:rPr lang="fr-BE" dirty="0"/>
+              <a:t> to « </a:t>
+            </a:r>
+            <a:r>
+              <a:rPr lang="fr-BE" dirty="0" err="1"/>
+              <a:t>postgres</a:t>
+            </a:r>
+            <a:r>
+              <a:rPr lang="fr-BE" dirty="0"/>
+              <a:t> » </a:t>
             </a:r>
             <a:r>
               <a:rPr lang="fr-BE" dirty="0" err="1"/>
@@ -25863,7 +26977,7 @@
             </a:r>
             <a:r>
               <a:rPr lang="fr-BE" dirty="0"/>
-              <a:t> snapshots</a:t>
+              <a:t> in « post01-postgres » container</a:t>
             </a:r>
             <a:endParaRPr lang="en-BE" dirty="0"/>
           </a:p>
@@ -25871,35 +26985,10 @@
       </p:sp>
       <p:sp>
         <p:nvSpPr>
-          <p:cNvPr id="4" name="Text Placeholder 3">
-            <a:extLst>
-              <a:ext uri="{FF2B5EF4-FFF2-40B4-BE49-F238E27FC236}">
-                <a16:creationId xmlns:a16="http://schemas.microsoft.com/office/drawing/2014/main" id="{595A4D49-9062-4C4A-AC34-56AA863A3A3C}"/>
-              </a:ext>
-            </a:extLst>
-          </p:cNvPr>
-          <p:cNvSpPr>
-            <a:spLocks noGrp="1"/>
-          </p:cNvSpPr>
-          <p:nvPr>
-            <p:ph type="body" idx="1"/>
-          </p:nvPr>
-        </p:nvSpPr>
-        <p:spPr/>
-        <p:txBody>
-          <a:bodyPr/>
-          <a:lstStyle/>
-          <a:p>
-            <a:endParaRPr lang="en-BE"/>
-          </a:p>
-        </p:txBody>
-      </p:sp>
-      <p:sp>
-        <p:nvSpPr>
-          <p:cNvPr id="6" name="Slide Number Placeholder 5">
-            <a:extLst>
-              <a:ext uri="{FF2B5EF4-FFF2-40B4-BE49-F238E27FC236}">
-                <a16:creationId xmlns:a16="http://schemas.microsoft.com/office/drawing/2014/main" id="{57228C1D-3324-49D2-B699-117C49B9F5A0}"/>
+          <p:cNvPr id="7" name="Slide Number Placeholder 6">
+            <a:extLst>
+              <a:ext uri="{FF2B5EF4-FFF2-40B4-BE49-F238E27FC236}">
+                <a16:creationId xmlns:a16="http://schemas.microsoft.com/office/drawing/2014/main" id="{14D4685F-9E89-47CD-A0F6-7BF3537B286C}"/>
               </a:ext>
             </a:extLst>
           </p:cNvPr>
@@ -25910,177 +26999,6 @@
             <p:ph type="sldNum" sz="quarter" idx="12"/>
           </p:nvPr>
         </p:nvSpPr>
-        <p:spPr/>
-        <p:txBody>
-          <a:bodyPr/>
-          <a:lstStyle/>
-          <a:p>
-            <a:fld id="{69D2CCA8-53B9-41C4-8716-EA9CD8A55276}" type="slidenum">
-              <a:rPr lang="en-BE" smtClean="0"/>
-              <a:t>5</a:t>
-            </a:fld>
-            <a:endParaRPr lang="en-BE" dirty="0"/>
-          </a:p>
-        </p:txBody>
-      </p:sp>
-      <p:sp>
-        <p:nvSpPr>
-          <p:cNvPr id="5" name="Rectangle 4">
-            <a:extLst>
-              <a:ext uri="{FF2B5EF4-FFF2-40B4-BE49-F238E27FC236}">
-                <a16:creationId xmlns:a16="http://schemas.microsoft.com/office/drawing/2014/main" id="{3F8CBACF-A939-4CE4-AD56-015F2974F65A}"/>
-              </a:ext>
-            </a:extLst>
-          </p:cNvPr>
-          <p:cNvSpPr/>
-          <p:nvPr/>
-        </p:nvSpPr>
-        <p:spPr>
-          <a:xfrm>
-            <a:off x="11728938" y="6453554"/>
-            <a:ext cx="463062" cy="404446"/>
-          </a:xfrm>
-          <a:prstGeom prst="rect">
-            <a:avLst/>
-          </a:prstGeom>
-          <a:solidFill>
-            <a:schemeClr val="accent5">
-              <a:lumMod val="75000"/>
-            </a:schemeClr>
-          </a:solidFill>
-          <a:ln>
-            <a:noFill/>
-          </a:ln>
-        </p:spPr>
-        <p:style>
-          <a:lnRef idx="2">
-            <a:schemeClr val="accent1">
-              <a:shade val="50000"/>
-            </a:schemeClr>
-          </a:lnRef>
-          <a:fillRef idx="1">
-            <a:schemeClr val="accent1"/>
-          </a:fillRef>
-          <a:effectRef idx="0">
-            <a:schemeClr val="accent1"/>
-          </a:effectRef>
-          <a:fontRef idx="minor">
-            <a:schemeClr val="lt1"/>
-          </a:fontRef>
-        </p:style>
-        <p:txBody>
-          <a:bodyPr rtlCol="0" anchor="ctr"/>
-          <a:lstStyle/>
-          <a:p>
-            <a:pPr algn="ctr"/>
-            <a:endParaRPr lang="en-BE"/>
-          </a:p>
-        </p:txBody>
-      </p:sp>
-    </p:spTree>
-    <p:extLst>
-      <p:ext uri="{BB962C8B-B14F-4D97-AF65-F5344CB8AC3E}">
-        <p14:creationId xmlns:p14="http://schemas.microsoft.com/office/powerpoint/2010/main" val="3615538216"/>
-      </p:ext>
-    </p:extLst>
-  </p:cSld>
-  <p:clrMapOvr>
-    <a:masterClrMapping/>
-  </p:clrMapOvr>
-</p:sld>
-</file>
-
-<file path=ppt/slides/slide50.xml><?xml version="1.0" encoding="utf-8"?>
-<p:sld xmlns:a="http://schemas.openxmlformats.org/drawingml/2006/main" xmlns:r="http://schemas.openxmlformats.org/officeDocument/2006/relationships" xmlns:p="http://schemas.openxmlformats.org/presentationml/2006/main">
-  <p:cSld>
-    <p:spTree>
-      <p:nvGrpSpPr>
-        <p:cNvPr id="1" name=""/>
-        <p:cNvGrpSpPr/>
-        <p:nvPr/>
-      </p:nvGrpSpPr>
-      <p:grpSpPr>
-        <a:xfrm>
-          <a:off x="0" y="0"/>
-          <a:ext cx="0" cy="0"/>
-          <a:chOff x="0" y="0"/>
-          <a:chExt cx="0" cy="0"/>
-        </a:xfrm>
-      </p:grpSpPr>
-      <p:sp>
-        <p:nvSpPr>
-          <p:cNvPr id="2" name="Title 1">
-            <a:extLst>
-              <a:ext uri="{FF2B5EF4-FFF2-40B4-BE49-F238E27FC236}">
-                <a16:creationId xmlns:a16="http://schemas.microsoft.com/office/drawing/2014/main" id="{B256BE96-90CE-4947-85E0-A5EB4DB422CF}"/>
-              </a:ext>
-            </a:extLst>
-          </p:cNvPr>
-          <p:cNvSpPr>
-            <a:spLocks noGrp="1"/>
-          </p:cNvSpPr>
-          <p:nvPr>
-            <p:ph type="title"/>
-          </p:nvPr>
-        </p:nvSpPr>
-        <p:spPr>
-          <a:xfrm>
-            <a:off x="266699" y="298450"/>
-            <a:ext cx="11532577" cy="462189"/>
-          </a:xfrm>
-        </p:spPr>
-        <p:txBody>
-          <a:bodyPr/>
-          <a:lstStyle/>
-          <a:p>
-            <a:r>
-              <a:rPr lang="fr-BE" dirty="0"/>
-              <a:t>Server 2 - </a:t>
-            </a:r>
-            <a:r>
-              <a:rPr lang="fr-BE" dirty="0" err="1"/>
-              <a:t>Connect</a:t>
-            </a:r>
-            <a:r>
-              <a:rPr lang="fr-BE" dirty="0"/>
-              <a:t> to « </a:t>
-            </a:r>
-            <a:r>
-              <a:rPr lang="fr-BE" dirty="0" err="1"/>
-              <a:t>postgres</a:t>
-            </a:r>
-            <a:r>
-              <a:rPr lang="fr-BE" dirty="0"/>
-              <a:t> » </a:t>
-            </a:r>
-            <a:r>
-              <a:rPr lang="fr-BE" dirty="0" err="1"/>
-              <a:t>database</a:t>
-            </a:r>
-            <a:r>
-              <a:rPr lang="fr-BE" dirty="0"/>
-              <a:t> in « post01-postgres » container</a:t>
-            </a:r>
-            <a:endParaRPr lang="en-BE" dirty="0"/>
-          </a:p>
-        </p:txBody>
-      </p:sp>
-      <p:sp>
-        <p:nvSpPr>
-          <p:cNvPr id="7" name="Slide Number Placeholder 6">
-            <a:extLst>
-              <a:ext uri="{FF2B5EF4-FFF2-40B4-BE49-F238E27FC236}">
-                <a16:creationId xmlns:a16="http://schemas.microsoft.com/office/drawing/2014/main" id="{14D4685F-9E89-47CD-A0F6-7BF3537B286C}"/>
-              </a:ext>
-            </a:extLst>
-          </p:cNvPr>
-          <p:cNvSpPr>
-            <a:spLocks noGrp="1"/>
-          </p:cNvSpPr>
-          <p:nvPr>
-            <p:ph type="sldNum" sz="quarter" idx="12"/>
-          </p:nvPr>
-        </p:nvSpPr>
         <p:spPr>
           <a:xfrm rot="16200000">
             <a:off x="-40341" y="6146519"/>
@@ -26093,7 +27011,7 @@
           <a:p>
             <a:fld id="{69D2CCA8-53B9-41C4-8716-EA9CD8A55276}" type="slidenum">
               <a:rPr lang="en-BE" smtClean="0"/>
-              <a:t>50</a:t>
+              <a:t>52</a:t>
             </a:fld>
             <a:endParaRPr lang="en-BE"/>
           </a:p>
@@ -26286,7 +27204,7 @@
 </p:sld>
 </file>
 
-<file path=ppt/slides/slide51.xml><?xml version="1.0" encoding="utf-8"?>
+<file path=ppt/slides/slide53.xml><?xml version="1.0" encoding="utf-8"?>
 <p:sld xmlns:a="http://schemas.openxmlformats.org/drawingml/2006/main" xmlns:r="http://schemas.openxmlformats.org/officeDocument/2006/relationships" xmlns:p="http://schemas.openxmlformats.org/presentationml/2006/main">
   <p:cSld>
     <p:spTree>
@@ -26436,7 +27354,7 @@
           <a:p>
             <a:fld id="{69D2CCA8-53B9-41C4-8716-EA9CD8A55276}" type="slidenum">
               <a:rPr lang="en-BE" smtClean="0"/>
-              <a:t>51</a:t>
+              <a:t>53</a:t>
             </a:fld>
             <a:endParaRPr lang="en-BE"/>
           </a:p>
@@ -26599,7 +27517,7 @@
 </p:sld>
 </file>
 
-<file path=ppt/slides/slide52.xml><?xml version="1.0" encoding="utf-8"?>
+<file path=ppt/slides/slide54.xml><?xml version="1.0" encoding="utf-8"?>
 <p:sld xmlns:a="http://schemas.openxmlformats.org/drawingml/2006/main" xmlns:r="http://schemas.openxmlformats.org/officeDocument/2006/relationships" xmlns:p="http://schemas.openxmlformats.org/presentationml/2006/main">
   <p:cSld>
     <p:spTree>
@@ -26749,7 +27667,7 @@
           <a:p>
             <a:fld id="{69D2CCA8-53B9-41C4-8716-EA9CD8A55276}" type="slidenum">
               <a:rPr lang="en-BE" smtClean="0"/>
-              <a:t>52</a:t>
+              <a:t>54</a:t>
             </a:fld>
             <a:endParaRPr lang="en-BE"/>
           </a:p>
@@ -26822,7 +27740,7 @@
 </p:sld>
 </file>
 
-<file path=ppt/slides/slide53.xml><?xml version="1.0" encoding="utf-8"?>
+<file path=ppt/slides/slide55.xml><?xml version="1.0" encoding="utf-8"?>
 <p:sld xmlns:a="http://schemas.openxmlformats.org/drawingml/2006/main" xmlns:r="http://schemas.openxmlformats.org/officeDocument/2006/relationships" xmlns:p="http://schemas.openxmlformats.org/presentationml/2006/main">
   <p:cSld>
     <p:spTree>
@@ -26916,7 +27834,7 @@
           <a:p>
             <a:fld id="{69D2CCA8-53B9-41C4-8716-EA9CD8A55276}" type="slidenum">
               <a:rPr lang="en-BE" smtClean="0"/>
-              <a:t>53</a:t>
+              <a:t>55</a:t>
             </a:fld>
             <a:endParaRPr lang="en-BE"/>
           </a:p>
@@ -26989,7 +27907,7 @@
 </p:sld>
 </file>
 
-<file path=ppt/slides/slide54.xml><?xml version="1.0" encoding="utf-8"?>
+<file path=ppt/slides/slide56.xml><?xml version="1.0" encoding="utf-8"?>
 <p:sld xmlns:a="http://schemas.openxmlformats.org/drawingml/2006/main" xmlns:r="http://schemas.openxmlformats.org/officeDocument/2006/relationships" xmlns:p="http://schemas.openxmlformats.org/presentationml/2006/main">
   <p:cSld>
     <p:spTree>
@@ -27087,7 +28005,7 @@
           <a:p>
             <a:fld id="{69D2CCA8-53B9-41C4-8716-EA9CD8A55276}" type="slidenum">
               <a:rPr lang="en-BE" smtClean="0"/>
-              <a:t>54</a:t>
+              <a:t>56</a:t>
             </a:fld>
             <a:endParaRPr lang="en-BE"/>
           </a:p>
@@ -27160,7 +28078,7 @@
 </p:sld>
 </file>
 
-<file path=ppt/slides/slide55.xml><?xml version="1.0" encoding="utf-8"?>
+<file path=ppt/slides/slide57.xml><?xml version="1.0" encoding="utf-8"?>
 <p:sld xmlns:a="http://schemas.openxmlformats.org/drawingml/2006/main" xmlns:r="http://schemas.openxmlformats.org/officeDocument/2006/relationships" xmlns:p="http://schemas.openxmlformats.org/presentationml/2006/main">
   <p:cSld>
     <p:spTree>
@@ -27329,7 +28247,7 @@
           <a:p>
             <a:fld id="{69D2CCA8-53B9-41C4-8716-EA9CD8A55276}" type="slidenum">
               <a:rPr lang="en-BE" smtClean="0"/>
-              <a:t>55</a:t>
+              <a:t>57</a:t>
             </a:fld>
             <a:endParaRPr lang="en-BE"/>
           </a:p>
@@ -27462,7 +28380,7 @@
 </p:sld>
 </file>
 
-<file path=ppt/slides/slide56.xml><?xml version="1.0" encoding="utf-8"?>
+<file path=ppt/slides/slide58.xml><?xml version="1.0" encoding="utf-8"?>
 <p:sld xmlns:a="http://schemas.openxmlformats.org/drawingml/2006/main" xmlns:r="http://schemas.openxmlformats.org/officeDocument/2006/relationships" xmlns:p="http://schemas.openxmlformats.org/presentationml/2006/main">
   <p:cSld>
     <p:spTree>
@@ -27544,7 +28462,7 @@
           <a:p>
             <a:fld id="{69D2CCA8-53B9-41C4-8716-EA9CD8A55276}" type="slidenum">
               <a:rPr lang="en-BE" smtClean="0"/>
-              <a:t>56</a:t>
+              <a:t>58</a:t>
             </a:fld>
             <a:endParaRPr lang="en-BE"/>
           </a:p>
@@ -27739,7 +28657,7 @@
 </p:sld>
 </file>
 
-<file path=ppt/slides/slide57.xml><?xml version="1.0" encoding="utf-8"?>
+<file path=ppt/slides/slide59.xml><?xml version="1.0" encoding="utf-8"?>
 <p:sld xmlns:a="http://schemas.openxmlformats.org/drawingml/2006/main" xmlns:r="http://schemas.openxmlformats.org/officeDocument/2006/relationships" xmlns:p="http://schemas.openxmlformats.org/presentationml/2006/main">
   <p:cSld>
     <p:spTree>
@@ -27833,7 +28751,7 @@
           <a:p>
             <a:fld id="{69D2CCA8-53B9-41C4-8716-EA9CD8A55276}" type="slidenum">
               <a:rPr lang="en-BE" smtClean="0"/>
-              <a:t>57</a:t>
+              <a:t>59</a:t>
             </a:fld>
             <a:endParaRPr lang="en-BE"/>
           </a:p>
@@ -27906,7 +28824,7 @@
 </p:sld>
 </file>
 
-<file path=ppt/slides/slide58.xml><?xml version="1.0" encoding="utf-8"?>
+<file path=ppt/slides/slide6.xml><?xml version="1.0" encoding="utf-8"?>
 <p:sld xmlns:a="http://schemas.openxmlformats.org/drawingml/2006/main" xmlns:r="http://schemas.openxmlformats.org/officeDocument/2006/relationships" xmlns:p="http://schemas.openxmlformats.org/presentationml/2006/main">
   <p:cSld>
     <p:spTree>
@@ -27925,6 +28843,221 @@
       </p:grpSpPr>
       <p:sp>
         <p:nvSpPr>
+          <p:cNvPr id="6" name="Title 5">
+            <a:extLst>
+              <a:ext uri="{FF2B5EF4-FFF2-40B4-BE49-F238E27FC236}">
+                <a16:creationId xmlns:a16="http://schemas.microsoft.com/office/drawing/2014/main" id="{58602178-544B-4666-8E9B-555376EB72FA}"/>
+              </a:ext>
+            </a:extLst>
+          </p:cNvPr>
+          <p:cNvSpPr>
+            <a:spLocks noGrp="1"/>
+          </p:cNvSpPr>
+          <p:nvPr>
+            <p:ph type="title"/>
+          </p:nvPr>
+        </p:nvSpPr>
+        <p:spPr/>
+        <p:txBody>
+          <a:bodyPr>
+            <a:normAutofit fontScale="90000"/>
+          </a:bodyPr>
+          <a:lstStyle/>
+          <a:p>
+            <a:r>
+              <a:rPr lang="fr-BE" dirty="0"/>
+              <a:t>Structure</a:t>
+            </a:r>
+            <a:br>
+              <a:rPr lang="fr-BE" dirty="0"/>
+            </a:br>
+            <a:br>
+              <a:rPr lang="fr-BE" dirty="0"/>
+            </a:br>
+            <a:endParaRPr lang="en-BE" dirty="0"/>
+          </a:p>
+        </p:txBody>
+      </p:sp>
+      <p:sp>
+        <p:nvSpPr>
+          <p:cNvPr id="4" name="Slide Number Placeholder 3">
+            <a:extLst>
+              <a:ext uri="{FF2B5EF4-FFF2-40B4-BE49-F238E27FC236}">
+                <a16:creationId xmlns:a16="http://schemas.microsoft.com/office/drawing/2014/main" id="{EAA02D43-D45B-4DB6-B6A2-79AC2BE24160}"/>
+              </a:ext>
+            </a:extLst>
+          </p:cNvPr>
+          <p:cNvSpPr>
+            <a:spLocks noGrp="1"/>
+          </p:cNvSpPr>
+          <p:nvPr>
+            <p:ph type="sldNum" sz="quarter" idx="12"/>
+          </p:nvPr>
+        </p:nvSpPr>
+        <p:spPr>
+          <a:xfrm rot="16200000">
+            <a:off x="-40341" y="6146519"/>
+            <a:ext cx="842683" cy="365125"/>
+          </a:xfrm>
+        </p:spPr>
+        <p:txBody>
+          <a:bodyPr/>
+          <a:lstStyle/>
+          <a:p>
+            <a:fld id="{69D2CCA8-53B9-41C4-8716-EA9CD8A55276}" type="slidenum">
+              <a:rPr lang="en-BE" smtClean="0"/>
+              <a:t>6</a:t>
+            </a:fld>
+            <a:endParaRPr lang="en-BE"/>
+          </a:p>
+        </p:txBody>
+      </p:sp>
+      <p:pic>
+        <p:nvPicPr>
+          <p:cNvPr id="7" name="Picture 6">
+            <a:extLst>
+              <a:ext uri="{FF2B5EF4-FFF2-40B4-BE49-F238E27FC236}">
+                <a16:creationId xmlns:a16="http://schemas.microsoft.com/office/drawing/2014/main" id="{F3E4277F-559C-4459-8A80-5E7E950245A3}"/>
+              </a:ext>
+            </a:extLst>
+          </p:cNvPr>
+          <p:cNvPicPr>
+            <a:picLocks noChangeAspect="1"/>
+          </p:cNvPicPr>
+          <p:nvPr/>
+        </p:nvPicPr>
+        <p:blipFill>
+          <a:blip r:embed="rId2"/>
+          <a:stretch>
+            <a:fillRect/>
+          </a:stretch>
+        </p:blipFill>
+        <p:spPr>
+          <a:xfrm>
+            <a:off x="838200" y="903776"/>
+            <a:ext cx="1714500" cy="1571625"/>
+          </a:xfrm>
+          <a:prstGeom prst="rect">
+            <a:avLst/>
+          </a:prstGeom>
+        </p:spPr>
+      </p:pic>
+      <p:pic>
+        <p:nvPicPr>
+          <p:cNvPr id="10" name="Picture 9">
+            <a:extLst>
+              <a:ext uri="{FF2B5EF4-FFF2-40B4-BE49-F238E27FC236}">
+                <a16:creationId xmlns:a16="http://schemas.microsoft.com/office/drawing/2014/main" id="{CB55385C-3226-4ACF-A285-7988EF8F1BA0}"/>
+              </a:ext>
+            </a:extLst>
+          </p:cNvPr>
+          <p:cNvPicPr>
+            <a:picLocks noChangeAspect="1"/>
+          </p:cNvPicPr>
+          <p:nvPr/>
+        </p:nvPicPr>
+        <p:blipFill>
+          <a:blip r:embed="rId3"/>
+          <a:stretch>
+            <a:fillRect/>
+          </a:stretch>
+        </p:blipFill>
+        <p:spPr>
+          <a:xfrm>
+            <a:off x="4438757" y="0"/>
+            <a:ext cx="6690732" cy="6858000"/>
+          </a:xfrm>
+          <a:prstGeom prst="rect">
+            <a:avLst/>
+          </a:prstGeom>
+        </p:spPr>
+      </p:pic>
+      <p:sp>
+        <p:nvSpPr>
+          <p:cNvPr id="14" name="Rectangle 13">
+            <a:extLst>
+              <a:ext uri="{FF2B5EF4-FFF2-40B4-BE49-F238E27FC236}">
+                <a16:creationId xmlns:a16="http://schemas.microsoft.com/office/drawing/2014/main" id="{AFD44F54-0496-460B-A2BB-A6856744A10D}"/>
+              </a:ext>
+            </a:extLst>
+          </p:cNvPr>
+          <p:cNvSpPr/>
+          <p:nvPr/>
+        </p:nvSpPr>
+        <p:spPr>
+          <a:xfrm>
+            <a:off x="11728938" y="6453554"/>
+            <a:ext cx="463062" cy="404446"/>
+          </a:xfrm>
+          <a:prstGeom prst="rect">
+            <a:avLst/>
+          </a:prstGeom>
+          <a:solidFill>
+            <a:schemeClr val="accent5">
+              <a:lumMod val="75000"/>
+            </a:schemeClr>
+          </a:solidFill>
+          <a:ln>
+            <a:noFill/>
+          </a:ln>
+        </p:spPr>
+        <p:style>
+          <a:lnRef idx="2">
+            <a:schemeClr val="accent1">
+              <a:shade val="50000"/>
+            </a:schemeClr>
+          </a:lnRef>
+          <a:fillRef idx="1">
+            <a:schemeClr val="accent1"/>
+          </a:fillRef>
+          <a:effectRef idx="0">
+            <a:schemeClr val="accent1"/>
+          </a:effectRef>
+          <a:fontRef idx="minor">
+            <a:schemeClr val="lt1"/>
+          </a:fontRef>
+        </p:style>
+        <p:txBody>
+          <a:bodyPr rtlCol="0" anchor="ctr"/>
+          <a:lstStyle/>
+          <a:p>
+            <a:pPr algn="ctr"/>
+            <a:endParaRPr lang="en-BE"/>
+          </a:p>
+        </p:txBody>
+      </p:sp>
+    </p:spTree>
+    <p:extLst>
+      <p:ext uri="{BB962C8B-B14F-4D97-AF65-F5344CB8AC3E}">
+        <p14:creationId xmlns:p14="http://schemas.microsoft.com/office/powerpoint/2010/main" val="3043266786"/>
+      </p:ext>
+    </p:extLst>
+  </p:cSld>
+  <p:clrMapOvr>
+    <a:masterClrMapping/>
+  </p:clrMapOvr>
+</p:sld>
+</file>
+
+<file path=ppt/slides/slide60.xml><?xml version="1.0" encoding="utf-8"?>
+<p:sld xmlns:a="http://schemas.openxmlformats.org/drawingml/2006/main" xmlns:r="http://schemas.openxmlformats.org/officeDocument/2006/relationships" xmlns:p="http://schemas.openxmlformats.org/presentationml/2006/main">
+  <p:cSld>
+    <p:spTree>
+      <p:nvGrpSpPr>
+        <p:cNvPr id="1" name=""/>
+        <p:cNvGrpSpPr/>
+        <p:nvPr/>
+      </p:nvGrpSpPr>
+      <p:grpSpPr>
+        <a:xfrm>
+          <a:off x="0" y="0"/>
+          <a:ext cx="0" cy="0"/>
+          <a:chOff x="0" y="0"/>
+          <a:chExt cx="0" cy="0"/>
+        </a:xfrm>
+      </p:grpSpPr>
+      <p:sp>
+        <p:nvSpPr>
           <p:cNvPr id="2" name="Title 1">
             <a:extLst>
               <a:ext uri="{FF2B5EF4-FFF2-40B4-BE49-F238E27FC236}">
@@ -28099,7 +29232,7 @@
           <a:p>
             <a:fld id="{69D2CCA8-53B9-41C4-8716-EA9CD8A55276}" type="slidenum">
               <a:rPr lang="en-BE" smtClean="0"/>
-              <a:t>58</a:t>
+              <a:t>60</a:t>
             </a:fld>
             <a:endParaRPr lang="en-BE"/>
           </a:p>
@@ -28290,7 +29423,7 @@
 </p:sld>
 </file>
 
-<file path=ppt/slides/slide59.xml><?xml version="1.0" encoding="utf-8"?>
+<file path=ppt/slides/slide61.xml><?xml version="1.0" encoding="utf-8"?>
 <p:sld xmlns:a="http://schemas.openxmlformats.org/drawingml/2006/main" xmlns:r="http://schemas.openxmlformats.org/officeDocument/2006/relationships" xmlns:p="http://schemas.openxmlformats.org/presentationml/2006/main">
   <p:cSld>
     <p:spTree>
@@ -28388,7 +29521,7 @@
           <a:p>
             <a:fld id="{69D2CCA8-53B9-41C4-8716-EA9CD8A55276}" type="slidenum">
               <a:rPr lang="en-BE" smtClean="0"/>
-              <a:t>59</a:t>
+              <a:t>61</a:t>
             </a:fld>
             <a:endParaRPr lang="en-BE"/>
           </a:p>
@@ -28461,7 +29594,7 @@
 </p:sld>
 </file>
 
-<file path=ppt/slides/slide6.xml><?xml version="1.0" encoding="utf-8"?>
+<file path=ppt/slides/slide62.xml><?xml version="1.0" encoding="utf-8"?>
 <p:sld xmlns:a="http://schemas.openxmlformats.org/drawingml/2006/main" xmlns:r="http://schemas.openxmlformats.org/officeDocument/2006/relationships" xmlns:p="http://schemas.openxmlformats.org/presentationml/2006/main">
   <p:cSld>
     <p:spTree>
@@ -28480,10 +29613,10 @@
       </p:grpSpPr>
       <p:sp>
         <p:nvSpPr>
-          <p:cNvPr id="6" name="Title 5">
-            <a:extLst>
-              <a:ext uri="{FF2B5EF4-FFF2-40B4-BE49-F238E27FC236}">
-                <a16:creationId xmlns:a16="http://schemas.microsoft.com/office/drawing/2014/main" id="{58602178-544B-4666-8E9B-555376EB72FA}"/>
+          <p:cNvPr id="15" name="Title 14">
+            <a:extLst>
+              <a:ext uri="{FF2B5EF4-FFF2-40B4-BE49-F238E27FC236}">
+                <a16:creationId xmlns:a16="http://schemas.microsoft.com/office/drawing/2014/main" id="{A23AC3EC-F18F-4E9E-8FB1-17FAE083F67F}"/>
               </a:ext>
             </a:extLst>
           </p:cNvPr>
@@ -28496,31 +29629,48 @@
         </p:nvSpPr>
         <p:spPr/>
         <p:txBody>
-          <a:bodyPr>
-            <a:normAutofit fontScale="90000"/>
-          </a:bodyPr>
-          <a:lstStyle/>
-          <a:p>
-            <a:r>
-              <a:rPr lang="fr-BE" dirty="0"/>
-              <a:t>Structure</a:t>
-            </a:r>
-            <a:br>
-              <a:rPr lang="fr-BE" dirty="0"/>
-            </a:br>
-            <a:br>
-              <a:rPr lang="fr-BE" dirty="0"/>
-            </a:br>
+          <a:bodyPr/>
+          <a:lstStyle/>
+          <a:p>
+            <a:r>
+              <a:rPr lang="fr-BE" dirty="0" err="1"/>
+              <a:t>Tryton</a:t>
+            </a:r>
             <a:endParaRPr lang="en-BE" dirty="0"/>
           </a:p>
         </p:txBody>
       </p:sp>
       <p:sp>
         <p:nvSpPr>
-          <p:cNvPr id="4" name="Slide Number Placeholder 3">
-            <a:extLst>
-              <a:ext uri="{FF2B5EF4-FFF2-40B4-BE49-F238E27FC236}">
-                <a16:creationId xmlns:a16="http://schemas.microsoft.com/office/drawing/2014/main" id="{EAA02D43-D45B-4DB6-B6A2-79AC2BE24160}"/>
+          <p:cNvPr id="2" name="Text Placeholder 1">
+            <a:extLst>
+              <a:ext uri="{FF2B5EF4-FFF2-40B4-BE49-F238E27FC236}">
+                <a16:creationId xmlns:a16="http://schemas.microsoft.com/office/drawing/2014/main" id="{39208425-75EA-4473-84B8-232370AD0BBA}"/>
+              </a:ext>
+            </a:extLst>
+          </p:cNvPr>
+          <p:cNvSpPr>
+            <a:spLocks noGrp="1"/>
+          </p:cNvSpPr>
+          <p:nvPr>
+            <p:ph type="body" idx="1"/>
+          </p:nvPr>
+        </p:nvSpPr>
+        <p:spPr/>
+        <p:txBody>
+          <a:bodyPr/>
+          <a:lstStyle/>
+          <a:p>
+            <a:endParaRPr lang="en-BE"/>
+          </a:p>
+        </p:txBody>
+      </p:sp>
+      <p:sp>
+        <p:nvSpPr>
+          <p:cNvPr id="3" name="Slide Number Placeholder 2">
+            <a:extLst>
+              <a:ext uri="{FF2B5EF4-FFF2-40B4-BE49-F238E27FC236}">
+                <a16:creationId xmlns:a16="http://schemas.microsoft.com/office/drawing/2014/main" id="{CA6EFD7A-64F3-49C7-9ABD-744047250A0A}"/>
               </a:ext>
             </a:extLst>
           </p:cNvPr>
@@ -28531,90 +29681,25 @@
             <p:ph type="sldNum" sz="quarter" idx="12"/>
           </p:nvPr>
         </p:nvSpPr>
-        <p:spPr>
-          <a:xfrm rot="16200000">
-            <a:off x="-40341" y="6146519"/>
-            <a:ext cx="842683" cy="365125"/>
-          </a:xfrm>
-        </p:spPr>
+        <p:spPr/>
         <p:txBody>
           <a:bodyPr/>
           <a:lstStyle/>
           <a:p>
             <a:fld id="{69D2CCA8-53B9-41C4-8716-EA9CD8A55276}" type="slidenum">
               <a:rPr lang="en-BE" smtClean="0"/>
-              <a:t>6</a:t>
+              <a:t>62</a:t>
             </a:fld>
             <a:endParaRPr lang="en-BE"/>
           </a:p>
         </p:txBody>
       </p:sp>
-      <p:pic>
-        <p:nvPicPr>
-          <p:cNvPr id="7" name="Picture 6">
-            <a:extLst>
-              <a:ext uri="{FF2B5EF4-FFF2-40B4-BE49-F238E27FC236}">
-                <a16:creationId xmlns:a16="http://schemas.microsoft.com/office/drawing/2014/main" id="{F3E4277F-559C-4459-8A80-5E7E950245A3}"/>
-              </a:ext>
-            </a:extLst>
-          </p:cNvPr>
-          <p:cNvPicPr>
-            <a:picLocks noChangeAspect="1"/>
-          </p:cNvPicPr>
-          <p:nvPr/>
-        </p:nvPicPr>
-        <p:blipFill>
-          <a:blip r:embed="rId2"/>
-          <a:stretch>
-            <a:fillRect/>
-          </a:stretch>
-        </p:blipFill>
-        <p:spPr>
-          <a:xfrm>
-            <a:off x="838200" y="903776"/>
-            <a:ext cx="1714500" cy="1571625"/>
-          </a:xfrm>
-          <a:prstGeom prst="rect">
-            <a:avLst/>
-          </a:prstGeom>
-        </p:spPr>
-      </p:pic>
-      <p:pic>
-        <p:nvPicPr>
-          <p:cNvPr id="10" name="Picture 9">
-            <a:extLst>
-              <a:ext uri="{FF2B5EF4-FFF2-40B4-BE49-F238E27FC236}">
-                <a16:creationId xmlns:a16="http://schemas.microsoft.com/office/drawing/2014/main" id="{CB55385C-3226-4ACF-A285-7988EF8F1BA0}"/>
-              </a:ext>
-            </a:extLst>
-          </p:cNvPr>
-          <p:cNvPicPr>
-            <a:picLocks noChangeAspect="1"/>
-          </p:cNvPicPr>
-          <p:nvPr/>
-        </p:nvPicPr>
-        <p:blipFill>
-          <a:blip r:embed="rId3"/>
-          <a:stretch>
-            <a:fillRect/>
-          </a:stretch>
-        </p:blipFill>
-        <p:spPr>
-          <a:xfrm>
-            <a:off x="4438757" y="0"/>
-            <a:ext cx="6690732" cy="6858000"/>
-          </a:xfrm>
-          <a:prstGeom prst="rect">
-            <a:avLst/>
-          </a:prstGeom>
-        </p:spPr>
-      </p:pic>
-      <p:sp>
-        <p:nvSpPr>
-          <p:cNvPr id="14" name="Rectangle 13">
-            <a:extLst>
-              <a:ext uri="{FF2B5EF4-FFF2-40B4-BE49-F238E27FC236}">
-                <a16:creationId xmlns:a16="http://schemas.microsoft.com/office/drawing/2014/main" id="{AFD44F54-0496-460B-A2BB-A6856744A10D}"/>
+      <p:sp>
+        <p:nvSpPr>
+          <p:cNvPr id="5" name="Rectangle 4">
+            <a:extLst>
+              <a:ext uri="{FF2B5EF4-FFF2-40B4-BE49-F238E27FC236}">
+                <a16:creationId xmlns:a16="http://schemas.microsoft.com/office/drawing/2014/main" id="{133B336C-C249-4431-A18C-83502A1DA82A}"/>
               </a:ext>
             </a:extLst>
           </p:cNvPr>
@@ -28666,7 +29751,7 @@
     </p:spTree>
     <p:extLst>
       <p:ext uri="{BB962C8B-B14F-4D97-AF65-F5344CB8AC3E}">
-        <p14:creationId xmlns:p14="http://schemas.microsoft.com/office/powerpoint/2010/main" val="3043266786"/>
+        <p14:creationId xmlns:p14="http://schemas.microsoft.com/office/powerpoint/2010/main" val="1915138495"/>
       </p:ext>
     </p:extLst>
   </p:cSld>
@@ -28676,7 +29761,7 @@
 </p:sld>
 </file>
 
-<file path=ppt/slides/slide60.xml><?xml version="1.0" encoding="utf-8"?>
+<file path=ppt/slides/slide63.xml><?xml version="1.0" encoding="utf-8"?>
 <p:sld xmlns:a="http://schemas.openxmlformats.org/drawingml/2006/main" xmlns:r="http://schemas.openxmlformats.org/officeDocument/2006/relationships" xmlns:p="http://schemas.openxmlformats.org/presentationml/2006/main">
   <p:cSld>
     <p:spTree>
@@ -28695,10 +29780,10 @@
       </p:grpSpPr>
       <p:sp>
         <p:nvSpPr>
-          <p:cNvPr id="15" name="Title 14">
-            <a:extLst>
-              <a:ext uri="{FF2B5EF4-FFF2-40B4-BE49-F238E27FC236}">
-                <a16:creationId xmlns:a16="http://schemas.microsoft.com/office/drawing/2014/main" id="{A23AC3EC-F18F-4E9E-8FB1-17FAE083F67F}"/>
+          <p:cNvPr id="2" name="Title 1">
+            <a:extLst>
+              <a:ext uri="{FF2B5EF4-FFF2-40B4-BE49-F238E27FC236}">
+                <a16:creationId xmlns:a16="http://schemas.microsoft.com/office/drawing/2014/main" id="{DA26F250-0299-4720-BD31-9A9645DF50F7}"/>
               </a:ext>
             </a:extLst>
           </p:cNvPr>
@@ -28715,44 +29800,35 @@
           <a:lstStyle/>
           <a:p>
             <a:r>
+              <a:rPr lang="fr-BE" dirty="0"/>
+              <a:t>./</a:t>
+            </a:r>
+            <a:r>
+              <a:rPr lang="en-GB" sz="2400" dirty="0"/>
+              <a:t>"</a:t>
+            </a:r>
+            <a:r>
               <a:rPr lang="fr-BE" dirty="0" err="1"/>
               <a:t>Tryton</a:t>
             </a:r>
+            <a:r>
+              <a:rPr lang="fr-BE" dirty="0"/>
+              <a:t> 6.0 - Doc 00.01 - Installation &amp; administration.database.tryt11.query</a:t>
+            </a:r>
+            <a:r>
+              <a:rPr lang="en-GB" sz="2400" dirty="0"/>
+              <a:t>"</a:t>
+            </a:r>
             <a:endParaRPr lang="en-BE" dirty="0"/>
           </a:p>
         </p:txBody>
       </p:sp>
       <p:sp>
         <p:nvSpPr>
-          <p:cNvPr id="2" name="Text Placeholder 1">
-            <a:extLst>
-              <a:ext uri="{FF2B5EF4-FFF2-40B4-BE49-F238E27FC236}">
-                <a16:creationId xmlns:a16="http://schemas.microsoft.com/office/drawing/2014/main" id="{39208425-75EA-4473-84B8-232370AD0BBA}"/>
-              </a:ext>
-            </a:extLst>
-          </p:cNvPr>
-          <p:cNvSpPr>
-            <a:spLocks noGrp="1"/>
-          </p:cNvSpPr>
-          <p:nvPr>
-            <p:ph type="body" idx="1"/>
-          </p:nvPr>
-        </p:nvSpPr>
-        <p:spPr/>
-        <p:txBody>
-          <a:bodyPr/>
-          <a:lstStyle/>
-          <a:p>
-            <a:endParaRPr lang="en-BE"/>
-          </a:p>
-        </p:txBody>
-      </p:sp>
-      <p:sp>
-        <p:nvSpPr>
-          <p:cNvPr id="3" name="Slide Number Placeholder 2">
-            <a:extLst>
-              <a:ext uri="{FF2B5EF4-FFF2-40B4-BE49-F238E27FC236}">
-                <a16:creationId xmlns:a16="http://schemas.microsoft.com/office/drawing/2014/main" id="{CA6EFD7A-64F3-49C7-9ABD-744047250A0A}"/>
+          <p:cNvPr id="6" name="Slide Number Placeholder 5">
+            <a:extLst>
+              <a:ext uri="{FF2B5EF4-FFF2-40B4-BE49-F238E27FC236}">
+                <a16:creationId xmlns:a16="http://schemas.microsoft.com/office/drawing/2014/main" id="{906D04BA-E09C-4C1B-A898-2EADDF916854}"/>
               </a:ext>
             </a:extLst>
           </p:cNvPr>
@@ -28763,164 +29839,6 @@
             <p:ph type="sldNum" sz="quarter" idx="12"/>
           </p:nvPr>
         </p:nvSpPr>
-        <p:spPr/>
-        <p:txBody>
-          <a:bodyPr/>
-          <a:lstStyle/>
-          <a:p>
-            <a:fld id="{69D2CCA8-53B9-41C4-8716-EA9CD8A55276}" type="slidenum">
-              <a:rPr lang="en-BE" smtClean="0"/>
-              <a:t>60</a:t>
-            </a:fld>
-            <a:endParaRPr lang="en-BE"/>
-          </a:p>
-        </p:txBody>
-      </p:sp>
-      <p:sp>
-        <p:nvSpPr>
-          <p:cNvPr id="5" name="Rectangle 4">
-            <a:extLst>
-              <a:ext uri="{FF2B5EF4-FFF2-40B4-BE49-F238E27FC236}">
-                <a16:creationId xmlns:a16="http://schemas.microsoft.com/office/drawing/2014/main" id="{133B336C-C249-4431-A18C-83502A1DA82A}"/>
-              </a:ext>
-            </a:extLst>
-          </p:cNvPr>
-          <p:cNvSpPr/>
-          <p:nvPr/>
-        </p:nvSpPr>
-        <p:spPr>
-          <a:xfrm>
-            <a:off x="11728938" y="6453554"/>
-            <a:ext cx="463062" cy="404446"/>
-          </a:xfrm>
-          <a:prstGeom prst="rect">
-            <a:avLst/>
-          </a:prstGeom>
-          <a:solidFill>
-            <a:schemeClr val="accent5">
-              <a:lumMod val="75000"/>
-            </a:schemeClr>
-          </a:solidFill>
-          <a:ln>
-            <a:noFill/>
-          </a:ln>
-        </p:spPr>
-        <p:style>
-          <a:lnRef idx="2">
-            <a:schemeClr val="accent1">
-              <a:shade val="50000"/>
-            </a:schemeClr>
-          </a:lnRef>
-          <a:fillRef idx="1">
-            <a:schemeClr val="accent1"/>
-          </a:fillRef>
-          <a:effectRef idx="0">
-            <a:schemeClr val="accent1"/>
-          </a:effectRef>
-          <a:fontRef idx="minor">
-            <a:schemeClr val="lt1"/>
-          </a:fontRef>
-        </p:style>
-        <p:txBody>
-          <a:bodyPr rtlCol="0" anchor="ctr"/>
-          <a:lstStyle/>
-          <a:p>
-            <a:pPr algn="ctr"/>
-            <a:endParaRPr lang="en-BE"/>
-          </a:p>
-        </p:txBody>
-      </p:sp>
-    </p:spTree>
-    <p:extLst>
-      <p:ext uri="{BB962C8B-B14F-4D97-AF65-F5344CB8AC3E}">
-        <p14:creationId xmlns:p14="http://schemas.microsoft.com/office/powerpoint/2010/main" val="1915138495"/>
-      </p:ext>
-    </p:extLst>
-  </p:cSld>
-  <p:clrMapOvr>
-    <a:masterClrMapping/>
-  </p:clrMapOvr>
-</p:sld>
-</file>
-
-<file path=ppt/slides/slide61.xml><?xml version="1.0" encoding="utf-8"?>
-<p:sld xmlns:a="http://schemas.openxmlformats.org/drawingml/2006/main" xmlns:r="http://schemas.openxmlformats.org/officeDocument/2006/relationships" xmlns:p="http://schemas.openxmlformats.org/presentationml/2006/main">
-  <p:cSld>
-    <p:spTree>
-      <p:nvGrpSpPr>
-        <p:cNvPr id="1" name=""/>
-        <p:cNvGrpSpPr/>
-        <p:nvPr/>
-      </p:nvGrpSpPr>
-      <p:grpSpPr>
-        <a:xfrm>
-          <a:off x="0" y="0"/>
-          <a:ext cx="0" cy="0"/>
-          <a:chOff x="0" y="0"/>
-          <a:chExt cx="0" cy="0"/>
-        </a:xfrm>
-      </p:grpSpPr>
-      <p:sp>
-        <p:nvSpPr>
-          <p:cNvPr id="2" name="Title 1">
-            <a:extLst>
-              <a:ext uri="{FF2B5EF4-FFF2-40B4-BE49-F238E27FC236}">
-                <a16:creationId xmlns:a16="http://schemas.microsoft.com/office/drawing/2014/main" id="{DA26F250-0299-4720-BD31-9A9645DF50F7}"/>
-              </a:ext>
-            </a:extLst>
-          </p:cNvPr>
-          <p:cNvSpPr>
-            <a:spLocks noGrp="1"/>
-          </p:cNvSpPr>
-          <p:nvPr>
-            <p:ph type="title"/>
-          </p:nvPr>
-        </p:nvSpPr>
-        <p:spPr/>
-        <p:txBody>
-          <a:bodyPr/>
-          <a:lstStyle/>
-          <a:p>
-            <a:r>
-              <a:rPr lang="fr-BE" dirty="0"/>
-              <a:t>./</a:t>
-            </a:r>
-            <a:r>
-              <a:rPr lang="en-GB" sz="2400" dirty="0"/>
-              <a:t>"</a:t>
-            </a:r>
-            <a:r>
-              <a:rPr lang="fr-BE" dirty="0" err="1"/>
-              <a:t>Tryton</a:t>
-            </a:r>
-            <a:r>
-              <a:rPr lang="fr-BE" dirty="0"/>
-              <a:t> 6.0 - Doc 00.01 - Installation &amp; administration.database.tryt11.query</a:t>
-            </a:r>
-            <a:r>
-              <a:rPr lang="en-GB" sz="2400" dirty="0"/>
-              <a:t>"</a:t>
-            </a:r>
-            <a:endParaRPr lang="en-BE" dirty="0"/>
-          </a:p>
-        </p:txBody>
-      </p:sp>
-      <p:sp>
-        <p:nvSpPr>
-          <p:cNvPr id="6" name="Slide Number Placeholder 5">
-            <a:extLst>
-              <a:ext uri="{FF2B5EF4-FFF2-40B4-BE49-F238E27FC236}">
-                <a16:creationId xmlns:a16="http://schemas.microsoft.com/office/drawing/2014/main" id="{906D04BA-E09C-4C1B-A898-2EADDF916854}"/>
-              </a:ext>
-            </a:extLst>
-          </p:cNvPr>
-          <p:cNvSpPr>
-            <a:spLocks noGrp="1"/>
-          </p:cNvSpPr>
-          <p:nvPr>
-            <p:ph type="sldNum" sz="quarter" idx="12"/>
-          </p:nvPr>
-        </p:nvSpPr>
         <p:spPr>
           <a:xfrm rot="16200000">
             <a:off x="-40341" y="6146519"/>
@@ -28933,7 +29851,7 @@
           <a:p>
             <a:fld id="{69D2CCA8-53B9-41C4-8716-EA9CD8A55276}" type="slidenum">
               <a:rPr lang="en-BE" smtClean="0"/>
-              <a:t>61</a:t>
+              <a:t>63</a:t>
             </a:fld>
             <a:endParaRPr lang="en-BE"/>
           </a:p>
@@ -29436,7 +30354,7 @@
 </p:sld>
 </file>
 
-<file path=ppt/slides/slide62.xml><?xml version="1.0" encoding="utf-8"?>
+<file path=ppt/slides/slide64.xml><?xml version="1.0" encoding="utf-8"?>
 <p:sld xmlns:a="http://schemas.openxmlformats.org/drawingml/2006/main" xmlns:r="http://schemas.openxmlformats.org/officeDocument/2006/relationships" xmlns:p="http://schemas.openxmlformats.org/presentationml/2006/main">
   <p:cSld>
     <p:spTree>
@@ -29530,7 +30448,7 @@
           <a:p>
             <a:fld id="{69D2CCA8-53B9-41C4-8716-EA9CD8A55276}" type="slidenum">
               <a:rPr lang="en-BE" smtClean="0"/>
-              <a:t>62</a:t>
+              <a:t>64</a:t>
             </a:fld>
             <a:endParaRPr lang="en-BE"/>
           </a:p>
@@ -29603,7 +30521,7 @@
 </p:sld>
 </file>
 
-<file path=ppt/slides/slide63.xml><?xml version="1.0" encoding="utf-8"?>
+<file path=ppt/slides/slide65.xml><?xml version="1.0" encoding="utf-8"?>
 <p:sld xmlns:a="http://schemas.openxmlformats.org/drawingml/2006/main" xmlns:r="http://schemas.openxmlformats.org/officeDocument/2006/relationships" xmlns:p="http://schemas.openxmlformats.org/presentationml/2006/main">
   <p:cSld>
     <p:spTree>
@@ -29964,7 +30882,7 @@
 </p:sld>
 </file>
 
-<file path=ppt/slides/slide64.xml><?xml version="1.0" encoding="utf-8"?>
+<file path=ppt/slides/slide66.xml><?xml version="1.0" encoding="utf-8"?>
 <p:sld xmlns:a="http://schemas.openxmlformats.org/drawingml/2006/main" xmlns:r="http://schemas.openxmlformats.org/officeDocument/2006/relationships" xmlns:p="http://schemas.openxmlformats.org/presentationml/2006/main">
   <p:cSld>
     <p:spTree>
@@ -30062,7 +30980,7 @@
           <a:p>
             <a:fld id="{69D2CCA8-53B9-41C4-8716-EA9CD8A55276}" type="slidenum">
               <a:rPr lang="en-BE" smtClean="0"/>
-              <a:t>64</a:t>
+              <a:t>66</a:t>
             </a:fld>
             <a:endParaRPr lang="en-BE"/>
           </a:p>
@@ -30135,7 +31053,7 @@
 </p:sld>
 </file>
 
-<file path=ppt/slides/slide65.xml><?xml version="1.0" encoding="utf-8"?>
+<file path=ppt/slides/slide67.xml><?xml version="1.0" encoding="utf-8"?>
 <p:sld xmlns:a="http://schemas.openxmlformats.org/drawingml/2006/main" xmlns:r="http://schemas.openxmlformats.org/officeDocument/2006/relationships" xmlns:p="http://schemas.openxmlformats.org/presentationml/2006/main">
   <p:cSld>
     <p:spTree>
@@ -30349,7 +31267,7 @@
 </p:sld>
 </file>
 
-<file path=ppt/slides/slide66.xml><?xml version="1.0" encoding="utf-8"?>
+<file path=ppt/slides/slide68.xml><?xml version="1.0" encoding="utf-8"?>
 <p:sld xmlns:a="http://schemas.openxmlformats.org/drawingml/2006/main" xmlns:r="http://schemas.openxmlformats.org/officeDocument/2006/relationships" xmlns:p="http://schemas.openxmlformats.org/presentationml/2006/main">
   <p:cSld>
     <p:spTree>
@@ -30874,7 +31792,7 @@
 </p:sld>
 </file>
 
-<file path=ppt/slides/slide67.xml><?xml version="1.0" encoding="utf-8"?>
+<file path=ppt/slides/slide69.xml><?xml version="1.0" encoding="utf-8"?>
 <p:sld xmlns:a="http://schemas.openxmlformats.org/drawingml/2006/main" xmlns:r="http://schemas.openxmlformats.org/officeDocument/2006/relationships" xmlns:p="http://schemas.openxmlformats.org/presentationml/2006/main">
   <p:cSld>
     <p:spTree>
@@ -30968,7 +31886,7 @@
           <a:p>
             <a:fld id="{69D2CCA8-53B9-41C4-8716-EA9CD8A55276}" type="slidenum">
               <a:rPr lang="en-BE" smtClean="0"/>
-              <a:t>67</a:t>
+              <a:t>69</a:t>
             </a:fld>
             <a:endParaRPr lang="en-BE"/>
           </a:p>
@@ -31041,7 +31959,7 @@
 </p:sld>
 </file>
 
-<file path=ppt/slides/slide68.xml><?xml version="1.0" encoding="utf-8"?>
+<file path=ppt/slides/slide7.xml><?xml version="1.0" encoding="utf-8"?>
 <p:sld xmlns:a="http://schemas.openxmlformats.org/drawingml/2006/main" xmlns:r="http://schemas.openxmlformats.org/officeDocument/2006/relationships" xmlns:p="http://schemas.openxmlformats.org/presentationml/2006/main">
   <p:cSld>
     <p:spTree>
@@ -31060,10 +31978,10 @@
       </p:grpSpPr>
       <p:sp>
         <p:nvSpPr>
-          <p:cNvPr id="2" name="Title 1">
-            <a:extLst>
-              <a:ext uri="{FF2B5EF4-FFF2-40B4-BE49-F238E27FC236}">
-                <a16:creationId xmlns:a16="http://schemas.microsoft.com/office/drawing/2014/main" id="{DA26F250-0299-4720-BD31-9A9645DF50F7}"/>
+          <p:cNvPr id="6" name="Title 5">
+            <a:extLst>
+              <a:ext uri="{FF2B5EF4-FFF2-40B4-BE49-F238E27FC236}">
+                <a16:creationId xmlns:a16="http://schemas.microsoft.com/office/drawing/2014/main" id="{58602178-544B-4666-8E9B-555376EB72FA}"/>
               </a:ext>
             </a:extLst>
           </p:cNvPr>
@@ -31081,23 +31999,7 @@
           <a:p>
             <a:r>
               <a:rPr lang="fr-BE" dirty="0"/>
-              <a:t>./</a:t>
-            </a:r>
-            <a:r>
-              <a:rPr lang="en-GB" sz="2400" dirty="0"/>
-              <a:t>"</a:t>
-            </a:r>
-            <a:r>
-              <a:rPr lang="fr-BE" dirty="0" err="1"/>
-              <a:t>Tryton</a:t>
-            </a:r>
-            <a:r>
-              <a:rPr lang="fr-BE" dirty="0"/>
-              <a:t> 6.0 - Doc 00.01 - Installation &amp; administration.database.tryt11.backup</a:t>
-            </a:r>
-            <a:r>
-              <a:rPr lang="en-GB" sz="2400" dirty="0"/>
-              <a:t>"</a:t>
+              <a:t>Scripts</a:t>
             </a:r>
             <a:endParaRPr lang="en-BE" dirty="0"/>
           </a:p>
@@ -31105,62 +32007,74 @@
       </p:sp>
       <p:sp>
         <p:nvSpPr>
-          <p:cNvPr id="12" name="Rectangle 11">
-            <a:extLst>
-              <a:ext uri="{FF2B5EF4-FFF2-40B4-BE49-F238E27FC236}">
-                <a16:creationId xmlns:a16="http://schemas.microsoft.com/office/drawing/2014/main" id="{783F9093-3560-429D-9BDD-11A221DDBE24}"/>
-              </a:ext>
-            </a:extLst>
-          </p:cNvPr>
-          <p:cNvSpPr/>
+          <p:cNvPr id="4" name="Slide Number Placeholder 3">
+            <a:extLst>
+              <a:ext uri="{FF2B5EF4-FFF2-40B4-BE49-F238E27FC236}">
+                <a16:creationId xmlns:a16="http://schemas.microsoft.com/office/drawing/2014/main" id="{EAA02D43-D45B-4DB6-B6A2-79AC2BE24160}"/>
+              </a:ext>
+            </a:extLst>
+          </p:cNvPr>
+          <p:cNvSpPr>
+            <a:spLocks noGrp="1"/>
+          </p:cNvSpPr>
+          <p:nvPr>
+            <p:ph type="sldNum" sz="quarter" idx="12"/>
+          </p:nvPr>
+        </p:nvSpPr>
+        <p:spPr>
+          <a:xfrm rot="16200000">
+            <a:off x="-40341" y="6146519"/>
+            <a:ext cx="842683" cy="365125"/>
+          </a:xfrm>
+        </p:spPr>
+        <p:txBody>
+          <a:bodyPr/>
+          <a:lstStyle/>
+          <a:p>
+            <a:fld id="{69D2CCA8-53B9-41C4-8716-EA9CD8A55276}" type="slidenum">
+              <a:rPr lang="en-BE" smtClean="0"/>
+              <a:t>7</a:t>
+            </a:fld>
+            <a:endParaRPr lang="en-BE"/>
+          </a:p>
+        </p:txBody>
+      </p:sp>
+      <p:pic>
+        <p:nvPicPr>
+          <p:cNvPr id="7" name="Picture 6">
+            <a:extLst>
+              <a:ext uri="{FF2B5EF4-FFF2-40B4-BE49-F238E27FC236}">
+                <a16:creationId xmlns:a16="http://schemas.microsoft.com/office/drawing/2014/main" id="{11202900-9362-4B6F-8E37-19F41372B4E2}"/>
+              </a:ext>
+            </a:extLst>
+          </p:cNvPr>
+          <p:cNvPicPr>
+            <a:picLocks noChangeAspect="1"/>
+          </p:cNvPicPr>
           <p:nvPr/>
-        </p:nvSpPr>
+        </p:nvPicPr>
+        <p:blipFill>
+          <a:blip r:embed="rId2"/>
+          <a:stretch>
+            <a:fillRect/>
+          </a:stretch>
+        </p:blipFill>
         <p:spPr>
           <a:xfrm>
-            <a:off x="11728938" y="7649308"/>
-            <a:ext cx="463062" cy="404446"/>
+            <a:off x="838200" y="2782861"/>
+            <a:ext cx="4982308" cy="3710013"/>
           </a:xfrm>
           <a:prstGeom prst="rect">
             <a:avLst/>
           </a:prstGeom>
-          <a:solidFill>
-            <a:srgbClr val="92D050"/>
-          </a:solidFill>
-          <a:ln>
-            <a:noFill/>
-          </a:ln>
         </p:spPr>
-        <p:style>
-          <a:lnRef idx="2">
-            <a:schemeClr val="accent1">
-              <a:shade val="50000"/>
-            </a:schemeClr>
-          </a:lnRef>
-          <a:fillRef idx="1">
-            <a:schemeClr val="accent1"/>
-          </a:fillRef>
-          <a:effectRef idx="0">
-            <a:schemeClr val="accent1"/>
-          </a:effectRef>
-          <a:fontRef idx="minor">
-            <a:schemeClr val="lt1"/>
-          </a:fontRef>
-        </p:style>
-        <p:txBody>
-          <a:bodyPr rtlCol="0" anchor="ctr"/>
-          <a:lstStyle/>
-          <a:p>
-            <a:pPr algn="ctr"/>
-            <a:endParaRPr lang="en-BE"/>
-          </a:p>
-        </p:txBody>
-      </p:sp>
-      <p:sp>
-        <p:nvSpPr>
-          <p:cNvPr id="13" name="TextBox 12">
-            <a:extLst>
-              <a:ext uri="{FF2B5EF4-FFF2-40B4-BE49-F238E27FC236}">
-                <a16:creationId xmlns:a16="http://schemas.microsoft.com/office/drawing/2014/main" id="{2FD16A77-D0F6-4243-8C53-B8096E3B4CB7}"/>
+      </p:pic>
+      <p:sp>
+        <p:nvSpPr>
+          <p:cNvPr id="8" name="TextBox 7">
+            <a:extLst>
+              <a:ext uri="{FF2B5EF4-FFF2-40B4-BE49-F238E27FC236}">
+                <a16:creationId xmlns:a16="http://schemas.microsoft.com/office/drawing/2014/main" id="{9933AB3D-DD54-46D5-9448-AA7517F25440}"/>
               </a:ext>
             </a:extLst>
           </p:cNvPr>
@@ -31169,8 +32083,8 @@
         </p:nvSpPr>
         <p:spPr>
           <a:xfrm>
-            <a:off x="716083" y="1040578"/>
-            <a:ext cx="9931403" cy="5262979"/>
+            <a:off x="838200" y="865525"/>
+            <a:ext cx="10758854" cy="1754326"/>
           </a:xfrm>
           <a:prstGeom prst="rect">
             <a:avLst/>
@@ -31183,199 +32097,217 @@
           </a:bodyPr>
           <a:lstStyle/>
           <a:p>
-            <a:r>
-              <a:rPr lang="en-US" sz="1400" dirty="0"/>
-              <a:t>Set-</a:t>
-            </a:r>
-            <a:r>
-              <a:rPr lang="en-US" sz="1400" dirty="0" err="1"/>
-              <a:t>ExecutionPolicy</a:t>
-            </a:r>
-            <a:r>
-              <a:rPr lang="en-US" sz="1400" dirty="0"/>
-              <a:t> -</a:t>
-            </a:r>
-            <a:r>
-              <a:rPr lang="en-US" sz="1400" dirty="0" err="1"/>
-              <a:t>ExecutionPolicy</a:t>
-            </a:r>
-            <a:r>
-              <a:rPr lang="en-US" sz="1400" dirty="0"/>
-              <a:t> Bypass -Scope </a:t>
-            </a:r>
-            <a:r>
-              <a:rPr lang="en-US" sz="1400" dirty="0" err="1"/>
-              <a:t>CurrentUser</a:t>
-            </a:r>
-            <a:endParaRPr lang="en-US" sz="1400" dirty="0"/>
-          </a:p>
-          <a:p>
-            <a:r>
-              <a:rPr lang="en-US" sz="1400" dirty="0"/>
-              <a:t>#</a:t>
-            </a:r>
-          </a:p>
-          <a:p>
-            <a:r>
-              <a:rPr lang="en-US" sz="1400" dirty="0"/>
-              <a:t>Write-Host "---------"</a:t>
-            </a:r>
-          </a:p>
-          <a:p>
-            <a:r>
-              <a:rPr lang="en-US" sz="1400" dirty="0"/>
-              <a:t>Write-Host "1. Status"</a:t>
-            </a:r>
-          </a:p>
-          <a:p>
-            <a:r>
-              <a:rPr lang="en-US" sz="1400" dirty="0"/>
-              <a:t>Write-Host "---------"</a:t>
-            </a:r>
-          </a:p>
-          <a:p>
-            <a:r>
-              <a:rPr lang="en-US" sz="1400" dirty="0"/>
-              <a:t>docker exec -</a:t>
-            </a:r>
-            <a:r>
-              <a:rPr lang="en-US" sz="1400" dirty="0" err="1"/>
-              <a:t>tiu</a:t>
-            </a:r>
-            <a:r>
-              <a:rPr lang="en-US" sz="1400" dirty="0"/>
+            <a:pPr marL="285750" indent="-285750">
+              <a:buFontTx/>
+              <a:buChar char="-"/>
+            </a:pPr>
+            <a:r>
+              <a:rPr lang="fr-BE" dirty="0" err="1"/>
+              <a:t>Powershell</a:t>
+            </a:r>
+            <a:r>
+              <a:rPr lang="fr-BE" dirty="0"/>
+              <a:t> scripts « *.ps1 » are </a:t>
+            </a:r>
+            <a:r>
+              <a:rPr lang="fr-BE" dirty="0" err="1"/>
+              <a:t>provided</a:t>
+            </a:r>
+            <a:r>
+              <a:rPr lang="fr-BE" dirty="0"/>
+              <a:t> in the folder « Utilities » to support routine </a:t>
+            </a:r>
+            <a:r>
+              <a:rPr lang="fr-BE" dirty="0" err="1"/>
+              <a:t>operations</a:t>
+            </a:r>
+            <a:endParaRPr lang="fr-BE" dirty="0"/>
+          </a:p>
+          <a:p>
+            <a:pPr marL="285750" indent="-285750">
+              <a:buFontTx/>
+              <a:buChar char="-"/>
+            </a:pPr>
+            <a:r>
+              <a:rPr lang="fr-BE" dirty="0" err="1"/>
+              <a:t>Powershell</a:t>
+            </a:r>
+            <a:r>
+              <a:rPr lang="fr-BE" dirty="0"/>
+              <a:t> can </a:t>
+            </a:r>
+            <a:r>
+              <a:rPr lang="fr-BE" dirty="0" err="1"/>
+              <a:t>be</a:t>
+            </a:r>
+            <a:r>
+              <a:rPr lang="fr-BE" dirty="0"/>
               <a:t> </a:t>
             </a:r>
             <a:r>
-              <a:rPr lang="en-US" sz="1400" dirty="0" err="1"/>
-              <a:t>postgres</a:t>
-            </a:r>
-            <a:r>
-              <a:rPr lang="en-US" sz="1400" dirty="0"/>
-              <a:t> tryt11-postgres </a:t>
-            </a:r>
-            <a:r>
-              <a:rPr lang="en-US" sz="1400" dirty="0" err="1"/>
-              <a:t>psql</a:t>
-            </a:r>
-            <a:r>
-              <a:rPr lang="en-US" sz="1400" dirty="0"/>
-              <a:t> -c '\l+'</a:t>
-            </a:r>
-          </a:p>
-          <a:p>
-            <a:endParaRPr lang="en-US" sz="1400" dirty="0"/>
-          </a:p>
-          <a:p>
-            <a:r>
-              <a:rPr lang="en-US" sz="1400" dirty="0"/>
-              <a:t># Step 2 : dump tryt11</a:t>
-            </a:r>
-          </a:p>
-          <a:p>
-            <a:r>
-              <a:rPr lang="en-US" sz="1400" dirty="0"/>
-              <a:t>Write-Host "-------"</a:t>
-            </a:r>
-          </a:p>
-          <a:p>
-            <a:r>
-              <a:rPr lang="en-US" sz="1400" dirty="0"/>
-              <a:t>Write-Host "2. Dump"</a:t>
-            </a:r>
-          </a:p>
-          <a:p>
-            <a:r>
-              <a:rPr lang="en-US" sz="1400" dirty="0"/>
-              <a:t>Write-Host "-------"</a:t>
-            </a:r>
-          </a:p>
-          <a:p>
-            <a:r>
-              <a:rPr lang="en-US" sz="1400" dirty="0"/>
-              <a:t>docker exec tryt11-postgres </a:t>
-            </a:r>
-            <a:r>
-              <a:rPr lang="en-US" sz="1400" dirty="0" err="1"/>
-              <a:t>pg_dump</a:t>
-            </a:r>
-            <a:r>
-              <a:rPr lang="en-US" sz="1400" dirty="0"/>
-              <a:t> -Ft -U </a:t>
-            </a:r>
-            <a:r>
-              <a:rPr lang="en-US" sz="1400" dirty="0" err="1"/>
-              <a:t>postgres</a:t>
-            </a:r>
-            <a:r>
-              <a:rPr lang="en-US" sz="1400" dirty="0"/>
-              <a:t> -O -f tryt11-db-backup.tar tryt11</a:t>
-            </a:r>
-          </a:p>
-          <a:p>
-            <a:endParaRPr lang="en-US" sz="1400" dirty="0"/>
-          </a:p>
-          <a:p>
-            <a:r>
-              <a:rPr lang="en-US" sz="1400" dirty="0"/>
-              <a:t># Step 3 : export outside container (optional ; specifically use if later import in another container)</a:t>
-            </a:r>
-          </a:p>
-          <a:p>
-            <a:r>
-              <a:rPr lang="en-US" sz="1400" dirty="0"/>
-              <a:t>Write-Host "---------------------------------"</a:t>
-            </a:r>
-          </a:p>
-          <a:p>
-            <a:r>
-              <a:rPr lang="en-US" sz="1400" dirty="0"/>
-              <a:t>Write-Host "3. Export 'tar' outside container"</a:t>
-            </a:r>
-          </a:p>
-          <a:p>
-            <a:r>
-              <a:rPr lang="en-US" sz="1400" dirty="0"/>
-              <a:t>Write-Host "---------------------------------"</a:t>
-            </a:r>
-          </a:p>
-          <a:p>
-            <a:r>
-              <a:rPr lang="en-US" sz="1400" dirty="0"/>
-              <a:t>docker cp tryt11-postgres:/tryt11-db-backup.tar tryt11-db-backup.tar</a:t>
-            </a:r>
-          </a:p>
-          <a:p>
-            <a:endParaRPr lang="en-US" sz="1400" dirty="0"/>
-          </a:p>
-          <a:p>
-            <a:r>
-              <a:rPr lang="en-US" sz="1400" dirty="0"/>
-              <a:t>#</a:t>
-            </a:r>
-          </a:p>
-          <a:p>
-            <a:r>
-              <a:rPr lang="en-US" sz="1400" dirty="0"/>
-              <a:t>Write-Host "-------"</a:t>
-            </a:r>
-          </a:p>
-          <a:p>
-            <a:r>
-              <a:rPr lang="en-US" sz="1400" dirty="0"/>
-              <a:t>Write-Host "4. Done"</a:t>
-            </a:r>
-          </a:p>
-          <a:p>
-            <a:r>
-              <a:rPr lang="en-US" sz="1400" dirty="0"/>
-              <a:t>Write-Host "-------"</a:t>
-            </a:r>
-          </a:p>
-          <a:p>
-            <a:r>
-              <a:rPr lang="en-US" sz="1400" dirty="0"/>
-              <a:t>Pause</a:t>
+              <a:rPr lang="fr-BE" dirty="0" err="1"/>
+              <a:t>accessed</a:t>
+            </a:r>
+            <a:r>
+              <a:rPr lang="fr-BE" dirty="0"/>
+              <a:t> as </a:t>
+            </a:r>
+            <a:r>
+              <a:rPr lang="fr-BE" dirty="0" err="1"/>
+              <a:t>shown</a:t>
+            </a:r>
+            <a:r>
+              <a:rPr lang="fr-BE" dirty="0"/>
+              <a:t> </a:t>
+            </a:r>
+            <a:r>
+              <a:rPr lang="fr-BE" dirty="0" err="1"/>
+              <a:t>below</a:t>
+            </a:r>
+            <a:endParaRPr lang="fr-BE" dirty="0"/>
+          </a:p>
+          <a:p>
+            <a:pPr marL="285750" indent="-285750">
+              <a:buFontTx/>
+              <a:buChar char="-"/>
+            </a:pPr>
+            <a:r>
+              <a:rPr lang="fr-BE" dirty="0" err="1"/>
+              <a:t>Each</a:t>
+            </a:r>
+            <a:r>
+              <a:rPr lang="fr-BE" dirty="0"/>
+              <a:t> script </a:t>
+            </a:r>
+            <a:r>
+              <a:rPr lang="fr-BE" dirty="0" err="1"/>
+              <a:t>needs</a:t>
+            </a:r>
+            <a:r>
+              <a:rPr lang="fr-BE" dirty="0"/>
+              <a:t> </a:t>
+            </a:r>
+            <a:r>
+              <a:rPr lang="fr-BE" dirty="0" err="1"/>
+              <a:t>some</a:t>
+            </a:r>
+            <a:r>
+              <a:rPr lang="fr-BE" dirty="0"/>
+              <a:t> tuning e.g. </a:t>
+            </a:r>
+            <a:r>
+              <a:rPr lang="fr-BE" dirty="0" err="1"/>
+              <a:t>with</a:t>
+            </a:r>
+            <a:r>
+              <a:rPr lang="fr-BE" dirty="0"/>
+              <a:t> respect to the </a:t>
+            </a:r>
+            <a:r>
+              <a:rPr lang="fr-BE" dirty="0" err="1"/>
+              <a:t>database</a:t>
+            </a:r>
+            <a:r>
+              <a:rPr lang="fr-BE" dirty="0"/>
+              <a:t> </a:t>
+            </a:r>
+            <a:r>
+              <a:rPr lang="fr-BE" dirty="0" err="1"/>
+              <a:t>name</a:t>
+            </a:r>
+            <a:r>
+              <a:rPr lang="fr-BE" dirty="0"/>
+              <a:t>, etc.</a:t>
+            </a:r>
+          </a:p>
+          <a:p>
+            <a:pPr marL="285750" indent="-285750">
+              <a:buFontTx/>
+              <a:buChar char="-"/>
+            </a:pPr>
+            <a:r>
+              <a:rPr lang="fr-BE" dirty="0" err="1"/>
+              <a:t>Powershell</a:t>
+            </a:r>
+            <a:r>
+              <a:rPr lang="fr-BE" dirty="0"/>
+              <a:t> scripts are </a:t>
+            </a:r>
+            <a:r>
+              <a:rPr lang="fr-BE" dirty="0" err="1"/>
+              <a:t>executed</a:t>
+            </a:r>
+            <a:r>
+              <a:rPr lang="fr-BE" dirty="0"/>
+              <a:t> as </a:t>
+            </a:r>
+            <a:r>
+              <a:rPr lang="fr-BE" dirty="0" err="1"/>
+              <a:t>follows</a:t>
+            </a:r>
+            <a:r>
+              <a:rPr lang="fr-BE" dirty="0"/>
+              <a:t> :</a:t>
+            </a:r>
+          </a:p>
+          <a:p>
+            <a:pPr marL="742950" lvl="1" indent="-285750">
+              <a:buFontTx/>
+              <a:buChar char="-"/>
+            </a:pPr>
+            <a:r>
+              <a:rPr lang="fr-BE" dirty="0"/>
+              <a:t>In </a:t>
+            </a:r>
+            <a:r>
+              <a:rPr lang="fr-BE" dirty="0" err="1"/>
+              <a:t>their</a:t>
+            </a:r>
+            <a:r>
+              <a:rPr lang="fr-BE" dirty="0"/>
+              <a:t> folder e.g. : ./"</a:t>
+            </a:r>
+            <a:r>
+              <a:rPr lang="fr-BE" dirty="0" err="1"/>
+              <a:t>Tryton</a:t>
+            </a:r>
+            <a:r>
+              <a:rPr lang="fr-BE" dirty="0"/>
+              <a:t> 6.0 - Doc 01.01 - Installation &amp; </a:t>
+            </a:r>
+            <a:r>
+              <a:rPr lang="fr-BE" dirty="0" err="1"/>
+              <a:t>administration.docker.status</a:t>
+            </a:r>
+            <a:r>
+              <a:rPr lang="fr-BE" dirty="0"/>
+              <a:t>" </a:t>
+            </a:r>
+          </a:p>
+          <a:p>
+            <a:pPr marL="742950" lvl="1" indent="-285750">
+              <a:buFontTx/>
+              <a:buChar char="-"/>
+            </a:pPr>
+            <a:r>
+              <a:rPr lang="fr-BE" dirty="0"/>
+              <a:t>In File Explorer : « Run </a:t>
+            </a:r>
+            <a:r>
+              <a:rPr lang="fr-BE" dirty="0" err="1"/>
+              <a:t>with</a:t>
+            </a:r>
+            <a:r>
+              <a:rPr lang="fr-BE" dirty="0"/>
+              <a:t> </a:t>
+            </a:r>
+            <a:r>
+              <a:rPr lang="fr-BE" dirty="0" err="1"/>
+              <a:t>Powershell</a:t>
+            </a:r>
+            <a:r>
+              <a:rPr lang="fr-BE" dirty="0"/>
+              <a:t> »</a:t>
             </a:r>
           </a:p>
         </p:txBody>
@@ -31385,7 +32317,7 @@
           <p:cNvPr id="9" name="Rectangle 8">
             <a:extLst>
               <a:ext uri="{FF2B5EF4-FFF2-40B4-BE49-F238E27FC236}">
-                <a16:creationId xmlns:a16="http://schemas.microsoft.com/office/drawing/2014/main" id="{27EAB153-ABF8-4298-81B4-1E574AC99925}"/>
+                <a16:creationId xmlns:a16="http://schemas.microsoft.com/office/drawing/2014/main" id="{55FE39FC-D736-4827-9AC1-E76728AD6ED7}"/>
               </a:ext>
             </a:extLst>
           </p:cNvPr>
@@ -31437,7 +32369,7 @@
     </p:spTree>
     <p:extLst>
       <p:ext uri="{BB962C8B-B14F-4D97-AF65-F5344CB8AC3E}">
-        <p14:creationId xmlns:p14="http://schemas.microsoft.com/office/powerpoint/2010/main" val="3939125947"/>
+        <p14:creationId xmlns:p14="http://schemas.microsoft.com/office/powerpoint/2010/main" val="2833791567"/>
       </p:ext>
     </p:extLst>
   </p:cSld>
@@ -31447,7 +32379,7 @@
 </p:sld>
 </file>
 
-<file path=ppt/slides/slide69.xml><?xml version="1.0" encoding="utf-8"?>
+<file path=ppt/slides/slide70.xml><?xml version="1.0" encoding="utf-8"?>
 <p:sld xmlns:a="http://schemas.openxmlformats.org/drawingml/2006/main" xmlns:r="http://schemas.openxmlformats.org/officeDocument/2006/relationships" xmlns:p="http://schemas.openxmlformats.org/presentationml/2006/main">
   <p:cSld>
     <p:spTree>
@@ -31466,10 +32398,10 @@
       </p:grpSpPr>
       <p:sp>
         <p:nvSpPr>
-          <p:cNvPr id="15" name="Title 14">
-            <a:extLst>
-              <a:ext uri="{FF2B5EF4-FFF2-40B4-BE49-F238E27FC236}">
-                <a16:creationId xmlns:a16="http://schemas.microsoft.com/office/drawing/2014/main" id="{A23AC3EC-F18F-4E9E-8FB1-17FAE083F67F}"/>
+          <p:cNvPr id="2" name="Title 1">
+            <a:extLst>
+              <a:ext uri="{FF2B5EF4-FFF2-40B4-BE49-F238E27FC236}">
+                <a16:creationId xmlns:a16="http://schemas.microsoft.com/office/drawing/2014/main" id="{DA26F250-0299-4720-BD31-9A9645DF50F7}"/>
               </a:ext>
             </a:extLst>
           </p:cNvPr>
@@ -31486,8 +32418,24 @@
           <a:lstStyle/>
           <a:p>
             <a:r>
-              <a:rPr lang="fr-BE" dirty="0" err="1"/>
-              <a:t>Postgres</a:t>
+              <a:rPr lang="fr-BE" dirty="0"/>
+              <a:t>./</a:t>
+            </a:r>
+            <a:r>
+              <a:rPr lang="en-GB" sz="2400" dirty="0"/>
+              <a:t>"</a:t>
+            </a:r>
+            <a:r>
+              <a:rPr lang="fr-BE" dirty="0" err="1"/>
+              <a:t>Tryton</a:t>
+            </a:r>
+            <a:r>
+              <a:rPr lang="fr-BE" dirty="0"/>
+              <a:t> 6.0 - Doc 00.01 - Installation &amp; administration.database.tryt11.backup</a:t>
+            </a:r>
+            <a:r>
+              <a:rPr lang="en-GB" sz="2400" dirty="0"/>
+              <a:t>"</a:t>
             </a:r>
             <a:endParaRPr lang="en-BE" dirty="0"/>
           </a:p>
@@ -31495,64 +32443,287 @@
       </p:sp>
       <p:sp>
         <p:nvSpPr>
-          <p:cNvPr id="2" name="Text Placeholder 1">
-            <a:extLst>
-              <a:ext uri="{FF2B5EF4-FFF2-40B4-BE49-F238E27FC236}">
-                <a16:creationId xmlns:a16="http://schemas.microsoft.com/office/drawing/2014/main" id="{9AE2A741-39B1-486B-B237-E7E48151BF7F}"/>
-              </a:ext>
-            </a:extLst>
-          </p:cNvPr>
-          <p:cNvSpPr>
-            <a:spLocks noGrp="1"/>
-          </p:cNvSpPr>
-          <p:nvPr>
-            <p:ph type="body" idx="1"/>
-          </p:nvPr>
-        </p:nvSpPr>
-        <p:spPr/>
-        <p:txBody>
-          <a:bodyPr/>
-          <a:lstStyle/>
-          <a:p>
+          <p:cNvPr id="12" name="Rectangle 11">
+            <a:extLst>
+              <a:ext uri="{FF2B5EF4-FFF2-40B4-BE49-F238E27FC236}">
+                <a16:creationId xmlns:a16="http://schemas.microsoft.com/office/drawing/2014/main" id="{783F9093-3560-429D-9BDD-11A221DDBE24}"/>
+              </a:ext>
+            </a:extLst>
+          </p:cNvPr>
+          <p:cNvSpPr/>
+          <p:nvPr/>
+        </p:nvSpPr>
+        <p:spPr>
+          <a:xfrm>
+            <a:off x="11728938" y="7649308"/>
+            <a:ext cx="463062" cy="404446"/>
+          </a:xfrm>
+          <a:prstGeom prst="rect">
+            <a:avLst/>
+          </a:prstGeom>
+          <a:solidFill>
+            <a:srgbClr val="92D050"/>
+          </a:solidFill>
+          <a:ln>
+            <a:noFill/>
+          </a:ln>
+        </p:spPr>
+        <p:style>
+          <a:lnRef idx="2">
+            <a:schemeClr val="accent1">
+              <a:shade val="50000"/>
+            </a:schemeClr>
+          </a:lnRef>
+          <a:fillRef idx="1">
+            <a:schemeClr val="accent1"/>
+          </a:fillRef>
+          <a:effectRef idx="0">
+            <a:schemeClr val="accent1"/>
+          </a:effectRef>
+          <a:fontRef idx="minor">
+            <a:schemeClr val="lt1"/>
+          </a:fontRef>
+        </p:style>
+        <p:txBody>
+          <a:bodyPr rtlCol="0" anchor="ctr"/>
+          <a:lstStyle/>
+          <a:p>
+            <a:pPr algn="ctr"/>
             <a:endParaRPr lang="en-BE"/>
           </a:p>
         </p:txBody>
       </p:sp>
       <p:sp>
         <p:nvSpPr>
-          <p:cNvPr id="3" name="Slide Number Placeholder 2">
-            <a:extLst>
-              <a:ext uri="{FF2B5EF4-FFF2-40B4-BE49-F238E27FC236}">
-                <a16:creationId xmlns:a16="http://schemas.microsoft.com/office/drawing/2014/main" id="{CA6EFD7A-64F3-49C7-9ABD-744047250A0A}"/>
-              </a:ext>
-            </a:extLst>
-          </p:cNvPr>
-          <p:cNvSpPr>
-            <a:spLocks noGrp="1"/>
-          </p:cNvSpPr>
-          <p:nvPr>
-            <p:ph type="sldNum" sz="quarter" idx="12"/>
-          </p:nvPr>
-        </p:nvSpPr>
-        <p:spPr/>
-        <p:txBody>
-          <a:bodyPr/>
-          <a:lstStyle/>
-          <a:p>
-            <a:fld id="{69D2CCA8-53B9-41C4-8716-EA9CD8A55276}" type="slidenum">
-              <a:rPr lang="en-BE" smtClean="0"/>
-              <a:t>69</a:t>
-            </a:fld>
-            <a:endParaRPr lang="en-BE"/>
-          </a:p>
-        </p:txBody>
-      </p:sp>
-      <p:sp>
-        <p:nvSpPr>
-          <p:cNvPr id="5" name="Rectangle 4">
-            <a:extLst>
-              <a:ext uri="{FF2B5EF4-FFF2-40B4-BE49-F238E27FC236}">
-                <a16:creationId xmlns:a16="http://schemas.microsoft.com/office/drawing/2014/main" id="{E140819A-3AC0-4F97-9590-9C6FB407E3C5}"/>
+          <p:cNvPr id="13" name="TextBox 12">
+            <a:extLst>
+              <a:ext uri="{FF2B5EF4-FFF2-40B4-BE49-F238E27FC236}">
+                <a16:creationId xmlns:a16="http://schemas.microsoft.com/office/drawing/2014/main" id="{2FD16A77-D0F6-4243-8C53-B8096E3B4CB7}"/>
+              </a:ext>
+            </a:extLst>
+          </p:cNvPr>
+          <p:cNvSpPr txBox="1"/>
+          <p:nvPr/>
+        </p:nvSpPr>
+        <p:spPr>
+          <a:xfrm>
+            <a:off x="716083" y="1040578"/>
+            <a:ext cx="9931403" cy="5262979"/>
+          </a:xfrm>
+          <a:prstGeom prst="rect">
+            <a:avLst/>
+          </a:prstGeom>
+          <a:noFill/>
+        </p:spPr>
+        <p:txBody>
+          <a:bodyPr wrap="square" rtlCol="0">
+            <a:spAutoFit/>
+          </a:bodyPr>
+          <a:lstStyle/>
+          <a:p>
+            <a:r>
+              <a:rPr lang="en-US" sz="1400" dirty="0"/>
+              <a:t>Set-</a:t>
+            </a:r>
+            <a:r>
+              <a:rPr lang="en-US" sz="1400" dirty="0" err="1"/>
+              <a:t>ExecutionPolicy</a:t>
+            </a:r>
+            <a:r>
+              <a:rPr lang="en-US" sz="1400" dirty="0"/>
+              <a:t> -</a:t>
+            </a:r>
+            <a:r>
+              <a:rPr lang="en-US" sz="1400" dirty="0" err="1"/>
+              <a:t>ExecutionPolicy</a:t>
+            </a:r>
+            <a:r>
+              <a:rPr lang="en-US" sz="1400" dirty="0"/>
+              <a:t> Bypass -Scope </a:t>
+            </a:r>
+            <a:r>
+              <a:rPr lang="en-US" sz="1400" dirty="0" err="1"/>
+              <a:t>CurrentUser</a:t>
+            </a:r>
+            <a:endParaRPr lang="en-US" sz="1400" dirty="0"/>
+          </a:p>
+          <a:p>
+            <a:r>
+              <a:rPr lang="en-US" sz="1400" dirty="0"/>
+              <a:t>#</a:t>
+            </a:r>
+          </a:p>
+          <a:p>
+            <a:r>
+              <a:rPr lang="en-US" sz="1400" dirty="0"/>
+              <a:t>Write-Host "---------"</a:t>
+            </a:r>
+          </a:p>
+          <a:p>
+            <a:r>
+              <a:rPr lang="en-US" sz="1400" dirty="0"/>
+              <a:t>Write-Host "1. Status"</a:t>
+            </a:r>
+          </a:p>
+          <a:p>
+            <a:r>
+              <a:rPr lang="en-US" sz="1400" dirty="0"/>
+              <a:t>Write-Host "---------"</a:t>
+            </a:r>
+          </a:p>
+          <a:p>
+            <a:r>
+              <a:rPr lang="en-US" sz="1400" dirty="0"/>
+              <a:t>docker exec -</a:t>
+            </a:r>
+            <a:r>
+              <a:rPr lang="en-US" sz="1400" dirty="0" err="1"/>
+              <a:t>tiu</a:t>
+            </a:r>
+            <a:r>
+              <a:rPr lang="en-US" sz="1400" dirty="0"/>
+              <a:t> </a:t>
+            </a:r>
+            <a:r>
+              <a:rPr lang="en-US" sz="1400" dirty="0" err="1"/>
+              <a:t>postgres</a:t>
+            </a:r>
+            <a:r>
+              <a:rPr lang="en-US" sz="1400" dirty="0"/>
+              <a:t> tryt11-postgres </a:t>
+            </a:r>
+            <a:r>
+              <a:rPr lang="en-US" sz="1400" dirty="0" err="1"/>
+              <a:t>psql</a:t>
+            </a:r>
+            <a:r>
+              <a:rPr lang="en-US" sz="1400" dirty="0"/>
+              <a:t> -c '\l+'</a:t>
+            </a:r>
+          </a:p>
+          <a:p>
+            <a:endParaRPr lang="en-US" sz="1400" dirty="0"/>
+          </a:p>
+          <a:p>
+            <a:r>
+              <a:rPr lang="en-US" sz="1400" dirty="0"/>
+              <a:t># Step 2 : dump tryt11</a:t>
+            </a:r>
+          </a:p>
+          <a:p>
+            <a:r>
+              <a:rPr lang="en-US" sz="1400" dirty="0"/>
+              <a:t>Write-Host "-------"</a:t>
+            </a:r>
+          </a:p>
+          <a:p>
+            <a:r>
+              <a:rPr lang="en-US" sz="1400" dirty="0"/>
+              <a:t>Write-Host "2. Dump"</a:t>
+            </a:r>
+          </a:p>
+          <a:p>
+            <a:r>
+              <a:rPr lang="en-US" sz="1400" dirty="0"/>
+              <a:t>Write-Host "-------"</a:t>
+            </a:r>
+          </a:p>
+          <a:p>
+            <a:r>
+              <a:rPr lang="en-US" sz="1400" dirty="0"/>
+              <a:t>docker exec tryt11-postgres </a:t>
+            </a:r>
+            <a:r>
+              <a:rPr lang="en-US" sz="1400" dirty="0" err="1"/>
+              <a:t>pg_dump</a:t>
+            </a:r>
+            <a:r>
+              <a:rPr lang="en-US" sz="1400" dirty="0"/>
+              <a:t> -Ft -U </a:t>
+            </a:r>
+            <a:r>
+              <a:rPr lang="en-US" sz="1400" dirty="0" err="1"/>
+              <a:t>postgres</a:t>
+            </a:r>
+            <a:r>
+              <a:rPr lang="en-US" sz="1400" dirty="0"/>
+              <a:t> -O -f tryt11-db-backup.tar tryt11</a:t>
+            </a:r>
+          </a:p>
+          <a:p>
+            <a:endParaRPr lang="en-US" sz="1400" dirty="0"/>
+          </a:p>
+          <a:p>
+            <a:r>
+              <a:rPr lang="en-US" sz="1400" dirty="0"/>
+              <a:t># Step 3 : export outside container (optional ; specifically use if later import in another container)</a:t>
+            </a:r>
+          </a:p>
+          <a:p>
+            <a:r>
+              <a:rPr lang="en-US" sz="1400" dirty="0"/>
+              <a:t>Write-Host "---------------------------------"</a:t>
+            </a:r>
+          </a:p>
+          <a:p>
+            <a:r>
+              <a:rPr lang="en-US" sz="1400" dirty="0"/>
+              <a:t>Write-Host "3. Export 'tar' outside container"</a:t>
+            </a:r>
+          </a:p>
+          <a:p>
+            <a:r>
+              <a:rPr lang="en-US" sz="1400" dirty="0"/>
+              <a:t>Write-Host "---------------------------------"</a:t>
+            </a:r>
+          </a:p>
+          <a:p>
+            <a:r>
+              <a:rPr lang="en-US" sz="1400" dirty="0"/>
+              <a:t>docker cp tryt11-postgres:/tryt11-db-backup.tar tryt11-db-backup.tar</a:t>
+            </a:r>
+          </a:p>
+          <a:p>
+            <a:endParaRPr lang="en-US" sz="1400" dirty="0"/>
+          </a:p>
+          <a:p>
+            <a:r>
+              <a:rPr lang="en-US" sz="1400" dirty="0"/>
+              <a:t>#</a:t>
+            </a:r>
+          </a:p>
+          <a:p>
+            <a:r>
+              <a:rPr lang="en-US" sz="1400" dirty="0"/>
+              <a:t>Write-Host "-------"</a:t>
+            </a:r>
+          </a:p>
+          <a:p>
+            <a:r>
+              <a:rPr lang="en-US" sz="1400" dirty="0"/>
+              <a:t>Write-Host "4. Done"</a:t>
+            </a:r>
+          </a:p>
+          <a:p>
+            <a:r>
+              <a:rPr lang="en-US" sz="1400" dirty="0"/>
+              <a:t>Write-Host "-------"</a:t>
+            </a:r>
+          </a:p>
+          <a:p>
+            <a:r>
+              <a:rPr lang="en-US" sz="1400" dirty="0"/>
+              <a:t>Pause</a:t>
+            </a:r>
+          </a:p>
+        </p:txBody>
+      </p:sp>
+      <p:sp>
+        <p:nvSpPr>
+          <p:cNvPr id="9" name="Rectangle 8">
+            <a:extLst>
+              <a:ext uri="{FF2B5EF4-FFF2-40B4-BE49-F238E27FC236}">
+                <a16:creationId xmlns:a16="http://schemas.microsoft.com/office/drawing/2014/main" id="{27EAB153-ABF8-4298-81B4-1E574AC99925}"/>
               </a:ext>
             </a:extLst>
           </p:cNvPr>
@@ -31604,7 +32775,7 @@
     </p:spTree>
     <p:extLst>
       <p:ext uri="{BB962C8B-B14F-4D97-AF65-F5344CB8AC3E}">
-        <p14:creationId xmlns:p14="http://schemas.microsoft.com/office/powerpoint/2010/main" val="2206937452"/>
+        <p14:creationId xmlns:p14="http://schemas.microsoft.com/office/powerpoint/2010/main" val="3939125947"/>
       </p:ext>
     </p:extLst>
   </p:cSld>
@@ -31614,7 +32785,7 @@
 </p:sld>
 </file>
 
-<file path=ppt/slides/slide7.xml><?xml version="1.0" encoding="utf-8"?>
+<file path=ppt/slides/slide71.xml><?xml version="1.0" encoding="utf-8"?>
 <p:sld xmlns:a="http://schemas.openxmlformats.org/drawingml/2006/main" xmlns:r="http://schemas.openxmlformats.org/officeDocument/2006/relationships" xmlns:p="http://schemas.openxmlformats.org/presentationml/2006/main">
   <p:cSld>
     <p:spTree>
@@ -31633,10 +32804,10 @@
       </p:grpSpPr>
       <p:sp>
         <p:nvSpPr>
-          <p:cNvPr id="6" name="Title 5">
-            <a:extLst>
-              <a:ext uri="{FF2B5EF4-FFF2-40B4-BE49-F238E27FC236}">
-                <a16:creationId xmlns:a16="http://schemas.microsoft.com/office/drawing/2014/main" id="{58602178-544B-4666-8E9B-555376EB72FA}"/>
+          <p:cNvPr id="15" name="Title 14">
+            <a:extLst>
+              <a:ext uri="{FF2B5EF4-FFF2-40B4-BE49-F238E27FC236}">
+                <a16:creationId xmlns:a16="http://schemas.microsoft.com/office/drawing/2014/main" id="{A23AC3EC-F18F-4E9E-8FB1-17FAE083F67F}"/>
               </a:ext>
             </a:extLst>
           </p:cNvPr>
@@ -31653,8 +32824,8 @@
           <a:lstStyle/>
           <a:p>
             <a:r>
-              <a:rPr lang="fr-BE" dirty="0"/>
-              <a:t>Scripts</a:t>
+              <a:rPr lang="fr-BE" dirty="0" err="1"/>
+              <a:t>Postgres</a:t>
             </a:r>
             <a:endParaRPr lang="en-BE" dirty="0"/>
           </a:p>
@@ -31662,10 +32833,35 @@
       </p:sp>
       <p:sp>
         <p:nvSpPr>
-          <p:cNvPr id="4" name="Slide Number Placeholder 3">
-            <a:extLst>
-              <a:ext uri="{FF2B5EF4-FFF2-40B4-BE49-F238E27FC236}">
-                <a16:creationId xmlns:a16="http://schemas.microsoft.com/office/drawing/2014/main" id="{EAA02D43-D45B-4DB6-B6A2-79AC2BE24160}"/>
+          <p:cNvPr id="2" name="Text Placeholder 1">
+            <a:extLst>
+              <a:ext uri="{FF2B5EF4-FFF2-40B4-BE49-F238E27FC236}">
+                <a16:creationId xmlns:a16="http://schemas.microsoft.com/office/drawing/2014/main" id="{9AE2A741-39B1-486B-B237-E7E48151BF7F}"/>
+              </a:ext>
+            </a:extLst>
+          </p:cNvPr>
+          <p:cNvSpPr>
+            <a:spLocks noGrp="1"/>
+          </p:cNvSpPr>
+          <p:nvPr>
+            <p:ph type="body" idx="1"/>
+          </p:nvPr>
+        </p:nvSpPr>
+        <p:spPr/>
+        <p:txBody>
+          <a:bodyPr/>
+          <a:lstStyle/>
+          <a:p>
+            <a:endParaRPr lang="en-BE"/>
+          </a:p>
+        </p:txBody>
+      </p:sp>
+      <p:sp>
+        <p:nvSpPr>
+          <p:cNvPr id="3" name="Slide Number Placeholder 2">
+            <a:extLst>
+              <a:ext uri="{FF2B5EF4-FFF2-40B4-BE49-F238E27FC236}">
+                <a16:creationId xmlns:a16="http://schemas.microsoft.com/office/drawing/2014/main" id="{CA6EFD7A-64F3-49C7-9ABD-744047250A0A}"/>
               </a:ext>
             </a:extLst>
           </p:cNvPr>
@@ -31676,303 +32872,25 @@
             <p:ph type="sldNum" sz="quarter" idx="12"/>
           </p:nvPr>
         </p:nvSpPr>
-        <p:spPr>
-          <a:xfrm rot="16200000">
-            <a:off x="-40341" y="6146519"/>
-            <a:ext cx="842683" cy="365125"/>
-          </a:xfrm>
-        </p:spPr>
+        <p:spPr/>
         <p:txBody>
           <a:bodyPr/>
           <a:lstStyle/>
           <a:p>
             <a:fld id="{69D2CCA8-53B9-41C4-8716-EA9CD8A55276}" type="slidenum">
               <a:rPr lang="en-BE" smtClean="0"/>
-              <a:t>7</a:t>
+              <a:t>71</a:t>
             </a:fld>
             <a:endParaRPr lang="en-BE"/>
           </a:p>
         </p:txBody>
       </p:sp>
-      <p:pic>
-        <p:nvPicPr>
-          <p:cNvPr id="7" name="Picture 6">
-            <a:extLst>
-              <a:ext uri="{FF2B5EF4-FFF2-40B4-BE49-F238E27FC236}">
-                <a16:creationId xmlns:a16="http://schemas.microsoft.com/office/drawing/2014/main" id="{11202900-9362-4B6F-8E37-19F41372B4E2}"/>
-              </a:ext>
-            </a:extLst>
-          </p:cNvPr>
-          <p:cNvPicPr>
-            <a:picLocks noChangeAspect="1"/>
-          </p:cNvPicPr>
-          <p:nvPr/>
-        </p:nvPicPr>
-        <p:blipFill>
-          <a:blip r:embed="rId2"/>
-          <a:stretch>
-            <a:fillRect/>
-          </a:stretch>
-        </p:blipFill>
-        <p:spPr>
-          <a:xfrm>
-            <a:off x="838200" y="2782861"/>
-            <a:ext cx="4982308" cy="3710013"/>
-          </a:xfrm>
-          <a:prstGeom prst="rect">
-            <a:avLst/>
-          </a:prstGeom>
-        </p:spPr>
-      </p:pic>
-      <p:sp>
-        <p:nvSpPr>
-          <p:cNvPr id="8" name="TextBox 7">
-            <a:extLst>
-              <a:ext uri="{FF2B5EF4-FFF2-40B4-BE49-F238E27FC236}">
-                <a16:creationId xmlns:a16="http://schemas.microsoft.com/office/drawing/2014/main" id="{9933AB3D-DD54-46D5-9448-AA7517F25440}"/>
-              </a:ext>
-            </a:extLst>
-          </p:cNvPr>
-          <p:cNvSpPr txBox="1"/>
-          <p:nvPr/>
-        </p:nvSpPr>
-        <p:spPr>
-          <a:xfrm>
-            <a:off x="838200" y="865525"/>
-            <a:ext cx="10758854" cy="1754326"/>
-          </a:xfrm>
-          <a:prstGeom prst="rect">
-            <a:avLst/>
-          </a:prstGeom>
-          <a:noFill/>
-        </p:spPr>
-        <p:txBody>
-          <a:bodyPr wrap="square" rtlCol="0">
-            <a:spAutoFit/>
-          </a:bodyPr>
-          <a:lstStyle/>
-          <a:p>
-            <a:pPr marL="285750" indent="-285750">
-              <a:buFontTx/>
-              <a:buChar char="-"/>
-            </a:pPr>
-            <a:r>
-              <a:rPr lang="fr-BE" dirty="0" err="1"/>
-              <a:t>Powershell</a:t>
-            </a:r>
-            <a:r>
-              <a:rPr lang="fr-BE" dirty="0"/>
-              <a:t> scripts « *.ps1 » are </a:t>
-            </a:r>
-            <a:r>
-              <a:rPr lang="fr-BE" dirty="0" err="1"/>
-              <a:t>provided</a:t>
-            </a:r>
-            <a:r>
-              <a:rPr lang="fr-BE" dirty="0"/>
-              <a:t> in the folder « Utilities » to support routine </a:t>
-            </a:r>
-            <a:r>
-              <a:rPr lang="fr-BE" dirty="0" err="1"/>
-              <a:t>operations</a:t>
-            </a:r>
-            <a:endParaRPr lang="fr-BE" dirty="0"/>
-          </a:p>
-          <a:p>
-            <a:pPr marL="285750" indent="-285750">
-              <a:buFontTx/>
-              <a:buChar char="-"/>
-            </a:pPr>
-            <a:r>
-              <a:rPr lang="fr-BE" dirty="0" err="1"/>
-              <a:t>Powershell</a:t>
-            </a:r>
-            <a:r>
-              <a:rPr lang="fr-BE" dirty="0"/>
-              <a:t> can </a:t>
-            </a:r>
-            <a:r>
-              <a:rPr lang="fr-BE" dirty="0" err="1"/>
-              <a:t>be</a:t>
-            </a:r>
-            <a:r>
-              <a:rPr lang="fr-BE" dirty="0"/>
-              <a:t> </a:t>
-            </a:r>
-            <a:r>
-              <a:rPr lang="fr-BE" dirty="0" err="1"/>
-              <a:t>accessed</a:t>
-            </a:r>
-            <a:r>
-              <a:rPr lang="fr-BE" dirty="0"/>
-              <a:t> as </a:t>
-            </a:r>
-            <a:r>
-              <a:rPr lang="fr-BE" dirty="0" err="1"/>
-              <a:t>shown</a:t>
-            </a:r>
-            <a:r>
-              <a:rPr lang="fr-BE" dirty="0"/>
-              <a:t> </a:t>
-            </a:r>
-            <a:r>
-              <a:rPr lang="fr-BE" dirty="0" err="1"/>
-              <a:t>below</a:t>
-            </a:r>
-            <a:endParaRPr lang="fr-BE" dirty="0"/>
-          </a:p>
-          <a:p>
-            <a:pPr marL="285750" indent="-285750">
-              <a:buFontTx/>
-              <a:buChar char="-"/>
-            </a:pPr>
-            <a:r>
-              <a:rPr lang="fr-BE" dirty="0" err="1"/>
-              <a:t>Each</a:t>
-            </a:r>
-            <a:r>
-              <a:rPr lang="fr-BE" dirty="0"/>
-              <a:t> script </a:t>
-            </a:r>
-            <a:r>
-              <a:rPr lang="fr-BE" dirty="0" err="1"/>
-              <a:t>needs</a:t>
-            </a:r>
-            <a:r>
-              <a:rPr lang="fr-BE" dirty="0"/>
-              <a:t> </a:t>
-            </a:r>
-            <a:r>
-              <a:rPr lang="fr-BE" dirty="0" err="1"/>
-              <a:t>some</a:t>
-            </a:r>
-            <a:r>
-              <a:rPr lang="fr-BE" dirty="0"/>
-              <a:t> tuning e.g. </a:t>
-            </a:r>
-            <a:r>
-              <a:rPr lang="fr-BE" dirty="0" err="1"/>
-              <a:t>with</a:t>
-            </a:r>
-            <a:r>
-              <a:rPr lang="fr-BE" dirty="0"/>
-              <a:t> respect to the </a:t>
-            </a:r>
-            <a:r>
-              <a:rPr lang="fr-BE" dirty="0" err="1"/>
-              <a:t>database</a:t>
-            </a:r>
-            <a:r>
-              <a:rPr lang="fr-BE" dirty="0"/>
-              <a:t> </a:t>
-            </a:r>
-            <a:r>
-              <a:rPr lang="fr-BE" dirty="0" err="1"/>
-              <a:t>name</a:t>
-            </a:r>
-            <a:r>
-              <a:rPr lang="fr-BE" dirty="0"/>
-              <a:t>, etc.</a:t>
-            </a:r>
-          </a:p>
-          <a:p>
-            <a:pPr marL="285750" indent="-285750">
-              <a:buFontTx/>
-              <a:buChar char="-"/>
-            </a:pPr>
-            <a:r>
-              <a:rPr lang="fr-BE" dirty="0" err="1"/>
-              <a:t>Powershell</a:t>
-            </a:r>
-            <a:r>
-              <a:rPr lang="fr-BE" dirty="0"/>
-              <a:t> scripts are </a:t>
-            </a:r>
-            <a:r>
-              <a:rPr lang="fr-BE" dirty="0" err="1"/>
-              <a:t>executed</a:t>
-            </a:r>
-            <a:r>
-              <a:rPr lang="fr-BE" dirty="0"/>
-              <a:t> as </a:t>
-            </a:r>
-            <a:r>
-              <a:rPr lang="fr-BE" dirty="0" err="1"/>
-              <a:t>follows</a:t>
-            </a:r>
-            <a:r>
-              <a:rPr lang="fr-BE" dirty="0"/>
-              <a:t> :</a:t>
-            </a:r>
-          </a:p>
-          <a:p>
-            <a:pPr marL="742950" lvl="1" indent="-285750">
-              <a:buFontTx/>
-              <a:buChar char="-"/>
-            </a:pPr>
-            <a:r>
-              <a:rPr lang="fr-BE" dirty="0"/>
-              <a:t>In </a:t>
-            </a:r>
-            <a:r>
-              <a:rPr lang="fr-BE" dirty="0" err="1"/>
-              <a:t>their</a:t>
-            </a:r>
-            <a:r>
-              <a:rPr lang="fr-BE" dirty="0"/>
-              <a:t> folder e.g. : ./"</a:t>
-            </a:r>
-            <a:r>
-              <a:rPr lang="fr-BE" dirty="0" err="1"/>
-              <a:t>Tryton</a:t>
-            </a:r>
-            <a:r>
-              <a:rPr lang="fr-BE" dirty="0"/>
-              <a:t> 6.0 - Doc 01.01 - Installation &amp; </a:t>
-            </a:r>
-            <a:r>
-              <a:rPr lang="fr-BE" dirty="0" err="1"/>
-              <a:t>administration.docker.status</a:t>
-            </a:r>
-            <a:r>
-              <a:rPr lang="fr-BE" dirty="0"/>
-              <a:t>" </a:t>
-            </a:r>
-          </a:p>
-          <a:p>
-            <a:pPr marL="742950" lvl="1" indent="-285750">
-              <a:buFontTx/>
-              <a:buChar char="-"/>
-            </a:pPr>
-            <a:r>
-              <a:rPr lang="fr-BE" dirty="0"/>
-              <a:t>In File Explorer : « Run </a:t>
-            </a:r>
-            <a:r>
-              <a:rPr lang="fr-BE" dirty="0" err="1"/>
-              <a:t>with</a:t>
-            </a:r>
-            <a:r>
-              <a:rPr lang="fr-BE" dirty="0"/>
-              <a:t> </a:t>
-            </a:r>
-            <a:r>
-              <a:rPr lang="fr-BE" dirty="0" err="1"/>
-              <a:t>Powershell</a:t>
-            </a:r>
-            <a:r>
-              <a:rPr lang="fr-BE" dirty="0"/>
-              <a:t> »</a:t>
-            </a:r>
-          </a:p>
-        </p:txBody>
-      </p:sp>
-      <p:sp>
-        <p:nvSpPr>
-          <p:cNvPr id="9" name="Rectangle 8">
-            <a:extLst>
-              <a:ext uri="{FF2B5EF4-FFF2-40B4-BE49-F238E27FC236}">
-                <a16:creationId xmlns:a16="http://schemas.microsoft.com/office/drawing/2014/main" id="{55FE39FC-D736-4827-9AC1-E76728AD6ED7}"/>
+      <p:sp>
+        <p:nvSpPr>
+          <p:cNvPr id="5" name="Rectangle 4">
+            <a:extLst>
+              <a:ext uri="{FF2B5EF4-FFF2-40B4-BE49-F238E27FC236}">
+                <a16:creationId xmlns:a16="http://schemas.microsoft.com/office/drawing/2014/main" id="{E140819A-3AC0-4F97-9590-9C6FB407E3C5}"/>
               </a:ext>
             </a:extLst>
           </p:cNvPr>
@@ -32024,7 +32942,7 @@
     </p:spTree>
     <p:extLst>
       <p:ext uri="{BB962C8B-B14F-4D97-AF65-F5344CB8AC3E}">
-        <p14:creationId xmlns:p14="http://schemas.microsoft.com/office/powerpoint/2010/main" val="2833791567"/>
+        <p14:creationId xmlns:p14="http://schemas.microsoft.com/office/powerpoint/2010/main" val="2206937452"/>
       </p:ext>
     </p:extLst>
   </p:cSld>
@@ -32034,7 +32952,7 @@
 </p:sld>
 </file>
 
-<file path=ppt/slides/slide70.xml><?xml version="1.0" encoding="utf-8"?>
+<file path=ppt/slides/slide72.xml><?xml version="1.0" encoding="utf-8"?>
 <p:sld xmlns:a="http://schemas.openxmlformats.org/drawingml/2006/main" xmlns:r="http://schemas.openxmlformats.org/officeDocument/2006/relationships" xmlns:p="http://schemas.openxmlformats.org/presentationml/2006/main">
   <p:cSld>
     <p:spTree>
@@ -32531,7 +33449,7 @@
 </p:sld>
 </file>
 
-<file path=ppt/slides/slide71.xml><?xml version="1.0" encoding="utf-8"?>
+<file path=ppt/slides/slide73.xml><?xml version="1.0" encoding="utf-8"?>
 <p:sld xmlns:a="http://schemas.openxmlformats.org/drawingml/2006/main" xmlns:r="http://schemas.openxmlformats.org/officeDocument/2006/relationships" xmlns:p="http://schemas.openxmlformats.org/presentationml/2006/main">
   <p:cSld>
     <p:spTree>
@@ -32959,7 +33877,7 @@
 </p:sld>
 </file>
 
-<file path=ppt/slides/slide72.xml><?xml version="1.0" encoding="utf-8"?>
+<file path=ppt/slides/slide74.xml><?xml version="1.0" encoding="utf-8"?>
 <p:sld xmlns:a="http://schemas.openxmlformats.org/drawingml/2006/main" xmlns:r="http://schemas.openxmlformats.org/officeDocument/2006/relationships" xmlns:p="http://schemas.openxmlformats.org/presentationml/2006/main">
   <p:cSld>
     <p:spTree>
@@ -33057,7 +33975,7 @@
           <a:p>
             <a:fld id="{69D2CCA8-53B9-41C4-8716-EA9CD8A55276}" type="slidenum">
               <a:rPr lang="en-BE" smtClean="0"/>
-              <a:t>72</a:t>
+              <a:t>74</a:t>
             </a:fld>
             <a:endParaRPr lang="en-BE"/>
           </a:p>
@@ -33130,7 +34048,7 @@
 </p:sld>
 </file>
 
-<file path=ppt/slides/slide73.xml><?xml version="1.0" encoding="utf-8"?>
+<file path=ppt/slides/slide75.xml><?xml version="1.0" encoding="utf-8"?>
 <p:sld xmlns:a="http://schemas.openxmlformats.org/drawingml/2006/main" xmlns:r="http://schemas.openxmlformats.org/officeDocument/2006/relationships" xmlns:p="http://schemas.openxmlformats.org/presentationml/2006/main">
   <p:cSld>
     <p:spTree>
@@ -33224,7 +34142,7 @@
           <a:p>
             <a:fld id="{69D2CCA8-53B9-41C4-8716-EA9CD8A55276}" type="slidenum">
               <a:rPr lang="en-BE" smtClean="0"/>
-              <a:t>73</a:t>
+              <a:t>75</a:t>
             </a:fld>
             <a:endParaRPr lang="en-BE"/>
           </a:p>
@@ -33297,7 +34215,7 @@
 </p:sld>
 </file>
 
-<file path=ppt/slides/slide74.xml><?xml version="1.0" encoding="utf-8"?>
+<file path=ppt/slides/slide76.xml><?xml version="1.0" encoding="utf-8"?>
 <p:sld xmlns:a="http://schemas.openxmlformats.org/drawingml/2006/main" xmlns:r="http://schemas.openxmlformats.org/officeDocument/2006/relationships" xmlns:p="http://schemas.openxmlformats.org/presentationml/2006/main">
   <p:cSld>
     <p:spTree>
@@ -33729,7 +34647,7 @@
 </p:sld>
 </file>
 
-<file path=ppt/slides/slide75.xml><?xml version="1.0" encoding="utf-8"?>
+<file path=ppt/slides/slide77.xml><?xml version="1.0" encoding="utf-8"?>
 <p:sld xmlns:a="http://schemas.openxmlformats.org/drawingml/2006/main" xmlns:r="http://schemas.openxmlformats.org/officeDocument/2006/relationships" xmlns:p="http://schemas.openxmlformats.org/presentationml/2006/main">
   <p:cSld>
     <p:spTree>
@@ -33823,7 +34741,7 @@
           <a:p>
             <a:fld id="{69D2CCA8-53B9-41C4-8716-EA9CD8A55276}" type="slidenum">
               <a:rPr lang="en-BE" smtClean="0"/>
-              <a:t>75</a:t>
+              <a:t>77</a:t>
             </a:fld>
             <a:endParaRPr lang="en-BE"/>
           </a:p>
@@ -33896,7 +34814,7 @@
 </p:sld>
 </file>
 
-<file path=ppt/slides/slide76.xml><?xml version="1.0" encoding="utf-8"?>
+<file path=ppt/slides/slide78.xml><?xml version="1.0" encoding="utf-8"?>
 <p:sld xmlns:a="http://schemas.openxmlformats.org/drawingml/2006/main" xmlns:r="http://schemas.openxmlformats.org/officeDocument/2006/relationships" xmlns:p="http://schemas.openxmlformats.org/presentationml/2006/main">
   <p:cSld>
     <p:spTree>
@@ -34265,7 +35183,7 @@
 </p:sld>
 </file>
 
-<file path=ppt/slides/slide77.xml><?xml version="1.0" encoding="utf-8"?>
+<file path=ppt/slides/slide79.xml><?xml version="1.0" encoding="utf-8"?>
 <p:sld xmlns:a="http://schemas.openxmlformats.org/drawingml/2006/main" xmlns:r="http://schemas.openxmlformats.org/officeDocument/2006/relationships" xmlns:p="http://schemas.openxmlformats.org/presentationml/2006/main">
   <p:cSld>
     <p:spTree>
@@ -34956,7 +35874,7 @@
 </p:sld>
 </file>
 
-<file path=ppt/slides/slide78.xml><?xml version="1.0" encoding="utf-8"?>
+<file path=ppt/slides/slide8.xml><?xml version="1.0" encoding="utf-8"?>
 <p:sld xmlns:a="http://schemas.openxmlformats.org/drawingml/2006/main" xmlns:r="http://schemas.openxmlformats.org/officeDocument/2006/relationships" xmlns:p="http://schemas.openxmlformats.org/presentationml/2006/main">
   <p:cSld>
     <p:spTree>
@@ -34978,7 +35896,7 @@
           <p:cNvPr id="2" name="Title 1">
             <a:extLst>
               <a:ext uri="{FF2B5EF4-FFF2-40B4-BE49-F238E27FC236}">
-                <a16:creationId xmlns:a16="http://schemas.microsoft.com/office/drawing/2014/main" id="{DA26F250-0299-4720-BD31-9A9645DF50F7}"/>
+                <a16:creationId xmlns:a16="http://schemas.microsoft.com/office/drawing/2014/main" id="{A5AABBF0-44BB-4BD7-BF73-1C1B53AB85BF}"/>
               </a:ext>
             </a:extLst>
           </p:cNvPr>
@@ -34991,513 +35909,77 @@
         </p:nvSpPr>
         <p:spPr/>
         <p:txBody>
-          <a:bodyPr>
-            <a:noAutofit/>
-          </a:bodyPr>
-          <a:lstStyle/>
-          <a:p>
-            <a:r>
-              <a:rPr lang="fr-BE" sz="2000" dirty="0"/>
-              <a:t>./</a:t>
-            </a:r>
-            <a:r>
-              <a:rPr lang="en-GB" sz="2000" dirty="0"/>
-              <a:t>"</a:t>
-            </a:r>
-            <a:r>
-              <a:rPr lang="fr-BE" sz="2000" dirty="0" err="1"/>
-              <a:t>Tryton</a:t>
-            </a:r>
-            <a:r>
-              <a:rPr lang="fr-BE" sz="2000" dirty="0"/>
-              <a:t> 6.0 - Doc 00.01 - Installation &amp; administration.database.post01.restore.character.createYes</a:t>
-            </a:r>
-            <a:r>
-              <a:rPr lang="en-GB" sz="2000" dirty="0"/>
-              <a:t>"</a:t>
-            </a:r>
-            <a:endParaRPr lang="en-BE" sz="2000" dirty="0"/>
-          </a:p>
-        </p:txBody>
-      </p:sp>
-      <p:sp>
-        <p:nvSpPr>
-          <p:cNvPr id="7" name="TextBox 6">
-            <a:extLst>
-              <a:ext uri="{FF2B5EF4-FFF2-40B4-BE49-F238E27FC236}">
-                <a16:creationId xmlns:a16="http://schemas.microsoft.com/office/drawing/2014/main" id="{E88577DE-972D-46D1-A32C-D54D7213BC5A}"/>
-              </a:ext>
-            </a:extLst>
-          </p:cNvPr>
-          <p:cNvSpPr txBox="1"/>
-          <p:nvPr/>
-        </p:nvSpPr>
-        <p:spPr>
-          <a:xfrm>
-            <a:off x="838200" y="1384610"/>
-            <a:ext cx="11353800" cy="4893647"/>
-          </a:xfrm>
-          <a:prstGeom prst="rect">
-            <a:avLst/>
-          </a:prstGeom>
-          <a:noFill/>
-        </p:spPr>
-        <p:txBody>
-          <a:bodyPr wrap="square">
-            <a:spAutoFit/>
-          </a:bodyPr>
-          <a:lstStyle/>
-          <a:p>
-            <a:r>
-              <a:rPr lang="en-US" sz="1200" dirty="0">
-                <a:solidFill>
-                  <a:srgbClr val="434343"/>
-                </a:solidFill>
-                <a:effectLst/>
-                <a:latin typeface="Consolas" panose="020B0609020204030204" pitchFamily="49" charset="0"/>
-              </a:rPr>
-              <a:t># Step 1 : docker stop/start containers</a:t>
-            </a:r>
-          </a:p>
-          <a:p>
-            <a:r>
-              <a:rPr lang="en-US" sz="1200" dirty="0">
-                <a:solidFill>
-                  <a:srgbClr val="434343"/>
-                </a:solidFill>
-                <a:effectLst/>
-                <a:latin typeface="Consolas" panose="020B0609020204030204" pitchFamily="49" charset="0"/>
-              </a:rPr>
-              <a:t>Write-Host "-------------------------------"</a:t>
-            </a:r>
-          </a:p>
-          <a:p>
-            <a:r>
-              <a:rPr lang="en-US" sz="1200" dirty="0">
-                <a:solidFill>
-                  <a:srgbClr val="434343"/>
-                </a:solidFill>
-                <a:effectLst/>
-                <a:latin typeface="Consolas" panose="020B0609020204030204" pitchFamily="49" charset="0"/>
-              </a:rPr>
-              <a:t>Write-Host "1. Docker stop/start containers"</a:t>
-            </a:r>
-          </a:p>
-          <a:p>
-            <a:r>
-              <a:rPr lang="en-US" sz="1200" dirty="0">
-                <a:solidFill>
-                  <a:srgbClr val="434343"/>
-                </a:solidFill>
-                <a:effectLst/>
-                <a:latin typeface="Consolas" panose="020B0609020204030204" pitchFamily="49" charset="0"/>
-              </a:rPr>
-              <a:t>Write-Host "-------------------------------"</a:t>
-            </a:r>
-          </a:p>
-          <a:p>
-            <a:r>
-              <a:rPr lang="en-US" sz="1200" dirty="0">
-                <a:solidFill>
-                  <a:srgbClr val="434343"/>
-                </a:solidFill>
-                <a:effectLst/>
-                <a:latin typeface="Consolas" panose="020B0609020204030204" pitchFamily="49" charset="0"/>
-              </a:rPr>
-              <a:t>docker stop post01-postgres post01-pgadmin</a:t>
-            </a:r>
-          </a:p>
-          <a:p>
-            <a:r>
-              <a:rPr lang="en-US" sz="1200" dirty="0">
-                <a:solidFill>
-                  <a:srgbClr val="434343"/>
-                </a:solidFill>
-                <a:effectLst/>
-                <a:latin typeface="Consolas" panose="020B0609020204030204" pitchFamily="49" charset="0"/>
-              </a:rPr>
-              <a:t>docker start post01-postgres post01-pgadmin</a:t>
-            </a:r>
-          </a:p>
-          <a:p>
-            <a:endParaRPr lang="en-US" sz="1200" dirty="0">
-              <a:solidFill>
-                <a:srgbClr val="434343"/>
-              </a:solidFill>
-              <a:effectLst/>
-              <a:latin typeface="Consolas" panose="020B0609020204030204" pitchFamily="49" charset="0"/>
-            </a:endParaRPr>
-          </a:p>
-          <a:p>
-            <a:r>
-              <a:rPr lang="en-US" sz="1200" dirty="0">
-                <a:solidFill>
-                  <a:srgbClr val="434343"/>
-                </a:solidFill>
-                <a:effectLst/>
-                <a:latin typeface="Consolas" panose="020B0609020204030204" pitchFamily="49" charset="0"/>
-              </a:rPr>
-              <a:t># Step 2 : state</a:t>
-            </a:r>
-          </a:p>
-          <a:p>
-            <a:r>
-              <a:rPr lang="en-US" sz="1200" dirty="0">
-                <a:solidFill>
-                  <a:srgbClr val="434343"/>
-                </a:solidFill>
-                <a:effectLst/>
-                <a:latin typeface="Consolas" panose="020B0609020204030204" pitchFamily="49" charset="0"/>
-              </a:rPr>
-              <a:t>Write-Host "---------"</a:t>
-            </a:r>
-          </a:p>
-          <a:p>
-            <a:r>
-              <a:rPr lang="en-US" sz="1200" dirty="0">
-                <a:solidFill>
-                  <a:srgbClr val="434343"/>
-                </a:solidFill>
-                <a:effectLst/>
-                <a:latin typeface="Consolas" panose="020B0609020204030204" pitchFamily="49" charset="0"/>
-              </a:rPr>
-              <a:t>Write-Host "2. Status"</a:t>
-            </a:r>
-          </a:p>
-          <a:p>
-            <a:r>
-              <a:rPr lang="en-US" sz="1200" dirty="0">
-                <a:solidFill>
-                  <a:srgbClr val="434343"/>
-                </a:solidFill>
-                <a:effectLst/>
-                <a:latin typeface="Consolas" panose="020B0609020204030204" pitchFamily="49" charset="0"/>
-              </a:rPr>
-              <a:t>Write-Host "---------"</a:t>
-            </a:r>
-          </a:p>
-          <a:p>
-            <a:r>
-              <a:rPr lang="en-US" sz="1200" dirty="0">
-                <a:solidFill>
-                  <a:srgbClr val="434343"/>
-                </a:solidFill>
-                <a:effectLst/>
-                <a:latin typeface="Consolas" panose="020B0609020204030204" pitchFamily="49" charset="0"/>
-              </a:rPr>
-              <a:t>docker </a:t>
-            </a:r>
-            <a:r>
-              <a:rPr lang="en-US" sz="1200" dirty="0" err="1">
-                <a:solidFill>
-                  <a:srgbClr val="434343"/>
-                </a:solidFill>
-                <a:effectLst/>
-                <a:latin typeface="Consolas" panose="020B0609020204030204" pitchFamily="49" charset="0"/>
-              </a:rPr>
-              <a:t>ps</a:t>
-            </a:r>
-            <a:r>
-              <a:rPr lang="en-US" sz="1200" dirty="0">
-                <a:solidFill>
-                  <a:srgbClr val="434343"/>
-                </a:solidFill>
-                <a:effectLst/>
-                <a:latin typeface="Consolas" panose="020B0609020204030204" pitchFamily="49" charset="0"/>
-              </a:rPr>
-              <a:t> -a</a:t>
-            </a:r>
-          </a:p>
-          <a:p>
-            <a:r>
-              <a:rPr lang="en-US" sz="1200" dirty="0">
-                <a:solidFill>
-                  <a:srgbClr val="434343"/>
-                </a:solidFill>
-                <a:effectLst/>
-                <a:latin typeface="Consolas" panose="020B0609020204030204" pitchFamily="49" charset="0"/>
-              </a:rPr>
-              <a:t>Start-Sleep -Seconds 20 # Replace by detecting database is 'up'</a:t>
-            </a:r>
-          </a:p>
-          <a:p>
-            <a:r>
-              <a:rPr lang="en-US" sz="1200" dirty="0">
-                <a:solidFill>
-                  <a:srgbClr val="434343"/>
-                </a:solidFill>
-                <a:effectLst/>
-                <a:latin typeface="Consolas" panose="020B0609020204030204" pitchFamily="49" charset="0"/>
-              </a:rPr>
-              <a:t>docker exec -</a:t>
-            </a:r>
-            <a:r>
-              <a:rPr lang="en-US" sz="1200" dirty="0" err="1">
-                <a:solidFill>
-                  <a:srgbClr val="434343"/>
-                </a:solidFill>
-                <a:effectLst/>
-                <a:latin typeface="Consolas" panose="020B0609020204030204" pitchFamily="49" charset="0"/>
-              </a:rPr>
-              <a:t>tiu</a:t>
-            </a:r>
-            <a:r>
-              <a:rPr lang="en-US" sz="1200" dirty="0">
-                <a:solidFill>
-                  <a:srgbClr val="434343"/>
-                </a:solidFill>
-                <a:effectLst/>
-                <a:latin typeface="Consolas" panose="020B0609020204030204" pitchFamily="49" charset="0"/>
-              </a:rPr>
-              <a:t> </a:t>
-            </a:r>
-            <a:r>
-              <a:rPr lang="en-US" sz="1200" dirty="0" err="1">
-                <a:solidFill>
-                  <a:srgbClr val="434343"/>
-                </a:solidFill>
-                <a:effectLst/>
-                <a:latin typeface="Consolas" panose="020B0609020204030204" pitchFamily="49" charset="0"/>
-              </a:rPr>
-              <a:t>postgres</a:t>
-            </a:r>
-            <a:r>
-              <a:rPr lang="en-US" sz="1200" dirty="0">
-                <a:solidFill>
-                  <a:srgbClr val="434343"/>
-                </a:solidFill>
-                <a:effectLst/>
-                <a:latin typeface="Consolas" panose="020B0609020204030204" pitchFamily="49" charset="0"/>
-              </a:rPr>
-              <a:t> post01-postgres </a:t>
-            </a:r>
-            <a:r>
-              <a:rPr lang="en-US" sz="1200" dirty="0" err="1">
-                <a:solidFill>
-                  <a:srgbClr val="434343"/>
-                </a:solidFill>
-                <a:effectLst/>
-                <a:latin typeface="Consolas" panose="020B0609020204030204" pitchFamily="49" charset="0"/>
-              </a:rPr>
-              <a:t>psql</a:t>
-            </a:r>
-            <a:r>
-              <a:rPr lang="en-US" sz="1200" dirty="0">
-                <a:solidFill>
-                  <a:srgbClr val="434343"/>
-                </a:solidFill>
-                <a:effectLst/>
-                <a:latin typeface="Consolas" panose="020B0609020204030204" pitchFamily="49" charset="0"/>
-              </a:rPr>
-              <a:t> -c '\l+'</a:t>
-            </a:r>
-          </a:p>
-          <a:p>
-            <a:endParaRPr lang="en-US" sz="1200" dirty="0">
-              <a:solidFill>
-                <a:srgbClr val="434343"/>
-              </a:solidFill>
-              <a:effectLst/>
-              <a:latin typeface="Consolas" panose="020B0609020204030204" pitchFamily="49" charset="0"/>
-            </a:endParaRPr>
-          </a:p>
-          <a:p>
-            <a:r>
-              <a:rPr lang="en-US" sz="1200" dirty="0">
-                <a:solidFill>
-                  <a:srgbClr val="434343"/>
-                </a:solidFill>
-                <a:effectLst/>
-                <a:latin typeface="Consolas" panose="020B0609020204030204" pitchFamily="49" charset="0"/>
-              </a:rPr>
-              <a:t># Step 4.1 : import inside container (optional ; function of step 1.2 above)</a:t>
-            </a:r>
-          </a:p>
-          <a:p>
-            <a:r>
-              <a:rPr lang="en-US" sz="1200" dirty="0">
-                <a:solidFill>
-                  <a:srgbClr val="434343"/>
-                </a:solidFill>
-                <a:effectLst/>
-                <a:latin typeface="Consolas" panose="020B0609020204030204" pitchFamily="49" charset="0"/>
-              </a:rPr>
-              <a:t>Write-Host "----------------------------"</a:t>
-            </a:r>
-          </a:p>
-          <a:p>
-            <a:r>
-              <a:rPr lang="en-US" sz="1200" dirty="0">
-                <a:solidFill>
-                  <a:srgbClr val="434343"/>
-                </a:solidFill>
-                <a:effectLst/>
-                <a:latin typeface="Consolas" panose="020B0609020204030204" pitchFamily="49" charset="0"/>
-              </a:rPr>
-              <a:t>Write-Host "4.1. Import inside container"</a:t>
-            </a:r>
-          </a:p>
-          <a:p>
-            <a:r>
-              <a:rPr lang="en-US" sz="1200" dirty="0">
-                <a:solidFill>
-                  <a:srgbClr val="434343"/>
-                </a:solidFill>
-                <a:effectLst/>
-                <a:latin typeface="Consolas" panose="020B0609020204030204" pitchFamily="49" charset="0"/>
-              </a:rPr>
-              <a:t>Write-Host "----------------------------"</a:t>
-            </a:r>
-          </a:p>
-          <a:p>
-            <a:r>
-              <a:rPr lang="en-US" sz="1200" dirty="0">
-                <a:solidFill>
-                  <a:srgbClr val="434343"/>
-                </a:solidFill>
-                <a:effectLst/>
-                <a:latin typeface="Consolas" panose="020B0609020204030204" pitchFamily="49" charset="0"/>
-              </a:rPr>
-              <a:t>docker cp post01-db-backup.createYes.sql post01-postgres:/post01-db-backup.createYes.sql</a:t>
-            </a:r>
-          </a:p>
-          <a:p>
-            <a:endParaRPr lang="en-US" sz="1200" dirty="0">
-              <a:solidFill>
-                <a:srgbClr val="434343"/>
-              </a:solidFill>
-              <a:effectLst/>
-              <a:latin typeface="Consolas" panose="020B0609020204030204" pitchFamily="49" charset="0"/>
-            </a:endParaRPr>
-          </a:p>
-          <a:p>
-            <a:r>
-              <a:rPr lang="en-US" sz="1200" dirty="0">
-                <a:solidFill>
-                  <a:srgbClr val="434343"/>
-                </a:solidFill>
-                <a:effectLst/>
-                <a:latin typeface="Consolas" panose="020B0609020204030204" pitchFamily="49" charset="0"/>
-              </a:rPr>
-              <a:t># Step 4.2 : restore post01-copy from post01</a:t>
-            </a:r>
-          </a:p>
-          <a:p>
-            <a:r>
-              <a:rPr lang="en-US" sz="1200" dirty="0">
-                <a:solidFill>
-                  <a:srgbClr val="434343"/>
-                </a:solidFill>
-                <a:effectLst/>
-                <a:latin typeface="Consolas" panose="020B0609020204030204" pitchFamily="49" charset="0"/>
-              </a:rPr>
-              <a:t>Write-Host "------------------------------------------------------------------------------------------------"</a:t>
-            </a:r>
-          </a:p>
-          <a:p>
-            <a:r>
-              <a:rPr lang="en-US" sz="1200" dirty="0">
-                <a:solidFill>
-                  <a:srgbClr val="434343"/>
-                </a:solidFill>
-                <a:effectLst/>
-                <a:latin typeface="Consolas" panose="020B0609020204030204" pitchFamily="49" charset="0"/>
-              </a:rPr>
-              <a:t>Write-Host "4.2. Restore post01-copy from post01 [!!! DROP &amp; CREATE inside 'post01-db-backup.createYes.sql']"</a:t>
-            </a:r>
-          </a:p>
-          <a:p>
-            <a:r>
-              <a:rPr lang="en-US" sz="1200" dirty="0">
-                <a:solidFill>
-                  <a:srgbClr val="434343"/>
-                </a:solidFill>
-                <a:effectLst/>
-                <a:latin typeface="Consolas" panose="020B0609020204030204" pitchFamily="49" charset="0"/>
-              </a:rPr>
-              <a:t>Write-Host "------------------------------------------------------------------------------------------------"</a:t>
-            </a:r>
-          </a:p>
-          <a:p>
-            <a:r>
-              <a:rPr lang="en-US" sz="1200" dirty="0">
-                <a:solidFill>
-                  <a:srgbClr val="434343"/>
-                </a:solidFill>
-                <a:effectLst/>
-                <a:latin typeface="Consolas" panose="020B0609020204030204" pitchFamily="49" charset="0"/>
-              </a:rPr>
-              <a:t>docker exec -</a:t>
-            </a:r>
-            <a:r>
-              <a:rPr lang="en-US" sz="1200" dirty="0" err="1">
-                <a:solidFill>
-                  <a:srgbClr val="434343"/>
-                </a:solidFill>
-                <a:effectLst/>
-                <a:latin typeface="Consolas" panose="020B0609020204030204" pitchFamily="49" charset="0"/>
-              </a:rPr>
-              <a:t>i</a:t>
-            </a:r>
-            <a:r>
-              <a:rPr lang="en-US" sz="1200" dirty="0">
-                <a:solidFill>
-                  <a:srgbClr val="434343"/>
-                </a:solidFill>
-                <a:effectLst/>
-                <a:latin typeface="Consolas" panose="020B0609020204030204" pitchFamily="49" charset="0"/>
-              </a:rPr>
-              <a:t> post01-postgres </a:t>
-            </a:r>
-            <a:r>
-              <a:rPr lang="en-US" sz="1200" b="1" dirty="0" err="1">
-                <a:solidFill>
-                  <a:srgbClr val="434343"/>
-                </a:solidFill>
-                <a:effectLst/>
-                <a:latin typeface="Consolas" panose="020B0609020204030204" pitchFamily="49" charset="0"/>
-              </a:rPr>
-              <a:t>psql</a:t>
-            </a:r>
-            <a:r>
-              <a:rPr lang="en-US" sz="1200" dirty="0">
-                <a:solidFill>
-                  <a:srgbClr val="434343"/>
-                </a:solidFill>
-                <a:effectLst/>
-                <a:latin typeface="Consolas" panose="020B0609020204030204" pitchFamily="49" charset="0"/>
-              </a:rPr>
-              <a:t> -U </a:t>
-            </a:r>
-            <a:r>
-              <a:rPr lang="en-US" sz="1200" dirty="0" err="1">
-                <a:solidFill>
-                  <a:srgbClr val="434343"/>
-                </a:solidFill>
-                <a:effectLst/>
-                <a:latin typeface="Consolas" panose="020B0609020204030204" pitchFamily="49" charset="0"/>
-              </a:rPr>
-              <a:t>postgres</a:t>
-            </a:r>
-            <a:r>
-              <a:rPr lang="en-US" sz="1200" dirty="0">
-                <a:solidFill>
-                  <a:srgbClr val="434343"/>
-                </a:solidFill>
-                <a:effectLst/>
-                <a:latin typeface="Consolas" panose="020B0609020204030204" pitchFamily="49" charset="0"/>
-              </a:rPr>
-              <a:t> -f post01-db-backup.createYes.sql</a:t>
-            </a:r>
-          </a:p>
-        </p:txBody>
-      </p:sp>
-      <p:sp>
-        <p:nvSpPr>
-          <p:cNvPr id="8" name="Rectangle 7">
-            <a:extLst>
-              <a:ext uri="{FF2B5EF4-FFF2-40B4-BE49-F238E27FC236}">
-                <a16:creationId xmlns:a16="http://schemas.microsoft.com/office/drawing/2014/main" id="{C0DC27B1-888F-4B97-92D5-D1C4B177C5DA}"/>
+          <a:bodyPr/>
+          <a:lstStyle/>
+          <a:p>
+            <a:r>
+              <a:rPr lang="fr-BE" dirty="0"/>
+              <a:t>Table of Contents</a:t>
+            </a:r>
+            <a:endParaRPr lang="en-BE" dirty="0"/>
+          </a:p>
+        </p:txBody>
+      </p:sp>
+      <p:sp>
+        <p:nvSpPr>
+          <p:cNvPr id="3" name="Text Placeholder 2">
+            <a:extLst>
+              <a:ext uri="{FF2B5EF4-FFF2-40B4-BE49-F238E27FC236}">
+                <a16:creationId xmlns:a16="http://schemas.microsoft.com/office/drawing/2014/main" id="{6061569B-4D1E-4EC2-AC4D-DB1D229470E5}"/>
+              </a:ext>
+            </a:extLst>
+          </p:cNvPr>
+          <p:cNvSpPr>
+            <a:spLocks noGrp="1"/>
+          </p:cNvSpPr>
+          <p:nvPr>
+            <p:ph type="body" idx="1"/>
+          </p:nvPr>
+        </p:nvSpPr>
+        <p:spPr/>
+        <p:txBody>
+          <a:bodyPr/>
+          <a:lstStyle/>
+          <a:p>
+            <a:endParaRPr lang="en-BE" dirty="0"/>
+          </a:p>
+        </p:txBody>
+      </p:sp>
+      <p:sp>
+        <p:nvSpPr>
+          <p:cNvPr id="6" name="Slide Number Placeholder 5">
+            <a:extLst>
+              <a:ext uri="{FF2B5EF4-FFF2-40B4-BE49-F238E27FC236}">
+                <a16:creationId xmlns:a16="http://schemas.microsoft.com/office/drawing/2014/main" id="{57228C1D-3324-49D2-B699-117C49B9F5A0}"/>
+              </a:ext>
+            </a:extLst>
+          </p:cNvPr>
+          <p:cNvSpPr>
+            <a:spLocks noGrp="1"/>
+          </p:cNvSpPr>
+          <p:nvPr>
+            <p:ph type="sldNum" sz="quarter" idx="12"/>
+          </p:nvPr>
+        </p:nvSpPr>
+        <p:spPr/>
+        <p:txBody>
+          <a:bodyPr/>
+          <a:lstStyle/>
+          <a:p>
+            <a:fld id="{69D2CCA8-53B9-41C4-8716-EA9CD8A55276}" type="slidenum">
+              <a:rPr lang="en-BE" smtClean="0"/>
+              <a:t>8</a:t>
+            </a:fld>
+            <a:endParaRPr lang="en-BE" dirty="0"/>
+          </a:p>
+        </p:txBody>
+      </p:sp>
+      <p:sp>
+        <p:nvSpPr>
+          <p:cNvPr id="5" name="Rectangle 4">
+            <a:extLst>
+              <a:ext uri="{FF2B5EF4-FFF2-40B4-BE49-F238E27FC236}">
+                <a16:creationId xmlns:a16="http://schemas.microsoft.com/office/drawing/2014/main" id="{9F7E70B8-3020-4731-8E5F-9E58699638B9}"/>
               </a:ext>
             </a:extLst>
           </p:cNvPr>
@@ -35546,82 +36028,10 @@
           </a:p>
         </p:txBody>
       </p:sp>
-      <p:sp>
-        <p:nvSpPr>
-          <p:cNvPr id="5" name="TextBox 4">
-            <a:extLst>
-              <a:ext uri="{FF2B5EF4-FFF2-40B4-BE49-F238E27FC236}">
-                <a16:creationId xmlns:a16="http://schemas.microsoft.com/office/drawing/2014/main" id="{1CC730C9-8798-4DEF-A28F-0283765AB9E9}"/>
-              </a:ext>
-            </a:extLst>
-          </p:cNvPr>
-          <p:cNvSpPr txBox="1"/>
-          <p:nvPr/>
-        </p:nvSpPr>
-        <p:spPr>
-          <a:xfrm>
-            <a:off x="838200" y="921296"/>
-            <a:ext cx="8903676" cy="369332"/>
-          </a:xfrm>
-          <a:prstGeom prst="rect">
-            <a:avLst/>
-          </a:prstGeom>
-          <a:noFill/>
-        </p:spPr>
-        <p:txBody>
-          <a:bodyPr wrap="square" rtlCol="0">
-            <a:spAutoFit/>
-          </a:bodyPr>
-          <a:lstStyle/>
-          <a:p>
-            <a:r>
-              <a:rPr lang="fr-BE" dirty="0"/>
-              <a:t>The « </a:t>
-            </a:r>
-            <a:r>
-              <a:rPr lang="fr-BE" dirty="0" err="1"/>
-              <a:t>sql</a:t>
-            </a:r>
-            <a:r>
-              <a:rPr lang="fr-BE" dirty="0"/>
-              <a:t> » file </a:t>
-            </a:r>
-            <a:r>
-              <a:rPr lang="fr-BE" dirty="0" err="1"/>
-              <a:t>contains</a:t>
-            </a:r>
-            <a:r>
-              <a:rPr lang="fr-BE" dirty="0"/>
-              <a:t> </a:t>
-            </a:r>
-            <a:r>
-              <a:rPr lang="fr-BE" dirty="0" err="1"/>
-              <a:t>database</a:t>
-            </a:r>
-            <a:r>
-              <a:rPr lang="fr-BE" dirty="0"/>
-              <a:t> drop &amp; </a:t>
-            </a:r>
-            <a:r>
-              <a:rPr lang="fr-BE" dirty="0" err="1"/>
-              <a:t>create</a:t>
-            </a:r>
-            <a:r>
-              <a:rPr lang="fr-BE" dirty="0"/>
-              <a:t> </a:t>
-            </a:r>
-            <a:r>
-              <a:rPr lang="fr-BE" dirty="0" err="1"/>
-              <a:t>statements</a:t>
-            </a:r>
-            <a:endParaRPr lang="en-BE" dirty="0"/>
-          </a:p>
-        </p:txBody>
-      </p:sp>
     </p:spTree>
     <p:extLst>
       <p:ext uri="{BB962C8B-B14F-4D97-AF65-F5344CB8AC3E}">
-        <p14:creationId xmlns:p14="http://schemas.microsoft.com/office/powerpoint/2010/main" val="2561576968"/>
+        <p14:creationId xmlns:p14="http://schemas.microsoft.com/office/powerpoint/2010/main" val="4009020316"/>
       </p:ext>
     </p:extLst>
   </p:cSld>
@@ -35631,7 +36041,7 @@
 </p:sld>
 </file>
 
-<file path=ppt/slides/slide79.xml><?xml version="1.0" encoding="utf-8"?>
+<file path=ppt/slides/slide80.xml><?xml version="1.0" encoding="utf-8"?>
 <p:sld xmlns:a="http://schemas.openxmlformats.org/drawingml/2006/main" xmlns:r="http://schemas.openxmlformats.org/officeDocument/2006/relationships" xmlns:p="http://schemas.openxmlformats.org/presentationml/2006/main">
   <p:cSld>
     <p:spTree>
@@ -35650,10 +36060,10 @@
       </p:grpSpPr>
       <p:sp>
         <p:nvSpPr>
-          <p:cNvPr id="5" name="Title 4">
-            <a:extLst>
-              <a:ext uri="{FF2B5EF4-FFF2-40B4-BE49-F238E27FC236}">
-                <a16:creationId xmlns:a16="http://schemas.microsoft.com/office/drawing/2014/main" id="{CB00BC53-6B81-4D79-86D5-5FA7D21E1020}"/>
+          <p:cNvPr id="2" name="Title 1">
+            <a:extLst>
+              <a:ext uri="{FF2B5EF4-FFF2-40B4-BE49-F238E27FC236}">
+                <a16:creationId xmlns:a16="http://schemas.microsoft.com/office/drawing/2014/main" id="{DA26F250-0299-4720-BD31-9A9645DF50F7}"/>
               </a:ext>
             </a:extLst>
           </p:cNvPr>
@@ -35666,77 +36076,513 @@
         </p:nvSpPr>
         <p:spPr/>
         <p:txBody>
-          <a:bodyPr/>
-          <a:lstStyle/>
-          <a:p>
-            <a:r>
-              <a:rPr lang="fr-BE" dirty="0"/>
-              <a:t>Next</a:t>
-            </a:r>
-            <a:endParaRPr lang="en-BE" dirty="0"/>
-          </a:p>
-        </p:txBody>
-      </p:sp>
-      <p:sp>
-        <p:nvSpPr>
-          <p:cNvPr id="2" name="Text Placeholder 1">
-            <a:extLst>
-              <a:ext uri="{FF2B5EF4-FFF2-40B4-BE49-F238E27FC236}">
-                <a16:creationId xmlns:a16="http://schemas.microsoft.com/office/drawing/2014/main" id="{63C3D7F8-6F46-4224-AD32-6F0CA1B8C984}"/>
-              </a:ext>
-            </a:extLst>
-          </p:cNvPr>
-          <p:cNvSpPr>
-            <a:spLocks noGrp="1"/>
-          </p:cNvSpPr>
-          <p:nvPr>
-            <p:ph type="body" idx="1"/>
-          </p:nvPr>
-        </p:nvSpPr>
-        <p:spPr/>
-        <p:txBody>
-          <a:bodyPr/>
-          <a:lstStyle/>
-          <a:p>
-            <a:endParaRPr lang="en-BE"/>
-          </a:p>
-        </p:txBody>
-      </p:sp>
-      <p:sp>
-        <p:nvSpPr>
-          <p:cNvPr id="4" name="Slide Number Placeholder 3">
-            <a:extLst>
-              <a:ext uri="{FF2B5EF4-FFF2-40B4-BE49-F238E27FC236}">
-                <a16:creationId xmlns:a16="http://schemas.microsoft.com/office/drawing/2014/main" id="{FC1F7DB0-35E5-45A9-B113-B1DF71E3D05A}"/>
-              </a:ext>
-            </a:extLst>
-          </p:cNvPr>
-          <p:cNvSpPr>
-            <a:spLocks noGrp="1"/>
-          </p:cNvSpPr>
-          <p:nvPr>
-            <p:ph type="sldNum" sz="quarter" idx="12"/>
-          </p:nvPr>
-        </p:nvSpPr>
-        <p:spPr/>
-        <p:txBody>
-          <a:bodyPr/>
-          <a:lstStyle/>
-          <a:p>
-            <a:fld id="{69D2CCA8-53B9-41C4-8716-EA9CD8A55276}" type="slidenum">
-              <a:rPr lang="en-BE" smtClean="0"/>
-              <a:t>79</a:t>
-            </a:fld>
-            <a:endParaRPr lang="en-BE"/>
-          </a:p>
-        </p:txBody>
-      </p:sp>
-      <p:sp>
-        <p:nvSpPr>
-          <p:cNvPr id="6" name="Rectangle 5">
-            <a:extLst>
-              <a:ext uri="{FF2B5EF4-FFF2-40B4-BE49-F238E27FC236}">
-                <a16:creationId xmlns:a16="http://schemas.microsoft.com/office/drawing/2014/main" id="{1376130F-80B5-4827-BE9A-4DEF829FBBB4}"/>
+          <a:bodyPr>
+            <a:noAutofit/>
+          </a:bodyPr>
+          <a:lstStyle/>
+          <a:p>
+            <a:r>
+              <a:rPr lang="fr-BE" sz="2000" dirty="0"/>
+              <a:t>./</a:t>
+            </a:r>
+            <a:r>
+              <a:rPr lang="en-GB" sz="2000" dirty="0"/>
+              <a:t>"</a:t>
+            </a:r>
+            <a:r>
+              <a:rPr lang="fr-BE" sz="2000" dirty="0" err="1"/>
+              <a:t>Tryton</a:t>
+            </a:r>
+            <a:r>
+              <a:rPr lang="fr-BE" sz="2000" dirty="0"/>
+              <a:t> 6.0 - Doc 00.01 - Installation &amp; administration.database.post01.restore.character.createYes</a:t>
+            </a:r>
+            <a:r>
+              <a:rPr lang="en-GB" sz="2000" dirty="0"/>
+              <a:t>"</a:t>
+            </a:r>
+            <a:endParaRPr lang="en-BE" sz="2000" dirty="0"/>
+          </a:p>
+        </p:txBody>
+      </p:sp>
+      <p:sp>
+        <p:nvSpPr>
+          <p:cNvPr id="7" name="TextBox 6">
+            <a:extLst>
+              <a:ext uri="{FF2B5EF4-FFF2-40B4-BE49-F238E27FC236}">
+                <a16:creationId xmlns:a16="http://schemas.microsoft.com/office/drawing/2014/main" id="{E88577DE-972D-46D1-A32C-D54D7213BC5A}"/>
+              </a:ext>
+            </a:extLst>
+          </p:cNvPr>
+          <p:cNvSpPr txBox="1"/>
+          <p:nvPr/>
+        </p:nvSpPr>
+        <p:spPr>
+          <a:xfrm>
+            <a:off x="838200" y="1384610"/>
+            <a:ext cx="11353800" cy="4893647"/>
+          </a:xfrm>
+          <a:prstGeom prst="rect">
+            <a:avLst/>
+          </a:prstGeom>
+          <a:noFill/>
+        </p:spPr>
+        <p:txBody>
+          <a:bodyPr wrap="square">
+            <a:spAutoFit/>
+          </a:bodyPr>
+          <a:lstStyle/>
+          <a:p>
+            <a:r>
+              <a:rPr lang="en-US" sz="1200" dirty="0">
+                <a:solidFill>
+                  <a:srgbClr val="434343"/>
+                </a:solidFill>
+                <a:effectLst/>
+                <a:latin typeface="Consolas" panose="020B0609020204030204" pitchFamily="49" charset="0"/>
+              </a:rPr>
+              <a:t># Step 1 : docker stop/start containers</a:t>
+            </a:r>
+          </a:p>
+          <a:p>
+            <a:r>
+              <a:rPr lang="en-US" sz="1200" dirty="0">
+                <a:solidFill>
+                  <a:srgbClr val="434343"/>
+                </a:solidFill>
+                <a:effectLst/>
+                <a:latin typeface="Consolas" panose="020B0609020204030204" pitchFamily="49" charset="0"/>
+              </a:rPr>
+              <a:t>Write-Host "-------------------------------"</a:t>
+            </a:r>
+          </a:p>
+          <a:p>
+            <a:r>
+              <a:rPr lang="en-US" sz="1200" dirty="0">
+                <a:solidFill>
+                  <a:srgbClr val="434343"/>
+                </a:solidFill>
+                <a:effectLst/>
+                <a:latin typeface="Consolas" panose="020B0609020204030204" pitchFamily="49" charset="0"/>
+              </a:rPr>
+              <a:t>Write-Host "1. Docker stop/start containers"</a:t>
+            </a:r>
+          </a:p>
+          <a:p>
+            <a:r>
+              <a:rPr lang="en-US" sz="1200" dirty="0">
+                <a:solidFill>
+                  <a:srgbClr val="434343"/>
+                </a:solidFill>
+                <a:effectLst/>
+                <a:latin typeface="Consolas" panose="020B0609020204030204" pitchFamily="49" charset="0"/>
+              </a:rPr>
+              <a:t>Write-Host "-------------------------------"</a:t>
+            </a:r>
+          </a:p>
+          <a:p>
+            <a:r>
+              <a:rPr lang="en-US" sz="1200" dirty="0">
+                <a:solidFill>
+                  <a:srgbClr val="434343"/>
+                </a:solidFill>
+                <a:effectLst/>
+                <a:latin typeface="Consolas" panose="020B0609020204030204" pitchFamily="49" charset="0"/>
+              </a:rPr>
+              <a:t>docker stop post01-postgres post01-pgadmin</a:t>
+            </a:r>
+          </a:p>
+          <a:p>
+            <a:r>
+              <a:rPr lang="en-US" sz="1200" dirty="0">
+                <a:solidFill>
+                  <a:srgbClr val="434343"/>
+                </a:solidFill>
+                <a:effectLst/>
+                <a:latin typeface="Consolas" panose="020B0609020204030204" pitchFamily="49" charset="0"/>
+              </a:rPr>
+              <a:t>docker start post01-postgres post01-pgadmin</a:t>
+            </a:r>
+          </a:p>
+          <a:p>
+            <a:endParaRPr lang="en-US" sz="1200" dirty="0">
+              <a:solidFill>
+                <a:srgbClr val="434343"/>
+              </a:solidFill>
+              <a:effectLst/>
+              <a:latin typeface="Consolas" panose="020B0609020204030204" pitchFamily="49" charset="0"/>
+            </a:endParaRPr>
+          </a:p>
+          <a:p>
+            <a:r>
+              <a:rPr lang="en-US" sz="1200" dirty="0">
+                <a:solidFill>
+                  <a:srgbClr val="434343"/>
+                </a:solidFill>
+                <a:effectLst/>
+                <a:latin typeface="Consolas" panose="020B0609020204030204" pitchFamily="49" charset="0"/>
+              </a:rPr>
+              <a:t># Step 2 : state</a:t>
+            </a:r>
+          </a:p>
+          <a:p>
+            <a:r>
+              <a:rPr lang="en-US" sz="1200" dirty="0">
+                <a:solidFill>
+                  <a:srgbClr val="434343"/>
+                </a:solidFill>
+                <a:effectLst/>
+                <a:latin typeface="Consolas" panose="020B0609020204030204" pitchFamily="49" charset="0"/>
+              </a:rPr>
+              <a:t>Write-Host "---------"</a:t>
+            </a:r>
+          </a:p>
+          <a:p>
+            <a:r>
+              <a:rPr lang="en-US" sz="1200" dirty="0">
+                <a:solidFill>
+                  <a:srgbClr val="434343"/>
+                </a:solidFill>
+                <a:effectLst/>
+                <a:latin typeface="Consolas" panose="020B0609020204030204" pitchFamily="49" charset="0"/>
+              </a:rPr>
+              <a:t>Write-Host "2. Status"</a:t>
+            </a:r>
+          </a:p>
+          <a:p>
+            <a:r>
+              <a:rPr lang="en-US" sz="1200" dirty="0">
+                <a:solidFill>
+                  <a:srgbClr val="434343"/>
+                </a:solidFill>
+                <a:effectLst/>
+                <a:latin typeface="Consolas" panose="020B0609020204030204" pitchFamily="49" charset="0"/>
+              </a:rPr>
+              <a:t>Write-Host "---------"</a:t>
+            </a:r>
+          </a:p>
+          <a:p>
+            <a:r>
+              <a:rPr lang="en-US" sz="1200" dirty="0">
+                <a:solidFill>
+                  <a:srgbClr val="434343"/>
+                </a:solidFill>
+                <a:effectLst/>
+                <a:latin typeface="Consolas" panose="020B0609020204030204" pitchFamily="49" charset="0"/>
+              </a:rPr>
+              <a:t>docker </a:t>
+            </a:r>
+            <a:r>
+              <a:rPr lang="en-US" sz="1200" dirty="0" err="1">
+                <a:solidFill>
+                  <a:srgbClr val="434343"/>
+                </a:solidFill>
+                <a:effectLst/>
+                <a:latin typeface="Consolas" panose="020B0609020204030204" pitchFamily="49" charset="0"/>
+              </a:rPr>
+              <a:t>ps</a:t>
+            </a:r>
+            <a:r>
+              <a:rPr lang="en-US" sz="1200" dirty="0">
+                <a:solidFill>
+                  <a:srgbClr val="434343"/>
+                </a:solidFill>
+                <a:effectLst/>
+                <a:latin typeface="Consolas" panose="020B0609020204030204" pitchFamily="49" charset="0"/>
+              </a:rPr>
+              <a:t> -a</a:t>
+            </a:r>
+          </a:p>
+          <a:p>
+            <a:r>
+              <a:rPr lang="en-US" sz="1200" dirty="0">
+                <a:solidFill>
+                  <a:srgbClr val="434343"/>
+                </a:solidFill>
+                <a:effectLst/>
+                <a:latin typeface="Consolas" panose="020B0609020204030204" pitchFamily="49" charset="0"/>
+              </a:rPr>
+              <a:t>Start-Sleep -Seconds 20 # Replace by detecting database is 'up'</a:t>
+            </a:r>
+          </a:p>
+          <a:p>
+            <a:r>
+              <a:rPr lang="en-US" sz="1200" dirty="0">
+                <a:solidFill>
+                  <a:srgbClr val="434343"/>
+                </a:solidFill>
+                <a:effectLst/>
+                <a:latin typeface="Consolas" panose="020B0609020204030204" pitchFamily="49" charset="0"/>
+              </a:rPr>
+              <a:t>docker exec -</a:t>
+            </a:r>
+            <a:r>
+              <a:rPr lang="en-US" sz="1200" dirty="0" err="1">
+                <a:solidFill>
+                  <a:srgbClr val="434343"/>
+                </a:solidFill>
+                <a:effectLst/>
+                <a:latin typeface="Consolas" panose="020B0609020204030204" pitchFamily="49" charset="0"/>
+              </a:rPr>
+              <a:t>tiu</a:t>
+            </a:r>
+            <a:r>
+              <a:rPr lang="en-US" sz="1200" dirty="0">
+                <a:solidFill>
+                  <a:srgbClr val="434343"/>
+                </a:solidFill>
+                <a:effectLst/>
+                <a:latin typeface="Consolas" panose="020B0609020204030204" pitchFamily="49" charset="0"/>
+              </a:rPr>
+              <a:t> </a:t>
+            </a:r>
+            <a:r>
+              <a:rPr lang="en-US" sz="1200" dirty="0" err="1">
+                <a:solidFill>
+                  <a:srgbClr val="434343"/>
+                </a:solidFill>
+                <a:effectLst/>
+                <a:latin typeface="Consolas" panose="020B0609020204030204" pitchFamily="49" charset="0"/>
+              </a:rPr>
+              <a:t>postgres</a:t>
+            </a:r>
+            <a:r>
+              <a:rPr lang="en-US" sz="1200" dirty="0">
+                <a:solidFill>
+                  <a:srgbClr val="434343"/>
+                </a:solidFill>
+                <a:effectLst/>
+                <a:latin typeface="Consolas" panose="020B0609020204030204" pitchFamily="49" charset="0"/>
+              </a:rPr>
+              <a:t> post01-postgres </a:t>
+            </a:r>
+            <a:r>
+              <a:rPr lang="en-US" sz="1200" dirty="0" err="1">
+                <a:solidFill>
+                  <a:srgbClr val="434343"/>
+                </a:solidFill>
+                <a:effectLst/>
+                <a:latin typeface="Consolas" panose="020B0609020204030204" pitchFamily="49" charset="0"/>
+              </a:rPr>
+              <a:t>psql</a:t>
+            </a:r>
+            <a:r>
+              <a:rPr lang="en-US" sz="1200" dirty="0">
+                <a:solidFill>
+                  <a:srgbClr val="434343"/>
+                </a:solidFill>
+                <a:effectLst/>
+                <a:latin typeface="Consolas" panose="020B0609020204030204" pitchFamily="49" charset="0"/>
+              </a:rPr>
+              <a:t> -c '\l+'</a:t>
+            </a:r>
+          </a:p>
+          <a:p>
+            <a:endParaRPr lang="en-US" sz="1200" dirty="0">
+              <a:solidFill>
+                <a:srgbClr val="434343"/>
+              </a:solidFill>
+              <a:effectLst/>
+              <a:latin typeface="Consolas" panose="020B0609020204030204" pitchFamily="49" charset="0"/>
+            </a:endParaRPr>
+          </a:p>
+          <a:p>
+            <a:r>
+              <a:rPr lang="en-US" sz="1200" dirty="0">
+                <a:solidFill>
+                  <a:srgbClr val="434343"/>
+                </a:solidFill>
+                <a:effectLst/>
+                <a:latin typeface="Consolas" panose="020B0609020204030204" pitchFamily="49" charset="0"/>
+              </a:rPr>
+              <a:t># Step 4.1 : import inside container (optional ; function of step 1.2 above)</a:t>
+            </a:r>
+          </a:p>
+          <a:p>
+            <a:r>
+              <a:rPr lang="en-US" sz="1200" dirty="0">
+                <a:solidFill>
+                  <a:srgbClr val="434343"/>
+                </a:solidFill>
+                <a:effectLst/>
+                <a:latin typeface="Consolas" panose="020B0609020204030204" pitchFamily="49" charset="0"/>
+              </a:rPr>
+              <a:t>Write-Host "----------------------------"</a:t>
+            </a:r>
+          </a:p>
+          <a:p>
+            <a:r>
+              <a:rPr lang="en-US" sz="1200" dirty="0">
+                <a:solidFill>
+                  <a:srgbClr val="434343"/>
+                </a:solidFill>
+                <a:effectLst/>
+                <a:latin typeface="Consolas" panose="020B0609020204030204" pitchFamily="49" charset="0"/>
+              </a:rPr>
+              <a:t>Write-Host "4.1. Import inside container"</a:t>
+            </a:r>
+          </a:p>
+          <a:p>
+            <a:r>
+              <a:rPr lang="en-US" sz="1200" dirty="0">
+                <a:solidFill>
+                  <a:srgbClr val="434343"/>
+                </a:solidFill>
+                <a:effectLst/>
+                <a:latin typeface="Consolas" panose="020B0609020204030204" pitchFamily="49" charset="0"/>
+              </a:rPr>
+              <a:t>Write-Host "----------------------------"</a:t>
+            </a:r>
+          </a:p>
+          <a:p>
+            <a:r>
+              <a:rPr lang="en-US" sz="1200" dirty="0">
+                <a:solidFill>
+                  <a:srgbClr val="434343"/>
+                </a:solidFill>
+                <a:effectLst/>
+                <a:latin typeface="Consolas" panose="020B0609020204030204" pitchFamily="49" charset="0"/>
+              </a:rPr>
+              <a:t>docker cp post01-db-backup.createYes.sql post01-postgres:/post01-db-backup.createYes.sql</a:t>
+            </a:r>
+          </a:p>
+          <a:p>
+            <a:endParaRPr lang="en-US" sz="1200" dirty="0">
+              <a:solidFill>
+                <a:srgbClr val="434343"/>
+              </a:solidFill>
+              <a:effectLst/>
+              <a:latin typeface="Consolas" panose="020B0609020204030204" pitchFamily="49" charset="0"/>
+            </a:endParaRPr>
+          </a:p>
+          <a:p>
+            <a:r>
+              <a:rPr lang="en-US" sz="1200" dirty="0">
+                <a:solidFill>
+                  <a:srgbClr val="434343"/>
+                </a:solidFill>
+                <a:effectLst/>
+                <a:latin typeface="Consolas" panose="020B0609020204030204" pitchFamily="49" charset="0"/>
+              </a:rPr>
+              <a:t># Step 4.2 : restore post01-copy from post01</a:t>
+            </a:r>
+          </a:p>
+          <a:p>
+            <a:r>
+              <a:rPr lang="en-US" sz="1200" dirty="0">
+                <a:solidFill>
+                  <a:srgbClr val="434343"/>
+                </a:solidFill>
+                <a:effectLst/>
+                <a:latin typeface="Consolas" panose="020B0609020204030204" pitchFamily="49" charset="0"/>
+              </a:rPr>
+              <a:t>Write-Host "------------------------------------------------------------------------------------------------"</a:t>
+            </a:r>
+          </a:p>
+          <a:p>
+            <a:r>
+              <a:rPr lang="en-US" sz="1200" dirty="0">
+                <a:solidFill>
+                  <a:srgbClr val="434343"/>
+                </a:solidFill>
+                <a:effectLst/>
+                <a:latin typeface="Consolas" panose="020B0609020204030204" pitchFamily="49" charset="0"/>
+              </a:rPr>
+              <a:t>Write-Host "4.2. Restore post01-copy from post01 [!!! DROP &amp; CREATE inside 'post01-db-backup.createYes.sql']"</a:t>
+            </a:r>
+          </a:p>
+          <a:p>
+            <a:r>
+              <a:rPr lang="en-US" sz="1200" dirty="0">
+                <a:solidFill>
+                  <a:srgbClr val="434343"/>
+                </a:solidFill>
+                <a:effectLst/>
+                <a:latin typeface="Consolas" panose="020B0609020204030204" pitchFamily="49" charset="0"/>
+              </a:rPr>
+              <a:t>Write-Host "------------------------------------------------------------------------------------------------"</a:t>
+            </a:r>
+          </a:p>
+          <a:p>
+            <a:r>
+              <a:rPr lang="en-US" sz="1200" dirty="0">
+                <a:solidFill>
+                  <a:srgbClr val="434343"/>
+                </a:solidFill>
+                <a:effectLst/>
+                <a:latin typeface="Consolas" panose="020B0609020204030204" pitchFamily="49" charset="0"/>
+              </a:rPr>
+              <a:t>docker exec -</a:t>
+            </a:r>
+            <a:r>
+              <a:rPr lang="en-US" sz="1200" dirty="0" err="1">
+                <a:solidFill>
+                  <a:srgbClr val="434343"/>
+                </a:solidFill>
+                <a:effectLst/>
+                <a:latin typeface="Consolas" panose="020B0609020204030204" pitchFamily="49" charset="0"/>
+              </a:rPr>
+              <a:t>i</a:t>
+            </a:r>
+            <a:r>
+              <a:rPr lang="en-US" sz="1200" dirty="0">
+                <a:solidFill>
+                  <a:srgbClr val="434343"/>
+                </a:solidFill>
+                <a:effectLst/>
+                <a:latin typeface="Consolas" panose="020B0609020204030204" pitchFamily="49" charset="0"/>
+              </a:rPr>
+              <a:t> post01-postgres </a:t>
+            </a:r>
+            <a:r>
+              <a:rPr lang="en-US" sz="1200" b="1" dirty="0" err="1">
+                <a:solidFill>
+                  <a:srgbClr val="434343"/>
+                </a:solidFill>
+                <a:effectLst/>
+                <a:latin typeface="Consolas" panose="020B0609020204030204" pitchFamily="49" charset="0"/>
+              </a:rPr>
+              <a:t>psql</a:t>
+            </a:r>
+            <a:r>
+              <a:rPr lang="en-US" sz="1200" dirty="0">
+                <a:solidFill>
+                  <a:srgbClr val="434343"/>
+                </a:solidFill>
+                <a:effectLst/>
+                <a:latin typeface="Consolas" panose="020B0609020204030204" pitchFamily="49" charset="0"/>
+              </a:rPr>
+              <a:t> -U </a:t>
+            </a:r>
+            <a:r>
+              <a:rPr lang="en-US" sz="1200" dirty="0" err="1">
+                <a:solidFill>
+                  <a:srgbClr val="434343"/>
+                </a:solidFill>
+                <a:effectLst/>
+                <a:latin typeface="Consolas" panose="020B0609020204030204" pitchFamily="49" charset="0"/>
+              </a:rPr>
+              <a:t>postgres</a:t>
+            </a:r>
+            <a:r>
+              <a:rPr lang="en-US" sz="1200" dirty="0">
+                <a:solidFill>
+                  <a:srgbClr val="434343"/>
+                </a:solidFill>
+                <a:effectLst/>
+                <a:latin typeface="Consolas" panose="020B0609020204030204" pitchFamily="49" charset="0"/>
+              </a:rPr>
+              <a:t> -f post01-db-backup.createYes.sql</a:t>
+            </a:r>
+          </a:p>
+        </p:txBody>
+      </p:sp>
+      <p:sp>
+        <p:nvSpPr>
+          <p:cNvPr id="8" name="Rectangle 7">
+            <a:extLst>
+              <a:ext uri="{FF2B5EF4-FFF2-40B4-BE49-F238E27FC236}">
+                <a16:creationId xmlns:a16="http://schemas.microsoft.com/office/drawing/2014/main" id="{C0DC27B1-888F-4B97-92D5-D1C4B177C5DA}"/>
               </a:ext>
             </a:extLst>
           </p:cNvPr>
@@ -35785,10 +36631,82 @@
           </a:p>
         </p:txBody>
       </p:sp>
+      <p:sp>
+        <p:nvSpPr>
+          <p:cNvPr id="5" name="TextBox 4">
+            <a:extLst>
+              <a:ext uri="{FF2B5EF4-FFF2-40B4-BE49-F238E27FC236}">
+                <a16:creationId xmlns:a16="http://schemas.microsoft.com/office/drawing/2014/main" id="{1CC730C9-8798-4DEF-A28F-0283765AB9E9}"/>
+              </a:ext>
+            </a:extLst>
+          </p:cNvPr>
+          <p:cNvSpPr txBox="1"/>
+          <p:nvPr/>
+        </p:nvSpPr>
+        <p:spPr>
+          <a:xfrm>
+            <a:off x="838200" y="921296"/>
+            <a:ext cx="8903676" cy="369332"/>
+          </a:xfrm>
+          <a:prstGeom prst="rect">
+            <a:avLst/>
+          </a:prstGeom>
+          <a:noFill/>
+        </p:spPr>
+        <p:txBody>
+          <a:bodyPr wrap="square" rtlCol="0">
+            <a:spAutoFit/>
+          </a:bodyPr>
+          <a:lstStyle/>
+          <a:p>
+            <a:r>
+              <a:rPr lang="fr-BE" dirty="0"/>
+              <a:t>The « </a:t>
+            </a:r>
+            <a:r>
+              <a:rPr lang="fr-BE" dirty="0" err="1"/>
+              <a:t>sql</a:t>
+            </a:r>
+            <a:r>
+              <a:rPr lang="fr-BE" dirty="0"/>
+              <a:t> » file </a:t>
+            </a:r>
+            <a:r>
+              <a:rPr lang="fr-BE" dirty="0" err="1"/>
+              <a:t>contains</a:t>
+            </a:r>
+            <a:r>
+              <a:rPr lang="fr-BE" dirty="0"/>
+              <a:t> </a:t>
+            </a:r>
+            <a:r>
+              <a:rPr lang="fr-BE" dirty="0" err="1"/>
+              <a:t>database</a:t>
+            </a:r>
+            <a:r>
+              <a:rPr lang="fr-BE" dirty="0"/>
+              <a:t> drop &amp; </a:t>
+            </a:r>
+            <a:r>
+              <a:rPr lang="fr-BE" dirty="0" err="1"/>
+              <a:t>create</a:t>
+            </a:r>
+            <a:r>
+              <a:rPr lang="fr-BE" dirty="0"/>
+              <a:t> </a:t>
+            </a:r>
+            <a:r>
+              <a:rPr lang="fr-BE" dirty="0" err="1"/>
+              <a:t>statements</a:t>
+            </a:r>
+            <a:endParaRPr lang="en-BE" dirty="0"/>
+          </a:p>
+        </p:txBody>
+      </p:sp>
     </p:spTree>
     <p:extLst>
       <p:ext uri="{BB962C8B-B14F-4D97-AF65-F5344CB8AC3E}">
-        <p14:creationId xmlns:p14="http://schemas.microsoft.com/office/powerpoint/2010/main" val="270529166"/>
+        <p14:creationId xmlns:p14="http://schemas.microsoft.com/office/powerpoint/2010/main" val="2561576968"/>
       </p:ext>
     </p:extLst>
   </p:cSld>
@@ -35798,7 +36716,7 @@
 </p:sld>
 </file>
 
-<file path=ppt/slides/slide8.xml><?xml version="1.0" encoding="utf-8"?>
+<file path=ppt/slides/slide81.xml><?xml version="1.0" encoding="utf-8"?>
 <p:sld xmlns:a="http://schemas.openxmlformats.org/drawingml/2006/main" xmlns:r="http://schemas.openxmlformats.org/officeDocument/2006/relationships" xmlns:p="http://schemas.openxmlformats.org/presentationml/2006/main">
   <p:cSld>
     <p:spTree>
@@ -35817,10 +36735,10 @@
       </p:grpSpPr>
       <p:sp>
         <p:nvSpPr>
-          <p:cNvPr id="2" name="Title 1">
-            <a:extLst>
-              <a:ext uri="{FF2B5EF4-FFF2-40B4-BE49-F238E27FC236}">
-                <a16:creationId xmlns:a16="http://schemas.microsoft.com/office/drawing/2014/main" id="{A5AABBF0-44BB-4BD7-BF73-1C1B53AB85BF}"/>
+          <p:cNvPr id="5" name="Title 4">
+            <a:extLst>
+              <a:ext uri="{FF2B5EF4-FFF2-40B4-BE49-F238E27FC236}">
+                <a16:creationId xmlns:a16="http://schemas.microsoft.com/office/drawing/2014/main" id="{CB00BC53-6B81-4D79-86D5-5FA7D21E1020}"/>
               </a:ext>
             </a:extLst>
           </p:cNvPr>
@@ -35838,7 +36756,7 @@
           <a:p>
             <a:r>
               <a:rPr lang="fr-BE" dirty="0"/>
-              <a:t>Table of Contents</a:t>
+              <a:t>Next</a:t>
             </a:r>
             <a:endParaRPr lang="en-BE" dirty="0"/>
           </a:p>
@@ -35846,10 +36764,10 @@
       </p:sp>
       <p:sp>
         <p:nvSpPr>
-          <p:cNvPr id="3" name="Text Placeholder 2">
-            <a:extLst>
-              <a:ext uri="{FF2B5EF4-FFF2-40B4-BE49-F238E27FC236}">
-                <a16:creationId xmlns:a16="http://schemas.microsoft.com/office/drawing/2014/main" id="{6061569B-4D1E-4EC2-AC4D-DB1D229470E5}"/>
+          <p:cNvPr id="2" name="Text Placeholder 1">
+            <a:extLst>
+              <a:ext uri="{FF2B5EF4-FFF2-40B4-BE49-F238E27FC236}">
+                <a16:creationId xmlns:a16="http://schemas.microsoft.com/office/drawing/2014/main" id="{63C3D7F8-6F46-4224-AD32-6F0CA1B8C984}"/>
               </a:ext>
             </a:extLst>
           </p:cNvPr>
@@ -35865,16 +36783,16 @@
           <a:bodyPr/>
           <a:lstStyle/>
           <a:p>
-            <a:endParaRPr lang="en-BE" dirty="0"/>
-          </a:p>
-        </p:txBody>
-      </p:sp>
-      <p:sp>
-        <p:nvSpPr>
-          <p:cNvPr id="6" name="Slide Number Placeholder 5">
-            <a:extLst>
-              <a:ext uri="{FF2B5EF4-FFF2-40B4-BE49-F238E27FC236}">
-                <a16:creationId xmlns:a16="http://schemas.microsoft.com/office/drawing/2014/main" id="{57228C1D-3324-49D2-B699-117C49B9F5A0}"/>
+            <a:endParaRPr lang="en-BE"/>
+          </a:p>
+        </p:txBody>
+      </p:sp>
+      <p:sp>
+        <p:nvSpPr>
+          <p:cNvPr id="4" name="Slide Number Placeholder 3">
+            <a:extLst>
+              <a:ext uri="{FF2B5EF4-FFF2-40B4-BE49-F238E27FC236}">
+                <a16:creationId xmlns:a16="http://schemas.microsoft.com/office/drawing/2014/main" id="{FC1F7DB0-35E5-45A9-B113-B1DF71E3D05A}"/>
               </a:ext>
             </a:extLst>
           </p:cNvPr>
@@ -35892,18 +36810,18 @@
           <a:p>
             <a:fld id="{69D2CCA8-53B9-41C4-8716-EA9CD8A55276}" type="slidenum">
               <a:rPr lang="en-BE" smtClean="0"/>
-              <a:t>8</a:t>
+              <a:t>81</a:t>
             </a:fld>
-            <a:endParaRPr lang="en-BE" dirty="0"/>
-          </a:p>
-        </p:txBody>
-      </p:sp>
-      <p:sp>
-        <p:nvSpPr>
-          <p:cNvPr id="5" name="Rectangle 4">
-            <a:extLst>
-              <a:ext uri="{FF2B5EF4-FFF2-40B4-BE49-F238E27FC236}">
-                <a16:creationId xmlns:a16="http://schemas.microsoft.com/office/drawing/2014/main" id="{9F7E70B8-3020-4731-8E5F-9E58699638B9}"/>
+            <a:endParaRPr lang="en-BE"/>
+          </a:p>
+        </p:txBody>
+      </p:sp>
+      <p:sp>
+        <p:nvSpPr>
+          <p:cNvPr id="6" name="Rectangle 5">
+            <a:extLst>
+              <a:ext uri="{FF2B5EF4-FFF2-40B4-BE49-F238E27FC236}">
+                <a16:creationId xmlns:a16="http://schemas.microsoft.com/office/drawing/2014/main" id="{1376130F-80B5-4827-BE9A-4DEF829FBBB4}"/>
               </a:ext>
             </a:extLst>
           </p:cNvPr>
@@ -35955,7 +36873,7 @@
     </p:spTree>
     <p:extLst>
       <p:ext uri="{BB962C8B-B14F-4D97-AF65-F5344CB8AC3E}">
-        <p14:creationId xmlns:p14="http://schemas.microsoft.com/office/powerpoint/2010/main" val="4009020316"/>
+        <p14:creationId xmlns:p14="http://schemas.microsoft.com/office/powerpoint/2010/main" val="270529166"/>
       </p:ext>
     </p:extLst>
   </p:cSld>
@@ -35965,7 +36883,7 @@
 </p:sld>
 </file>
 
-<file path=ppt/slides/slide80.xml><?xml version="1.0" encoding="utf-8"?>
+<file path=ppt/slides/slide82.xml><?xml version="1.0" encoding="utf-8"?>
 <p:sld xmlns:a="http://schemas.openxmlformats.org/drawingml/2006/main" xmlns:r="http://schemas.openxmlformats.org/officeDocument/2006/relationships" xmlns:p="http://schemas.openxmlformats.org/presentationml/2006/main">
   <p:cSld>
     <p:spTree>
@@ -36095,7 +37013,7 @@
           <a:p>
             <a:fld id="{69D2CCA8-53B9-41C4-8716-EA9CD8A55276}" type="slidenum">
               <a:rPr lang="en-BE" smtClean="0"/>
-              <a:t>80</a:t>
+              <a:t>82</a:t>
             </a:fld>
             <a:endParaRPr lang="en-BE"/>
           </a:p>
@@ -36458,7 +37376,7 @@
 </p:sld>
 </file>
 
-<file path=ppt/slides/slide81.xml><?xml version="1.0" encoding="utf-8"?>
+<file path=ppt/slides/slide83.xml><?xml version="1.0" encoding="utf-8"?>
 <p:sld xmlns:a="http://schemas.openxmlformats.org/drawingml/2006/main" xmlns:r="http://schemas.openxmlformats.org/officeDocument/2006/relationships" xmlns:p="http://schemas.openxmlformats.org/presentationml/2006/main">
   <p:cSld>
     <p:spTree>
@@ -36552,7 +37470,7 @@
           <a:p>
             <a:fld id="{69D2CCA8-53B9-41C4-8716-EA9CD8A55276}" type="slidenum">
               <a:rPr lang="en-BE" smtClean="0"/>
-              <a:t>81</a:t>
+              <a:t>83</a:t>
             </a:fld>
             <a:endParaRPr lang="en-BE" dirty="0"/>
           </a:p>
@@ -36625,7 +37543,7 @@
 </p:sld>
 </file>
 
-<file path=ppt/slides/slide82.xml><?xml version="1.0" encoding="utf-8"?>
+<file path=ppt/slides/slide84.xml><?xml version="1.0" encoding="utf-8"?>
 <p:sld xmlns:a="http://schemas.openxmlformats.org/drawingml/2006/main" xmlns:r="http://schemas.openxmlformats.org/officeDocument/2006/relationships" xmlns:p="http://schemas.openxmlformats.org/presentationml/2006/main">
   <p:cSld>
     <p:spTree>
@@ -36774,7 +37692,7 @@
           <a:p>
             <a:fld id="{69D2CCA8-53B9-41C4-8716-EA9CD8A55276}" type="slidenum">
               <a:rPr lang="en-BE" smtClean="0"/>
-              <a:t>82</a:t>
+              <a:t>84</a:t>
             </a:fld>
             <a:endParaRPr lang="en-BE"/>
           </a:p>
@@ -37641,7 +38559,7 @@
 </p:sld>
 </file>
 
-<file path=ppt/slides/slide83.xml><?xml version="1.0" encoding="utf-8"?>
+<file path=ppt/slides/slide85.xml><?xml version="1.0" encoding="utf-8"?>
 <p:sld xmlns:a="http://schemas.openxmlformats.org/drawingml/2006/main" xmlns:r="http://schemas.openxmlformats.org/officeDocument/2006/relationships" xmlns:p="http://schemas.openxmlformats.org/presentationml/2006/main">
   <p:cSld>
     <p:spTree>
@@ -37735,7 +38653,7 @@
           <a:p>
             <a:fld id="{69D2CCA8-53B9-41C4-8716-EA9CD8A55276}" type="slidenum">
               <a:rPr lang="en-BE" smtClean="0"/>
-              <a:t>83</a:t>
+              <a:t>85</a:t>
             </a:fld>
             <a:endParaRPr lang="en-BE" dirty="0"/>
           </a:p>
@@ -37808,7 +38726,7 @@
 </p:sld>
 </file>
 
-<file path=ppt/slides/slide84.xml><?xml version="1.0" encoding="utf-8"?>
+<file path=ppt/slides/slide86.xml><?xml version="1.0" encoding="utf-8"?>
 <p:sld xmlns:a="http://schemas.openxmlformats.org/drawingml/2006/main" xmlns:r="http://schemas.openxmlformats.org/officeDocument/2006/relationships" xmlns:p="http://schemas.openxmlformats.org/presentationml/2006/main">
   <p:cSld>
     <p:spTree>
@@ -38109,7 +39027,7 @@
           <a:p>
             <a:fld id="{69D2CCA8-53B9-41C4-8716-EA9CD8A55276}" type="slidenum">
               <a:rPr lang="en-BE" smtClean="0"/>
-              <a:t>84</a:t>
+              <a:t>86</a:t>
             </a:fld>
             <a:endParaRPr lang="en-BE"/>
           </a:p>
@@ -38180,7 +39098,7 @@
 </p:sld>
 </file>
 
-<file path=ppt/slides/slide85.xml><?xml version="1.0" encoding="utf-8"?>
+<file path=ppt/slides/slide87.xml><?xml version="1.0" encoding="utf-8"?>
 <p:sld xmlns:a="http://schemas.openxmlformats.org/drawingml/2006/main" xmlns:r="http://schemas.openxmlformats.org/officeDocument/2006/relationships" xmlns:p="http://schemas.openxmlformats.org/presentationml/2006/main">
   <p:cSld>
     <p:spTree>
@@ -38397,7 +39315,7 @@
           <a:p>
             <a:fld id="{69D2CCA8-53B9-41C4-8716-EA9CD8A55276}" type="slidenum">
               <a:rPr lang="en-BE" smtClean="0"/>
-              <a:t>85</a:t>
+              <a:t>87</a:t>
             </a:fld>
             <a:endParaRPr lang="en-BE"/>
           </a:p>
@@ -38468,7 +39386,7 @@
 </p:sld>
 </file>
 
-<file path=ppt/slides/slide86.xml><?xml version="1.0" encoding="utf-8"?>
+<file path=ppt/slides/slide88.xml><?xml version="1.0" encoding="utf-8"?>
 <p:sld xmlns:a="http://schemas.openxmlformats.org/drawingml/2006/main" xmlns:r="http://schemas.openxmlformats.org/officeDocument/2006/relationships" xmlns:p="http://schemas.openxmlformats.org/presentationml/2006/main">
   <p:cSld>
     <p:spTree>
@@ -38623,7 +39541,7 @@
           <a:p>
             <a:fld id="{69D2CCA8-53B9-41C4-8716-EA9CD8A55276}" type="slidenum">
               <a:rPr lang="en-BE" smtClean="0"/>
-              <a:t>86</a:t>
+              <a:t>88</a:t>
             </a:fld>
             <a:endParaRPr lang="en-BE"/>
           </a:p>
@@ -38799,7 +39717,7 @@
         <p:spPr>
           <a:xfrm>
             <a:off x="2924108" y="502559"/>
-            <a:ext cx="2760784" cy="6247864"/>
+            <a:ext cx="2760784" cy="6494085"/>
           </a:xfrm>
           <a:prstGeom prst="rect">
             <a:avLst/>
@@ -38914,6 +39832,13 @@
             <a:pPr algn="r"/>
             <a:r>
               <a:rPr lang="fr-BE" sz="1600" b="1" dirty="0"/>
+              <a:t>Container multi-versioning</a:t>
+            </a:r>
+          </a:p>
+          <a:p>
+            <a:pPr algn="r"/>
+            <a:r>
+              <a:rPr lang="fr-BE" sz="1600" b="1" dirty="0"/>
               <a:t>User Interface</a:t>
             </a:r>
             <a:br>
@@ -39111,7 +40036,7 @@
         <p:spPr>
           <a:xfrm>
             <a:off x="5684891" y="502559"/>
-            <a:ext cx="5835163" cy="6247864"/>
+            <a:ext cx="5835163" cy="6740307"/>
           </a:xfrm>
           <a:prstGeom prst="rect">
             <a:avLst/>
@@ -39331,6 +40256,28 @@
             <a:r>
               <a:rPr lang="fr-BE" sz="1600" b="1" dirty="0"/>
               <a:t> containers</a:t>
+            </a:r>
+          </a:p>
+          <a:p>
+            <a:r>
+              <a:rPr lang="fr-BE" sz="1600" b="1" dirty="0"/>
+              <a:t>How to </a:t>
+            </a:r>
+            <a:r>
+              <a:rPr lang="fr-BE" sz="1600" b="1" dirty="0" err="1"/>
+              <a:t>install</a:t>
+            </a:r>
+            <a:r>
+              <a:rPr lang="fr-BE" sz="1600" b="1" dirty="0"/>
+              <a:t> containers </a:t>
+            </a:r>
+            <a:r>
+              <a:rPr lang="fr-BE" sz="1600" b="1" dirty="0" err="1"/>
+              <a:t>from</a:t>
+            </a:r>
+            <a:r>
+              <a:rPr lang="fr-BE" sz="1600" b="1" dirty="0"/>
+              <a:t> multiple image versions</a:t>
             </a:r>
           </a:p>
           <a:p>

--- a/Tryton 6.0 - Doc 00.01 - Installation & administration.pptx
+++ b/Tryton 6.0 - Doc 00.01 - Installation & administration.pptx
@@ -5,10 +5,10 @@
     <p:sldMasterId id="2147483648" r:id="rId1"/>
   </p:sldMasterIdLst>
   <p:notesMasterIdLst>
-    <p:notesMasterId r:id="rId90"/>
+    <p:notesMasterId r:id="rId93"/>
   </p:notesMasterIdLst>
   <p:handoutMasterIdLst>
-    <p:handoutMasterId r:id="rId91"/>
+    <p:handoutMasterId r:id="rId94"/>
   </p:handoutMasterIdLst>
   <p:sldIdLst>
     <p:sldId id="372" r:id="rId2"/>
@@ -55,8 +55,8 @@
     <p:sldId id="761" r:id="rId43"/>
     <p:sldId id="846" r:id="rId44"/>
     <p:sldId id="847" r:id="rId45"/>
-    <p:sldId id="328" r:id="rId46"/>
-    <p:sldId id="860" r:id="rId47"/>
+    <p:sldId id="861" r:id="rId46"/>
+    <p:sldId id="862" r:id="rId47"/>
     <p:sldId id="859" r:id="rId48"/>
     <p:sldId id="581" r:id="rId49"/>
     <p:sldId id="330" r:id="rId50"/>
@@ -91,14 +91,17 @@
     <p:sldId id="856" r:id="rId79"/>
     <p:sldId id="777" r:id="rId80"/>
     <p:sldId id="857" r:id="rId81"/>
-    <p:sldId id="814" r:id="rId82"/>
-    <p:sldId id="815" r:id="rId83"/>
-    <p:sldId id="834" r:id="rId84"/>
-    <p:sldId id="831" r:id="rId85"/>
-    <p:sldId id="663" r:id="rId86"/>
-    <p:sldId id="584" r:id="rId87"/>
-    <p:sldId id="829" r:id="rId88"/>
-    <p:sldId id="828" r:id="rId89"/>
+    <p:sldId id="328" r:id="rId82"/>
+    <p:sldId id="860" r:id="rId83"/>
+    <p:sldId id="863" r:id="rId84"/>
+    <p:sldId id="814" r:id="rId85"/>
+    <p:sldId id="815" r:id="rId86"/>
+    <p:sldId id="834" r:id="rId87"/>
+    <p:sldId id="831" r:id="rId88"/>
+    <p:sldId id="663" r:id="rId89"/>
+    <p:sldId id="584" r:id="rId90"/>
+    <p:sldId id="829" r:id="rId91"/>
+    <p:sldId id="828" r:id="rId92"/>
   </p:sldIdLst>
   <p:sldSz cx="12192000" cy="6858000"/>
   <p:notesSz cx="6858000" cy="9144000"/>
@@ -290,8 +293,8 @@
         </p14:section>
         <p14:section name="Container multi-versioning" id="{9EFE37C1-4AFD-48B0-9B5A-8569F049C048}">
           <p14:sldIdLst>
-            <p14:sldId id="328"/>
-            <p14:sldId id="860"/>
+            <p14:sldId id="861"/>
+            <p14:sldId id="862"/>
           </p14:sldIdLst>
         </p14:section>
         <p14:section name="User Interface" id="{5E0AB994-A08C-496C-8ED9-438238FF700F}">
@@ -348,6 +351,13 @@
             <p14:sldId id="857"/>
           </p14:sldIdLst>
         </p14:section>
+        <p14:section name="Multi-database Container" id="{77E2398A-B471-4605-BF54-C5B3291D5BE2}">
+          <p14:sldIdLst>
+            <p14:sldId id="328"/>
+            <p14:sldId id="860"/>
+            <p14:sldId id="863"/>
+          </p14:sldIdLst>
+        </p14:section>
         <p14:section name="Next" id="{1357979F-F085-49CD-88FA-19D7AC54CC2F}">
           <p14:sldIdLst>
             <p14:sldId id="814"/>
@@ -474,7 +484,7 @@
           <a:p>
             <a:fld id="{1888941B-6604-4841-9FBD-A94850160ED1}" type="datetimeFigureOut">
               <a:rPr lang="en-BE" smtClean="0"/>
-              <a:t>11/05/2021</a:t>
+              <a:t>12/05/2021</a:t>
             </a:fld>
             <a:endParaRPr lang="en-BE"/>
           </a:p>
@@ -651,7 +661,7 @@
           <a:p>
             <a:fld id="{F8FD9220-3D18-4077-BD0E-AFA621EE8E9B}" type="datetimeFigureOut">
               <a:rPr lang="en-BE" smtClean="0"/>
-              <a:t>11/05/2021</a:t>
+              <a:t>12/05/2021</a:t>
             </a:fld>
             <a:endParaRPr lang="en-BE"/>
           </a:p>
@@ -24665,7 +24675,7 @@
     </p:spTree>
     <p:extLst>
       <p:ext uri="{BB962C8B-B14F-4D97-AF65-F5344CB8AC3E}">
-        <p14:creationId xmlns:p14="http://schemas.microsoft.com/office/powerpoint/2010/main" val="3147151768"/>
+        <p14:creationId xmlns:p14="http://schemas.microsoft.com/office/powerpoint/2010/main" val="719600697"/>
       </p:ext>
     </p:extLst>
   </p:cSld>
@@ -24760,7 +24770,55 @@
             </a:r>
             <a:r>
               <a:rPr lang="fr-BE" dirty="0"/>
-              <a:t> multiple image version containers</a:t>
+              <a:t> containers </a:t>
+            </a:r>
+            <a:r>
+              <a:rPr lang="fr-BE" dirty="0" err="1"/>
+              <a:t>built</a:t>
+            </a:r>
+            <a:r>
+              <a:rPr lang="fr-BE" dirty="0"/>
+              <a:t> </a:t>
+            </a:r>
+            <a:r>
+              <a:rPr lang="fr-BE" dirty="0" err="1"/>
+              <a:t>from</a:t>
+            </a:r>
+            <a:r>
+              <a:rPr lang="fr-BE" dirty="0"/>
+              <a:t> « </a:t>
+            </a:r>
+            <a:r>
+              <a:rPr lang="fr-BE" dirty="0" err="1"/>
+              <a:t>tryton</a:t>
+            </a:r>
+            <a:r>
+              <a:rPr lang="fr-BE" dirty="0"/>
+              <a:t>/</a:t>
+            </a:r>
+            <a:r>
+              <a:rPr lang="fr-BE" dirty="0" err="1"/>
+              <a:t>tryton</a:t>
+            </a:r>
+            <a:r>
+              <a:rPr lang="fr-BE" dirty="0"/>
+              <a:t> » images </a:t>
+            </a:r>
+            <a:r>
+              <a:rPr lang="fr-BE" dirty="0" err="1"/>
+              <a:t>with</a:t>
+            </a:r>
+            <a:r>
+              <a:rPr lang="fr-BE" dirty="0"/>
+              <a:t> </a:t>
+            </a:r>
+            <a:r>
+              <a:rPr lang="fr-BE" dirty="0" err="1"/>
+              <a:t>different</a:t>
+            </a:r>
+            <a:r>
+              <a:rPr lang="fr-BE" dirty="0"/>
+              <a:t> « tags »</a:t>
             </a:r>
             <a:endParaRPr lang="en-BE" dirty="0"/>
           </a:p>
@@ -24950,15 +25008,7 @@
             </a:r>
             <a:r>
               <a:rPr lang="fr-BE" dirty="0"/>
-              <a:t> a « </a:t>
-            </a:r>
-            <a:r>
-              <a:rPr lang="fr-BE" dirty="0" err="1"/>
-              <a:t>same</a:t>
-            </a:r>
-            <a:r>
-              <a:rPr lang="fr-BE" dirty="0"/>
-              <a:t> image </a:t>
+              <a:t> an « image » == « application » </a:t>
             </a:r>
             <a:r>
               <a:rPr lang="fr-BE" dirty="0" err="1"/>
@@ -24966,7 +25016,7 @@
             </a:r>
             <a:r>
               <a:rPr lang="fr-BE" dirty="0"/>
-              <a:t> a </a:t>
+              <a:t> </a:t>
             </a:r>
             <a:r>
               <a:rPr lang="fr-BE" dirty="0" err="1"/>
@@ -24974,15 +25024,7 @@
             </a:r>
             <a:r>
               <a:rPr lang="fr-BE" dirty="0"/>
-              <a:t> « tag » (call </a:t>
-            </a:r>
-            <a:r>
-              <a:rPr lang="fr-BE" dirty="0" err="1"/>
-              <a:t>it</a:t>
-            </a:r>
-            <a:r>
-              <a:rPr lang="fr-BE" dirty="0"/>
-              <a:t> « version ») . </a:t>
+              <a:t> « tags » == « versions ». </a:t>
             </a:r>
             <a:r>
               <a:rPr lang="fr-BE" dirty="0" err="1"/>
@@ -25000,7 +25042,7 @@
             </a:pPr>
             <a:r>
               <a:rPr lang="fr-BE" dirty="0"/>
-              <a:t>Image « </a:t>
+              <a:t>Image for version « 5.0 » or « 6.0 » : « </a:t>
             </a:r>
             <a:r>
               <a:rPr lang="fr-BE" dirty="0" err="1"/>
@@ -25008,7 +25050,15 @@
             </a:r>
             <a:r>
               <a:rPr lang="fr-BE" dirty="0"/>
-              <a:t>/tryton:5.0 »</a:t>
+              <a:t>/tryton:5.0 » or « </a:t>
+            </a:r>
+            <a:r>
+              <a:rPr lang="fr-BE" dirty="0" err="1"/>
+              <a:t>tryton</a:t>
+            </a:r>
+            <a:r>
+              <a:rPr lang="fr-BE" dirty="0"/>
+              <a:t>/tryton:6:0 »</a:t>
             </a:r>
           </a:p>
           <a:p>
@@ -25018,7 +25068,15 @@
             </a:pPr>
             <a:r>
               <a:rPr lang="fr-BE" dirty="0"/>
-              <a:t>Image « </a:t>
+              <a:t>Image for version « </a:t>
+            </a:r>
+            <a:r>
+              <a:rPr lang="fr-BE" dirty="0" err="1"/>
+              <a:t>latest</a:t>
+            </a:r>
+            <a:r>
+              <a:rPr lang="fr-BE" dirty="0"/>
+              <a:t> » : « </a:t>
             </a:r>
             <a:r>
               <a:rPr lang="fr-BE" dirty="0" err="1"/>
@@ -25026,7 +25084,23 @@
             </a:r>
             <a:r>
               <a:rPr lang="fr-BE" dirty="0"/>
-              <a:t>/tryton:6:0 » or « </a:t>
+              <a:t>/</a:t>
+            </a:r>
+            <a:r>
+              <a:rPr lang="fr-BE" dirty="0" err="1"/>
+              <a:t>tryton:latest</a:t>
+            </a:r>
+            <a:r>
+              <a:rPr lang="fr-BE" dirty="0"/>
+              <a:t> » or </a:t>
+            </a:r>
+            <a:r>
+              <a:rPr lang="fr-BE" dirty="0" err="1"/>
+              <a:t>simply</a:t>
+            </a:r>
+            <a:r>
+              <a:rPr lang="fr-BE" dirty="0"/>
+              <a:t> « </a:t>
             </a:r>
             <a:r>
               <a:rPr lang="fr-BE" dirty="0" err="1"/>
@@ -25038,7 +25112,7 @@
             </a:r>
             <a:r>
               <a:rPr lang="fr-BE" dirty="0" err="1"/>
-              <a:t>tryton:latest</a:t>
+              <a:t>tryton</a:t>
             </a:r>
             <a:r>
               <a:rPr lang="fr-BE" dirty="0"/>
@@ -25071,7 +25145,47 @@
             </a:r>
             <a:r>
               <a:rPr lang="fr-BE" dirty="0" err="1"/>
-              <a:t>succeed</a:t>
+              <a:t>generate</a:t>
+            </a:r>
+            <a:r>
+              <a:rPr lang="fr-BE" dirty="0"/>
+              <a:t> containers </a:t>
+            </a:r>
+            <a:r>
+              <a:rPr lang="fr-BE" dirty="0" err="1"/>
+              <a:t>according</a:t>
+            </a:r>
+            <a:r>
+              <a:rPr lang="fr-BE" dirty="0"/>
+              <a:t> to the « </a:t>
+            </a:r>
+            <a:r>
+              <a:rPr lang="fr-BE" dirty="0" err="1"/>
+              <a:t>image+tag</a:t>
+            </a:r>
+            <a:r>
+              <a:rPr lang="fr-BE" dirty="0"/>
+              <a:t> » </a:t>
+            </a:r>
+            <a:r>
+              <a:rPr lang="fr-BE" dirty="0" err="1"/>
+              <a:t>they</a:t>
+            </a:r>
+            <a:r>
+              <a:rPr lang="fr-BE" dirty="0"/>
+              <a:t> are </a:t>
+            </a:r>
+            <a:r>
+              <a:rPr lang="fr-BE" dirty="0" err="1"/>
+              <a:t>derived</a:t>
+            </a:r>
+            <a:r>
+              <a:rPr lang="fr-BE" dirty="0"/>
+              <a:t> </a:t>
+            </a:r>
+            <a:r>
+              <a:rPr lang="fr-BE" dirty="0" err="1"/>
+              <a:t>from</a:t>
             </a:r>
             <a:r>
               <a:rPr lang="fr-BE" dirty="0"/>
@@ -25079,7 +25193,15 @@
             </a:r>
             <a:r>
               <a:rPr lang="fr-BE" dirty="0" err="1"/>
-              <a:t>it</a:t>
+              <a:t>adapt</a:t>
+            </a:r>
+            <a:r>
+              <a:rPr lang="fr-BE" dirty="0"/>
+              <a:t> the </a:t>
+            </a:r>
+            <a:r>
+              <a:rPr lang="fr-BE" dirty="0" err="1"/>
+              <a:t>parameters</a:t>
             </a:r>
             <a:r>
               <a:rPr lang="fr-BE" dirty="0"/>
@@ -25087,75 +25209,27 @@
             </a:r>
             <a:r>
               <a:rPr lang="fr-BE" dirty="0" err="1"/>
-              <a:t>is</a:t>
-            </a:r>
-            <a:r>
-              <a:rPr lang="fr-BE" dirty="0"/>
-              <a:t> </a:t>
-            </a:r>
-            <a:r>
-              <a:rPr lang="fr-BE" dirty="0" err="1"/>
-              <a:t>necessary</a:t>
-            </a:r>
-            <a:r>
-              <a:rPr lang="fr-BE" dirty="0"/>
-              <a:t> to </a:t>
-            </a:r>
-            <a:r>
-              <a:rPr lang="fr-BE" dirty="0" err="1"/>
-              <a:t>segregate</a:t>
-            </a:r>
-            <a:r>
-              <a:rPr lang="fr-BE" dirty="0"/>
-              <a:t> containers e.g. « 5.0 » and « </a:t>
-            </a:r>
-            <a:r>
-              <a:rPr lang="fr-BE" dirty="0" err="1"/>
-              <a:t>latest</a:t>
-            </a:r>
-            <a:r>
-              <a:rPr lang="fr-BE" dirty="0"/>
-              <a:t> », </a:t>
-            </a:r>
-            <a:r>
-              <a:rPr lang="fr-BE" dirty="0" err="1"/>
-              <a:t>using</a:t>
-            </a:r>
-            <a:r>
-              <a:rPr lang="fr-BE" dirty="0"/>
-              <a:t> </a:t>
-            </a:r>
-            <a:r>
-              <a:rPr lang="fr-BE" dirty="0" err="1"/>
-              <a:t>some</a:t>
-            </a:r>
-            <a:r>
-              <a:rPr lang="fr-BE" dirty="0"/>
-              <a:t> </a:t>
-            </a:r>
-            <a:r>
-              <a:rPr lang="fr-BE" dirty="0" err="1"/>
-              <a:t>parameters</a:t>
-            </a:r>
-            <a:r>
-              <a:rPr lang="fr-BE" dirty="0"/>
-              <a:t> </a:t>
-            </a:r>
-            <a:r>
-              <a:rPr lang="fr-BE" dirty="0" err="1"/>
-              <a:t>clearly</a:t>
-            </a:r>
-            <a:r>
-              <a:rPr lang="fr-BE" dirty="0"/>
-              <a:t> </a:t>
-            </a:r>
-            <a:r>
-              <a:rPr lang="fr-BE" dirty="0" err="1"/>
               <a:t>identified</a:t>
             </a:r>
             <a:r>
               <a:rPr lang="fr-BE" dirty="0"/>
-              <a:t> in the respective utility scripts. Just </a:t>
+              <a:t> in the </a:t>
+            </a:r>
+            <a:r>
+              <a:rPr lang="fr-BE" dirty="0" err="1"/>
+              <a:t>choosen</a:t>
+            </a:r>
+            <a:r>
+              <a:rPr lang="fr-BE" dirty="0"/>
+              <a:t> « </a:t>
+            </a:r>
+            <a:r>
+              <a:rPr lang="fr-BE" dirty="0" err="1"/>
+              <a:t>create</a:t>
+            </a:r>
+            <a:r>
+              <a:rPr lang="fr-BE" dirty="0"/>
+              <a:t> » utility script. Just </a:t>
             </a:r>
             <a:r>
               <a:rPr lang="fr-BE" dirty="0" err="1"/>
@@ -25339,14 +25413,6 @@
             <a:r>
               <a:rPr lang="fr-BE" dirty="0"/>
               <a:t> </a:t>
-            </a:r>
-            <a:r>
-              <a:rPr lang="fr-BE" dirty="0" err="1"/>
-              <a:t>inthes</a:t>
-            </a:r>
-            <a:r>
-              <a:rPr lang="fr-BE" dirty="0"/>
-              <a:t> script </a:t>
             </a:r>
             <a:r>
               <a:rPr lang="fr-BE" dirty="0" err="1"/>
@@ -25408,7 +25474,7 @@
     </p:spTree>
     <p:extLst>
       <p:ext uri="{BB962C8B-B14F-4D97-AF65-F5344CB8AC3E}">
-        <p14:creationId xmlns:p14="http://schemas.microsoft.com/office/powerpoint/2010/main" val="1884982498"/>
+        <p14:creationId xmlns:p14="http://schemas.microsoft.com/office/powerpoint/2010/main" val="77752504"/>
       </p:ext>
     </p:extLst>
   </p:cSld>
@@ -36735,10 +36801,10 @@
       </p:grpSpPr>
       <p:sp>
         <p:nvSpPr>
-          <p:cNvPr id="5" name="Title 4">
-            <a:extLst>
-              <a:ext uri="{FF2B5EF4-FFF2-40B4-BE49-F238E27FC236}">
-                <a16:creationId xmlns:a16="http://schemas.microsoft.com/office/drawing/2014/main" id="{CB00BC53-6B81-4D79-86D5-5FA7D21E1020}"/>
+          <p:cNvPr id="2" name="Title 1">
+            <a:extLst>
+              <a:ext uri="{FF2B5EF4-FFF2-40B4-BE49-F238E27FC236}">
+                <a16:creationId xmlns:a16="http://schemas.microsoft.com/office/drawing/2014/main" id="{A5AABBF0-44BB-4BD7-BF73-1C1B53AB85BF}"/>
               </a:ext>
             </a:extLst>
           </p:cNvPr>
@@ -36756,7 +36822,15 @@
           <a:p>
             <a:r>
               <a:rPr lang="fr-BE" dirty="0"/>
-              <a:t>Next</a:t>
+              <a:t>Multi-</a:t>
+            </a:r>
+            <a:r>
+              <a:rPr lang="fr-BE" dirty="0" err="1"/>
+              <a:t>database</a:t>
+            </a:r>
+            <a:r>
+              <a:rPr lang="fr-BE" dirty="0"/>
+              <a:t> Container</a:t>
             </a:r>
             <a:endParaRPr lang="en-BE" dirty="0"/>
           </a:p>
@@ -36764,10 +36838,10 @@
       </p:sp>
       <p:sp>
         <p:nvSpPr>
-          <p:cNvPr id="2" name="Text Placeholder 1">
-            <a:extLst>
-              <a:ext uri="{FF2B5EF4-FFF2-40B4-BE49-F238E27FC236}">
-                <a16:creationId xmlns:a16="http://schemas.microsoft.com/office/drawing/2014/main" id="{63C3D7F8-6F46-4224-AD32-6F0CA1B8C984}"/>
+          <p:cNvPr id="3" name="Text Placeholder 2">
+            <a:extLst>
+              <a:ext uri="{FF2B5EF4-FFF2-40B4-BE49-F238E27FC236}">
+                <a16:creationId xmlns:a16="http://schemas.microsoft.com/office/drawing/2014/main" id="{6061569B-4D1E-4EC2-AC4D-DB1D229470E5}"/>
               </a:ext>
             </a:extLst>
           </p:cNvPr>
@@ -36783,16 +36857,16 @@
           <a:bodyPr/>
           <a:lstStyle/>
           <a:p>
-            <a:endParaRPr lang="en-BE"/>
-          </a:p>
-        </p:txBody>
-      </p:sp>
-      <p:sp>
-        <p:nvSpPr>
-          <p:cNvPr id="4" name="Slide Number Placeholder 3">
-            <a:extLst>
-              <a:ext uri="{FF2B5EF4-FFF2-40B4-BE49-F238E27FC236}">
-                <a16:creationId xmlns:a16="http://schemas.microsoft.com/office/drawing/2014/main" id="{FC1F7DB0-35E5-45A9-B113-B1DF71E3D05A}"/>
+            <a:endParaRPr lang="en-BE" dirty="0"/>
+          </a:p>
+        </p:txBody>
+      </p:sp>
+      <p:sp>
+        <p:nvSpPr>
+          <p:cNvPr id="6" name="Slide Number Placeholder 5">
+            <a:extLst>
+              <a:ext uri="{FF2B5EF4-FFF2-40B4-BE49-F238E27FC236}">
+                <a16:creationId xmlns:a16="http://schemas.microsoft.com/office/drawing/2014/main" id="{BDF0AD69-D82A-42E8-BC94-E097442C2CDF}"/>
               </a:ext>
             </a:extLst>
           </p:cNvPr>
@@ -36818,10 +36892,10 @@
       </p:sp>
       <p:sp>
         <p:nvSpPr>
-          <p:cNvPr id="6" name="Rectangle 5">
-            <a:extLst>
-              <a:ext uri="{FF2B5EF4-FFF2-40B4-BE49-F238E27FC236}">
-                <a16:creationId xmlns:a16="http://schemas.microsoft.com/office/drawing/2014/main" id="{1376130F-80B5-4827-BE9A-4DEF829FBBB4}"/>
+          <p:cNvPr id="5" name="Rectangle 4">
+            <a:extLst>
+              <a:ext uri="{FF2B5EF4-FFF2-40B4-BE49-F238E27FC236}">
+                <a16:creationId xmlns:a16="http://schemas.microsoft.com/office/drawing/2014/main" id="{AC84AF6F-494F-431C-998F-221B85D40744}"/>
               </a:ext>
             </a:extLst>
           </p:cNvPr>
@@ -36873,7 +36947,7 @@
     </p:spTree>
     <p:extLst>
       <p:ext uri="{BB962C8B-B14F-4D97-AF65-F5344CB8AC3E}">
-        <p14:creationId xmlns:p14="http://schemas.microsoft.com/office/powerpoint/2010/main" val="270529166"/>
+        <p14:creationId xmlns:p14="http://schemas.microsoft.com/office/powerpoint/2010/main" val="299053079"/>
       </p:ext>
     </p:extLst>
   </p:cSld>
@@ -36902,6 +36976,1262 @@
       </p:grpSpPr>
       <p:sp>
         <p:nvSpPr>
+          <p:cNvPr id="5" name="Slide Number Placeholder 4">
+            <a:extLst>
+              <a:ext uri="{FF2B5EF4-FFF2-40B4-BE49-F238E27FC236}">
+                <a16:creationId xmlns:a16="http://schemas.microsoft.com/office/drawing/2014/main" id="{81032038-9680-475F-B14C-EB2C1ED81E5F}"/>
+              </a:ext>
+            </a:extLst>
+          </p:cNvPr>
+          <p:cNvSpPr>
+            <a:spLocks noGrp="1"/>
+          </p:cNvSpPr>
+          <p:nvPr>
+            <p:ph type="sldNum" sz="quarter" idx="12"/>
+          </p:nvPr>
+        </p:nvSpPr>
+        <p:spPr>
+          <a:xfrm rot="16200000">
+            <a:off x="-40341" y="6146519"/>
+            <a:ext cx="842683" cy="365125"/>
+          </a:xfrm>
+        </p:spPr>
+        <p:txBody>
+          <a:bodyPr/>
+          <a:lstStyle/>
+          <a:p>
+            <a:fld id="{69D2CCA8-53B9-41C4-8716-EA9CD8A55276}" type="slidenum">
+              <a:rPr lang="en-BE" smtClean="0"/>
+              <a:t>82</a:t>
+            </a:fld>
+            <a:endParaRPr lang="en-BE"/>
+          </a:p>
+        </p:txBody>
+      </p:sp>
+      <p:sp>
+        <p:nvSpPr>
+          <p:cNvPr id="9" name="Title 1">
+            <a:extLst>
+              <a:ext uri="{FF2B5EF4-FFF2-40B4-BE49-F238E27FC236}">
+                <a16:creationId xmlns:a16="http://schemas.microsoft.com/office/drawing/2014/main" id="{8484E15B-0329-4BE2-8710-7956E1C3B8C1}"/>
+              </a:ext>
+            </a:extLst>
+          </p:cNvPr>
+          <p:cNvSpPr>
+            <a:spLocks noGrp="1"/>
+          </p:cNvSpPr>
+          <p:nvPr>
+            <p:ph type="title"/>
+          </p:nvPr>
+        </p:nvSpPr>
+        <p:spPr>
+          <a:xfrm>
+            <a:off x="838200" y="365125"/>
+            <a:ext cx="10515600" cy="462189"/>
+          </a:xfrm>
+        </p:spPr>
+        <p:txBody>
+          <a:bodyPr>
+            <a:normAutofit/>
+          </a:bodyPr>
+          <a:lstStyle/>
+          <a:p>
+            <a:r>
+              <a:rPr lang="fr-BE" dirty="0"/>
+              <a:t>« </a:t>
+            </a:r>
+            <a:r>
+              <a:rPr lang="fr-BE" dirty="0" err="1"/>
+              <a:t>Tryton</a:t>
+            </a:r>
+            <a:r>
+              <a:rPr lang="fr-BE" dirty="0"/>
+              <a:t> </a:t>
+            </a:r>
+            <a:r>
+              <a:rPr lang="fr-BE" dirty="0" err="1"/>
+              <a:t>Database</a:t>
+            </a:r>
+            <a:r>
+              <a:rPr lang="fr-BE" dirty="0"/>
+              <a:t> Server » Container</a:t>
+            </a:r>
+            <a:endParaRPr lang="en-BE" dirty="0"/>
+          </a:p>
+        </p:txBody>
+      </p:sp>
+      <p:sp>
+        <p:nvSpPr>
+          <p:cNvPr id="7" name="Rectangle 6">
+            <a:extLst>
+              <a:ext uri="{FF2B5EF4-FFF2-40B4-BE49-F238E27FC236}">
+                <a16:creationId xmlns:a16="http://schemas.microsoft.com/office/drawing/2014/main" id="{3C4B9224-84A0-438C-B065-6A0800F004CC}"/>
+              </a:ext>
+            </a:extLst>
+          </p:cNvPr>
+          <p:cNvSpPr/>
+          <p:nvPr/>
+        </p:nvSpPr>
+        <p:spPr>
+          <a:xfrm>
+            <a:off x="11728938" y="6453554"/>
+            <a:ext cx="463062" cy="404446"/>
+          </a:xfrm>
+          <a:prstGeom prst="rect">
+            <a:avLst/>
+          </a:prstGeom>
+          <a:solidFill>
+            <a:schemeClr val="accent5">
+              <a:lumMod val="75000"/>
+            </a:schemeClr>
+          </a:solidFill>
+          <a:ln>
+            <a:noFill/>
+          </a:ln>
+        </p:spPr>
+        <p:style>
+          <a:lnRef idx="2">
+            <a:schemeClr val="accent1">
+              <a:shade val="50000"/>
+            </a:schemeClr>
+          </a:lnRef>
+          <a:fillRef idx="1">
+            <a:schemeClr val="accent1"/>
+          </a:fillRef>
+          <a:effectRef idx="0">
+            <a:schemeClr val="accent1"/>
+          </a:effectRef>
+          <a:fontRef idx="minor">
+            <a:schemeClr val="lt1"/>
+          </a:fontRef>
+        </p:style>
+        <p:txBody>
+          <a:bodyPr rtlCol="0" anchor="ctr"/>
+          <a:lstStyle/>
+          <a:p>
+            <a:pPr algn="ctr"/>
+            <a:endParaRPr lang="en-BE"/>
+          </a:p>
+        </p:txBody>
+      </p:sp>
+      <p:sp>
+        <p:nvSpPr>
+          <p:cNvPr id="3" name="TextBox 2">
+            <a:extLst>
+              <a:ext uri="{FF2B5EF4-FFF2-40B4-BE49-F238E27FC236}">
+                <a16:creationId xmlns:a16="http://schemas.microsoft.com/office/drawing/2014/main" id="{4397AFC9-CB6C-451C-A293-3871571055E8}"/>
+              </a:ext>
+            </a:extLst>
+          </p:cNvPr>
+          <p:cNvSpPr txBox="1"/>
+          <p:nvPr/>
+        </p:nvSpPr>
+        <p:spPr>
+          <a:xfrm>
+            <a:off x="877166" y="2421082"/>
+            <a:ext cx="10726882" cy="1754326"/>
+          </a:xfrm>
+          <a:prstGeom prst="rect">
+            <a:avLst/>
+          </a:prstGeom>
+          <a:noFill/>
+        </p:spPr>
+        <p:txBody>
+          <a:bodyPr wrap="square" rtlCol="0">
+            <a:spAutoFit/>
+          </a:bodyPr>
+          <a:lstStyle/>
+          <a:p>
+            <a:pPr marL="285750" indent="-285750">
+              <a:buFontTx/>
+              <a:buChar char="-"/>
+            </a:pPr>
+            <a:r>
+              <a:rPr lang="fr-BE" dirty="0"/>
+              <a:t>« </a:t>
+            </a:r>
+            <a:r>
+              <a:rPr lang="fr-BE" dirty="0" err="1"/>
+              <a:t>Tryton</a:t>
+            </a:r>
+            <a:r>
+              <a:rPr lang="fr-BE" dirty="0"/>
+              <a:t> 6.0 - Doc 00.01 - Installation &amp; administration.docker.tryt11.create.volatile or permanent »</a:t>
+            </a:r>
+            <a:br>
+              <a:rPr lang="fr-BE" dirty="0"/>
+            </a:br>
+            <a:endParaRPr lang="fr-BE" dirty="0"/>
+          </a:p>
+          <a:p>
+            <a:pPr marL="285750" indent="-285750">
+              <a:buFontTx/>
+              <a:buChar char="-"/>
+            </a:pPr>
+            <a:r>
+              <a:rPr lang="fr-BE" dirty="0"/>
+              <a:t>The </a:t>
+            </a:r>
+            <a:r>
+              <a:rPr lang="fr-BE" dirty="0" err="1"/>
+              <a:t>database</a:t>
+            </a:r>
+            <a:r>
+              <a:rPr lang="fr-BE" dirty="0"/>
+              <a:t> container hosts a </a:t>
+            </a:r>
+            <a:r>
+              <a:rPr lang="fr-BE" dirty="0" err="1"/>
+              <a:t>database</a:t>
+            </a:r>
+            <a:r>
+              <a:rPr lang="fr-BE" dirty="0"/>
+              <a:t> server accessible </a:t>
+            </a:r>
+            <a:r>
+              <a:rPr lang="fr-BE" dirty="0" err="1"/>
+              <a:t>with</a:t>
+            </a:r>
+            <a:r>
+              <a:rPr lang="fr-BE" dirty="0"/>
+              <a:t> default port 5432:5432 (adaptable).</a:t>
+            </a:r>
+          </a:p>
+          <a:p>
+            <a:pPr marL="285750" indent="-285750">
+              <a:buFontTx/>
+              <a:buChar char="-"/>
+            </a:pPr>
+            <a:r>
+              <a:rPr lang="fr-BE" dirty="0" err="1"/>
+              <a:t>Initially</a:t>
+            </a:r>
+            <a:r>
+              <a:rPr lang="fr-BE" dirty="0"/>
+              <a:t>, the </a:t>
+            </a:r>
+            <a:r>
+              <a:rPr lang="fr-BE" dirty="0" err="1"/>
+              <a:t>database</a:t>
+            </a:r>
+            <a:r>
+              <a:rPr lang="fr-BE" dirty="0"/>
+              <a:t> server </a:t>
+            </a:r>
+            <a:r>
+              <a:rPr lang="fr-BE" dirty="0" err="1"/>
+              <a:t>is</a:t>
+            </a:r>
+            <a:r>
+              <a:rPr lang="fr-BE" dirty="0"/>
+              <a:t> setup in the script to manage one </a:t>
+            </a:r>
+            <a:r>
+              <a:rPr lang="fr-BE" dirty="0" err="1"/>
+              <a:t>database</a:t>
+            </a:r>
+            <a:r>
+              <a:rPr lang="fr-BE" dirty="0"/>
+              <a:t>.</a:t>
+            </a:r>
+          </a:p>
+          <a:p>
+            <a:pPr marL="285750" indent="-285750">
+              <a:buFontTx/>
+              <a:buChar char="-"/>
+            </a:pPr>
+            <a:endParaRPr lang="fr-BE" dirty="0"/>
+          </a:p>
+          <a:p>
+            <a:pPr marL="285750" indent="-285750">
+              <a:buFontTx/>
+              <a:buChar char="-"/>
+            </a:pPr>
+            <a:r>
+              <a:rPr lang="fr-BE" dirty="0" err="1"/>
+              <a:t>When</a:t>
+            </a:r>
+            <a:r>
+              <a:rPr lang="fr-BE" dirty="0"/>
+              <a:t> </a:t>
+            </a:r>
+            <a:r>
+              <a:rPr lang="fr-BE" dirty="0" err="1"/>
+              <a:t>performing</a:t>
+            </a:r>
+            <a:r>
+              <a:rPr lang="fr-BE" dirty="0"/>
+              <a:t> </a:t>
+            </a:r>
+            <a:r>
+              <a:rPr lang="fr-BE" dirty="0" err="1"/>
+              <a:t>database</a:t>
+            </a:r>
+            <a:r>
+              <a:rPr lang="fr-BE" dirty="0"/>
+              <a:t> backup / restore </a:t>
+            </a:r>
+            <a:r>
+              <a:rPr lang="fr-BE" dirty="0" err="1"/>
+              <a:t>operations</a:t>
+            </a:r>
+            <a:r>
+              <a:rPr lang="fr-BE" dirty="0"/>
+              <a:t> </a:t>
+            </a:r>
+            <a:r>
+              <a:rPr lang="fr-BE" dirty="0" err="1"/>
+              <a:t>it</a:t>
+            </a:r>
+            <a:r>
+              <a:rPr lang="fr-BE" dirty="0"/>
+              <a:t> </a:t>
+            </a:r>
+            <a:r>
+              <a:rPr lang="fr-BE" dirty="0" err="1"/>
+              <a:t>is</a:t>
+            </a:r>
+            <a:r>
+              <a:rPr lang="fr-BE" dirty="0"/>
+              <a:t> prudent to log out of </a:t>
+            </a:r>
+            <a:r>
+              <a:rPr lang="fr-BE"/>
+              <a:t>TRYTON client. </a:t>
+            </a:r>
+            <a:endParaRPr lang="fr-BE" dirty="0"/>
+          </a:p>
+        </p:txBody>
+      </p:sp>
+      <p:pic>
+        <p:nvPicPr>
+          <p:cNvPr id="13" name="Picture 12">
+            <a:extLst>
+              <a:ext uri="{FF2B5EF4-FFF2-40B4-BE49-F238E27FC236}">
+                <a16:creationId xmlns:a16="http://schemas.microsoft.com/office/drawing/2014/main" id="{7796EA75-9F64-4836-BF2E-43C3A0D0E7BC}"/>
+              </a:ext>
+            </a:extLst>
+          </p:cNvPr>
+          <p:cNvPicPr>
+            <a:picLocks noChangeAspect="1"/>
+          </p:cNvPicPr>
+          <p:nvPr/>
+        </p:nvPicPr>
+        <p:blipFill>
+          <a:blip r:embed="rId2"/>
+          <a:stretch>
+            <a:fillRect/>
+          </a:stretch>
+        </p:blipFill>
+        <p:spPr>
+          <a:xfrm>
+            <a:off x="877166" y="966973"/>
+            <a:ext cx="5324475" cy="1314450"/>
+          </a:xfrm>
+          <a:prstGeom prst="rect">
+            <a:avLst/>
+          </a:prstGeom>
+        </p:spPr>
+      </p:pic>
+    </p:spTree>
+    <p:extLst>
+      <p:ext uri="{BB962C8B-B14F-4D97-AF65-F5344CB8AC3E}">
+        <p14:creationId xmlns:p14="http://schemas.microsoft.com/office/powerpoint/2010/main" val="1745987281"/>
+      </p:ext>
+    </p:extLst>
+  </p:cSld>
+  <p:clrMapOvr>
+    <a:masterClrMapping/>
+  </p:clrMapOvr>
+</p:sld>
+</file>
+
+<file path=ppt/slides/slide83.xml><?xml version="1.0" encoding="utf-8"?>
+<p:sld xmlns:a="http://schemas.openxmlformats.org/drawingml/2006/main" xmlns:r="http://schemas.openxmlformats.org/officeDocument/2006/relationships" xmlns:p="http://schemas.openxmlformats.org/presentationml/2006/main">
+  <p:cSld>
+    <p:spTree>
+      <p:nvGrpSpPr>
+        <p:cNvPr id="1" name=""/>
+        <p:cNvGrpSpPr/>
+        <p:nvPr/>
+      </p:nvGrpSpPr>
+      <p:grpSpPr>
+        <a:xfrm>
+          <a:off x="0" y="0"/>
+          <a:ext cx="0" cy="0"/>
+          <a:chOff x="0" y="0"/>
+          <a:chExt cx="0" cy="0"/>
+        </a:xfrm>
+      </p:grpSpPr>
+      <p:sp>
+        <p:nvSpPr>
+          <p:cNvPr id="5" name="Slide Number Placeholder 4">
+            <a:extLst>
+              <a:ext uri="{FF2B5EF4-FFF2-40B4-BE49-F238E27FC236}">
+                <a16:creationId xmlns:a16="http://schemas.microsoft.com/office/drawing/2014/main" id="{81032038-9680-475F-B14C-EB2C1ED81E5F}"/>
+              </a:ext>
+            </a:extLst>
+          </p:cNvPr>
+          <p:cNvSpPr>
+            <a:spLocks noGrp="1"/>
+          </p:cNvSpPr>
+          <p:nvPr>
+            <p:ph type="sldNum" sz="quarter" idx="12"/>
+          </p:nvPr>
+        </p:nvSpPr>
+        <p:spPr>
+          <a:xfrm rot="16200000">
+            <a:off x="-40341" y="6146519"/>
+            <a:ext cx="842683" cy="365125"/>
+          </a:xfrm>
+        </p:spPr>
+        <p:txBody>
+          <a:bodyPr/>
+          <a:lstStyle/>
+          <a:p>
+            <a:fld id="{69D2CCA8-53B9-41C4-8716-EA9CD8A55276}" type="slidenum">
+              <a:rPr lang="en-BE" smtClean="0"/>
+              <a:t>83</a:t>
+            </a:fld>
+            <a:endParaRPr lang="en-BE"/>
+          </a:p>
+        </p:txBody>
+      </p:sp>
+      <p:sp>
+        <p:nvSpPr>
+          <p:cNvPr id="9" name="Title 1">
+            <a:extLst>
+              <a:ext uri="{FF2B5EF4-FFF2-40B4-BE49-F238E27FC236}">
+                <a16:creationId xmlns:a16="http://schemas.microsoft.com/office/drawing/2014/main" id="{8484E15B-0329-4BE2-8710-7956E1C3B8C1}"/>
+              </a:ext>
+            </a:extLst>
+          </p:cNvPr>
+          <p:cNvSpPr>
+            <a:spLocks noGrp="1"/>
+          </p:cNvSpPr>
+          <p:nvPr>
+            <p:ph type="title"/>
+          </p:nvPr>
+        </p:nvSpPr>
+        <p:spPr>
+          <a:xfrm>
+            <a:off x="838200" y="365125"/>
+            <a:ext cx="10515600" cy="462189"/>
+          </a:xfrm>
+        </p:spPr>
+        <p:txBody>
+          <a:bodyPr>
+            <a:normAutofit/>
+          </a:bodyPr>
+          <a:lstStyle/>
+          <a:p>
+            <a:r>
+              <a:rPr lang="fr-BE" dirty="0"/>
+              <a:t>Backup a </a:t>
+            </a:r>
+            <a:r>
+              <a:rPr lang="fr-BE" dirty="0" err="1"/>
+              <a:t>Tryton</a:t>
+            </a:r>
+            <a:r>
+              <a:rPr lang="fr-BE" dirty="0"/>
+              <a:t> </a:t>
+            </a:r>
+            <a:r>
+              <a:rPr lang="fr-BE" dirty="0" err="1"/>
+              <a:t>Database</a:t>
+            </a:r>
+            <a:r>
+              <a:rPr lang="fr-BE" dirty="0"/>
+              <a:t> &amp; Restore </a:t>
+            </a:r>
+            <a:r>
+              <a:rPr lang="fr-BE" dirty="0" err="1"/>
+              <a:t>it</a:t>
+            </a:r>
+            <a:r>
+              <a:rPr lang="fr-BE" dirty="0"/>
+              <a:t> to </a:t>
+            </a:r>
+            <a:r>
+              <a:rPr lang="fr-BE" dirty="0" err="1"/>
+              <a:t>another</a:t>
+            </a:r>
+            <a:r>
+              <a:rPr lang="fr-BE" dirty="0"/>
+              <a:t> </a:t>
+            </a:r>
+            <a:r>
+              <a:rPr lang="fr-BE" dirty="0" err="1"/>
+              <a:t>name</a:t>
+            </a:r>
+            <a:endParaRPr lang="en-BE" dirty="0"/>
+          </a:p>
+        </p:txBody>
+      </p:sp>
+      <p:sp>
+        <p:nvSpPr>
+          <p:cNvPr id="7" name="Rectangle 6">
+            <a:extLst>
+              <a:ext uri="{FF2B5EF4-FFF2-40B4-BE49-F238E27FC236}">
+                <a16:creationId xmlns:a16="http://schemas.microsoft.com/office/drawing/2014/main" id="{3C4B9224-84A0-438C-B065-6A0800F004CC}"/>
+              </a:ext>
+            </a:extLst>
+          </p:cNvPr>
+          <p:cNvSpPr/>
+          <p:nvPr/>
+        </p:nvSpPr>
+        <p:spPr>
+          <a:xfrm>
+            <a:off x="11728938" y="6453554"/>
+            <a:ext cx="463062" cy="404446"/>
+          </a:xfrm>
+          <a:prstGeom prst="rect">
+            <a:avLst/>
+          </a:prstGeom>
+          <a:solidFill>
+            <a:schemeClr val="accent5">
+              <a:lumMod val="75000"/>
+            </a:schemeClr>
+          </a:solidFill>
+          <a:ln>
+            <a:noFill/>
+          </a:ln>
+        </p:spPr>
+        <p:style>
+          <a:lnRef idx="2">
+            <a:schemeClr val="accent1">
+              <a:shade val="50000"/>
+            </a:schemeClr>
+          </a:lnRef>
+          <a:fillRef idx="1">
+            <a:schemeClr val="accent1"/>
+          </a:fillRef>
+          <a:effectRef idx="0">
+            <a:schemeClr val="accent1"/>
+          </a:effectRef>
+          <a:fontRef idx="minor">
+            <a:schemeClr val="lt1"/>
+          </a:fontRef>
+        </p:style>
+        <p:txBody>
+          <a:bodyPr rtlCol="0" anchor="ctr"/>
+          <a:lstStyle/>
+          <a:p>
+            <a:pPr algn="ctr"/>
+            <a:endParaRPr lang="en-BE"/>
+          </a:p>
+        </p:txBody>
+      </p:sp>
+      <p:sp>
+        <p:nvSpPr>
+          <p:cNvPr id="8" name="TextBox 7">
+            <a:extLst>
+              <a:ext uri="{FF2B5EF4-FFF2-40B4-BE49-F238E27FC236}">
+                <a16:creationId xmlns:a16="http://schemas.microsoft.com/office/drawing/2014/main" id="{EA1EC59D-26FC-4107-A772-16D7F3059961}"/>
+              </a:ext>
+            </a:extLst>
+          </p:cNvPr>
+          <p:cNvSpPr txBox="1"/>
+          <p:nvPr/>
+        </p:nvSpPr>
+        <p:spPr>
+          <a:xfrm>
+            <a:off x="963323" y="2353382"/>
+            <a:ext cx="10726882" cy="1200329"/>
+          </a:xfrm>
+          <a:prstGeom prst="rect">
+            <a:avLst/>
+          </a:prstGeom>
+          <a:noFill/>
+        </p:spPr>
+        <p:txBody>
+          <a:bodyPr wrap="square" rtlCol="0">
+            <a:spAutoFit/>
+          </a:bodyPr>
+          <a:lstStyle/>
+          <a:p>
+            <a:pPr marL="285750" indent="-285750">
+              <a:buFontTx/>
+              <a:buChar char="-"/>
+            </a:pPr>
+            <a:r>
+              <a:rPr lang="fr-BE" dirty="0"/>
+              <a:t>./</a:t>
+            </a:r>
+            <a:r>
+              <a:rPr lang="en-GB" sz="1800" dirty="0"/>
+              <a:t>"</a:t>
+            </a:r>
+            <a:r>
+              <a:rPr lang="fr-BE" dirty="0" err="1"/>
+              <a:t>Tryton</a:t>
+            </a:r>
+            <a:r>
+              <a:rPr lang="fr-BE" dirty="0"/>
+              <a:t> 6.0 - Doc 00.01 - Installation &amp; administration.database.tryt11.backup</a:t>
+            </a:r>
+            <a:r>
+              <a:rPr lang="en-GB" sz="1800" dirty="0"/>
+              <a:t>“</a:t>
+            </a:r>
+          </a:p>
+          <a:p>
+            <a:r>
+              <a:rPr lang="en-GB" sz="1800" dirty="0"/>
+              <a:t>  </a:t>
+            </a:r>
+            <a:endParaRPr lang="fr-BE" sz="1800" dirty="0"/>
+          </a:p>
+          <a:p>
+            <a:pPr marL="285750" indent="-285750">
+              <a:buFontTx/>
+              <a:buChar char="-"/>
+            </a:pPr>
+            <a:r>
+              <a:rPr lang="fr-BE" dirty="0"/>
+              <a:t>Use </a:t>
+            </a:r>
+            <a:r>
+              <a:rPr lang="fr-BE" dirty="0" err="1"/>
+              <a:t>this</a:t>
+            </a:r>
+            <a:r>
+              <a:rPr lang="fr-BE" dirty="0"/>
+              <a:t> script to backup the </a:t>
+            </a:r>
+            <a:r>
+              <a:rPr lang="fr-BE" dirty="0" err="1"/>
+              <a:t>database</a:t>
+            </a:r>
+            <a:r>
+              <a:rPr lang="fr-BE" dirty="0"/>
+              <a:t> </a:t>
+            </a:r>
+            <a:r>
+              <a:rPr lang="fr-BE" dirty="0" err="1"/>
+              <a:t>initially</a:t>
+            </a:r>
+            <a:r>
+              <a:rPr lang="fr-BE" dirty="0"/>
+              <a:t> </a:t>
+            </a:r>
+            <a:r>
+              <a:rPr lang="fr-BE" dirty="0" err="1"/>
+              <a:t>created</a:t>
+            </a:r>
+            <a:r>
+              <a:rPr lang="fr-BE" dirty="0"/>
+              <a:t> in the « </a:t>
+            </a:r>
+            <a:r>
+              <a:rPr lang="fr-BE" dirty="0" err="1"/>
+              <a:t>Tryton</a:t>
+            </a:r>
+            <a:r>
+              <a:rPr lang="fr-BE" dirty="0"/>
+              <a:t> </a:t>
+            </a:r>
+            <a:r>
+              <a:rPr lang="fr-BE" dirty="0" err="1"/>
+              <a:t>Database</a:t>
+            </a:r>
+            <a:r>
+              <a:rPr lang="fr-BE" dirty="0"/>
+              <a:t> Server »</a:t>
+            </a:r>
+          </a:p>
+          <a:p>
+            <a:pPr marL="285750" indent="-285750">
+              <a:buFontTx/>
+              <a:buChar char="-"/>
+            </a:pPr>
+            <a:r>
+              <a:rPr lang="fr-BE" dirty="0"/>
+              <a:t>In </a:t>
+            </a:r>
+            <a:r>
+              <a:rPr lang="fr-BE" dirty="0" err="1"/>
+              <a:t>doing</a:t>
+            </a:r>
+            <a:r>
+              <a:rPr lang="fr-BE" dirty="0"/>
+              <a:t> </a:t>
+            </a:r>
+            <a:r>
+              <a:rPr lang="fr-BE" dirty="0" err="1"/>
+              <a:t>so</a:t>
+            </a:r>
+            <a:r>
+              <a:rPr lang="fr-BE" dirty="0"/>
+              <a:t>, </a:t>
+            </a:r>
+            <a:r>
+              <a:rPr lang="fr-BE" dirty="0" err="1"/>
+              <a:t>you</a:t>
+            </a:r>
+            <a:r>
+              <a:rPr lang="fr-BE" dirty="0"/>
+              <a:t> have a « </a:t>
+            </a:r>
+            <a:r>
+              <a:rPr lang="fr-BE" dirty="0" err="1"/>
+              <a:t>fresh</a:t>
+            </a:r>
+            <a:r>
+              <a:rPr lang="fr-BE" dirty="0"/>
+              <a:t> » </a:t>
+            </a:r>
+            <a:r>
+              <a:rPr lang="fr-BE" dirty="0" err="1"/>
+              <a:t>database</a:t>
+            </a:r>
+            <a:r>
+              <a:rPr lang="fr-BE" dirty="0"/>
+              <a:t> </a:t>
+            </a:r>
+            <a:r>
+              <a:rPr lang="fr-BE" dirty="0" err="1"/>
+              <a:t>that</a:t>
+            </a:r>
+            <a:r>
+              <a:rPr lang="fr-BE" dirty="0"/>
+              <a:t> can </a:t>
+            </a:r>
+            <a:r>
+              <a:rPr lang="fr-BE" dirty="0" err="1"/>
+              <a:t>be</a:t>
+            </a:r>
+            <a:r>
+              <a:rPr lang="fr-BE" dirty="0"/>
+              <a:t> </a:t>
+            </a:r>
+            <a:r>
+              <a:rPr lang="fr-BE" dirty="0" err="1"/>
+              <a:t>restored</a:t>
+            </a:r>
+            <a:r>
+              <a:rPr lang="fr-BE" dirty="0"/>
+              <a:t> to </a:t>
+            </a:r>
+            <a:r>
+              <a:rPr lang="fr-BE" dirty="0" err="1"/>
+              <a:t>another</a:t>
+            </a:r>
+            <a:r>
+              <a:rPr lang="fr-BE" dirty="0"/>
+              <a:t> </a:t>
+            </a:r>
+            <a:r>
+              <a:rPr lang="fr-BE" dirty="0" err="1"/>
+              <a:t>name</a:t>
+            </a:r>
+            <a:r>
+              <a:rPr lang="fr-BE" dirty="0"/>
+              <a:t> </a:t>
+            </a:r>
+            <a:r>
+              <a:rPr lang="fr-BE" dirty="0" err="1"/>
+              <a:t>inside</a:t>
+            </a:r>
+            <a:r>
+              <a:rPr lang="fr-BE" dirty="0"/>
+              <a:t> the </a:t>
+            </a:r>
+            <a:r>
+              <a:rPr lang="fr-BE" dirty="0" err="1"/>
+              <a:t>same</a:t>
+            </a:r>
+            <a:r>
+              <a:rPr lang="fr-BE" dirty="0"/>
+              <a:t> container</a:t>
+            </a:r>
+          </a:p>
+        </p:txBody>
+      </p:sp>
+      <p:pic>
+        <p:nvPicPr>
+          <p:cNvPr id="4" name="Picture 3">
+            <a:extLst>
+              <a:ext uri="{FF2B5EF4-FFF2-40B4-BE49-F238E27FC236}">
+                <a16:creationId xmlns:a16="http://schemas.microsoft.com/office/drawing/2014/main" id="{5025D4B3-7B30-48B2-BF50-E302B07CC911}"/>
+              </a:ext>
+            </a:extLst>
+          </p:cNvPr>
+          <p:cNvPicPr>
+            <a:picLocks noChangeAspect="1"/>
+          </p:cNvPicPr>
+          <p:nvPr/>
+        </p:nvPicPr>
+        <p:blipFill>
+          <a:blip r:embed="rId2"/>
+          <a:stretch>
+            <a:fillRect/>
+          </a:stretch>
+        </p:blipFill>
+        <p:spPr>
+          <a:xfrm>
+            <a:off x="963323" y="970684"/>
+            <a:ext cx="4924425" cy="1238250"/>
+          </a:xfrm>
+          <a:prstGeom prst="rect">
+            <a:avLst/>
+          </a:prstGeom>
+        </p:spPr>
+      </p:pic>
+      <p:sp>
+        <p:nvSpPr>
+          <p:cNvPr id="10" name="TextBox 9">
+            <a:extLst>
+              <a:ext uri="{FF2B5EF4-FFF2-40B4-BE49-F238E27FC236}">
+                <a16:creationId xmlns:a16="http://schemas.microsoft.com/office/drawing/2014/main" id="{8854084D-D894-4A29-8ED8-18BDDBC46908}"/>
+              </a:ext>
+            </a:extLst>
+          </p:cNvPr>
+          <p:cNvSpPr txBox="1"/>
+          <p:nvPr/>
+        </p:nvSpPr>
+        <p:spPr>
+          <a:xfrm>
+            <a:off x="963323" y="4877708"/>
+            <a:ext cx="10726882" cy="1200329"/>
+          </a:xfrm>
+          <a:prstGeom prst="rect">
+            <a:avLst/>
+          </a:prstGeom>
+          <a:noFill/>
+        </p:spPr>
+        <p:txBody>
+          <a:bodyPr wrap="square" rtlCol="0">
+            <a:spAutoFit/>
+          </a:bodyPr>
+          <a:lstStyle/>
+          <a:p>
+            <a:pPr marL="285750" indent="-285750">
+              <a:buFontTx/>
+              <a:buChar char="-"/>
+            </a:pPr>
+            <a:r>
+              <a:rPr lang="fr-BE" dirty="0"/>
+              <a:t>./</a:t>
+            </a:r>
+            <a:r>
+              <a:rPr lang="en-GB" sz="1800" dirty="0"/>
+              <a:t>"</a:t>
+            </a:r>
+            <a:r>
+              <a:rPr lang="fr-BE" dirty="0" err="1"/>
+              <a:t>Tryton</a:t>
+            </a:r>
+            <a:r>
+              <a:rPr lang="fr-BE" dirty="0"/>
+              <a:t> 6.0 - Doc 00.01 - Installation &amp; administration.database.tryt11.restore</a:t>
+            </a:r>
+            <a:r>
+              <a:rPr lang="en-GB" sz="1800" dirty="0"/>
+              <a:t>“</a:t>
+            </a:r>
+          </a:p>
+          <a:p>
+            <a:r>
+              <a:rPr lang="en-GB" sz="1800" dirty="0"/>
+              <a:t>  </a:t>
+            </a:r>
+            <a:endParaRPr lang="fr-BE" sz="1800" dirty="0"/>
+          </a:p>
+          <a:p>
+            <a:pPr marL="285750" indent="-285750">
+              <a:buFontTx/>
+              <a:buChar char="-"/>
+            </a:pPr>
+            <a:r>
+              <a:rPr lang="fr-BE" dirty="0"/>
+              <a:t>Use </a:t>
+            </a:r>
+            <a:r>
+              <a:rPr lang="fr-BE" dirty="0" err="1"/>
+              <a:t>this</a:t>
+            </a:r>
+            <a:r>
+              <a:rPr lang="fr-BE" dirty="0"/>
+              <a:t> script to restore a </a:t>
+            </a:r>
+            <a:r>
+              <a:rPr lang="fr-BE" dirty="0" err="1"/>
+              <a:t>database</a:t>
+            </a:r>
+            <a:r>
+              <a:rPr lang="fr-BE" dirty="0"/>
+              <a:t> backup in the « </a:t>
+            </a:r>
+            <a:r>
+              <a:rPr lang="fr-BE" dirty="0" err="1"/>
+              <a:t>Tryton</a:t>
+            </a:r>
+            <a:r>
+              <a:rPr lang="fr-BE" dirty="0"/>
+              <a:t> </a:t>
+            </a:r>
+            <a:r>
+              <a:rPr lang="fr-BE" dirty="0" err="1"/>
+              <a:t>Database</a:t>
+            </a:r>
+            <a:r>
+              <a:rPr lang="fr-BE" dirty="0"/>
+              <a:t> Server » container </a:t>
+            </a:r>
+            <a:r>
+              <a:rPr lang="fr-BE" dirty="0" err="1"/>
+              <a:t>under</a:t>
+            </a:r>
+            <a:r>
+              <a:rPr lang="fr-BE" dirty="0"/>
+              <a:t> </a:t>
+            </a:r>
+            <a:r>
+              <a:rPr lang="fr-BE" dirty="0" err="1"/>
+              <a:t>another</a:t>
+            </a:r>
+            <a:r>
+              <a:rPr lang="fr-BE" dirty="0"/>
+              <a:t> </a:t>
+            </a:r>
+            <a:r>
+              <a:rPr lang="fr-BE" dirty="0" err="1"/>
+              <a:t>name</a:t>
+            </a:r>
+            <a:endParaRPr lang="fr-BE" dirty="0"/>
+          </a:p>
+          <a:p>
+            <a:pPr marL="285750" indent="-285750">
+              <a:buFontTx/>
+              <a:buChar char="-"/>
+            </a:pPr>
+            <a:r>
+              <a:rPr lang="fr-BE" dirty="0" err="1"/>
+              <a:t>From</a:t>
+            </a:r>
+            <a:r>
+              <a:rPr lang="fr-BE" dirty="0"/>
+              <a:t> </a:t>
+            </a:r>
+            <a:r>
+              <a:rPr lang="fr-BE" dirty="0" err="1"/>
+              <a:t>this</a:t>
+            </a:r>
+            <a:r>
+              <a:rPr lang="fr-BE" dirty="0"/>
+              <a:t> moment </a:t>
+            </a:r>
+            <a:r>
+              <a:rPr lang="fr-BE" dirty="0" err="1"/>
+              <a:t>onwards</a:t>
+            </a:r>
+            <a:r>
+              <a:rPr lang="fr-BE" dirty="0"/>
+              <a:t>, </a:t>
+            </a:r>
+            <a:r>
+              <a:rPr lang="fr-BE" dirty="0" err="1"/>
+              <a:t>when</a:t>
+            </a:r>
+            <a:r>
+              <a:rPr lang="fr-BE" dirty="0"/>
+              <a:t> login </a:t>
+            </a:r>
+            <a:r>
+              <a:rPr lang="fr-BE" dirty="0" err="1"/>
+              <a:t>into</a:t>
+            </a:r>
+            <a:r>
+              <a:rPr lang="fr-BE" dirty="0"/>
+              <a:t> TRYTON, a </a:t>
+            </a:r>
+            <a:r>
+              <a:rPr lang="fr-BE" dirty="0" err="1"/>
+              <a:t>choice</a:t>
+            </a:r>
+            <a:r>
+              <a:rPr lang="fr-BE" dirty="0"/>
+              <a:t> </a:t>
+            </a:r>
+            <a:r>
+              <a:rPr lang="fr-BE" dirty="0" err="1"/>
+              <a:t>between</a:t>
+            </a:r>
+            <a:r>
+              <a:rPr lang="fr-BE" dirty="0"/>
+              <a:t> </a:t>
+            </a:r>
+            <a:r>
+              <a:rPr lang="fr-BE" dirty="0" err="1"/>
+              <a:t>two</a:t>
+            </a:r>
+            <a:r>
+              <a:rPr lang="fr-BE" dirty="0"/>
+              <a:t> </a:t>
+            </a:r>
+            <a:r>
+              <a:rPr lang="fr-BE" dirty="0" err="1"/>
+              <a:t>databases</a:t>
+            </a:r>
+            <a:r>
+              <a:rPr lang="fr-BE" dirty="0"/>
+              <a:t> </a:t>
+            </a:r>
+            <a:r>
+              <a:rPr lang="fr-BE" dirty="0" err="1"/>
+              <a:t>will</a:t>
+            </a:r>
+            <a:r>
+              <a:rPr lang="fr-BE" dirty="0"/>
+              <a:t> </a:t>
+            </a:r>
+            <a:r>
+              <a:rPr lang="fr-BE" dirty="0" err="1"/>
+              <a:t>be</a:t>
+            </a:r>
+            <a:r>
+              <a:rPr lang="fr-BE" dirty="0"/>
+              <a:t> </a:t>
+            </a:r>
+            <a:r>
+              <a:rPr lang="fr-BE" dirty="0" err="1"/>
+              <a:t>proposed</a:t>
+            </a:r>
+            <a:endParaRPr lang="fr-BE" dirty="0"/>
+          </a:p>
+        </p:txBody>
+      </p:sp>
+      <p:pic>
+        <p:nvPicPr>
+          <p:cNvPr id="11" name="Picture 10">
+            <a:extLst>
+              <a:ext uri="{FF2B5EF4-FFF2-40B4-BE49-F238E27FC236}">
+                <a16:creationId xmlns:a16="http://schemas.microsoft.com/office/drawing/2014/main" id="{91F2B46D-6FC6-421E-8B53-FC40D9777782}"/>
+              </a:ext>
+            </a:extLst>
+          </p:cNvPr>
+          <p:cNvPicPr>
+            <a:picLocks noChangeAspect="1"/>
+          </p:cNvPicPr>
+          <p:nvPr/>
+        </p:nvPicPr>
+        <p:blipFill>
+          <a:blip r:embed="rId3"/>
+          <a:stretch>
+            <a:fillRect/>
+          </a:stretch>
+        </p:blipFill>
+        <p:spPr>
+          <a:xfrm>
+            <a:off x="972848" y="3964107"/>
+            <a:ext cx="4914900" cy="676275"/>
+          </a:xfrm>
+          <a:prstGeom prst="rect">
+            <a:avLst/>
+          </a:prstGeom>
+        </p:spPr>
+      </p:pic>
+    </p:spTree>
+    <p:extLst>
+      <p:ext uri="{BB962C8B-B14F-4D97-AF65-F5344CB8AC3E}">
+        <p14:creationId xmlns:p14="http://schemas.microsoft.com/office/powerpoint/2010/main" val="2826440579"/>
+      </p:ext>
+    </p:extLst>
+  </p:cSld>
+  <p:clrMapOvr>
+    <a:masterClrMapping/>
+  </p:clrMapOvr>
+</p:sld>
+</file>
+
+<file path=ppt/slides/slide84.xml><?xml version="1.0" encoding="utf-8"?>
+<p:sld xmlns:a="http://schemas.openxmlformats.org/drawingml/2006/main" xmlns:r="http://schemas.openxmlformats.org/officeDocument/2006/relationships" xmlns:p="http://schemas.openxmlformats.org/presentationml/2006/main">
+  <p:cSld>
+    <p:spTree>
+      <p:nvGrpSpPr>
+        <p:cNvPr id="1" name=""/>
+        <p:cNvGrpSpPr/>
+        <p:nvPr/>
+      </p:nvGrpSpPr>
+      <p:grpSpPr>
+        <a:xfrm>
+          <a:off x="0" y="0"/>
+          <a:ext cx="0" cy="0"/>
+          <a:chOff x="0" y="0"/>
+          <a:chExt cx="0" cy="0"/>
+        </a:xfrm>
+      </p:grpSpPr>
+      <p:sp>
+        <p:nvSpPr>
+          <p:cNvPr id="5" name="Title 4">
+            <a:extLst>
+              <a:ext uri="{FF2B5EF4-FFF2-40B4-BE49-F238E27FC236}">
+                <a16:creationId xmlns:a16="http://schemas.microsoft.com/office/drawing/2014/main" id="{CB00BC53-6B81-4D79-86D5-5FA7D21E1020}"/>
+              </a:ext>
+            </a:extLst>
+          </p:cNvPr>
+          <p:cNvSpPr>
+            <a:spLocks noGrp="1"/>
+          </p:cNvSpPr>
+          <p:nvPr>
+            <p:ph type="title"/>
+          </p:nvPr>
+        </p:nvSpPr>
+        <p:spPr/>
+        <p:txBody>
+          <a:bodyPr/>
+          <a:lstStyle/>
+          <a:p>
+            <a:r>
+              <a:rPr lang="fr-BE" dirty="0"/>
+              <a:t>Next</a:t>
+            </a:r>
+            <a:endParaRPr lang="en-BE" dirty="0"/>
+          </a:p>
+        </p:txBody>
+      </p:sp>
+      <p:sp>
+        <p:nvSpPr>
+          <p:cNvPr id="2" name="Text Placeholder 1">
+            <a:extLst>
+              <a:ext uri="{FF2B5EF4-FFF2-40B4-BE49-F238E27FC236}">
+                <a16:creationId xmlns:a16="http://schemas.microsoft.com/office/drawing/2014/main" id="{63C3D7F8-6F46-4224-AD32-6F0CA1B8C984}"/>
+              </a:ext>
+            </a:extLst>
+          </p:cNvPr>
+          <p:cNvSpPr>
+            <a:spLocks noGrp="1"/>
+          </p:cNvSpPr>
+          <p:nvPr>
+            <p:ph type="body" idx="1"/>
+          </p:nvPr>
+        </p:nvSpPr>
+        <p:spPr/>
+        <p:txBody>
+          <a:bodyPr/>
+          <a:lstStyle/>
+          <a:p>
+            <a:endParaRPr lang="en-BE"/>
+          </a:p>
+        </p:txBody>
+      </p:sp>
+      <p:sp>
+        <p:nvSpPr>
+          <p:cNvPr id="4" name="Slide Number Placeholder 3">
+            <a:extLst>
+              <a:ext uri="{FF2B5EF4-FFF2-40B4-BE49-F238E27FC236}">
+                <a16:creationId xmlns:a16="http://schemas.microsoft.com/office/drawing/2014/main" id="{FC1F7DB0-35E5-45A9-B113-B1DF71E3D05A}"/>
+              </a:ext>
+            </a:extLst>
+          </p:cNvPr>
+          <p:cNvSpPr>
+            <a:spLocks noGrp="1"/>
+          </p:cNvSpPr>
+          <p:nvPr>
+            <p:ph type="sldNum" sz="quarter" idx="12"/>
+          </p:nvPr>
+        </p:nvSpPr>
+        <p:spPr/>
+        <p:txBody>
+          <a:bodyPr/>
+          <a:lstStyle/>
+          <a:p>
+            <a:fld id="{69D2CCA8-53B9-41C4-8716-EA9CD8A55276}" type="slidenum">
+              <a:rPr lang="en-BE" smtClean="0"/>
+              <a:t>84</a:t>
+            </a:fld>
+            <a:endParaRPr lang="en-BE"/>
+          </a:p>
+        </p:txBody>
+      </p:sp>
+      <p:sp>
+        <p:nvSpPr>
+          <p:cNvPr id="6" name="Rectangle 5">
+            <a:extLst>
+              <a:ext uri="{FF2B5EF4-FFF2-40B4-BE49-F238E27FC236}">
+                <a16:creationId xmlns:a16="http://schemas.microsoft.com/office/drawing/2014/main" id="{1376130F-80B5-4827-BE9A-4DEF829FBBB4}"/>
+              </a:ext>
+            </a:extLst>
+          </p:cNvPr>
+          <p:cNvSpPr/>
+          <p:nvPr/>
+        </p:nvSpPr>
+        <p:spPr>
+          <a:xfrm>
+            <a:off x="11728938" y="6453554"/>
+            <a:ext cx="463062" cy="404446"/>
+          </a:xfrm>
+          <a:prstGeom prst="rect">
+            <a:avLst/>
+          </a:prstGeom>
+          <a:solidFill>
+            <a:schemeClr val="accent5">
+              <a:lumMod val="75000"/>
+            </a:schemeClr>
+          </a:solidFill>
+          <a:ln>
+            <a:noFill/>
+          </a:ln>
+        </p:spPr>
+        <p:style>
+          <a:lnRef idx="2">
+            <a:schemeClr val="accent1">
+              <a:shade val="50000"/>
+            </a:schemeClr>
+          </a:lnRef>
+          <a:fillRef idx="1">
+            <a:schemeClr val="accent1"/>
+          </a:fillRef>
+          <a:effectRef idx="0">
+            <a:schemeClr val="accent1"/>
+          </a:effectRef>
+          <a:fontRef idx="minor">
+            <a:schemeClr val="lt1"/>
+          </a:fontRef>
+        </p:style>
+        <p:txBody>
+          <a:bodyPr rtlCol="0" anchor="ctr"/>
+          <a:lstStyle/>
+          <a:p>
+            <a:pPr algn="ctr"/>
+            <a:endParaRPr lang="en-BE"/>
+          </a:p>
+        </p:txBody>
+      </p:sp>
+    </p:spTree>
+    <p:extLst>
+      <p:ext uri="{BB962C8B-B14F-4D97-AF65-F5344CB8AC3E}">
+        <p14:creationId xmlns:p14="http://schemas.microsoft.com/office/powerpoint/2010/main" val="270529166"/>
+      </p:ext>
+    </p:extLst>
+  </p:cSld>
+  <p:clrMapOvr>
+    <a:masterClrMapping/>
+  </p:clrMapOvr>
+</p:sld>
+</file>
+
+<file path=ppt/slides/slide85.xml><?xml version="1.0" encoding="utf-8"?>
+<p:sld xmlns:a="http://schemas.openxmlformats.org/drawingml/2006/main" xmlns:r="http://schemas.openxmlformats.org/officeDocument/2006/relationships" xmlns:p="http://schemas.openxmlformats.org/presentationml/2006/main">
+  <p:cSld>
+    <p:spTree>
+      <p:nvGrpSpPr>
+        <p:cNvPr id="1" name=""/>
+        <p:cNvGrpSpPr/>
+        <p:nvPr/>
+      </p:nvGrpSpPr>
+      <p:grpSpPr>
+        <a:xfrm>
+          <a:off x="0" y="0"/>
+          <a:ext cx="0" cy="0"/>
+          <a:chOff x="0" y="0"/>
+          <a:chExt cx="0" cy="0"/>
+        </a:xfrm>
+      </p:grpSpPr>
+      <p:sp>
+        <p:nvSpPr>
           <p:cNvPr id="2" name="Title 1">
             <a:extLst>
               <a:ext uri="{FF2B5EF4-FFF2-40B4-BE49-F238E27FC236}">
@@ -37013,7 +38343,7 @@
           <a:p>
             <a:fld id="{69D2CCA8-53B9-41C4-8716-EA9CD8A55276}" type="slidenum">
               <a:rPr lang="en-BE" smtClean="0"/>
-              <a:t>82</a:t>
+              <a:t>85</a:t>
             </a:fld>
             <a:endParaRPr lang="en-BE"/>
           </a:p>
@@ -37376,7 +38706,7 @@
 </p:sld>
 </file>
 
-<file path=ppt/slides/slide83.xml><?xml version="1.0" encoding="utf-8"?>
+<file path=ppt/slides/slide86.xml><?xml version="1.0" encoding="utf-8"?>
 <p:sld xmlns:a="http://schemas.openxmlformats.org/drawingml/2006/main" xmlns:r="http://schemas.openxmlformats.org/officeDocument/2006/relationships" xmlns:p="http://schemas.openxmlformats.org/presentationml/2006/main">
   <p:cSld>
     <p:spTree>
@@ -37470,7 +38800,7 @@
           <a:p>
             <a:fld id="{69D2CCA8-53B9-41C4-8716-EA9CD8A55276}" type="slidenum">
               <a:rPr lang="en-BE" smtClean="0"/>
-              <a:t>83</a:t>
+              <a:t>86</a:t>
             </a:fld>
             <a:endParaRPr lang="en-BE" dirty="0"/>
           </a:p>
@@ -37543,7 +38873,7 @@
 </p:sld>
 </file>
 
-<file path=ppt/slides/slide84.xml><?xml version="1.0" encoding="utf-8"?>
+<file path=ppt/slides/slide87.xml><?xml version="1.0" encoding="utf-8"?>
 <p:sld xmlns:a="http://schemas.openxmlformats.org/drawingml/2006/main" xmlns:r="http://schemas.openxmlformats.org/officeDocument/2006/relationships" xmlns:p="http://schemas.openxmlformats.org/presentationml/2006/main">
   <p:cSld>
     <p:spTree>
@@ -37692,7 +39022,7 @@
           <a:p>
             <a:fld id="{69D2CCA8-53B9-41C4-8716-EA9CD8A55276}" type="slidenum">
               <a:rPr lang="en-BE" smtClean="0"/>
-              <a:t>84</a:t>
+              <a:t>87</a:t>
             </a:fld>
             <a:endParaRPr lang="en-BE"/>
           </a:p>
@@ -38559,7 +39889,7 @@
 </p:sld>
 </file>
 
-<file path=ppt/slides/slide85.xml><?xml version="1.0" encoding="utf-8"?>
+<file path=ppt/slides/slide88.xml><?xml version="1.0" encoding="utf-8"?>
 <p:sld xmlns:a="http://schemas.openxmlformats.org/drawingml/2006/main" xmlns:r="http://schemas.openxmlformats.org/officeDocument/2006/relationships" xmlns:p="http://schemas.openxmlformats.org/presentationml/2006/main">
   <p:cSld>
     <p:spTree>
@@ -38653,7 +39983,7 @@
           <a:p>
             <a:fld id="{69D2CCA8-53B9-41C4-8716-EA9CD8A55276}" type="slidenum">
               <a:rPr lang="en-BE" smtClean="0"/>
-              <a:t>85</a:t>
+              <a:t>88</a:t>
             </a:fld>
             <a:endParaRPr lang="en-BE" dirty="0"/>
           </a:p>
@@ -38726,7 +40056,7 @@
 </p:sld>
 </file>
 
-<file path=ppt/slides/slide86.xml><?xml version="1.0" encoding="utf-8"?>
+<file path=ppt/slides/slide89.xml><?xml version="1.0" encoding="utf-8"?>
 <p:sld xmlns:a="http://schemas.openxmlformats.org/drawingml/2006/main" xmlns:r="http://schemas.openxmlformats.org/officeDocument/2006/relationships" xmlns:p="http://schemas.openxmlformats.org/presentationml/2006/main">
   <p:cSld>
     <p:spTree>
@@ -39027,7 +40357,7 @@
           <a:p>
             <a:fld id="{69D2CCA8-53B9-41C4-8716-EA9CD8A55276}" type="slidenum">
               <a:rPr lang="en-BE" smtClean="0"/>
-              <a:t>86</a:t>
+              <a:t>89</a:t>
             </a:fld>
             <a:endParaRPr lang="en-BE"/>
           </a:p>
@@ -39098,520 +40428,6 @@
 </p:sld>
 </file>
 
-<file path=ppt/slides/slide87.xml><?xml version="1.0" encoding="utf-8"?>
-<p:sld xmlns:a="http://schemas.openxmlformats.org/drawingml/2006/main" xmlns:r="http://schemas.openxmlformats.org/officeDocument/2006/relationships" xmlns:p="http://schemas.openxmlformats.org/presentationml/2006/main">
-  <p:cSld>
-    <p:spTree>
-      <p:nvGrpSpPr>
-        <p:cNvPr id="1" name=""/>
-        <p:cNvGrpSpPr/>
-        <p:nvPr/>
-      </p:nvGrpSpPr>
-      <p:grpSpPr>
-        <a:xfrm>
-          <a:off x="0" y="0"/>
-          <a:ext cx="0" cy="0"/>
-          <a:chOff x="0" y="0"/>
-          <a:chExt cx="0" cy="0"/>
-        </a:xfrm>
-      </p:grpSpPr>
-      <p:sp>
-        <p:nvSpPr>
-          <p:cNvPr id="6" name="Title 5">
-            <a:extLst>
-              <a:ext uri="{FF2B5EF4-FFF2-40B4-BE49-F238E27FC236}">
-                <a16:creationId xmlns:a16="http://schemas.microsoft.com/office/drawing/2014/main" id="{58602178-544B-4666-8E9B-555376EB72FA}"/>
-              </a:ext>
-            </a:extLst>
-          </p:cNvPr>
-          <p:cNvSpPr>
-            <a:spLocks noGrp="1"/>
-          </p:cNvSpPr>
-          <p:nvPr>
-            <p:ph type="title"/>
-          </p:nvPr>
-        </p:nvSpPr>
-        <p:spPr/>
-        <p:txBody>
-          <a:bodyPr/>
-          <a:lstStyle/>
-          <a:p>
-            <a:r>
-              <a:rPr lang="fr-BE" dirty="0" err="1"/>
-              <a:t>Various</a:t>
-            </a:r>
-            <a:r>
-              <a:rPr lang="fr-BE" dirty="0"/>
-              <a:t> sources of documentation</a:t>
-            </a:r>
-            <a:endParaRPr lang="en-BE" dirty="0"/>
-          </a:p>
-        </p:txBody>
-      </p:sp>
-      <p:sp>
-        <p:nvSpPr>
-          <p:cNvPr id="9" name="TextBox 8">
-            <a:extLst>
-              <a:ext uri="{FF2B5EF4-FFF2-40B4-BE49-F238E27FC236}">
-                <a16:creationId xmlns:a16="http://schemas.microsoft.com/office/drawing/2014/main" id="{910E734F-8298-48DF-9657-AA598445572F}"/>
-              </a:ext>
-            </a:extLst>
-          </p:cNvPr>
-          <p:cNvSpPr txBox="1"/>
-          <p:nvPr/>
-        </p:nvSpPr>
-        <p:spPr>
-          <a:xfrm>
-            <a:off x="749300" y="1098928"/>
-            <a:ext cx="10604500" cy="2308324"/>
-          </a:xfrm>
-          <a:prstGeom prst="rect">
-            <a:avLst/>
-          </a:prstGeom>
-          <a:noFill/>
-        </p:spPr>
-        <p:txBody>
-          <a:bodyPr wrap="square">
-            <a:spAutoFit/>
-          </a:bodyPr>
-          <a:lstStyle/>
-          <a:p>
-            <a:r>
-              <a:rPr lang="fr-BE" dirty="0" err="1"/>
-              <a:t>Trytond</a:t>
-            </a:r>
-            <a:r>
-              <a:rPr lang="fr-BE" dirty="0"/>
-              <a:t> Documentation</a:t>
-            </a:r>
-            <a:br>
-              <a:rPr lang="fr-BE" dirty="0"/>
-            </a:br>
-            <a:r>
-              <a:rPr lang="fr-BE" dirty="0"/>
-              <a:t>[</a:t>
-            </a:r>
-            <a:r>
-              <a:rPr lang="fr-BE" dirty="0">
-                <a:hlinkClick r:id="rId2"/>
-              </a:rPr>
-              <a:t>https://readthedocs.org/projects/trytond/downloads/pdf/latest/</a:t>
-            </a:r>
-            <a:r>
-              <a:rPr lang="fr-BE" dirty="0"/>
-              <a:t>]</a:t>
-            </a:r>
-          </a:p>
-          <a:p>
-            <a:endParaRPr lang="fr-BE" dirty="0"/>
-          </a:p>
-          <a:p>
-            <a:r>
-              <a:rPr lang="fr-BE" dirty="0"/>
-              <a:t>[</a:t>
-            </a:r>
-            <a:r>
-              <a:rPr lang="fr-BE" dirty="0">
-                <a:hlinkClick r:id="rId3"/>
-              </a:rPr>
-              <a:t>https://trytond.readthedocs.io/en/latest/</a:t>
-            </a:r>
-            <a:r>
-              <a:rPr lang="fr-BE" dirty="0"/>
-              <a:t>]</a:t>
-            </a:r>
-          </a:p>
-          <a:p>
-            <a:r>
-              <a:rPr lang="fr-BE" dirty="0"/>
-              <a:t>[</a:t>
-            </a:r>
-            <a:r>
-              <a:rPr lang="fr-BE" dirty="0">
-                <a:hlinkClick r:id="rId4"/>
-              </a:rPr>
-              <a:t>https://tryton.readthedocs.io/en/latest/</a:t>
-            </a:r>
-            <a:r>
-              <a:rPr lang="fr-BE" dirty="0"/>
-              <a:t>]</a:t>
-            </a:r>
-          </a:p>
-          <a:p>
-            <a:r>
-              <a:rPr lang="fr-BE" dirty="0"/>
-              <a:t>[</a:t>
-            </a:r>
-            <a:r>
-              <a:rPr lang="fr-BE" dirty="0">
-                <a:hlinkClick r:id="rId5"/>
-              </a:rPr>
-              <a:t>http://hg.tryton.org/readthedocs/</a:t>
-            </a:r>
-            <a:r>
-              <a:rPr lang="fr-BE" dirty="0"/>
-              <a:t>]</a:t>
-            </a:r>
-          </a:p>
-          <a:p>
-            <a:r>
-              <a:rPr lang="fr-BE" dirty="0"/>
-              <a:t>[</a:t>
-            </a:r>
-            <a:r>
-              <a:rPr lang="fr-BE" dirty="0">
-                <a:hlinkClick r:id="rId6"/>
-              </a:rPr>
-              <a:t>https://docs.readthedocs.io/en/latest/subprojects.html</a:t>
-            </a:r>
-            <a:r>
-              <a:rPr lang="fr-BE" dirty="0"/>
-              <a:t>]</a:t>
-            </a:r>
-          </a:p>
-          <a:p>
-            <a:r>
-              <a:rPr lang="fr-BE" dirty="0"/>
-              <a:t>[</a:t>
-            </a:r>
-            <a:r>
-              <a:rPr lang="fr-BE" dirty="0">
-                <a:hlinkClick r:id="rId7"/>
-              </a:rPr>
-              <a:t>https://docs.readthedocs.io/en/latest/alternate_domains.html</a:t>
-            </a:r>
-            <a:r>
-              <a:rPr lang="fr-BE" dirty="0"/>
-              <a:t>]</a:t>
-            </a:r>
-          </a:p>
-        </p:txBody>
-      </p:sp>
-      <p:sp>
-        <p:nvSpPr>
-          <p:cNvPr id="4" name="Slide Number Placeholder 3">
-            <a:extLst>
-              <a:ext uri="{FF2B5EF4-FFF2-40B4-BE49-F238E27FC236}">
-                <a16:creationId xmlns:a16="http://schemas.microsoft.com/office/drawing/2014/main" id="{89FD420A-27AF-4FCC-8602-C9AB4F3056EC}"/>
-              </a:ext>
-            </a:extLst>
-          </p:cNvPr>
-          <p:cNvSpPr>
-            <a:spLocks noGrp="1"/>
-          </p:cNvSpPr>
-          <p:nvPr>
-            <p:ph type="sldNum" sz="quarter" idx="12"/>
-          </p:nvPr>
-        </p:nvSpPr>
-        <p:spPr>
-          <a:xfrm rot="16200000">
-            <a:off x="-40341" y="6146519"/>
-            <a:ext cx="842683" cy="365125"/>
-          </a:xfrm>
-        </p:spPr>
-        <p:txBody>
-          <a:bodyPr/>
-          <a:lstStyle/>
-          <a:p>
-            <a:fld id="{69D2CCA8-53B9-41C4-8716-EA9CD8A55276}" type="slidenum">
-              <a:rPr lang="en-BE" smtClean="0"/>
-              <a:t>87</a:t>
-            </a:fld>
-            <a:endParaRPr lang="en-BE"/>
-          </a:p>
-        </p:txBody>
-      </p:sp>
-      <p:sp>
-        <p:nvSpPr>
-          <p:cNvPr id="5" name="Rectangle 4">
-            <a:extLst>
-              <a:ext uri="{FF2B5EF4-FFF2-40B4-BE49-F238E27FC236}">
-                <a16:creationId xmlns:a16="http://schemas.microsoft.com/office/drawing/2014/main" id="{4E9D4968-5894-46D8-9B53-5A7AC99618E7}"/>
-              </a:ext>
-            </a:extLst>
-          </p:cNvPr>
-          <p:cNvSpPr/>
-          <p:nvPr/>
-        </p:nvSpPr>
-        <p:spPr>
-          <a:xfrm>
-            <a:off x="11728938" y="6453554"/>
-            <a:ext cx="463062" cy="404446"/>
-          </a:xfrm>
-          <a:prstGeom prst="rect">
-            <a:avLst/>
-          </a:prstGeom>
-          <a:solidFill>
-            <a:srgbClr val="92D050"/>
-          </a:solidFill>
-          <a:ln>
-            <a:noFill/>
-          </a:ln>
-        </p:spPr>
-        <p:style>
-          <a:lnRef idx="2">
-            <a:schemeClr val="accent1">
-              <a:shade val="50000"/>
-            </a:schemeClr>
-          </a:lnRef>
-          <a:fillRef idx="1">
-            <a:schemeClr val="accent1"/>
-          </a:fillRef>
-          <a:effectRef idx="0">
-            <a:schemeClr val="accent1"/>
-          </a:effectRef>
-          <a:fontRef idx="minor">
-            <a:schemeClr val="lt1"/>
-          </a:fontRef>
-        </p:style>
-        <p:txBody>
-          <a:bodyPr rtlCol="0" anchor="ctr"/>
-          <a:lstStyle/>
-          <a:p>
-            <a:pPr algn="ctr"/>
-            <a:endParaRPr lang="en-BE"/>
-          </a:p>
-        </p:txBody>
-      </p:sp>
-    </p:spTree>
-    <p:extLst>
-      <p:ext uri="{BB962C8B-B14F-4D97-AF65-F5344CB8AC3E}">
-        <p14:creationId xmlns:p14="http://schemas.microsoft.com/office/powerpoint/2010/main" val="1400368836"/>
-      </p:ext>
-    </p:extLst>
-  </p:cSld>
-  <p:clrMapOvr>
-    <a:masterClrMapping/>
-  </p:clrMapOvr>
-</p:sld>
-</file>
-
-<file path=ppt/slides/slide88.xml><?xml version="1.0" encoding="utf-8"?>
-<p:sld xmlns:a="http://schemas.openxmlformats.org/drawingml/2006/main" xmlns:r="http://schemas.openxmlformats.org/officeDocument/2006/relationships" xmlns:p="http://schemas.openxmlformats.org/presentationml/2006/main">
-  <p:cSld>
-    <p:spTree>
-      <p:nvGrpSpPr>
-        <p:cNvPr id="1" name=""/>
-        <p:cNvGrpSpPr/>
-        <p:nvPr/>
-      </p:nvGrpSpPr>
-      <p:grpSpPr>
-        <a:xfrm>
-          <a:off x="0" y="0"/>
-          <a:ext cx="0" cy="0"/>
-          <a:chOff x="0" y="0"/>
-          <a:chExt cx="0" cy="0"/>
-        </a:xfrm>
-      </p:grpSpPr>
-      <p:sp>
-        <p:nvSpPr>
-          <p:cNvPr id="6" name="Title 5">
-            <a:extLst>
-              <a:ext uri="{FF2B5EF4-FFF2-40B4-BE49-F238E27FC236}">
-                <a16:creationId xmlns:a16="http://schemas.microsoft.com/office/drawing/2014/main" id="{58602178-544B-4666-8E9B-555376EB72FA}"/>
-              </a:ext>
-            </a:extLst>
-          </p:cNvPr>
-          <p:cNvSpPr>
-            <a:spLocks noGrp="1"/>
-          </p:cNvSpPr>
-          <p:nvPr>
-            <p:ph type="title"/>
-          </p:nvPr>
-        </p:nvSpPr>
-        <p:spPr/>
-        <p:txBody>
-          <a:bodyPr/>
-          <a:lstStyle/>
-          <a:p>
-            <a:r>
-              <a:rPr lang="fr-BE" dirty="0" err="1"/>
-              <a:t>Other</a:t>
-            </a:r>
-            <a:r>
-              <a:rPr lang="fr-BE" dirty="0"/>
-              <a:t> sources</a:t>
-            </a:r>
-            <a:endParaRPr lang="en-BE" dirty="0"/>
-          </a:p>
-        </p:txBody>
-      </p:sp>
-      <p:sp>
-        <p:nvSpPr>
-          <p:cNvPr id="9" name="TextBox 8">
-            <a:extLst>
-              <a:ext uri="{FF2B5EF4-FFF2-40B4-BE49-F238E27FC236}">
-                <a16:creationId xmlns:a16="http://schemas.microsoft.com/office/drawing/2014/main" id="{910E734F-8298-48DF-9657-AA598445572F}"/>
-              </a:ext>
-            </a:extLst>
-          </p:cNvPr>
-          <p:cNvSpPr txBox="1"/>
-          <p:nvPr/>
-        </p:nvSpPr>
-        <p:spPr>
-          <a:xfrm>
-            <a:off x="749300" y="1098928"/>
-            <a:ext cx="10604500" cy="1477328"/>
-          </a:xfrm>
-          <a:prstGeom prst="rect">
-            <a:avLst/>
-          </a:prstGeom>
-          <a:noFill/>
-        </p:spPr>
-        <p:txBody>
-          <a:bodyPr wrap="square">
-            <a:spAutoFit/>
-          </a:bodyPr>
-          <a:lstStyle/>
-          <a:p>
-            <a:r>
-              <a:rPr lang="fr-BE" dirty="0" err="1"/>
-              <a:t>Github</a:t>
-            </a:r>
-            <a:br>
-              <a:rPr lang="fr-BE" dirty="0"/>
-            </a:br>
-            <a:r>
-              <a:rPr lang="fr-BE" dirty="0"/>
-              <a:t>[</a:t>
-            </a:r>
-            <a:r>
-              <a:rPr lang="fr-BE" dirty="0">
-                <a:hlinkClick r:id="rId2"/>
-              </a:rPr>
-              <a:t>https://github.com/tryton</a:t>
-            </a:r>
-            <a:r>
-              <a:rPr lang="fr-BE" dirty="0"/>
-              <a:t>]</a:t>
-            </a:r>
-          </a:p>
-          <a:p>
-            <a:endParaRPr lang="fr-BE" dirty="0"/>
-          </a:p>
-          <a:p>
-            <a:r>
-              <a:rPr lang="fr-BE" dirty="0"/>
-              <a:t>Downloads</a:t>
-            </a:r>
-          </a:p>
-          <a:p>
-            <a:r>
-              <a:rPr lang="fr-BE" dirty="0"/>
-              <a:t>[</a:t>
-            </a:r>
-            <a:r>
-              <a:rPr lang="fr-BE" dirty="0">
-                <a:hlinkClick r:id="rId3"/>
-              </a:rPr>
-              <a:t>https://downloads.tryton.org/</a:t>
-            </a:r>
-            <a:r>
-              <a:rPr lang="fr-BE" dirty="0"/>
-              <a:t>]</a:t>
-            </a:r>
-          </a:p>
-        </p:txBody>
-      </p:sp>
-      <p:sp>
-        <p:nvSpPr>
-          <p:cNvPr id="4" name="Slide Number Placeholder 3">
-            <a:extLst>
-              <a:ext uri="{FF2B5EF4-FFF2-40B4-BE49-F238E27FC236}">
-                <a16:creationId xmlns:a16="http://schemas.microsoft.com/office/drawing/2014/main" id="{89FD420A-27AF-4FCC-8602-C9AB4F3056EC}"/>
-              </a:ext>
-            </a:extLst>
-          </p:cNvPr>
-          <p:cNvSpPr>
-            <a:spLocks noGrp="1"/>
-          </p:cNvSpPr>
-          <p:nvPr>
-            <p:ph type="sldNum" sz="quarter" idx="12"/>
-          </p:nvPr>
-        </p:nvSpPr>
-        <p:spPr>
-          <a:xfrm rot="16200000">
-            <a:off x="-40341" y="6146519"/>
-            <a:ext cx="842683" cy="365125"/>
-          </a:xfrm>
-        </p:spPr>
-        <p:txBody>
-          <a:bodyPr/>
-          <a:lstStyle/>
-          <a:p>
-            <a:fld id="{69D2CCA8-53B9-41C4-8716-EA9CD8A55276}" type="slidenum">
-              <a:rPr lang="en-BE" smtClean="0"/>
-              <a:t>88</a:t>
-            </a:fld>
-            <a:endParaRPr lang="en-BE"/>
-          </a:p>
-        </p:txBody>
-      </p:sp>
-      <p:sp>
-        <p:nvSpPr>
-          <p:cNvPr id="5" name="Rectangle 4">
-            <a:extLst>
-              <a:ext uri="{FF2B5EF4-FFF2-40B4-BE49-F238E27FC236}">
-                <a16:creationId xmlns:a16="http://schemas.microsoft.com/office/drawing/2014/main" id="{4E9D4968-5894-46D8-9B53-5A7AC99618E7}"/>
-              </a:ext>
-            </a:extLst>
-          </p:cNvPr>
-          <p:cNvSpPr/>
-          <p:nvPr/>
-        </p:nvSpPr>
-        <p:spPr>
-          <a:xfrm>
-            <a:off x="11728938" y="6453554"/>
-            <a:ext cx="463062" cy="404446"/>
-          </a:xfrm>
-          <a:prstGeom prst="rect">
-            <a:avLst/>
-          </a:prstGeom>
-          <a:solidFill>
-            <a:srgbClr val="92D050"/>
-          </a:solidFill>
-          <a:ln>
-            <a:noFill/>
-          </a:ln>
-        </p:spPr>
-        <p:style>
-          <a:lnRef idx="2">
-            <a:schemeClr val="accent1">
-              <a:shade val="50000"/>
-            </a:schemeClr>
-          </a:lnRef>
-          <a:fillRef idx="1">
-            <a:schemeClr val="accent1"/>
-          </a:fillRef>
-          <a:effectRef idx="0">
-            <a:schemeClr val="accent1"/>
-          </a:effectRef>
-          <a:fontRef idx="minor">
-            <a:schemeClr val="lt1"/>
-          </a:fontRef>
-        </p:style>
-        <p:txBody>
-          <a:bodyPr rtlCol="0" anchor="ctr"/>
-          <a:lstStyle/>
-          <a:p>
-            <a:pPr algn="ctr"/>
-            <a:endParaRPr lang="en-BE"/>
-          </a:p>
-        </p:txBody>
-      </p:sp>
-    </p:spTree>
-    <p:extLst>
-      <p:ext uri="{BB962C8B-B14F-4D97-AF65-F5344CB8AC3E}">
-        <p14:creationId xmlns:p14="http://schemas.microsoft.com/office/powerpoint/2010/main" val="184625206"/>
-      </p:ext>
-    </p:extLst>
-  </p:cSld>
-  <p:clrMapOvr>
-    <a:masterClrMapping/>
-  </p:clrMapOvr>
-</p:sld>
-</file>
-
 <file path=ppt/slides/slide9.xml><?xml version="1.0" encoding="utf-8"?>
 <p:sld xmlns:a="http://schemas.openxmlformats.org/drawingml/2006/main" xmlns:r="http://schemas.openxmlformats.org/officeDocument/2006/relationships" xmlns:p="http://schemas.openxmlformats.org/presentationml/2006/main">
   <p:cSld>
@@ -39717,7 +40533,7 @@
         <p:spPr>
           <a:xfrm>
             <a:off x="2924108" y="502559"/>
-            <a:ext cx="2760784" cy="6494085"/>
+            <a:ext cx="2760784" cy="6124754"/>
           </a:xfrm>
           <a:prstGeom prst="rect">
             <a:avLst/>
@@ -39732,7 +40548,7 @@
           <a:p>
             <a:pPr algn="r"/>
             <a:r>
-              <a:rPr lang="fr-BE" sz="1600" b="1" dirty="0">
+              <a:rPr lang="fr-BE" sz="1400" b="1" dirty="0">
                 <a:solidFill>
                   <a:schemeClr val="accent2">
                     <a:lumMod val="75000"/>
@@ -39742,28 +40558,28 @@
               <a:t>CONTAINERS</a:t>
             </a:r>
             <a:br>
-              <a:rPr lang="fr-BE" sz="1600" b="1" dirty="0"/>
+              <a:rPr lang="fr-BE" sz="1400" b="1" dirty="0"/>
             </a:br>
             <a:r>
-              <a:rPr lang="fr-BE" sz="1600" b="1" dirty="0"/>
+              <a:rPr lang="fr-BE" sz="1400" b="1" dirty="0"/>
               <a:t>Docker Installation</a:t>
             </a:r>
           </a:p>
           <a:p>
             <a:pPr algn="r"/>
             <a:r>
-              <a:rPr lang="fr-BE" sz="1600" b="1" dirty="0"/>
+              <a:rPr lang="fr-BE" sz="1400" b="1" dirty="0"/>
               <a:t>Container Installation</a:t>
             </a:r>
           </a:p>
           <a:p>
             <a:pPr algn="r"/>
             <a:r>
-              <a:rPr lang="fr-BE" sz="1600" dirty="0"/>
+              <a:rPr lang="fr-BE" sz="1400" dirty="0"/>
               <a:t> </a:t>
             </a:r>
             <a:r>
-              <a:rPr lang="fr-BE" sz="1600" dirty="0" err="1">
+              <a:rPr lang="fr-BE" sz="1400" dirty="0" err="1">
                 <a:solidFill>
                   <a:schemeClr val="accent1"/>
                 </a:solidFill>
@@ -39771,7 +40587,7 @@
               <a:t>Tryton</a:t>
             </a:r>
             <a:r>
-              <a:rPr lang="fr-BE" sz="1600" dirty="0">
+              <a:rPr lang="fr-BE" sz="1400" dirty="0">
                 <a:solidFill>
                   <a:schemeClr val="accent1"/>
                 </a:solidFill>
@@ -39782,77 +40598,77 @@
           <a:p>
             <a:pPr algn="r"/>
             <a:r>
-              <a:rPr lang="fr-BE" sz="1600" dirty="0"/>
+              <a:rPr lang="fr-BE" sz="1400" dirty="0"/>
               <a:t> </a:t>
             </a:r>
             <a:r>
-              <a:rPr lang="fr-BE" sz="1600" dirty="0" err="1"/>
+              <a:rPr lang="fr-BE" sz="1400" dirty="0" err="1"/>
               <a:t>Tryton</a:t>
             </a:r>
             <a:r>
-              <a:rPr lang="fr-BE" sz="1600" dirty="0"/>
+              <a:rPr lang="fr-BE" sz="1400" dirty="0"/>
               <a:t> - « Volatile » Data</a:t>
             </a:r>
           </a:p>
           <a:p>
             <a:pPr algn="r"/>
             <a:r>
-              <a:rPr lang="fr-BE" sz="1600" dirty="0"/>
+              <a:rPr lang="fr-BE" sz="1400" dirty="0"/>
               <a:t> </a:t>
             </a:r>
             <a:r>
-              <a:rPr lang="fr-BE" sz="1600" dirty="0" err="1"/>
+              <a:rPr lang="fr-BE" sz="1400" dirty="0" err="1"/>
               <a:t>Postgres</a:t>
             </a:r>
             <a:r>
-              <a:rPr lang="fr-BE" sz="1600" dirty="0"/>
+              <a:rPr lang="fr-BE" sz="1400" dirty="0"/>
               <a:t> - « Permanent » Data</a:t>
             </a:r>
           </a:p>
           <a:p>
             <a:pPr algn="r"/>
             <a:r>
-              <a:rPr lang="fr-BE" sz="1600" b="1" dirty="0"/>
+              <a:rPr lang="fr-BE" sz="1400" b="1" dirty="0"/>
               <a:t>Container Management</a:t>
             </a:r>
           </a:p>
           <a:p>
             <a:pPr algn="r"/>
             <a:r>
-              <a:rPr lang="fr-BE" sz="1600" b="1" dirty="0"/>
+              <a:rPr lang="fr-BE" sz="1400" b="1" dirty="0"/>
               <a:t>Container </a:t>
             </a:r>
             <a:r>
-              <a:rPr lang="fr-BE" sz="1600" b="1" dirty="0" err="1"/>
+              <a:rPr lang="fr-BE" sz="1400" b="1" dirty="0" err="1"/>
               <a:t>Uninstallation</a:t>
             </a:r>
-            <a:endParaRPr lang="fr-BE" sz="1600" b="1" dirty="0"/>
+            <a:endParaRPr lang="fr-BE" sz="1400" b="1" dirty="0"/>
           </a:p>
           <a:p>
             <a:pPr algn="r"/>
             <a:r>
-              <a:rPr lang="fr-BE" sz="1600" b="1" dirty="0"/>
-              <a:t>Container multi-versioning</a:t>
+              <a:rPr lang="fr-BE" sz="1400" b="1" dirty="0"/>
+              <a:t>Container Multi-versioning</a:t>
             </a:r>
           </a:p>
           <a:p>
             <a:pPr algn="r"/>
             <a:r>
-              <a:rPr lang="fr-BE" sz="1600" b="1" dirty="0"/>
+              <a:rPr lang="fr-BE" sz="1400" b="1" dirty="0"/>
               <a:t>User Interface</a:t>
             </a:r>
             <a:br>
-              <a:rPr lang="fr-BE" sz="1600" b="1" dirty="0"/>
+              <a:rPr lang="fr-BE" sz="1400" b="1" dirty="0"/>
             </a:br>
             <a:r>
-              <a:rPr lang="fr-BE" sz="1600" dirty="0"/>
+              <a:rPr lang="fr-BE" sz="1400" dirty="0"/>
               <a:t> PgAdmin4</a:t>
             </a:r>
           </a:p>
           <a:p>
             <a:pPr algn="r"/>
             <a:r>
-              <a:rPr lang="fr-BE" sz="1600" dirty="0">
+              <a:rPr lang="fr-BE" sz="1400" dirty="0">
                 <a:solidFill>
                   <a:schemeClr val="accent1"/>
                 </a:solidFill>
@@ -39860,7 +40676,7 @@
               <a:t> </a:t>
             </a:r>
             <a:r>
-              <a:rPr lang="fr-BE" sz="1600" dirty="0" err="1">
+              <a:rPr lang="fr-BE" sz="1400" dirty="0" err="1">
                 <a:solidFill>
                   <a:schemeClr val="accent1"/>
                 </a:solidFill>
@@ -39868,20 +40684,20 @@
               <a:t>Tryton</a:t>
             </a:r>
             <a:br>
-              <a:rPr lang="fr-BE" sz="1600" b="1" dirty="0"/>
+              <a:rPr lang="fr-BE" sz="1400" b="1" dirty="0"/>
             </a:br>
             <a:r>
-              <a:rPr lang="fr-BE" sz="1600" b="1" dirty="0"/>
+              <a:rPr lang="fr-BE" sz="1400" b="1" dirty="0"/>
               <a:t>System Reboot</a:t>
             </a:r>
             <a:br>
-              <a:rPr lang="fr-BE" sz="1600" b="1" dirty="0"/>
+              <a:rPr lang="fr-BE" sz="1400" b="1" dirty="0"/>
             </a:br>
             <a:br>
-              <a:rPr lang="fr-BE" sz="1600" b="1" dirty="0"/>
+              <a:rPr lang="fr-BE" sz="1400" b="1" dirty="0"/>
             </a:br>
             <a:r>
-              <a:rPr lang="fr-BE" sz="1600" b="1" dirty="0">
+              <a:rPr lang="fr-BE" sz="1400" b="1" dirty="0">
                 <a:solidFill>
                   <a:schemeClr val="accent2">
                     <a:lumMod val="75000"/>
@@ -39894,99 +40710,114 @@
           <a:p>
             <a:pPr algn="r"/>
             <a:r>
-              <a:rPr lang="fr-BE" sz="1600" b="1" dirty="0" err="1"/>
-              <a:t>Database</a:t>
-            </a:r>
-            <a:r>
-              <a:rPr lang="fr-BE" sz="1600" b="1" dirty="0"/>
-              <a:t> Operations</a:t>
+              <a:rPr lang="fr-BE" sz="1400" b="1" dirty="0"/>
+              <a:t>Operations</a:t>
             </a:r>
           </a:p>
           <a:p>
             <a:pPr algn="r"/>
             <a:r>
-              <a:rPr lang="fr-BE" sz="1600" dirty="0" err="1"/>
+              <a:rPr lang="fr-BE" sz="1400" dirty="0" err="1"/>
               <a:t>Tryton</a:t>
             </a:r>
             <a:r>
-              <a:rPr lang="fr-BE" sz="1600" dirty="0"/>
+              <a:rPr lang="fr-BE" sz="1400" dirty="0"/>
               <a:t> &amp; </a:t>
             </a:r>
             <a:r>
-              <a:rPr lang="fr-BE" sz="1600" dirty="0" err="1"/>
+              <a:rPr lang="fr-BE" sz="1400" dirty="0" err="1"/>
               <a:t>Postgres</a:t>
             </a:r>
             <a:br>
-              <a:rPr lang="fr-BE" sz="1600" dirty="0"/>
+              <a:rPr lang="fr-BE" sz="1400" dirty="0"/>
             </a:br>
             <a:r>
-              <a:rPr lang="fr-BE" sz="1600" b="1" dirty="0" err="1"/>
-              <a:t>Database</a:t>
-            </a:r>
-            <a:r>
-              <a:rPr lang="fr-BE" sz="1600" b="1" dirty="0"/>
-              <a:t> Backup</a:t>
+              <a:rPr lang="fr-BE" sz="1400" b="1" dirty="0"/>
+              <a:t>Backup</a:t>
             </a:r>
           </a:p>
           <a:p>
             <a:pPr algn="r"/>
             <a:r>
-              <a:rPr lang="fr-BE" sz="1600" dirty="0"/>
+              <a:rPr lang="fr-BE" sz="1400" dirty="0"/>
               <a:t>  </a:t>
             </a:r>
             <a:r>
-              <a:rPr lang="fr-BE" sz="1600" dirty="0" err="1"/>
+              <a:rPr lang="fr-BE" sz="1400" dirty="0" err="1"/>
               <a:t>Tryton</a:t>
             </a:r>
             <a:r>
-              <a:rPr lang="fr-BE" sz="1600" dirty="0"/>
+              <a:rPr lang="fr-BE" sz="1400" dirty="0"/>
               <a:t> &amp; </a:t>
             </a:r>
             <a:r>
-              <a:rPr lang="fr-BE" sz="1600" dirty="0" err="1"/>
+              <a:rPr lang="fr-BE" sz="1400" dirty="0" err="1"/>
               <a:t>Postgres</a:t>
             </a:r>
-            <a:endParaRPr lang="fr-BE" sz="1600" dirty="0"/>
+            <a:endParaRPr lang="fr-BE" sz="1400" dirty="0"/>
           </a:p>
           <a:p>
             <a:pPr algn="r"/>
             <a:r>
-              <a:rPr lang="fr-BE" sz="1600" b="1" dirty="0" err="1"/>
-              <a:t>Database</a:t>
-            </a:r>
-            <a:r>
-              <a:rPr lang="fr-BE" sz="1600" b="1" dirty="0"/>
-              <a:t> Restore</a:t>
+              <a:rPr lang="fr-BE" sz="1400" b="1" dirty="0"/>
+              <a:t>Restore</a:t>
             </a:r>
           </a:p>
           <a:p>
             <a:pPr algn="r"/>
             <a:r>
-              <a:rPr lang="fr-BE" sz="1600" dirty="0"/>
+              <a:rPr lang="fr-BE" sz="1400" dirty="0"/>
               <a:t> </a:t>
             </a:r>
             <a:r>
-              <a:rPr lang="fr-BE" sz="1600" dirty="0" err="1"/>
+              <a:rPr lang="fr-BE" sz="1400" dirty="0" err="1"/>
               <a:t>Tryton</a:t>
             </a:r>
             <a:r>
-              <a:rPr lang="fr-BE" sz="1600" dirty="0"/>
+              <a:rPr lang="fr-BE" sz="1400" dirty="0"/>
               <a:t> &amp; </a:t>
             </a:r>
             <a:r>
-              <a:rPr lang="fr-BE" sz="1600" dirty="0" err="1"/>
+              <a:rPr lang="fr-BE" sz="1400" dirty="0" err="1"/>
               <a:t>Postgres</a:t>
             </a:r>
-            <a:endParaRPr lang="fr-BE" sz="1600" dirty="0"/>
+            <a:endParaRPr lang="fr-BE" sz="1400" dirty="0"/>
           </a:p>
           <a:p>
             <a:pPr algn="r"/>
-            <a:endParaRPr lang="fr-BE" sz="1600" b="1" dirty="0"/>
+            <a:r>
+              <a:rPr lang="fr-BE" sz="1400" b="1" dirty="0"/>
+              <a:t>Multi-</a:t>
+            </a:r>
+            <a:r>
+              <a:rPr lang="fr-BE" sz="1400" b="1" dirty="0" err="1"/>
+              <a:t>database</a:t>
+            </a:r>
+            <a:r>
+              <a:rPr lang="fr-BE" sz="1400" b="1" dirty="0"/>
+              <a:t> Container</a:t>
+            </a:r>
           </a:p>
           <a:p>
             <a:pPr algn="r"/>
             <a:r>
-              <a:rPr lang="fr-BE" sz="1600" b="1" dirty="0">
+              <a:rPr lang="fr-BE" sz="1400" dirty="0"/>
+              <a:t> </a:t>
+            </a:r>
+            <a:r>
+              <a:rPr lang="fr-BE" sz="1400" dirty="0" err="1"/>
+              <a:t>Tryton</a:t>
+            </a:r>
+            <a:endParaRPr lang="fr-BE" sz="1400" dirty="0"/>
+          </a:p>
+          <a:p>
+            <a:pPr algn="r"/>
+            <a:endParaRPr lang="fr-BE" sz="1400" b="1" dirty="0"/>
+          </a:p>
+          <a:p>
+            <a:pPr algn="r"/>
+            <a:r>
+              <a:rPr lang="fr-BE" sz="1400" b="1" dirty="0">
                 <a:solidFill>
                   <a:schemeClr val="accent2">
                     <a:lumMod val="75000"/>
@@ -39996,28 +40827,28 @@
               <a:t>SUMMARY</a:t>
             </a:r>
             <a:br>
-              <a:rPr lang="fr-BE" sz="1600" b="1" dirty="0"/>
+              <a:rPr lang="fr-BE" sz="1400" b="1" dirty="0"/>
             </a:br>
             <a:r>
-              <a:rPr lang="fr-BE" sz="1600" b="1" dirty="0"/>
+              <a:rPr lang="fr-BE" sz="1400" b="1" dirty="0"/>
               <a:t>Next</a:t>
             </a:r>
-            <a:endParaRPr lang="fr-BE" sz="1600" dirty="0"/>
+            <a:endParaRPr lang="fr-BE" sz="1400" dirty="0"/>
           </a:p>
           <a:p>
             <a:pPr algn="r"/>
             <a:r>
-              <a:rPr lang="fr-BE" sz="1600" b="1" dirty="0"/>
+              <a:rPr lang="fr-BE" sz="1400" b="1" dirty="0"/>
               <a:t>Issues</a:t>
             </a:r>
             <a:br>
-              <a:rPr lang="fr-BE" sz="1600" b="1" dirty="0"/>
+              <a:rPr lang="fr-BE" sz="1400" b="1" dirty="0"/>
             </a:br>
             <a:r>
-              <a:rPr lang="fr-BE" sz="1600" b="1" dirty="0" err="1"/>
+              <a:rPr lang="fr-BE" sz="1400" b="1" dirty="0" err="1"/>
               <a:t>References</a:t>
             </a:r>
-            <a:endParaRPr lang="en-BE" sz="1600" b="1" dirty="0"/>
+            <a:endParaRPr lang="en-BE" sz="1400" b="1" dirty="0"/>
           </a:p>
         </p:txBody>
       </p:sp>
@@ -40036,7 +40867,7 @@
         <p:spPr>
           <a:xfrm>
             <a:off x="5684891" y="502559"/>
-            <a:ext cx="5835163" cy="6740307"/>
+            <a:ext cx="5835163" cy="6124754"/>
           </a:xfrm>
           <a:prstGeom prst="rect">
             <a:avLst/>
@@ -40050,38 +40881,38 @@
           <a:lstStyle/>
           <a:p>
             <a:br>
-              <a:rPr lang="fr-BE" sz="1600" b="1" dirty="0"/>
+              <a:rPr lang="fr-BE" sz="1400" b="1" dirty="0"/>
             </a:br>
             <a:r>
-              <a:rPr lang="fr-BE" sz="1600" b="1" dirty="0" err="1"/>
+              <a:rPr lang="fr-BE" sz="1400" b="1" dirty="0" err="1"/>
               <a:t>Installing</a:t>
             </a:r>
             <a:r>
-              <a:rPr lang="fr-BE" sz="1600" b="1" dirty="0"/>
+              <a:rPr lang="fr-BE" sz="1400" b="1" dirty="0"/>
               <a:t> Docker on Windows</a:t>
             </a:r>
           </a:p>
           <a:p>
             <a:r>
-              <a:rPr lang="fr-BE" sz="1600" b="1" dirty="0"/>
+              <a:rPr lang="fr-BE" sz="1400" b="1" dirty="0"/>
               <a:t>How to </a:t>
             </a:r>
             <a:r>
-              <a:rPr lang="fr-BE" sz="1600" b="1" dirty="0" err="1"/>
+              <a:rPr lang="fr-BE" sz="1400" b="1" dirty="0" err="1"/>
               <a:t>install</a:t>
             </a:r>
             <a:r>
-              <a:rPr lang="fr-BE" sz="1600" b="1" dirty="0"/>
+              <a:rPr lang="fr-BE" sz="1400" b="1" dirty="0"/>
               <a:t> containers</a:t>
             </a:r>
           </a:p>
           <a:p>
             <a:r>
-              <a:rPr lang="fr-BE" sz="1600" dirty="0"/>
+              <a:rPr lang="fr-BE" sz="1400" dirty="0"/>
               <a:t> </a:t>
             </a:r>
             <a:r>
-              <a:rPr lang="fr-BE" sz="1600" dirty="0" err="1">
+              <a:rPr lang="fr-BE" sz="1400" dirty="0" err="1">
                 <a:solidFill>
                   <a:schemeClr val="accent1"/>
                 </a:solidFill>
@@ -40089,7 +40920,7 @@
               <a:t>Installing</a:t>
             </a:r>
             <a:r>
-              <a:rPr lang="fr-BE" sz="1600" dirty="0">
+              <a:rPr lang="fr-BE" sz="1400" dirty="0">
                 <a:solidFill>
                   <a:schemeClr val="accent1"/>
                 </a:solidFill>
@@ -40097,7 +40928,7 @@
               <a:t> </a:t>
             </a:r>
             <a:r>
-              <a:rPr lang="fr-BE" sz="1600" dirty="0" err="1">
+              <a:rPr lang="fr-BE" sz="1400" dirty="0" err="1">
                 <a:solidFill>
                   <a:schemeClr val="accent1"/>
                 </a:solidFill>
@@ -40105,7 +40936,7 @@
               <a:t>Tryton</a:t>
             </a:r>
             <a:r>
-              <a:rPr lang="fr-BE" sz="1600" dirty="0">
+              <a:rPr lang="fr-BE" sz="1400" dirty="0">
                 <a:solidFill>
                   <a:schemeClr val="accent1"/>
                 </a:solidFill>
@@ -40113,7 +40944,7 @@
               <a:t> </a:t>
             </a:r>
             <a:r>
-              <a:rPr lang="fr-BE" sz="1600" dirty="0" err="1">
+              <a:rPr lang="fr-BE" sz="1400" dirty="0" err="1">
                 <a:solidFill>
                   <a:schemeClr val="accent1"/>
                 </a:solidFill>
@@ -40121,7 +40952,7 @@
               <a:t>with</a:t>
             </a:r>
             <a:r>
-              <a:rPr lang="fr-BE" sz="1600" dirty="0">
+              <a:rPr lang="fr-BE" sz="1400" dirty="0">
                 <a:solidFill>
                   <a:schemeClr val="accent1"/>
                 </a:solidFill>
@@ -40129,7 +40960,7 @@
               <a:t> data </a:t>
             </a:r>
             <a:r>
-              <a:rPr lang="fr-BE" sz="1600" dirty="0" err="1">
+              <a:rPr lang="fr-BE" sz="1400" dirty="0" err="1">
                 <a:solidFill>
                   <a:schemeClr val="accent1"/>
                 </a:solidFill>
@@ -40137,7 +40968,7 @@
               <a:t>residing</a:t>
             </a:r>
             <a:r>
-              <a:rPr lang="fr-BE" sz="1600" dirty="0">
+              <a:rPr lang="fr-BE" sz="1400" dirty="0">
                 <a:solidFill>
                   <a:schemeClr val="accent1"/>
                 </a:solidFill>
@@ -40145,7 +40976,7 @@
               <a:t> on volume </a:t>
             </a:r>
             <a:r>
-              <a:rPr lang="fr-BE" sz="1600" dirty="0" err="1">
+              <a:rPr lang="fr-BE" sz="1400" dirty="0" err="1">
                 <a:solidFill>
                   <a:schemeClr val="accent1"/>
                 </a:solidFill>
@@ -40153,7 +40984,7 @@
               <a:t>outside</a:t>
             </a:r>
             <a:r>
-              <a:rPr lang="fr-BE" sz="1600" dirty="0">
+              <a:rPr lang="fr-BE" sz="1400" dirty="0">
                 <a:solidFill>
                   <a:schemeClr val="accent1"/>
                 </a:solidFill>
@@ -40163,150 +40994,150 @@
           </a:p>
           <a:p>
             <a:r>
-              <a:rPr lang="fr-BE" sz="1600" dirty="0"/>
+              <a:rPr lang="fr-BE" sz="1400" dirty="0"/>
               <a:t> </a:t>
             </a:r>
             <a:r>
-              <a:rPr lang="fr-BE" sz="1600" dirty="0" err="1"/>
+              <a:rPr lang="fr-BE" sz="1400" dirty="0" err="1"/>
               <a:t>Installing</a:t>
             </a:r>
             <a:r>
-              <a:rPr lang="fr-BE" sz="1600" dirty="0"/>
+              <a:rPr lang="fr-BE" sz="1400" dirty="0"/>
               <a:t> </a:t>
             </a:r>
             <a:r>
-              <a:rPr lang="fr-BE" sz="1600" dirty="0" err="1"/>
+              <a:rPr lang="fr-BE" sz="1400" dirty="0" err="1"/>
               <a:t>Tryton</a:t>
             </a:r>
             <a:r>
-              <a:rPr lang="fr-BE" sz="1600" dirty="0"/>
+              <a:rPr lang="fr-BE" sz="1400" dirty="0"/>
               <a:t> </a:t>
             </a:r>
             <a:r>
-              <a:rPr lang="fr-BE" sz="1600" dirty="0" err="1"/>
+              <a:rPr lang="fr-BE" sz="1400" dirty="0" err="1"/>
               <a:t>with</a:t>
             </a:r>
             <a:r>
-              <a:rPr lang="fr-BE" sz="1600" dirty="0"/>
+              <a:rPr lang="fr-BE" sz="1400" dirty="0"/>
               <a:t> data </a:t>
             </a:r>
             <a:r>
-              <a:rPr lang="fr-BE" sz="1600" dirty="0" err="1"/>
+              <a:rPr lang="fr-BE" sz="1400" dirty="0" err="1"/>
               <a:t>inside</a:t>
             </a:r>
             <a:r>
-              <a:rPr lang="fr-BE" sz="1600" dirty="0"/>
+              <a:rPr lang="fr-BE" sz="1400" dirty="0"/>
               <a:t> of container</a:t>
             </a:r>
           </a:p>
           <a:p>
             <a:r>
-              <a:rPr lang="fr-BE" sz="1600" dirty="0"/>
+              <a:rPr lang="fr-BE" sz="1400" dirty="0"/>
               <a:t> </a:t>
             </a:r>
             <a:r>
-              <a:rPr lang="fr-BE" sz="1600" dirty="0" err="1"/>
+              <a:rPr lang="fr-BE" sz="1400" dirty="0" err="1"/>
               <a:t>Installing</a:t>
             </a:r>
             <a:r>
-              <a:rPr lang="fr-BE" sz="1600" dirty="0"/>
+              <a:rPr lang="fr-BE" sz="1400" dirty="0"/>
               <a:t> </a:t>
             </a:r>
             <a:r>
-              <a:rPr lang="fr-BE" sz="1600" dirty="0" err="1"/>
+              <a:rPr lang="fr-BE" sz="1400" dirty="0" err="1"/>
               <a:t>Postgres</a:t>
             </a:r>
             <a:r>
-              <a:rPr lang="fr-BE" sz="1600" dirty="0"/>
+              <a:rPr lang="fr-BE" sz="1400" dirty="0"/>
               <a:t> </a:t>
             </a:r>
             <a:r>
-              <a:rPr lang="fr-BE" sz="1600" dirty="0" err="1"/>
+              <a:rPr lang="fr-BE" sz="1400" dirty="0" err="1"/>
               <a:t>with</a:t>
             </a:r>
             <a:r>
-              <a:rPr lang="fr-BE" sz="1600" dirty="0"/>
+              <a:rPr lang="fr-BE" sz="1400" dirty="0"/>
               <a:t> data on volume </a:t>
             </a:r>
             <a:r>
-              <a:rPr lang="fr-BE" sz="1600" dirty="0" err="1"/>
+              <a:rPr lang="fr-BE" sz="1400" dirty="0" err="1"/>
               <a:t>outside</a:t>
             </a:r>
             <a:r>
-              <a:rPr lang="fr-BE" sz="1600" dirty="0"/>
+              <a:rPr lang="fr-BE" sz="1400" dirty="0"/>
               <a:t> of container</a:t>
             </a:r>
           </a:p>
           <a:p>
             <a:r>
-              <a:rPr lang="fr-BE" sz="1600" b="1" dirty="0"/>
+              <a:rPr lang="fr-BE" sz="1400" b="1" dirty="0"/>
               <a:t>How to manage containers</a:t>
             </a:r>
-            <a:endParaRPr lang="fr-BE" sz="1600" dirty="0"/>
-          </a:p>
-          <a:p>
-            <a:r>
-              <a:rPr lang="fr-BE" sz="1600" b="1" dirty="0"/>
+            <a:endParaRPr lang="fr-BE" sz="1400" dirty="0"/>
+          </a:p>
+          <a:p>
+            <a:r>
+              <a:rPr lang="fr-BE" sz="1400" b="1" dirty="0"/>
               <a:t>How to </a:t>
             </a:r>
             <a:r>
-              <a:rPr lang="fr-BE" sz="1600" b="1" dirty="0" err="1"/>
+              <a:rPr lang="fr-BE" sz="1400" b="1" dirty="0" err="1"/>
               <a:t>uninstall</a:t>
             </a:r>
             <a:r>
-              <a:rPr lang="fr-BE" sz="1600" b="1" dirty="0"/>
+              <a:rPr lang="fr-BE" sz="1400" b="1" dirty="0"/>
               <a:t> containers</a:t>
             </a:r>
           </a:p>
           <a:p>
             <a:r>
-              <a:rPr lang="fr-BE" sz="1600" b="1" dirty="0"/>
+              <a:rPr lang="fr-BE" sz="1400" b="1" dirty="0"/>
               <a:t>How to </a:t>
             </a:r>
             <a:r>
-              <a:rPr lang="fr-BE" sz="1600" b="1" dirty="0" err="1"/>
+              <a:rPr lang="fr-BE" sz="1400" b="1" dirty="0" err="1"/>
               <a:t>install</a:t>
             </a:r>
             <a:r>
-              <a:rPr lang="fr-BE" sz="1600" b="1" dirty="0"/>
+              <a:rPr lang="fr-BE" sz="1400" b="1" dirty="0"/>
               <a:t> containers </a:t>
             </a:r>
             <a:r>
-              <a:rPr lang="fr-BE" sz="1600" b="1" dirty="0" err="1"/>
+              <a:rPr lang="fr-BE" sz="1400" b="1" dirty="0" err="1"/>
               <a:t>from</a:t>
             </a:r>
             <a:r>
-              <a:rPr lang="fr-BE" sz="1600" b="1" dirty="0"/>
+              <a:rPr lang="fr-BE" sz="1400" b="1" dirty="0"/>
               <a:t> multiple image versions</a:t>
             </a:r>
           </a:p>
           <a:p>
             <a:r>
-              <a:rPr lang="fr-BE" sz="1600" b="1" dirty="0"/>
+              <a:rPr lang="fr-BE" sz="1400" b="1" dirty="0"/>
               <a:t>Interface to TRYTON &amp; PGADMIN</a:t>
             </a:r>
           </a:p>
           <a:p>
             <a:r>
-              <a:rPr lang="fr-BE" sz="1600" dirty="0"/>
+              <a:rPr lang="fr-BE" sz="1400" dirty="0"/>
               <a:t>Setting up &amp; </a:t>
             </a:r>
             <a:r>
-              <a:rPr lang="fr-BE" sz="1600" dirty="0" err="1"/>
+              <a:rPr lang="fr-BE" sz="1400" dirty="0" err="1"/>
               <a:t>Exploring</a:t>
             </a:r>
             <a:r>
-              <a:rPr lang="fr-BE" sz="1600" dirty="0"/>
+              <a:rPr lang="fr-BE" sz="1400" dirty="0"/>
               <a:t> the pgadmin4 interface</a:t>
             </a:r>
           </a:p>
           <a:p>
             <a:r>
-              <a:rPr lang="fr-BE" sz="1600" dirty="0"/>
+              <a:rPr lang="fr-BE" sz="1400" dirty="0"/>
               <a:t> </a:t>
             </a:r>
             <a:r>
-              <a:rPr lang="fr-BE" sz="1600" dirty="0" err="1">
+              <a:rPr lang="fr-BE" sz="1400" dirty="0" err="1">
                 <a:solidFill>
                   <a:schemeClr val="accent1"/>
                 </a:solidFill>
@@ -40314,7 +41145,7 @@
               <a:t>Logging</a:t>
             </a:r>
             <a:r>
-              <a:rPr lang="fr-BE" sz="1600" dirty="0">
+              <a:rPr lang="fr-BE" sz="1400" dirty="0">
                 <a:solidFill>
                   <a:schemeClr val="accent1"/>
                 </a:solidFill>
@@ -40322,157 +41153,187 @@
               <a:t> &amp; </a:t>
             </a:r>
             <a:r>
-              <a:rPr lang="fr-BE" sz="1600" dirty="0" err="1">
+              <a:rPr lang="fr-BE" sz="1400" dirty="0" err="1">
                 <a:solidFill>
                   <a:schemeClr val="accent1"/>
                 </a:solidFill>
               </a:rPr>
               <a:t>Logout</a:t>
             </a:r>
-            <a:endParaRPr lang="fr-BE" sz="1600" b="1" dirty="0"/>
-          </a:p>
-          <a:p>
-            <a:r>
-              <a:rPr lang="fr-BE" sz="1600" b="1" dirty="0"/>
+            <a:endParaRPr lang="fr-BE" sz="1400" b="1" dirty="0"/>
+          </a:p>
+          <a:p>
+            <a:r>
+              <a:rPr lang="fr-BE" sz="1400" b="1" dirty="0"/>
               <a:t>How to </a:t>
             </a:r>
             <a:r>
-              <a:rPr lang="fr-BE" sz="1600" b="1" dirty="0" err="1"/>
+              <a:rPr lang="fr-BE" sz="1400" b="1" dirty="0" err="1"/>
               <a:t>proceed</a:t>
             </a:r>
             <a:r>
-              <a:rPr lang="fr-BE" sz="1600" b="1" dirty="0"/>
+              <a:rPr lang="fr-BE" sz="1400" b="1" dirty="0"/>
               <a:t> </a:t>
             </a:r>
             <a:r>
-              <a:rPr lang="fr-BE" sz="1600" b="1" dirty="0" err="1"/>
+              <a:rPr lang="fr-BE" sz="1400" b="1" dirty="0" err="1"/>
               <a:t>after</a:t>
             </a:r>
             <a:r>
-              <a:rPr lang="fr-BE" sz="1600" b="1" dirty="0"/>
+              <a:rPr lang="fr-BE" sz="1400" b="1" dirty="0"/>
               <a:t> system reboot</a:t>
             </a:r>
             <a:br>
-              <a:rPr lang="fr-BE" sz="1600" b="1" dirty="0"/>
+              <a:rPr lang="fr-BE" sz="1400" b="1" dirty="0"/>
             </a:br>
-            <a:endParaRPr lang="fr-BE" sz="1600" b="1" dirty="0"/>
+            <a:endParaRPr lang="fr-BE" sz="1400" b="1" dirty="0"/>
           </a:p>
           <a:p>
             <a:br>
-              <a:rPr lang="fr-BE" sz="1600" b="1" dirty="0"/>
+              <a:rPr lang="fr-BE" sz="1400" b="1" dirty="0"/>
             </a:br>
             <a:br>
-              <a:rPr lang="fr-BE" sz="1600" b="1" dirty="0"/>
+              <a:rPr lang="fr-BE" sz="1400" b="1" dirty="0"/>
             </a:br>
             <a:r>
-              <a:rPr lang="fr-BE" sz="1600" dirty="0" err="1"/>
+              <a:rPr lang="fr-BE" sz="1400" dirty="0" err="1"/>
               <a:t>Working</a:t>
             </a:r>
             <a:r>
-              <a:rPr lang="fr-BE" sz="1600" dirty="0"/>
+              <a:rPr lang="fr-BE" sz="1400" dirty="0"/>
               <a:t> </a:t>
             </a:r>
             <a:r>
-              <a:rPr lang="fr-BE" sz="1600" dirty="0" err="1"/>
+              <a:rPr lang="fr-BE" sz="1400" dirty="0" err="1"/>
               <a:t>with</a:t>
             </a:r>
             <a:r>
-              <a:rPr lang="fr-BE" sz="1600" dirty="0"/>
+              <a:rPr lang="fr-BE" sz="1400" dirty="0"/>
               <a:t> the </a:t>
             </a:r>
             <a:r>
-              <a:rPr lang="fr-BE" sz="1600" dirty="0" err="1"/>
+              <a:rPr lang="fr-BE" sz="1400" dirty="0" err="1"/>
               <a:t>database</a:t>
             </a:r>
-            <a:endParaRPr lang="fr-BE" sz="1600" b="1" dirty="0"/>
-          </a:p>
-          <a:p>
-            <a:endParaRPr lang="fr-BE" sz="1600" b="1" dirty="0"/>
-          </a:p>
-          <a:p>
-            <a:r>
-              <a:rPr lang="fr-BE" sz="1600" dirty="0"/>
+            <a:endParaRPr lang="fr-BE" sz="1400" b="1" dirty="0"/>
+          </a:p>
+          <a:p>
+            <a:endParaRPr lang="fr-BE" sz="1400" b="1" dirty="0"/>
+          </a:p>
+          <a:p>
+            <a:r>
+              <a:rPr lang="fr-BE" sz="1400" dirty="0"/>
               <a:t>Backing up the </a:t>
             </a:r>
             <a:r>
-              <a:rPr lang="fr-BE" sz="1600" dirty="0" err="1"/>
+              <a:rPr lang="fr-BE" sz="1400" dirty="0" err="1"/>
               <a:t>database</a:t>
             </a:r>
             <a:r>
-              <a:rPr lang="fr-BE" sz="1600" dirty="0"/>
+              <a:rPr lang="fr-BE" sz="1400" dirty="0"/>
               <a:t> (UTF-8 compliant)</a:t>
             </a:r>
           </a:p>
           <a:p>
-            <a:endParaRPr lang="fr-BE" sz="1600" b="1" dirty="0"/>
-          </a:p>
-          <a:p>
-            <a:r>
-              <a:rPr lang="fr-BE" sz="1600" dirty="0" err="1"/>
+            <a:endParaRPr lang="fr-BE" sz="1400" b="1" dirty="0"/>
+          </a:p>
+          <a:p>
+            <a:r>
+              <a:rPr lang="fr-BE" sz="1400" dirty="0" err="1"/>
               <a:t>Restoring</a:t>
             </a:r>
             <a:r>
-              <a:rPr lang="fr-BE" sz="1600" dirty="0"/>
+              <a:rPr lang="fr-BE" sz="1400" dirty="0"/>
               <a:t> the </a:t>
             </a:r>
             <a:r>
-              <a:rPr lang="fr-BE" sz="1600" dirty="0" err="1"/>
+              <a:rPr lang="fr-BE" sz="1400" dirty="0" err="1"/>
               <a:t>database</a:t>
             </a:r>
             <a:r>
-              <a:rPr lang="fr-BE" sz="1600" dirty="0"/>
+              <a:rPr lang="fr-BE" sz="1400" dirty="0"/>
               <a:t> (UTF-8 compliant)</a:t>
             </a:r>
           </a:p>
           <a:p>
             <a:br>
-              <a:rPr lang="fr-BE" sz="1600" b="1" dirty="0"/>
+              <a:rPr lang="fr-BE" sz="1400" b="1" dirty="0"/>
+            </a:br>
+            <a:r>
+              <a:rPr lang="fr-BE" sz="1400" dirty="0" err="1"/>
+              <a:t>Managing</a:t>
+            </a:r>
+            <a:r>
+              <a:rPr lang="fr-BE" sz="1400" dirty="0"/>
+              <a:t> multiple </a:t>
+            </a:r>
+            <a:r>
+              <a:rPr lang="fr-BE" sz="1400" dirty="0" err="1"/>
+              <a:t>databases</a:t>
+            </a:r>
+            <a:r>
+              <a:rPr lang="fr-BE" sz="1400" dirty="0"/>
+              <a:t> in </a:t>
+            </a:r>
+            <a:r>
+              <a:rPr lang="fr-BE" sz="1400" dirty="0" err="1"/>
+              <a:t>Database</a:t>
+            </a:r>
+            <a:r>
+              <a:rPr lang="fr-BE" sz="1400" dirty="0"/>
+              <a:t> Container</a:t>
+            </a:r>
+            <a:br>
+              <a:rPr lang="fr-BE" sz="1400" b="1" dirty="0"/>
             </a:br>
             <a:br>
-              <a:rPr lang="fr-BE" sz="1600" b="1" dirty="0"/>
+              <a:rPr lang="fr-BE" sz="1400" b="1" dirty="0"/>
             </a:br>
-            <a:r>
-              <a:rPr lang="fr-BE" sz="1600" b="1" dirty="0"/>
+            <a:br>
+              <a:rPr lang="fr-BE" sz="1400" b="1" dirty="0"/>
+            </a:br>
+            <a:r>
+              <a:rPr lang="fr-BE" sz="1400" b="1" dirty="0"/>
               <a:t>Next topics</a:t>
             </a:r>
           </a:p>
           <a:p>
             <a:r>
-              <a:rPr lang="fr-BE" sz="1600" b="1" dirty="0"/>
+              <a:rPr lang="fr-BE" sz="1400" b="1" dirty="0"/>
               <a:t>Documentation points </a:t>
             </a:r>
             <a:r>
-              <a:rPr lang="fr-BE" sz="1600" b="1" dirty="0" err="1"/>
+              <a:rPr lang="fr-BE" sz="1400" b="1" dirty="0" err="1"/>
               <a:t>still</a:t>
             </a:r>
             <a:r>
-              <a:rPr lang="fr-BE" sz="1600" b="1" dirty="0"/>
+              <a:rPr lang="fr-BE" sz="1400" b="1" dirty="0"/>
               <a:t> to </a:t>
             </a:r>
             <a:r>
-              <a:rPr lang="fr-BE" sz="1600" b="1" dirty="0" err="1"/>
+              <a:rPr lang="fr-BE" sz="1400" b="1" dirty="0" err="1"/>
               <a:t>be</a:t>
             </a:r>
             <a:r>
-              <a:rPr lang="fr-BE" sz="1600" b="1" dirty="0"/>
+              <a:rPr lang="fr-BE" sz="1400" b="1" dirty="0"/>
               <a:t> </a:t>
             </a:r>
             <a:r>
-              <a:rPr lang="fr-BE" sz="1600" b="1" dirty="0" err="1"/>
+              <a:rPr lang="fr-BE" sz="1400" b="1" dirty="0" err="1"/>
               <a:t>resolved</a:t>
             </a:r>
-            <a:endParaRPr lang="fr-BE" sz="1600" b="1" dirty="0"/>
-          </a:p>
-          <a:p>
-            <a:r>
-              <a:rPr lang="fr-BE" sz="1600" b="1" dirty="0"/>
+            <a:endParaRPr lang="fr-BE" sz="1400" b="1" dirty="0"/>
+          </a:p>
+          <a:p>
+            <a:r>
+              <a:rPr lang="fr-BE" sz="1400" b="1" dirty="0"/>
               <a:t>Links of </a:t>
             </a:r>
             <a:r>
-              <a:rPr lang="fr-BE" sz="1600" b="1" dirty="0" err="1"/>
+              <a:rPr lang="fr-BE" sz="1400" b="1" dirty="0" err="1"/>
               <a:t>interest</a:t>
             </a:r>
-            <a:endParaRPr lang="fr-BE" sz="1600" b="1" dirty="0"/>
+            <a:endParaRPr lang="fr-BE" sz="1400" b="1" dirty="0"/>
           </a:p>
         </p:txBody>
       </p:sp>
@@ -40652,6 +41513,520 @@
     <p:extLst>
       <p:ext uri="{BB962C8B-B14F-4D97-AF65-F5344CB8AC3E}">
         <p14:creationId xmlns:p14="http://schemas.microsoft.com/office/powerpoint/2010/main" val="3613006825"/>
+      </p:ext>
+    </p:extLst>
+  </p:cSld>
+  <p:clrMapOvr>
+    <a:masterClrMapping/>
+  </p:clrMapOvr>
+</p:sld>
+</file>
+
+<file path=ppt/slides/slide90.xml><?xml version="1.0" encoding="utf-8"?>
+<p:sld xmlns:a="http://schemas.openxmlformats.org/drawingml/2006/main" xmlns:r="http://schemas.openxmlformats.org/officeDocument/2006/relationships" xmlns:p="http://schemas.openxmlformats.org/presentationml/2006/main">
+  <p:cSld>
+    <p:spTree>
+      <p:nvGrpSpPr>
+        <p:cNvPr id="1" name=""/>
+        <p:cNvGrpSpPr/>
+        <p:nvPr/>
+      </p:nvGrpSpPr>
+      <p:grpSpPr>
+        <a:xfrm>
+          <a:off x="0" y="0"/>
+          <a:ext cx="0" cy="0"/>
+          <a:chOff x="0" y="0"/>
+          <a:chExt cx="0" cy="0"/>
+        </a:xfrm>
+      </p:grpSpPr>
+      <p:sp>
+        <p:nvSpPr>
+          <p:cNvPr id="6" name="Title 5">
+            <a:extLst>
+              <a:ext uri="{FF2B5EF4-FFF2-40B4-BE49-F238E27FC236}">
+                <a16:creationId xmlns:a16="http://schemas.microsoft.com/office/drawing/2014/main" id="{58602178-544B-4666-8E9B-555376EB72FA}"/>
+              </a:ext>
+            </a:extLst>
+          </p:cNvPr>
+          <p:cNvSpPr>
+            <a:spLocks noGrp="1"/>
+          </p:cNvSpPr>
+          <p:nvPr>
+            <p:ph type="title"/>
+          </p:nvPr>
+        </p:nvSpPr>
+        <p:spPr/>
+        <p:txBody>
+          <a:bodyPr/>
+          <a:lstStyle/>
+          <a:p>
+            <a:r>
+              <a:rPr lang="fr-BE" dirty="0" err="1"/>
+              <a:t>Various</a:t>
+            </a:r>
+            <a:r>
+              <a:rPr lang="fr-BE" dirty="0"/>
+              <a:t> sources of documentation</a:t>
+            </a:r>
+            <a:endParaRPr lang="en-BE" dirty="0"/>
+          </a:p>
+        </p:txBody>
+      </p:sp>
+      <p:sp>
+        <p:nvSpPr>
+          <p:cNvPr id="9" name="TextBox 8">
+            <a:extLst>
+              <a:ext uri="{FF2B5EF4-FFF2-40B4-BE49-F238E27FC236}">
+                <a16:creationId xmlns:a16="http://schemas.microsoft.com/office/drawing/2014/main" id="{910E734F-8298-48DF-9657-AA598445572F}"/>
+              </a:ext>
+            </a:extLst>
+          </p:cNvPr>
+          <p:cNvSpPr txBox="1"/>
+          <p:nvPr/>
+        </p:nvSpPr>
+        <p:spPr>
+          <a:xfrm>
+            <a:off x="749300" y="1098928"/>
+            <a:ext cx="10604500" cy="2308324"/>
+          </a:xfrm>
+          <a:prstGeom prst="rect">
+            <a:avLst/>
+          </a:prstGeom>
+          <a:noFill/>
+        </p:spPr>
+        <p:txBody>
+          <a:bodyPr wrap="square">
+            <a:spAutoFit/>
+          </a:bodyPr>
+          <a:lstStyle/>
+          <a:p>
+            <a:r>
+              <a:rPr lang="fr-BE" dirty="0" err="1"/>
+              <a:t>Trytond</a:t>
+            </a:r>
+            <a:r>
+              <a:rPr lang="fr-BE" dirty="0"/>
+              <a:t> Documentation</a:t>
+            </a:r>
+            <a:br>
+              <a:rPr lang="fr-BE" dirty="0"/>
+            </a:br>
+            <a:r>
+              <a:rPr lang="fr-BE" dirty="0"/>
+              <a:t>[</a:t>
+            </a:r>
+            <a:r>
+              <a:rPr lang="fr-BE" dirty="0">
+                <a:hlinkClick r:id="rId2"/>
+              </a:rPr>
+              <a:t>https://readthedocs.org/projects/trytond/downloads/pdf/latest/</a:t>
+            </a:r>
+            <a:r>
+              <a:rPr lang="fr-BE" dirty="0"/>
+              <a:t>]</a:t>
+            </a:r>
+          </a:p>
+          <a:p>
+            <a:endParaRPr lang="fr-BE" dirty="0"/>
+          </a:p>
+          <a:p>
+            <a:r>
+              <a:rPr lang="fr-BE" dirty="0"/>
+              <a:t>[</a:t>
+            </a:r>
+            <a:r>
+              <a:rPr lang="fr-BE" dirty="0">
+                <a:hlinkClick r:id="rId3"/>
+              </a:rPr>
+              <a:t>https://trytond.readthedocs.io/en/latest/</a:t>
+            </a:r>
+            <a:r>
+              <a:rPr lang="fr-BE" dirty="0"/>
+              <a:t>]</a:t>
+            </a:r>
+          </a:p>
+          <a:p>
+            <a:r>
+              <a:rPr lang="fr-BE" dirty="0"/>
+              <a:t>[</a:t>
+            </a:r>
+            <a:r>
+              <a:rPr lang="fr-BE" dirty="0">
+                <a:hlinkClick r:id="rId4"/>
+              </a:rPr>
+              <a:t>https://tryton.readthedocs.io/en/latest/</a:t>
+            </a:r>
+            <a:r>
+              <a:rPr lang="fr-BE" dirty="0"/>
+              <a:t>]</a:t>
+            </a:r>
+          </a:p>
+          <a:p>
+            <a:r>
+              <a:rPr lang="fr-BE" dirty="0"/>
+              <a:t>[</a:t>
+            </a:r>
+            <a:r>
+              <a:rPr lang="fr-BE" dirty="0">
+                <a:hlinkClick r:id="rId5"/>
+              </a:rPr>
+              <a:t>http://hg.tryton.org/readthedocs/</a:t>
+            </a:r>
+            <a:r>
+              <a:rPr lang="fr-BE" dirty="0"/>
+              <a:t>]</a:t>
+            </a:r>
+          </a:p>
+          <a:p>
+            <a:r>
+              <a:rPr lang="fr-BE" dirty="0"/>
+              <a:t>[</a:t>
+            </a:r>
+            <a:r>
+              <a:rPr lang="fr-BE" dirty="0">
+                <a:hlinkClick r:id="rId6"/>
+              </a:rPr>
+              <a:t>https://docs.readthedocs.io/en/latest/subprojects.html</a:t>
+            </a:r>
+            <a:r>
+              <a:rPr lang="fr-BE" dirty="0"/>
+              <a:t>]</a:t>
+            </a:r>
+          </a:p>
+          <a:p>
+            <a:r>
+              <a:rPr lang="fr-BE" dirty="0"/>
+              <a:t>[</a:t>
+            </a:r>
+            <a:r>
+              <a:rPr lang="fr-BE" dirty="0">
+                <a:hlinkClick r:id="rId7"/>
+              </a:rPr>
+              <a:t>https://docs.readthedocs.io/en/latest/alternate_domains.html</a:t>
+            </a:r>
+            <a:r>
+              <a:rPr lang="fr-BE" dirty="0"/>
+              <a:t>]</a:t>
+            </a:r>
+          </a:p>
+        </p:txBody>
+      </p:sp>
+      <p:sp>
+        <p:nvSpPr>
+          <p:cNvPr id="4" name="Slide Number Placeholder 3">
+            <a:extLst>
+              <a:ext uri="{FF2B5EF4-FFF2-40B4-BE49-F238E27FC236}">
+                <a16:creationId xmlns:a16="http://schemas.microsoft.com/office/drawing/2014/main" id="{89FD420A-27AF-4FCC-8602-C9AB4F3056EC}"/>
+              </a:ext>
+            </a:extLst>
+          </p:cNvPr>
+          <p:cNvSpPr>
+            <a:spLocks noGrp="1"/>
+          </p:cNvSpPr>
+          <p:nvPr>
+            <p:ph type="sldNum" sz="quarter" idx="12"/>
+          </p:nvPr>
+        </p:nvSpPr>
+        <p:spPr>
+          <a:xfrm rot="16200000">
+            <a:off x="-40341" y="6146519"/>
+            <a:ext cx="842683" cy="365125"/>
+          </a:xfrm>
+        </p:spPr>
+        <p:txBody>
+          <a:bodyPr/>
+          <a:lstStyle/>
+          <a:p>
+            <a:fld id="{69D2CCA8-53B9-41C4-8716-EA9CD8A55276}" type="slidenum">
+              <a:rPr lang="en-BE" smtClean="0"/>
+              <a:t>90</a:t>
+            </a:fld>
+            <a:endParaRPr lang="en-BE"/>
+          </a:p>
+        </p:txBody>
+      </p:sp>
+      <p:sp>
+        <p:nvSpPr>
+          <p:cNvPr id="5" name="Rectangle 4">
+            <a:extLst>
+              <a:ext uri="{FF2B5EF4-FFF2-40B4-BE49-F238E27FC236}">
+                <a16:creationId xmlns:a16="http://schemas.microsoft.com/office/drawing/2014/main" id="{4E9D4968-5894-46D8-9B53-5A7AC99618E7}"/>
+              </a:ext>
+            </a:extLst>
+          </p:cNvPr>
+          <p:cNvSpPr/>
+          <p:nvPr/>
+        </p:nvSpPr>
+        <p:spPr>
+          <a:xfrm>
+            <a:off x="11728938" y="6453554"/>
+            <a:ext cx="463062" cy="404446"/>
+          </a:xfrm>
+          <a:prstGeom prst="rect">
+            <a:avLst/>
+          </a:prstGeom>
+          <a:solidFill>
+            <a:srgbClr val="92D050"/>
+          </a:solidFill>
+          <a:ln>
+            <a:noFill/>
+          </a:ln>
+        </p:spPr>
+        <p:style>
+          <a:lnRef idx="2">
+            <a:schemeClr val="accent1">
+              <a:shade val="50000"/>
+            </a:schemeClr>
+          </a:lnRef>
+          <a:fillRef idx="1">
+            <a:schemeClr val="accent1"/>
+          </a:fillRef>
+          <a:effectRef idx="0">
+            <a:schemeClr val="accent1"/>
+          </a:effectRef>
+          <a:fontRef idx="minor">
+            <a:schemeClr val="lt1"/>
+          </a:fontRef>
+        </p:style>
+        <p:txBody>
+          <a:bodyPr rtlCol="0" anchor="ctr"/>
+          <a:lstStyle/>
+          <a:p>
+            <a:pPr algn="ctr"/>
+            <a:endParaRPr lang="en-BE"/>
+          </a:p>
+        </p:txBody>
+      </p:sp>
+    </p:spTree>
+    <p:extLst>
+      <p:ext uri="{BB962C8B-B14F-4D97-AF65-F5344CB8AC3E}">
+        <p14:creationId xmlns:p14="http://schemas.microsoft.com/office/powerpoint/2010/main" val="1400368836"/>
+      </p:ext>
+    </p:extLst>
+  </p:cSld>
+  <p:clrMapOvr>
+    <a:masterClrMapping/>
+  </p:clrMapOvr>
+</p:sld>
+</file>
+
+<file path=ppt/slides/slide91.xml><?xml version="1.0" encoding="utf-8"?>
+<p:sld xmlns:a="http://schemas.openxmlformats.org/drawingml/2006/main" xmlns:r="http://schemas.openxmlformats.org/officeDocument/2006/relationships" xmlns:p="http://schemas.openxmlformats.org/presentationml/2006/main">
+  <p:cSld>
+    <p:spTree>
+      <p:nvGrpSpPr>
+        <p:cNvPr id="1" name=""/>
+        <p:cNvGrpSpPr/>
+        <p:nvPr/>
+      </p:nvGrpSpPr>
+      <p:grpSpPr>
+        <a:xfrm>
+          <a:off x="0" y="0"/>
+          <a:ext cx="0" cy="0"/>
+          <a:chOff x="0" y="0"/>
+          <a:chExt cx="0" cy="0"/>
+        </a:xfrm>
+      </p:grpSpPr>
+      <p:sp>
+        <p:nvSpPr>
+          <p:cNvPr id="6" name="Title 5">
+            <a:extLst>
+              <a:ext uri="{FF2B5EF4-FFF2-40B4-BE49-F238E27FC236}">
+                <a16:creationId xmlns:a16="http://schemas.microsoft.com/office/drawing/2014/main" id="{58602178-544B-4666-8E9B-555376EB72FA}"/>
+              </a:ext>
+            </a:extLst>
+          </p:cNvPr>
+          <p:cNvSpPr>
+            <a:spLocks noGrp="1"/>
+          </p:cNvSpPr>
+          <p:nvPr>
+            <p:ph type="title"/>
+          </p:nvPr>
+        </p:nvSpPr>
+        <p:spPr/>
+        <p:txBody>
+          <a:bodyPr/>
+          <a:lstStyle/>
+          <a:p>
+            <a:r>
+              <a:rPr lang="fr-BE" dirty="0" err="1"/>
+              <a:t>Other</a:t>
+            </a:r>
+            <a:r>
+              <a:rPr lang="fr-BE" dirty="0"/>
+              <a:t> sources</a:t>
+            </a:r>
+            <a:endParaRPr lang="en-BE" dirty="0"/>
+          </a:p>
+        </p:txBody>
+      </p:sp>
+      <p:sp>
+        <p:nvSpPr>
+          <p:cNvPr id="9" name="TextBox 8">
+            <a:extLst>
+              <a:ext uri="{FF2B5EF4-FFF2-40B4-BE49-F238E27FC236}">
+                <a16:creationId xmlns:a16="http://schemas.microsoft.com/office/drawing/2014/main" id="{910E734F-8298-48DF-9657-AA598445572F}"/>
+              </a:ext>
+            </a:extLst>
+          </p:cNvPr>
+          <p:cNvSpPr txBox="1"/>
+          <p:nvPr/>
+        </p:nvSpPr>
+        <p:spPr>
+          <a:xfrm>
+            <a:off x="749300" y="1098928"/>
+            <a:ext cx="10604500" cy="1477328"/>
+          </a:xfrm>
+          <a:prstGeom prst="rect">
+            <a:avLst/>
+          </a:prstGeom>
+          <a:noFill/>
+        </p:spPr>
+        <p:txBody>
+          <a:bodyPr wrap="square">
+            <a:spAutoFit/>
+          </a:bodyPr>
+          <a:lstStyle/>
+          <a:p>
+            <a:r>
+              <a:rPr lang="fr-BE" dirty="0" err="1"/>
+              <a:t>Github</a:t>
+            </a:r>
+            <a:br>
+              <a:rPr lang="fr-BE" dirty="0"/>
+            </a:br>
+            <a:r>
+              <a:rPr lang="fr-BE" dirty="0"/>
+              <a:t>[</a:t>
+            </a:r>
+            <a:r>
+              <a:rPr lang="fr-BE" dirty="0">
+                <a:hlinkClick r:id="rId2"/>
+              </a:rPr>
+              <a:t>https://github.com/tryton</a:t>
+            </a:r>
+            <a:r>
+              <a:rPr lang="fr-BE" dirty="0"/>
+              <a:t>]</a:t>
+            </a:r>
+          </a:p>
+          <a:p>
+            <a:endParaRPr lang="fr-BE" dirty="0"/>
+          </a:p>
+          <a:p>
+            <a:r>
+              <a:rPr lang="fr-BE" dirty="0"/>
+              <a:t>Downloads</a:t>
+            </a:r>
+          </a:p>
+          <a:p>
+            <a:r>
+              <a:rPr lang="fr-BE" dirty="0"/>
+              <a:t>[</a:t>
+            </a:r>
+            <a:r>
+              <a:rPr lang="fr-BE" dirty="0">
+                <a:hlinkClick r:id="rId3"/>
+              </a:rPr>
+              <a:t>https://downloads.tryton.org/</a:t>
+            </a:r>
+            <a:r>
+              <a:rPr lang="fr-BE" dirty="0"/>
+              <a:t>]</a:t>
+            </a:r>
+          </a:p>
+        </p:txBody>
+      </p:sp>
+      <p:sp>
+        <p:nvSpPr>
+          <p:cNvPr id="4" name="Slide Number Placeholder 3">
+            <a:extLst>
+              <a:ext uri="{FF2B5EF4-FFF2-40B4-BE49-F238E27FC236}">
+                <a16:creationId xmlns:a16="http://schemas.microsoft.com/office/drawing/2014/main" id="{89FD420A-27AF-4FCC-8602-C9AB4F3056EC}"/>
+              </a:ext>
+            </a:extLst>
+          </p:cNvPr>
+          <p:cNvSpPr>
+            <a:spLocks noGrp="1"/>
+          </p:cNvSpPr>
+          <p:nvPr>
+            <p:ph type="sldNum" sz="quarter" idx="12"/>
+          </p:nvPr>
+        </p:nvSpPr>
+        <p:spPr>
+          <a:xfrm rot="16200000">
+            <a:off x="-40341" y="6146519"/>
+            <a:ext cx="842683" cy="365125"/>
+          </a:xfrm>
+        </p:spPr>
+        <p:txBody>
+          <a:bodyPr/>
+          <a:lstStyle/>
+          <a:p>
+            <a:fld id="{69D2CCA8-53B9-41C4-8716-EA9CD8A55276}" type="slidenum">
+              <a:rPr lang="en-BE" smtClean="0"/>
+              <a:t>91</a:t>
+            </a:fld>
+            <a:endParaRPr lang="en-BE"/>
+          </a:p>
+        </p:txBody>
+      </p:sp>
+      <p:sp>
+        <p:nvSpPr>
+          <p:cNvPr id="5" name="Rectangle 4">
+            <a:extLst>
+              <a:ext uri="{FF2B5EF4-FFF2-40B4-BE49-F238E27FC236}">
+                <a16:creationId xmlns:a16="http://schemas.microsoft.com/office/drawing/2014/main" id="{4E9D4968-5894-46D8-9B53-5A7AC99618E7}"/>
+              </a:ext>
+            </a:extLst>
+          </p:cNvPr>
+          <p:cNvSpPr/>
+          <p:nvPr/>
+        </p:nvSpPr>
+        <p:spPr>
+          <a:xfrm>
+            <a:off x="11728938" y="6453554"/>
+            <a:ext cx="463062" cy="404446"/>
+          </a:xfrm>
+          <a:prstGeom prst="rect">
+            <a:avLst/>
+          </a:prstGeom>
+          <a:solidFill>
+            <a:srgbClr val="92D050"/>
+          </a:solidFill>
+          <a:ln>
+            <a:noFill/>
+          </a:ln>
+        </p:spPr>
+        <p:style>
+          <a:lnRef idx="2">
+            <a:schemeClr val="accent1">
+              <a:shade val="50000"/>
+            </a:schemeClr>
+          </a:lnRef>
+          <a:fillRef idx="1">
+            <a:schemeClr val="accent1"/>
+          </a:fillRef>
+          <a:effectRef idx="0">
+            <a:schemeClr val="accent1"/>
+          </a:effectRef>
+          <a:fontRef idx="minor">
+            <a:schemeClr val="lt1"/>
+          </a:fontRef>
+        </p:style>
+        <p:txBody>
+          <a:bodyPr rtlCol="0" anchor="ctr"/>
+          <a:lstStyle/>
+          <a:p>
+            <a:pPr algn="ctr"/>
+            <a:endParaRPr lang="en-BE"/>
+          </a:p>
+        </p:txBody>
+      </p:sp>
+    </p:spTree>
+    <p:extLst>
+      <p:ext uri="{BB962C8B-B14F-4D97-AF65-F5344CB8AC3E}">
+        <p14:creationId xmlns:p14="http://schemas.microsoft.com/office/powerpoint/2010/main" val="184625206"/>
       </p:ext>
     </p:extLst>
   </p:cSld>

--- a/Tryton 6.0 - Doc 00.01 - Installation & administration.pptx
+++ b/Tryton 6.0 - Doc 00.01 - Installation & administration.pptx
@@ -5,10 +5,10 @@
     <p:sldMasterId id="2147483648" r:id="rId1"/>
   </p:sldMasterIdLst>
   <p:notesMasterIdLst>
-    <p:notesMasterId r:id="rId93"/>
+    <p:notesMasterId r:id="rId94"/>
   </p:notesMasterIdLst>
   <p:handoutMasterIdLst>
-    <p:handoutMasterId r:id="rId94"/>
+    <p:handoutMasterId r:id="rId95"/>
   </p:handoutMasterIdLst>
   <p:sldIdLst>
     <p:sldId id="372" r:id="rId2"/>
@@ -57,51 +57,52 @@
     <p:sldId id="847" r:id="rId45"/>
     <p:sldId id="861" r:id="rId46"/>
     <p:sldId id="862" r:id="rId47"/>
-    <p:sldId id="859" r:id="rId48"/>
-    <p:sldId id="581" r:id="rId49"/>
-    <p:sldId id="330" r:id="rId50"/>
-    <p:sldId id="331" r:id="rId51"/>
-    <p:sldId id="843" r:id="rId52"/>
-    <p:sldId id="335" r:id="rId53"/>
-    <p:sldId id="333" r:id="rId54"/>
-    <p:sldId id="360" r:id="rId55"/>
-    <p:sldId id="582" r:id="rId56"/>
-    <p:sldId id="741" r:id="rId57"/>
-    <p:sldId id="583" r:id="rId58"/>
-    <p:sldId id="844" r:id="rId59"/>
-    <p:sldId id="337" r:id="rId60"/>
-    <p:sldId id="848" r:id="rId61"/>
-    <p:sldId id="807" r:id="rId62"/>
-    <p:sldId id="808" r:id="rId63"/>
-    <p:sldId id="810" r:id="rId64"/>
-    <p:sldId id="811" r:id="rId65"/>
-    <p:sldId id="751" r:id="rId66"/>
-    <p:sldId id="738" r:id="rId67"/>
-    <p:sldId id="748" r:id="rId68"/>
-    <p:sldId id="768" r:id="rId69"/>
-    <p:sldId id="774" r:id="rId70"/>
-    <p:sldId id="853" r:id="rId71"/>
-    <p:sldId id="775" r:id="rId72"/>
-    <p:sldId id="769" r:id="rId73"/>
-    <p:sldId id="812" r:id="rId74"/>
-    <p:sldId id="773" r:id="rId75"/>
-    <p:sldId id="771" r:id="rId76"/>
-    <p:sldId id="813" r:id="rId77"/>
-    <p:sldId id="788" r:id="rId78"/>
-    <p:sldId id="856" r:id="rId79"/>
-    <p:sldId id="777" r:id="rId80"/>
-    <p:sldId id="857" r:id="rId81"/>
-    <p:sldId id="328" r:id="rId82"/>
-    <p:sldId id="860" r:id="rId83"/>
-    <p:sldId id="863" r:id="rId84"/>
-    <p:sldId id="814" r:id="rId85"/>
-    <p:sldId id="815" r:id="rId86"/>
-    <p:sldId id="834" r:id="rId87"/>
-    <p:sldId id="831" r:id="rId88"/>
-    <p:sldId id="663" r:id="rId89"/>
-    <p:sldId id="584" r:id="rId90"/>
-    <p:sldId id="829" r:id="rId91"/>
-    <p:sldId id="828" r:id="rId92"/>
+    <p:sldId id="864" r:id="rId48"/>
+    <p:sldId id="337" r:id="rId49"/>
+    <p:sldId id="848" r:id="rId50"/>
+    <p:sldId id="859" r:id="rId51"/>
+    <p:sldId id="581" r:id="rId52"/>
+    <p:sldId id="330" r:id="rId53"/>
+    <p:sldId id="331" r:id="rId54"/>
+    <p:sldId id="843" r:id="rId55"/>
+    <p:sldId id="335" r:id="rId56"/>
+    <p:sldId id="333" r:id="rId57"/>
+    <p:sldId id="360" r:id="rId58"/>
+    <p:sldId id="582" r:id="rId59"/>
+    <p:sldId id="741" r:id="rId60"/>
+    <p:sldId id="583" r:id="rId61"/>
+    <p:sldId id="844" r:id="rId62"/>
+    <p:sldId id="807" r:id="rId63"/>
+    <p:sldId id="808" r:id="rId64"/>
+    <p:sldId id="810" r:id="rId65"/>
+    <p:sldId id="811" r:id="rId66"/>
+    <p:sldId id="751" r:id="rId67"/>
+    <p:sldId id="738" r:id="rId68"/>
+    <p:sldId id="748" r:id="rId69"/>
+    <p:sldId id="768" r:id="rId70"/>
+    <p:sldId id="774" r:id="rId71"/>
+    <p:sldId id="853" r:id="rId72"/>
+    <p:sldId id="775" r:id="rId73"/>
+    <p:sldId id="769" r:id="rId74"/>
+    <p:sldId id="812" r:id="rId75"/>
+    <p:sldId id="773" r:id="rId76"/>
+    <p:sldId id="771" r:id="rId77"/>
+    <p:sldId id="813" r:id="rId78"/>
+    <p:sldId id="788" r:id="rId79"/>
+    <p:sldId id="856" r:id="rId80"/>
+    <p:sldId id="777" r:id="rId81"/>
+    <p:sldId id="857" r:id="rId82"/>
+    <p:sldId id="328" r:id="rId83"/>
+    <p:sldId id="860" r:id="rId84"/>
+    <p:sldId id="863" r:id="rId85"/>
+    <p:sldId id="814" r:id="rId86"/>
+    <p:sldId id="815" r:id="rId87"/>
+    <p:sldId id="834" r:id="rId88"/>
+    <p:sldId id="831" r:id="rId89"/>
+    <p:sldId id="663" r:id="rId90"/>
+    <p:sldId id="584" r:id="rId91"/>
+    <p:sldId id="829" r:id="rId92"/>
+    <p:sldId id="828" r:id="rId93"/>
   </p:sldIdLst>
   <p:sldSz cx="12192000" cy="6858000"/>
   <p:notesSz cx="6858000" cy="9144000"/>
@@ -295,6 +296,13 @@
           <p14:sldIdLst>
             <p14:sldId id="861"/>
             <p14:sldId id="862"/>
+            <p14:sldId id="864"/>
+          </p14:sldIdLst>
+        </p14:section>
+        <p14:section name="System Reboot" id="{8A2F1F17-5033-40FF-8766-A20D6796AC3C}">
+          <p14:sldIdLst>
+            <p14:sldId id="337"/>
+            <p14:sldId id="848"/>
           </p14:sldIdLst>
         </p14:section>
         <p14:section name="User Interface" id="{5E0AB994-A08C-496C-8ED9-438238FF700F}">
@@ -311,12 +319,6 @@
             <p14:sldId id="741"/>
             <p14:sldId id="583"/>
             <p14:sldId id="844"/>
-          </p14:sldIdLst>
-        </p14:section>
-        <p14:section name="System Reboot" id="{8A2F1F17-5033-40FF-8766-A20D6796AC3C}">
-          <p14:sldIdLst>
-            <p14:sldId id="337"/>
-            <p14:sldId id="848"/>
           </p14:sldIdLst>
         </p14:section>
         <p14:section name="Database Operations" id="{8CEB07D3-61EC-4D3E-AB94-E52960765FA3}">
@@ -484,7 +486,7 @@
           <a:p>
             <a:fld id="{1888941B-6604-4841-9FBD-A94850160ED1}" type="datetimeFigureOut">
               <a:rPr lang="en-BE" smtClean="0"/>
-              <a:t>12/05/2021</a:t>
+              <a:t>15/05/2021</a:t>
             </a:fld>
             <a:endParaRPr lang="en-BE"/>
           </a:p>
@@ -661,7 +663,7 @@
           <a:p>
             <a:fld id="{F8FD9220-3D18-4077-BD0E-AFA621EE8E9B}" type="datetimeFigureOut">
               <a:rPr lang="en-BE" smtClean="0"/>
-              <a:t>12/05/2021</a:t>
+              <a:t>15/05/2021</a:t>
             </a:fld>
             <a:endParaRPr lang="en-BE"/>
           </a:p>
@@ -5270,145 +5272,6 @@
       </p:grpSpPr>
       <p:sp>
         <p:nvSpPr>
-          <p:cNvPr id="2" name="Title 1">
-            <a:extLst>
-              <a:ext uri="{FF2B5EF4-FFF2-40B4-BE49-F238E27FC236}">
-                <a16:creationId xmlns:a16="http://schemas.microsoft.com/office/drawing/2014/main" id="{A5AABBF0-44BB-4BD7-BF73-1C1B53AB85BF}"/>
-              </a:ext>
-            </a:extLst>
-          </p:cNvPr>
-          <p:cNvSpPr>
-            <a:spLocks noGrp="1"/>
-          </p:cNvSpPr>
-          <p:nvPr>
-            <p:ph type="ctrTitle"/>
-          </p:nvPr>
-        </p:nvSpPr>
-        <p:spPr>
-          <a:xfrm>
-            <a:off x="1367712" y="1754934"/>
-            <a:ext cx="9456576" cy="2417607"/>
-          </a:xfrm>
-        </p:spPr>
-        <p:txBody>
-          <a:bodyPr>
-            <a:noAutofit/>
-          </a:bodyPr>
-          <a:lstStyle/>
-          <a:p>
-            <a:r>
-              <a:rPr lang="fr-BE" sz="3200" dirty="0"/>
-              <a:t>-</a:t>
-            </a:r>
-            <a:br>
-              <a:rPr lang="fr-BE" sz="3200" dirty="0"/>
-            </a:br>
-            <a:r>
-              <a:rPr lang="fr-BE" sz="3200" dirty="0" err="1"/>
-              <a:t>Tryton</a:t>
-            </a:r>
-            <a:r>
-              <a:rPr lang="fr-BE" sz="3200" dirty="0"/>
-              <a:t> installation &amp; usage</a:t>
-            </a:r>
-            <a:br>
-              <a:rPr lang="fr-BE" sz="3200" dirty="0"/>
-            </a:br>
-            <a:r>
-              <a:rPr lang="fr-BE" sz="3200" dirty="0"/>
-              <a:t>for first time </a:t>
-            </a:r>
-            <a:r>
-              <a:rPr lang="fr-BE" sz="3200" dirty="0" err="1"/>
-              <a:t>administrators</a:t>
-            </a:r>
-            <a:r>
-              <a:rPr lang="fr-BE" sz="3200" dirty="0"/>
-              <a:t> &amp; </a:t>
-            </a:r>
-            <a:r>
-              <a:rPr lang="fr-BE" sz="3200" dirty="0" err="1"/>
-              <a:t>users</a:t>
-            </a:r>
-            <a:br>
-              <a:rPr lang="fr-BE" sz="3200" dirty="0"/>
-            </a:br>
-            <a:r>
-              <a:rPr lang="fr-BE" sz="3200" dirty="0"/>
-              <a:t>-</a:t>
-            </a:r>
-            <a:br>
-              <a:rPr lang="fr-BE" sz="3200" dirty="0"/>
-            </a:br>
-            <a:r>
-              <a:rPr lang="fr-BE" sz="3200" dirty="0"/>
-              <a:t>Installation &amp; Administration</a:t>
-            </a:r>
-            <a:endParaRPr lang="en-BE" sz="3200" dirty="0"/>
-          </a:p>
-        </p:txBody>
-      </p:sp>
-      <p:sp>
-        <p:nvSpPr>
-          <p:cNvPr id="5" name="Title 1">
-            <a:extLst>
-              <a:ext uri="{FF2B5EF4-FFF2-40B4-BE49-F238E27FC236}">
-                <a16:creationId xmlns:a16="http://schemas.microsoft.com/office/drawing/2014/main" id="{F269517D-732B-4D84-9B4F-28060F942E22}"/>
-              </a:ext>
-            </a:extLst>
-          </p:cNvPr>
-          <p:cNvSpPr txBox="1">
-            <a:spLocks/>
-          </p:cNvSpPr>
-          <p:nvPr/>
-        </p:nvSpPr>
-        <p:spPr>
-          <a:xfrm>
-            <a:off x="1524000" y="589604"/>
-            <a:ext cx="9144000" cy="1011237"/>
-          </a:xfrm>
-          <a:prstGeom prst="rect">
-            <a:avLst/>
-          </a:prstGeom>
-        </p:spPr>
-        <p:txBody>
-          <a:bodyPr vert="horz" lIns="91440" tIns="45720" rIns="91440" bIns="45720" rtlCol="0" anchor="b">
-            <a:normAutofit fontScale="97500"/>
-          </a:bodyPr>
-          <a:lstStyle>
-            <a:lvl1pPr algn="ctr" defTabSz="914400" rtl="0" eaLnBrk="1" latinLnBrk="0" hangingPunct="1">
-              <a:lnSpc>
-                <a:spcPct val="90000"/>
-              </a:lnSpc>
-              <a:spcBef>
-                <a:spcPct val="0"/>
-              </a:spcBef>
-              <a:buNone/>
-              <a:defRPr sz="6000" kern="1200">
-                <a:solidFill>
-                  <a:schemeClr val="tx1"/>
-                </a:solidFill>
-                <a:latin typeface="+mj-lt"/>
-                <a:ea typeface="+mj-ea"/>
-                <a:cs typeface="+mj-cs"/>
-              </a:defRPr>
-            </a:lvl1pPr>
-          </a:lstStyle>
-          <a:p>
-            <a:r>
-              <a:rPr lang="fr-BE" sz="4800" dirty="0" err="1"/>
-              <a:t>Tryton</a:t>
-            </a:r>
-            <a:r>
-              <a:rPr lang="fr-BE" sz="4800" dirty="0"/>
-              <a:t> By Example</a:t>
-            </a:r>
-            <a:endParaRPr lang="en-BE" sz="4800" dirty="0"/>
-          </a:p>
-        </p:txBody>
-      </p:sp>
-      <p:sp>
-        <p:nvSpPr>
           <p:cNvPr id="7" name="Slide Number Placeholder 6">
             <a:extLst>
               <a:ext uri="{FF2B5EF4-FFF2-40B4-BE49-F238E27FC236}">
@@ -5663,6 +5526,122 @@
           <a:p>
             <a:pPr algn="l"/>
             <a:endParaRPr lang="en-BE" sz="1800" dirty="0"/>
+          </a:p>
+        </p:txBody>
+      </p:sp>
+      <p:sp>
+        <p:nvSpPr>
+          <p:cNvPr id="10" name="Title 1">
+            <a:extLst>
+              <a:ext uri="{FF2B5EF4-FFF2-40B4-BE49-F238E27FC236}">
+                <a16:creationId xmlns:a16="http://schemas.microsoft.com/office/drawing/2014/main" id="{61EA10B0-941D-4F1D-8ACE-7AE4F6EE8348}"/>
+              </a:ext>
+            </a:extLst>
+          </p:cNvPr>
+          <p:cNvSpPr txBox="1">
+            <a:spLocks/>
+          </p:cNvSpPr>
+          <p:nvPr/>
+        </p:nvSpPr>
+        <p:spPr>
+          <a:xfrm>
+            <a:off x="1235827" y="923712"/>
+            <a:ext cx="9456576" cy="1011237"/>
+          </a:xfrm>
+          <a:prstGeom prst="rect">
+            <a:avLst/>
+          </a:prstGeom>
+        </p:spPr>
+        <p:txBody>
+          <a:bodyPr vert="horz" lIns="91440" tIns="45720" rIns="91440" bIns="45720" rtlCol="0" anchor="b">
+            <a:normAutofit fontScale="97500"/>
+          </a:bodyPr>
+          <a:lstStyle>
+            <a:lvl1pPr algn="ctr" defTabSz="914400" rtl="0" eaLnBrk="1" latinLnBrk="0" hangingPunct="1">
+              <a:lnSpc>
+                <a:spcPct val="90000"/>
+              </a:lnSpc>
+              <a:spcBef>
+                <a:spcPct val="0"/>
+              </a:spcBef>
+              <a:buNone/>
+              <a:defRPr sz="6000" kern="1200">
+                <a:solidFill>
+                  <a:schemeClr val="tx1"/>
+                </a:solidFill>
+                <a:latin typeface="+mj-lt"/>
+                <a:ea typeface="+mj-ea"/>
+                <a:cs typeface="+mj-cs"/>
+              </a:defRPr>
+            </a:lvl1pPr>
+          </a:lstStyle>
+          <a:p>
+            <a:r>
+              <a:rPr lang="fr-BE" sz="4800" dirty="0" err="1"/>
+              <a:t>Tryton</a:t>
+            </a:r>
+            <a:r>
+              <a:rPr lang="fr-BE" sz="4800" dirty="0"/>
+              <a:t> By Example</a:t>
+            </a:r>
+            <a:endParaRPr lang="en-BE" sz="4800" dirty="0"/>
+          </a:p>
+        </p:txBody>
+      </p:sp>
+      <p:sp>
+        <p:nvSpPr>
+          <p:cNvPr id="11" name="Title 1">
+            <a:extLst>
+              <a:ext uri="{FF2B5EF4-FFF2-40B4-BE49-F238E27FC236}">
+                <a16:creationId xmlns:a16="http://schemas.microsoft.com/office/drawing/2014/main" id="{132F65A5-5E9E-466E-ACAF-068D8A3E3458}"/>
+              </a:ext>
+            </a:extLst>
+          </p:cNvPr>
+          <p:cNvSpPr>
+            <a:spLocks noGrp="1"/>
+          </p:cNvSpPr>
+          <p:nvPr>
+            <p:ph type="ctrTitle"/>
+          </p:nvPr>
+        </p:nvSpPr>
+        <p:spPr>
+          <a:xfrm>
+            <a:off x="1235827" y="2297015"/>
+            <a:ext cx="9456576" cy="1684595"/>
+          </a:xfrm>
+        </p:spPr>
+        <p:txBody>
+          <a:bodyPr>
+            <a:noAutofit/>
+          </a:bodyPr>
+          <a:lstStyle/>
+          <a:p>
+            <a:r>
+              <a:rPr lang="fr-BE" sz="3200" dirty="0"/>
+              <a:t>-</a:t>
+            </a:r>
+            <a:br>
+              <a:rPr lang="fr-BE" sz="3200" dirty="0"/>
+            </a:br>
+            <a:r>
+              <a:rPr lang="fr-BE" sz="3200" dirty="0"/>
+              <a:t>First time installation &amp; usage</a:t>
+            </a:r>
+            <a:br>
+              <a:rPr lang="fr-BE" sz="3200" dirty="0"/>
+            </a:br>
+            <a:r>
+              <a:rPr lang="fr-BE" sz="3200" dirty="0"/>
+              <a:t>-</a:t>
+            </a:r>
+            <a:br>
+              <a:rPr lang="fr-BE" sz="3200" dirty="0"/>
+            </a:br>
+            <a:r>
+              <a:rPr lang="fr-BE" sz="3200" dirty="0"/>
+              <a:t>Administration</a:t>
+            </a:r>
+            <a:endParaRPr lang="en-BE" sz="3200" dirty="0"/>
           </a:p>
         </p:txBody>
       </p:sp>
@@ -24704,6 +24683,114 @@
       </p:grpSpPr>
       <p:sp>
         <p:nvSpPr>
+          <p:cNvPr id="30" name="Rectangle: Rounded Corners 29">
+            <a:extLst>
+              <a:ext uri="{FF2B5EF4-FFF2-40B4-BE49-F238E27FC236}">
+                <a16:creationId xmlns:a16="http://schemas.microsoft.com/office/drawing/2014/main" id="{07D51C75-992E-4737-8B29-24935DFFC68C}"/>
+              </a:ext>
+            </a:extLst>
+          </p:cNvPr>
+          <p:cNvSpPr/>
+          <p:nvPr/>
+        </p:nvSpPr>
+        <p:spPr>
+          <a:xfrm>
+            <a:off x="1774372" y="5954583"/>
+            <a:ext cx="8571417" cy="847553"/>
+          </a:xfrm>
+          <a:prstGeom prst="roundRect">
+            <a:avLst>
+              <a:gd name="adj" fmla="val 8328"/>
+            </a:avLst>
+          </a:prstGeom>
+          <a:solidFill>
+            <a:schemeClr val="accent6">
+              <a:lumMod val="40000"/>
+              <a:lumOff val="60000"/>
+            </a:schemeClr>
+          </a:solidFill>
+        </p:spPr>
+        <p:style>
+          <a:lnRef idx="2">
+            <a:schemeClr val="accent1">
+              <a:shade val="50000"/>
+            </a:schemeClr>
+          </a:lnRef>
+          <a:fillRef idx="1">
+            <a:schemeClr val="accent1"/>
+          </a:fillRef>
+          <a:effectRef idx="0">
+            <a:schemeClr val="accent1"/>
+          </a:effectRef>
+          <a:fontRef idx="minor">
+            <a:schemeClr val="lt1"/>
+          </a:fontRef>
+        </p:style>
+        <p:txBody>
+          <a:bodyPr rtlCol="0" anchor="ctr"/>
+          <a:lstStyle/>
+          <a:p>
+            <a:pPr algn="ctr"/>
+            <a:endParaRPr lang="en-BE"/>
+          </a:p>
+        </p:txBody>
+      </p:sp>
+      <p:sp>
+        <p:nvSpPr>
+          <p:cNvPr id="29" name="Rectangle: Rounded Corners 28">
+            <a:extLst>
+              <a:ext uri="{FF2B5EF4-FFF2-40B4-BE49-F238E27FC236}">
+                <a16:creationId xmlns:a16="http://schemas.microsoft.com/office/drawing/2014/main" id="{15716F20-2FAD-4833-813F-9D5803C24467}"/>
+              </a:ext>
+            </a:extLst>
+          </p:cNvPr>
+          <p:cNvSpPr/>
+          <p:nvPr/>
+        </p:nvSpPr>
+        <p:spPr>
+          <a:xfrm>
+            <a:off x="6922320" y="2691247"/>
+            <a:ext cx="3413079" cy="3158836"/>
+          </a:xfrm>
+          <a:prstGeom prst="roundRect">
+            <a:avLst>
+              <a:gd name="adj" fmla="val 2198"/>
+            </a:avLst>
+          </a:prstGeom>
+          <a:solidFill>
+            <a:schemeClr val="accent6">
+              <a:lumMod val="40000"/>
+              <a:lumOff val="60000"/>
+            </a:schemeClr>
+          </a:solidFill>
+        </p:spPr>
+        <p:style>
+          <a:lnRef idx="2">
+            <a:schemeClr val="accent1">
+              <a:shade val="50000"/>
+            </a:schemeClr>
+          </a:lnRef>
+          <a:fillRef idx="1">
+            <a:schemeClr val="accent1"/>
+          </a:fillRef>
+          <a:effectRef idx="0">
+            <a:schemeClr val="accent1"/>
+          </a:effectRef>
+          <a:fontRef idx="minor">
+            <a:schemeClr val="lt1"/>
+          </a:fontRef>
+        </p:style>
+        <p:txBody>
+          <a:bodyPr rtlCol="0" anchor="ctr"/>
+          <a:lstStyle/>
+          <a:p>
+            <a:pPr algn="ctr"/>
+            <a:endParaRPr lang="en-BE"/>
+          </a:p>
+        </p:txBody>
+      </p:sp>
+      <p:sp>
+        <p:nvSpPr>
           <p:cNvPr id="5" name="Slide Number Placeholder 4">
             <a:extLst>
               <a:ext uri="{FF2B5EF4-FFF2-40B4-BE49-F238E27FC236}">
@@ -24765,60 +24852,8 @@
           <a:lstStyle/>
           <a:p>
             <a:r>
-              <a:rPr lang="fr-BE" dirty="0" err="1"/>
-              <a:t>Installing</a:t>
-            </a:r>
-            <a:r>
-              <a:rPr lang="fr-BE" dirty="0"/>
-              <a:t> containers </a:t>
-            </a:r>
-            <a:r>
-              <a:rPr lang="fr-BE" dirty="0" err="1"/>
-              <a:t>built</a:t>
-            </a:r>
-            <a:r>
-              <a:rPr lang="fr-BE" dirty="0"/>
-              <a:t> </a:t>
-            </a:r>
-            <a:r>
-              <a:rPr lang="fr-BE" dirty="0" err="1"/>
-              <a:t>from</a:t>
-            </a:r>
-            <a:r>
-              <a:rPr lang="fr-BE" dirty="0"/>
-              <a:t> « </a:t>
-            </a:r>
-            <a:r>
-              <a:rPr lang="fr-BE" dirty="0" err="1"/>
-              <a:t>tryton</a:t>
-            </a:r>
-            <a:r>
-              <a:rPr lang="fr-BE" dirty="0"/>
-              <a:t>/</a:t>
-            </a:r>
-            <a:r>
-              <a:rPr lang="fr-BE" dirty="0" err="1"/>
-              <a:t>tryton</a:t>
-            </a:r>
-            <a:r>
-              <a:rPr lang="fr-BE" dirty="0"/>
-              <a:t> » images </a:t>
-            </a:r>
-            <a:r>
-              <a:rPr lang="fr-BE" dirty="0" err="1"/>
-              <a:t>with</a:t>
-            </a:r>
-            <a:r>
-              <a:rPr lang="fr-BE" dirty="0"/>
-              <a:t> </a:t>
-            </a:r>
-            <a:r>
-              <a:rPr lang="fr-BE" dirty="0" err="1"/>
-              <a:t>different</a:t>
-            </a:r>
-            <a:r>
-              <a:rPr lang="fr-BE" dirty="0"/>
-              <a:t> « tags »</a:t>
+              <a:rPr lang="fr-BE" dirty="0"/>
+              <a:t>Motivation</a:t>
             </a:r>
             <a:endParaRPr lang="en-BE" dirty="0"/>
           </a:p>
@@ -24892,8 +24927,8 @@
         </p:nvSpPr>
         <p:spPr>
           <a:xfrm>
-            <a:off x="838200" y="976746"/>
-            <a:ext cx="10726882" cy="3693319"/>
+            <a:off x="838200" y="820722"/>
+            <a:ext cx="10726882" cy="1754326"/>
           </a:xfrm>
           <a:prstGeom prst="rect">
             <a:avLst/>
@@ -24911,12 +24946,16 @@
               <a:buChar char="-"/>
             </a:pPr>
             <a:r>
-              <a:rPr lang="fr-BE" dirty="0"/>
-              <a:t>Docker </a:t>
-            </a:r>
-            <a:r>
-              <a:rPr lang="fr-BE" dirty="0" err="1"/>
-              <a:t>shines</a:t>
+              <a:rPr lang="fr-BE" dirty="0" err="1"/>
+              <a:t>Installing</a:t>
+            </a:r>
+            <a:r>
+              <a:rPr lang="fr-BE" dirty="0"/>
+              <a:t> containers </a:t>
+            </a:r>
+            <a:r>
+              <a:rPr lang="fr-BE" dirty="0" err="1"/>
+              <a:t>originating</a:t>
             </a:r>
             <a:r>
               <a:rPr lang="fr-BE" dirty="0"/>
@@ -24924,15 +24963,7 @@
             </a:r>
             <a:r>
               <a:rPr lang="fr-BE" dirty="0" err="1"/>
-              <a:t>thanks</a:t>
-            </a:r>
-            <a:r>
-              <a:rPr lang="fr-BE" dirty="0"/>
-              <a:t> to </a:t>
-            </a:r>
-            <a:r>
-              <a:rPr lang="fr-BE" dirty="0" err="1"/>
-              <a:t>its</a:t>
+              <a:t>from</a:t>
             </a:r>
             <a:r>
               <a:rPr lang="fr-BE" dirty="0"/>
@@ -24940,39 +24971,15 @@
             </a:r>
             <a:r>
               <a:rPr lang="fr-BE" dirty="0" err="1"/>
-              <a:t>capability</a:t>
-            </a:r>
-            <a:r>
-              <a:rPr lang="fr-BE" dirty="0"/>
-              <a:t> to </a:t>
-            </a:r>
-            <a:r>
-              <a:rPr lang="fr-BE" dirty="0" err="1"/>
-              <a:t>isolate</a:t>
-            </a:r>
-            <a:r>
-              <a:rPr lang="fr-BE" dirty="0"/>
-              <a:t> containers </a:t>
-            </a:r>
-            <a:r>
-              <a:rPr lang="fr-BE" dirty="0" err="1"/>
-              <a:t>from</a:t>
-            </a:r>
-            <a:r>
-              <a:rPr lang="fr-BE" dirty="0"/>
-              <a:t> one </a:t>
-            </a:r>
-            <a:r>
-              <a:rPr lang="fr-BE" dirty="0" err="1"/>
-              <a:t>another</a:t>
-            </a:r>
-            <a:r>
-              <a:rPr lang="fr-BE" dirty="0"/>
-              <a:t>, </a:t>
-            </a:r>
-            <a:r>
-              <a:rPr lang="fr-BE" dirty="0" err="1"/>
-              <a:t>especially</a:t>
+              <a:t>different</a:t>
+            </a:r>
+            <a:r>
+              <a:rPr lang="fr-BE" dirty="0"/>
+              <a:t> TRYTON image versions </a:t>
+            </a:r>
+            <a:r>
+              <a:rPr lang="fr-BE" dirty="0" err="1"/>
+              <a:t>allow</a:t>
             </a:r>
             <a:r>
               <a:rPr lang="fr-BE" dirty="0"/>
@@ -24980,59 +24987,11 @@
             </a:r>
             <a:r>
               <a:rPr lang="fr-BE" dirty="0" err="1"/>
-              <a:t>when</a:t>
-            </a:r>
-            <a:r>
-              <a:rPr lang="fr-BE" dirty="0"/>
-              <a:t> </a:t>
-            </a:r>
-            <a:r>
-              <a:rPr lang="fr-BE" dirty="0" err="1"/>
-              <a:t>such</a:t>
-            </a:r>
-            <a:r>
-              <a:rPr lang="fr-BE" dirty="0"/>
-              <a:t> containers are </a:t>
-            </a:r>
-            <a:r>
-              <a:rPr lang="fr-BE" dirty="0" err="1"/>
-              <a:t>generated</a:t>
-            </a:r>
-            <a:r>
-              <a:rPr lang="fr-BE" dirty="0"/>
-              <a:t> </a:t>
-            </a:r>
-            <a:r>
-              <a:rPr lang="fr-BE" dirty="0" err="1"/>
-              <a:t>from</a:t>
-            </a:r>
-            <a:r>
-              <a:rPr lang="fr-BE" dirty="0"/>
-              <a:t> an « image » == « application » </a:t>
-            </a:r>
-            <a:r>
-              <a:rPr lang="fr-BE" dirty="0" err="1"/>
-              <a:t>having</a:t>
-            </a:r>
-            <a:r>
-              <a:rPr lang="fr-BE" dirty="0"/>
-              <a:t> </a:t>
-            </a:r>
-            <a:r>
-              <a:rPr lang="fr-BE" dirty="0" err="1"/>
-              <a:t>different</a:t>
-            </a:r>
-            <a:r>
-              <a:rPr lang="fr-BE" dirty="0"/>
-              <a:t> « tags » == « versions ». </a:t>
-            </a:r>
-            <a:r>
-              <a:rPr lang="fr-BE" dirty="0" err="1"/>
-              <a:t>F.i</a:t>
-            </a:r>
-            <a:r>
-              <a:rPr lang="fr-BE" dirty="0"/>
-              <a:t>. :</a:t>
+              <a:t>integration</a:t>
+            </a:r>
+            <a:r>
+              <a:rPr lang="fr-BE" dirty="0"/>
+              <a:t> for bug correction</a:t>
             </a:r>
           </a:p>
           <a:p>
@@ -25041,82 +25000,28 @@
               <a:buChar char="-"/>
             </a:pPr>
             <a:r>
-              <a:rPr lang="fr-BE" dirty="0"/>
-              <a:t>Image for version « 5.0 » or « 6.0 » : « </a:t>
-            </a:r>
-            <a:r>
-              <a:rPr lang="fr-BE" dirty="0" err="1"/>
-              <a:t>tryton</a:t>
-            </a:r>
-            <a:r>
-              <a:rPr lang="fr-BE" dirty="0"/>
-              <a:t>/tryton:5.0 » or « </a:t>
-            </a:r>
-            <a:r>
-              <a:rPr lang="fr-BE" dirty="0" err="1"/>
-              <a:t>tryton</a:t>
-            </a:r>
-            <a:r>
-              <a:rPr lang="fr-BE" dirty="0"/>
-              <a:t>/tryton:6:0 »</a:t>
-            </a:r>
-          </a:p>
-          <a:p>
-            <a:pPr marL="285750" indent="-285750">
-              <a:buFontTx/>
-              <a:buChar char="-"/>
-            </a:pPr>
-            <a:r>
-              <a:rPr lang="fr-BE" dirty="0"/>
-              <a:t>Image for version « </a:t>
-            </a:r>
-            <a:r>
-              <a:rPr lang="fr-BE" dirty="0" err="1"/>
-              <a:t>latest</a:t>
-            </a:r>
-            <a:r>
-              <a:rPr lang="fr-BE" dirty="0"/>
-              <a:t> » : « </a:t>
-            </a:r>
-            <a:r>
-              <a:rPr lang="fr-BE" dirty="0" err="1"/>
-              <a:t>tryton</a:t>
-            </a:r>
-            <a:r>
-              <a:rPr lang="fr-BE" dirty="0"/>
-              <a:t>/</a:t>
-            </a:r>
-            <a:r>
-              <a:rPr lang="fr-BE" dirty="0" err="1"/>
-              <a:t>tryton:latest</a:t>
-            </a:r>
-            <a:r>
-              <a:rPr lang="fr-BE" dirty="0"/>
-              <a:t> » or </a:t>
-            </a:r>
-            <a:r>
-              <a:rPr lang="fr-BE" dirty="0" err="1"/>
-              <a:t>simply</a:t>
-            </a:r>
-            <a:r>
-              <a:rPr lang="fr-BE" dirty="0"/>
-              <a:t> « </a:t>
-            </a:r>
-            <a:r>
-              <a:rPr lang="fr-BE" dirty="0" err="1"/>
-              <a:t>tryton</a:t>
-            </a:r>
-            <a:r>
-              <a:rPr lang="fr-BE" dirty="0"/>
-              <a:t>/</a:t>
-            </a:r>
-            <a:r>
-              <a:rPr lang="fr-BE" dirty="0" err="1"/>
-              <a:t>tryton</a:t>
-            </a:r>
-            <a:r>
-              <a:rPr lang="fr-BE" dirty="0"/>
-              <a:t> »</a:t>
+              <a:rPr lang="fr-BE" dirty="0" err="1"/>
+              <a:t>Generally</a:t>
+            </a:r>
+            <a:r>
+              <a:rPr lang="fr-BE" dirty="0"/>
+              <a:t>, the data base format </a:t>
+            </a:r>
+            <a:r>
+              <a:rPr lang="fr-BE" dirty="0" err="1"/>
+              <a:t>does</a:t>
+            </a:r>
+            <a:r>
+              <a:rPr lang="fr-BE" dirty="0"/>
+              <a:t> not change </a:t>
+            </a:r>
+            <a:r>
+              <a:rPr lang="fr-BE" dirty="0" err="1"/>
+              <a:t>between</a:t>
+            </a:r>
+            <a:r>
+              <a:rPr lang="fr-BE" dirty="0"/>
+              <a:t> major TRYTON versions.</a:t>
             </a:r>
           </a:p>
           <a:p>
@@ -25132,36 +25037,40 @@
               <a:buChar char="-"/>
             </a:pPr>
             <a:r>
-              <a:rPr lang="fr-BE" dirty="0"/>
-              <a:t>In </a:t>
-            </a:r>
-            <a:r>
-              <a:rPr lang="fr-BE" dirty="0" err="1"/>
-              <a:t>order</a:t>
-            </a:r>
-            <a:r>
-              <a:rPr lang="fr-BE" dirty="0"/>
-              <a:t> to </a:t>
-            </a:r>
-            <a:r>
-              <a:rPr lang="fr-BE" dirty="0" err="1"/>
-              <a:t>generate</a:t>
-            </a:r>
-            <a:r>
-              <a:rPr lang="fr-BE" dirty="0"/>
-              <a:t> containers </a:t>
-            </a:r>
-            <a:r>
-              <a:rPr lang="fr-BE" dirty="0" err="1"/>
-              <a:t>according</a:t>
-            </a:r>
-            <a:r>
-              <a:rPr lang="fr-BE" dirty="0"/>
-              <a:t> to the « </a:t>
-            </a:r>
-            <a:r>
-              <a:rPr lang="fr-BE" dirty="0" err="1"/>
-              <a:t>image+tag</a:t>
+              <a:rPr lang="fr-BE" dirty="0" err="1"/>
+              <a:t>From</a:t>
+            </a:r>
+            <a:r>
+              <a:rPr lang="fr-BE" dirty="0"/>
+              <a:t> the new « TRYTON;POSTGRES » image(s) </a:t>
+            </a:r>
+            <a:r>
+              <a:rPr lang="fr-BE" dirty="0" err="1"/>
+              <a:t>create</a:t>
+            </a:r>
+            <a:r>
+              <a:rPr lang="fr-BE" dirty="0"/>
+              <a:t> a « </a:t>
+            </a:r>
+            <a:r>
+              <a:rPr lang="fr-BE" dirty="0" err="1"/>
+              <a:t>b;z</a:t>
+            </a:r>
+            <a:r>
+              <a:rPr lang="fr-BE" dirty="0"/>
+              <a:t> » version of the </a:t>
+            </a:r>
+            <a:r>
+              <a:rPr lang="fr-BE" dirty="0" err="1"/>
+              <a:t>existing</a:t>
+            </a:r>
+            <a:r>
+              <a:rPr lang="fr-BE" dirty="0"/>
+              <a:t> « </a:t>
+            </a:r>
+            <a:r>
+              <a:rPr lang="fr-BE" dirty="0" err="1"/>
+              <a:t>a;y</a:t>
             </a:r>
             <a:r>
               <a:rPr lang="fr-BE" dirty="0"/>
@@ -25169,228 +25078,8 @@
             </a:r>
             <a:r>
               <a:rPr lang="fr-BE" dirty="0" err="1"/>
-              <a:t>they</a:t>
-            </a:r>
-            <a:r>
-              <a:rPr lang="fr-BE" dirty="0"/>
-              <a:t> are </a:t>
-            </a:r>
-            <a:r>
-              <a:rPr lang="fr-BE" dirty="0" err="1"/>
-              <a:t>derived</a:t>
-            </a:r>
-            <a:r>
-              <a:rPr lang="fr-BE" dirty="0"/>
-              <a:t> </a:t>
-            </a:r>
-            <a:r>
-              <a:rPr lang="fr-BE" dirty="0" err="1"/>
-              <a:t>from</a:t>
-            </a:r>
-            <a:r>
-              <a:rPr lang="fr-BE" dirty="0"/>
-              <a:t>, </a:t>
-            </a:r>
-            <a:r>
-              <a:rPr lang="fr-BE" dirty="0" err="1"/>
-              <a:t>adapt</a:t>
-            </a:r>
-            <a:r>
-              <a:rPr lang="fr-BE" dirty="0"/>
-              <a:t> the </a:t>
-            </a:r>
-            <a:r>
-              <a:rPr lang="fr-BE" dirty="0" err="1"/>
-              <a:t>parameters</a:t>
-            </a:r>
-            <a:r>
-              <a:rPr lang="fr-BE" dirty="0"/>
-              <a:t> </a:t>
-            </a:r>
-            <a:r>
-              <a:rPr lang="fr-BE" dirty="0" err="1"/>
-              <a:t>identified</a:t>
-            </a:r>
-            <a:r>
-              <a:rPr lang="fr-BE" dirty="0"/>
-              <a:t> in the </a:t>
-            </a:r>
-            <a:r>
-              <a:rPr lang="fr-BE" dirty="0" err="1"/>
-              <a:t>choosen</a:t>
-            </a:r>
-            <a:r>
-              <a:rPr lang="fr-BE" dirty="0"/>
-              <a:t> « </a:t>
-            </a:r>
-            <a:r>
-              <a:rPr lang="fr-BE" dirty="0" err="1"/>
-              <a:t>create</a:t>
-            </a:r>
-            <a:r>
-              <a:rPr lang="fr-BE" dirty="0"/>
-              <a:t> » utility script. Just </a:t>
-            </a:r>
-            <a:r>
-              <a:rPr lang="fr-BE" dirty="0" err="1"/>
-              <a:t>perform</a:t>
-            </a:r>
-            <a:r>
-              <a:rPr lang="fr-BE" dirty="0"/>
-              <a:t> a « replace all » of :</a:t>
-            </a:r>
-          </a:p>
-          <a:p>
-            <a:pPr marL="742950" lvl="1" indent="-285750">
-              <a:buFontTx/>
-              <a:buChar char="-"/>
-            </a:pPr>
-            <a:r>
-              <a:rPr lang="fr-BE" dirty="0"/>
-              <a:t>« tryt11 » : Container, </a:t>
-            </a:r>
-            <a:r>
-              <a:rPr lang="fr-BE" dirty="0" err="1"/>
-              <a:t>database</a:t>
-            </a:r>
-            <a:r>
-              <a:rPr lang="fr-BE" dirty="0"/>
-              <a:t> « </a:t>
-            </a:r>
-            <a:r>
-              <a:rPr lang="fr-BE" dirty="0" err="1"/>
-              <a:t>names</a:t>
-            </a:r>
-            <a:r>
-              <a:rPr lang="fr-BE" dirty="0"/>
-              <a:t> »</a:t>
-            </a:r>
-          </a:p>
-          <a:p>
-            <a:pPr marL="742950" lvl="1" indent="-285750">
-              <a:buFontTx/>
-              <a:buChar char="-"/>
-            </a:pPr>
-            <a:r>
-              <a:rPr lang="fr-BE" dirty="0"/>
-              <a:t>« 5443 » : the </a:t>
-            </a:r>
-            <a:r>
-              <a:rPr lang="fr-BE" dirty="0" err="1"/>
-              <a:t>database</a:t>
-            </a:r>
-            <a:r>
-              <a:rPr lang="fr-BE" dirty="0"/>
-              <a:t> port on the host system </a:t>
-            </a:r>
-            <a:r>
-              <a:rPr lang="fr-BE" dirty="0" err="1"/>
-              <a:t>side</a:t>
-            </a:r>
-            <a:r>
-              <a:rPr lang="fr-BE" dirty="0"/>
-              <a:t> &amp; « 8011 » : the </a:t>
-            </a:r>
-            <a:r>
-              <a:rPr lang="fr-BE" dirty="0" err="1"/>
-              <a:t>tryton</a:t>
-            </a:r>
-            <a:r>
-              <a:rPr lang="fr-BE" dirty="0"/>
-              <a:t> port on the host system </a:t>
-            </a:r>
-            <a:r>
-              <a:rPr lang="fr-BE" dirty="0" err="1"/>
-              <a:t>side</a:t>
-            </a:r>
-            <a:endParaRPr lang="fr-BE" dirty="0"/>
-          </a:p>
-          <a:p>
-            <a:pPr marL="742950" lvl="1" indent="-285750">
-              <a:buFontTx/>
-              <a:buChar char="-"/>
-            </a:pPr>
-            <a:r>
-              <a:rPr lang="fr-BE" dirty="0"/>
-              <a:t>For </a:t>
-            </a:r>
-            <a:r>
-              <a:rPr lang="fr-BE" dirty="0" err="1"/>
-              <a:t>simplicity</a:t>
-            </a:r>
-            <a:r>
-              <a:rPr lang="fr-BE" dirty="0"/>
-              <a:t>, if the </a:t>
-            </a:r>
-            <a:r>
-              <a:rPr lang="fr-BE" dirty="0" err="1"/>
-              <a:t>name</a:t>
-            </a:r>
-            <a:r>
-              <a:rPr lang="fr-BE" dirty="0"/>
-              <a:t> </a:t>
-            </a:r>
-            <a:r>
-              <a:rPr lang="fr-BE" dirty="0" err="1"/>
-              <a:t>is</a:t>
-            </a:r>
-            <a:r>
-              <a:rPr lang="fr-BE" dirty="0"/>
-              <a:t> « 11 », </a:t>
-            </a:r>
-            <a:r>
-              <a:rPr lang="fr-BE" dirty="0" err="1"/>
-              <a:t>we</a:t>
-            </a:r>
-            <a:r>
-              <a:rPr lang="fr-BE" dirty="0"/>
-              <a:t> </a:t>
-            </a:r>
-            <a:r>
-              <a:rPr lang="fr-BE" dirty="0" err="1"/>
-              <a:t>added</a:t>
-            </a:r>
-            <a:r>
-              <a:rPr lang="fr-BE" dirty="0"/>
-              <a:t> « 11 » to default ports « 5432 » and « 8000 »</a:t>
-            </a:r>
-          </a:p>
-          <a:p>
-            <a:pPr marL="742950" lvl="1" indent="-285750">
-              <a:buFontTx/>
-              <a:buChar char="-"/>
-            </a:pPr>
-            <a:r>
-              <a:rPr lang="fr-BE" dirty="0"/>
-              <a:t>« </a:t>
-            </a:r>
-            <a:r>
-              <a:rPr lang="fr-BE" dirty="0" err="1"/>
-              <a:t>tryton</a:t>
-            </a:r>
-            <a:r>
-              <a:rPr lang="fr-BE" dirty="0"/>
-              <a:t>/</a:t>
-            </a:r>
-            <a:r>
-              <a:rPr lang="fr-BE" dirty="0" err="1"/>
-              <a:t>tryton:latest</a:t>
-            </a:r>
-            <a:r>
-              <a:rPr lang="fr-BE" dirty="0"/>
-              <a:t> » : change if </a:t>
-            </a:r>
-            <a:r>
-              <a:rPr lang="fr-BE" dirty="0" err="1"/>
-              <a:t>necessary</a:t>
-            </a:r>
-            <a:endParaRPr lang="fr-BE" dirty="0"/>
-          </a:p>
-          <a:p>
-            <a:pPr marL="742950" lvl="1" indent="-285750">
-              <a:buFontTx/>
-              <a:buChar char="-"/>
-            </a:pPr>
+              <a:t>environment</a:t>
+            </a:r>
             <a:endParaRPr lang="fr-BE" dirty="0"/>
           </a:p>
           <a:p>
@@ -25399,8 +25088,39 @@
               <a:buChar char="-"/>
             </a:pPr>
             <a:r>
-              <a:rPr lang="fr-BE" dirty="0" err="1"/>
-              <a:t>Finally</a:t>
+              <a:rPr lang="fr-BE" dirty="0"/>
+              <a:t>Backup and restore the </a:t>
+            </a:r>
+            <a:r>
+              <a:rPr lang="fr-BE" dirty="0" err="1"/>
+              <a:t>database</a:t>
+            </a:r>
+            <a:r>
+              <a:rPr lang="fr-BE" dirty="0"/>
+              <a:t> : </a:t>
+            </a:r>
+            <a:r>
+              <a:rPr lang="fr-BE" dirty="0" err="1"/>
+              <a:t>see</a:t>
+            </a:r>
+            <a:r>
+              <a:rPr lang="fr-BE" dirty="0"/>
+              <a:t> sections </a:t>
+            </a:r>
+            <a:r>
+              <a:rPr lang="fr-BE" dirty="0" err="1"/>
+              <a:t>hereafter</a:t>
+            </a:r>
+            <a:endParaRPr lang="fr-BE" dirty="0"/>
+          </a:p>
+          <a:p>
+            <a:pPr marL="285750" indent="-285750">
+              <a:buFontTx/>
+              <a:buChar char="-"/>
+            </a:pPr>
+            <a:r>
+              <a:rPr lang="fr-BE" dirty="0" err="1"/>
+              <a:t>Because</a:t>
             </a:r>
             <a:r>
               <a:rPr lang="fr-BE" dirty="0"/>
@@ -25408,7 +25128,15 @@
             </a:r>
             <a:r>
               <a:rPr lang="fr-BE" dirty="0" err="1"/>
-              <a:t>adapt</a:t>
+              <a:t>each</a:t>
+            </a:r>
+            <a:r>
+              <a:rPr lang="fr-BE" dirty="0"/>
+              <a:t> environnement exposes </a:t>
+            </a:r>
+            <a:r>
+              <a:rPr lang="fr-BE" dirty="0" err="1"/>
+              <a:t>its</a:t>
             </a:r>
             <a:r>
               <a:rPr lang="fr-BE" dirty="0"/>
@@ -25416,7 +25144,23 @@
             </a:r>
             <a:r>
               <a:rPr lang="fr-BE" dirty="0" err="1"/>
-              <a:t>some</a:t>
+              <a:t>own</a:t>
+            </a:r>
+            <a:r>
+              <a:rPr lang="fr-BE" dirty="0"/>
+              <a:t> TCP IP ports, </a:t>
+            </a:r>
+            <a:r>
+              <a:rPr lang="fr-BE" dirty="0" err="1"/>
+              <a:t>they</a:t>
+            </a:r>
+            <a:r>
+              <a:rPr lang="fr-BE" dirty="0"/>
+              <a:t> can </a:t>
+            </a:r>
+            <a:r>
+              <a:rPr lang="fr-BE" dirty="0" err="1"/>
+              <a:t>also</a:t>
             </a:r>
             <a:r>
               <a:rPr lang="fr-BE" dirty="0"/>
@@ -25424,53 +25168,931 @@
             </a:r>
             <a:r>
               <a:rPr lang="fr-BE" dirty="0" err="1"/>
-              <a:t>environment</a:t>
-            </a:r>
-            <a:r>
-              <a:rPr lang="fr-BE" dirty="0"/>
-              <a:t> variables and volume locations </a:t>
-            </a:r>
-            <a:r>
-              <a:rPr lang="fr-BE" dirty="0" err="1"/>
-              <a:t>according</a:t>
-            </a:r>
-            <a:r>
-              <a:rPr lang="fr-BE" dirty="0"/>
-              <a:t> to taste</a:t>
-            </a:r>
-          </a:p>
-        </p:txBody>
-      </p:sp>
-      <p:pic>
-        <p:nvPicPr>
-          <p:cNvPr id="13" name="Picture 12">
-            <a:extLst>
-              <a:ext uri="{FF2B5EF4-FFF2-40B4-BE49-F238E27FC236}">
-                <a16:creationId xmlns:a16="http://schemas.microsoft.com/office/drawing/2014/main" id="{7796EA75-9F64-4836-BF2E-43C3A0D0E7BC}"/>
-              </a:ext>
-            </a:extLst>
-          </p:cNvPr>
-          <p:cNvPicPr>
-            <a:picLocks noChangeAspect="1"/>
-          </p:cNvPicPr>
+              <a:t>seamlessly</a:t>
+            </a:r>
+            <a:r>
+              <a:rPr lang="fr-BE" dirty="0"/>
+              <a:t> </a:t>
+            </a:r>
+            <a:r>
+              <a:rPr lang="fr-BE" dirty="0" err="1"/>
+              <a:t>coexist</a:t>
+            </a:r>
+            <a:endParaRPr lang="fr-BE" dirty="0"/>
+          </a:p>
+        </p:txBody>
+      </p:sp>
+      <p:sp>
+        <p:nvSpPr>
+          <p:cNvPr id="8" name="Cube 7">
+            <a:extLst>
+              <a:ext uri="{FF2B5EF4-FFF2-40B4-BE49-F238E27FC236}">
+                <a16:creationId xmlns:a16="http://schemas.microsoft.com/office/drawing/2014/main" id="{DF3EB3A1-1EA2-4804-9109-DB6186D6B872}"/>
+              </a:ext>
+            </a:extLst>
+          </p:cNvPr>
+          <p:cNvSpPr/>
           <p:nvPr/>
-        </p:nvPicPr>
-        <p:blipFill>
-          <a:blip r:embed="rId2"/>
-          <a:stretch>
-            <a:fillRect/>
-          </a:stretch>
-        </p:blipFill>
+        </p:nvSpPr>
         <p:spPr>
           <a:xfrm>
-            <a:off x="838200" y="4819497"/>
-            <a:ext cx="5324475" cy="1314450"/>
+            <a:off x="1860542" y="4098329"/>
+            <a:ext cx="3103756" cy="1585500"/>
+          </a:xfrm>
+          <a:prstGeom prst="cube">
+            <a:avLst>
+              <a:gd name="adj" fmla="val 5604"/>
+            </a:avLst>
+          </a:prstGeom>
+          <a:solidFill>
+            <a:schemeClr val="accent4">
+              <a:lumMod val="20000"/>
+              <a:lumOff val="80000"/>
+            </a:schemeClr>
+          </a:solidFill>
+        </p:spPr>
+        <p:style>
+          <a:lnRef idx="2">
+            <a:schemeClr val="accent1">
+              <a:shade val="50000"/>
+            </a:schemeClr>
+          </a:lnRef>
+          <a:fillRef idx="1">
+            <a:schemeClr val="accent1"/>
+          </a:fillRef>
+          <a:effectRef idx="0">
+            <a:schemeClr val="accent1"/>
+          </a:effectRef>
+          <a:fontRef idx="minor">
+            <a:schemeClr val="lt1"/>
+          </a:fontRef>
+        </p:style>
+        <p:txBody>
+          <a:bodyPr rtlCol="0" anchor="ctr"/>
+          <a:lstStyle/>
+          <a:p>
+            <a:pPr algn="ctr"/>
+            <a:r>
+              <a:rPr lang="fr-BE" dirty="0">
+                <a:solidFill>
+                  <a:schemeClr val="tx1"/>
+                </a:solidFill>
+              </a:rPr>
+              <a:t> </a:t>
+            </a:r>
+            <a:endParaRPr lang="en-BE" dirty="0"/>
+          </a:p>
+        </p:txBody>
+      </p:sp>
+      <p:sp>
+        <p:nvSpPr>
+          <p:cNvPr id="10" name="Cylinder 9">
+            <a:extLst>
+              <a:ext uri="{FF2B5EF4-FFF2-40B4-BE49-F238E27FC236}">
+                <a16:creationId xmlns:a16="http://schemas.microsoft.com/office/drawing/2014/main" id="{3152009A-99F3-447A-BFC6-19728C55B32B}"/>
+              </a:ext>
+            </a:extLst>
+          </p:cNvPr>
+          <p:cNvSpPr/>
+          <p:nvPr/>
+        </p:nvSpPr>
+        <p:spPr>
+          <a:xfrm>
+            <a:off x="2873161" y="4963814"/>
+            <a:ext cx="1078518" cy="491911"/>
+          </a:xfrm>
+          <a:prstGeom prst="can">
+            <a:avLst/>
+          </a:prstGeom>
+          <a:solidFill>
+            <a:schemeClr val="accent4">
+              <a:lumMod val="40000"/>
+              <a:lumOff val="60000"/>
+            </a:schemeClr>
+          </a:solidFill>
+        </p:spPr>
+        <p:style>
+          <a:lnRef idx="2">
+            <a:schemeClr val="accent1">
+              <a:shade val="50000"/>
+            </a:schemeClr>
+          </a:lnRef>
+          <a:fillRef idx="1">
+            <a:schemeClr val="accent1"/>
+          </a:fillRef>
+          <a:effectRef idx="0">
+            <a:schemeClr val="accent1"/>
+          </a:effectRef>
+          <a:fontRef idx="minor">
+            <a:schemeClr val="lt1"/>
+          </a:fontRef>
+        </p:style>
+        <p:txBody>
+          <a:bodyPr rtlCol="0" anchor="ctr"/>
+          <a:lstStyle/>
+          <a:p>
+            <a:pPr algn="ctr"/>
+            <a:br>
+              <a:rPr lang="fr-BE" dirty="0">
+                <a:solidFill>
+                  <a:schemeClr val="tx1"/>
+                </a:solidFill>
+              </a:rPr>
+            </a:br>
+            <a:endParaRPr lang="fr-BE" dirty="0">
+              <a:solidFill>
+                <a:schemeClr val="tx1"/>
+              </a:solidFill>
+            </a:endParaRPr>
+          </a:p>
+          <a:p>
+            <a:pPr algn="ctr"/>
+            <a:r>
+              <a:rPr lang="fr-BE" dirty="0">
+                <a:solidFill>
+                  <a:schemeClr val="tx1"/>
+                </a:solidFill>
+              </a:rPr>
+              <a:t>TRYTON</a:t>
+            </a:r>
+            <a:br>
+              <a:rPr lang="fr-BE" dirty="0">
+                <a:solidFill>
+                  <a:schemeClr val="tx1"/>
+                </a:solidFill>
+              </a:rPr>
+            </a:br>
+            <a:br>
+              <a:rPr lang="fr-BE" dirty="0">
+                <a:solidFill>
+                  <a:schemeClr val="tx1"/>
+                </a:solidFill>
+              </a:rPr>
+            </a:br>
+            <a:endParaRPr lang="en-BE" dirty="0">
+              <a:solidFill>
+                <a:schemeClr val="tx1"/>
+              </a:solidFill>
+            </a:endParaRPr>
+          </a:p>
+        </p:txBody>
+      </p:sp>
+      <p:sp>
+        <p:nvSpPr>
+          <p:cNvPr id="11" name="TextBox 10">
+            <a:extLst>
+              <a:ext uri="{FF2B5EF4-FFF2-40B4-BE49-F238E27FC236}">
+                <a16:creationId xmlns:a16="http://schemas.microsoft.com/office/drawing/2014/main" id="{A3EC7E93-F2F5-4BE2-85D7-0C428628CA08}"/>
+              </a:ext>
+            </a:extLst>
+          </p:cNvPr>
+          <p:cNvSpPr txBox="1"/>
+          <p:nvPr/>
+        </p:nvSpPr>
+        <p:spPr>
+          <a:xfrm>
+            <a:off x="1860542" y="4228439"/>
+            <a:ext cx="2988951" cy="646331"/>
           </a:xfrm>
           <a:prstGeom prst="rect">
             <a:avLst/>
           </a:prstGeom>
+          <a:noFill/>
         </p:spPr>
-      </p:pic>
+        <p:txBody>
+          <a:bodyPr wrap="square" rtlCol="0">
+            <a:spAutoFit/>
+          </a:bodyPr>
+          <a:lstStyle/>
+          <a:p>
+            <a:pPr algn="ctr"/>
+            <a:r>
+              <a:rPr lang="fr-BE" dirty="0" err="1"/>
+              <a:t>Database</a:t>
+            </a:r>
+            <a:r>
+              <a:rPr lang="fr-BE" dirty="0"/>
+              <a:t> Container</a:t>
+            </a:r>
+            <a:br>
+              <a:rPr lang="fr-BE" dirty="0"/>
+            </a:br>
+            <a:r>
+              <a:rPr lang="fr-BE" dirty="0"/>
+              <a:t>Image « </a:t>
+            </a:r>
+            <a:r>
+              <a:rPr lang="fr-BE" dirty="0" err="1"/>
+              <a:t>postgres:y</a:t>
+            </a:r>
+            <a:r>
+              <a:rPr lang="fr-BE" dirty="0"/>
+              <a:t> »</a:t>
+            </a:r>
+            <a:endParaRPr lang="en-BE" dirty="0"/>
+          </a:p>
+        </p:txBody>
+      </p:sp>
+      <p:sp>
+        <p:nvSpPr>
+          <p:cNvPr id="12" name="Cube 11">
+            <a:extLst>
+              <a:ext uri="{FF2B5EF4-FFF2-40B4-BE49-F238E27FC236}">
+                <a16:creationId xmlns:a16="http://schemas.microsoft.com/office/drawing/2014/main" id="{C15F9851-E40F-440E-84B3-3B12BB644375}"/>
+              </a:ext>
+            </a:extLst>
+          </p:cNvPr>
+          <p:cNvSpPr/>
+          <p:nvPr/>
+        </p:nvSpPr>
+        <p:spPr>
+          <a:xfrm>
+            <a:off x="1860542" y="2857500"/>
+            <a:ext cx="3103756" cy="1110171"/>
+          </a:xfrm>
+          <a:prstGeom prst="cube">
+            <a:avLst>
+              <a:gd name="adj" fmla="val 5604"/>
+            </a:avLst>
+          </a:prstGeom>
+          <a:solidFill>
+            <a:schemeClr val="accent4">
+              <a:lumMod val="20000"/>
+              <a:lumOff val="80000"/>
+            </a:schemeClr>
+          </a:solidFill>
+        </p:spPr>
+        <p:style>
+          <a:lnRef idx="2">
+            <a:schemeClr val="accent1">
+              <a:shade val="50000"/>
+            </a:schemeClr>
+          </a:lnRef>
+          <a:fillRef idx="1">
+            <a:schemeClr val="accent1"/>
+          </a:fillRef>
+          <a:effectRef idx="0">
+            <a:schemeClr val="accent1"/>
+          </a:effectRef>
+          <a:fontRef idx="minor">
+            <a:schemeClr val="lt1"/>
+          </a:fontRef>
+        </p:style>
+        <p:txBody>
+          <a:bodyPr rtlCol="0" anchor="ctr"/>
+          <a:lstStyle/>
+          <a:p>
+            <a:pPr algn="ctr"/>
+            <a:r>
+              <a:rPr lang="fr-BE" dirty="0">
+                <a:solidFill>
+                  <a:schemeClr val="tx1"/>
+                </a:solidFill>
+              </a:rPr>
+              <a:t> </a:t>
+            </a:r>
+            <a:endParaRPr lang="en-BE" dirty="0"/>
+          </a:p>
+        </p:txBody>
+      </p:sp>
+      <p:sp>
+        <p:nvSpPr>
+          <p:cNvPr id="14" name="TextBox 13">
+            <a:extLst>
+              <a:ext uri="{FF2B5EF4-FFF2-40B4-BE49-F238E27FC236}">
+                <a16:creationId xmlns:a16="http://schemas.microsoft.com/office/drawing/2014/main" id="{6A601B3C-F119-4EDC-ABF7-0DD61555E354}"/>
+              </a:ext>
+            </a:extLst>
+          </p:cNvPr>
+          <p:cNvSpPr txBox="1"/>
+          <p:nvPr/>
+        </p:nvSpPr>
+        <p:spPr>
+          <a:xfrm>
+            <a:off x="1860541" y="3089419"/>
+            <a:ext cx="2988951" cy="646331"/>
+          </a:xfrm>
+          <a:prstGeom prst="rect">
+            <a:avLst/>
+          </a:prstGeom>
+          <a:noFill/>
+        </p:spPr>
+        <p:txBody>
+          <a:bodyPr wrap="square" rtlCol="0">
+            <a:spAutoFit/>
+          </a:bodyPr>
+          <a:lstStyle/>
+          <a:p>
+            <a:pPr algn="ctr"/>
+            <a:r>
+              <a:rPr lang="fr-BE" dirty="0"/>
+              <a:t>Application Container</a:t>
+            </a:r>
+          </a:p>
+          <a:p>
+            <a:pPr algn="ctr"/>
+            <a:r>
+              <a:rPr lang="fr-BE" dirty="0"/>
+              <a:t>Image « </a:t>
+            </a:r>
+            <a:r>
+              <a:rPr lang="fr-BE" dirty="0" err="1"/>
+              <a:t>tryton</a:t>
+            </a:r>
+            <a:r>
+              <a:rPr lang="fr-BE" dirty="0"/>
+              <a:t>/</a:t>
+            </a:r>
+            <a:r>
+              <a:rPr lang="fr-BE" dirty="0" err="1"/>
+              <a:t>tryton:a</a:t>
+            </a:r>
+            <a:r>
+              <a:rPr lang="fr-BE" dirty="0"/>
+              <a:t> » </a:t>
+            </a:r>
+            <a:endParaRPr lang="en-BE" dirty="0"/>
+          </a:p>
+        </p:txBody>
+      </p:sp>
+      <p:sp>
+        <p:nvSpPr>
+          <p:cNvPr id="15" name="Cube 14">
+            <a:extLst>
+              <a:ext uri="{FF2B5EF4-FFF2-40B4-BE49-F238E27FC236}">
+                <a16:creationId xmlns:a16="http://schemas.microsoft.com/office/drawing/2014/main" id="{A0C9E018-4938-4990-8C52-93E1569D141E}"/>
+              </a:ext>
+            </a:extLst>
+          </p:cNvPr>
+          <p:cNvSpPr/>
+          <p:nvPr/>
+        </p:nvSpPr>
+        <p:spPr>
+          <a:xfrm>
+            <a:off x="7078183" y="4098826"/>
+            <a:ext cx="3103756" cy="1585500"/>
+          </a:xfrm>
+          <a:prstGeom prst="cube">
+            <a:avLst>
+              <a:gd name="adj" fmla="val 5604"/>
+            </a:avLst>
+          </a:prstGeom>
+          <a:solidFill>
+            <a:schemeClr val="accent4">
+              <a:lumMod val="20000"/>
+              <a:lumOff val="80000"/>
+            </a:schemeClr>
+          </a:solidFill>
+        </p:spPr>
+        <p:style>
+          <a:lnRef idx="2">
+            <a:schemeClr val="accent1">
+              <a:shade val="50000"/>
+            </a:schemeClr>
+          </a:lnRef>
+          <a:fillRef idx="1">
+            <a:schemeClr val="accent1"/>
+          </a:fillRef>
+          <a:effectRef idx="0">
+            <a:schemeClr val="accent1"/>
+          </a:effectRef>
+          <a:fontRef idx="minor">
+            <a:schemeClr val="lt1"/>
+          </a:fontRef>
+        </p:style>
+        <p:txBody>
+          <a:bodyPr rtlCol="0" anchor="ctr"/>
+          <a:lstStyle/>
+          <a:p>
+            <a:pPr algn="ctr"/>
+            <a:r>
+              <a:rPr lang="fr-BE" dirty="0">
+                <a:solidFill>
+                  <a:schemeClr val="tx1"/>
+                </a:solidFill>
+              </a:rPr>
+              <a:t> </a:t>
+            </a:r>
+            <a:endParaRPr lang="en-BE" dirty="0"/>
+          </a:p>
+        </p:txBody>
+      </p:sp>
+      <p:sp>
+        <p:nvSpPr>
+          <p:cNvPr id="16" name="Cylinder 15">
+            <a:extLst>
+              <a:ext uri="{FF2B5EF4-FFF2-40B4-BE49-F238E27FC236}">
+                <a16:creationId xmlns:a16="http://schemas.microsoft.com/office/drawing/2014/main" id="{1FCB1FB6-0552-483B-84D2-CC237F4B75ED}"/>
+              </a:ext>
+            </a:extLst>
+          </p:cNvPr>
+          <p:cNvSpPr/>
+          <p:nvPr/>
+        </p:nvSpPr>
+        <p:spPr>
+          <a:xfrm>
+            <a:off x="8090802" y="4964311"/>
+            <a:ext cx="1078518" cy="491911"/>
+          </a:xfrm>
+          <a:prstGeom prst="can">
+            <a:avLst/>
+          </a:prstGeom>
+          <a:solidFill>
+            <a:schemeClr val="accent4">
+              <a:lumMod val="40000"/>
+              <a:lumOff val="60000"/>
+            </a:schemeClr>
+          </a:solidFill>
+        </p:spPr>
+        <p:style>
+          <a:lnRef idx="2">
+            <a:schemeClr val="accent1">
+              <a:shade val="50000"/>
+            </a:schemeClr>
+          </a:lnRef>
+          <a:fillRef idx="1">
+            <a:schemeClr val="accent1"/>
+          </a:fillRef>
+          <a:effectRef idx="0">
+            <a:schemeClr val="accent1"/>
+          </a:effectRef>
+          <a:fontRef idx="minor">
+            <a:schemeClr val="lt1"/>
+          </a:fontRef>
+        </p:style>
+        <p:txBody>
+          <a:bodyPr rtlCol="0" anchor="ctr"/>
+          <a:lstStyle/>
+          <a:p>
+            <a:pPr algn="ctr"/>
+            <a:br>
+              <a:rPr lang="fr-BE" dirty="0">
+                <a:solidFill>
+                  <a:schemeClr val="tx1"/>
+                </a:solidFill>
+              </a:rPr>
+            </a:br>
+            <a:endParaRPr lang="fr-BE" dirty="0">
+              <a:solidFill>
+                <a:schemeClr val="tx1"/>
+              </a:solidFill>
+            </a:endParaRPr>
+          </a:p>
+          <a:p>
+            <a:pPr algn="ctr"/>
+            <a:r>
+              <a:rPr lang="fr-BE" dirty="0">
+                <a:solidFill>
+                  <a:schemeClr val="tx1"/>
+                </a:solidFill>
+              </a:rPr>
+              <a:t>TRYTON</a:t>
+            </a:r>
+            <a:br>
+              <a:rPr lang="fr-BE" dirty="0">
+                <a:solidFill>
+                  <a:schemeClr val="tx1"/>
+                </a:solidFill>
+              </a:rPr>
+            </a:br>
+            <a:br>
+              <a:rPr lang="fr-BE" dirty="0">
+                <a:solidFill>
+                  <a:schemeClr val="tx1"/>
+                </a:solidFill>
+              </a:rPr>
+            </a:br>
+            <a:endParaRPr lang="en-BE" dirty="0">
+              <a:solidFill>
+                <a:schemeClr val="tx1"/>
+              </a:solidFill>
+            </a:endParaRPr>
+          </a:p>
+        </p:txBody>
+      </p:sp>
+      <p:sp>
+        <p:nvSpPr>
+          <p:cNvPr id="17" name="TextBox 16">
+            <a:extLst>
+              <a:ext uri="{FF2B5EF4-FFF2-40B4-BE49-F238E27FC236}">
+                <a16:creationId xmlns:a16="http://schemas.microsoft.com/office/drawing/2014/main" id="{FD8F49D0-34F9-4578-8935-2AB0E5477D38}"/>
+              </a:ext>
+            </a:extLst>
+          </p:cNvPr>
+          <p:cNvSpPr txBox="1"/>
+          <p:nvPr/>
+        </p:nvSpPr>
+        <p:spPr>
+          <a:xfrm>
+            <a:off x="7078183" y="4228936"/>
+            <a:ext cx="2988951" cy="646331"/>
+          </a:xfrm>
+          <a:prstGeom prst="rect">
+            <a:avLst/>
+          </a:prstGeom>
+          <a:noFill/>
+        </p:spPr>
+        <p:txBody>
+          <a:bodyPr wrap="square" rtlCol="0">
+            <a:spAutoFit/>
+          </a:bodyPr>
+          <a:lstStyle/>
+          <a:p>
+            <a:pPr algn="ctr"/>
+            <a:r>
+              <a:rPr lang="fr-BE" dirty="0" err="1"/>
+              <a:t>Database</a:t>
+            </a:r>
+            <a:r>
+              <a:rPr lang="fr-BE" dirty="0"/>
+              <a:t> Container</a:t>
+            </a:r>
+            <a:br>
+              <a:rPr lang="fr-BE" dirty="0"/>
+            </a:br>
+            <a:r>
+              <a:rPr lang="fr-BE" dirty="0"/>
+              <a:t>Image « </a:t>
+            </a:r>
+            <a:r>
+              <a:rPr lang="fr-BE" dirty="0" err="1"/>
+              <a:t>postgres:z</a:t>
+            </a:r>
+            <a:r>
+              <a:rPr lang="fr-BE" dirty="0"/>
+              <a:t> »</a:t>
+            </a:r>
+            <a:endParaRPr lang="en-BE" dirty="0"/>
+          </a:p>
+        </p:txBody>
+      </p:sp>
+      <p:sp>
+        <p:nvSpPr>
+          <p:cNvPr id="18" name="Cube 17">
+            <a:extLst>
+              <a:ext uri="{FF2B5EF4-FFF2-40B4-BE49-F238E27FC236}">
+                <a16:creationId xmlns:a16="http://schemas.microsoft.com/office/drawing/2014/main" id="{6CE3458E-B460-4A8B-9DF6-814F67AE1813}"/>
+              </a:ext>
+            </a:extLst>
+          </p:cNvPr>
+          <p:cNvSpPr/>
+          <p:nvPr/>
+        </p:nvSpPr>
+        <p:spPr>
+          <a:xfrm>
+            <a:off x="7078183" y="2857997"/>
+            <a:ext cx="3103756" cy="1110171"/>
+          </a:xfrm>
+          <a:prstGeom prst="cube">
+            <a:avLst>
+              <a:gd name="adj" fmla="val 5604"/>
+            </a:avLst>
+          </a:prstGeom>
+          <a:solidFill>
+            <a:schemeClr val="accent4">
+              <a:lumMod val="20000"/>
+              <a:lumOff val="80000"/>
+            </a:schemeClr>
+          </a:solidFill>
+        </p:spPr>
+        <p:style>
+          <a:lnRef idx="2">
+            <a:schemeClr val="accent1">
+              <a:shade val="50000"/>
+            </a:schemeClr>
+          </a:lnRef>
+          <a:fillRef idx="1">
+            <a:schemeClr val="accent1"/>
+          </a:fillRef>
+          <a:effectRef idx="0">
+            <a:schemeClr val="accent1"/>
+          </a:effectRef>
+          <a:fontRef idx="minor">
+            <a:schemeClr val="lt1"/>
+          </a:fontRef>
+        </p:style>
+        <p:txBody>
+          <a:bodyPr rtlCol="0" anchor="ctr"/>
+          <a:lstStyle/>
+          <a:p>
+            <a:pPr algn="ctr"/>
+            <a:r>
+              <a:rPr lang="fr-BE" dirty="0">
+                <a:solidFill>
+                  <a:schemeClr val="tx1"/>
+                </a:solidFill>
+              </a:rPr>
+              <a:t> </a:t>
+            </a:r>
+            <a:endParaRPr lang="en-BE" dirty="0"/>
+          </a:p>
+        </p:txBody>
+      </p:sp>
+      <p:sp>
+        <p:nvSpPr>
+          <p:cNvPr id="19" name="TextBox 18">
+            <a:extLst>
+              <a:ext uri="{FF2B5EF4-FFF2-40B4-BE49-F238E27FC236}">
+                <a16:creationId xmlns:a16="http://schemas.microsoft.com/office/drawing/2014/main" id="{F7BCFD59-B18E-498B-901D-043CDC3AA7FE}"/>
+              </a:ext>
+            </a:extLst>
+          </p:cNvPr>
+          <p:cNvSpPr txBox="1"/>
+          <p:nvPr/>
+        </p:nvSpPr>
+        <p:spPr>
+          <a:xfrm>
+            <a:off x="7078182" y="3089916"/>
+            <a:ext cx="2988951" cy="646331"/>
+          </a:xfrm>
+          <a:prstGeom prst="rect">
+            <a:avLst/>
+          </a:prstGeom>
+          <a:noFill/>
+        </p:spPr>
+        <p:txBody>
+          <a:bodyPr wrap="square" rtlCol="0">
+            <a:spAutoFit/>
+          </a:bodyPr>
+          <a:lstStyle/>
+          <a:p>
+            <a:pPr algn="ctr"/>
+            <a:r>
+              <a:rPr lang="fr-BE" dirty="0"/>
+              <a:t>Application Container</a:t>
+            </a:r>
+          </a:p>
+          <a:p>
+            <a:pPr algn="ctr"/>
+            <a:r>
+              <a:rPr lang="fr-BE" dirty="0"/>
+              <a:t>Image « </a:t>
+            </a:r>
+            <a:r>
+              <a:rPr lang="fr-BE" dirty="0" err="1"/>
+              <a:t>tryton</a:t>
+            </a:r>
+            <a:r>
+              <a:rPr lang="fr-BE" dirty="0"/>
+              <a:t>/</a:t>
+            </a:r>
+            <a:r>
+              <a:rPr lang="fr-BE" dirty="0" err="1"/>
+              <a:t>tryton:b</a:t>
+            </a:r>
+            <a:r>
+              <a:rPr lang="fr-BE" dirty="0"/>
+              <a:t> » </a:t>
+            </a:r>
+            <a:endParaRPr lang="en-BE" dirty="0"/>
+          </a:p>
+        </p:txBody>
+      </p:sp>
+      <p:sp>
+        <p:nvSpPr>
+          <p:cNvPr id="4" name="Rectangle 3">
+            <a:extLst>
+              <a:ext uri="{FF2B5EF4-FFF2-40B4-BE49-F238E27FC236}">
+                <a16:creationId xmlns:a16="http://schemas.microsoft.com/office/drawing/2014/main" id="{64EACECD-C3FF-4030-A824-27D31C755774}"/>
+              </a:ext>
+            </a:extLst>
+          </p:cNvPr>
+          <p:cNvSpPr/>
+          <p:nvPr/>
+        </p:nvSpPr>
+        <p:spPr>
+          <a:xfrm>
+            <a:off x="1860541" y="6109855"/>
+            <a:ext cx="3103757" cy="519546"/>
+          </a:xfrm>
+          <a:prstGeom prst="rect">
+            <a:avLst/>
+          </a:prstGeom>
+          <a:solidFill>
+            <a:schemeClr val="bg1"/>
+          </a:solidFill>
+        </p:spPr>
+        <p:style>
+          <a:lnRef idx="2">
+            <a:schemeClr val="accent1">
+              <a:shade val="50000"/>
+            </a:schemeClr>
+          </a:lnRef>
+          <a:fillRef idx="1">
+            <a:schemeClr val="accent1"/>
+          </a:fillRef>
+          <a:effectRef idx="0">
+            <a:schemeClr val="accent1"/>
+          </a:effectRef>
+          <a:fontRef idx="minor">
+            <a:schemeClr val="lt1"/>
+          </a:fontRef>
+        </p:style>
+        <p:txBody>
+          <a:bodyPr rtlCol="0" anchor="ctr"/>
+          <a:lstStyle/>
+          <a:p>
+            <a:pPr algn="ctr"/>
+            <a:r>
+              <a:rPr lang="fr-BE" dirty="0">
+                <a:solidFill>
+                  <a:schemeClr val="tx1"/>
+                </a:solidFill>
+              </a:rPr>
+              <a:t>Backup</a:t>
+            </a:r>
+            <a:endParaRPr lang="en-BE" dirty="0">
+              <a:solidFill>
+                <a:schemeClr val="tx1"/>
+              </a:solidFill>
+            </a:endParaRPr>
+          </a:p>
+        </p:txBody>
+      </p:sp>
+      <p:cxnSp>
+        <p:nvCxnSpPr>
+          <p:cNvPr id="20" name="Straight Arrow Connector 19">
+            <a:extLst>
+              <a:ext uri="{FF2B5EF4-FFF2-40B4-BE49-F238E27FC236}">
+                <a16:creationId xmlns:a16="http://schemas.microsoft.com/office/drawing/2014/main" id="{71D55580-F0C1-449E-A38A-05AC7CEDF906}"/>
+              </a:ext>
+            </a:extLst>
+          </p:cNvPr>
+          <p:cNvCxnSpPr>
+            <a:stCxn id="10" idx="3"/>
+            <a:endCxn id="4" idx="0"/>
+          </p:cNvCxnSpPr>
+          <p:nvPr/>
+        </p:nvCxnSpPr>
+        <p:spPr>
+          <a:xfrm>
+            <a:off x="3412420" y="5455725"/>
+            <a:ext cx="0" cy="654130"/>
+          </a:xfrm>
+          <a:prstGeom prst="straightConnector1">
+            <a:avLst/>
+          </a:prstGeom>
+          <a:ln>
+            <a:tailEnd type="triangle"/>
+          </a:ln>
+        </p:spPr>
+        <p:style>
+          <a:lnRef idx="1">
+            <a:schemeClr val="accent1"/>
+          </a:lnRef>
+          <a:fillRef idx="0">
+            <a:schemeClr val="accent1"/>
+          </a:fillRef>
+          <a:effectRef idx="0">
+            <a:schemeClr val="accent1"/>
+          </a:effectRef>
+          <a:fontRef idx="minor">
+            <a:schemeClr val="tx1"/>
+          </a:fontRef>
+        </p:style>
+      </p:cxnSp>
+      <p:sp>
+        <p:nvSpPr>
+          <p:cNvPr id="21" name="Rectangle 20">
+            <a:extLst>
+              <a:ext uri="{FF2B5EF4-FFF2-40B4-BE49-F238E27FC236}">
+                <a16:creationId xmlns:a16="http://schemas.microsoft.com/office/drawing/2014/main" id="{191A3A85-A04C-4F93-AD3B-62F0783CE517}"/>
+              </a:ext>
+            </a:extLst>
+          </p:cNvPr>
+          <p:cNvSpPr/>
+          <p:nvPr/>
+        </p:nvSpPr>
+        <p:spPr>
+          <a:xfrm>
+            <a:off x="7078182" y="6109855"/>
+            <a:ext cx="3103757" cy="519546"/>
+          </a:xfrm>
+          <a:prstGeom prst="rect">
+            <a:avLst/>
+          </a:prstGeom>
+          <a:solidFill>
+            <a:schemeClr val="bg1"/>
+          </a:solidFill>
+        </p:spPr>
+        <p:style>
+          <a:lnRef idx="2">
+            <a:schemeClr val="accent1">
+              <a:shade val="50000"/>
+            </a:schemeClr>
+          </a:lnRef>
+          <a:fillRef idx="1">
+            <a:schemeClr val="accent1"/>
+          </a:fillRef>
+          <a:effectRef idx="0">
+            <a:schemeClr val="accent1"/>
+          </a:effectRef>
+          <a:fontRef idx="minor">
+            <a:schemeClr val="lt1"/>
+          </a:fontRef>
+        </p:style>
+        <p:txBody>
+          <a:bodyPr rtlCol="0" anchor="ctr"/>
+          <a:lstStyle/>
+          <a:p>
+            <a:pPr algn="ctr"/>
+            <a:r>
+              <a:rPr lang="fr-BE" dirty="0">
+                <a:solidFill>
+                  <a:schemeClr val="tx1"/>
+                </a:solidFill>
+              </a:rPr>
+              <a:t>Restore</a:t>
+            </a:r>
+            <a:endParaRPr lang="en-BE" dirty="0">
+              <a:solidFill>
+                <a:schemeClr val="tx1"/>
+              </a:solidFill>
+            </a:endParaRPr>
+          </a:p>
+        </p:txBody>
+      </p:sp>
+      <p:cxnSp>
+        <p:nvCxnSpPr>
+          <p:cNvPr id="26" name="Straight Arrow Connector 25">
+            <a:extLst>
+              <a:ext uri="{FF2B5EF4-FFF2-40B4-BE49-F238E27FC236}">
+                <a16:creationId xmlns:a16="http://schemas.microsoft.com/office/drawing/2014/main" id="{59AEF878-069C-4848-8C6D-F8B9667358E6}"/>
+              </a:ext>
+            </a:extLst>
+          </p:cNvPr>
+          <p:cNvCxnSpPr>
+            <a:stCxn id="21" idx="0"/>
+            <a:endCxn id="16" idx="3"/>
+          </p:cNvCxnSpPr>
+          <p:nvPr/>
+        </p:nvCxnSpPr>
+        <p:spPr>
+          <a:xfrm flipV="1">
+            <a:off x="8630061" y="5456222"/>
+            <a:ext cx="0" cy="653633"/>
+          </a:xfrm>
+          <a:prstGeom prst="straightConnector1">
+            <a:avLst/>
+          </a:prstGeom>
+          <a:ln>
+            <a:tailEnd type="triangle"/>
+          </a:ln>
+        </p:spPr>
+        <p:style>
+          <a:lnRef idx="1">
+            <a:schemeClr val="accent1"/>
+          </a:lnRef>
+          <a:fillRef idx="0">
+            <a:schemeClr val="accent1"/>
+          </a:fillRef>
+          <a:effectRef idx="0">
+            <a:schemeClr val="accent1"/>
+          </a:effectRef>
+          <a:fontRef idx="minor">
+            <a:schemeClr val="tx1"/>
+          </a:fontRef>
+        </p:style>
+      </p:cxnSp>
+      <p:cxnSp>
+        <p:nvCxnSpPr>
+          <p:cNvPr id="28" name="Straight Connector 27">
+            <a:extLst>
+              <a:ext uri="{FF2B5EF4-FFF2-40B4-BE49-F238E27FC236}">
+                <a16:creationId xmlns:a16="http://schemas.microsoft.com/office/drawing/2014/main" id="{FB44BB6A-2F58-40E4-99E0-7A8EF3FBF1E9}"/>
+              </a:ext>
+            </a:extLst>
+          </p:cNvPr>
+          <p:cNvCxnSpPr>
+            <a:stCxn id="4" idx="3"/>
+            <a:endCxn id="21" idx="1"/>
+          </p:cNvCxnSpPr>
+          <p:nvPr/>
+        </p:nvCxnSpPr>
+        <p:spPr>
+          <a:xfrm>
+            <a:off x="4964298" y="6369628"/>
+            <a:ext cx="2113884" cy="0"/>
+          </a:xfrm>
+          <a:prstGeom prst="line">
+            <a:avLst/>
+          </a:prstGeom>
+        </p:spPr>
+        <p:style>
+          <a:lnRef idx="1">
+            <a:schemeClr val="accent1"/>
+          </a:lnRef>
+          <a:fillRef idx="0">
+            <a:schemeClr val="accent1"/>
+          </a:fillRef>
+          <a:effectRef idx="0">
+            <a:schemeClr val="accent1"/>
+          </a:effectRef>
+          <a:fontRef idx="minor">
+            <a:schemeClr val="tx1"/>
+          </a:fontRef>
+        </p:style>
+      </p:cxnSp>
     </p:spTree>
     <p:extLst>
       <p:ext uri="{BB962C8B-B14F-4D97-AF65-F5344CB8AC3E}">
@@ -25503,10 +26125,44 @@
       </p:grpSpPr>
       <p:sp>
         <p:nvSpPr>
-          <p:cNvPr id="2" name="Title 1">
-            <a:extLst>
-              <a:ext uri="{FF2B5EF4-FFF2-40B4-BE49-F238E27FC236}">
-                <a16:creationId xmlns:a16="http://schemas.microsoft.com/office/drawing/2014/main" id="{A5AABBF0-44BB-4BD7-BF73-1C1B53AB85BF}"/>
+          <p:cNvPr id="5" name="Slide Number Placeholder 4">
+            <a:extLst>
+              <a:ext uri="{FF2B5EF4-FFF2-40B4-BE49-F238E27FC236}">
+                <a16:creationId xmlns:a16="http://schemas.microsoft.com/office/drawing/2014/main" id="{81032038-9680-475F-B14C-EB2C1ED81E5F}"/>
+              </a:ext>
+            </a:extLst>
+          </p:cNvPr>
+          <p:cNvSpPr>
+            <a:spLocks noGrp="1"/>
+          </p:cNvSpPr>
+          <p:nvPr>
+            <p:ph type="sldNum" sz="quarter" idx="12"/>
+          </p:nvPr>
+        </p:nvSpPr>
+        <p:spPr>
+          <a:xfrm rot="16200000">
+            <a:off x="-40341" y="6146519"/>
+            <a:ext cx="842683" cy="365125"/>
+          </a:xfrm>
+        </p:spPr>
+        <p:txBody>
+          <a:bodyPr/>
+          <a:lstStyle/>
+          <a:p>
+            <a:fld id="{69D2CCA8-53B9-41C4-8716-EA9CD8A55276}" type="slidenum">
+              <a:rPr lang="en-BE" smtClean="0"/>
+              <a:t>47</a:t>
+            </a:fld>
+            <a:endParaRPr lang="en-BE"/>
+          </a:p>
+        </p:txBody>
+      </p:sp>
+      <p:sp>
+        <p:nvSpPr>
+          <p:cNvPr id="9" name="Title 1">
+            <a:extLst>
+              <a:ext uri="{FF2B5EF4-FFF2-40B4-BE49-F238E27FC236}">
+                <a16:creationId xmlns:a16="http://schemas.microsoft.com/office/drawing/2014/main" id="{8484E15B-0329-4BE2-8710-7956E1C3B8C1}"/>
               </a:ext>
             </a:extLst>
           </p:cNvPr>
@@ -25517,14 +26173,73 @@
             <p:ph type="title"/>
           </p:nvPr>
         </p:nvSpPr>
-        <p:spPr/>
-        <p:txBody>
-          <a:bodyPr/>
-          <a:lstStyle/>
-          <a:p>
-            <a:r>
-              <a:rPr lang="fr-BE" dirty="0"/>
-              <a:t>User Interface</a:t>
+        <p:spPr>
+          <a:xfrm>
+            <a:off x="838200" y="365125"/>
+            <a:ext cx="10515600" cy="462189"/>
+          </a:xfrm>
+        </p:spPr>
+        <p:txBody>
+          <a:bodyPr>
+            <a:normAutofit/>
+          </a:bodyPr>
+          <a:lstStyle/>
+          <a:p>
+            <a:r>
+              <a:rPr lang="fr-BE" dirty="0" err="1"/>
+              <a:t>Installing</a:t>
+            </a:r>
+            <a:r>
+              <a:rPr lang="fr-BE" dirty="0"/>
+              <a:t> containers </a:t>
+            </a:r>
+            <a:r>
+              <a:rPr lang="fr-BE" dirty="0" err="1"/>
+              <a:t>built</a:t>
+            </a:r>
+            <a:r>
+              <a:rPr lang="fr-BE" dirty="0"/>
+              <a:t> </a:t>
+            </a:r>
+            <a:r>
+              <a:rPr lang="fr-BE" dirty="0" err="1"/>
+              <a:t>from</a:t>
+            </a:r>
+            <a:r>
+              <a:rPr lang="fr-BE" dirty="0"/>
+              <a:t> « </a:t>
+            </a:r>
+            <a:r>
+              <a:rPr lang="fr-BE" dirty="0" err="1"/>
+              <a:t>tryton</a:t>
+            </a:r>
+            <a:r>
+              <a:rPr lang="fr-BE" dirty="0"/>
+              <a:t>/</a:t>
+            </a:r>
+            <a:r>
+              <a:rPr lang="fr-BE" dirty="0" err="1"/>
+              <a:t>tryton</a:t>
+            </a:r>
+            <a:r>
+              <a:rPr lang="fr-BE" dirty="0"/>
+              <a:t> » images </a:t>
+            </a:r>
+            <a:r>
+              <a:rPr lang="fr-BE" dirty="0" err="1"/>
+              <a:t>with</a:t>
+            </a:r>
+            <a:r>
+              <a:rPr lang="fr-BE" dirty="0"/>
+              <a:t> </a:t>
+            </a:r>
+            <a:r>
+              <a:rPr lang="fr-BE" dirty="0" err="1"/>
+              <a:t>different</a:t>
+            </a:r>
+            <a:r>
+              <a:rPr lang="fr-BE" dirty="0"/>
+              <a:t> « tags »</a:t>
             </a:r>
             <a:endParaRPr lang="en-BE" dirty="0"/>
           </a:p>
@@ -25532,64 +26247,10 @@
       </p:sp>
       <p:sp>
         <p:nvSpPr>
-          <p:cNvPr id="3" name="Text Placeholder 2">
-            <a:extLst>
-              <a:ext uri="{FF2B5EF4-FFF2-40B4-BE49-F238E27FC236}">
-                <a16:creationId xmlns:a16="http://schemas.microsoft.com/office/drawing/2014/main" id="{6061569B-4D1E-4EC2-AC4D-DB1D229470E5}"/>
-              </a:ext>
-            </a:extLst>
-          </p:cNvPr>
-          <p:cNvSpPr>
-            <a:spLocks noGrp="1"/>
-          </p:cNvSpPr>
-          <p:nvPr>
-            <p:ph type="body" idx="1"/>
-          </p:nvPr>
-        </p:nvSpPr>
-        <p:spPr/>
-        <p:txBody>
-          <a:bodyPr/>
-          <a:lstStyle/>
-          <a:p>
-            <a:endParaRPr lang="en-BE" dirty="0"/>
-          </a:p>
-        </p:txBody>
-      </p:sp>
-      <p:sp>
-        <p:nvSpPr>
-          <p:cNvPr id="6" name="Slide Number Placeholder 5">
-            <a:extLst>
-              <a:ext uri="{FF2B5EF4-FFF2-40B4-BE49-F238E27FC236}">
-                <a16:creationId xmlns:a16="http://schemas.microsoft.com/office/drawing/2014/main" id="{BDF0AD69-D82A-42E8-BC94-E097442C2CDF}"/>
-              </a:ext>
-            </a:extLst>
-          </p:cNvPr>
-          <p:cNvSpPr>
-            <a:spLocks noGrp="1"/>
-          </p:cNvSpPr>
-          <p:nvPr>
-            <p:ph type="sldNum" sz="quarter" idx="12"/>
-          </p:nvPr>
-        </p:nvSpPr>
-        <p:spPr/>
-        <p:txBody>
-          <a:bodyPr/>
-          <a:lstStyle/>
-          <a:p>
-            <a:fld id="{69D2CCA8-53B9-41C4-8716-EA9CD8A55276}" type="slidenum">
-              <a:rPr lang="en-BE" smtClean="0"/>
-              <a:t>47</a:t>
-            </a:fld>
-            <a:endParaRPr lang="en-BE"/>
-          </a:p>
-        </p:txBody>
-      </p:sp>
-      <p:sp>
-        <p:nvSpPr>
-          <p:cNvPr id="5" name="Rectangle 4">
-            <a:extLst>
-              <a:ext uri="{FF2B5EF4-FFF2-40B4-BE49-F238E27FC236}">
-                <a16:creationId xmlns:a16="http://schemas.microsoft.com/office/drawing/2014/main" id="{AC84AF6F-494F-431C-998F-221B85D40744}"/>
+          <p:cNvPr id="7" name="Rectangle 6">
+            <a:extLst>
+              <a:ext uri="{FF2B5EF4-FFF2-40B4-BE49-F238E27FC236}">
+                <a16:creationId xmlns:a16="http://schemas.microsoft.com/office/drawing/2014/main" id="{3C4B9224-84A0-438C-B065-6A0800F004CC}"/>
               </a:ext>
             </a:extLst>
           </p:cNvPr>
@@ -25638,10 +26299,603 @@
           </a:p>
         </p:txBody>
       </p:sp>
+      <p:sp>
+        <p:nvSpPr>
+          <p:cNvPr id="3" name="TextBox 2">
+            <a:extLst>
+              <a:ext uri="{FF2B5EF4-FFF2-40B4-BE49-F238E27FC236}">
+                <a16:creationId xmlns:a16="http://schemas.microsoft.com/office/drawing/2014/main" id="{4397AFC9-CB6C-451C-A293-3871571055E8}"/>
+              </a:ext>
+            </a:extLst>
+          </p:cNvPr>
+          <p:cNvSpPr txBox="1"/>
+          <p:nvPr/>
+        </p:nvSpPr>
+        <p:spPr>
+          <a:xfrm>
+            <a:off x="838200" y="976746"/>
+            <a:ext cx="10726882" cy="3693319"/>
+          </a:xfrm>
+          <a:prstGeom prst="rect">
+            <a:avLst/>
+          </a:prstGeom>
+          <a:noFill/>
+        </p:spPr>
+        <p:txBody>
+          <a:bodyPr wrap="square" rtlCol="0">
+            <a:spAutoFit/>
+          </a:bodyPr>
+          <a:lstStyle/>
+          <a:p>
+            <a:pPr marL="285750" indent="-285750">
+              <a:buFontTx/>
+              <a:buChar char="-"/>
+            </a:pPr>
+            <a:r>
+              <a:rPr lang="fr-BE" dirty="0"/>
+              <a:t>Docker </a:t>
+            </a:r>
+            <a:r>
+              <a:rPr lang="fr-BE" dirty="0" err="1"/>
+              <a:t>shines</a:t>
+            </a:r>
+            <a:r>
+              <a:rPr lang="fr-BE" dirty="0"/>
+              <a:t> </a:t>
+            </a:r>
+            <a:r>
+              <a:rPr lang="fr-BE" dirty="0" err="1"/>
+              <a:t>thanks</a:t>
+            </a:r>
+            <a:r>
+              <a:rPr lang="fr-BE" dirty="0"/>
+              <a:t> to </a:t>
+            </a:r>
+            <a:r>
+              <a:rPr lang="fr-BE" dirty="0" err="1"/>
+              <a:t>its</a:t>
+            </a:r>
+            <a:r>
+              <a:rPr lang="fr-BE" dirty="0"/>
+              <a:t> </a:t>
+            </a:r>
+            <a:r>
+              <a:rPr lang="fr-BE" dirty="0" err="1"/>
+              <a:t>capability</a:t>
+            </a:r>
+            <a:r>
+              <a:rPr lang="fr-BE" dirty="0"/>
+              <a:t> to </a:t>
+            </a:r>
+            <a:r>
+              <a:rPr lang="fr-BE" dirty="0" err="1"/>
+              <a:t>isolate</a:t>
+            </a:r>
+            <a:r>
+              <a:rPr lang="fr-BE" dirty="0"/>
+              <a:t> containers </a:t>
+            </a:r>
+            <a:r>
+              <a:rPr lang="fr-BE" dirty="0" err="1"/>
+              <a:t>from</a:t>
+            </a:r>
+            <a:r>
+              <a:rPr lang="fr-BE" dirty="0"/>
+              <a:t> one </a:t>
+            </a:r>
+            <a:r>
+              <a:rPr lang="fr-BE" dirty="0" err="1"/>
+              <a:t>another</a:t>
+            </a:r>
+            <a:r>
+              <a:rPr lang="fr-BE" dirty="0"/>
+              <a:t>, </a:t>
+            </a:r>
+            <a:r>
+              <a:rPr lang="fr-BE" dirty="0" err="1"/>
+              <a:t>especially</a:t>
+            </a:r>
+            <a:r>
+              <a:rPr lang="fr-BE" dirty="0"/>
+              <a:t> </a:t>
+            </a:r>
+            <a:r>
+              <a:rPr lang="fr-BE" dirty="0" err="1"/>
+              <a:t>when</a:t>
+            </a:r>
+            <a:r>
+              <a:rPr lang="fr-BE" dirty="0"/>
+              <a:t> </a:t>
+            </a:r>
+            <a:r>
+              <a:rPr lang="fr-BE" dirty="0" err="1"/>
+              <a:t>such</a:t>
+            </a:r>
+            <a:r>
+              <a:rPr lang="fr-BE" dirty="0"/>
+              <a:t> containers are </a:t>
+            </a:r>
+            <a:r>
+              <a:rPr lang="fr-BE" dirty="0" err="1"/>
+              <a:t>generated</a:t>
+            </a:r>
+            <a:r>
+              <a:rPr lang="fr-BE" dirty="0"/>
+              <a:t> </a:t>
+            </a:r>
+            <a:r>
+              <a:rPr lang="fr-BE" dirty="0" err="1"/>
+              <a:t>from</a:t>
+            </a:r>
+            <a:r>
+              <a:rPr lang="fr-BE" dirty="0"/>
+              <a:t> an « image » == « application » </a:t>
+            </a:r>
+            <a:r>
+              <a:rPr lang="fr-BE" dirty="0" err="1"/>
+              <a:t>having</a:t>
+            </a:r>
+            <a:r>
+              <a:rPr lang="fr-BE" dirty="0"/>
+              <a:t> </a:t>
+            </a:r>
+            <a:r>
+              <a:rPr lang="fr-BE" dirty="0" err="1"/>
+              <a:t>different</a:t>
+            </a:r>
+            <a:r>
+              <a:rPr lang="fr-BE" dirty="0"/>
+              <a:t> « tags » == « versions ». </a:t>
+            </a:r>
+            <a:r>
+              <a:rPr lang="fr-BE" dirty="0" err="1"/>
+              <a:t>F.i</a:t>
+            </a:r>
+            <a:r>
+              <a:rPr lang="fr-BE" dirty="0"/>
+              <a:t>. :</a:t>
+            </a:r>
+          </a:p>
+          <a:p>
+            <a:pPr marL="285750" indent="-285750">
+              <a:buFontTx/>
+              <a:buChar char="-"/>
+            </a:pPr>
+            <a:r>
+              <a:rPr lang="fr-BE" dirty="0"/>
+              <a:t>Image for version « 5.0 » or « 6.0 » : « </a:t>
+            </a:r>
+            <a:r>
+              <a:rPr lang="fr-BE" dirty="0" err="1"/>
+              <a:t>tryton</a:t>
+            </a:r>
+            <a:r>
+              <a:rPr lang="fr-BE" dirty="0"/>
+              <a:t>/tryton:5.0 » or « </a:t>
+            </a:r>
+            <a:r>
+              <a:rPr lang="fr-BE" dirty="0" err="1"/>
+              <a:t>tryton</a:t>
+            </a:r>
+            <a:r>
+              <a:rPr lang="fr-BE" dirty="0"/>
+              <a:t>/tryton:6:0 »</a:t>
+            </a:r>
+          </a:p>
+          <a:p>
+            <a:pPr marL="285750" indent="-285750">
+              <a:buFontTx/>
+              <a:buChar char="-"/>
+            </a:pPr>
+            <a:r>
+              <a:rPr lang="fr-BE" dirty="0"/>
+              <a:t>Image for version « </a:t>
+            </a:r>
+            <a:r>
+              <a:rPr lang="fr-BE" dirty="0" err="1"/>
+              <a:t>latest</a:t>
+            </a:r>
+            <a:r>
+              <a:rPr lang="fr-BE" dirty="0"/>
+              <a:t> » : « </a:t>
+            </a:r>
+            <a:r>
+              <a:rPr lang="fr-BE" dirty="0" err="1"/>
+              <a:t>tryton</a:t>
+            </a:r>
+            <a:r>
+              <a:rPr lang="fr-BE" dirty="0"/>
+              <a:t>/</a:t>
+            </a:r>
+            <a:r>
+              <a:rPr lang="fr-BE" dirty="0" err="1"/>
+              <a:t>tryton:latest</a:t>
+            </a:r>
+            <a:r>
+              <a:rPr lang="fr-BE" dirty="0"/>
+              <a:t> » or </a:t>
+            </a:r>
+            <a:r>
+              <a:rPr lang="fr-BE" dirty="0" err="1"/>
+              <a:t>simply</a:t>
+            </a:r>
+            <a:r>
+              <a:rPr lang="fr-BE" dirty="0"/>
+              <a:t> « </a:t>
+            </a:r>
+            <a:r>
+              <a:rPr lang="fr-BE" dirty="0" err="1"/>
+              <a:t>tryton</a:t>
+            </a:r>
+            <a:r>
+              <a:rPr lang="fr-BE" dirty="0"/>
+              <a:t>/</a:t>
+            </a:r>
+            <a:r>
+              <a:rPr lang="fr-BE" dirty="0" err="1"/>
+              <a:t>tryton</a:t>
+            </a:r>
+            <a:r>
+              <a:rPr lang="fr-BE" dirty="0"/>
+              <a:t> »</a:t>
+            </a:r>
+          </a:p>
+          <a:p>
+            <a:pPr marL="285750" indent="-285750">
+              <a:buFontTx/>
+              <a:buChar char="-"/>
+            </a:pPr>
+            <a:endParaRPr lang="fr-BE" dirty="0"/>
+          </a:p>
+          <a:p>
+            <a:pPr marL="285750" indent="-285750">
+              <a:buFontTx/>
+              <a:buChar char="-"/>
+            </a:pPr>
+            <a:r>
+              <a:rPr lang="fr-BE" dirty="0"/>
+              <a:t>In </a:t>
+            </a:r>
+            <a:r>
+              <a:rPr lang="fr-BE" dirty="0" err="1"/>
+              <a:t>order</a:t>
+            </a:r>
+            <a:r>
+              <a:rPr lang="fr-BE" dirty="0"/>
+              <a:t> to </a:t>
+            </a:r>
+            <a:r>
+              <a:rPr lang="fr-BE" dirty="0" err="1"/>
+              <a:t>generate</a:t>
+            </a:r>
+            <a:r>
+              <a:rPr lang="fr-BE" dirty="0"/>
+              <a:t> containers </a:t>
+            </a:r>
+            <a:r>
+              <a:rPr lang="fr-BE" dirty="0" err="1"/>
+              <a:t>according</a:t>
+            </a:r>
+            <a:r>
+              <a:rPr lang="fr-BE" dirty="0"/>
+              <a:t> to the « </a:t>
+            </a:r>
+            <a:r>
+              <a:rPr lang="fr-BE" dirty="0" err="1"/>
+              <a:t>image+tag</a:t>
+            </a:r>
+            <a:r>
+              <a:rPr lang="fr-BE" dirty="0"/>
+              <a:t> » </a:t>
+            </a:r>
+            <a:r>
+              <a:rPr lang="fr-BE" dirty="0" err="1"/>
+              <a:t>they</a:t>
+            </a:r>
+            <a:r>
+              <a:rPr lang="fr-BE" dirty="0"/>
+              <a:t> are </a:t>
+            </a:r>
+            <a:r>
+              <a:rPr lang="fr-BE" dirty="0" err="1"/>
+              <a:t>derived</a:t>
+            </a:r>
+            <a:r>
+              <a:rPr lang="fr-BE" dirty="0"/>
+              <a:t> </a:t>
+            </a:r>
+            <a:r>
+              <a:rPr lang="fr-BE" dirty="0" err="1"/>
+              <a:t>from</a:t>
+            </a:r>
+            <a:r>
+              <a:rPr lang="fr-BE" dirty="0"/>
+              <a:t>, </a:t>
+            </a:r>
+            <a:r>
+              <a:rPr lang="fr-BE" dirty="0" err="1"/>
+              <a:t>adapt</a:t>
+            </a:r>
+            <a:r>
+              <a:rPr lang="fr-BE" dirty="0"/>
+              <a:t> the </a:t>
+            </a:r>
+            <a:r>
+              <a:rPr lang="fr-BE" dirty="0" err="1"/>
+              <a:t>parameters</a:t>
+            </a:r>
+            <a:r>
+              <a:rPr lang="fr-BE" dirty="0"/>
+              <a:t> </a:t>
+            </a:r>
+            <a:r>
+              <a:rPr lang="fr-BE" dirty="0" err="1"/>
+              <a:t>identified</a:t>
+            </a:r>
+            <a:r>
+              <a:rPr lang="fr-BE" dirty="0"/>
+              <a:t> in the </a:t>
+            </a:r>
+            <a:r>
+              <a:rPr lang="fr-BE" dirty="0" err="1"/>
+              <a:t>choosen</a:t>
+            </a:r>
+            <a:r>
+              <a:rPr lang="fr-BE" dirty="0"/>
+              <a:t> « </a:t>
+            </a:r>
+            <a:r>
+              <a:rPr lang="fr-BE" dirty="0" err="1"/>
+              <a:t>create</a:t>
+            </a:r>
+            <a:r>
+              <a:rPr lang="fr-BE" dirty="0"/>
+              <a:t> » utility script. Just </a:t>
+            </a:r>
+            <a:r>
+              <a:rPr lang="fr-BE" dirty="0" err="1"/>
+              <a:t>perform</a:t>
+            </a:r>
+            <a:r>
+              <a:rPr lang="fr-BE" dirty="0"/>
+              <a:t> a « replace all » of :</a:t>
+            </a:r>
+          </a:p>
+          <a:p>
+            <a:pPr marL="742950" lvl="1" indent="-285750">
+              <a:buFontTx/>
+              <a:buChar char="-"/>
+            </a:pPr>
+            <a:r>
+              <a:rPr lang="fr-BE" dirty="0"/>
+              <a:t>« tryt11 » : Container, </a:t>
+            </a:r>
+            <a:r>
+              <a:rPr lang="fr-BE" dirty="0" err="1"/>
+              <a:t>database</a:t>
+            </a:r>
+            <a:r>
+              <a:rPr lang="fr-BE" dirty="0"/>
+              <a:t> « </a:t>
+            </a:r>
+            <a:r>
+              <a:rPr lang="fr-BE" dirty="0" err="1"/>
+              <a:t>names</a:t>
+            </a:r>
+            <a:r>
+              <a:rPr lang="fr-BE" dirty="0"/>
+              <a:t> »</a:t>
+            </a:r>
+          </a:p>
+          <a:p>
+            <a:pPr marL="742950" lvl="1" indent="-285750">
+              <a:buFontTx/>
+              <a:buChar char="-"/>
+            </a:pPr>
+            <a:r>
+              <a:rPr lang="fr-BE" dirty="0"/>
+              <a:t>« 5443 » : the </a:t>
+            </a:r>
+            <a:r>
+              <a:rPr lang="fr-BE" dirty="0" err="1"/>
+              <a:t>database</a:t>
+            </a:r>
+            <a:r>
+              <a:rPr lang="fr-BE" dirty="0"/>
+              <a:t> port on the host system </a:t>
+            </a:r>
+            <a:r>
+              <a:rPr lang="fr-BE" dirty="0" err="1"/>
+              <a:t>side</a:t>
+            </a:r>
+            <a:r>
+              <a:rPr lang="fr-BE" dirty="0"/>
+              <a:t> &amp; « 8011 » : the </a:t>
+            </a:r>
+            <a:r>
+              <a:rPr lang="fr-BE" dirty="0" err="1"/>
+              <a:t>tryton</a:t>
+            </a:r>
+            <a:r>
+              <a:rPr lang="fr-BE" dirty="0"/>
+              <a:t> port on the host system </a:t>
+            </a:r>
+            <a:r>
+              <a:rPr lang="fr-BE" dirty="0" err="1"/>
+              <a:t>side</a:t>
+            </a:r>
+            <a:endParaRPr lang="fr-BE" dirty="0"/>
+          </a:p>
+          <a:p>
+            <a:pPr marL="742950" lvl="1" indent="-285750">
+              <a:buFontTx/>
+              <a:buChar char="-"/>
+            </a:pPr>
+            <a:r>
+              <a:rPr lang="fr-BE" dirty="0"/>
+              <a:t>For </a:t>
+            </a:r>
+            <a:r>
+              <a:rPr lang="fr-BE" dirty="0" err="1"/>
+              <a:t>simplicity</a:t>
+            </a:r>
+            <a:r>
+              <a:rPr lang="fr-BE" dirty="0"/>
+              <a:t>, if the </a:t>
+            </a:r>
+            <a:r>
+              <a:rPr lang="fr-BE" dirty="0" err="1"/>
+              <a:t>name</a:t>
+            </a:r>
+            <a:r>
+              <a:rPr lang="fr-BE" dirty="0"/>
+              <a:t> </a:t>
+            </a:r>
+            <a:r>
+              <a:rPr lang="fr-BE" dirty="0" err="1"/>
+              <a:t>is</a:t>
+            </a:r>
+            <a:r>
+              <a:rPr lang="fr-BE" dirty="0"/>
+              <a:t> « 11 », </a:t>
+            </a:r>
+            <a:r>
+              <a:rPr lang="fr-BE" dirty="0" err="1"/>
+              <a:t>we</a:t>
+            </a:r>
+            <a:r>
+              <a:rPr lang="fr-BE" dirty="0"/>
+              <a:t> </a:t>
+            </a:r>
+            <a:r>
+              <a:rPr lang="fr-BE" dirty="0" err="1"/>
+              <a:t>added</a:t>
+            </a:r>
+            <a:r>
+              <a:rPr lang="fr-BE" dirty="0"/>
+              <a:t> « 11 » to default ports « 5432 » and « 8000 »</a:t>
+            </a:r>
+          </a:p>
+          <a:p>
+            <a:pPr marL="742950" lvl="1" indent="-285750">
+              <a:buFontTx/>
+              <a:buChar char="-"/>
+            </a:pPr>
+            <a:r>
+              <a:rPr lang="fr-BE" dirty="0"/>
+              <a:t>« </a:t>
+            </a:r>
+            <a:r>
+              <a:rPr lang="fr-BE" dirty="0" err="1"/>
+              <a:t>tryton</a:t>
+            </a:r>
+            <a:r>
+              <a:rPr lang="fr-BE" dirty="0"/>
+              <a:t>/</a:t>
+            </a:r>
+            <a:r>
+              <a:rPr lang="fr-BE" dirty="0" err="1"/>
+              <a:t>tryton:latest</a:t>
+            </a:r>
+            <a:r>
+              <a:rPr lang="fr-BE" dirty="0"/>
+              <a:t> » : change if </a:t>
+            </a:r>
+            <a:r>
+              <a:rPr lang="fr-BE" dirty="0" err="1"/>
+              <a:t>necessary</a:t>
+            </a:r>
+            <a:endParaRPr lang="fr-BE" dirty="0"/>
+          </a:p>
+          <a:p>
+            <a:pPr marL="742950" lvl="1" indent="-285750">
+              <a:buFontTx/>
+              <a:buChar char="-"/>
+            </a:pPr>
+            <a:endParaRPr lang="fr-BE" dirty="0"/>
+          </a:p>
+          <a:p>
+            <a:pPr marL="285750" indent="-285750">
+              <a:buFontTx/>
+              <a:buChar char="-"/>
+            </a:pPr>
+            <a:r>
+              <a:rPr lang="fr-BE" dirty="0" err="1"/>
+              <a:t>Finally</a:t>
+            </a:r>
+            <a:r>
+              <a:rPr lang="fr-BE" dirty="0"/>
+              <a:t> </a:t>
+            </a:r>
+            <a:r>
+              <a:rPr lang="fr-BE" dirty="0" err="1"/>
+              <a:t>adapt</a:t>
+            </a:r>
+            <a:r>
+              <a:rPr lang="fr-BE" dirty="0"/>
+              <a:t> </a:t>
+            </a:r>
+            <a:r>
+              <a:rPr lang="fr-BE" dirty="0" err="1"/>
+              <a:t>some</a:t>
+            </a:r>
+            <a:r>
+              <a:rPr lang="fr-BE" dirty="0"/>
+              <a:t> </a:t>
+            </a:r>
+            <a:r>
+              <a:rPr lang="fr-BE" dirty="0" err="1"/>
+              <a:t>environment</a:t>
+            </a:r>
+            <a:r>
+              <a:rPr lang="fr-BE" dirty="0"/>
+              <a:t> variables and volume locations </a:t>
+            </a:r>
+            <a:r>
+              <a:rPr lang="fr-BE" dirty="0" err="1"/>
+              <a:t>according</a:t>
+            </a:r>
+            <a:r>
+              <a:rPr lang="fr-BE" dirty="0"/>
+              <a:t> to taste</a:t>
+            </a:r>
+          </a:p>
+        </p:txBody>
+      </p:sp>
+      <p:pic>
+        <p:nvPicPr>
+          <p:cNvPr id="13" name="Picture 12">
+            <a:extLst>
+              <a:ext uri="{FF2B5EF4-FFF2-40B4-BE49-F238E27FC236}">
+                <a16:creationId xmlns:a16="http://schemas.microsoft.com/office/drawing/2014/main" id="{7796EA75-9F64-4836-BF2E-43C3A0D0E7BC}"/>
+              </a:ext>
+            </a:extLst>
+          </p:cNvPr>
+          <p:cNvPicPr>
+            <a:picLocks noChangeAspect="1"/>
+          </p:cNvPicPr>
+          <p:nvPr/>
+        </p:nvPicPr>
+        <p:blipFill>
+          <a:blip r:embed="rId2"/>
+          <a:stretch>
+            <a:fillRect/>
+          </a:stretch>
+        </p:blipFill>
+        <p:spPr>
+          <a:xfrm>
+            <a:off x="838200" y="4819497"/>
+            <a:ext cx="5324475" cy="1314450"/>
+          </a:xfrm>
+          <a:prstGeom prst="rect">
+            <a:avLst/>
+          </a:prstGeom>
+        </p:spPr>
+      </p:pic>
     </p:spTree>
     <p:extLst>
       <p:ext uri="{BB962C8B-B14F-4D97-AF65-F5344CB8AC3E}">
-        <p14:creationId xmlns:p14="http://schemas.microsoft.com/office/powerpoint/2010/main" val="866875493"/>
+        <p14:creationId xmlns:p14="http://schemas.microsoft.com/office/powerpoint/2010/main" val="4235427157"/>
       </p:ext>
     </p:extLst>
   </p:cSld>
@@ -25670,10 +26924,10 @@
       </p:grpSpPr>
       <p:sp>
         <p:nvSpPr>
-          <p:cNvPr id="4" name="Title 3">
-            <a:extLst>
-              <a:ext uri="{FF2B5EF4-FFF2-40B4-BE49-F238E27FC236}">
-                <a16:creationId xmlns:a16="http://schemas.microsoft.com/office/drawing/2014/main" id="{41BA066E-3422-4368-97E5-68340B3CAC4F}"/>
+          <p:cNvPr id="2" name="Title 1">
+            <a:extLst>
+              <a:ext uri="{FF2B5EF4-FFF2-40B4-BE49-F238E27FC236}">
+                <a16:creationId xmlns:a16="http://schemas.microsoft.com/office/drawing/2014/main" id="{A5AABBF0-44BB-4BD7-BF73-1C1B53AB85BF}"/>
               </a:ext>
             </a:extLst>
           </p:cNvPr>
@@ -25691,7 +26945,7 @@
           <a:p>
             <a:r>
               <a:rPr lang="fr-BE" dirty="0"/>
-              <a:t>PgAdmin4</a:t>
+              <a:t>System Reboot</a:t>
             </a:r>
             <a:endParaRPr lang="en-BE" dirty="0"/>
           </a:p>
@@ -25699,10 +26953,10 @@
       </p:sp>
       <p:sp>
         <p:nvSpPr>
-          <p:cNvPr id="5" name="Text Placeholder 4">
-            <a:extLst>
-              <a:ext uri="{FF2B5EF4-FFF2-40B4-BE49-F238E27FC236}">
-                <a16:creationId xmlns:a16="http://schemas.microsoft.com/office/drawing/2014/main" id="{33031EBA-02B4-467B-806C-0992C70B928B}"/>
+          <p:cNvPr id="3" name="Text Placeholder 2">
+            <a:extLst>
+              <a:ext uri="{FF2B5EF4-FFF2-40B4-BE49-F238E27FC236}">
+                <a16:creationId xmlns:a16="http://schemas.microsoft.com/office/drawing/2014/main" id="{B95D056C-96EF-463B-9011-DA1CC3B8374C}"/>
               </a:ext>
             </a:extLst>
           </p:cNvPr>
@@ -25727,7 +26981,7 @@
           <p:cNvPr id="6" name="Slide Number Placeholder 5">
             <a:extLst>
               <a:ext uri="{FF2B5EF4-FFF2-40B4-BE49-F238E27FC236}">
-                <a16:creationId xmlns:a16="http://schemas.microsoft.com/office/drawing/2014/main" id="{1B401D7C-D015-4C18-BD73-E2FCD796C8E6}"/>
+                <a16:creationId xmlns:a16="http://schemas.microsoft.com/office/drawing/2014/main" id="{2981F345-6932-4D1C-8B18-0FC9E5AF41F7}"/>
               </a:ext>
             </a:extLst>
           </p:cNvPr>
@@ -25753,10 +27007,10 @@
       </p:sp>
       <p:sp>
         <p:nvSpPr>
-          <p:cNvPr id="7" name="Rectangle 6">
-            <a:extLst>
-              <a:ext uri="{FF2B5EF4-FFF2-40B4-BE49-F238E27FC236}">
-                <a16:creationId xmlns:a16="http://schemas.microsoft.com/office/drawing/2014/main" id="{5C86071F-B463-474D-BEC5-04F5B5D3C4DC}"/>
+          <p:cNvPr id="5" name="Rectangle 4">
+            <a:extLst>
+              <a:ext uri="{FF2B5EF4-FFF2-40B4-BE49-F238E27FC236}">
+                <a16:creationId xmlns:a16="http://schemas.microsoft.com/office/drawing/2014/main" id="{C0DC094B-CF50-419A-B66A-F35B95DEFD1A}"/>
               </a:ext>
             </a:extLst>
           </p:cNvPr>
@@ -25808,7 +27062,7 @@
     </p:spTree>
     <p:extLst>
       <p:ext uri="{BB962C8B-B14F-4D97-AF65-F5344CB8AC3E}">
-        <p14:creationId xmlns:p14="http://schemas.microsoft.com/office/powerpoint/2010/main" val="516665859"/>
+        <p14:creationId xmlns:p14="http://schemas.microsoft.com/office/powerpoint/2010/main" val="1511269474"/>
       </p:ext>
     </p:extLst>
   </p:cSld>
@@ -25837,10 +27091,10 @@
       </p:grpSpPr>
       <p:sp>
         <p:nvSpPr>
-          <p:cNvPr id="4" name="Title 3">
-            <a:extLst>
-              <a:ext uri="{FF2B5EF4-FFF2-40B4-BE49-F238E27FC236}">
-                <a16:creationId xmlns:a16="http://schemas.microsoft.com/office/drawing/2014/main" id="{ED3FC1DE-7B16-486F-9A86-76CD1459AFD2}"/>
+          <p:cNvPr id="2" name="Title 1">
+            <a:extLst>
+              <a:ext uri="{FF2B5EF4-FFF2-40B4-BE49-F238E27FC236}">
+                <a16:creationId xmlns:a16="http://schemas.microsoft.com/office/drawing/2014/main" id="{DA26F250-0299-4720-BD31-9A9645DF50F7}"/>
               </a:ext>
             </a:extLst>
           </p:cNvPr>
@@ -25857,8 +27111,12 @@
           <a:lstStyle/>
           <a:p>
             <a:r>
-              <a:rPr lang="fr-BE" dirty="0"/>
-              <a:t>pgAdmin4</a:t>
+              <a:rPr lang="fr-BE" dirty="0" err="1"/>
+              <a:t>After</a:t>
+            </a:r>
+            <a:r>
+              <a:rPr lang="fr-BE" dirty="0"/>
+              <a:t> Reboot</a:t>
             </a:r>
             <a:endParaRPr lang="en-BE" dirty="0"/>
           </a:p>
@@ -25866,10 +27124,10 @@
       </p:sp>
       <p:sp>
         <p:nvSpPr>
-          <p:cNvPr id="14" name="TextBox 13">
-            <a:extLst>
-              <a:ext uri="{FF2B5EF4-FFF2-40B4-BE49-F238E27FC236}">
-                <a16:creationId xmlns:a16="http://schemas.microsoft.com/office/drawing/2014/main" id="{506BF65E-C24F-49F2-A8DD-78A0E2B914CE}"/>
+          <p:cNvPr id="8" name="TextBox 7">
+            <a:extLst>
+              <a:ext uri="{FF2B5EF4-FFF2-40B4-BE49-F238E27FC236}">
+                <a16:creationId xmlns:a16="http://schemas.microsoft.com/office/drawing/2014/main" id="{2CC6D970-B5C6-44F6-A429-0912963B8D7B}"/>
               </a:ext>
             </a:extLst>
           </p:cNvPr>
@@ -25878,8 +27136,8 @@
         </p:nvSpPr>
         <p:spPr>
           <a:xfrm>
-            <a:off x="710297" y="5122967"/>
-            <a:ext cx="7332785" cy="923330"/>
+            <a:off x="838200" y="849365"/>
+            <a:ext cx="9369669" cy="646331"/>
           </a:xfrm>
           <a:prstGeom prst="rect">
             <a:avLst/>
@@ -25887,24 +27145,18 @@
           <a:noFill/>
         </p:spPr>
         <p:txBody>
-          <a:bodyPr wrap="square" rtlCol="0">
+          <a:bodyPr wrap="square">
             <a:spAutoFit/>
           </a:bodyPr>
           <a:lstStyle/>
           <a:p>
             <a:r>
-              <a:rPr lang="fr-BE" dirty="0"/>
-              <a:t>Note : </a:t>
-            </a:r>
-          </a:p>
-          <a:p>
-            <a:pPr marL="285750" indent="-285750">
-              <a:buFontTx/>
-              <a:buChar char="-"/>
-            </a:pPr>
-            <a:r>
-              <a:rPr lang="fr-BE" dirty="0"/>
-              <a:t>User : « x@gmail.com » </a:t>
+              <a:rPr lang="fr-BE" dirty="0" err="1"/>
+              <a:t>Each</a:t>
+            </a:r>
+            <a:r>
+              <a:rPr lang="fr-BE" dirty="0"/>
+              <a:t> time the PC </a:t>
             </a:r>
             <a:r>
               <a:rPr lang="fr-BE" dirty="0" err="1"/>
@@ -25912,11 +27164,43 @@
             </a:r>
             <a:r>
               <a:rPr lang="fr-BE" dirty="0"/>
+              <a:t> </a:t>
+            </a:r>
+            <a:r>
+              <a:rPr lang="fr-BE" dirty="0" err="1"/>
+              <a:t>rebooted</a:t>
+            </a:r>
+            <a:r>
+              <a:rPr lang="fr-BE" dirty="0"/>
+              <a:t>, </a:t>
+            </a:r>
+            <a:r>
+              <a:rPr lang="fr-BE" dirty="0" err="1"/>
+              <a:t>we</a:t>
+            </a:r>
+            <a:r>
+              <a:rPr lang="fr-BE" dirty="0"/>
+              <a:t> </a:t>
+            </a:r>
+            <a:r>
+              <a:rPr lang="fr-BE" dirty="0" err="1"/>
+              <a:t>need</a:t>
+            </a:r>
+            <a:r>
+              <a:rPr lang="fr-BE" dirty="0"/>
+              <a:t> to </a:t>
+            </a:r>
+            <a:r>
+              <a:rPr lang="fr-BE" dirty="0" err="1"/>
+              <a:t>execute</a:t>
+            </a:r>
+            <a:r>
+              <a:rPr lang="fr-BE" dirty="0"/>
               <a:t> the </a:t>
             </a:r>
             <a:r>
               <a:rPr lang="fr-BE" dirty="0" err="1"/>
-              <a:t>address</a:t>
+              <a:t>following</a:t>
             </a:r>
             <a:r>
               <a:rPr lang="fr-BE" dirty="0"/>
@@ -25924,57 +27208,30 @@
             </a:r>
             <a:r>
               <a:rPr lang="fr-BE" dirty="0" err="1"/>
-              <a:t>used</a:t>
-            </a:r>
-            <a:r>
-              <a:rPr lang="fr-BE" dirty="0"/>
-              <a:t> in the script</a:t>
-            </a:r>
-          </a:p>
-          <a:p>
-            <a:pPr marL="285750" indent="-285750">
-              <a:buFontTx/>
-              <a:buChar char="-"/>
-            </a:pPr>
-            <a:r>
-              <a:rPr lang="fr-BE" dirty="0" err="1"/>
-              <a:t>Password</a:t>
-            </a:r>
-            <a:r>
-              <a:rPr lang="fr-BE" dirty="0"/>
-              <a:t> : « </a:t>
-            </a:r>
-            <a:r>
-              <a:rPr lang="fr-BE" dirty="0" err="1"/>
-              <a:t>Password</a:t>
-            </a:r>
-            <a:r>
-              <a:rPr lang="fr-BE" dirty="0"/>
-              <a:t> » </a:t>
-            </a:r>
-            <a:r>
-              <a:rPr lang="fr-BE" dirty="0" err="1"/>
-              <a:t>is</a:t>
-            </a:r>
-            <a:r>
-              <a:rPr lang="fr-BE" dirty="0"/>
-              <a:t> the </a:t>
-            </a:r>
-            <a:r>
-              <a:rPr lang="fr-BE" dirty="0" err="1"/>
-              <a:t>password</a:t>
-            </a:r>
-            <a:r>
-              <a:rPr lang="fr-BE" dirty="0"/>
-              <a:t> </a:t>
-            </a:r>
-            <a:r>
-              <a:rPr lang="fr-BE" dirty="0" err="1"/>
-              <a:t>defined</a:t>
-            </a:r>
-            <a:r>
-              <a:rPr lang="fr-BE" dirty="0"/>
-              <a:t> in the script</a:t>
+              <a:t>commands</a:t>
+            </a:r>
+            <a:r>
+              <a:rPr lang="fr-BE" dirty="0"/>
+              <a:t> in </a:t>
+            </a:r>
+            <a:r>
+              <a:rPr lang="fr-BE" dirty="0" err="1"/>
+              <a:t>Powershell</a:t>
+            </a:r>
+            <a:endParaRPr lang="fr-BE" dirty="0"/>
+          </a:p>
+          <a:p>
+            <a:r>
+              <a:rPr lang="en-US" dirty="0"/>
+              <a:t>docker </a:t>
+            </a:r>
+            <a:r>
+              <a:rPr lang="en-US" dirty="0" err="1"/>
+              <a:t>ps</a:t>
+            </a:r>
+            <a:r>
+              <a:rPr lang="en-US" dirty="0"/>
+              <a:t> -a # Control the status</a:t>
             </a:r>
             <a:endParaRPr lang="en-BE" dirty="0"/>
           </a:p>
@@ -25982,10 +27239,10 @@
       </p:sp>
       <p:sp>
         <p:nvSpPr>
-          <p:cNvPr id="6" name="Slide Number Placeholder 5">
-            <a:extLst>
-              <a:ext uri="{FF2B5EF4-FFF2-40B4-BE49-F238E27FC236}">
-                <a16:creationId xmlns:a16="http://schemas.microsoft.com/office/drawing/2014/main" id="{13230F40-135A-4111-9387-46D72B65C6BE}"/>
+          <p:cNvPr id="7" name="Slide Number Placeholder 6">
+            <a:extLst>
+              <a:ext uri="{FF2B5EF4-FFF2-40B4-BE49-F238E27FC236}">
+                <a16:creationId xmlns:a16="http://schemas.microsoft.com/office/drawing/2014/main" id="{B9E33C7F-8728-44F7-85BC-3E80E28232DE}"/>
               </a:ext>
             </a:extLst>
           </p:cNvPr>
@@ -26014,72 +27271,70 @@
           </a:p>
         </p:txBody>
       </p:sp>
-      <p:pic>
-        <p:nvPicPr>
-          <p:cNvPr id="11" name="Picture 10">
-            <a:extLst>
-              <a:ext uri="{FF2B5EF4-FFF2-40B4-BE49-F238E27FC236}">
-                <a16:creationId xmlns:a16="http://schemas.microsoft.com/office/drawing/2014/main" id="{C2212CE2-5BFB-4200-B90A-8317A7685B7E}"/>
-              </a:ext>
-            </a:extLst>
-          </p:cNvPr>
-          <p:cNvPicPr>
-            <a:picLocks noChangeAspect="1"/>
-          </p:cNvPicPr>
+      <p:sp>
+        <p:nvSpPr>
+          <p:cNvPr id="13" name="TextBox 12">
+            <a:extLst>
+              <a:ext uri="{FF2B5EF4-FFF2-40B4-BE49-F238E27FC236}">
+                <a16:creationId xmlns:a16="http://schemas.microsoft.com/office/drawing/2014/main" id="{60D84EA6-80D8-4717-8E9C-A0E3674930F4}"/>
+              </a:ext>
+            </a:extLst>
+          </p:cNvPr>
+          <p:cNvSpPr txBox="1"/>
           <p:nvPr/>
-        </p:nvPicPr>
-        <p:blipFill>
-          <a:blip r:embed="rId2"/>
-          <a:stretch>
-            <a:fillRect/>
-          </a:stretch>
-        </p:blipFill>
+        </p:nvSpPr>
         <p:spPr>
           <a:xfrm>
-            <a:off x="710297" y="960402"/>
-            <a:ext cx="5557154" cy="3296016"/>
+            <a:off x="776654" y="2964324"/>
+            <a:ext cx="4577863" cy="1754326"/>
           </a:xfrm>
           <a:prstGeom prst="rect">
             <a:avLst/>
           </a:prstGeom>
+          <a:noFill/>
         </p:spPr>
-      </p:pic>
-      <p:pic>
-        <p:nvPicPr>
-          <p:cNvPr id="9" name="Picture 8">
-            <a:extLst>
-              <a:ext uri="{FF2B5EF4-FFF2-40B4-BE49-F238E27FC236}">
-                <a16:creationId xmlns:a16="http://schemas.microsoft.com/office/drawing/2014/main" id="{DEB7E37A-0AED-4813-8005-B7CC7519C336}"/>
-              </a:ext>
-            </a:extLst>
-          </p:cNvPr>
-          <p:cNvPicPr>
-            <a:picLocks noChangeAspect="1"/>
-          </p:cNvPicPr>
-          <p:nvPr/>
-        </p:nvPicPr>
-        <p:blipFill>
-          <a:blip r:embed="rId3"/>
-          <a:stretch>
-            <a:fillRect/>
-          </a:stretch>
-        </p:blipFill>
-        <p:spPr>
-          <a:xfrm>
-            <a:off x="6531220" y="960402"/>
-            <a:ext cx="5086349" cy="3628307"/>
-          </a:xfrm>
-          <a:prstGeom prst="rect">
-            <a:avLst/>
-          </a:prstGeom>
-        </p:spPr>
-      </p:pic>
-      <p:sp>
-        <p:nvSpPr>
-          <p:cNvPr id="13" name="Rectangle 12">
-            <a:extLst>
-              <a:ext uri="{FF2B5EF4-FFF2-40B4-BE49-F238E27FC236}">
-                <a16:creationId xmlns:a16="http://schemas.microsoft.com/office/drawing/2014/main" id="{3B9AB7A0-9C48-48E2-A780-317FF1E0443F}"/>
+        <p:txBody>
+          <a:bodyPr wrap="square">
+            <a:spAutoFit/>
+          </a:bodyPr>
+          <a:lstStyle/>
+          <a:p>
+            <a:r>
+              <a:rPr lang="en-US" dirty="0"/>
+              <a:t># Start the containers</a:t>
+            </a:r>
+            <a:br>
+              <a:rPr lang="en-US" dirty="0"/>
+            </a:br>
+            <a:r>
+              <a:rPr lang="en-US" b="1" dirty="0"/>
+              <a:t>docker start tryt11-postgres tryt11 tryt11-cron</a:t>
+            </a:r>
+          </a:p>
+          <a:p>
+            <a:r>
+              <a:rPr lang="en-US" b="1" dirty="0"/>
+              <a:t>docker start post01-postgres post01-pgadmin</a:t>
+            </a:r>
+          </a:p>
+          <a:p>
+            <a:endParaRPr lang="en-US" dirty="0"/>
+          </a:p>
+          <a:p>
+            <a:r>
+              <a:rPr lang="en-US" dirty="0"/>
+              <a:t>Above commands are unnecessary when the PC is set to “Sleep”</a:t>
+            </a:r>
+            <a:endParaRPr lang="en-BE" dirty="0"/>
+          </a:p>
+        </p:txBody>
+      </p:sp>
+      <p:sp>
+        <p:nvSpPr>
+          <p:cNvPr id="11" name="Rectangle 10">
+            <a:extLst>
+              <a:ext uri="{FF2B5EF4-FFF2-40B4-BE49-F238E27FC236}">
+                <a16:creationId xmlns:a16="http://schemas.microsoft.com/office/drawing/2014/main" id="{019375C9-CDC1-43C3-BCCE-4538B85AA95C}"/>
               </a:ext>
             </a:extLst>
           </p:cNvPr>
@@ -26128,10 +27383,70 @@
           </a:p>
         </p:txBody>
       </p:sp>
+      <p:pic>
+        <p:nvPicPr>
+          <p:cNvPr id="4" name="Picture 3">
+            <a:extLst>
+              <a:ext uri="{FF2B5EF4-FFF2-40B4-BE49-F238E27FC236}">
+                <a16:creationId xmlns:a16="http://schemas.microsoft.com/office/drawing/2014/main" id="{710B32E8-5E9C-4981-B8B9-B74F52B9F720}"/>
+              </a:ext>
+            </a:extLst>
+          </p:cNvPr>
+          <p:cNvPicPr>
+            <a:picLocks noChangeAspect="1"/>
+          </p:cNvPicPr>
+          <p:nvPr/>
+        </p:nvPicPr>
+        <p:blipFill>
+          <a:blip r:embed="rId2"/>
+          <a:stretch>
+            <a:fillRect/>
+          </a:stretch>
+        </p:blipFill>
+        <p:spPr>
+          <a:xfrm>
+            <a:off x="0" y="4819524"/>
+            <a:ext cx="12192000" cy="1293365"/>
+          </a:xfrm>
+          <a:prstGeom prst="rect">
+            <a:avLst/>
+          </a:prstGeom>
+        </p:spPr>
+      </p:pic>
+      <p:pic>
+        <p:nvPicPr>
+          <p:cNvPr id="6" name="Picture 5">
+            <a:extLst>
+              <a:ext uri="{FF2B5EF4-FFF2-40B4-BE49-F238E27FC236}">
+                <a16:creationId xmlns:a16="http://schemas.microsoft.com/office/drawing/2014/main" id="{04D626CA-0415-49B1-B508-43A454688C03}"/>
+              </a:ext>
+            </a:extLst>
+          </p:cNvPr>
+          <p:cNvPicPr>
+            <a:picLocks noChangeAspect="1"/>
+          </p:cNvPicPr>
+          <p:nvPr/>
+        </p:nvPicPr>
+        <p:blipFill>
+          <a:blip r:embed="rId3"/>
+          <a:stretch>
+            <a:fillRect/>
+          </a:stretch>
+        </p:blipFill>
+        <p:spPr>
+          <a:xfrm>
+            <a:off x="0" y="1560857"/>
+            <a:ext cx="12192000" cy="1267968"/>
+          </a:xfrm>
+          <a:prstGeom prst="rect">
+            <a:avLst/>
+          </a:prstGeom>
+        </p:spPr>
+      </p:pic>
     </p:spTree>
     <p:extLst>
       <p:ext uri="{BB962C8B-B14F-4D97-AF65-F5344CB8AC3E}">
-        <p14:creationId xmlns:p14="http://schemas.microsoft.com/office/powerpoint/2010/main" val="4112674719"/>
+        <p14:creationId xmlns:p14="http://schemas.microsoft.com/office/powerpoint/2010/main" val="2508958057"/>
       </p:ext>
     </p:extLst>
   </p:cSld>
@@ -26335,6 +27650,663 @@
       </p:grpSpPr>
       <p:sp>
         <p:nvSpPr>
+          <p:cNvPr id="2" name="Title 1">
+            <a:extLst>
+              <a:ext uri="{FF2B5EF4-FFF2-40B4-BE49-F238E27FC236}">
+                <a16:creationId xmlns:a16="http://schemas.microsoft.com/office/drawing/2014/main" id="{A5AABBF0-44BB-4BD7-BF73-1C1B53AB85BF}"/>
+              </a:ext>
+            </a:extLst>
+          </p:cNvPr>
+          <p:cNvSpPr>
+            <a:spLocks noGrp="1"/>
+          </p:cNvSpPr>
+          <p:nvPr>
+            <p:ph type="title"/>
+          </p:nvPr>
+        </p:nvSpPr>
+        <p:spPr/>
+        <p:txBody>
+          <a:bodyPr/>
+          <a:lstStyle/>
+          <a:p>
+            <a:r>
+              <a:rPr lang="fr-BE" dirty="0"/>
+              <a:t>User Interface</a:t>
+            </a:r>
+            <a:endParaRPr lang="en-BE" dirty="0"/>
+          </a:p>
+        </p:txBody>
+      </p:sp>
+      <p:sp>
+        <p:nvSpPr>
+          <p:cNvPr id="3" name="Text Placeholder 2">
+            <a:extLst>
+              <a:ext uri="{FF2B5EF4-FFF2-40B4-BE49-F238E27FC236}">
+                <a16:creationId xmlns:a16="http://schemas.microsoft.com/office/drawing/2014/main" id="{6061569B-4D1E-4EC2-AC4D-DB1D229470E5}"/>
+              </a:ext>
+            </a:extLst>
+          </p:cNvPr>
+          <p:cNvSpPr>
+            <a:spLocks noGrp="1"/>
+          </p:cNvSpPr>
+          <p:nvPr>
+            <p:ph type="body" idx="1"/>
+          </p:nvPr>
+        </p:nvSpPr>
+        <p:spPr/>
+        <p:txBody>
+          <a:bodyPr/>
+          <a:lstStyle/>
+          <a:p>
+            <a:endParaRPr lang="en-BE" dirty="0"/>
+          </a:p>
+        </p:txBody>
+      </p:sp>
+      <p:sp>
+        <p:nvSpPr>
+          <p:cNvPr id="6" name="Slide Number Placeholder 5">
+            <a:extLst>
+              <a:ext uri="{FF2B5EF4-FFF2-40B4-BE49-F238E27FC236}">
+                <a16:creationId xmlns:a16="http://schemas.microsoft.com/office/drawing/2014/main" id="{BDF0AD69-D82A-42E8-BC94-E097442C2CDF}"/>
+              </a:ext>
+            </a:extLst>
+          </p:cNvPr>
+          <p:cNvSpPr>
+            <a:spLocks noGrp="1"/>
+          </p:cNvSpPr>
+          <p:nvPr>
+            <p:ph type="sldNum" sz="quarter" idx="12"/>
+          </p:nvPr>
+        </p:nvSpPr>
+        <p:spPr/>
+        <p:txBody>
+          <a:bodyPr/>
+          <a:lstStyle/>
+          <a:p>
+            <a:fld id="{69D2CCA8-53B9-41C4-8716-EA9CD8A55276}" type="slidenum">
+              <a:rPr lang="en-BE" smtClean="0"/>
+              <a:t>50</a:t>
+            </a:fld>
+            <a:endParaRPr lang="en-BE"/>
+          </a:p>
+        </p:txBody>
+      </p:sp>
+      <p:sp>
+        <p:nvSpPr>
+          <p:cNvPr id="5" name="Rectangle 4">
+            <a:extLst>
+              <a:ext uri="{FF2B5EF4-FFF2-40B4-BE49-F238E27FC236}">
+                <a16:creationId xmlns:a16="http://schemas.microsoft.com/office/drawing/2014/main" id="{AC84AF6F-494F-431C-998F-221B85D40744}"/>
+              </a:ext>
+            </a:extLst>
+          </p:cNvPr>
+          <p:cNvSpPr/>
+          <p:nvPr/>
+        </p:nvSpPr>
+        <p:spPr>
+          <a:xfrm>
+            <a:off x="11728938" y="6453554"/>
+            <a:ext cx="463062" cy="404446"/>
+          </a:xfrm>
+          <a:prstGeom prst="rect">
+            <a:avLst/>
+          </a:prstGeom>
+          <a:solidFill>
+            <a:schemeClr val="accent5">
+              <a:lumMod val="75000"/>
+            </a:schemeClr>
+          </a:solidFill>
+          <a:ln>
+            <a:noFill/>
+          </a:ln>
+        </p:spPr>
+        <p:style>
+          <a:lnRef idx="2">
+            <a:schemeClr val="accent1">
+              <a:shade val="50000"/>
+            </a:schemeClr>
+          </a:lnRef>
+          <a:fillRef idx="1">
+            <a:schemeClr val="accent1"/>
+          </a:fillRef>
+          <a:effectRef idx="0">
+            <a:schemeClr val="accent1"/>
+          </a:effectRef>
+          <a:fontRef idx="minor">
+            <a:schemeClr val="lt1"/>
+          </a:fontRef>
+        </p:style>
+        <p:txBody>
+          <a:bodyPr rtlCol="0" anchor="ctr"/>
+          <a:lstStyle/>
+          <a:p>
+            <a:pPr algn="ctr"/>
+            <a:endParaRPr lang="en-BE"/>
+          </a:p>
+        </p:txBody>
+      </p:sp>
+    </p:spTree>
+    <p:extLst>
+      <p:ext uri="{BB962C8B-B14F-4D97-AF65-F5344CB8AC3E}">
+        <p14:creationId xmlns:p14="http://schemas.microsoft.com/office/powerpoint/2010/main" val="866875493"/>
+      </p:ext>
+    </p:extLst>
+  </p:cSld>
+  <p:clrMapOvr>
+    <a:masterClrMapping/>
+  </p:clrMapOvr>
+</p:sld>
+</file>
+
+<file path=ppt/slides/slide51.xml><?xml version="1.0" encoding="utf-8"?>
+<p:sld xmlns:a="http://schemas.openxmlformats.org/drawingml/2006/main" xmlns:r="http://schemas.openxmlformats.org/officeDocument/2006/relationships" xmlns:p="http://schemas.openxmlformats.org/presentationml/2006/main">
+  <p:cSld>
+    <p:spTree>
+      <p:nvGrpSpPr>
+        <p:cNvPr id="1" name=""/>
+        <p:cNvGrpSpPr/>
+        <p:nvPr/>
+      </p:nvGrpSpPr>
+      <p:grpSpPr>
+        <a:xfrm>
+          <a:off x="0" y="0"/>
+          <a:ext cx="0" cy="0"/>
+          <a:chOff x="0" y="0"/>
+          <a:chExt cx="0" cy="0"/>
+        </a:xfrm>
+      </p:grpSpPr>
+      <p:sp>
+        <p:nvSpPr>
+          <p:cNvPr id="4" name="Title 3">
+            <a:extLst>
+              <a:ext uri="{FF2B5EF4-FFF2-40B4-BE49-F238E27FC236}">
+                <a16:creationId xmlns:a16="http://schemas.microsoft.com/office/drawing/2014/main" id="{41BA066E-3422-4368-97E5-68340B3CAC4F}"/>
+              </a:ext>
+            </a:extLst>
+          </p:cNvPr>
+          <p:cNvSpPr>
+            <a:spLocks noGrp="1"/>
+          </p:cNvSpPr>
+          <p:nvPr>
+            <p:ph type="title"/>
+          </p:nvPr>
+        </p:nvSpPr>
+        <p:spPr/>
+        <p:txBody>
+          <a:bodyPr/>
+          <a:lstStyle/>
+          <a:p>
+            <a:r>
+              <a:rPr lang="fr-BE" dirty="0"/>
+              <a:t>PgAdmin4</a:t>
+            </a:r>
+            <a:endParaRPr lang="en-BE" dirty="0"/>
+          </a:p>
+        </p:txBody>
+      </p:sp>
+      <p:sp>
+        <p:nvSpPr>
+          <p:cNvPr id="5" name="Text Placeholder 4">
+            <a:extLst>
+              <a:ext uri="{FF2B5EF4-FFF2-40B4-BE49-F238E27FC236}">
+                <a16:creationId xmlns:a16="http://schemas.microsoft.com/office/drawing/2014/main" id="{33031EBA-02B4-467B-806C-0992C70B928B}"/>
+              </a:ext>
+            </a:extLst>
+          </p:cNvPr>
+          <p:cNvSpPr>
+            <a:spLocks noGrp="1"/>
+          </p:cNvSpPr>
+          <p:nvPr>
+            <p:ph type="body" idx="1"/>
+          </p:nvPr>
+        </p:nvSpPr>
+        <p:spPr/>
+        <p:txBody>
+          <a:bodyPr/>
+          <a:lstStyle/>
+          <a:p>
+            <a:endParaRPr lang="en-BE"/>
+          </a:p>
+        </p:txBody>
+      </p:sp>
+      <p:sp>
+        <p:nvSpPr>
+          <p:cNvPr id="6" name="Slide Number Placeholder 5">
+            <a:extLst>
+              <a:ext uri="{FF2B5EF4-FFF2-40B4-BE49-F238E27FC236}">
+                <a16:creationId xmlns:a16="http://schemas.microsoft.com/office/drawing/2014/main" id="{1B401D7C-D015-4C18-BD73-E2FCD796C8E6}"/>
+              </a:ext>
+            </a:extLst>
+          </p:cNvPr>
+          <p:cNvSpPr>
+            <a:spLocks noGrp="1"/>
+          </p:cNvSpPr>
+          <p:nvPr>
+            <p:ph type="sldNum" sz="quarter" idx="12"/>
+          </p:nvPr>
+        </p:nvSpPr>
+        <p:spPr/>
+        <p:txBody>
+          <a:bodyPr/>
+          <a:lstStyle/>
+          <a:p>
+            <a:fld id="{69D2CCA8-53B9-41C4-8716-EA9CD8A55276}" type="slidenum">
+              <a:rPr lang="en-BE" smtClean="0"/>
+              <a:t>51</a:t>
+            </a:fld>
+            <a:endParaRPr lang="en-BE"/>
+          </a:p>
+        </p:txBody>
+      </p:sp>
+      <p:sp>
+        <p:nvSpPr>
+          <p:cNvPr id="7" name="Rectangle 6">
+            <a:extLst>
+              <a:ext uri="{FF2B5EF4-FFF2-40B4-BE49-F238E27FC236}">
+                <a16:creationId xmlns:a16="http://schemas.microsoft.com/office/drawing/2014/main" id="{5C86071F-B463-474D-BEC5-04F5B5D3C4DC}"/>
+              </a:ext>
+            </a:extLst>
+          </p:cNvPr>
+          <p:cNvSpPr/>
+          <p:nvPr/>
+        </p:nvSpPr>
+        <p:spPr>
+          <a:xfrm>
+            <a:off x="11728938" y="6453554"/>
+            <a:ext cx="463062" cy="404446"/>
+          </a:xfrm>
+          <a:prstGeom prst="rect">
+            <a:avLst/>
+          </a:prstGeom>
+          <a:solidFill>
+            <a:schemeClr val="accent5">
+              <a:lumMod val="75000"/>
+            </a:schemeClr>
+          </a:solidFill>
+          <a:ln>
+            <a:noFill/>
+          </a:ln>
+        </p:spPr>
+        <p:style>
+          <a:lnRef idx="2">
+            <a:schemeClr val="accent1">
+              <a:shade val="50000"/>
+            </a:schemeClr>
+          </a:lnRef>
+          <a:fillRef idx="1">
+            <a:schemeClr val="accent1"/>
+          </a:fillRef>
+          <a:effectRef idx="0">
+            <a:schemeClr val="accent1"/>
+          </a:effectRef>
+          <a:fontRef idx="minor">
+            <a:schemeClr val="lt1"/>
+          </a:fontRef>
+        </p:style>
+        <p:txBody>
+          <a:bodyPr rtlCol="0" anchor="ctr"/>
+          <a:lstStyle/>
+          <a:p>
+            <a:pPr algn="ctr"/>
+            <a:endParaRPr lang="en-BE"/>
+          </a:p>
+        </p:txBody>
+      </p:sp>
+    </p:spTree>
+    <p:extLst>
+      <p:ext uri="{BB962C8B-B14F-4D97-AF65-F5344CB8AC3E}">
+        <p14:creationId xmlns:p14="http://schemas.microsoft.com/office/powerpoint/2010/main" val="516665859"/>
+      </p:ext>
+    </p:extLst>
+  </p:cSld>
+  <p:clrMapOvr>
+    <a:masterClrMapping/>
+  </p:clrMapOvr>
+</p:sld>
+</file>
+
+<file path=ppt/slides/slide52.xml><?xml version="1.0" encoding="utf-8"?>
+<p:sld xmlns:a="http://schemas.openxmlformats.org/drawingml/2006/main" xmlns:r="http://schemas.openxmlformats.org/officeDocument/2006/relationships" xmlns:p="http://schemas.openxmlformats.org/presentationml/2006/main">
+  <p:cSld>
+    <p:spTree>
+      <p:nvGrpSpPr>
+        <p:cNvPr id="1" name=""/>
+        <p:cNvGrpSpPr/>
+        <p:nvPr/>
+      </p:nvGrpSpPr>
+      <p:grpSpPr>
+        <a:xfrm>
+          <a:off x="0" y="0"/>
+          <a:ext cx="0" cy="0"/>
+          <a:chOff x="0" y="0"/>
+          <a:chExt cx="0" cy="0"/>
+        </a:xfrm>
+      </p:grpSpPr>
+      <p:sp>
+        <p:nvSpPr>
+          <p:cNvPr id="4" name="Title 3">
+            <a:extLst>
+              <a:ext uri="{FF2B5EF4-FFF2-40B4-BE49-F238E27FC236}">
+                <a16:creationId xmlns:a16="http://schemas.microsoft.com/office/drawing/2014/main" id="{ED3FC1DE-7B16-486F-9A86-76CD1459AFD2}"/>
+              </a:ext>
+            </a:extLst>
+          </p:cNvPr>
+          <p:cNvSpPr>
+            <a:spLocks noGrp="1"/>
+          </p:cNvSpPr>
+          <p:nvPr>
+            <p:ph type="title"/>
+          </p:nvPr>
+        </p:nvSpPr>
+        <p:spPr/>
+        <p:txBody>
+          <a:bodyPr/>
+          <a:lstStyle/>
+          <a:p>
+            <a:r>
+              <a:rPr lang="fr-BE" dirty="0"/>
+              <a:t>pgAdmin4</a:t>
+            </a:r>
+            <a:endParaRPr lang="en-BE" dirty="0"/>
+          </a:p>
+        </p:txBody>
+      </p:sp>
+      <p:sp>
+        <p:nvSpPr>
+          <p:cNvPr id="14" name="TextBox 13">
+            <a:extLst>
+              <a:ext uri="{FF2B5EF4-FFF2-40B4-BE49-F238E27FC236}">
+                <a16:creationId xmlns:a16="http://schemas.microsoft.com/office/drawing/2014/main" id="{506BF65E-C24F-49F2-A8DD-78A0E2B914CE}"/>
+              </a:ext>
+            </a:extLst>
+          </p:cNvPr>
+          <p:cNvSpPr txBox="1"/>
+          <p:nvPr/>
+        </p:nvSpPr>
+        <p:spPr>
+          <a:xfrm>
+            <a:off x="710297" y="5122967"/>
+            <a:ext cx="7332785" cy="923330"/>
+          </a:xfrm>
+          <a:prstGeom prst="rect">
+            <a:avLst/>
+          </a:prstGeom>
+          <a:noFill/>
+        </p:spPr>
+        <p:txBody>
+          <a:bodyPr wrap="square" rtlCol="0">
+            <a:spAutoFit/>
+          </a:bodyPr>
+          <a:lstStyle/>
+          <a:p>
+            <a:r>
+              <a:rPr lang="fr-BE" dirty="0"/>
+              <a:t>Note : </a:t>
+            </a:r>
+          </a:p>
+          <a:p>
+            <a:pPr marL="285750" indent="-285750">
+              <a:buFontTx/>
+              <a:buChar char="-"/>
+            </a:pPr>
+            <a:r>
+              <a:rPr lang="fr-BE" dirty="0"/>
+              <a:t>User : « x@gmail.com » </a:t>
+            </a:r>
+            <a:r>
+              <a:rPr lang="fr-BE" dirty="0" err="1"/>
+              <a:t>is</a:t>
+            </a:r>
+            <a:r>
+              <a:rPr lang="fr-BE" dirty="0"/>
+              <a:t> the </a:t>
+            </a:r>
+            <a:r>
+              <a:rPr lang="fr-BE" dirty="0" err="1"/>
+              <a:t>address</a:t>
+            </a:r>
+            <a:r>
+              <a:rPr lang="fr-BE" dirty="0"/>
+              <a:t> </a:t>
+            </a:r>
+            <a:r>
+              <a:rPr lang="fr-BE" dirty="0" err="1"/>
+              <a:t>used</a:t>
+            </a:r>
+            <a:r>
+              <a:rPr lang="fr-BE" dirty="0"/>
+              <a:t> in the script</a:t>
+            </a:r>
+          </a:p>
+          <a:p>
+            <a:pPr marL="285750" indent="-285750">
+              <a:buFontTx/>
+              <a:buChar char="-"/>
+            </a:pPr>
+            <a:r>
+              <a:rPr lang="fr-BE" dirty="0" err="1"/>
+              <a:t>Password</a:t>
+            </a:r>
+            <a:r>
+              <a:rPr lang="fr-BE" dirty="0"/>
+              <a:t> : « </a:t>
+            </a:r>
+            <a:r>
+              <a:rPr lang="fr-BE" dirty="0" err="1"/>
+              <a:t>Password</a:t>
+            </a:r>
+            <a:r>
+              <a:rPr lang="fr-BE" dirty="0"/>
+              <a:t> » </a:t>
+            </a:r>
+            <a:r>
+              <a:rPr lang="fr-BE" dirty="0" err="1"/>
+              <a:t>is</a:t>
+            </a:r>
+            <a:r>
+              <a:rPr lang="fr-BE" dirty="0"/>
+              <a:t> the </a:t>
+            </a:r>
+            <a:r>
+              <a:rPr lang="fr-BE" dirty="0" err="1"/>
+              <a:t>password</a:t>
+            </a:r>
+            <a:r>
+              <a:rPr lang="fr-BE" dirty="0"/>
+              <a:t> </a:t>
+            </a:r>
+            <a:r>
+              <a:rPr lang="fr-BE" dirty="0" err="1"/>
+              <a:t>defined</a:t>
+            </a:r>
+            <a:r>
+              <a:rPr lang="fr-BE" dirty="0"/>
+              <a:t> in the script</a:t>
+            </a:r>
+            <a:endParaRPr lang="en-BE" dirty="0"/>
+          </a:p>
+        </p:txBody>
+      </p:sp>
+      <p:sp>
+        <p:nvSpPr>
+          <p:cNvPr id="6" name="Slide Number Placeholder 5">
+            <a:extLst>
+              <a:ext uri="{FF2B5EF4-FFF2-40B4-BE49-F238E27FC236}">
+                <a16:creationId xmlns:a16="http://schemas.microsoft.com/office/drawing/2014/main" id="{13230F40-135A-4111-9387-46D72B65C6BE}"/>
+              </a:ext>
+            </a:extLst>
+          </p:cNvPr>
+          <p:cNvSpPr>
+            <a:spLocks noGrp="1"/>
+          </p:cNvSpPr>
+          <p:nvPr>
+            <p:ph type="sldNum" sz="quarter" idx="12"/>
+          </p:nvPr>
+        </p:nvSpPr>
+        <p:spPr>
+          <a:xfrm rot="16200000">
+            <a:off x="-40341" y="6146519"/>
+            <a:ext cx="842683" cy="365125"/>
+          </a:xfrm>
+        </p:spPr>
+        <p:txBody>
+          <a:bodyPr/>
+          <a:lstStyle/>
+          <a:p>
+            <a:fld id="{69D2CCA8-53B9-41C4-8716-EA9CD8A55276}" type="slidenum">
+              <a:rPr lang="en-BE" smtClean="0"/>
+              <a:t>52</a:t>
+            </a:fld>
+            <a:endParaRPr lang="en-BE"/>
+          </a:p>
+        </p:txBody>
+      </p:sp>
+      <p:pic>
+        <p:nvPicPr>
+          <p:cNvPr id="11" name="Picture 10">
+            <a:extLst>
+              <a:ext uri="{FF2B5EF4-FFF2-40B4-BE49-F238E27FC236}">
+                <a16:creationId xmlns:a16="http://schemas.microsoft.com/office/drawing/2014/main" id="{C2212CE2-5BFB-4200-B90A-8317A7685B7E}"/>
+              </a:ext>
+            </a:extLst>
+          </p:cNvPr>
+          <p:cNvPicPr>
+            <a:picLocks noChangeAspect="1"/>
+          </p:cNvPicPr>
+          <p:nvPr/>
+        </p:nvPicPr>
+        <p:blipFill>
+          <a:blip r:embed="rId2"/>
+          <a:stretch>
+            <a:fillRect/>
+          </a:stretch>
+        </p:blipFill>
+        <p:spPr>
+          <a:xfrm>
+            <a:off x="710297" y="960402"/>
+            <a:ext cx="5557154" cy="3296016"/>
+          </a:xfrm>
+          <a:prstGeom prst="rect">
+            <a:avLst/>
+          </a:prstGeom>
+        </p:spPr>
+      </p:pic>
+      <p:pic>
+        <p:nvPicPr>
+          <p:cNvPr id="9" name="Picture 8">
+            <a:extLst>
+              <a:ext uri="{FF2B5EF4-FFF2-40B4-BE49-F238E27FC236}">
+                <a16:creationId xmlns:a16="http://schemas.microsoft.com/office/drawing/2014/main" id="{DEB7E37A-0AED-4813-8005-B7CC7519C336}"/>
+              </a:ext>
+            </a:extLst>
+          </p:cNvPr>
+          <p:cNvPicPr>
+            <a:picLocks noChangeAspect="1"/>
+          </p:cNvPicPr>
+          <p:nvPr/>
+        </p:nvPicPr>
+        <p:blipFill>
+          <a:blip r:embed="rId3"/>
+          <a:stretch>
+            <a:fillRect/>
+          </a:stretch>
+        </p:blipFill>
+        <p:spPr>
+          <a:xfrm>
+            <a:off x="6531220" y="960402"/>
+            <a:ext cx="5086349" cy="3628307"/>
+          </a:xfrm>
+          <a:prstGeom prst="rect">
+            <a:avLst/>
+          </a:prstGeom>
+        </p:spPr>
+      </p:pic>
+      <p:sp>
+        <p:nvSpPr>
+          <p:cNvPr id="13" name="Rectangle 12">
+            <a:extLst>
+              <a:ext uri="{FF2B5EF4-FFF2-40B4-BE49-F238E27FC236}">
+                <a16:creationId xmlns:a16="http://schemas.microsoft.com/office/drawing/2014/main" id="{3B9AB7A0-9C48-48E2-A780-317FF1E0443F}"/>
+              </a:ext>
+            </a:extLst>
+          </p:cNvPr>
+          <p:cNvSpPr/>
+          <p:nvPr/>
+        </p:nvSpPr>
+        <p:spPr>
+          <a:xfrm>
+            <a:off x="11728938" y="6453554"/>
+            <a:ext cx="463062" cy="404446"/>
+          </a:xfrm>
+          <a:prstGeom prst="rect">
+            <a:avLst/>
+          </a:prstGeom>
+          <a:solidFill>
+            <a:schemeClr val="accent5">
+              <a:lumMod val="75000"/>
+            </a:schemeClr>
+          </a:solidFill>
+          <a:ln>
+            <a:noFill/>
+          </a:ln>
+        </p:spPr>
+        <p:style>
+          <a:lnRef idx="2">
+            <a:schemeClr val="accent1">
+              <a:shade val="50000"/>
+            </a:schemeClr>
+          </a:lnRef>
+          <a:fillRef idx="1">
+            <a:schemeClr val="accent1"/>
+          </a:fillRef>
+          <a:effectRef idx="0">
+            <a:schemeClr val="accent1"/>
+          </a:effectRef>
+          <a:fontRef idx="minor">
+            <a:schemeClr val="lt1"/>
+          </a:fontRef>
+        </p:style>
+        <p:txBody>
+          <a:bodyPr rtlCol="0" anchor="ctr"/>
+          <a:lstStyle/>
+          <a:p>
+            <a:pPr algn="ctr"/>
+            <a:endParaRPr lang="en-BE"/>
+          </a:p>
+        </p:txBody>
+      </p:sp>
+    </p:spTree>
+    <p:extLst>
+      <p:ext uri="{BB962C8B-B14F-4D97-AF65-F5344CB8AC3E}">
+        <p14:creationId xmlns:p14="http://schemas.microsoft.com/office/powerpoint/2010/main" val="4112674719"/>
+      </p:ext>
+    </p:extLst>
+  </p:cSld>
+  <p:clrMapOvr>
+    <a:masterClrMapping/>
+  </p:clrMapOvr>
+</p:sld>
+</file>
+
+<file path=ppt/slides/slide53.xml><?xml version="1.0" encoding="utf-8"?>
+<p:sld xmlns:a="http://schemas.openxmlformats.org/drawingml/2006/main" xmlns:r="http://schemas.openxmlformats.org/officeDocument/2006/relationships" xmlns:p="http://schemas.openxmlformats.org/presentationml/2006/main">
+  <p:cSld>
+    <p:spTree>
+      <p:nvGrpSpPr>
+        <p:cNvPr id="1" name=""/>
+        <p:cNvGrpSpPr/>
+        <p:nvPr/>
+      </p:nvGrpSpPr>
+      <p:grpSpPr>
+        <a:xfrm>
+          <a:off x="0" y="0"/>
+          <a:ext cx="0" cy="0"/>
+          <a:chOff x="0" y="0"/>
+          <a:chExt cx="0" cy="0"/>
+        </a:xfrm>
+      </p:grpSpPr>
+      <p:sp>
+        <p:nvSpPr>
           <p:cNvPr id="4" name="Title 3">
             <a:extLst>
               <a:ext uri="{FF2B5EF4-FFF2-40B4-BE49-F238E27FC236}">
@@ -26436,7 +28408,7 @@
           <a:p>
             <a:fld id="{69D2CCA8-53B9-41C4-8716-EA9CD8A55276}" type="slidenum">
               <a:rPr lang="en-BE" smtClean="0"/>
-              <a:t>50</a:t>
+              <a:t>53</a:t>
             </a:fld>
             <a:endParaRPr lang="en-BE"/>
           </a:p>
@@ -26686,7 +28658,7 @@
 </p:sld>
 </file>
 
-<file path=ppt/slides/slide51.xml><?xml version="1.0" encoding="utf-8"?>
+<file path=ppt/slides/slide54.xml><?xml version="1.0" encoding="utf-8"?>
 <p:sld xmlns:a="http://schemas.openxmlformats.org/drawingml/2006/main" xmlns:r="http://schemas.openxmlformats.org/officeDocument/2006/relationships" xmlns:p="http://schemas.openxmlformats.org/presentationml/2006/main">
   <p:cSld>
     <p:spTree>
@@ -26781,7 +28753,7 @@
           <a:p>
             <a:fld id="{69D2CCA8-53B9-41C4-8716-EA9CD8A55276}" type="slidenum">
               <a:rPr lang="en-BE" smtClean="0"/>
-              <a:t>51</a:t>
+              <a:t>54</a:t>
             </a:fld>
             <a:endParaRPr lang="en-BE"/>
           </a:p>
@@ -26974,7 +28946,7 @@
 </p:sld>
 </file>
 
-<file path=ppt/slides/slide52.xml><?xml version="1.0" encoding="utf-8"?>
+<file path=ppt/slides/slide55.xml><?xml version="1.0" encoding="utf-8"?>
 <p:sld xmlns:a="http://schemas.openxmlformats.org/drawingml/2006/main" xmlns:r="http://schemas.openxmlformats.org/officeDocument/2006/relationships" xmlns:p="http://schemas.openxmlformats.org/presentationml/2006/main">
   <p:cSld>
     <p:spTree>
@@ -27077,7 +29049,7 @@
           <a:p>
             <a:fld id="{69D2CCA8-53B9-41C4-8716-EA9CD8A55276}" type="slidenum">
               <a:rPr lang="en-BE" smtClean="0"/>
-              <a:t>52</a:t>
+              <a:t>55</a:t>
             </a:fld>
             <a:endParaRPr lang="en-BE"/>
           </a:p>
@@ -27270,7 +29242,7 @@
 </p:sld>
 </file>
 
-<file path=ppt/slides/slide53.xml><?xml version="1.0" encoding="utf-8"?>
+<file path=ppt/slides/slide56.xml><?xml version="1.0" encoding="utf-8"?>
 <p:sld xmlns:a="http://schemas.openxmlformats.org/drawingml/2006/main" xmlns:r="http://schemas.openxmlformats.org/officeDocument/2006/relationships" xmlns:p="http://schemas.openxmlformats.org/presentationml/2006/main">
   <p:cSld>
     <p:spTree>
@@ -27420,7 +29392,7 @@
           <a:p>
             <a:fld id="{69D2CCA8-53B9-41C4-8716-EA9CD8A55276}" type="slidenum">
               <a:rPr lang="en-BE" smtClean="0"/>
-              <a:t>53</a:t>
+              <a:t>56</a:t>
             </a:fld>
             <a:endParaRPr lang="en-BE"/>
           </a:p>
@@ -27583,7 +29555,7 @@
 </p:sld>
 </file>
 
-<file path=ppt/slides/slide54.xml><?xml version="1.0" encoding="utf-8"?>
+<file path=ppt/slides/slide57.xml><?xml version="1.0" encoding="utf-8"?>
 <p:sld xmlns:a="http://schemas.openxmlformats.org/drawingml/2006/main" xmlns:r="http://schemas.openxmlformats.org/officeDocument/2006/relationships" xmlns:p="http://schemas.openxmlformats.org/presentationml/2006/main">
   <p:cSld>
     <p:spTree>
@@ -27733,7 +29705,7 @@
           <a:p>
             <a:fld id="{69D2CCA8-53B9-41C4-8716-EA9CD8A55276}" type="slidenum">
               <a:rPr lang="en-BE" smtClean="0"/>
-              <a:t>54</a:t>
+              <a:t>57</a:t>
             </a:fld>
             <a:endParaRPr lang="en-BE"/>
           </a:p>
@@ -27806,7 +29778,7 @@
 </p:sld>
 </file>
 
-<file path=ppt/slides/slide55.xml><?xml version="1.0" encoding="utf-8"?>
+<file path=ppt/slides/slide58.xml><?xml version="1.0" encoding="utf-8"?>
 <p:sld xmlns:a="http://schemas.openxmlformats.org/drawingml/2006/main" xmlns:r="http://schemas.openxmlformats.org/officeDocument/2006/relationships" xmlns:p="http://schemas.openxmlformats.org/presentationml/2006/main">
   <p:cSld>
     <p:spTree>
@@ -27900,7 +29872,7 @@
           <a:p>
             <a:fld id="{69D2CCA8-53B9-41C4-8716-EA9CD8A55276}" type="slidenum">
               <a:rPr lang="en-BE" smtClean="0"/>
-              <a:t>55</a:t>
+              <a:t>58</a:t>
             </a:fld>
             <a:endParaRPr lang="en-BE"/>
           </a:p>
@@ -27973,7 +29945,7 @@
 </p:sld>
 </file>
 
-<file path=ppt/slides/slide56.xml><?xml version="1.0" encoding="utf-8"?>
+<file path=ppt/slides/slide59.xml><?xml version="1.0" encoding="utf-8"?>
 <p:sld xmlns:a="http://schemas.openxmlformats.org/drawingml/2006/main" xmlns:r="http://schemas.openxmlformats.org/officeDocument/2006/relationships" xmlns:p="http://schemas.openxmlformats.org/presentationml/2006/main">
   <p:cSld>
     <p:spTree>
@@ -28071,7 +30043,7 @@
           <a:p>
             <a:fld id="{69D2CCA8-53B9-41C4-8716-EA9CD8A55276}" type="slidenum">
               <a:rPr lang="en-BE" smtClean="0"/>
-              <a:t>56</a:t>
+              <a:t>59</a:t>
             </a:fld>
             <a:endParaRPr lang="en-BE"/>
           </a:p>
@@ -28144,7 +30116,7 @@
 </p:sld>
 </file>
 
-<file path=ppt/slides/slide57.xml><?xml version="1.0" encoding="utf-8"?>
+<file path=ppt/slides/slide6.xml><?xml version="1.0" encoding="utf-8"?>
 <p:sld xmlns:a="http://schemas.openxmlformats.org/drawingml/2006/main" xmlns:r="http://schemas.openxmlformats.org/officeDocument/2006/relationships" xmlns:p="http://schemas.openxmlformats.org/presentationml/2006/main">
   <p:cSld>
     <p:spTree>
@@ -28163,10 +30135,10 @@
       </p:grpSpPr>
       <p:sp>
         <p:nvSpPr>
-          <p:cNvPr id="2" name="Title 1">
-            <a:extLst>
-              <a:ext uri="{FF2B5EF4-FFF2-40B4-BE49-F238E27FC236}">
-                <a16:creationId xmlns:a16="http://schemas.microsoft.com/office/drawing/2014/main" id="{2A5809FB-C1A5-4569-88F6-409F4B4EC8F2}"/>
+          <p:cNvPr id="6" name="Title 5">
+            <a:extLst>
+              <a:ext uri="{FF2B5EF4-FFF2-40B4-BE49-F238E27FC236}">
+                <a16:creationId xmlns:a16="http://schemas.microsoft.com/office/drawing/2014/main" id="{58602178-544B-4666-8E9B-555376EB72FA}"/>
               </a:ext>
             </a:extLst>
           </p:cNvPr>
@@ -28179,118 +30151,31 @@
         </p:nvSpPr>
         <p:spPr/>
         <p:txBody>
-          <a:bodyPr/>
-          <a:lstStyle/>
-          <a:p>
-            <a:r>
-              <a:rPr lang="fr-BE" dirty="0" err="1"/>
-              <a:t>Tryton</a:t>
-            </a:r>
-            <a:r>
-              <a:rPr lang="fr-BE" dirty="0"/>
-              <a:t> Login</a:t>
-            </a:r>
+          <a:bodyPr>
+            <a:normAutofit fontScale="90000"/>
+          </a:bodyPr>
+          <a:lstStyle/>
+          <a:p>
+            <a:r>
+              <a:rPr lang="fr-BE" dirty="0"/>
+              <a:t>Structure</a:t>
+            </a:r>
+            <a:br>
+              <a:rPr lang="fr-BE" dirty="0"/>
+            </a:br>
+            <a:br>
+              <a:rPr lang="fr-BE" dirty="0"/>
+            </a:br>
             <a:endParaRPr lang="en-BE" dirty="0"/>
           </a:p>
         </p:txBody>
       </p:sp>
       <p:sp>
         <p:nvSpPr>
-          <p:cNvPr id="3" name="TextBox 2">
-            <a:extLst>
-              <a:ext uri="{FF2B5EF4-FFF2-40B4-BE49-F238E27FC236}">
-                <a16:creationId xmlns:a16="http://schemas.microsoft.com/office/drawing/2014/main" id="{BEDA92AE-B398-4767-820D-F81210855211}"/>
-              </a:ext>
-            </a:extLst>
-          </p:cNvPr>
-          <p:cNvSpPr txBox="1"/>
-          <p:nvPr/>
-        </p:nvSpPr>
-        <p:spPr>
-          <a:xfrm>
-            <a:off x="4141177" y="1006886"/>
-            <a:ext cx="5112458" cy="923330"/>
-          </a:xfrm>
-          <a:prstGeom prst="rect">
-            <a:avLst/>
-          </a:prstGeom>
-          <a:noFill/>
-        </p:spPr>
-        <p:txBody>
-          <a:bodyPr wrap="square" rtlCol="0">
-            <a:spAutoFit/>
-          </a:bodyPr>
-          <a:lstStyle/>
-          <a:p>
-            <a:r>
-              <a:rPr lang="fr-BE" dirty="0"/>
-              <a:t>In </a:t>
-            </a:r>
-            <a:r>
-              <a:rPr lang="fr-BE" dirty="0" err="1"/>
-              <a:t>this</a:t>
-            </a:r>
-            <a:r>
-              <a:rPr lang="fr-BE" dirty="0"/>
-              <a:t> </a:t>
-            </a:r>
-            <a:r>
-              <a:rPr lang="fr-BE" dirty="0" err="1"/>
-              <a:t>introductory</a:t>
-            </a:r>
-            <a:r>
-              <a:rPr lang="fr-BE" dirty="0"/>
-              <a:t> document, all </a:t>
-            </a:r>
-            <a:r>
-              <a:rPr lang="fr-BE" dirty="0" err="1"/>
-              <a:t>operations</a:t>
-            </a:r>
-            <a:r>
-              <a:rPr lang="fr-BE" dirty="0"/>
-              <a:t> are </a:t>
-            </a:r>
-            <a:r>
-              <a:rPr lang="fr-BE" dirty="0" err="1"/>
-              <a:t>performed</a:t>
-            </a:r>
-            <a:r>
-              <a:rPr lang="fr-BE" dirty="0"/>
-              <a:t> </a:t>
-            </a:r>
-            <a:r>
-              <a:rPr lang="fr-BE" dirty="0" err="1"/>
-              <a:t>with</a:t>
-            </a:r>
-            <a:r>
-              <a:rPr lang="fr-BE" dirty="0"/>
-              <a:t> user « admin » and </a:t>
-            </a:r>
-            <a:r>
-              <a:rPr lang="fr-BE" dirty="0" err="1"/>
-              <a:t>password</a:t>
-            </a:r>
-            <a:r>
-              <a:rPr lang="fr-BE" dirty="0"/>
-              <a:t> « </a:t>
-            </a:r>
-            <a:r>
-              <a:rPr lang="fr-BE" dirty="0" err="1"/>
-              <a:t>Password</a:t>
-            </a:r>
-            <a:r>
-              <a:rPr lang="fr-BE" dirty="0"/>
-              <a:t> » at login.</a:t>
-            </a:r>
-          </a:p>
-        </p:txBody>
-      </p:sp>
-      <p:sp>
-        <p:nvSpPr>
-          <p:cNvPr id="7" name="Slide Number Placeholder 6">
-            <a:extLst>
-              <a:ext uri="{FF2B5EF4-FFF2-40B4-BE49-F238E27FC236}">
-                <a16:creationId xmlns:a16="http://schemas.microsoft.com/office/drawing/2014/main" id="{713608A3-C857-49B7-8966-98F3C3F8B817}"/>
+          <p:cNvPr id="4" name="Slide Number Placeholder 3">
+            <a:extLst>
+              <a:ext uri="{FF2B5EF4-FFF2-40B4-BE49-F238E27FC236}">
+                <a16:creationId xmlns:a16="http://schemas.microsoft.com/office/drawing/2014/main" id="{EAA02D43-D45B-4DB6-B6A2-79AC2BE24160}"/>
               </a:ext>
             </a:extLst>
           </p:cNvPr>
@@ -28313,7 +30198,7 @@
           <a:p>
             <a:fld id="{69D2CCA8-53B9-41C4-8716-EA9CD8A55276}" type="slidenum">
               <a:rPr lang="en-BE" smtClean="0"/>
-              <a:t>57</a:t>
+              <a:t>6</a:t>
             </a:fld>
             <a:endParaRPr lang="en-BE"/>
           </a:p>
@@ -28321,10 +30206,10 @@
       </p:sp>
       <p:pic>
         <p:nvPicPr>
-          <p:cNvPr id="6" name="Picture 5">
-            <a:extLst>
-              <a:ext uri="{FF2B5EF4-FFF2-40B4-BE49-F238E27FC236}">
-                <a16:creationId xmlns:a16="http://schemas.microsoft.com/office/drawing/2014/main" id="{2A2E8AA7-C288-4643-B2CC-BDF73BB92026}"/>
+          <p:cNvPr id="7" name="Picture 6">
+            <a:extLst>
+              <a:ext uri="{FF2B5EF4-FFF2-40B4-BE49-F238E27FC236}">
+                <a16:creationId xmlns:a16="http://schemas.microsoft.com/office/drawing/2014/main" id="{F3E4277F-559C-4459-8A80-5E7E950245A3}"/>
               </a:ext>
             </a:extLst>
           </p:cNvPr>
@@ -28341,8 +30226,8 @@
         </p:blipFill>
         <p:spPr>
           <a:xfrm>
-            <a:off x="838200" y="1020475"/>
-            <a:ext cx="3144715" cy="2371912"/>
+            <a:off x="838200" y="903776"/>
+            <a:ext cx="1714500" cy="1571625"/>
           </a:xfrm>
           <a:prstGeom prst="rect">
             <a:avLst/>
@@ -28351,10 +30236,10 @@
       </p:pic>
       <p:pic>
         <p:nvPicPr>
-          <p:cNvPr id="11" name="Picture 10">
-            <a:extLst>
-              <a:ext uri="{FF2B5EF4-FFF2-40B4-BE49-F238E27FC236}">
-                <a16:creationId xmlns:a16="http://schemas.microsoft.com/office/drawing/2014/main" id="{ECA73D2B-6E9E-4D1B-A00E-52941EB49672}"/>
+          <p:cNvPr id="10" name="Picture 9">
+            <a:extLst>
+              <a:ext uri="{FF2B5EF4-FFF2-40B4-BE49-F238E27FC236}">
+                <a16:creationId xmlns:a16="http://schemas.microsoft.com/office/drawing/2014/main" id="{CB55385C-3226-4ACF-A285-7988EF8F1BA0}"/>
               </a:ext>
             </a:extLst>
           </p:cNvPr>
@@ -28371,8 +30256,8 @@
         </p:blipFill>
         <p:spPr>
           <a:xfrm>
-            <a:off x="838200" y="3571959"/>
-            <a:ext cx="8415434" cy="3178463"/>
+            <a:off x="4438757" y="0"/>
+            <a:ext cx="6690732" cy="6858000"/>
           </a:xfrm>
           <a:prstGeom prst="rect">
             <a:avLst/>
@@ -28381,10 +30266,10 @@
       </p:pic>
       <p:sp>
         <p:nvSpPr>
-          <p:cNvPr id="13" name="Rectangle 12">
-            <a:extLst>
-              <a:ext uri="{FF2B5EF4-FFF2-40B4-BE49-F238E27FC236}">
-                <a16:creationId xmlns:a16="http://schemas.microsoft.com/office/drawing/2014/main" id="{F1FCB59F-0AB0-4450-B6E4-BB22E2192D60}"/>
+          <p:cNvPr id="14" name="Rectangle 13">
+            <a:extLst>
+              <a:ext uri="{FF2B5EF4-FFF2-40B4-BE49-F238E27FC236}">
+                <a16:creationId xmlns:a16="http://schemas.microsoft.com/office/drawing/2014/main" id="{AFD44F54-0496-460B-A2BB-A6856744A10D}"/>
               </a:ext>
             </a:extLst>
           </p:cNvPr>
@@ -28436,7 +30321,7 @@
     </p:spTree>
     <p:extLst>
       <p:ext uri="{BB962C8B-B14F-4D97-AF65-F5344CB8AC3E}">
-        <p14:creationId xmlns:p14="http://schemas.microsoft.com/office/powerpoint/2010/main" val="673183338"/>
+        <p14:creationId xmlns:p14="http://schemas.microsoft.com/office/powerpoint/2010/main" val="3043266786"/>
       </p:ext>
     </p:extLst>
   </p:cSld>
@@ -28446,7 +30331,7 @@
 </p:sld>
 </file>
 
-<file path=ppt/slides/slide58.xml><?xml version="1.0" encoding="utf-8"?>
+<file path=ppt/slides/slide60.xml><?xml version="1.0" encoding="utf-8"?>
 <p:sld xmlns:a="http://schemas.openxmlformats.org/drawingml/2006/main" xmlns:r="http://schemas.openxmlformats.org/officeDocument/2006/relationships" xmlns:p="http://schemas.openxmlformats.org/presentationml/2006/main">
   <p:cSld>
     <p:spTree>
@@ -28490,13 +30375,100 @@
             </a:r>
             <a:r>
               <a:rPr lang="fr-BE" dirty="0"/>
+              <a:t> Login</a:t>
+            </a:r>
+            <a:endParaRPr lang="en-BE" dirty="0"/>
+          </a:p>
+        </p:txBody>
+      </p:sp>
+      <p:sp>
+        <p:nvSpPr>
+          <p:cNvPr id="3" name="TextBox 2">
+            <a:extLst>
+              <a:ext uri="{FF2B5EF4-FFF2-40B4-BE49-F238E27FC236}">
+                <a16:creationId xmlns:a16="http://schemas.microsoft.com/office/drawing/2014/main" id="{BEDA92AE-B398-4767-820D-F81210855211}"/>
+              </a:ext>
+            </a:extLst>
+          </p:cNvPr>
+          <p:cNvSpPr txBox="1"/>
+          <p:nvPr/>
+        </p:nvSpPr>
+        <p:spPr>
+          <a:xfrm>
+            <a:off x="4141177" y="1006886"/>
+            <a:ext cx="5112458" cy="923330"/>
+          </a:xfrm>
+          <a:prstGeom prst="rect">
+            <a:avLst/>
+          </a:prstGeom>
+          <a:noFill/>
+        </p:spPr>
+        <p:txBody>
+          <a:bodyPr wrap="square" rtlCol="0">
+            <a:spAutoFit/>
+          </a:bodyPr>
+          <a:lstStyle/>
+          <a:p>
+            <a:r>
+              <a:rPr lang="fr-BE" dirty="0"/>
+              <a:t>In </a:t>
+            </a:r>
+            <a:r>
+              <a:rPr lang="fr-BE" dirty="0" err="1"/>
+              <a:t>this</a:t>
+            </a:r>
+            <a:r>
+              <a:rPr lang="fr-BE" dirty="0"/>
               <a:t> </a:t>
             </a:r>
             <a:r>
               <a:rPr lang="fr-BE" dirty="0" err="1"/>
-              <a:t>Logout</a:t>
-            </a:r>
-            <a:endParaRPr lang="en-BE" dirty="0"/>
+              <a:t>introductory</a:t>
+            </a:r>
+            <a:r>
+              <a:rPr lang="fr-BE" dirty="0"/>
+              <a:t> document, all </a:t>
+            </a:r>
+            <a:r>
+              <a:rPr lang="fr-BE" dirty="0" err="1"/>
+              <a:t>operations</a:t>
+            </a:r>
+            <a:r>
+              <a:rPr lang="fr-BE" dirty="0"/>
+              <a:t> are </a:t>
+            </a:r>
+            <a:r>
+              <a:rPr lang="fr-BE" dirty="0" err="1"/>
+              <a:t>performed</a:t>
+            </a:r>
+            <a:r>
+              <a:rPr lang="fr-BE" dirty="0"/>
+              <a:t> </a:t>
+            </a:r>
+            <a:r>
+              <a:rPr lang="fr-BE" dirty="0" err="1"/>
+              <a:t>with</a:t>
+            </a:r>
+            <a:r>
+              <a:rPr lang="fr-BE" dirty="0"/>
+              <a:t> user « admin » and </a:t>
+            </a:r>
+            <a:r>
+              <a:rPr lang="fr-BE" dirty="0" err="1"/>
+              <a:t>password</a:t>
+            </a:r>
+            <a:r>
+              <a:rPr lang="fr-BE" dirty="0"/>
+              <a:t> « </a:t>
+            </a:r>
+            <a:r>
+              <a:rPr lang="fr-BE" dirty="0" err="1"/>
+              <a:t>Password</a:t>
+            </a:r>
+            <a:r>
+              <a:rPr lang="fr-BE" dirty="0"/>
+              <a:t> » at login.</a:t>
+            </a:r>
           </a:p>
         </p:txBody>
       </p:sp>
@@ -28528,12 +30500,72 @@
           <a:p>
             <a:fld id="{69D2CCA8-53B9-41C4-8716-EA9CD8A55276}" type="slidenum">
               <a:rPr lang="en-BE" smtClean="0"/>
-              <a:t>58</a:t>
+              <a:t>60</a:t>
             </a:fld>
             <a:endParaRPr lang="en-BE"/>
           </a:p>
         </p:txBody>
       </p:sp>
+      <p:pic>
+        <p:nvPicPr>
+          <p:cNvPr id="6" name="Picture 5">
+            <a:extLst>
+              <a:ext uri="{FF2B5EF4-FFF2-40B4-BE49-F238E27FC236}">
+                <a16:creationId xmlns:a16="http://schemas.microsoft.com/office/drawing/2014/main" id="{2A2E8AA7-C288-4643-B2CC-BDF73BB92026}"/>
+              </a:ext>
+            </a:extLst>
+          </p:cNvPr>
+          <p:cNvPicPr>
+            <a:picLocks noChangeAspect="1"/>
+          </p:cNvPicPr>
+          <p:nvPr/>
+        </p:nvPicPr>
+        <p:blipFill>
+          <a:blip r:embed="rId2"/>
+          <a:stretch>
+            <a:fillRect/>
+          </a:stretch>
+        </p:blipFill>
+        <p:spPr>
+          <a:xfrm>
+            <a:off x="838200" y="1020475"/>
+            <a:ext cx="3144715" cy="2371912"/>
+          </a:xfrm>
+          <a:prstGeom prst="rect">
+            <a:avLst/>
+          </a:prstGeom>
+        </p:spPr>
+      </p:pic>
+      <p:pic>
+        <p:nvPicPr>
+          <p:cNvPr id="11" name="Picture 10">
+            <a:extLst>
+              <a:ext uri="{FF2B5EF4-FFF2-40B4-BE49-F238E27FC236}">
+                <a16:creationId xmlns:a16="http://schemas.microsoft.com/office/drawing/2014/main" id="{ECA73D2B-6E9E-4D1B-A00E-52941EB49672}"/>
+              </a:ext>
+            </a:extLst>
+          </p:cNvPr>
+          <p:cNvPicPr>
+            <a:picLocks noChangeAspect="1"/>
+          </p:cNvPicPr>
+          <p:nvPr/>
+        </p:nvPicPr>
+        <p:blipFill>
+          <a:blip r:embed="rId3"/>
+          <a:stretch>
+            <a:fillRect/>
+          </a:stretch>
+        </p:blipFill>
+        <p:spPr>
+          <a:xfrm>
+            <a:off x="838200" y="3571959"/>
+            <a:ext cx="8415434" cy="3178463"/>
+          </a:xfrm>
+          <a:prstGeom prst="rect">
+            <a:avLst/>
+          </a:prstGeom>
+        </p:spPr>
+      </p:pic>
       <p:sp>
         <p:nvSpPr>
           <p:cNvPr id="13" name="Rectangle 12">
@@ -28588,132 +30620,10 @@
           </a:p>
         </p:txBody>
       </p:sp>
-      <p:pic>
-        <p:nvPicPr>
-          <p:cNvPr id="5" name="Picture 4">
-            <a:extLst>
-              <a:ext uri="{FF2B5EF4-FFF2-40B4-BE49-F238E27FC236}">
-                <a16:creationId xmlns:a16="http://schemas.microsoft.com/office/drawing/2014/main" id="{D90AD482-0141-4421-BFE0-128C2A65DE67}"/>
-              </a:ext>
-            </a:extLst>
-          </p:cNvPr>
-          <p:cNvPicPr>
-            <a:picLocks noChangeAspect="1"/>
-          </p:cNvPicPr>
-          <p:nvPr/>
-        </p:nvPicPr>
-        <p:blipFill>
-          <a:blip r:embed="rId2"/>
-          <a:stretch>
-            <a:fillRect/>
-          </a:stretch>
-        </p:blipFill>
-        <p:spPr>
-          <a:xfrm>
-            <a:off x="838200" y="1063137"/>
-            <a:ext cx="10182225" cy="3905250"/>
-          </a:xfrm>
-          <a:prstGeom prst="rect">
-            <a:avLst/>
-          </a:prstGeom>
-        </p:spPr>
-      </p:pic>
-      <p:sp>
-        <p:nvSpPr>
-          <p:cNvPr id="8" name="TextBox 7">
-            <a:extLst>
-              <a:ext uri="{FF2B5EF4-FFF2-40B4-BE49-F238E27FC236}">
-                <a16:creationId xmlns:a16="http://schemas.microsoft.com/office/drawing/2014/main" id="{52D70060-BA10-4CE5-BADD-9AE58D218948}"/>
-              </a:ext>
-            </a:extLst>
-          </p:cNvPr>
-          <p:cNvSpPr txBox="1"/>
-          <p:nvPr/>
-        </p:nvSpPr>
-        <p:spPr>
-          <a:xfrm>
-            <a:off x="838200" y="5425531"/>
-            <a:ext cx="9835662" cy="369332"/>
-          </a:xfrm>
-          <a:prstGeom prst="rect">
-            <a:avLst/>
-          </a:prstGeom>
-          <a:noFill/>
-        </p:spPr>
-        <p:txBody>
-          <a:bodyPr wrap="square" rtlCol="0">
-            <a:spAutoFit/>
-          </a:bodyPr>
-          <a:lstStyle/>
-          <a:p>
-            <a:r>
-              <a:rPr lang="fr-BE" dirty="0"/>
-              <a:t>It </a:t>
-            </a:r>
-            <a:r>
-              <a:rPr lang="fr-BE" dirty="0" err="1"/>
-              <a:t>is</a:t>
-            </a:r>
-            <a:r>
-              <a:rPr lang="fr-BE" dirty="0"/>
-              <a:t> </a:t>
-            </a:r>
-            <a:r>
-              <a:rPr lang="fr-BE" dirty="0" err="1"/>
-              <a:t>compulsory</a:t>
-            </a:r>
-            <a:r>
-              <a:rPr lang="fr-BE" dirty="0"/>
-              <a:t> to « </a:t>
-            </a:r>
-            <a:r>
-              <a:rPr lang="fr-BE" dirty="0" err="1"/>
-              <a:t>logout</a:t>
-            </a:r>
-            <a:r>
-              <a:rPr lang="fr-BE" dirty="0"/>
-              <a:t> » </a:t>
-            </a:r>
-            <a:r>
-              <a:rPr lang="fr-BE" dirty="0" err="1"/>
-              <a:t>prior</a:t>
-            </a:r>
-            <a:r>
-              <a:rPr lang="fr-BE" dirty="0"/>
-              <a:t> to </a:t>
-            </a:r>
-            <a:r>
-              <a:rPr lang="fr-BE" dirty="0" err="1"/>
-              <a:t>performing</a:t>
-            </a:r>
-            <a:r>
-              <a:rPr lang="fr-BE" dirty="0"/>
-              <a:t> </a:t>
-            </a:r>
-            <a:r>
-              <a:rPr lang="fr-BE" dirty="0" err="1"/>
-              <a:t>database</a:t>
-            </a:r>
-            <a:r>
-              <a:rPr lang="fr-BE" dirty="0"/>
-              <a:t> backup / restore </a:t>
-            </a:r>
-            <a:r>
-              <a:rPr lang="fr-BE" dirty="0" err="1"/>
-              <a:t>operations</a:t>
-            </a:r>
-            <a:r>
-              <a:rPr lang="fr-BE" dirty="0"/>
-              <a:t> (cache usage)</a:t>
-            </a:r>
-            <a:endParaRPr lang="en-BE" dirty="0"/>
-          </a:p>
-        </p:txBody>
-      </p:sp>
     </p:spTree>
     <p:extLst>
       <p:ext uri="{BB962C8B-B14F-4D97-AF65-F5344CB8AC3E}">
-        <p14:creationId xmlns:p14="http://schemas.microsoft.com/office/powerpoint/2010/main" val="4140001325"/>
+        <p14:creationId xmlns:p14="http://schemas.microsoft.com/office/powerpoint/2010/main" val="673183338"/>
       </p:ext>
     </p:extLst>
   </p:cSld>
@@ -28723,7 +30633,7 @@
 </p:sld>
 </file>
 
-<file path=ppt/slides/slide59.xml><?xml version="1.0" encoding="utf-8"?>
+<file path=ppt/slides/slide61.xml><?xml version="1.0" encoding="utf-8"?>
 <p:sld xmlns:a="http://schemas.openxmlformats.org/drawingml/2006/main" xmlns:r="http://schemas.openxmlformats.org/officeDocument/2006/relationships" xmlns:p="http://schemas.openxmlformats.org/presentationml/2006/main">
   <p:cSld>
     <p:spTree>
@@ -28745,7 +30655,7 @@
           <p:cNvPr id="2" name="Title 1">
             <a:extLst>
               <a:ext uri="{FF2B5EF4-FFF2-40B4-BE49-F238E27FC236}">
-                <a16:creationId xmlns:a16="http://schemas.microsoft.com/office/drawing/2014/main" id="{A5AABBF0-44BB-4BD7-BF73-1C1B53AB85BF}"/>
+                <a16:creationId xmlns:a16="http://schemas.microsoft.com/office/drawing/2014/main" id="{2A5809FB-C1A5-4569-88F6-409F4B4EC8F2}"/>
               </a:ext>
             </a:extLst>
           </p:cNvPr>
@@ -28762,8 +30672,16 @@
           <a:lstStyle/>
           <a:p>
             <a:r>
-              <a:rPr lang="fr-BE" dirty="0"/>
-              <a:t>System Reboot</a:t>
+              <a:rPr lang="fr-BE" dirty="0" err="1"/>
+              <a:t>Tryton</a:t>
+            </a:r>
+            <a:r>
+              <a:rPr lang="fr-BE" dirty="0"/>
+              <a:t> </a:t>
+            </a:r>
+            <a:r>
+              <a:rPr lang="fr-BE" dirty="0" err="1"/>
+              <a:t>Logout</a:t>
             </a:r>
             <a:endParaRPr lang="en-BE" dirty="0"/>
           </a:p>
@@ -28771,35 +30689,10 @@
       </p:sp>
       <p:sp>
         <p:nvSpPr>
-          <p:cNvPr id="3" name="Text Placeholder 2">
-            <a:extLst>
-              <a:ext uri="{FF2B5EF4-FFF2-40B4-BE49-F238E27FC236}">
-                <a16:creationId xmlns:a16="http://schemas.microsoft.com/office/drawing/2014/main" id="{B95D056C-96EF-463B-9011-DA1CC3B8374C}"/>
-              </a:ext>
-            </a:extLst>
-          </p:cNvPr>
-          <p:cNvSpPr>
-            <a:spLocks noGrp="1"/>
-          </p:cNvSpPr>
-          <p:nvPr>
-            <p:ph type="body" idx="1"/>
-          </p:nvPr>
-        </p:nvSpPr>
-        <p:spPr/>
-        <p:txBody>
-          <a:bodyPr/>
-          <a:lstStyle/>
-          <a:p>
-            <a:endParaRPr lang="en-BE"/>
-          </a:p>
-        </p:txBody>
-      </p:sp>
-      <p:sp>
-        <p:nvSpPr>
-          <p:cNvPr id="6" name="Slide Number Placeholder 5">
-            <a:extLst>
-              <a:ext uri="{FF2B5EF4-FFF2-40B4-BE49-F238E27FC236}">
-                <a16:creationId xmlns:a16="http://schemas.microsoft.com/office/drawing/2014/main" id="{2981F345-6932-4D1C-8B18-0FC9E5AF41F7}"/>
+          <p:cNvPr id="7" name="Slide Number Placeholder 6">
+            <a:extLst>
+              <a:ext uri="{FF2B5EF4-FFF2-40B4-BE49-F238E27FC236}">
+                <a16:creationId xmlns:a16="http://schemas.microsoft.com/office/drawing/2014/main" id="{713608A3-C857-49B7-8966-98F3C3F8B817}"/>
               </a:ext>
             </a:extLst>
           </p:cNvPr>
@@ -28810,14 +30703,19 @@
             <p:ph type="sldNum" sz="quarter" idx="12"/>
           </p:nvPr>
         </p:nvSpPr>
-        <p:spPr/>
+        <p:spPr>
+          <a:xfrm rot="16200000">
+            <a:off x="-40341" y="6146519"/>
+            <a:ext cx="842683" cy="365125"/>
+          </a:xfrm>
+        </p:spPr>
         <p:txBody>
           <a:bodyPr/>
           <a:lstStyle/>
           <a:p>
             <a:fld id="{69D2CCA8-53B9-41C4-8716-EA9CD8A55276}" type="slidenum">
               <a:rPr lang="en-BE" smtClean="0"/>
-              <a:t>59</a:t>
+              <a:t>61</a:t>
             </a:fld>
             <a:endParaRPr lang="en-BE"/>
           </a:p>
@@ -28825,10 +30723,10 @@
       </p:sp>
       <p:sp>
         <p:nvSpPr>
-          <p:cNvPr id="5" name="Rectangle 4">
-            <a:extLst>
-              <a:ext uri="{FF2B5EF4-FFF2-40B4-BE49-F238E27FC236}">
-                <a16:creationId xmlns:a16="http://schemas.microsoft.com/office/drawing/2014/main" id="{C0DC094B-CF50-419A-B66A-F35B95DEFD1A}"/>
+          <p:cNvPr id="13" name="Rectangle 12">
+            <a:extLst>
+              <a:ext uri="{FF2B5EF4-FFF2-40B4-BE49-F238E27FC236}">
+                <a16:creationId xmlns:a16="http://schemas.microsoft.com/office/drawing/2014/main" id="{F1FCB59F-0AB0-4450-B6E4-BB22E2192D60}"/>
               </a:ext>
             </a:extLst>
           </p:cNvPr>
@@ -28877,10 +30775,132 @@
           </a:p>
         </p:txBody>
       </p:sp>
+      <p:pic>
+        <p:nvPicPr>
+          <p:cNvPr id="5" name="Picture 4">
+            <a:extLst>
+              <a:ext uri="{FF2B5EF4-FFF2-40B4-BE49-F238E27FC236}">
+                <a16:creationId xmlns:a16="http://schemas.microsoft.com/office/drawing/2014/main" id="{D90AD482-0141-4421-BFE0-128C2A65DE67}"/>
+              </a:ext>
+            </a:extLst>
+          </p:cNvPr>
+          <p:cNvPicPr>
+            <a:picLocks noChangeAspect="1"/>
+          </p:cNvPicPr>
+          <p:nvPr/>
+        </p:nvPicPr>
+        <p:blipFill>
+          <a:blip r:embed="rId2"/>
+          <a:stretch>
+            <a:fillRect/>
+          </a:stretch>
+        </p:blipFill>
+        <p:spPr>
+          <a:xfrm>
+            <a:off x="838200" y="1063137"/>
+            <a:ext cx="10182225" cy="3905250"/>
+          </a:xfrm>
+          <a:prstGeom prst="rect">
+            <a:avLst/>
+          </a:prstGeom>
+        </p:spPr>
+      </p:pic>
+      <p:sp>
+        <p:nvSpPr>
+          <p:cNvPr id="8" name="TextBox 7">
+            <a:extLst>
+              <a:ext uri="{FF2B5EF4-FFF2-40B4-BE49-F238E27FC236}">
+                <a16:creationId xmlns:a16="http://schemas.microsoft.com/office/drawing/2014/main" id="{52D70060-BA10-4CE5-BADD-9AE58D218948}"/>
+              </a:ext>
+            </a:extLst>
+          </p:cNvPr>
+          <p:cNvSpPr txBox="1"/>
+          <p:nvPr/>
+        </p:nvSpPr>
+        <p:spPr>
+          <a:xfrm>
+            <a:off x="838200" y="5425531"/>
+            <a:ext cx="9835662" cy="369332"/>
+          </a:xfrm>
+          <a:prstGeom prst="rect">
+            <a:avLst/>
+          </a:prstGeom>
+          <a:noFill/>
+        </p:spPr>
+        <p:txBody>
+          <a:bodyPr wrap="square" rtlCol="0">
+            <a:spAutoFit/>
+          </a:bodyPr>
+          <a:lstStyle/>
+          <a:p>
+            <a:r>
+              <a:rPr lang="fr-BE" dirty="0"/>
+              <a:t>It </a:t>
+            </a:r>
+            <a:r>
+              <a:rPr lang="fr-BE" dirty="0" err="1"/>
+              <a:t>is</a:t>
+            </a:r>
+            <a:r>
+              <a:rPr lang="fr-BE" dirty="0"/>
+              <a:t> </a:t>
+            </a:r>
+            <a:r>
+              <a:rPr lang="fr-BE" dirty="0" err="1"/>
+              <a:t>compulsory</a:t>
+            </a:r>
+            <a:r>
+              <a:rPr lang="fr-BE" dirty="0"/>
+              <a:t> to « </a:t>
+            </a:r>
+            <a:r>
+              <a:rPr lang="fr-BE" dirty="0" err="1"/>
+              <a:t>logout</a:t>
+            </a:r>
+            <a:r>
+              <a:rPr lang="fr-BE" dirty="0"/>
+              <a:t> » </a:t>
+            </a:r>
+            <a:r>
+              <a:rPr lang="fr-BE" dirty="0" err="1"/>
+              <a:t>prior</a:t>
+            </a:r>
+            <a:r>
+              <a:rPr lang="fr-BE" dirty="0"/>
+              <a:t> to </a:t>
+            </a:r>
+            <a:r>
+              <a:rPr lang="fr-BE" dirty="0" err="1"/>
+              <a:t>performing</a:t>
+            </a:r>
+            <a:r>
+              <a:rPr lang="fr-BE" dirty="0"/>
+              <a:t> </a:t>
+            </a:r>
+            <a:r>
+              <a:rPr lang="fr-BE" dirty="0" err="1"/>
+              <a:t>database</a:t>
+            </a:r>
+            <a:r>
+              <a:rPr lang="fr-BE" dirty="0"/>
+              <a:t> backup / restore </a:t>
+            </a:r>
+            <a:r>
+              <a:rPr lang="fr-BE" dirty="0" err="1"/>
+              <a:t>operations</a:t>
+            </a:r>
+            <a:r>
+              <a:rPr lang="fr-BE" dirty="0"/>
+              <a:t> (cache usage)</a:t>
+            </a:r>
+            <a:endParaRPr lang="en-BE" dirty="0"/>
+          </a:p>
+        </p:txBody>
+      </p:sp>
     </p:spTree>
     <p:extLst>
       <p:ext uri="{BB962C8B-B14F-4D97-AF65-F5344CB8AC3E}">
-        <p14:creationId xmlns:p14="http://schemas.microsoft.com/office/powerpoint/2010/main" val="1511269474"/>
+        <p14:creationId xmlns:p14="http://schemas.microsoft.com/office/powerpoint/2010/main" val="4140001325"/>
       </p:ext>
     </p:extLst>
   </p:cSld>
@@ -28890,7 +30910,7 @@
 </p:sld>
 </file>
 
-<file path=ppt/slides/slide6.xml><?xml version="1.0" encoding="utf-8"?>
+<file path=ppt/slides/slide62.xml><?xml version="1.0" encoding="utf-8"?>
 <p:sld xmlns:a="http://schemas.openxmlformats.org/drawingml/2006/main" xmlns:r="http://schemas.openxmlformats.org/officeDocument/2006/relationships" xmlns:p="http://schemas.openxmlformats.org/presentationml/2006/main">
   <p:cSld>
     <p:spTree>
@@ -28909,10 +30929,10 @@
       </p:grpSpPr>
       <p:sp>
         <p:nvSpPr>
-          <p:cNvPr id="6" name="Title 5">
-            <a:extLst>
-              <a:ext uri="{FF2B5EF4-FFF2-40B4-BE49-F238E27FC236}">
-                <a16:creationId xmlns:a16="http://schemas.microsoft.com/office/drawing/2014/main" id="{58602178-544B-4666-8E9B-555376EB72FA}"/>
+          <p:cNvPr id="5" name="Title 4">
+            <a:extLst>
+              <a:ext uri="{FF2B5EF4-FFF2-40B4-BE49-F238E27FC236}">
+                <a16:creationId xmlns:a16="http://schemas.microsoft.com/office/drawing/2014/main" id="{9723C9BB-238E-4112-B9DA-5A0906C64D94}"/>
               </a:ext>
             </a:extLst>
           </p:cNvPr>
@@ -28925,31 +30945,52 @@
         </p:nvSpPr>
         <p:spPr/>
         <p:txBody>
-          <a:bodyPr>
-            <a:normAutofit fontScale="90000"/>
-          </a:bodyPr>
-          <a:lstStyle/>
-          <a:p>
-            <a:r>
-              <a:rPr lang="fr-BE" dirty="0"/>
-              <a:t>Structure</a:t>
-            </a:r>
-            <a:br>
-              <a:rPr lang="fr-BE" dirty="0"/>
-            </a:br>
-            <a:br>
-              <a:rPr lang="fr-BE" dirty="0"/>
-            </a:br>
+          <a:bodyPr/>
+          <a:lstStyle/>
+          <a:p>
+            <a:r>
+              <a:rPr lang="fr-BE" dirty="0" err="1"/>
+              <a:t>Database</a:t>
+            </a:r>
+            <a:r>
+              <a:rPr lang="fr-BE" dirty="0"/>
+              <a:t> Operations</a:t>
+            </a:r>
             <a:endParaRPr lang="en-BE" dirty="0"/>
           </a:p>
         </p:txBody>
       </p:sp>
       <p:sp>
         <p:nvSpPr>
+          <p:cNvPr id="2" name="Text Placeholder 1">
+            <a:extLst>
+              <a:ext uri="{FF2B5EF4-FFF2-40B4-BE49-F238E27FC236}">
+                <a16:creationId xmlns:a16="http://schemas.microsoft.com/office/drawing/2014/main" id="{A4EE2095-A908-4FAB-BF5D-5EBDBE495A8D}"/>
+              </a:ext>
+            </a:extLst>
+          </p:cNvPr>
+          <p:cNvSpPr>
+            <a:spLocks noGrp="1"/>
+          </p:cNvSpPr>
+          <p:nvPr>
+            <p:ph type="body" idx="1"/>
+          </p:nvPr>
+        </p:nvSpPr>
+        <p:spPr/>
+        <p:txBody>
+          <a:bodyPr/>
+          <a:lstStyle/>
+          <a:p>
+            <a:endParaRPr lang="en-BE"/>
+          </a:p>
+        </p:txBody>
+      </p:sp>
+      <p:sp>
+        <p:nvSpPr>
           <p:cNvPr id="4" name="Slide Number Placeholder 3">
             <a:extLst>
               <a:ext uri="{FF2B5EF4-FFF2-40B4-BE49-F238E27FC236}">
-                <a16:creationId xmlns:a16="http://schemas.microsoft.com/office/drawing/2014/main" id="{EAA02D43-D45B-4DB6-B6A2-79AC2BE24160}"/>
+                <a16:creationId xmlns:a16="http://schemas.microsoft.com/office/drawing/2014/main" id="{55EA99B3-CA12-421C-871B-63DCBE5C37DB}"/>
               </a:ext>
             </a:extLst>
           </p:cNvPr>
@@ -28960,90 +31001,25 @@
             <p:ph type="sldNum" sz="quarter" idx="12"/>
           </p:nvPr>
         </p:nvSpPr>
-        <p:spPr>
-          <a:xfrm rot="16200000">
-            <a:off x="-40341" y="6146519"/>
-            <a:ext cx="842683" cy="365125"/>
-          </a:xfrm>
-        </p:spPr>
+        <p:spPr/>
         <p:txBody>
           <a:bodyPr/>
           <a:lstStyle/>
           <a:p>
             <a:fld id="{69D2CCA8-53B9-41C4-8716-EA9CD8A55276}" type="slidenum">
               <a:rPr lang="en-BE" smtClean="0"/>
-              <a:t>6</a:t>
+              <a:t>62</a:t>
             </a:fld>
             <a:endParaRPr lang="en-BE"/>
           </a:p>
         </p:txBody>
       </p:sp>
-      <p:pic>
-        <p:nvPicPr>
-          <p:cNvPr id="7" name="Picture 6">
-            <a:extLst>
-              <a:ext uri="{FF2B5EF4-FFF2-40B4-BE49-F238E27FC236}">
-                <a16:creationId xmlns:a16="http://schemas.microsoft.com/office/drawing/2014/main" id="{F3E4277F-559C-4459-8A80-5E7E950245A3}"/>
-              </a:ext>
-            </a:extLst>
-          </p:cNvPr>
-          <p:cNvPicPr>
-            <a:picLocks noChangeAspect="1"/>
-          </p:cNvPicPr>
-          <p:nvPr/>
-        </p:nvPicPr>
-        <p:blipFill>
-          <a:blip r:embed="rId2"/>
-          <a:stretch>
-            <a:fillRect/>
-          </a:stretch>
-        </p:blipFill>
-        <p:spPr>
-          <a:xfrm>
-            <a:off x="838200" y="903776"/>
-            <a:ext cx="1714500" cy="1571625"/>
-          </a:xfrm>
-          <a:prstGeom prst="rect">
-            <a:avLst/>
-          </a:prstGeom>
-        </p:spPr>
-      </p:pic>
-      <p:pic>
-        <p:nvPicPr>
-          <p:cNvPr id="10" name="Picture 9">
-            <a:extLst>
-              <a:ext uri="{FF2B5EF4-FFF2-40B4-BE49-F238E27FC236}">
-                <a16:creationId xmlns:a16="http://schemas.microsoft.com/office/drawing/2014/main" id="{CB55385C-3226-4ACF-A285-7988EF8F1BA0}"/>
-              </a:ext>
-            </a:extLst>
-          </p:cNvPr>
-          <p:cNvPicPr>
-            <a:picLocks noChangeAspect="1"/>
-          </p:cNvPicPr>
-          <p:nvPr/>
-        </p:nvPicPr>
-        <p:blipFill>
-          <a:blip r:embed="rId3"/>
-          <a:stretch>
-            <a:fillRect/>
-          </a:stretch>
-        </p:blipFill>
-        <p:spPr>
-          <a:xfrm>
-            <a:off x="4438757" y="0"/>
-            <a:ext cx="6690732" cy="6858000"/>
-          </a:xfrm>
-          <a:prstGeom prst="rect">
-            <a:avLst/>
-          </a:prstGeom>
-        </p:spPr>
-      </p:pic>
-      <p:sp>
-        <p:nvSpPr>
-          <p:cNvPr id="14" name="Rectangle 13">
-            <a:extLst>
-              <a:ext uri="{FF2B5EF4-FFF2-40B4-BE49-F238E27FC236}">
-                <a16:creationId xmlns:a16="http://schemas.microsoft.com/office/drawing/2014/main" id="{AFD44F54-0496-460B-A2BB-A6856744A10D}"/>
+      <p:sp>
+        <p:nvSpPr>
+          <p:cNvPr id="6" name="Rectangle 5">
+            <a:extLst>
+              <a:ext uri="{FF2B5EF4-FFF2-40B4-BE49-F238E27FC236}">
+                <a16:creationId xmlns:a16="http://schemas.microsoft.com/office/drawing/2014/main" id="{ED4198DF-5715-497C-B876-3B12BDCA99C9}"/>
               </a:ext>
             </a:extLst>
           </p:cNvPr>
@@ -29095,7 +31071,7 @@
     </p:spTree>
     <p:extLst>
       <p:ext uri="{BB962C8B-B14F-4D97-AF65-F5344CB8AC3E}">
-        <p14:creationId xmlns:p14="http://schemas.microsoft.com/office/powerpoint/2010/main" val="3043266786"/>
+        <p14:creationId xmlns:p14="http://schemas.microsoft.com/office/powerpoint/2010/main" val="936197735"/>
       </p:ext>
     </p:extLst>
   </p:cSld>
@@ -29105,7 +31081,7 @@
 </p:sld>
 </file>
 
-<file path=ppt/slides/slide60.xml><?xml version="1.0" encoding="utf-8"?>
+<file path=ppt/slides/slide63.xml><?xml version="1.0" encoding="utf-8"?>
 <p:sld xmlns:a="http://schemas.openxmlformats.org/drawingml/2006/main" xmlns:r="http://schemas.openxmlformats.org/officeDocument/2006/relationships" xmlns:p="http://schemas.openxmlformats.org/presentationml/2006/main">
   <p:cSld>
     <p:spTree>
@@ -29124,10 +31100,10 @@
       </p:grpSpPr>
       <p:sp>
         <p:nvSpPr>
-          <p:cNvPr id="2" name="Title 1">
-            <a:extLst>
-              <a:ext uri="{FF2B5EF4-FFF2-40B4-BE49-F238E27FC236}">
-                <a16:creationId xmlns:a16="http://schemas.microsoft.com/office/drawing/2014/main" id="{DA26F250-0299-4720-BD31-9A9645DF50F7}"/>
+          <p:cNvPr id="15" name="Title 14">
+            <a:extLst>
+              <a:ext uri="{FF2B5EF4-FFF2-40B4-BE49-F238E27FC236}">
+                <a16:creationId xmlns:a16="http://schemas.microsoft.com/office/drawing/2014/main" id="{A23AC3EC-F18F-4E9E-8FB1-17FAE083F67F}"/>
               </a:ext>
             </a:extLst>
           </p:cNvPr>
@@ -29145,11 +31121,7 @@
           <a:p>
             <a:r>
               <a:rPr lang="fr-BE" dirty="0" err="1"/>
-              <a:t>After</a:t>
-            </a:r>
-            <a:r>
-              <a:rPr lang="fr-BE" dirty="0"/>
-              <a:t> Reboot</a:t>
+              <a:t>Tryton</a:t>
             </a:r>
             <a:endParaRPr lang="en-BE" dirty="0"/>
           </a:p>
@@ -29157,125 +31129,35 @@
       </p:sp>
       <p:sp>
         <p:nvSpPr>
-          <p:cNvPr id="8" name="TextBox 7">
-            <a:extLst>
-              <a:ext uri="{FF2B5EF4-FFF2-40B4-BE49-F238E27FC236}">
-                <a16:creationId xmlns:a16="http://schemas.microsoft.com/office/drawing/2014/main" id="{2CC6D970-B5C6-44F6-A429-0912963B8D7B}"/>
-              </a:ext>
-            </a:extLst>
-          </p:cNvPr>
-          <p:cNvSpPr txBox="1"/>
-          <p:nvPr/>
-        </p:nvSpPr>
-        <p:spPr>
-          <a:xfrm>
-            <a:off x="838200" y="849365"/>
-            <a:ext cx="9369669" cy="646331"/>
-          </a:xfrm>
-          <a:prstGeom prst="rect">
-            <a:avLst/>
-          </a:prstGeom>
-          <a:noFill/>
-        </p:spPr>
-        <p:txBody>
-          <a:bodyPr wrap="square">
-            <a:spAutoFit/>
-          </a:bodyPr>
-          <a:lstStyle/>
-          <a:p>
-            <a:r>
-              <a:rPr lang="fr-BE" dirty="0" err="1"/>
-              <a:t>Each</a:t>
-            </a:r>
-            <a:r>
-              <a:rPr lang="fr-BE" dirty="0"/>
-              <a:t> time the PC </a:t>
-            </a:r>
-            <a:r>
-              <a:rPr lang="fr-BE" dirty="0" err="1"/>
-              <a:t>is</a:t>
-            </a:r>
-            <a:r>
-              <a:rPr lang="fr-BE" dirty="0"/>
-              <a:t> </a:t>
-            </a:r>
-            <a:r>
-              <a:rPr lang="fr-BE" dirty="0" err="1"/>
-              <a:t>rebooted</a:t>
-            </a:r>
-            <a:r>
-              <a:rPr lang="fr-BE" dirty="0"/>
-              <a:t>, </a:t>
-            </a:r>
-            <a:r>
-              <a:rPr lang="fr-BE" dirty="0" err="1"/>
-              <a:t>we</a:t>
-            </a:r>
-            <a:r>
-              <a:rPr lang="fr-BE" dirty="0"/>
-              <a:t> </a:t>
-            </a:r>
-            <a:r>
-              <a:rPr lang="fr-BE" dirty="0" err="1"/>
-              <a:t>need</a:t>
-            </a:r>
-            <a:r>
-              <a:rPr lang="fr-BE" dirty="0"/>
-              <a:t> to </a:t>
-            </a:r>
-            <a:r>
-              <a:rPr lang="fr-BE" dirty="0" err="1"/>
-              <a:t>execute</a:t>
-            </a:r>
-            <a:r>
-              <a:rPr lang="fr-BE" dirty="0"/>
-              <a:t> the </a:t>
-            </a:r>
-            <a:r>
-              <a:rPr lang="fr-BE" dirty="0" err="1"/>
-              <a:t>following</a:t>
-            </a:r>
-            <a:r>
-              <a:rPr lang="fr-BE" dirty="0"/>
-              <a:t> </a:t>
-            </a:r>
-            <a:r>
-              <a:rPr lang="fr-BE" dirty="0" err="1"/>
-              <a:t>commands</a:t>
-            </a:r>
-            <a:r>
-              <a:rPr lang="fr-BE" dirty="0"/>
-              <a:t> in </a:t>
-            </a:r>
-            <a:r>
-              <a:rPr lang="fr-BE" dirty="0" err="1"/>
-              <a:t>Powershell</a:t>
-            </a:r>
-            <a:endParaRPr lang="fr-BE" dirty="0"/>
-          </a:p>
-          <a:p>
-            <a:r>
-              <a:rPr lang="en-US" dirty="0"/>
-              <a:t>docker </a:t>
-            </a:r>
-            <a:r>
-              <a:rPr lang="en-US" dirty="0" err="1"/>
-              <a:t>ps</a:t>
-            </a:r>
-            <a:r>
-              <a:rPr lang="en-US" dirty="0"/>
-              <a:t> -a # Control the status</a:t>
-            </a:r>
-            <a:endParaRPr lang="en-BE" dirty="0"/>
-          </a:p>
-        </p:txBody>
-      </p:sp>
-      <p:sp>
-        <p:nvSpPr>
-          <p:cNvPr id="7" name="Slide Number Placeholder 6">
-            <a:extLst>
-              <a:ext uri="{FF2B5EF4-FFF2-40B4-BE49-F238E27FC236}">
-                <a16:creationId xmlns:a16="http://schemas.microsoft.com/office/drawing/2014/main" id="{B9E33C7F-8728-44F7-85BC-3E80E28232DE}"/>
+          <p:cNvPr id="2" name="Text Placeholder 1">
+            <a:extLst>
+              <a:ext uri="{FF2B5EF4-FFF2-40B4-BE49-F238E27FC236}">
+                <a16:creationId xmlns:a16="http://schemas.microsoft.com/office/drawing/2014/main" id="{39208425-75EA-4473-84B8-232370AD0BBA}"/>
+              </a:ext>
+            </a:extLst>
+          </p:cNvPr>
+          <p:cNvSpPr>
+            <a:spLocks noGrp="1"/>
+          </p:cNvSpPr>
+          <p:nvPr>
+            <p:ph type="body" idx="1"/>
+          </p:nvPr>
+        </p:nvSpPr>
+        <p:spPr/>
+        <p:txBody>
+          <a:bodyPr/>
+          <a:lstStyle/>
+          <a:p>
+            <a:endParaRPr lang="en-BE"/>
+          </a:p>
+        </p:txBody>
+      </p:sp>
+      <p:sp>
+        <p:nvSpPr>
+          <p:cNvPr id="3" name="Slide Number Placeholder 2">
+            <a:extLst>
+              <a:ext uri="{FF2B5EF4-FFF2-40B4-BE49-F238E27FC236}">
+                <a16:creationId xmlns:a16="http://schemas.microsoft.com/office/drawing/2014/main" id="{CA6EFD7A-64F3-49C7-9ABD-744047250A0A}"/>
               </a:ext>
             </a:extLst>
           </p:cNvPr>
@@ -29286,19 +31168,14 @@
             <p:ph type="sldNum" sz="quarter" idx="12"/>
           </p:nvPr>
         </p:nvSpPr>
-        <p:spPr>
-          <a:xfrm rot="16200000">
-            <a:off x="-40341" y="6146519"/>
-            <a:ext cx="842683" cy="365125"/>
-          </a:xfrm>
-        </p:spPr>
+        <p:spPr/>
         <p:txBody>
           <a:bodyPr/>
           <a:lstStyle/>
           <a:p>
             <a:fld id="{69D2CCA8-53B9-41C4-8716-EA9CD8A55276}" type="slidenum">
               <a:rPr lang="en-BE" smtClean="0"/>
-              <a:t>60</a:t>
+              <a:t>63</a:t>
             </a:fld>
             <a:endParaRPr lang="en-BE"/>
           </a:p>
@@ -29306,68 +31183,10 @@
       </p:sp>
       <p:sp>
         <p:nvSpPr>
-          <p:cNvPr id="13" name="TextBox 12">
-            <a:extLst>
-              <a:ext uri="{FF2B5EF4-FFF2-40B4-BE49-F238E27FC236}">
-                <a16:creationId xmlns:a16="http://schemas.microsoft.com/office/drawing/2014/main" id="{60D84EA6-80D8-4717-8E9C-A0E3674930F4}"/>
-              </a:ext>
-            </a:extLst>
-          </p:cNvPr>
-          <p:cNvSpPr txBox="1"/>
-          <p:nvPr/>
-        </p:nvSpPr>
-        <p:spPr>
-          <a:xfrm>
-            <a:off x="776654" y="2964324"/>
-            <a:ext cx="4577863" cy="1754326"/>
-          </a:xfrm>
-          <a:prstGeom prst="rect">
-            <a:avLst/>
-          </a:prstGeom>
-          <a:noFill/>
-        </p:spPr>
-        <p:txBody>
-          <a:bodyPr wrap="square">
-            <a:spAutoFit/>
-          </a:bodyPr>
-          <a:lstStyle/>
-          <a:p>
-            <a:r>
-              <a:rPr lang="en-US" dirty="0"/>
-              <a:t># Start the containers</a:t>
-            </a:r>
-            <a:br>
-              <a:rPr lang="en-US" dirty="0"/>
-            </a:br>
-            <a:r>
-              <a:rPr lang="en-US" b="1" dirty="0"/>
-              <a:t>docker start tryt11-postgres tryt11 tryt11-cron</a:t>
-            </a:r>
-          </a:p>
-          <a:p>
-            <a:r>
-              <a:rPr lang="en-US" b="1" dirty="0"/>
-              <a:t>docker start post01-postgres post01-pgadmin</a:t>
-            </a:r>
-          </a:p>
-          <a:p>
-            <a:endParaRPr lang="en-US" dirty="0"/>
-          </a:p>
-          <a:p>
-            <a:r>
-              <a:rPr lang="en-US" dirty="0"/>
-              <a:t>Above commands are unnecessary when the PC is set to “Sleep”</a:t>
-            </a:r>
-            <a:endParaRPr lang="en-BE" dirty="0"/>
-          </a:p>
-        </p:txBody>
-      </p:sp>
-      <p:sp>
-        <p:nvSpPr>
-          <p:cNvPr id="11" name="Rectangle 10">
-            <a:extLst>
-              <a:ext uri="{FF2B5EF4-FFF2-40B4-BE49-F238E27FC236}">
-                <a16:creationId xmlns:a16="http://schemas.microsoft.com/office/drawing/2014/main" id="{019375C9-CDC1-43C3-BCCE-4538B85AA95C}"/>
+          <p:cNvPr id="5" name="Rectangle 4">
+            <a:extLst>
+              <a:ext uri="{FF2B5EF4-FFF2-40B4-BE49-F238E27FC236}">
+                <a16:creationId xmlns:a16="http://schemas.microsoft.com/office/drawing/2014/main" id="{133B336C-C249-4431-A18C-83502A1DA82A}"/>
               </a:ext>
             </a:extLst>
           </p:cNvPr>
@@ -29416,70 +31235,10 @@
           </a:p>
         </p:txBody>
       </p:sp>
-      <p:pic>
-        <p:nvPicPr>
-          <p:cNvPr id="4" name="Picture 3">
-            <a:extLst>
-              <a:ext uri="{FF2B5EF4-FFF2-40B4-BE49-F238E27FC236}">
-                <a16:creationId xmlns:a16="http://schemas.microsoft.com/office/drawing/2014/main" id="{710B32E8-5E9C-4981-B8B9-B74F52B9F720}"/>
-              </a:ext>
-            </a:extLst>
-          </p:cNvPr>
-          <p:cNvPicPr>
-            <a:picLocks noChangeAspect="1"/>
-          </p:cNvPicPr>
-          <p:nvPr/>
-        </p:nvPicPr>
-        <p:blipFill>
-          <a:blip r:embed="rId2"/>
-          <a:stretch>
-            <a:fillRect/>
-          </a:stretch>
-        </p:blipFill>
-        <p:spPr>
-          <a:xfrm>
-            <a:off x="0" y="4819524"/>
-            <a:ext cx="12192000" cy="1293365"/>
-          </a:xfrm>
-          <a:prstGeom prst="rect">
-            <a:avLst/>
-          </a:prstGeom>
-        </p:spPr>
-      </p:pic>
-      <p:pic>
-        <p:nvPicPr>
-          <p:cNvPr id="6" name="Picture 5">
-            <a:extLst>
-              <a:ext uri="{FF2B5EF4-FFF2-40B4-BE49-F238E27FC236}">
-                <a16:creationId xmlns:a16="http://schemas.microsoft.com/office/drawing/2014/main" id="{04D626CA-0415-49B1-B508-43A454688C03}"/>
-              </a:ext>
-            </a:extLst>
-          </p:cNvPr>
-          <p:cNvPicPr>
-            <a:picLocks noChangeAspect="1"/>
-          </p:cNvPicPr>
-          <p:nvPr/>
-        </p:nvPicPr>
-        <p:blipFill>
-          <a:blip r:embed="rId3"/>
-          <a:stretch>
-            <a:fillRect/>
-          </a:stretch>
-        </p:blipFill>
-        <p:spPr>
-          <a:xfrm>
-            <a:off x="0" y="1560857"/>
-            <a:ext cx="12192000" cy="1267968"/>
-          </a:xfrm>
-          <a:prstGeom prst="rect">
-            <a:avLst/>
-          </a:prstGeom>
-        </p:spPr>
-      </p:pic>
     </p:spTree>
     <p:extLst>
       <p:ext uri="{BB962C8B-B14F-4D97-AF65-F5344CB8AC3E}">
-        <p14:creationId xmlns:p14="http://schemas.microsoft.com/office/powerpoint/2010/main" val="2508958057"/>
+        <p14:creationId xmlns:p14="http://schemas.microsoft.com/office/powerpoint/2010/main" val="1915138495"/>
       </p:ext>
     </p:extLst>
   </p:cSld>
@@ -29489,7 +31248,7 @@
 </p:sld>
 </file>
 
-<file path=ppt/slides/slide61.xml><?xml version="1.0" encoding="utf-8"?>
+<file path=ppt/slides/slide64.xml><?xml version="1.0" encoding="utf-8"?>
 <p:sld xmlns:a="http://schemas.openxmlformats.org/drawingml/2006/main" xmlns:r="http://schemas.openxmlformats.org/officeDocument/2006/relationships" xmlns:p="http://schemas.openxmlformats.org/presentationml/2006/main">
   <p:cSld>
     <p:spTree>
@@ -29508,10 +31267,10 @@
       </p:grpSpPr>
       <p:sp>
         <p:nvSpPr>
-          <p:cNvPr id="5" name="Title 4">
-            <a:extLst>
-              <a:ext uri="{FF2B5EF4-FFF2-40B4-BE49-F238E27FC236}">
-                <a16:creationId xmlns:a16="http://schemas.microsoft.com/office/drawing/2014/main" id="{9723C9BB-238E-4112-B9DA-5A0906C64D94}"/>
+          <p:cNvPr id="2" name="Title 1">
+            <a:extLst>
+              <a:ext uri="{FF2B5EF4-FFF2-40B4-BE49-F238E27FC236}">
+                <a16:creationId xmlns:a16="http://schemas.microsoft.com/office/drawing/2014/main" id="{DA26F250-0299-4720-BD31-9A9645DF50F7}"/>
               </a:ext>
             </a:extLst>
           </p:cNvPr>
@@ -29528,12 +31287,24 @@
           <a:lstStyle/>
           <a:p>
             <a:r>
-              <a:rPr lang="fr-BE" dirty="0" err="1"/>
-              <a:t>Database</a:t>
-            </a:r>
-            <a:r>
-              <a:rPr lang="fr-BE" dirty="0"/>
-              <a:t> Operations</a:t>
+              <a:rPr lang="fr-BE" dirty="0"/>
+              <a:t>./</a:t>
+            </a:r>
+            <a:r>
+              <a:rPr lang="en-GB" sz="2400" dirty="0"/>
+              <a:t>"</a:t>
+            </a:r>
+            <a:r>
+              <a:rPr lang="fr-BE" dirty="0" err="1"/>
+              <a:t>Tryton</a:t>
+            </a:r>
+            <a:r>
+              <a:rPr lang="fr-BE" dirty="0"/>
+              <a:t> 6.0 - Doc 00.01 - Installation &amp; administration.database.tryt11.query</a:t>
+            </a:r>
+            <a:r>
+              <a:rPr lang="en-GB" sz="2400" dirty="0"/>
+              <a:t>"</a:t>
             </a:r>
             <a:endParaRPr lang="en-BE" dirty="0"/>
           </a:p>
@@ -29541,35 +31312,10 @@
       </p:sp>
       <p:sp>
         <p:nvSpPr>
-          <p:cNvPr id="2" name="Text Placeholder 1">
-            <a:extLst>
-              <a:ext uri="{FF2B5EF4-FFF2-40B4-BE49-F238E27FC236}">
-                <a16:creationId xmlns:a16="http://schemas.microsoft.com/office/drawing/2014/main" id="{A4EE2095-A908-4FAB-BF5D-5EBDBE495A8D}"/>
-              </a:ext>
-            </a:extLst>
-          </p:cNvPr>
-          <p:cNvSpPr>
-            <a:spLocks noGrp="1"/>
-          </p:cNvSpPr>
-          <p:nvPr>
-            <p:ph type="body" idx="1"/>
-          </p:nvPr>
-        </p:nvSpPr>
-        <p:spPr/>
-        <p:txBody>
-          <a:bodyPr/>
-          <a:lstStyle/>
-          <a:p>
-            <a:endParaRPr lang="en-BE"/>
-          </a:p>
-        </p:txBody>
-      </p:sp>
-      <p:sp>
-        <p:nvSpPr>
-          <p:cNvPr id="4" name="Slide Number Placeholder 3">
-            <a:extLst>
-              <a:ext uri="{FF2B5EF4-FFF2-40B4-BE49-F238E27FC236}">
-                <a16:creationId xmlns:a16="http://schemas.microsoft.com/office/drawing/2014/main" id="{55EA99B3-CA12-421C-871B-63DCBE5C37DB}"/>
+          <p:cNvPr id="6" name="Slide Number Placeholder 5">
+            <a:extLst>
+              <a:ext uri="{FF2B5EF4-FFF2-40B4-BE49-F238E27FC236}">
+                <a16:creationId xmlns:a16="http://schemas.microsoft.com/office/drawing/2014/main" id="{906D04BA-E09C-4C1B-A898-2EADDF916854}"/>
               </a:ext>
             </a:extLst>
           </p:cNvPr>
@@ -29580,331 +31326,6 @@
             <p:ph type="sldNum" sz="quarter" idx="12"/>
           </p:nvPr>
         </p:nvSpPr>
-        <p:spPr/>
-        <p:txBody>
-          <a:bodyPr/>
-          <a:lstStyle/>
-          <a:p>
-            <a:fld id="{69D2CCA8-53B9-41C4-8716-EA9CD8A55276}" type="slidenum">
-              <a:rPr lang="en-BE" smtClean="0"/>
-              <a:t>61</a:t>
-            </a:fld>
-            <a:endParaRPr lang="en-BE"/>
-          </a:p>
-        </p:txBody>
-      </p:sp>
-      <p:sp>
-        <p:nvSpPr>
-          <p:cNvPr id="6" name="Rectangle 5">
-            <a:extLst>
-              <a:ext uri="{FF2B5EF4-FFF2-40B4-BE49-F238E27FC236}">
-                <a16:creationId xmlns:a16="http://schemas.microsoft.com/office/drawing/2014/main" id="{ED4198DF-5715-497C-B876-3B12BDCA99C9}"/>
-              </a:ext>
-            </a:extLst>
-          </p:cNvPr>
-          <p:cNvSpPr/>
-          <p:nvPr/>
-        </p:nvSpPr>
-        <p:spPr>
-          <a:xfrm>
-            <a:off x="11728938" y="6453554"/>
-            <a:ext cx="463062" cy="404446"/>
-          </a:xfrm>
-          <a:prstGeom prst="rect">
-            <a:avLst/>
-          </a:prstGeom>
-          <a:solidFill>
-            <a:schemeClr val="accent5">
-              <a:lumMod val="75000"/>
-            </a:schemeClr>
-          </a:solidFill>
-          <a:ln>
-            <a:noFill/>
-          </a:ln>
-        </p:spPr>
-        <p:style>
-          <a:lnRef idx="2">
-            <a:schemeClr val="accent1">
-              <a:shade val="50000"/>
-            </a:schemeClr>
-          </a:lnRef>
-          <a:fillRef idx="1">
-            <a:schemeClr val="accent1"/>
-          </a:fillRef>
-          <a:effectRef idx="0">
-            <a:schemeClr val="accent1"/>
-          </a:effectRef>
-          <a:fontRef idx="minor">
-            <a:schemeClr val="lt1"/>
-          </a:fontRef>
-        </p:style>
-        <p:txBody>
-          <a:bodyPr rtlCol="0" anchor="ctr"/>
-          <a:lstStyle/>
-          <a:p>
-            <a:pPr algn="ctr"/>
-            <a:endParaRPr lang="en-BE"/>
-          </a:p>
-        </p:txBody>
-      </p:sp>
-    </p:spTree>
-    <p:extLst>
-      <p:ext uri="{BB962C8B-B14F-4D97-AF65-F5344CB8AC3E}">
-        <p14:creationId xmlns:p14="http://schemas.microsoft.com/office/powerpoint/2010/main" val="936197735"/>
-      </p:ext>
-    </p:extLst>
-  </p:cSld>
-  <p:clrMapOvr>
-    <a:masterClrMapping/>
-  </p:clrMapOvr>
-</p:sld>
-</file>
-
-<file path=ppt/slides/slide62.xml><?xml version="1.0" encoding="utf-8"?>
-<p:sld xmlns:a="http://schemas.openxmlformats.org/drawingml/2006/main" xmlns:r="http://schemas.openxmlformats.org/officeDocument/2006/relationships" xmlns:p="http://schemas.openxmlformats.org/presentationml/2006/main">
-  <p:cSld>
-    <p:spTree>
-      <p:nvGrpSpPr>
-        <p:cNvPr id="1" name=""/>
-        <p:cNvGrpSpPr/>
-        <p:nvPr/>
-      </p:nvGrpSpPr>
-      <p:grpSpPr>
-        <a:xfrm>
-          <a:off x="0" y="0"/>
-          <a:ext cx="0" cy="0"/>
-          <a:chOff x="0" y="0"/>
-          <a:chExt cx="0" cy="0"/>
-        </a:xfrm>
-      </p:grpSpPr>
-      <p:sp>
-        <p:nvSpPr>
-          <p:cNvPr id="15" name="Title 14">
-            <a:extLst>
-              <a:ext uri="{FF2B5EF4-FFF2-40B4-BE49-F238E27FC236}">
-                <a16:creationId xmlns:a16="http://schemas.microsoft.com/office/drawing/2014/main" id="{A23AC3EC-F18F-4E9E-8FB1-17FAE083F67F}"/>
-              </a:ext>
-            </a:extLst>
-          </p:cNvPr>
-          <p:cNvSpPr>
-            <a:spLocks noGrp="1"/>
-          </p:cNvSpPr>
-          <p:nvPr>
-            <p:ph type="title"/>
-          </p:nvPr>
-        </p:nvSpPr>
-        <p:spPr/>
-        <p:txBody>
-          <a:bodyPr/>
-          <a:lstStyle/>
-          <a:p>
-            <a:r>
-              <a:rPr lang="fr-BE" dirty="0" err="1"/>
-              <a:t>Tryton</a:t>
-            </a:r>
-            <a:endParaRPr lang="en-BE" dirty="0"/>
-          </a:p>
-        </p:txBody>
-      </p:sp>
-      <p:sp>
-        <p:nvSpPr>
-          <p:cNvPr id="2" name="Text Placeholder 1">
-            <a:extLst>
-              <a:ext uri="{FF2B5EF4-FFF2-40B4-BE49-F238E27FC236}">
-                <a16:creationId xmlns:a16="http://schemas.microsoft.com/office/drawing/2014/main" id="{39208425-75EA-4473-84B8-232370AD0BBA}"/>
-              </a:ext>
-            </a:extLst>
-          </p:cNvPr>
-          <p:cNvSpPr>
-            <a:spLocks noGrp="1"/>
-          </p:cNvSpPr>
-          <p:nvPr>
-            <p:ph type="body" idx="1"/>
-          </p:nvPr>
-        </p:nvSpPr>
-        <p:spPr/>
-        <p:txBody>
-          <a:bodyPr/>
-          <a:lstStyle/>
-          <a:p>
-            <a:endParaRPr lang="en-BE"/>
-          </a:p>
-        </p:txBody>
-      </p:sp>
-      <p:sp>
-        <p:nvSpPr>
-          <p:cNvPr id="3" name="Slide Number Placeholder 2">
-            <a:extLst>
-              <a:ext uri="{FF2B5EF4-FFF2-40B4-BE49-F238E27FC236}">
-                <a16:creationId xmlns:a16="http://schemas.microsoft.com/office/drawing/2014/main" id="{CA6EFD7A-64F3-49C7-9ABD-744047250A0A}"/>
-              </a:ext>
-            </a:extLst>
-          </p:cNvPr>
-          <p:cNvSpPr>
-            <a:spLocks noGrp="1"/>
-          </p:cNvSpPr>
-          <p:nvPr>
-            <p:ph type="sldNum" sz="quarter" idx="12"/>
-          </p:nvPr>
-        </p:nvSpPr>
-        <p:spPr/>
-        <p:txBody>
-          <a:bodyPr/>
-          <a:lstStyle/>
-          <a:p>
-            <a:fld id="{69D2CCA8-53B9-41C4-8716-EA9CD8A55276}" type="slidenum">
-              <a:rPr lang="en-BE" smtClean="0"/>
-              <a:t>62</a:t>
-            </a:fld>
-            <a:endParaRPr lang="en-BE"/>
-          </a:p>
-        </p:txBody>
-      </p:sp>
-      <p:sp>
-        <p:nvSpPr>
-          <p:cNvPr id="5" name="Rectangle 4">
-            <a:extLst>
-              <a:ext uri="{FF2B5EF4-FFF2-40B4-BE49-F238E27FC236}">
-                <a16:creationId xmlns:a16="http://schemas.microsoft.com/office/drawing/2014/main" id="{133B336C-C249-4431-A18C-83502A1DA82A}"/>
-              </a:ext>
-            </a:extLst>
-          </p:cNvPr>
-          <p:cNvSpPr/>
-          <p:nvPr/>
-        </p:nvSpPr>
-        <p:spPr>
-          <a:xfrm>
-            <a:off x="11728938" y="6453554"/>
-            <a:ext cx="463062" cy="404446"/>
-          </a:xfrm>
-          <a:prstGeom prst="rect">
-            <a:avLst/>
-          </a:prstGeom>
-          <a:solidFill>
-            <a:schemeClr val="accent5">
-              <a:lumMod val="75000"/>
-            </a:schemeClr>
-          </a:solidFill>
-          <a:ln>
-            <a:noFill/>
-          </a:ln>
-        </p:spPr>
-        <p:style>
-          <a:lnRef idx="2">
-            <a:schemeClr val="accent1">
-              <a:shade val="50000"/>
-            </a:schemeClr>
-          </a:lnRef>
-          <a:fillRef idx="1">
-            <a:schemeClr val="accent1"/>
-          </a:fillRef>
-          <a:effectRef idx="0">
-            <a:schemeClr val="accent1"/>
-          </a:effectRef>
-          <a:fontRef idx="minor">
-            <a:schemeClr val="lt1"/>
-          </a:fontRef>
-        </p:style>
-        <p:txBody>
-          <a:bodyPr rtlCol="0" anchor="ctr"/>
-          <a:lstStyle/>
-          <a:p>
-            <a:pPr algn="ctr"/>
-            <a:endParaRPr lang="en-BE"/>
-          </a:p>
-        </p:txBody>
-      </p:sp>
-    </p:spTree>
-    <p:extLst>
-      <p:ext uri="{BB962C8B-B14F-4D97-AF65-F5344CB8AC3E}">
-        <p14:creationId xmlns:p14="http://schemas.microsoft.com/office/powerpoint/2010/main" val="1915138495"/>
-      </p:ext>
-    </p:extLst>
-  </p:cSld>
-  <p:clrMapOvr>
-    <a:masterClrMapping/>
-  </p:clrMapOvr>
-</p:sld>
-</file>
-
-<file path=ppt/slides/slide63.xml><?xml version="1.0" encoding="utf-8"?>
-<p:sld xmlns:a="http://schemas.openxmlformats.org/drawingml/2006/main" xmlns:r="http://schemas.openxmlformats.org/officeDocument/2006/relationships" xmlns:p="http://schemas.openxmlformats.org/presentationml/2006/main">
-  <p:cSld>
-    <p:spTree>
-      <p:nvGrpSpPr>
-        <p:cNvPr id="1" name=""/>
-        <p:cNvGrpSpPr/>
-        <p:nvPr/>
-      </p:nvGrpSpPr>
-      <p:grpSpPr>
-        <a:xfrm>
-          <a:off x="0" y="0"/>
-          <a:ext cx="0" cy="0"/>
-          <a:chOff x="0" y="0"/>
-          <a:chExt cx="0" cy="0"/>
-        </a:xfrm>
-      </p:grpSpPr>
-      <p:sp>
-        <p:nvSpPr>
-          <p:cNvPr id="2" name="Title 1">
-            <a:extLst>
-              <a:ext uri="{FF2B5EF4-FFF2-40B4-BE49-F238E27FC236}">
-                <a16:creationId xmlns:a16="http://schemas.microsoft.com/office/drawing/2014/main" id="{DA26F250-0299-4720-BD31-9A9645DF50F7}"/>
-              </a:ext>
-            </a:extLst>
-          </p:cNvPr>
-          <p:cNvSpPr>
-            <a:spLocks noGrp="1"/>
-          </p:cNvSpPr>
-          <p:nvPr>
-            <p:ph type="title"/>
-          </p:nvPr>
-        </p:nvSpPr>
-        <p:spPr/>
-        <p:txBody>
-          <a:bodyPr/>
-          <a:lstStyle/>
-          <a:p>
-            <a:r>
-              <a:rPr lang="fr-BE" dirty="0"/>
-              <a:t>./</a:t>
-            </a:r>
-            <a:r>
-              <a:rPr lang="en-GB" sz="2400" dirty="0"/>
-              <a:t>"</a:t>
-            </a:r>
-            <a:r>
-              <a:rPr lang="fr-BE" dirty="0" err="1"/>
-              <a:t>Tryton</a:t>
-            </a:r>
-            <a:r>
-              <a:rPr lang="fr-BE" dirty="0"/>
-              <a:t> 6.0 - Doc 00.01 - Installation &amp; administration.database.tryt11.query</a:t>
-            </a:r>
-            <a:r>
-              <a:rPr lang="en-GB" sz="2400" dirty="0"/>
-              <a:t>"</a:t>
-            </a:r>
-            <a:endParaRPr lang="en-BE" dirty="0"/>
-          </a:p>
-        </p:txBody>
-      </p:sp>
-      <p:sp>
-        <p:nvSpPr>
-          <p:cNvPr id="6" name="Slide Number Placeholder 5">
-            <a:extLst>
-              <a:ext uri="{FF2B5EF4-FFF2-40B4-BE49-F238E27FC236}">
-                <a16:creationId xmlns:a16="http://schemas.microsoft.com/office/drawing/2014/main" id="{906D04BA-E09C-4C1B-A898-2EADDF916854}"/>
-              </a:ext>
-            </a:extLst>
-          </p:cNvPr>
-          <p:cNvSpPr>
-            <a:spLocks noGrp="1"/>
-          </p:cNvSpPr>
-          <p:nvPr>
-            <p:ph type="sldNum" sz="quarter" idx="12"/>
-          </p:nvPr>
-        </p:nvSpPr>
         <p:spPr>
           <a:xfrm rot="16200000">
             <a:off x="-40341" y="6146519"/>
@@ -29917,7 +31338,7 @@
           <a:p>
             <a:fld id="{69D2CCA8-53B9-41C4-8716-EA9CD8A55276}" type="slidenum">
               <a:rPr lang="en-BE" smtClean="0"/>
-              <a:t>63</a:t>
+              <a:t>64</a:t>
             </a:fld>
             <a:endParaRPr lang="en-BE"/>
           </a:p>
@@ -30420,7 +31841,7 @@
 </p:sld>
 </file>
 
-<file path=ppt/slides/slide64.xml><?xml version="1.0" encoding="utf-8"?>
+<file path=ppt/slides/slide65.xml><?xml version="1.0" encoding="utf-8"?>
 <p:sld xmlns:a="http://schemas.openxmlformats.org/drawingml/2006/main" xmlns:r="http://schemas.openxmlformats.org/officeDocument/2006/relationships" xmlns:p="http://schemas.openxmlformats.org/presentationml/2006/main">
   <p:cSld>
     <p:spTree>
@@ -30514,7 +31935,7 @@
           <a:p>
             <a:fld id="{69D2CCA8-53B9-41C4-8716-EA9CD8A55276}" type="slidenum">
               <a:rPr lang="en-BE" smtClean="0"/>
-              <a:t>64</a:t>
+              <a:t>65</a:t>
             </a:fld>
             <a:endParaRPr lang="en-BE"/>
           </a:p>
@@ -30587,7 +32008,7 @@
 </p:sld>
 </file>
 
-<file path=ppt/slides/slide65.xml><?xml version="1.0" encoding="utf-8"?>
+<file path=ppt/slides/slide66.xml><?xml version="1.0" encoding="utf-8"?>
 <p:sld xmlns:a="http://schemas.openxmlformats.org/drawingml/2006/main" xmlns:r="http://schemas.openxmlformats.org/officeDocument/2006/relationships" xmlns:p="http://schemas.openxmlformats.org/presentationml/2006/main">
   <p:cSld>
     <p:spTree>
@@ -30948,7 +32369,7 @@
 </p:sld>
 </file>
 
-<file path=ppt/slides/slide66.xml><?xml version="1.0" encoding="utf-8"?>
+<file path=ppt/slides/slide67.xml><?xml version="1.0" encoding="utf-8"?>
 <p:sld xmlns:a="http://schemas.openxmlformats.org/drawingml/2006/main" xmlns:r="http://schemas.openxmlformats.org/officeDocument/2006/relationships" xmlns:p="http://schemas.openxmlformats.org/presentationml/2006/main">
   <p:cSld>
     <p:spTree>
@@ -31046,7 +32467,7 @@
           <a:p>
             <a:fld id="{69D2CCA8-53B9-41C4-8716-EA9CD8A55276}" type="slidenum">
               <a:rPr lang="en-BE" smtClean="0"/>
-              <a:t>66</a:t>
+              <a:t>67</a:t>
             </a:fld>
             <a:endParaRPr lang="en-BE"/>
           </a:p>
@@ -31119,7 +32540,7 @@
 </p:sld>
 </file>
 
-<file path=ppt/slides/slide67.xml><?xml version="1.0" encoding="utf-8"?>
+<file path=ppt/slides/slide68.xml><?xml version="1.0" encoding="utf-8"?>
 <p:sld xmlns:a="http://schemas.openxmlformats.org/drawingml/2006/main" xmlns:r="http://schemas.openxmlformats.org/officeDocument/2006/relationships" xmlns:p="http://schemas.openxmlformats.org/presentationml/2006/main">
   <p:cSld>
     <p:spTree>
@@ -31333,7 +32754,7 @@
 </p:sld>
 </file>
 
-<file path=ppt/slides/slide68.xml><?xml version="1.0" encoding="utf-8"?>
+<file path=ppt/slides/slide69.xml><?xml version="1.0" encoding="utf-8"?>
 <p:sld xmlns:a="http://schemas.openxmlformats.org/drawingml/2006/main" xmlns:r="http://schemas.openxmlformats.org/officeDocument/2006/relationships" xmlns:p="http://schemas.openxmlformats.org/presentationml/2006/main">
   <p:cSld>
     <p:spTree>
@@ -31858,7 +33279,7 @@
 </p:sld>
 </file>
 
-<file path=ppt/slides/slide69.xml><?xml version="1.0" encoding="utf-8"?>
+<file path=ppt/slides/slide7.xml><?xml version="1.0" encoding="utf-8"?>
 <p:sld xmlns:a="http://schemas.openxmlformats.org/drawingml/2006/main" xmlns:r="http://schemas.openxmlformats.org/officeDocument/2006/relationships" xmlns:p="http://schemas.openxmlformats.org/presentationml/2006/main">
   <p:cSld>
     <p:spTree>
@@ -31877,10 +33298,10 @@
       </p:grpSpPr>
       <p:sp>
         <p:nvSpPr>
-          <p:cNvPr id="15" name="Title 14">
-            <a:extLst>
-              <a:ext uri="{FF2B5EF4-FFF2-40B4-BE49-F238E27FC236}">
-                <a16:creationId xmlns:a16="http://schemas.microsoft.com/office/drawing/2014/main" id="{A23AC3EC-F18F-4E9E-8FB1-17FAE083F67F}"/>
+          <p:cNvPr id="6" name="Title 5">
+            <a:extLst>
+              <a:ext uri="{FF2B5EF4-FFF2-40B4-BE49-F238E27FC236}">
+                <a16:creationId xmlns:a16="http://schemas.microsoft.com/office/drawing/2014/main" id="{58602178-544B-4666-8E9B-555376EB72FA}"/>
               </a:ext>
             </a:extLst>
           </p:cNvPr>
@@ -31897,8 +33318,8 @@
           <a:lstStyle/>
           <a:p>
             <a:r>
-              <a:rPr lang="fr-BE" dirty="0" err="1"/>
-              <a:t>Tryton</a:t>
+              <a:rPr lang="fr-BE" dirty="0"/>
+              <a:t>Scripts</a:t>
             </a:r>
             <a:endParaRPr lang="en-BE" dirty="0"/>
           </a:p>
@@ -31906,35 +33327,10 @@
       </p:sp>
       <p:sp>
         <p:nvSpPr>
-          <p:cNvPr id="2" name="Text Placeholder 1">
-            <a:extLst>
-              <a:ext uri="{FF2B5EF4-FFF2-40B4-BE49-F238E27FC236}">
-                <a16:creationId xmlns:a16="http://schemas.microsoft.com/office/drawing/2014/main" id="{F33FF075-7A6F-4BF1-AA90-1EDE5E94D5D0}"/>
-              </a:ext>
-            </a:extLst>
-          </p:cNvPr>
-          <p:cNvSpPr>
-            <a:spLocks noGrp="1"/>
-          </p:cNvSpPr>
-          <p:nvPr>
-            <p:ph type="body" idx="1"/>
-          </p:nvPr>
-        </p:nvSpPr>
-        <p:spPr/>
-        <p:txBody>
-          <a:bodyPr/>
-          <a:lstStyle/>
-          <a:p>
-            <a:endParaRPr lang="en-BE"/>
-          </a:p>
-        </p:txBody>
-      </p:sp>
-      <p:sp>
-        <p:nvSpPr>
-          <p:cNvPr id="3" name="Slide Number Placeholder 2">
-            <a:extLst>
-              <a:ext uri="{FF2B5EF4-FFF2-40B4-BE49-F238E27FC236}">
-                <a16:creationId xmlns:a16="http://schemas.microsoft.com/office/drawing/2014/main" id="{CA6EFD7A-64F3-49C7-9ABD-744047250A0A}"/>
+          <p:cNvPr id="4" name="Slide Number Placeholder 3">
+            <a:extLst>
+              <a:ext uri="{FF2B5EF4-FFF2-40B4-BE49-F238E27FC236}">
+                <a16:creationId xmlns:a16="http://schemas.microsoft.com/office/drawing/2014/main" id="{EAA02D43-D45B-4DB6-B6A2-79AC2BE24160}"/>
               </a:ext>
             </a:extLst>
           </p:cNvPr>
@@ -31945,25 +33341,303 @@
             <p:ph type="sldNum" sz="quarter" idx="12"/>
           </p:nvPr>
         </p:nvSpPr>
-        <p:spPr/>
+        <p:spPr>
+          <a:xfrm rot="16200000">
+            <a:off x="-40341" y="6146519"/>
+            <a:ext cx="842683" cy="365125"/>
+          </a:xfrm>
+        </p:spPr>
         <p:txBody>
           <a:bodyPr/>
           <a:lstStyle/>
           <a:p>
             <a:fld id="{69D2CCA8-53B9-41C4-8716-EA9CD8A55276}" type="slidenum">
               <a:rPr lang="en-BE" smtClean="0"/>
-              <a:t>69</a:t>
+              <a:t>7</a:t>
             </a:fld>
             <a:endParaRPr lang="en-BE"/>
           </a:p>
         </p:txBody>
       </p:sp>
-      <p:sp>
-        <p:nvSpPr>
-          <p:cNvPr id="5" name="Rectangle 4">
-            <a:extLst>
-              <a:ext uri="{FF2B5EF4-FFF2-40B4-BE49-F238E27FC236}">
-                <a16:creationId xmlns:a16="http://schemas.microsoft.com/office/drawing/2014/main" id="{66475605-090F-4FEB-A150-98ABDA9C90AE}"/>
+      <p:pic>
+        <p:nvPicPr>
+          <p:cNvPr id="7" name="Picture 6">
+            <a:extLst>
+              <a:ext uri="{FF2B5EF4-FFF2-40B4-BE49-F238E27FC236}">
+                <a16:creationId xmlns:a16="http://schemas.microsoft.com/office/drawing/2014/main" id="{11202900-9362-4B6F-8E37-19F41372B4E2}"/>
+              </a:ext>
+            </a:extLst>
+          </p:cNvPr>
+          <p:cNvPicPr>
+            <a:picLocks noChangeAspect="1"/>
+          </p:cNvPicPr>
+          <p:nvPr/>
+        </p:nvPicPr>
+        <p:blipFill>
+          <a:blip r:embed="rId2"/>
+          <a:stretch>
+            <a:fillRect/>
+          </a:stretch>
+        </p:blipFill>
+        <p:spPr>
+          <a:xfrm>
+            <a:off x="838200" y="2782861"/>
+            <a:ext cx="4982308" cy="3710013"/>
+          </a:xfrm>
+          <a:prstGeom prst="rect">
+            <a:avLst/>
+          </a:prstGeom>
+        </p:spPr>
+      </p:pic>
+      <p:sp>
+        <p:nvSpPr>
+          <p:cNvPr id="8" name="TextBox 7">
+            <a:extLst>
+              <a:ext uri="{FF2B5EF4-FFF2-40B4-BE49-F238E27FC236}">
+                <a16:creationId xmlns:a16="http://schemas.microsoft.com/office/drawing/2014/main" id="{9933AB3D-DD54-46D5-9448-AA7517F25440}"/>
+              </a:ext>
+            </a:extLst>
+          </p:cNvPr>
+          <p:cNvSpPr txBox="1"/>
+          <p:nvPr/>
+        </p:nvSpPr>
+        <p:spPr>
+          <a:xfrm>
+            <a:off x="838200" y="865525"/>
+            <a:ext cx="10758854" cy="1754326"/>
+          </a:xfrm>
+          <a:prstGeom prst="rect">
+            <a:avLst/>
+          </a:prstGeom>
+          <a:noFill/>
+        </p:spPr>
+        <p:txBody>
+          <a:bodyPr wrap="square" rtlCol="0">
+            <a:spAutoFit/>
+          </a:bodyPr>
+          <a:lstStyle/>
+          <a:p>
+            <a:pPr marL="285750" indent="-285750">
+              <a:buFontTx/>
+              <a:buChar char="-"/>
+            </a:pPr>
+            <a:r>
+              <a:rPr lang="fr-BE" dirty="0" err="1"/>
+              <a:t>Powershell</a:t>
+            </a:r>
+            <a:r>
+              <a:rPr lang="fr-BE" dirty="0"/>
+              <a:t> scripts « *.ps1 » are </a:t>
+            </a:r>
+            <a:r>
+              <a:rPr lang="fr-BE" dirty="0" err="1"/>
+              <a:t>provided</a:t>
+            </a:r>
+            <a:r>
+              <a:rPr lang="fr-BE" dirty="0"/>
+              <a:t> in the folder « Utilities » to support routine </a:t>
+            </a:r>
+            <a:r>
+              <a:rPr lang="fr-BE" dirty="0" err="1"/>
+              <a:t>operations</a:t>
+            </a:r>
+            <a:endParaRPr lang="fr-BE" dirty="0"/>
+          </a:p>
+          <a:p>
+            <a:pPr marL="285750" indent="-285750">
+              <a:buFontTx/>
+              <a:buChar char="-"/>
+            </a:pPr>
+            <a:r>
+              <a:rPr lang="fr-BE" dirty="0" err="1"/>
+              <a:t>Powershell</a:t>
+            </a:r>
+            <a:r>
+              <a:rPr lang="fr-BE" dirty="0"/>
+              <a:t> can </a:t>
+            </a:r>
+            <a:r>
+              <a:rPr lang="fr-BE" dirty="0" err="1"/>
+              <a:t>be</a:t>
+            </a:r>
+            <a:r>
+              <a:rPr lang="fr-BE" dirty="0"/>
+              <a:t> </a:t>
+            </a:r>
+            <a:r>
+              <a:rPr lang="fr-BE" dirty="0" err="1"/>
+              <a:t>accessed</a:t>
+            </a:r>
+            <a:r>
+              <a:rPr lang="fr-BE" dirty="0"/>
+              <a:t> as </a:t>
+            </a:r>
+            <a:r>
+              <a:rPr lang="fr-BE" dirty="0" err="1"/>
+              <a:t>shown</a:t>
+            </a:r>
+            <a:r>
+              <a:rPr lang="fr-BE" dirty="0"/>
+              <a:t> </a:t>
+            </a:r>
+            <a:r>
+              <a:rPr lang="fr-BE" dirty="0" err="1"/>
+              <a:t>below</a:t>
+            </a:r>
+            <a:endParaRPr lang="fr-BE" dirty="0"/>
+          </a:p>
+          <a:p>
+            <a:pPr marL="285750" indent="-285750">
+              <a:buFontTx/>
+              <a:buChar char="-"/>
+            </a:pPr>
+            <a:r>
+              <a:rPr lang="fr-BE" dirty="0" err="1"/>
+              <a:t>Each</a:t>
+            </a:r>
+            <a:r>
+              <a:rPr lang="fr-BE" dirty="0"/>
+              <a:t> script </a:t>
+            </a:r>
+            <a:r>
+              <a:rPr lang="fr-BE" dirty="0" err="1"/>
+              <a:t>needs</a:t>
+            </a:r>
+            <a:r>
+              <a:rPr lang="fr-BE" dirty="0"/>
+              <a:t> </a:t>
+            </a:r>
+            <a:r>
+              <a:rPr lang="fr-BE" dirty="0" err="1"/>
+              <a:t>some</a:t>
+            </a:r>
+            <a:r>
+              <a:rPr lang="fr-BE" dirty="0"/>
+              <a:t> tuning e.g. </a:t>
+            </a:r>
+            <a:r>
+              <a:rPr lang="fr-BE" dirty="0" err="1"/>
+              <a:t>with</a:t>
+            </a:r>
+            <a:r>
+              <a:rPr lang="fr-BE" dirty="0"/>
+              <a:t> respect to the </a:t>
+            </a:r>
+            <a:r>
+              <a:rPr lang="fr-BE" dirty="0" err="1"/>
+              <a:t>database</a:t>
+            </a:r>
+            <a:r>
+              <a:rPr lang="fr-BE" dirty="0"/>
+              <a:t> </a:t>
+            </a:r>
+            <a:r>
+              <a:rPr lang="fr-BE" dirty="0" err="1"/>
+              <a:t>name</a:t>
+            </a:r>
+            <a:r>
+              <a:rPr lang="fr-BE" dirty="0"/>
+              <a:t>, etc.</a:t>
+            </a:r>
+          </a:p>
+          <a:p>
+            <a:pPr marL="285750" indent="-285750">
+              <a:buFontTx/>
+              <a:buChar char="-"/>
+            </a:pPr>
+            <a:r>
+              <a:rPr lang="fr-BE" dirty="0" err="1"/>
+              <a:t>Powershell</a:t>
+            </a:r>
+            <a:r>
+              <a:rPr lang="fr-BE" dirty="0"/>
+              <a:t> scripts are </a:t>
+            </a:r>
+            <a:r>
+              <a:rPr lang="fr-BE" dirty="0" err="1"/>
+              <a:t>executed</a:t>
+            </a:r>
+            <a:r>
+              <a:rPr lang="fr-BE" dirty="0"/>
+              <a:t> as </a:t>
+            </a:r>
+            <a:r>
+              <a:rPr lang="fr-BE" dirty="0" err="1"/>
+              <a:t>follows</a:t>
+            </a:r>
+            <a:r>
+              <a:rPr lang="fr-BE" dirty="0"/>
+              <a:t> :</a:t>
+            </a:r>
+          </a:p>
+          <a:p>
+            <a:pPr marL="742950" lvl="1" indent="-285750">
+              <a:buFontTx/>
+              <a:buChar char="-"/>
+            </a:pPr>
+            <a:r>
+              <a:rPr lang="fr-BE" dirty="0"/>
+              <a:t>In </a:t>
+            </a:r>
+            <a:r>
+              <a:rPr lang="fr-BE" dirty="0" err="1"/>
+              <a:t>their</a:t>
+            </a:r>
+            <a:r>
+              <a:rPr lang="fr-BE" dirty="0"/>
+              <a:t> folder e.g. : ./"</a:t>
+            </a:r>
+            <a:r>
+              <a:rPr lang="fr-BE" dirty="0" err="1"/>
+              <a:t>Tryton</a:t>
+            </a:r>
+            <a:r>
+              <a:rPr lang="fr-BE" dirty="0"/>
+              <a:t> 6.0 - Doc 01.01 - Installation &amp; </a:t>
+            </a:r>
+            <a:r>
+              <a:rPr lang="fr-BE" dirty="0" err="1"/>
+              <a:t>administration.docker.status</a:t>
+            </a:r>
+            <a:r>
+              <a:rPr lang="fr-BE" dirty="0"/>
+              <a:t>" </a:t>
+            </a:r>
+          </a:p>
+          <a:p>
+            <a:pPr marL="742950" lvl="1" indent="-285750">
+              <a:buFontTx/>
+              <a:buChar char="-"/>
+            </a:pPr>
+            <a:r>
+              <a:rPr lang="fr-BE" dirty="0"/>
+              <a:t>In File Explorer : « Run </a:t>
+            </a:r>
+            <a:r>
+              <a:rPr lang="fr-BE" dirty="0" err="1"/>
+              <a:t>with</a:t>
+            </a:r>
+            <a:r>
+              <a:rPr lang="fr-BE" dirty="0"/>
+              <a:t> </a:t>
+            </a:r>
+            <a:r>
+              <a:rPr lang="fr-BE" dirty="0" err="1"/>
+              <a:t>Powershell</a:t>
+            </a:r>
+            <a:r>
+              <a:rPr lang="fr-BE" dirty="0"/>
+              <a:t> »</a:t>
+            </a:r>
+          </a:p>
+        </p:txBody>
+      </p:sp>
+      <p:sp>
+        <p:nvSpPr>
+          <p:cNvPr id="9" name="Rectangle 8">
+            <a:extLst>
+              <a:ext uri="{FF2B5EF4-FFF2-40B4-BE49-F238E27FC236}">
+                <a16:creationId xmlns:a16="http://schemas.microsoft.com/office/drawing/2014/main" id="{55FE39FC-D736-4827-9AC1-E76728AD6ED7}"/>
               </a:ext>
             </a:extLst>
           </p:cNvPr>
@@ -32015,7 +33689,7 @@
     </p:spTree>
     <p:extLst>
       <p:ext uri="{BB962C8B-B14F-4D97-AF65-F5344CB8AC3E}">
-        <p14:creationId xmlns:p14="http://schemas.microsoft.com/office/powerpoint/2010/main" val="2732775387"/>
+        <p14:creationId xmlns:p14="http://schemas.microsoft.com/office/powerpoint/2010/main" val="2833791567"/>
       </p:ext>
     </p:extLst>
   </p:cSld>
@@ -32025,7 +33699,7 @@
 </p:sld>
 </file>
 
-<file path=ppt/slides/slide7.xml><?xml version="1.0" encoding="utf-8"?>
+<file path=ppt/slides/slide70.xml><?xml version="1.0" encoding="utf-8"?>
 <p:sld xmlns:a="http://schemas.openxmlformats.org/drawingml/2006/main" xmlns:r="http://schemas.openxmlformats.org/officeDocument/2006/relationships" xmlns:p="http://schemas.openxmlformats.org/presentationml/2006/main">
   <p:cSld>
     <p:spTree>
@@ -32044,10 +33718,10 @@
       </p:grpSpPr>
       <p:sp>
         <p:nvSpPr>
-          <p:cNvPr id="6" name="Title 5">
-            <a:extLst>
-              <a:ext uri="{FF2B5EF4-FFF2-40B4-BE49-F238E27FC236}">
-                <a16:creationId xmlns:a16="http://schemas.microsoft.com/office/drawing/2014/main" id="{58602178-544B-4666-8E9B-555376EB72FA}"/>
+          <p:cNvPr id="15" name="Title 14">
+            <a:extLst>
+              <a:ext uri="{FF2B5EF4-FFF2-40B4-BE49-F238E27FC236}">
+                <a16:creationId xmlns:a16="http://schemas.microsoft.com/office/drawing/2014/main" id="{A23AC3EC-F18F-4E9E-8FB1-17FAE083F67F}"/>
               </a:ext>
             </a:extLst>
           </p:cNvPr>
@@ -32064,8 +33738,8 @@
           <a:lstStyle/>
           <a:p>
             <a:r>
-              <a:rPr lang="fr-BE" dirty="0"/>
-              <a:t>Scripts</a:t>
+              <a:rPr lang="fr-BE" dirty="0" err="1"/>
+              <a:t>Tryton</a:t>
             </a:r>
             <a:endParaRPr lang="en-BE" dirty="0"/>
           </a:p>
@@ -32073,10 +33747,35 @@
       </p:sp>
       <p:sp>
         <p:nvSpPr>
-          <p:cNvPr id="4" name="Slide Number Placeholder 3">
-            <a:extLst>
-              <a:ext uri="{FF2B5EF4-FFF2-40B4-BE49-F238E27FC236}">
-                <a16:creationId xmlns:a16="http://schemas.microsoft.com/office/drawing/2014/main" id="{EAA02D43-D45B-4DB6-B6A2-79AC2BE24160}"/>
+          <p:cNvPr id="2" name="Text Placeholder 1">
+            <a:extLst>
+              <a:ext uri="{FF2B5EF4-FFF2-40B4-BE49-F238E27FC236}">
+                <a16:creationId xmlns:a16="http://schemas.microsoft.com/office/drawing/2014/main" id="{F33FF075-7A6F-4BF1-AA90-1EDE5E94D5D0}"/>
+              </a:ext>
+            </a:extLst>
+          </p:cNvPr>
+          <p:cNvSpPr>
+            <a:spLocks noGrp="1"/>
+          </p:cNvSpPr>
+          <p:nvPr>
+            <p:ph type="body" idx="1"/>
+          </p:nvPr>
+        </p:nvSpPr>
+        <p:spPr/>
+        <p:txBody>
+          <a:bodyPr/>
+          <a:lstStyle/>
+          <a:p>
+            <a:endParaRPr lang="en-BE"/>
+          </a:p>
+        </p:txBody>
+      </p:sp>
+      <p:sp>
+        <p:nvSpPr>
+          <p:cNvPr id="3" name="Slide Number Placeholder 2">
+            <a:extLst>
+              <a:ext uri="{FF2B5EF4-FFF2-40B4-BE49-F238E27FC236}">
+                <a16:creationId xmlns:a16="http://schemas.microsoft.com/office/drawing/2014/main" id="{CA6EFD7A-64F3-49C7-9ABD-744047250A0A}"/>
               </a:ext>
             </a:extLst>
           </p:cNvPr>
@@ -32087,303 +33786,25 @@
             <p:ph type="sldNum" sz="quarter" idx="12"/>
           </p:nvPr>
         </p:nvSpPr>
-        <p:spPr>
-          <a:xfrm rot="16200000">
-            <a:off x="-40341" y="6146519"/>
-            <a:ext cx="842683" cy="365125"/>
-          </a:xfrm>
-        </p:spPr>
+        <p:spPr/>
         <p:txBody>
           <a:bodyPr/>
           <a:lstStyle/>
           <a:p>
             <a:fld id="{69D2CCA8-53B9-41C4-8716-EA9CD8A55276}" type="slidenum">
               <a:rPr lang="en-BE" smtClean="0"/>
-              <a:t>7</a:t>
+              <a:t>70</a:t>
             </a:fld>
             <a:endParaRPr lang="en-BE"/>
           </a:p>
         </p:txBody>
       </p:sp>
-      <p:pic>
-        <p:nvPicPr>
-          <p:cNvPr id="7" name="Picture 6">
-            <a:extLst>
-              <a:ext uri="{FF2B5EF4-FFF2-40B4-BE49-F238E27FC236}">
-                <a16:creationId xmlns:a16="http://schemas.microsoft.com/office/drawing/2014/main" id="{11202900-9362-4B6F-8E37-19F41372B4E2}"/>
-              </a:ext>
-            </a:extLst>
-          </p:cNvPr>
-          <p:cNvPicPr>
-            <a:picLocks noChangeAspect="1"/>
-          </p:cNvPicPr>
-          <p:nvPr/>
-        </p:nvPicPr>
-        <p:blipFill>
-          <a:blip r:embed="rId2"/>
-          <a:stretch>
-            <a:fillRect/>
-          </a:stretch>
-        </p:blipFill>
-        <p:spPr>
-          <a:xfrm>
-            <a:off x="838200" y="2782861"/>
-            <a:ext cx="4982308" cy="3710013"/>
-          </a:xfrm>
-          <a:prstGeom prst="rect">
-            <a:avLst/>
-          </a:prstGeom>
-        </p:spPr>
-      </p:pic>
-      <p:sp>
-        <p:nvSpPr>
-          <p:cNvPr id="8" name="TextBox 7">
-            <a:extLst>
-              <a:ext uri="{FF2B5EF4-FFF2-40B4-BE49-F238E27FC236}">
-                <a16:creationId xmlns:a16="http://schemas.microsoft.com/office/drawing/2014/main" id="{9933AB3D-DD54-46D5-9448-AA7517F25440}"/>
-              </a:ext>
-            </a:extLst>
-          </p:cNvPr>
-          <p:cNvSpPr txBox="1"/>
-          <p:nvPr/>
-        </p:nvSpPr>
-        <p:spPr>
-          <a:xfrm>
-            <a:off x="838200" y="865525"/>
-            <a:ext cx="10758854" cy="1754326"/>
-          </a:xfrm>
-          <a:prstGeom prst="rect">
-            <a:avLst/>
-          </a:prstGeom>
-          <a:noFill/>
-        </p:spPr>
-        <p:txBody>
-          <a:bodyPr wrap="square" rtlCol="0">
-            <a:spAutoFit/>
-          </a:bodyPr>
-          <a:lstStyle/>
-          <a:p>
-            <a:pPr marL="285750" indent="-285750">
-              <a:buFontTx/>
-              <a:buChar char="-"/>
-            </a:pPr>
-            <a:r>
-              <a:rPr lang="fr-BE" dirty="0" err="1"/>
-              <a:t>Powershell</a:t>
-            </a:r>
-            <a:r>
-              <a:rPr lang="fr-BE" dirty="0"/>
-              <a:t> scripts « *.ps1 » are </a:t>
-            </a:r>
-            <a:r>
-              <a:rPr lang="fr-BE" dirty="0" err="1"/>
-              <a:t>provided</a:t>
-            </a:r>
-            <a:r>
-              <a:rPr lang="fr-BE" dirty="0"/>
-              <a:t> in the folder « Utilities » to support routine </a:t>
-            </a:r>
-            <a:r>
-              <a:rPr lang="fr-BE" dirty="0" err="1"/>
-              <a:t>operations</a:t>
-            </a:r>
-            <a:endParaRPr lang="fr-BE" dirty="0"/>
-          </a:p>
-          <a:p>
-            <a:pPr marL="285750" indent="-285750">
-              <a:buFontTx/>
-              <a:buChar char="-"/>
-            </a:pPr>
-            <a:r>
-              <a:rPr lang="fr-BE" dirty="0" err="1"/>
-              <a:t>Powershell</a:t>
-            </a:r>
-            <a:r>
-              <a:rPr lang="fr-BE" dirty="0"/>
-              <a:t> can </a:t>
-            </a:r>
-            <a:r>
-              <a:rPr lang="fr-BE" dirty="0" err="1"/>
-              <a:t>be</a:t>
-            </a:r>
-            <a:r>
-              <a:rPr lang="fr-BE" dirty="0"/>
-              <a:t> </a:t>
-            </a:r>
-            <a:r>
-              <a:rPr lang="fr-BE" dirty="0" err="1"/>
-              <a:t>accessed</a:t>
-            </a:r>
-            <a:r>
-              <a:rPr lang="fr-BE" dirty="0"/>
-              <a:t> as </a:t>
-            </a:r>
-            <a:r>
-              <a:rPr lang="fr-BE" dirty="0" err="1"/>
-              <a:t>shown</a:t>
-            </a:r>
-            <a:r>
-              <a:rPr lang="fr-BE" dirty="0"/>
-              <a:t> </a:t>
-            </a:r>
-            <a:r>
-              <a:rPr lang="fr-BE" dirty="0" err="1"/>
-              <a:t>below</a:t>
-            </a:r>
-            <a:endParaRPr lang="fr-BE" dirty="0"/>
-          </a:p>
-          <a:p>
-            <a:pPr marL="285750" indent="-285750">
-              <a:buFontTx/>
-              <a:buChar char="-"/>
-            </a:pPr>
-            <a:r>
-              <a:rPr lang="fr-BE" dirty="0" err="1"/>
-              <a:t>Each</a:t>
-            </a:r>
-            <a:r>
-              <a:rPr lang="fr-BE" dirty="0"/>
-              <a:t> script </a:t>
-            </a:r>
-            <a:r>
-              <a:rPr lang="fr-BE" dirty="0" err="1"/>
-              <a:t>needs</a:t>
-            </a:r>
-            <a:r>
-              <a:rPr lang="fr-BE" dirty="0"/>
-              <a:t> </a:t>
-            </a:r>
-            <a:r>
-              <a:rPr lang="fr-BE" dirty="0" err="1"/>
-              <a:t>some</a:t>
-            </a:r>
-            <a:r>
-              <a:rPr lang="fr-BE" dirty="0"/>
-              <a:t> tuning e.g. </a:t>
-            </a:r>
-            <a:r>
-              <a:rPr lang="fr-BE" dirty="0" err="1"/>
-              <a:t>with</a:t>
-            </a:r>
-            <a:r>
-              <a:rPr lang="fr-BE" dirty="0"/>
-              <a:t> respect to the </a:t>
-            </a:r>
-            <a:r>
-              <a:rPr lang="fr-BE" dirty="0" err="1"/>
-              <a:t>database</a:t>
-            </a:r>
-            <a:r>
-              <a:rPr lang="fr-BE" dirty="0"/>
-              <a:t> </a:t>
-            </a:r>
-            <a:r>
-              <a:rPr lang="fr-BE" dirty="0" err="1"/>
-              <a:t>name</a:t>
-            </a:r>
-            <a:r>
-              <a:rPr lang="fr-BE" dirty="0"/>
-              <a:t>, etc.</a:t>
-            </a:r>
-          </a:p>
-          <a:p>
-            <a:pPr marL="285750" indent="-285750">
-              <a:buFontTx/>
-              <a:buChar char="-"/>
-            </a:pPr>
-            <a:r>
-              <a:rPr lang="fr-BE" dirty="0" err="1"/>
-              <a:t>Powershell</a:t>
-            </a:r>
-            <a:r>
-              <a:rPr lang="fr-BE" dirty="0"/>
-              <a:t> scripts are </a:t>
-            </a:r>
-            <a:r>
-              <a:rPr lang="fr-BE" dirty="0" err="1"/>
-              <a:t>executed</a:t>
-            </a:r>
-            <a:r>
-              <a:rPr lang="fr-BE" dirty="0"/>
-              <a:t> as </a:t>
-            </a:r>
-            <a:r>
-              <a:rPr lang="fr-BE" dirty="0" err="1"/>
-              <a:t>follows</a:t>
-            </a:r>
-            <a:r>
-              <a:rPr lang="fr-BE" dirty="0"/>
-              <a:t> :</a:t>
-            </a:r>
-          </a:p>
-          <a:p>
-            <a:pPr marL="742950" lvl="1" indent="-285750">
-              <a:buFontTx/>
-              <a:buChar char="-"/>
-            </a:pPr>
-            <a:r>
-              <a:rPr lang="fr-BE" dirty="0"/>
-              <a:t>In </a:t>
-            </a:r>
-            <a:r>
-              <a:rPr lang="fr-BE" dirty="0" err="1"/>
-              <a:t>their</a:t>
-            </a:r>
-            <a:r>
-              <a:rPr lang="fr-BE" dirty="0"/>
-              <a:t> folder e.g. : ./"</a:t>
-            </a:r>
-            <a:r>
-              <a:rPr lang="fr-BE" dirty="0" err="1"/>
-              <a:t>Tryton</a:t>
-            </a:r>
-            <a:r>
-              <a:rPr lang="fr-BE" dirty="0"/>
-              <a:t> 6.0 - Doc 01.01 - Installation &amp; </a:t>
-            </a:r>
-            <a:r>
-              <a:rPr lang="fr-BE" dirty="0" err="1"/>
-              <a:t>administration.docker.status</a:t>
-            </a:r>
-            <a:r>
-              <a:rPr lang="fr-BE" dirty="0"/>
-              <a:t>" </a:t>
-            </a:r>
-          </a:p>
-          <a:p>
-            <a:pPr marL="742950" lvl="1" indent="-285750">
-              <a:buFontTx/>
-              <a:buChar char="-"/>
-            </a:pPr>
-            <a:r>
-              <a:rPr lang="fr-BE" dirty="0"/>
-              <a:t>In File Explorer : « Run </a:t>
-            </a:r>
-            <a:r>
-              <a:rPr lang="fr-BE" dirty="0" err="1"/>
-              <a:t>with</a:t>
-            </a:r>
-            <a:r>
-              <a:rPr lang="fr-BE" dirty="0"/>
-              <a:t> </a:t>
-            </a:r>
-            <a:r>
-              <a:rPr lang="fr-BE" dirty="0" err="1"/>
-              <a:t>Powershell</a:t>
-            </a:r>
-            <a:r>
-              <a:rPr lang="fr-BE" dirty="0"/>
-              <a:t> »</a:t>
-            </a:r>
-          </a:p>
-        </p:txBody>
-      </p:sp>
-      <p:sp>
-        <p:nvSpPr>
-          <p:cNvPr id="9" name="Rectangle 8">
-            <a:extLst>
-              <a:ext uri="{FF2B5EF4-FFF2-40B4-BE49-F238E27FC236}">
-                <a16:creationId xmlns:a16="http://schemas.microsoft.com/office/drawing/2014/main" id="{55FE39FC-D736-4827-9AC1-E76728AD6ED7}"/>
+      <p:sp>
+        <p:nvSpPr>
+          <p:cNvPr id="5" name="Rectangle 4">
+            <a:extLst>
+              <a:ext uri="{FF2B5EF4-FFF2-40B4-BE49-F238E27FC236}">
+                <a16:creationId xmlns:a16="http://schemas.microsoft.com/office/drawing/2014/main" id="{66475605-090F-4FEB-A150-98ABDA9C90AE}"/>
               </a:ext>
             </a:extLst>
           </p:cNvPr>
@@ -32435,7 +33856,7 @@
     </p:spTree>
     <p:extLst>
       <p:ext uri="{BB962C8B-B14F-4D97-AF65-F5344CB8AC3E}">
-        <p14:creationId xmlns:p14="http://schemas.microsoft.com/office/powerpoint/2010/main" val="2833791567"/>
+        <p14:creationId xmlns:p14="http://schemas.microsoft.com/office/powerpoint/2010/main" val="2732775387"/>
       </p:ext>
     </p:extLst>
   </p:cSld>
@@ -32445,7 +33866,7 @@
 </p:sld>
 </file>
 
-<file path=ppt/slides/slide70.xml><?xml version="1.0" encoding="utf-8"?>
+<file path=ppt/slides/slide71.xml><?xml version="1.0" encoding="utf-8"?>
 <p:sld xmlns:a="http://schemas.openxmlformats.org/drawingml/2006/main" xmlns:r="http://schemas.openxmlformats.org/officeDocument/2006/relationships" xmlns:p="http://schemas.openxmlformats.org/presentationml/2006/main">
   <p:cSld>
     <p:spTree>
@@ -32851,7 +34272,7 @@
 </p:sld>
 </file>
 
-<file path=ppt/slides/slide71.xml><?xml version="1.0" encoding="utf-8"?>
+<file path=ppt/slides/slide72.xml><?xml version="1.0" encoding="utf-8"?>
 <p:sld xmlns:a="http://schemas.openxmlformats.org/drawingml/2006/main" xmlns:r="http://schemas.openxmlformats.org/officeDocument/2006/relationships" xmlns:p="http://schemas.openxmlformats.org/presentationml/2006/main">
   <p:cSld>
     <p:spTree>
@@ -32945,7 +34366,7 @@
           <a:p>
             <a:fld id="{69D2CCA8-53B9-41C4-8716-EA9CD8A55276}" type="slidenum">
               <a:rPr lang="en-BE" smtClean="0"/>
-              <a:t>71</a:t>
+              <a:t>72</a:t>
             </a:fld>
             <a:endParaRPr lang="en-BE"/>
           </a:p>
@@ -33018,7 +34439,7 @@
 </p:sld>
 </file>
 
-<file path=ppt/slides/slide72.xml><?xml version="1.0" encoding="utf-8"?>
+<file path=ppt/slides/slide73.xml><?xml version="1.0" encoding="utf-8"?>
 <p:sld xmlns:a="http://schemas.openxmlformats.org/drawingml/2006/main" xmlns:r="http://schemas.openxmlformats.org/officeDocument/2006/relationships" xmlns:p="http://schemas.openxmlformats.org/presentationml/2006/main">
   <p:cSld>
     <p:spTree>
@@ -33515,7 +34936,7 @@
 </p:sld>
 </file>
 
-<file path=ppt/slides/slide73.xml><?xml version="1.0" encoding="utf-8"?>
+<file path=ppt/slides/slide74.xml><?xml version="1.0" encoding="utf-8"?>
 <p:sld xmlns:a="http://schemas.openxmlformats.org/drawingml/2006/main" xmlns:r="http://schemas.openxmlformats.org/officeDocument/2006/relationships" xmlns:p="http://schemas.openxmlformats.org/presentationml/2006/main">
   <p:cSld>
     <p:spTree>
@@ -33943,7 +35364,7 @@
 </p:sld>
 </file>
 
-<file path=ppt/slides/slide74.xml><?xml version="1.0" encoding="utf-8"?>
+<file path=ppt/slides/slide75.xml><?xml version="1.0" encoding="utf-8"?>
 <p:sld xmlns:a="http://schemas.openxmlformats.org/drawingml/2006/main" xmlns:r="http://schemas.openxmlformats.org/officeDocument/2006/relationships" xmlns:p="http://schemas.openxmlformats.org/presentationml/2006/main">
   <p:cSld>
     <p:spTree>
@@ -34041,7 +35462,7 @@
           <a:p>
             <a:fld id="{69D2CCA8-53B9-41C4-8716-EA9CD8A55276}" type="slidenum">
               <a:rPr lang="en-BE" smtClean="0"/>
-              <a:t>74</a:t>
+              <a:t>75</a:t>
             </a:fld>
             <a:endParaRPr lang="en-BE"/>
           </a:p>
@@ -34114,7 +35535,7 @@
 </p:sld>
 </file>
 
-<file path=ppt/slides/slide75.xml><?xml version="1.0" encoding="utf-8"?>
+<file path=ppt/slides/slide76.xml><?xml version="1.0" encoding="utf-8"?>
 <p:sld xmlns:a="http://schemas.openxmlformats.org/drawingml/2006/main" xmlns:r="http://schemas.openxmlformats.org/officeDocument/2006/relationships" xmlns:p="http://schemas.openxmlformats.org/presentationml/2006/main">
   <p:cSld>
     <p:spTree>
@@ -34208,7 +35629,7 @@
           <a:p>
             <a:fld id="{69D2CCA8-53B9-41C4-8716-EA9CD8A55276}" type="slidenum">
               <a:rPr lang="en-BE" smtClean="0"/>
-              <a:t>75</a:t>
+              <a:t>76</a:t>
             </a:fld>
             <a:endParaRPr lang="en-BE"/>
           </a:p>
@@ -34281,7 +35702,7 @@
 </p:sld>
 </file>
 
-<file path=ppt/slides/slide76.xml><?xml version="1.0" encoding="utf-8"?>
+<file path=ppt/slides/slide77.xml><?xml version="1.0" encoding="utf-8"?>
 <p:sld xmlns:a="http://schemas.openxmlformats.org/drawingml/2006/main" xmlns:r="http://schemas.openxmlformats.org/officeDocument/2006/relationships" xmlns:p="http://schemas.openxmlformats.org/presentationml/2006/main">
   <p:cSld>
     <p:spTree>
@@ -34713,7 +36134,7 @@
 </p:sld>
 </file>
 
-<file path=ppt/slides/slide77.xml><?xml version="1.0" encoding="utf-8"?>
+<file path=ppt/slides/slide78.xml><?xml version="1.0" encoding="utf-8"?>
 <p:sld xmlns:a="http://schemas.openxmlformats.org/drawingml/2006/main" xmlns:r="http://schemas.openxmlformats.org/officeDocument/2006/relationships" xmlns:p="http://schemas.openxmlformats.org/presentationml/2006/main">
   <p:cSld>
     <p:spTree>
@@ -34807,7 +36228,7 @@
           <a:p>
             <a:fld id="{69D2CCA8-53B9-41C4-8716-EA9CD8A55276}" type="slidenum">
               <a:rPr lang="en-BE" smtClean="0"/>
-              <a:t>77</a:t>
+              <a:t>78</a:t>
             </a:fld>
             <a:endParaRPr lang="en-BE"/>
           </a:p>
@@ -34880,7 +36301,7 @@
 </p:sld>
 </file>
 
-<file path=ppt/slides/slide78.xml><?xml version="1.0" encoding="utf-8"?>
+<file path=ppt/slides/slide79.xml><?xml version="1.0" encoding="utf-8"?>
 <p:sld xmlns:a="http://schemas.openxmlformats.org/drawingml/2006/main" xmlns:r="http://schemas.openxmlformats.org/officeDocument/2006/relationships" xmlns:p="http://schemas.openxmlformats.org/presentationml/2006/main">
   <p:cSld>
     <p:spTree>
@@ -35249,7 +36670,7 @@
 </p:sld>
 </file>
 
-<file path=ppt/slides/slide79.xml><?xml version="1.0" encoding="utf-8"?>
+<file path=ppt/slides/slide8.xml><?xml version="1.0" encoding="utf-8"?>
 <p:sld xmlns:a="http://schemas.openxmlformats.org/drawingml/2006/main" xmlns:r="http://schemas.openxmlformats.org/officeDocument/2006/relationships" xmlns:p="http://schemas.openxmlformats.org/presentationml/2006/main">
   <p:cSld>
     <p:spTree>
@@ -35271,7 +36692,7 @@
           <p:cNvPr id="2" name="Title 1">
             <a:extLst>
               <a:ext uri="{FF2B5EF4-FFF2-40B4-BE49-F238E27FC236}">
-                <a16:creationId xmlns:a16="http://schemas.microsoft.com/office/drawing/2014/main" id="{DA26F250-0299-4720-BD31-9A9645DF50F7}"/>
+                <a16:creationId xmlns:a16="http://schemas.microsoft.com/office/drawing/2014/main" id="{A5AABBF0-44BB-4BD7-BF73-1C1B53AB85BF}"/>
               </a:ext>
             </a:extLst>
           </p:cNvPr>
@@ -35284,521 +36705,77 @@
         </p:nvSpPr>
         <p:spPr/>
         <p:txBody>
-          <a:bodyPr>
-            <a:noAutofit/>
-          </a:bodyPr>
-          <a:lstStyle/>
-          <a:p>
-            <a:r>
-              <a:rPr lang="fr-BE" sz="2000" dirty="0"/>
-              <a:t>./</a:t>
-            </a:r>
-            <a:r>
-              <a:rPr lang="en-GB" sz="2000" dirty="0"/>
-              <a:t>"</a:t>
-            </a:r>
-            <a:r>
-              <a:rPr lang="fr-BE" sz="2000" dirty="0" err="1"/>
-              <a:t>Tryton</a:t>
-            </a:r>
-            <a:r>
-              <a:rPr lang="fr-BE" sz="2000" dirty="0"/>
-              <a:t> 6.0 - Doc 00.01 - Installation &amp; administration.database.post01.restore.character.createNot</a:t>
-            </a:r>
-            <a:r>
-              <a:rPr lang="en-GB" sz="2000" dirty="0"/>
-              <a:t>"</a:t>
-            </a:r>
-            <a:endParaRPr lang="en-BE" sz="2000" dirty="0"/>
-          </a:p>
-        </p:txBody>
-      </p:sp>
-      <p:sp>
-        <p:nvSpPr>
-          <p:cNvPr id="7" name="TextBox 6">
-            <a:extLst>
-              <a:ext uri="{FF2B5EF4-FFF2-40B4-BE49-F238E27FC236}">
-                <a16:creationId xmlns:a16="http://schemas.microsoft.com/office/drawing/2014/main" id="{E88577DE-972D-46D1-A32C-D54D7213BC5A}"/>
-              </a:ext>
-            </a:extLst>
-          </p:cNvPr>
-          <p:cNvSpPr txBox="1"/>
-          <p:nvPr/>
-        </p:nvSpPr>
-        <p:spPr>
-          <a:xfrm>
-            <a:off x="838200" y="1512786"/>
-            <a:ext cx="11353800" cy="4708981"/>
-          </a:xfrm>
-          <a:prstGeom prst="rect">
-            <a:avLst/>
-          </a:prstGeom>
-          <a:noFill/>
-        </p:spPr>
-        <p:txBody>
-          <a:bodyPr wrap="square">
-            <a:spAutoFit/>
-          </a:bodyPr>
-          <a:lstStyle/>
-          <a:p>
-            <a:r>
-              <a:rPr lang="en-US" sz="1200" dirty="0">
-                <a:solidFill>
-                  <a:srgbClr val="434343"/>
-                </a:solidFill>
-                <a:effectLst/>
-                <a:latin typeface="Consolas" panose="020B0609020204030204" pitchFamily="49" charset="0"/>
-              </a:rPr>
-              <a:t># Step 1 : docker stop/start containers</a:t>
-            </a:r>
-          </a:p>
-          <a:p>
-            <a:r>
-              <a:rPr lang="en-US" sz="1200" dirty="0">
-                <a:solidFill>
-                  <a:srgbClr val="434343"/>
-                </a:solidFill>
-                <a:effectLst/>
-                <a:latin typeface="Consolas" panose="020B0609020204030204" pitchFamily="49" charset="0"/>
-              </a:rPr>
-              <a:t>Write-Host "-------------------------------"</a:t>
-            </a:r>
-          </a:p>
-          <a:p>
-            <a:r>
-              <a:rPr lang="en-US" sz="1200" dirty="0">
-                <a:solidFill>
-                  <a:srgbClr val="434343"/>
-                </a:solidFill>
-                <a:effectLst/>
-                <a:latin typeface="Consolas" panose="020B0609020204030204" pitchFamily="49" charset="0"/>
-              </a:rPr>
-              <a:t>Write-Host "1. Docker stop/start containers"</a:t>
-            </a:r>
-          </a:p>
-          <a:p>
-            <a:r>
-              <a:rPr lang="en-US" sz="1200" dirty="0">
-                <a:solidFill>
-                  <a:srgbClr val="434343"/>
-                </a:solidFill>
-                <a:effectLst/>
-                <a:latin typeface="Consolas" panose="020B0609020204030204" pitchFamily="49" charset="0"/>
-              </a:rPr>
-              <a:t>Write-Host "-------------------------------"</a:t>
-            </a:r>
-          </a:p>
-          <a:p>
-            <a:r>
-              <a:rPr lang="en-US" sz="1200" dirty="0">
-                <a:solidFill>
-                  <a:srgbClr val="434343"/>
-                </a:solidFill>
-                <a:effectLst/>
-                <a:latin typeface="Consolas" panose="020B0609020204030204" pitchFamily="49" charset="0"/>
-              </a:rPr>
-              <a:t>docker stop post01-postgres post01-pgadmin</a:t>
-            </a:r>
-          </a:p>
-          <a:p>
-            <a:r>
-              <a:rPr lang="en-US" sz="1200" dirty="0">
-                <a:solidFill>
-                  <a:srgbClr val="434343"/>
-                </a:solidFill>
-                <a:effectLst/>
-                <a:latin typeface="Consolas" panose="020B0609020204030204" pitchFamily="49" charset="0"/>
-              </a:rPr>
-              <a:t>docker start post01-postgres post01-pgadmin</a:t>
-            </a:r>
-          </a:p>
-          <a:p>
-            <a:endParaRPr lang="en-US" sz="1200" dirty="0">
-              <a:solidFill>
-                <a:srgbClr val="434343"/>
-              </a:solidFill>
-              <a:effectLst/>
-              <a:latin typeface="Consolas" panose="020B0609020204030204" pitchFamily="49" charset="0"/>
-            </a:endParaRPr>
-          </a:p>
-          <a:p>
-            <a:r>
-              <a:rPr lang="en-US" sz="1200" dirty="0">
-                <a:solidFill>
-                  <a:srgbClr val="434343"/>
-                </a:solidFill>
-                <a:effectLst/>
-                <a:latin typeface="Consolas" panose="020B0609020204030204" pitchFamily="49" charset="0"/>
-              </a:rPr>
-              <a:t># Step 3 : drop and create post01-copy</a:t>
-            </a:r>
-          </a:p>
-          <a:p>
-            <a:r>
-              <a:rPr lang="en-US" sz="1200" dirty="0">
-                <a:solidFill>
-                  <a:srgbClr val="434343"/>
-                </a:solidFill>
-                <a:effectLst/>
-                <a:latin typeface="Consolas" panose="020B0609020204030204" pitchFamily="49" charset="0"/>
-              </a:rPr>
-              <a:t>Write-Host "------------------------------"</a:t>
-            </a:r>
-          </a:p>
-          <a:p>
-            <a:r>
-              <a:rPr lang="en-US" sz="1200" dirty="0">
-                <a:solidFill>
-                  <a:srgbClr val="434343"/>
-                </a:solidFill>
-                <a:effectLst/>
-                <a:latin typeface="Consolas" panose="020B0609020204030204" pitchFamily="49" charset="0"/>
-              </a:rPr>
-              <a:t>Write-Host "3. Drop and create post01-copy"</a:t>
-            </a:r>
-          </a:p>
-          <a:p>
-            <a:r>
-              <a:rPr lang="en-US" sz="1200" dirty="0">
-                <a:solidFill>
-                  <a:srgbClr val="434343"/>
-                </a:solidFill>
-                <a:effectLst/>
-                <a:latin typeface="Consolas" panose="020B0609020204030204" pitchFamily="49" charset="0"/>
-              </a:rPr>
-              <a:t>Write-Host "------------------------------"</a:t>
-            </a:r>
-          </a:p>
-          <a:p>
-            <a:r>
-              <a:rPr lang="en-US" sz="1200" dirty="0">
-                <a:solidFill>
-                  <a:srgbClr val="434343"/>
-                </a:solidFill>
-                <a:effectLst/>
-                <a:latin typeface="Consolas" panose="020B0609020204030204" pitchFamily="49" charset="0"/>
-              </a:rPr>
-              <a:t>docker exec post01-postgres </a:t>
-            </a:r>
-            <a:r>
-              <a:rPr lang="en-US" sz="1200" dirty="0" err="1">
-                <a:solidFill>
-                  <a:srgbClr val="434343"/>
-                </a:solidFill>
-                <a:effectLst/>
-                <a:latin typeface="Consolas" panose="020B0609020204030204" pitchFamily="49" charset="0"/>
-              </a:rPr>
-              <a:t>dropdb</a:t>
-            </a:r>
-            <a:r>
-              <a:rPr lang="en-US" sz="1200" dirty="0">
-                <a:solidFill>
-                  <a:srgbClr val="434343"/>
-                </a:solidFill>
-                <a:effectLst/>
-                <a:latin typeface="Consolas" panose="020B0609020204030204" pitchFamily="49" charset="0"/>
-              </a:rPr>
-              <a:t> -f -U </a:t>
-            </a:r>
-            <a:r>
-              <a:rPr lang="en-US" sz="1200" dirty="0" err="1">
-                <a:solidFill>
-                  <a:srgbClr val="434343"/>
-                </a:solidFill>
-                <a:effectLst/>
-                <a:latin typeface="Consolas" panose="020B0609020204030204" pitchFamily="49" charset="0"/>
-              </a:rPr>
-              <a:t>postgres</a:t>
-            </a:r>
-            <a:r>
-              <a:rPr lang="en-US" sz="1200" dirty="0">
-                <a:solidFill>
-                  <a:srgbClr val="434343"/>
-                </a:solidFill>
-                <a:effectLst/>
-                <a:latin typeface="Consolas" panose="020B0609020204030204" pitchFamily="49" charset="0"/>
-              </a:rPr>
-              <a:t> post01-copy</a:t>
-            </a:r>
-          </a:p>
-          <a:p>
-            <a:r>
-              <a:rPr lang="en-US" sz="1200" dirty="0">
-                <a:solidFill>
-                  <a:srgbClr val="434343"/>
-                </a:solidFill>
-                <a:effectLst/>
-                <a:latin typeface="Consolas" panose="020B0609020204030204" pitchFamily="49" charset="0"/>
-              </a:rPr>
-              <a:t>docker exec post01-postgres </a:t>
-            </a:r>
-            <a:r>
-              <a:rPr lang="en-US" sz="1200" dirty="0" err="1">
-                <a:solidFill>
-                  <a:srgbClr val="434343"/>
-                </a:solidFill>
-                <a:effectLst/>
-                <a:latin typeface="Consolas" panose="020B0609020204030204" pitchFamily="49" charset="0"/>
-              </a:rPr>
-              <a:t>createdb</a:t>
-            </a:r>
-            <a:r>
-              <a:rPr lang="en-US" sz="1200" dirty="0">
-                <a:solidFill>
-                  <a:srgbClr val="434343"/>
-                </a:solidFill>
-                <a:effectLst/>
-                <a:latin typeface="Consolas" panose="020B0609020204030204" pitchFamily="49" charset="0"/>
-              </a:rPr>
-              <a:t> -U </a:t>
-            </a:r>
-            <a:r>
-              <a:rPr lang="en-US" sz="1200" dirty="0" err="1">
-                <a:solidFill>
-                  <a:srgbClr val="434343"/>
-                </a:solidFill>
-                <a:effectLst/>
-                <a:latin typeface="Consolas" panose="020B0609020204030204" pitchFamily="49" charset="0"/>
-              </a:rPr>
-              <a:t>postgres</a:t>
-            </a:r>
-            <a:r>
-              <a:rPr lang="en-US" sz="1200" dirty="0">
-                <a:solidFill>
-                  <a:srgbClr val="434343"/>
-                </a:solidFill>
-                <a:effectLst/>
-                <a:latin typeface="Consolas" panose="020B0609020204030204" pitchFamily="49" charset="0"/>
-              </a:rPr>
-              <a:t> -T template0 post01-copy</a:t>
-            </a:r>
-          </a:p>
-          <a:p>
-            <a:endParaRPr lang="en-US" sz="1200" dirty="0">
-              <a:solidFill>
-                <a:srgbClr val="434343"/>
-              </a:solidFill>
-              <a:effectLst/>
-              <a:latin typeface="Consolas" panose="020B0609020204030204" pitchFamily="49" charset="0"/>
-            </a:endParaRPr>
-          </a:p>
-          <a:p>
-            <a:r>
-              <a:rPr lang="en-US" sz="1200" dirty="0">
-                <a:solidFill>
-                  <a:srgbClr val="434343"/>
-                </a:solidFill>
-                <a:effectLst/>
-                <a:latin typeface="Consolas" panose="020B0609020204030204" pitchFamily="49" charset="0"/>
-              </a:rPr>
-              <a:t># Step 4.1 : import inside container (optional ; function of step 1.2 above)</a:t>
-            </a:r>
-          </a:p>
-          <a:p>
-            <a:r>
-              <a:rPr lang="en-US" sz="1200" dirty="0">
-                <a:solidFill>
-                  <a:srgbClr val="434343"/>
-                </a:solidFill>
-                <a:effectLst/>
-                <a:latin typeface="Consolas" panose="020B0609020204030204" pitchFamily="49" charset="0"/>
-              </a:rPr>
-              <a:t>Write-Host "----------------------------"</a:t>
-            </a:r>
-          </a:p>
-          <a:p>
-            <a:r>
-              <a:rPr lang="en-US" sz="1200" dirty="0">
-                <a:solidFill>
-                  <a:srgbClr val="434343"/>
-                </a:solidFill>
-                <a:effectLst/>
-                <a:latin typeface="Consolas" panose="020B0609020204030204" pitchFamily="49" charset="0"/>
-              </a:rPr>
-              <a:t>Write-Host "4.1. Import inside container"</a:t>
-            </a:r>
-          </a:p>
-          <a:p>
-            <a:r>
-              <a:rPr lang="en-US" sz="1200" dirty="0">
-                <a:solidFill>
-                  <a:srgbClr val="434343"/>
-                </a:solidFill>
-                <a:effectLst/>
-                <a:latin typeface="Consolas" panose="020B0609020204030204" pitchFamily="49" charset="0"/>
-              </a:rPr>
-              <a:t>Write-Host "----------------------------"</a:t>
-            </a:r>
-          </a:p>
-          <a:p>
-            <a:r>
-              <a:rPr lang="en-US" sz="1200" dirty="0">
-                <a:solidFill>
-                  <a:srgbClr val="434343"/>
-                </a:solidFill>
-                <a:effectLst/>
-                <a:latin typeface="Consolas" panose="020B0609020204030204" pitchFamily="49" charset="0"/>
-              </a:rPr>
-              <a:t>docker cp post01-db-backup.createNot.sql post01-postgres:/post01-db-backup.createNot.sql</a:t>
-            </a:r>
-          </a:p>
-          <a:p>
-            <a:endParaRPr lang="en-US" sz="1200" dirty="0">
-              <a:solidFill>
-                <a:srgbClr val="434343"/>
-              </a:solidFill>
-              <a:effectLst/>
-              <a:latin typeface="Consolas" panose="020B0609020204030204" pitchFamily="49" charset="0"/>
-            </a:endParaRPr>
-          </a:p>
-          <a:p>
-            <a:r>
-              <a:rPr lang="en-US" sz="1200" dirty="0">
-                <a:solidFill>
-                  <a:srgbClr val="434343"/>
-                </a:solidFill>
-                <a:effectLst/>
-                <a:latin typeface="Consolas" panose="020B0609020204030204" pitchFamily="49" charset="0"/>
-              </a:rPr>
-              <a:t># Step 4.2 : restore post01-copy from post01</a:t>
-            </a:r>
-          </a:p>
-          <a:p>
-            <a:r>
-              <a:rPr lang="en-US" sz="1200" dirty="0">
-                <a:solidFill>
-                  <a:srgbClr val="434343"/>
-                </a:solidFill>
-                <a:effectLst/>
-                <a:latin typeface="Consolas" panose="020B0609020204030204" pitchFamily="49" charset="0"/>
-              </a:rPr>
-              <a:t>Write-Host "------------------------------------"</a:t>
-            </a:r>
-          </a:p>
-          <a:p>
-            <a:r>
-              <a:rPr lang="en-US" sz="1200" dirty="0">
-                <a:solidFill>
-                  <a:srgbClr val="434343"/>
-                </a:solidFill>
-                <a:effectLst/>
-                <a:latin typeface="Consolas" panose="020B0609020204030204" pitchFamily="49" charset="0"/>
-              </a:rPr>
-              <a:t>Write-Host "4.2. Restore post01-copy from post01"</a:t>
-            </a:r>
-          </a:p>
-          <a:p>
-            <a:r>
-              <a:rPr lang="en-US" sz="1200" dirty="0">
-                <a:solidFill>
-                  <a:srgbClr val="434343"/>
-                </a:solidFill>
-                <a:effectLst/>
-                <a:latin typeface="Consolas" panose="020B0609020204030204" pitchFamily="49" charset="0"/>
-              </a:rPr>
-              <a:t>Write-Host "------------------------------------"</a:t>
-            </a:r>
-          </a:p>
-          <a:p>
-            <a:r>
-              <a:rPr lang="en-US" sz="1200" dirty="0">
-                <a:solidFill>
-                  <a:srgbClr val="434343"/>
-                </a:solidFill>
-                <a:effectLst/>
-                <a:latin typeface="Consolas" panose="020B0609020204030204" pitchFamily="49" charset="0"/>
-              </a:rPr>
-              <a:t>docker exec -</a:t>
-            </a:r>
-            <a:r>
-              <a:rPr lang="en-US" sz="1200" dirty="0" err="1">
-                <a:solidFill>
-                  <a:srgbClr val="434343"/>
-                </a:solidFill>
-                <a:effectLst/>
-                <a:latin typeface="Consolas" panose="020B0609020204030204" pitchFamily="49" charset="0"/>
-              </a:rPr>
-              <a:t>i</a:t>
-            </a:r>
-            <a:r>
-              <a:rPr lang="en-US" sz="1200" dirty="0">
-                <a:solidFill>
-                  <a:srgbClr val="434343"/>
-                </a:solidFill>
-                <a:effectLst/>
-                <a:latin typeface="Consolas" panose="020B0609020204030204" pitchFamily="49" charset="0"/>
-              </a:rPr>
-              <a:t> post01-postgres </a:t>
-            </a:r>
-            <a:r>
-              <a:rPr lang="en-US" sz="1200" b="1" dirty="0" err="1">
-                <a:solidFill>
-                  <a:srgbClr val="434343"/>
-                </a:solidFill>
-                <a:effectLst/>
-                <a:latin typeface="Consolas" panose="020B0609020204030204" pitchFamily="49" charset="0"/>
-              </a:rPr>
-              <a:t>psql</a:t>
-            </a:r>
-            <a:r>
-              <a:rPr lang="en-US" sz="1200" dirty="0">
-                <a:solidFill>
-                  <a:srgbClr val="434343"/>
-                </a:solidFill>
-                <a:effectLst/>
-                <a:latin typeface="Consolas" panose="020B0609020204030204" pitchFamily="49" charset="0"/>
-              </a:rPr>
-              <a:t> -U </a:t>
-            </a:r>
-            <a:r>
-              <a:rPr lang="en-US" sz="1200" dirty="0" err="1">
-                <a:solidFill>
-                  <a:srgbClr val="434343"/>
-                </a:solidFill>
-                <a:effectLst/>
-                <a:latin typeface="Consolas" panose="020B0609020204030204" pitchFamily="49" charset="0"/>
-              </a:rPr>
-              <a:t>postgres</a:t>
-            </a:r>
-            <a:r>
-              <a:rPr lang="en-US" sz="1200" dirty="0">
-                <a:solidFill>
-                  <a:srgbClr val="434343"/>
-                </a:solidFill>
-                <a:effectLst/>
-                <a:latin typeface="Consolas" panose="020B0609020204030204" pitchFamily="49" charset="0"/>
-              </a:rPr>
-              <a:t> </a:t>
-            </a:r>
-            <a:r>
-              <a:rPr lang="en-US" sz="1200" b="1" dirty="0">
-                <a:solidFill>
-                  <a:srgbClr val="434343"/>
-                </a:solidFill>
-                <a:effectLst/>
-                <a:latin typeface="Consolas" panose="020B0609020204030204" pitchFamily="49" charset="0"/>
-              </a:rPr>
-              <a:t>-d post01-copy</a:t>
-            </a:r>
-            <a:r>
-              <a:rPr lang="en-US" sz="1200" dirty="0">
-                <a:solidFill>
-                  <a:srgbClr val="434343"/>
-                </a:solidFill>
-                <a:effectLst/>
-                <a:latin typeface="Consolas" panose="020B0609020204030204" pitchFamily="49" charset="0"/>
-              </a:rPr>
-              <a:t> -f post01-db-backup.createNot.sql</a:t>
-            </a:r>
-          </a:p>
-        </p:txBody>
-      </p:sp>
-      <p:sp>
-        <p:nvSpPr>
-          <p:cNvPr id="8" name="Rectangle 7">
-            <a:extLst>
-              <a:ext uri="{FF2B5EF4-FFF2-40B4-BE49-F238E27FC236}">
-                <a16:creationId xmlns:a16="http://schemas.microsoft.com/office/drawing/2014/main" id="{C0DC27B1-888F-4B97-92D5-D1C4B177C5DA}"/>
+          <a:bodyPr/>
+          <a:lstStyle/>
+          <a:p>
+            <a:r>
+              <a:rPr lang="fr-BE" dirty="0"/>
+              <a:t>Table of Contents</a:t>
+            </a:r>
+            <a:endParaRPr lang="en-BE" dirty="0"/>
+          </a:p>
+        </p:txBody>
+      </p:sp>
+      <p:sp>
+        <p:nvSpPr>
+          <p:cNvPr id="3" name="Text Placeholder 2">
+            <a:extLst>
+              <a:ext uri="{FF2B5EF4-FFF2-40B4-BE49-F238E27FC236}">
+                <a16:creationId xmlns:a16="http://schemas.microsoft.com/office/drawing/2014/main" id="{6061569B-4D1E-4EC2-AC4D-DB1D229470E5}"/>
+              </a:ext>
+            </a:extLst>
+          </p:cNvPr>
+          <p:cNvSpPr>
+            <a:spLocks noGrp="1"/>
+          </p:cNvSpPr>
+          <p:nvPr>
+            <p:ph type="body" idx="1"/>
+          </p:nvPr>
+        </p:nvSpPr>
+        <p:spPr/>
+        <p:txBody>
+          <a:bodyPr/>
+          <a:lstStyle/>
+          <a:p>
+            <a:endParaRPr lang="en-BE" dirty="0"/>
+          </a:p>
+        </p:txBody>
+      </p:sp>
+      <p:sp>
+        <p:nvSpPr>
+          <p:cNvPr id="6" name="Slide Number Placeholder 5">
+            <a:extLst>
+              <a:ext uri="{FF2B5EF4-FFF2-40B4-BE49-F238E27FC236}">
+                <a16:creationId xmlns:a16="http://schemas.microsoft.com/office/drawing/2014/main" id="{57228C1D-3324-49D2-B699-117C49B9F5A0}"/>
+              </a:ext>
+            </a:extLst>
+          </p:cNvPr>
+          <p:cNvSpPr>
+            <a:spLocks noGrp="1"/>
+          </p:cNvSpPr>
+          <p:nvPr>
+            <p:ph type="sldNum" sz="quarter" idx="12"/>
+          </p:nvPr>
+        </p:nvSpPr>
+        <p:spPr/>
+        <p:txBody>
+          <a:bodyPr/>
+          <a:lstStyle/>
+          <a:p>
+            <a:fld id="{69D2CCA8-53B9-41C4-8716-EA9CD8A55276}" type="slidenum">
+              <a:rPr lang="en-BE" smtClean="0"/>
+              <a:t>8</a:t>
+            </a:fld>
+            <a:endParaRPr lang="en-BE" dirty="0"/>
+          </a:p>
+        </p:txBody>
+      </p:sp>
+      <p:sp>
+        <p:nvSpPr>
+          <p:cNvPr id="5" name="Rectangle 4">
+            <a:extLst>
+              <a:ext uri="{FF2B5EF4-FFF2-40B4-BE49-F238E27FC236}">
+                <a16:creationId xmlns:a16="http://schemas.microsoft.com/office/drawing/2014/main" id="{9F7E70B8-3020-4731-8E5F-9E58699638B9}"/>
               </a:ext>
             </a:extLst>
           </p:cNvPr>
@@ -35847,90 +36824,10 @@
           </a:p>
         </p:txBody>
       </p:sp>
-      <p:sp>
-        <p:nvSpPr>
-          <p:cNvPr id="3" name="TextBox 2">
-            <a:extLst>
-              <a:ext uri="{FF2B5EF4-FFF2-40B4-BE49-F238E27FC236}">
-                <a16:creationId xmlns:a16="http://schemas.microsoft.com/office/drawing/2014/main" id="{FE136704-9C7E-4305-A544-15CEAD9555EF}"/>
-              </a:ext>
-            </a:extLst>
-          </p:cNvPr>
-          <p:cNvSpPr txBox="1"/>
-          <p:nvPr/>
-        </p:nvSpPr>
-        <p:spPr>
-          <a:xfrm>
-            <a:off x="838200" y="911667"/>
-            <a:ext cx="8903676" cy="369332"/>
-          </a:xfrm>
-          <a:prstGeom prst="rect">
-            <a:avLst/>
-          </a:prstGeom>
-          <a:noFill/>
-        </p:spPr>
-        <p:txBody>
-          <a:bodyPr wrap="square" rtlCol="0">
-            <a:spAutoFit/>
-          </a:bodyPr>
-          <a:lstStyle/>
-          <a:p>
-            <a:r>
-              <a:rPr lang="fr-BE" dirty="0"/>
-              <a:t>The « </a:t>
-            </a:r>
-            <a:r>
-              <a:rPr lang="fr-BE" dirty="0" err="1"/>
-              <a:t>sql</a:t>
-            </a:r>
-            <a:r>
-              <a:rPr lang="fr-BE" dirty="0"/>
-              <a:t> » file </a:t>
-            </a:r>
-            <a:r>
-              <a:rPr lang="fr-BE" dirty="0" err="1"/>
-              <a:t>does</a:t>
-            </a:r>
-            <a:r>
-              <a:rPr lang="fr-BE" dirty="0"/>
-              <a:t> not </a:t>
-            </a:r>
-            <a:r>
-              <a:rPr lang="fr-BE" dirty="0" err="1"/>
-              <a:t>contain</a:t>
-            </a:r>
-            <a:r>
-              <a:rPr lang="fr-BE" dirty="0"/>
-              <a:t> </a:t>
-            </a:r>
-            <a:r>
-              <a:rPr lang="fr-BE" dirty="0" err="1"/>
-              <a:t>database</a:t>
-            </a:r>
-            <a:r>
-              <a:rPr lang="fr-BE" dirty="0"/>
-              <a:t> drop &amp; </a:t>
-            </a:r>
-            <a:r>
-              <a:rPr lang="fr-BE" dirty="0" err="1"/>
-              <a:t>create</a:t>
-            </a:r>
-            <a:r>
-              <a:rPr lang="fr-BE" dirty="0"/>
-              <a:t> </a:t>
-            </a:r>
-            <a:r>
-              <a:rPr lang="fr-BE" dirty="0" err="1"/>
-              <a:t>statements</a:t>
-            </a:r>
-            <a:endParaRPr lang="en-BE" dirty="0"/>
-          </a:p>
-        </p:txBody>
-      </p:sp>
     </p:spTree>
     <p:extLst>
       <p:ext uri="{BB962C8B-B14F-4D97-AF65-F5344CB8AC3E}">
-        <p14:creationId xmlns:p14="http://schemas.microsoft.com/office/powerpoint/2010/main" val="510665202"/>
+        <p14:creationId xmlns:p14="http://schemas.microsoft.com/office/powerpoint/2010/main" val="4009020316"/>
       </p:ext>
     </p:extLst>
   </p:cSld>
@@ -35940,7 +36837,7 @@
 </p:sld>
 </file>
 
-<file path=ppt/slides/slide8.xml><?xml version="1.0" encoding="utf-8"?>
+<file path=ppt/slides/slide80.xml><?xml version="1.0" encoding="utf-8"?>
 <p:sld xmlns:a="http://schemas.openxmlformats.org/drawingml/2006/main" xmlns:r="http://schemas.openxmlformats.org/officeDocument/2006/relationships" xmlns:p="http://schemas.openxmlformats.org/presentationml/2006/main">
   <p:cSld>
     <p:spTree>
@@ -35962,7 +36859,7 @@
           <p:cNvPr id="2" name="Title 1">
             <a:extLst>
               <a:ext uri="{FF2B5EF4-FFF2-40B4-BE49-F238E27FC236}">
-                <a16:creationId xmlns:a16="http://schemas.microsoft.com/office/drawing/2014/main" id="{A5AABBF0-44BB-4BD7-BF73-1C1B53AB85BF}"/>
+                <a16:creationId xmlns:a16="http://schemas.microsoft.com/office/drawing/2014/main" id="{DA26F250-0299-4720-BD31-9A9645DF50F7}"/>
               </a:ext>
             </a:extLst>
           </p:cNvPr>
@@ -35975,77 +36872,521 @@
         </p:nvSpPr>
         <p:spPr/>
         <p:txBody>
-          <a:bodyPr/>
-          <a:lstStyle/>
-          <a:p>
-            <a:r>
-              <a:rPr lang="fr-BE" dirty="0"/>
-              <a:t>Table of Contents</a:t>
-            </a:r>
-            <a:endParaRPr lang="en-BE" dirty="0"/>
-          </a:p>
-        </p:txBody>
-      </p:sp>
-      <p:sp>
-        <p:nvSpPr>
-          <p:cNvPr id="3" name="Text Placeholder 2">
-            <a:extLst>
-              <a:ext uri="{FF2B5EF4-FFF2-40B4-BE49-F238E27FC236}">
-                <a16:creationId xmlns:a16="http://schemas.microsoft.com/office/drawing/2014/main" id="{6061569B-4D1E-4EC2-AC4D-DB1D229470E5}"/>
-              </a:ext>
-            </a:extLst>
-          </p:cNvPr>
-          <p:cNvSpPr>
-            <a:spLocks noGrp="1"/>
-          </p:cNvSpPr>
-          <p:nvPr>
-            <p:ph type="body" idx="1"/>
-          </p:nvPr>
-        </p:nvSpPr>
-        <p:spPr/>
-        <p:txBody>
-          <a:bodyPr/>
-          <a:lstStyle/>
-          <a:p>
-            <a:endParaRPr lang="en-BE" dirty="0"/>
-          </a:p>
-        </p:txBody>
-      </p:sp>
-      <p:sp>
-        <p:nvSpPr>
-          <p:cNvPr id="6" name="Slide Number Placeholder 5">
-            <a:extLst>
-              <a:ext uri="{FF2B5EF4-FFF2-40B4-BE49-F238E27FC236}">
-                <a16:creationId xmlns:a16="http://schemas.microsoft.com/office/drawing/2014/main" id="{57228C1D-3324-49D2-B699-117C49B9F5A0}"/>
-              </a:ext>
-            </a:extLst>
-          </p:cNvPr>
-          <p:cNvSpPr>
-            <a:spLocks noGrp="1"/>
-          </p:cNvSpPr>
-          <p:nvPr>
-            <p:ph type="sldNum" sz="quarter" idx="12"/>
-          </p:nvPr>
-        </p:nvSpPr>
-        <p:spPr/>
-        <p:txBody>
-          <a:bodyPr/>
-          <a:lstStyle/>
-          <a:p>
-            <a:fld id="{69D2CCA8-53B9-41C4-8716-EA9CD8A55276}" type="slidenum">
-              <a:rPr lang="en-BE" smtClean="0"/>
-              <a:t>8</a:t>
-            </a:fld>
-            <a:endParaRPr lang="en-BE" dirty="0"/>
-          </a:p>
-        </p:txBody>
-      </p:sp>
-      <p:sp>
-        <p:nvSpPr>
-          <p:cNvPr id="5" name="Rectangle 4">
-            <a:extLst>
-              <a:ext uri="{FF2B5EF4-FFF2-40B4-BE49-F238E27FC236}">
-                <a16:creationId xmlns:a16="http://schemas.microsoft.com/office/drawing/2014/main" id="{9F7E70B8-3020-4731-8E5F-9E58699638B9}"/>
+          <a:bodyPr>
+            <a:noAutofit/>
+          </a:bodyPr>
+          <a:lstStyle/>
+          <a:p>
+            <a:r>
+              <a:rPr lang="fr-BE" sz="2000" dirty="0"/>
+              <a:t>./</a:t>
+            </a:r>
+            <a:r>
+              <a:rPr lang="en-GB" sz="2000" dirty="0"/>
+              <a:t>"</a:t>
+            </a:r>
+            <a:r>
+              <a:rPr lang="fr-BE" sz="2000" dirty="0" err="1"/>
+              <a:t>Tryton</a:t>
+            </a:r>
+            <a:r>
+              <a:rPr lang="fr-BE" sz="2000" dirty="0"/>
+              <a:t> 6.0 - Doc 00.01 - Installation &amp; administration.database.post01.restore.character.createNot</a:t>
+            </a:r>
+            <a:r>
+              <a:rPr lang="en-GB" sz="2000" dirty="0"/>
+              <a:t>"</a:t>
+            </a:r>
+            <a:endParaRPr lang="en-BE" sz="2000" dirty="0"/>
+          </a:p>
+        </p:txBody>
+      </p:sp>
+      <p:sp>
+        <p:nvSpPr>
+          <p:cNvPr id="7" name="TextBox 6">
+            <a:extLst>
+              <a:ext uri="{FF2B5EF4-FFF2-40B4-BE49-F238E27FC236}">
+                <a16:creationId xmlns:a16="http://schemas.microsoft.com/office/drawing/2014/main" id="{E88577DE-972D-46D1-A32C-D54D7213BC5A}"/>
+              </a:ext>
+            </a:extLst>
+          </p:cNvPr>
+          <p:cNvSpPr txBox="1"/>
+          <p:nvPr/>
+        </p:nvSpPr>
+        <p:spPr>
+          <a:xfrm>
+            <a:off x="838200" y="1512786"/>
+            <a:ext cx="11353800" cy="4708981"/>
+          </a:xfrm>
+          <a:prstGeom prst="rect">
+            <a:avLst/>
+          </a:prstGeom>
+          <a:noFill/>
+        </p:spPr>
+        <p:txBody>
+          <a:bodyPr wrap="square">
+            <a:spAutoFit/>
+          </a:bodyPr>
+          <a:lstStyle/>
+          <a:p>
+            <a:r>
+              <a:rPr lang="en-US" sz="1200" dirty="0">
+                <a:solidFill>
+                  <a:srgbClr val="434343"/>
+                </a:solidFill>
+                <a:effectLst/>
+                <a:latin typeface="Consolas" panose="020B0609020204030204" pitchFamily="49" charset="0"/>
+              </a:rPr>
+              <a:t># Step 1 : docker stop/start containers</a:t>
+            </a:r>
+          </a:p>
+          <a:p>
+            <a:r>
+              <a:rPr lang="en-US" sz="1200" dirty="0">
+                <a:solidFill>
+                  <a:srgbClr val="434343"/>
+                </a:solidFill>
+                <a:effectLst/>
+                <a:latin typeface="Consolas" panose="020B0609020204030204" pitchFamily="49" charset="0"/>
+              </a:rPr>
+              <a:t>Write-Host "-------------------------------"</a:t>
+            </a:r>
+          </a:p>
+          <a:p>
+            <a:r>
+              <a:rPr lang="en-US" sz="1200" dirty="0">
+                <a:solidFill>
+                  <a:srgbClr val="434343"/>
+                </a:solidFill>
+                <a:effectLst/>
+                <a:latin typeface="Consolas" panose="020B0609020204030204" pitchFamily="49" charset="0"/>
+              </a:rPr>
+              <a:t>Write-Host "1. Docker stop/start containers"</a:t>
+            </a:r>
+          </a:p>
+          <a:p>
+            <a:r>
+              <a:rPr lang="en-US" sz="1200" dirty="0">
+                <a:solidFill>
+                  <a:srgbClr val="434343"/>
+                </a:solidFill>
+                <a:effectLst/>
+                <a:latin typeface="Consolas" panose="020B0609020204030204" pitchFamily="49" charset="0"/>
+              </a:rPr>
+              <a:t>Write-Host "-------------------------------"</a:t>
+            </a:r>
+          </a:p>
+          <a:p>
+            <a:r>
+              <a:rPr lang="en-US" sz="1200" dirty="0">
+                <a:solidFill>
+                  <a:srgbClr val="434343"/>
+                </a:solidFill>
+                <a:effectLst/>
+                <a:latin typeface="Consolas" panose="020B0609020204030204" pitchFamily="49" charset="0"/>
+              </a:rPr>
+              <a:t>docker stop post01-postgres post01-pgadmin</a:t>
+            </a:r>
+          </a:p>
+          <a:p>
+            <a:r>
+              <a:rPr lang="en-US" sz="1200" dirty="0">
+                <a:solidFill>
+                  <a:srgbClr val="434343"/>
+                </a:solidFill>
+                <a:effectLst/>
+                <a:latin typeface="Consolas" panose="020B0609020204030204" pitchFamily="49" charset="0"/>
+              </a:rPr>
+              <a:t>docker start post01-postgres post01-pgadmin</a:t>
+            </a:r>
+          </a:p>
+          <a:p>
+            <a:endParaRPr lang="en-US" sz="1200" dirty="0">
+              <a:solidFill>
+                <a:srgbClr val="434343"/>
+              </a:solidFill>
+              <a:effectLst/>
+              <a:latin typeface="Consolas" panose="020B0609020204030204" pitchFamily="49" charset="0"/>
+            </a:endParaRPr>
+          </a:p>
+          <a:p>
+            <a:r>
+              <a:rPr lang="en-US" sz="1200" dirty="0">
+                <a:solidFill>
+                  <a:srgbClr val="434343"/>
+                </a:solidFill>
+                <a:effectLst/>
+                <a:latin typeface="Consolas" panose="020B0609020204030204" pitchFamily="49" charset="0"/>
+              </a:rPr>
+              <a:t># Step 3 : drop and create post01-copy</a:t>
+            </a:r>
+          </a:p>
+          <a:p>
+            <a:r>
+              <a:rPr lang="en-US" sz="1200" dirty="0">
+                <a:solidFill>
+                  <a:srgbClr val="434343"/>
+                </a:solidFill>
+                <a:effectLst/>
+                <a:latin typeface="Consolas" panose="020B0609020204030204" pitchFamily="49" charset="0"/>
+              </a:rPr>
+              <a:t>Write-Host "------------------------------"</a:t>
+            </a:r>
+          </a:p>
+          <a:p>
+            <a:r>
+              <a:rPr lang="en-US" sz="1200" dirty="0">
+                <a:solidFill>
+                  <a:srgbClr val="434343"/>
+                </a:solidFill>
+                <a:effectLst/>
+                <a:latin typeface="Consolas" panose="020B0609020204030204" pitchFamily="49" charset="0"/>
+              </a:rPr>
+              <a:t>Write-Host "3. Drop and create post01-copy"</a:t>
+            </a:r>
+          </a:p>
+          <a:p>
+            <a:r>
+              <a:rPr lang="en-US" sz="1200" dirty="0">
+                <a:solidFill>
+                  <a:srgbClr val="434343"/>
+                </a:solidFill>
+                <a:effectLst/>
+                <a:latin typeface="Consolas" panose="020B0609020204030204" pitchFamily="49" charset="0"/>
+              </a:rPr>
+              <a:t>Write-Host "------------------------------"</a:t>
+            </a:r>
+          </a:p>
+          <a:p>
+            <a:r>
+              <a:rPr lang="en-US" sz="1200" dirty="0">
+                <a:solidFill>
+                  <a:srgbClr val="434343"/>
+                </a:solidFill>
+                <a:effectLst/>
+                <a:latin typeface="Consolas" panose="020B0609020204030204" pitchFamily="49" charset="0"/>
+              </a:rPr>
+              <a:t>docker exec post01-postgres </a:t>
+            </a:r>
+            <a:r>
+              <a:rPr lang="en-US" sz="1200" dirty="0" err="1">
+                <a:solidFill>
+                  <a:srgbClr val="434343"/>
+                </a:solidFill>
+                <a:effectLst/>
+                <a:latin typeface="Consolas" panose="020B0609020204030204" pitchFamily="49" charset="0"/>
+              </a:rPr>
+              <a:t>dropdb</a:t>
+            </a:r>
+            <a:r>
+              <a:rPr lang="en-US" sz="1200" dirty="0">
+                <a:solidFill>
+                  <a:srgbClr val="434343"/>
+                </a:solidFill>
+                <a:effectLst/>
+                <a:latin typeface="Consolas" panose="020B0609020204030204" pitchFamily="49" charset="0"/>
+              </a:rPr>
+              <a:t> -f -U </a:t>
+            </a:r>
+            <a:r>
+              <a:rPr lang="en-US" sz="1200" dirty="0" err="1">
+                <a:solidFill>
+                  <a:srgbClr val="434343"/>
+                </a:solidFill>
+                <a:effectLst/>
+                <a:latin typeface="Consolas" panose="020B0609020204030204" pitchFamily="49" charset="0"/>
+              </a:rPr>
+              <a:t>postgres</a:t>
+            </a:r>
+            <a:r>
+              <a:rPr lang="en-US" sz="1200" dirty="0">
+                <a:solidFill>
+                  <a:srgbClr val="434343"/>
+                </a:solidFill>
+                <a:effectLst/>
+                <a:latin typeface="Consolas" panose="020B0609020204030204" pitchFamily="49" charset="0"/>
+              </a:rPr>
+              <a:t> post01-copy</a:t>
+            </a:r>
+          </a:p>
+          <a:p>
+            <a:r>
+              <a:rPr lang="en-US" sz="1200" dirty="0">
+                <a:solidFill>
+                  <a:srgbClr val="434343"/>
+                </a:solidFill>
+                <a:effectLst/>
+                <a:latin typeface="Consolas" panose="020B0609020204030204" pitchFamily="49" charset="0"/>
+              </a:rPr>
+              <a:t>docker exec post01-postgres </a:t>
+            </a:r>
+            <a:r>
+              <a:rPr lang="en-US" sz="1200" dirty="0" err="1">
+                <a:solidFill>
+                  <a:srgbClr val="434343"/>
+                </a:solidFill>
+                <a:effectLst/>
+                <a:latin typeface="Consolas" panose="020B0609020204030204" pitchFamily="49" charset="0"/>
+              </a:rPr>
+              <a:t>createdb</a:t>
+            </a:r>
+            <a:r>
+              <a:rPr lang="en-US" sz="1200" dirty="0">
+                <a:solidFill>
+                  <a:srgbClr val="434343"/>
+                </a:solidFill>
+                <a:effectLst/>
+                <a:latin typeface="Consolas" panose="020B0609020204030204" pitchFamily="49" charset="0"/>
+              </a:rPr>
+              <a:t> -U </a:t>
+            </a:r>
+            <a:r>
+              <a:rPr lang="en-US" sz="1200" dirty="0" err="1">
+                <a:solidFill>
+                  <a:srgbClr val="434343"/>
+                </a:solidFill>
+                <a:effectLst/>
+                <a:latin typeface="Consolas" panose="020B0609020204030204" pitchFamily="49" charset="0"/>
+              </a:rPr>
+              <a:t>postgres</a:t>
+            </a:r>
+            <a:r>
+              <a:rPr lang="en-US" sz="1200" dirty="0">
+                <a:solidFill>
+                  <a:srgbClr val="434343"/>
+                </a:solidFill>
+                <a:effectLst/>
+                <a:latin typeface="Consolas" panose="020B0609020204030204" pitchFamily="49" charset="0"/>
+              </a:rPr>
+              <a:t> -T template0 post01-copy</a:t>
+            </a:r>
+          </a:p>
+          <a:p>
+            <a:endParaRPr lang="en-US" sz="1200" dirty="0">
+              <a:solidFill>
+                <a:srgbClr val="434343"/>
+              </a:solidFill>
+              <a:effectLst/>
+              <a:latin typeface="Consolas" panose="020B0609020204030204" pitchFamily="49" charset="0"/>
+            </a:endParaRPr>
+          </a:p>
+          <a:p>
+            <a:r>
+              <a:rPr lang="en-US" sz="1200" dirty="0">
+                <a:solidFill>
+                  <a:srgbClr val="434343"/>
+                </a:solidFill>
+                <a:effectLst/>
+                <a:latin typeface="Consolas" panose="020B0609020204030204" pitchFamily="49" charset="0"/>
+              </a:rPr>
+              <a:t># Step 4.1 : import inside container (optional ; function of step 1.2 above)</a:t>
+            </a:r>
+          </a:p>
+          <a:p>
+            <a:r>
+              <a:rPr lang="en-US" sz="1200" dirty="0">
+                <a:solidFill>
+                  <a:srgbClr val="434343"/>
+                </a:solidFill>
+                <a:effectLst/>
+                <a:latin typeface="Consolas" panose="020B0609020204030204" pitchFamily="49" charset="0"/>
+              </a:rPr>
+              <a:t>Write-Host "----------------------------"</a:t>
+            </a:r>
+          </a:p>
+          <a:p>
+            <a:r>
+              <a:rPr lang="en-US" sz="1200" dirty="0">
+                <a:solidFill>
+                  <a:srgbClr val="434343"/>
+                </a:solidFill>
+                <a:effectLst/>
+                <a:latin typeface="Consolas" panose="020B0609020204030204" pitchFamily="49" charset="0"/>
+              </a:rPr>
+              <a:t>Write-Host "4.1. Import inside container"</a:t>
+            </a:r>
+          </a:p>
+          <a:p>
+            <a:r>
+              <a:rPr lang="en-US" sz="1200" dirty="0">
+                <a:solidFill>
+                  <a:srgbClr val="434343"/>
+                </a:solidFill>
+                <a:effectLst/>
+                <a:latin typeface="Consolas" panose="020B0609020204030204" pitchFamily="49" charset="0"/>
+              </a:rPr>
+              <a:t>Write-Host "----------------------------"</a:t>
+            </a:r>
+          </a:p>
+          <a:p>
+            <a:r>
+              <a:rPr lang="en-US" sz="1200" dirty="0">
+                <a:solidFill>
+                  <a:srgbClr val="434343"/>
+                </a:solidFill>
+                <a:effectLst/>
+                <a:latin typeface="Consolas" panose="020B0609020204030204" pitchFamily="49" charset="0"/>
+              </a:rPr>
+              <a:t>docker cp post01-db-backup.createNot.sql post01-postgres:/post01-db-backup.createNot.sql</a:t>
+            </a:r>
+          </a:p>
+          <a:p>
+            <a:endParaRPr lang="en-US" sz="1200" dirty="0">
+              <a:solidFill>
+                <a:srgbClr val="434343"/>
+              </a:solidFill>
+              <a:effectLst/>
+              <a:latin typeface="Consolas" panose="020B0609020204030204" pitchFamily="49" charset="0"/>
+            </a:endParaRPr>
+          </a:p>
+          <a:p>
+            <a:r>
+              <a:rPr lang="en-US" sz="1200" dirty="0">
+                <a:solidFill>
+                  <a:srgbClr val="434343"/>
+                </a:solidFill>
+                <a:effectLst/>
+                <a:latin typeface="Consolas" panose="020B0609020204030204" pitchFamily="49" charset="0"/>
+              </a:rPr>
+              <a:t># Step 4.2 : restore post01-copy from post01</a:t>
+            </a:r>
+          </a:p>
+          <a:p>
+            <a:r>
+              <a:rPr lang="en-US" sz="1200" dirty="0">
+                <a:solidFill>
+                  <a:srgbClr val="434343"/>
+                </a:solidFill>
+                <a:effectLst/>
+                <a:latin typeface="Consolas" panose="020B0609020204030204" pitchFamily="49" charset="0"/>
+              </a:rPr>
+              <a:t>Write-Host "------------------------------------"</a:t>
+            </a:r>
+          </a:p>
+          <a:p>
+            <a:r>
+              <a:rPr lang="en-US" sz="1200" dirty="0">
+                <a:solidFill>
+                  <a:srgbClr val="434343"/>
+                </a:solidFill>
+                <a:effectLst/>
+                <a:latin typeface="Consolas" panose="020B0609020204030204" pitchFamily="49" charset="0"/>
+              </a:rPr>
+              <a:t>Write-Host "4.2. Restore post01-copy from post01"</a:t>
+            </a:r>
+          </a:p>
+          <a:p>
+            <a:r>
+              <a:rPr lang="en-US" sz="1200" dirty="0">
+                <a:solidFill>
+                  <a:srgbClr val="434343"/>
+                </a:solidFill>
+                <a:effectLst/>
+                <a:latin typeface="Consolas" panose="020B0609020204030204" pitchFamily="49" charset="0"/>
+              </a:rPr>
+              <a:t>Write-Host "------------------------------------"</a:t>
+            </a:r>
+          </a:p>
+          <a:p>
+            <a:r>
+              <a:rPr lang="en-US" sz="1200" dirty="0">
+                <a:solidFill>
+                  <a:srgbClr val="434343"/>
+                </a:solidFill>
+                <a:effectLst/>
+                <a:latin typeface="Consolas" panose="020B0609020204030204" pitchFamily="49" charset="0"/>
+              </a:rPr>
+              <a:t>docker exec -</a:t>
+            </a:r>
+            <a:r>
+              <a:rPr lang="en-US" sz="1200" dirty="0" err="1">
+                <a:solidFill>
+                  <a:srgbClr val="434343"/>
+                </a:solidFill>
+                <a:effectLst/>
+                <a:latin typeface="Consolas" panose="020B0609020204030204" pitchFamily="49" charset="0"/>
+              </a:rPr>
+              <a:t>i</a:t>
+            </a:r>
+            <a:r>
+              <a:rPr lang="en-US" sz="1200" dirty="0">
+                <a:solidFill>
+                  <a:srgbClr val="434343"/>
+                </a:solidFill>
+                <a:effectLst/>
+                <a:latin typeface="Consolas" panose="020B0609020204030204" pitchFamily="49" charset="0"/>
+              </a:rPr>
+              <a:t> post01-postgres </a:t>
+            </a:r>
+            <a:r>
+              <a:rPr lang="en-US" sz="1200" b="1" dirty="0" err="1">
+                <a:solidFill>
+                  <a:srgbClr val="434343"/>
+                </a:solidFill>
+                <a:effectLst/>
+                <a:latin typeface="Consolas" panose="020B0609020204030204" pitchFamily="49" charset="0"/>
+              </a:rPr>
+              <a:t>psql</a:t>
+            </a:r>
+            <a:r>
+              <a:rPr lang="en-US" sz="1200" dirty="0">
+                <a:solidFill>
+                  <a:srgbClr val="434343"/>
+                </a:solidFill>
+                <a:effectLst/>
+                <a:latin typeface="Consolas" panose="020B0609020204030204" pitchFamily="49" charset="0"/>
+              </a:rPr>
+              <a:t> -U </a:t>
+            </a:r>
+            <a:r>
+              <a:rPr lang="en-US" sz="1200" dirty="0" err="1">
+                <a:solidFill>
+                  <a:srgbClr val="434343"/>
+                </a:solidFill>
+                <a:effectLst/>
+                <a:latin typeface="Consolas" panose="020B0609020204030204" pitchFamily="49" charset="0"/>
+              </a:rPr>
+              <a:t>postgres</a:t>
+            </a:r>
+            <a:r>
+              <a:rPr lang="en-US" sz="1200" dirty="0">
+                <a:solidFill>
+                  <a:srgbClr val="434343"/>
+                </a:solidFill>
+                <a:effectLst/>
+                <a:latin typeface="Consolas" panose="020B0609020204030204" pitchFamily="49" charset="0"/>
+              </a:rPr>
+              <a:t> </a:t>
+            </a:r>
+            <a:r>
+              <a:rPr lang="en-US" sz="1200" b="1" dirty="0">
+                <a:solidFill>
+                  <a:srgbClr val="434343"/>
+                </a:solidFill>
+                <a:effectLst/>
+                <a:latin typeface="Consolas" panose="020B0609020204030204" pitchFamily="49" charset="0"/>
+              </a:rPr>
+              <a:t>-d post01-copy</a:t>
+            </a:r>
+            <a:r>
+              <a:rPr lang="en-US" sz="1200" dirty="0">
+                <a:solidFill>
+                  <a:srgbClr val="434343"/>
+                </a:solidFill>
+                <a:effectLst/>
+                <a:latin typeface="Consolas" panose="020B0609020204030204" pitchFamily="49" charset="0"/>
+              </a:rPr>
+              <a:t> -f post01-db-backup.createNot.sql</a:t>
+            </a:r>
+          </a:p>
+        </p:txBody>
+      </p:sp>
+      <p:sp>
+        <p:nvSpPr>
+          <p:cNvPr id="8" name="Rectangle 7">
+            <a:extLst>
+              <a:ext uri="{FF2B5EF4-FFF2-40B4-BE49-F238E27FC236}">
+                <a16:creationId xmlns:a16="http://schemas.microsoft.com/office/drawing/2014/main" id="{C0DC27B1-888F-4B97-92D5-D1C4B177C5DA}"/>
               </a:ext>
             </a:extLst>
           </p:cNvPr>
@@ -36094,10 +37435,90 @@
           </a:p>
         </p:txBody>
       </p:sp>
+      <p:sp>
+        <p:nvSpPr>
+          <p:cNvPr id="3" name="TextBox 2">
+            <a:extLst>
+              <a:ext uri="{FF2B5EF4-FFF2-40B4-BE49-F238E27FC236}">
+                <a16:creationId xmlns:a16="http://schemas.microsoft.com/office/drawing/2014/main" id="{FE136704-9C7E-4305-A544-15CEAD9555EF}"/>
+              </a:ext>
+            </a:extLst>
+          </p:cNvPr>
+          <p:cNvSpPr txBox="1"/>
+          <p:nvPr/>
+        </p:nvSpPr>
+        <p:spPr>
+          <a:xfrm>
+            <a:off x="838200" y="911667"/>
+            <a:ext cx="8903676" cy="369332"/>
+          </a:xfrm>
+          <a:prstGeom prst="rect">
+            <a:avLst/>
+          </a:prstGeom>
+          <a:noFill/>
+        </p:spPr>
+        <p:txBody>
+          <a:bodyPr wrap="square" rtlCol="0">
+            <a:spAutoFit/>
+          </a:bodyPr>
+          <a:lstStyle/>
+          <a:p>
+            <a:r>
+              <a:rPr lang="fr-BE" dirty="0"/>
+              <a:t>The « </a:t>
+            </a:r>
+            <a:r>
+              <a:rPr lang="fr-BE" dirty="0" err="1"/>
+              <a:t>sql</a:t>
+            </a:r>
+            <a:r>
+              <a:rPr lang="fr-BE" dirty="0"/>
+              <a:t> » file </a:t>
+            </a:r>
+            <a:r>
+              <a:rPr lang="fr-BE" dirty="0" err="1"/>
+              <a:t>does</a:t>
+            </a:r>
+            <a:r>
+              <a:rPr lang="fr-BE" dirty="0"/>
+              <a:t> not </a:t>
+            </a:r>
+            <a:r>
+              <a:rPr lang="fr-BE" dirty="0" err="1"/>
+              <a:t>contain</a:t>
+            </a:r>
+            <a:r>
+              <a:rPr lang="fr-BE" dirty="0"/>
+              <a:t> </a:t>
+            </a:r>
+            <a:r>
+              <a:rPr lang="fr-BE" dirty="0" err="1"/>
+              <a:t>database</a:t>
+            </a:r>
+            <a:r>
+              <a:rPr lang="fr-BE" dirty="0"/>
+              <a:t> drop &amp; </a:t>
+            </a:r>
+            <a:r>
+              <a:rPr lang="fr-BE" dirty="0" err="1"/>
+              <a:t>create</a:t>
+            </a:r>
+            <a:r>
+              <a:rPr lang="fr-BE" dirty="0"/>
+              <a:t> </a:t>
+            </a:r>
+            <a:r>
+              <a:rPr lang="fr-BE" dirty="0" err="1"/>
+              <a:t>statements</a:t>
+            </a:r>
+            <a:endParaRPr lang="en-BE" dirty="0"/>
+          </a:p>
+        </p:txBody>
+      </p:sp>
     </p:spTree>
     <p:extLst>
       <p:ext uri="{BB962C8B-B14F-4D97-AF65-F5344CB8AC3E}">
-        <p14:creationId xmlns:p14="http://schemas.microsoft.com/office/powerpoint/2010/main" val="4009020316"/>
+        <p14:creationId xmlns:p14="http://schemas.microsoft.com/office/powerpoint/2010/main" val="510665202"/>
       </p:ext>
     </p:extLst>
   </p:cSld>
@@ -36107,7 +37528,7 @@
 </p:sld>
 </file>
 
-<file path=ppt/slides/slide80.xml><?xml version="1.0" encoding="utf-8"?>
+<file path=ppt/slides/slide81.xml><?xml version="1.0" encoding="utf-8"?>
 <p:sld xmlns:a="http://schemas.openxmlformats.org/drawingml/2006/main" xmlns:r="http://schemas.openxmlformats.org/officeDocument/2006/relationships" xmlns:p="http://schemas.openxmlformats.org/presentationml/2006/main">
   <p:cSld>
     <p:spTree>
@@ -36782,7 +38203,7 @@
 </p:sld>
 </file>
 
-<file path=ppt/slides/slide81.xml><?xml version="1.0" encoding="utf-8"?>
+<file path=ppt/slides/slide82.xml><?xml version="1.0" encoding="utf-8"?>
 <p:sld xmlns:a="http://schemas.openxmlformats.org/drawingml/2006/main" xmlns:r="http://schemas.openxmlformats.org/officeDocument/2006/relationships" xmlns:p="http://schemas.openxmlformats.org/presentationml/2006/main">
   <p:cSld>
     <p:spTree>
@@ -36884,7 +38305,7 @@
           <a:p>
             <a:fld id="{69D2CCA8-53B9-41C4-8716-EA9CD8A55276}" type="slidenum">
               <a:rPr lang="en-BE" smtClean="0"/>
-              <a:t>81</a:t>
+              <a:t>82</a:t>
             </a:fld>
             <a:endParaRPr lang="en-BE"/>
           </a:p>
@@ -36957,7 +38378,7 @@
 </p:sld>
 </file>
 
-<file path=ppt/slides/slide82.xml><?xml version="1.0" encoding="utf-8"?>
+<file path=ppt/slides/slide83.xml><?xml version="1.0" encoding="utf-8"?>
 <p:sld xmlns:a="http://schemas.openxmlformats.org/drawingml/2006/main" xmlns:r="http://schemas.openxmlformats.org/officeDocument/2006/relationships" xmlns:p="http://schemas.openxmlformats.org/presentationml/2006/main">
   <p:cSld>
     <p:spTree>
@@ -37002,7 +38423,7 @@
           <a:p>
             <a:fld id="{69D2CCA8-53B9-41C4-8716-EA9CD8A55276}" type="slidenum">
               <a:rPr lang="en-BE" smtClean="0"/>
-              <a:t>82</a:t>
+              <a:t>83</a:t>
             </a:fld>
             <a:endParaRPr lang="en-BE"/>
           </a:p>
@@ -37346,7 +38767,7 @@
 </p:sld>
 </file>
 
-<file path=ppt/slides/slide83.xml><?xml version="1.0" encoding="utf-8"?>
+<file path=ppt/slides/slide84.xml><?xml version="1.0" encoding="utf-8"?>
 <p:sld xmlns:a="http://schemas.openxmlformats.org/drawingml/2006/main" xmlns:r="http://schemas.openxmlformats.org/officeDocument/2006/relationships" xmlns:p="http://schemas.openxmlformats.org/presentationml/2006/main">
   <p:cSld>
     <p:spTree>
@@ -37391,7 +38812,7 @@
           <a:p>
             <a:fld id="{69D2CCA8-53B9-41C4-8716-EA9CD8A55276}" type="slidenum">
               <a:rPr lang="en-BE" smtClean="0"/>
-              <a:t>83</a:t>
+              <a:t>84</a:t>
             </a:fld>
             <a:endParaRPr lang="en-BE"/>
           </a:p>
@@ -38046,7 +39467,7 @@
 </p:sld>
 </file>
 
-<file path=ppt/slides/slide84.xml><?xml version="1.0" encoding="utf-8"?>
+<file path=ppt/slides/slide85.xml><?xml version="1.0" encoding="utf-8"?>
 <p:sld xmlns:a="http://schemas.openxmlformats.org/drawingml/2006/main" xmlns:r="http://schemas.openxmlformats.org/officeDocument/2006/relationships" xmlns:p="http://schemas.openxmlformats.org/presentationml/2006/main">
   <p:cSld>
     <p:spTree>
@@ -38140,7 +39561,7 @@
           <a:p>
             <a:fld id="{69D2CCA8-53B9-41C4-8716-EA9CD8A55276}" type="slidenum">
               <a:rPr lang="en-BE" smtClean="0"/>
-              <a:t>84</a:t>
+              <a:t>85</a:t>
             </a:fld>
             <a:endParaRPr lang="en-BE"/>
           </a:p>
@@ -38213,7 +39634,7 @@
 </p:sld>
 </file>
 
-<file path=ppt/slides/slide85.xml><?xml version="1.0" encoding="utf-8"?>
+<file path=ppt/slides/slide86.xml><?xml version="1.0" encoding="utf-8"?>
 <p:sld xmlns:a="http://schemas.openxmlformats.org/drawingml/2006/main" xmlns:r="http://schemas.openxmlformats.org/officeDocument/2006/relationships" xmlns:p="http://schemas.openxmlformats.org/presentationml/2006/main">
   <p:cSld>
     <p:spTree>
@@ -38343,7 +39764,7 @@
           <a:p>
             <a:fld id="{69D2CCA8-53B9-41C4-8716-EA9CD8A55276}" type="slidenum">
               <a:rPr lang="en-BE" smtClean="0"/>
-              <a:t>85</a:t>
+              <a:t>86</a:t>
             </a:fld>
             <a:endParaRPr lang="en-BE"/>
           </a:p>
@@ -38706,7 +40127,7 @@
 </p:sld>
 </file>
 
-<file path=ppt/slides/slide86.xml><?xml version="1.0" encoding="utf-8"?>
+<file path=ppt/slides/slide87.xml><?xml version="1.0" encoding="utf-8"?>
 <p:sld xmlns:a="http://schemas.openxmlformats.org/drawingml/2006/main" xmlns:r="http://schemas.openxmlformats.org/officeDocument/2006/relationships" xmlns:p="http://schemas.openxmlformats.org/presentationml/2006/main">
   <p:cSld>
     <p:spTree>
@@ -38800,7 +40221,7 @@
           <a:p>
             <a:fld id="{69D2CCA8-53B9-41C4-8716-EA9CD8A55276}" type="slidenum">
               <a:rPr lang="en-BE" smtClean="0"/>
-              <a:t>86</a:t>
+              <a:t>87</a:t>
             </a:fld>
             <a:endParaRPr lang="en-BE" dirty="0"/>
           </a:p>
@@ -38873,7 +40294,7 @@
 </p:sld>
 </file>
 
-<file path=ppt/slides/slide87.xml><?xml version="1.0" encoding="utf-8"?>
+<file path=ppt/slides/slide88.xml><?xml version="1.0" encoding="utf-8"?>
 <p:sld xmlns:a="http://schemas.openxmlformats.org/drawingml/2006/main" xmlns:r="http://schemas.openxmlformats.org/officeDocument/2006/relationships" xmlns:p="http://schemas.openxmlformats.org/presentationml/2006/main">
   <p:cSld>
     <p:spTree>
@@ -39022,7 +40443,7 @@
           <a:p>
             <a:fld id="{69D2CCA8-53B9-41C4-8716-EA9CD8A55276}" type="slidenum">
               <a:rPr lang="en-BE" smtClean="0"/>
-              <a:t>87</a:t>
+              <a:t>88</a:t>
             </a:fld>
             <a:endParaRPr lang="en-BE"/>
           </a:p>
@@ -39889,7 +41310,7 @@
 </p:sld>
 </file>
 
-<file path=ppt/slides/slide88.xml><?xml version="1.0" encoding="utf-8"?>
+<file path=ppt/slides/slide89.xml><?xml version="1.0" encoding="utf-8"?>
 <p:sld xmlns:a="http://schemas.openxmlformats.org/drawingml/2006/main" xmlns:r="http://schemas.openxmlformats.org/officeDocument/2006/relationships" xmlns:p="http://schemas.openxmlformats.org/presentationml/2006/main">
   <p:cSld>
     <p:spTree>
@@ -39983,7 +41404,7 @@
           <a:p>
             <a:fld id="{69D2CCA8-53B9-41C4-8716-EA9CD8A55276}" type="slidenum">
               <a:rPr lang="en-BE" smtClean="0"/>
-              <a:t>88</a:t>
+              <a:t>89</a:t>
             </a:fld>
             <a:endParaRPr lang="en-BE" dirty="0"/>
           </a:p>
@@ -40056,378 +41477,6 @@
 </p:sld>
 </file>
 
-<file path=ppt/slides/slide89.xml><?xml version="1.0" encoding="utf-8"?>
-<p:sld xmlns:a="http://schemas.openxmlformats.org/drawingml/2006/main" xmlns:r="http://schemas.openxmlformats.org/officeDocument/2006/relationships" xmlns:p="http://schemas.openxmlformats.org/presentationml/2006/main">
-  <p:cSld>
-    <p:spTree>
-      <p:nvGrpSpPr>
-        <p:cNvPr id="1" name=""/>
-        <p:cNvGrpSpPr/>
-        <p:nvPr/>
-      </p:nvGrpSpPr>
-      <p:grpSpPr>
-        <a:xfrm>
-          <a:off x="0" y="0"/>
-          <a:ext cx="0" cy="0"/>
-          <a:chOff x="0" y="0"/>
-          <a:chExt cx="0" cy="0"/>
-        </a:xfrm>
-      </p:grpSpPr>
-      <p:sp>
-        <p:nvSpPr>
-          <p:cNvPr id="6" name="Title 5">
-            <a:extLst>
-              <a:ext uri="{FF2B5EF4-FFF2-40B4-BE49-F238E27FC236}">
-                <a16:creationId xmlns:a16="http://schemas.microsoft.com/office/drawing/2014/main" id="{58602178-544B-4666-8E9B-555376EB72FA}"/>
-              </a:ext>
-            </a:extLst>
-          </p:cNvPr>
-          <p:cNvSpPr>
-            <a:spLocks noGrp="1"/>
-          </p:cNvSpPr>
-          <p:nvPr>
-            <p:ph type="title"/>
-          </p:nvPr>
-        </p:nvSpPr>
-        <p:spPr/>
-        <p:txBody>
-          <a:bodyPr/>
-          <a:lstStyle/>
-          <a:p>
-            <a:r>
-              <a:rPr lang="fr-BE" dirty="0" err="1"/>
-              <a:t>Various</a:t>
-            </a:r>
-            <a:r>
-              <a:rPr lang="fr-BE" dirty="0"/>
-              <a:t> sources of documentation</a:t>
-            </a:r>
-            <a:endParaRPr lang="en-BE" dirty="0"/>
-          </a:p>
-        </p:txBody>
-      </p:sp>
-      <p:sp>
-        <p:nvSpPr>
-          <p:cNvPr id="9" name="TextBox 8">
-            <a:extLst>
-              <a:ext uri="{FF2B5EF4-FFF2-40B4-BE49-F238E27FC236}">
-                <a16:creationId xmlns:a16="http://schemas.microsoft.com/office/drawing/2014/main" id="{910E734F-8298-48DF-9657-AA598445572F}"/>
-              </a:ext>
-            </a:extLst>
-          </p:cNvPr>
-          <p:cNvSpPr txBox="1"/>
-          <p:nvPr/>
-        </p:nvSpPr>
-        <p:spPr>
-          <a:xfrm>
-            <a:off x="749300" y="1098928"/>
-            <a:ext cx="10604500" cy="5632311"/>
-          </a:xfrm>
-          <a:prstGeom prst="rect">
-            <a:avLst/>
-          </a:prstGeom>
-          <a:noFill/>
-        </p:spPr>
-        <p:txBody>
-          <a:bodyPr wrap="square">
-            <a:spAutoFit/>
-          </a:bodyPr>
-          <a:lstStyle/>
-          <a:p>
-            <a:r>
-              <a:rPr lang="fr-BE" dirty="0"/>
-              <a:t>Documentation </a:t>
-            </a:r>
-            <a:r>
-              <a:rPr lang="fr-BE" dirty="0" err="1"/>
-              <a:t>Latest</a:t>
-            </a:r>
-            <a:br>
-              <a:rPr lang="fr-BE" dirty="0"/>
-            </a:br>
-            <a:r>
-              <a:rPr lang="fr-BE" dirty="0"/>
-              <a:t>[</a:t>
-            </a:r>
-            <a:r>
-              <a:rPr lang="fr-BE" dirty="0">
-                <a:hlinkClick r:id="rId2"/>
-              </a:rPr>
-              <a:t>https://docs.tryton.org/en/latest</a:t>
-            </a:r>
-            <a:r>
-              <a:rPr lang="fr-BE" dirty="0"/>
-              <a:t>]</a:t>
-            </a:r>
-          </a:p>
-          <a:p>
-            <a:endParaRPr lang="fr-BE" dirty="0"/>
-          </a:p>
-          <a:p>
-            <a:r>
-              <a:rPr lang="fr-BE" dirty="0"/>
-              <a:t>Docker Installation </a:t>
-            </a:r>
-          </a:p>
-          <a:p>
-            <a:r>
-              <a:rPr lang="fr-BE" dirty="0">
-                <a:hlinkClick r:id="rId3"/>
-              </a:rPr>
-              <a:t>https://hub.docker.com/r/tryton/tryton/</a:t>
-            </a:r>
-            <a:br>
-              <a:rPr lang="fr-BE" dirty="0"/>
-            </a:br>
-            <a:endParaRPr lang="fr-BE" dirty="0"/>
-          </a:p>
-          <a:p>
-            <a:r>
-              <a:rPr lang="fr-BE" dirty="0" err="1"/>
-              <a:t>Classic</a:t>
-            </a:r>
-            <a:r>
-              <a:rPr lang="fr-BE" dirty="0"/>
-              <a:t> Installation</a:t>
-            </a:r>
-          </a:p>
-          <a:p>
-            <a:r>
-              <a:rPr lang="fr-BE" dirty="0"/>
-              <a:t>[</a:t>
-            </a:r>
-            <a:r>
-              <a:rPr lang="fr-BE" dirty="0">
-                <a:hlinkClick r:id="rId4"/>
-              </a:rPr>
-              <a:t>https://blog.lordvan.com/blog/tryton-setup-config/</a:t>
-            </a:r>
-            <a:r>
-              <a:rPr lang="fr-BE" dirty="0"/>
-              <a:t>]</a:t>
-            </a:r>
-          </a:p>
-          <a:p>
-            <a:r>
-              <a:rPr lang="fr-BE" dirty="0"/>
-              <a:t>[</a:t>
-            </a:r>
-            <a:r>
-              <a:rPr lang="fr-BE" dirty="0">
-                <a:hlinkClick r:id="rId5"/>
-              </a:rPr>
-              <a:t>https://www.akarei.cz/tryton/</a:t>
-            </a:r>
-            <a:r>
-              <a:rPr lang="fr-BE" dirty="0"/>
-              <a:t>]</a:t>
-            </a:r>
-          </a:p>
-          <a:p>
-            <a:br>
-              <a:rPr lang="fr-BE" dirty="0"/>
-            </a:br>
-            <a:r>
-              <a:rPr lang="fr-BE" dirty="0"/>
-              <a:t>Administration Manual</a:t>
-            </a:r>
-          </a:p>
-          <a:p>
-            <a:r>
-              <a:rPr lang="en-US" dirty="0">
-                <a:hlinkClick r:id="rId6"/>
-              </a:rPr>
-              <a:t>[https://readthedocs.org/projects/tryton-administration-manual/downloads/pdf/latest/</a:t>
-            </a:r>
-            <a:r>
-              <a:rPr lang="en-US" dirty="0"/>
-              <a:t>]</a:t>
-            </a:r>
-          </a:p>
-          <a:p>
-            <a:r>
-              <a:rPr lang="fr-BE" dirty="0"/>
-              <a:t>[</a:t>
-            </a:r>
-            <a:r>
-              <a:rPr lang="fr-BE" dirty="0">
-                <a:hlinkClick r:id="rId7"/>
-              </a:rPr>
-              <a:t>https://tryton-administration-manual.readthedocs.io/_/downloads/en/latest/pdf/</a:t>
-            </a:r>
-            <a:r>
-              <a:rPr lang="fr-BE" dirty="0"/>
-              <a:t>]</a:t>
-            </a:r>
-          </a:p>
-          <a:p>
-            <a:br>
-              <a:rPr lang="fr-BE" dirty="0"/>
-            </a:br>
-            <a:r>
-              <a:rPr lang="fr-BE" dirty="0"/>
-              <a:t>List of Modules</a:t>
-            </a:r>
-            <a:br>
-              <a:rPr lang="fr-BE" dirty="0"/>
-            </a:br>
-            <a:r>
-              <a:rPr lang="fr-BE" dirty="0"/>
-              <a:t>[</a:t>
-            </a:r>
-            <a:r>
-              <a:rPr lang="fr-BE" dirty="0">
-                <a:hlinkClick r:id="rId8"/>
-              </a:rPr>
-              <a:t>https://discuss.tryton.org/t/list-of-modules-and-what-they-do/2675/7</a:t>
-            </a:r>
-            <a:r>
-              <a:rPr lang="fr-BE" dirty="0"/>
-              <a:t>]</a:t>
-            </a:r>
-          </a:p>
-          <a:p>
-            <a:endParaRPr lang="fr-BE" dirty="0"/>
-          </a:p>
-          <a:p>
-            <a:r>
-              <a:rPr lang="fr-BE" dirty="0"/>
-              <a:t>Stock</a:t>
-            </a:r>
-          </a:p>
-          <a:p>
-            <a:r>
-              <a:rPr lang="fr-BE" dirty="0"/>
-              <a:t>[</a:t>
-            </a:r>
-            <a:r>
-              <a:rPr lang="fr-BE" dirty="0">
-                <a:hlinkClick r:id="rId9"/>
-              </a:rPr>
-              <a:t>https://groups.google.com/g/tryton/c/H4ZqsJq37M8/m/W1TaVWu0AQAJ</a:t>
-            </a:r>
-            <a:r>
-              <a:rPr lang="fr-BE" dirty="0"/>
-              <a:t>]</a:t>
-            </a:r>
-          </a:p>
-          <a:p>
-            <a:r>
-              <a:rPr lang="fr-BE" dirty="0"/>
-              <a:t>[</a:t>
-            </a:r>
-            <a:r>
-              <a:rPr lang="fr-BE" dirty="0">
-                <a:hlinkClick r:id="rId10"/>
-              </a:rPr>
-              <a:t>https://docs.tryton.org/en/latest/stock.html#index-stock</a:t>
-            </a:r>
-            <a:r>
-              <a:rPr lang="fr-BE" dirty="0"/>
-              <a:t>]</a:t>
-            </a:r>
-          </a:p>
-        </p:txBody>
-      </p:sp>
-      <p:sp>
-        <p:nvSpPr>
-          <p:cNvPr id="4" name="Slide Number Placeholder 3">
-            <a:extLst>
-              <a:ext uri="{FF2B5EF4-FFF2-40B4-BE49-F238E27FC236}">
-                <a16:creationId xmlns:a16="http://schemas.microsoft.com/office/drawing/2014/main" id="{89FD420A-27AF-4FCC-8602-C9AB4F3056EC}"/>
-              </a:ext>
-            </a:extLst>
-          </p:cNvPr>
-          <p:cNvSpPr>
-            <a:spLocks noGrp="1"/>
-          </p:cNvSpPr>
-          <p:nvPr>
-            <p:ph type="sldNum" sz="quarter" idx="12"/>
-          </p:nvPr>
-        </p:nvSpPr>
-        <p:spPr>
-          <a:xfrm rot="16200000">
-            <a:off x="-40341" y="6146519"/>
-            <a:ext cx="842683" cy="365125"/>
-          </a:xfrm>
-        </p:spPr>
-        <p:txBody>
-          <a:bodyPr/>
-          <a:lstStyle/>
-          <a:p>
-            <a:fld id="{69D2CCA8-53B9-41C4-8716-EA9CD8A55276}" type="slidenum">
-              <a:rPr lang="en-BE" smtClean="0"/>
-              <a:t>89</a:t>
-            </a:fld>
-            <a:endParaRPr lang="en-BE"/>
-          </a:p>
-        </p:txBody>
-      </p:sp>
-      <p:sp>
-        <p:nvSpPr>
-          <p:cNvPr id="5" name="Rectangle 4">
-            <a:extLst>
-              <a:ext uri="{FF2B5EF4-FFF2-40B4-BE49-F238E27FC236}">
-                <a16:creationId xmlns:a16="http://schemas.microsoft.com/office/drawing/2014/main" id="{4E9D4968-5894-46D8-9B53-5A7AC99618E7}"/>
-              </a:ext>
-            </a:extLst>
-          </p:cNvPr>
-          <p:cNvSpPr/>
-          <p:nvPr/>
-        </p:nvSpPr>
-        <p:spPr>
-          <a:xfrm>
-            <a:off x="11728938" y="6453554"/>
-            <a:ext cx="463062" cy="404446"/>
-          </a:xfrm>
-          <a:prstGeom prst="rect">
-            <a:avLst/>
-          </a:prstGeom>
-          <a:solidFill>
-            <a:srgbClr val="92D050"/>
-          </a:solidFill>
-          <a:ln>
-            <a:noFill/>
-          </a:ln>
-        </p:spPr>
-        <p:style>
-          <a:lnRef idx="2">
-            <a:schemeClr val="accent1">
-              <a:shade val="50000"/>
-            </a:schemeClr>
-          </a:lnRef>
-          <a:fillRef idx="1">
-            <a:schemeClr val="accent1"/>
-          </a:fillRef>
-          <a:effectRef idx="0">
-            <a:schemeClr val="accent1"/>
-          </a:effectRef>
-          <a:fontRef idx="minor">
-            <a:schemeClr val="lt1"/>
-          </a:fontRef>
-        </p:style>
-        <p:txBody>
-          <a:bodyPr rtlCol="0" anchor="ctr"/>
-          <a:lstStyle/>
-          <a:p>
-            <a:pPr algn="ctr"/>
-            <a:endParaRPr lang="en-BE"/>
-          </a:p>
-        </p:txBody>
-      </p:sp>
-    </p:spTree>
-    <p:extLst>
-      <p:ext uri="{BB962C8B-B14F-4D97-AF65-F5344CB8AC3E}">
-        <p14:creationId xmlns:p14="http://schemas.microsoft.com/office/powerpoint/2010/main" val="87697850"/>
-      </p:ext>
-    </p:extLst>
-  </p:cSld>
-  <p:clrMapOvr>
-    <a:masterClrMapping/>
-  </p:clrMapOvr>
-</p:sld>
-</file>
-
 <file path=ppt/slides/slide9.xml><?xml version="1.0" encoding="utf-8"?>
 <p:sld xmlns:a="http://schemas.openxmlformats.org/drawingml/2006/main" xmlns:r="http://schemas.openxmlformats.org/officeDocument/2006/relationships" xmlns:p="http://schemas.openxmlformats.org/presentationml/2006/main">
   <p:cSld>
@@ -40532,8 +41581,8 @@
         </p:nvSpPr>
         <p:spPr>
           <a:xfrm>
-            <a:off x="2924108" y="502559"/>
-            <a:ext cx="2760784" cy="6124754"/>
+            <a:off x="2924107" y="194782"/>
+            <a:ext cx="2760784" cy="6555641"/>
           </a:xfrm>
           <a:prstGeom prst="rect">
             <a:avLst/>
@@ -40655,6 +41704,29 @@
             <a:pPr algn="r"/>
             <a:r>
               <a:rPr lang="fr-BE" sz="1400" b="1" dirty="0"/>
+              <a:t>System Reboot</a:t>
+            </a:r>
+            <a:br>
+              <a:rPr lang="fr-BE" sz="1400" b="1" dirty="0"/>
+            </a:br>
+            <a:br>
+              <a:rPr lang="fr-BE" sz="1400" b="1" dirty="0"/>
+            </a:br>
+            <a:r>
+              <a:rPr lang="fr-BE" sz="1400" b="1" dirty="0">
+                <a:solidFill>
+                  <a:schemeClr val="accent2">
+                    <a:lumMod val="75000"/>
+                  </a:schemeClr>
+                </a:solidFill>
+              </a:rPr>
+              <a:t>CLIENT</a:t>
+            </a:r>
+            <a:br>
+              <a:rPr lang="fr-BE" sz="1400" b="1" dirty="0"/>
+            </a:br>
+            <a:r>
+              <a:rPr lang="fr-BE" sz="1400" b="1" dirty="0"/>
               <a:t>User Interface</a:t>
             </a:r>
             <a:br>
@@ -40682,13 +41754,6 @@
                 </a:solidFill>
               </a:rPr>
               <a:t>Tryton</a:t>
-            </a:r>
-            <a:br>
-              <a:rPr lang="fr-BE" sz="1400" b="1" dirty="0"/>
-            </a:br>
-            <a:r>
-              <a:rPr lang="fr-BE" sz="1400" b="1" dirty="0"/>
-              <a:t>System Reboot</a:t>
             </a:r>
             <a:br>
               <a:rPr lang="fr-BE" sz="1400" b="1" dirty="0"/>
@@ -40866,8 +41931,8 @@
         </p:nvSpPr>
         <p:spPr>
           <a:xfrm>
-            <a:off x="5684891" y="502559"/>
-            <a:ext cx="5835163" cy="6124754"/>
+            <a:off x="5684891" y="194782"/>
+            <a:ext cx="5835163" cy="6555641"/>
           </a:xfrm>
           <a:prstGeom prst="rect">
             <a:avLst/>
@@ -41114,6 +42179,35 @@
           <a:p>
             <a:r>
               <a:rPr lang="fr-BE" sz="1400" b="1" dirty="0"/>
+              <a:t>How to </a:t>
+            </a:r>
+            <a:r>
+              <a:rPr lang="fr-BE" sz="1400" b="1" dirty="0" err="1"/>
+              <a:t>proceed</a:t>
+            </a:r>
+            <a:r>
+              <a:rPr lang="fr-BE" sz="1400" b="1" dirty="0"/>
+              <a:t> </a:t>
+            </a:r>
+            <a:r>
+              <a:rPr lang="fr-BE" sz="1400" b="1" dirty="0" err="1"/>
+              <a:t>after</a:t>
+            </a:r>
+            <a:r>
+              <a:rPr lang="fr-BE" sz="1400" b="1" dirty="0"/>
+              <a:t> system reboot</a:t>
+            </a:r>
+            <a:br>
+              <a:rPr lang="fr-BE" sz="1400" b="1" dirty="0"/>
+            </a:br>
+            <a:br>
+              <a:rPr lang="fr-BE" sz="1400" b="1" dirty="0"/>
+            </a:br>
+            <a:br>
+              <a:rPr lang="fr-BE" sz="1400" b="1" dirty="0"/>
+            </a:br>
+            <a:r>
+              <a:rPr lang="fr-BE" sz="1400" b="1" dirty="0"/>
               <a:t>Interface to TRYTON &amp; PGADMIN</a:t>
             </a:r>
           </a:p>
@@ -41163,29 +42257,6 @@
             <a:endParaRPr lang="fr-BE" sz="1400" b="1" dirty="0"/>
           </a:p>
           <a:p>
-            <a:r>
-              <a:rPr lang="fr-BE" sz="1400" b="1" dirty="0"/>
-              <a:t>How to </a:t>
-            </a:r>
-            <a:r>
-              <a:rPr lang="fr-BE" sz="1400" b="1" dirty="0" err="1"/>
-              <a:t>proceed</a:t>
-            </a:r>
-            <a:r>
-              <a:rPr lang="fr-BE" sz="1400" b="1" dirty="0"/>
-              <a:t> </a:t>
-            </a:r>
-            <a:r>
-              <a:rPr lang="fr-BE" sz="1400" b="1" dirty="0" err="1"/>
-              <a:t>after</a:t>
-            </a:r>
-            <a:r>
-              <a:rPr lang="fr-BE" sz="1400" b="1" dirty="0"/>
-              <a:t> system reboot</a:t>
-            </a:r>
-            <a:br>
-              <a:rPr lang="fr-BE" sz="1400" b="1" dirty="0"/>
-            </a:br>
             <a:endParaRPr lang="fr-BE" sz="1400" b="1" dirty="0"/>
           </a:p>
           <a:p>
@@ -41273,7 +42344,7 @@
             </a:r>
             <a:r>
               <a:rPr lang="fr-BE" sz="1400" dirty="0"/>
-              <a:t> in </a:t>
+              <a:t> in a </a:t>
             </a:r>
             <a:r>
               <a:rPr lang="fr-BE" sz="1400" dirty="0" err="1"/>
@@ -41587,7 +42658,7 @@
         <p:spPr>
           <a:xfrm>
             <a:off x="749300" y="1098928"/>
-            <a:ext cx="10604500" cy="2308324"/>
+            <a:ext cx="10604500" cy="5632311"/>
           </a:xfrm>
           <a:prstGeom prst="rect">
             <a:avLst/>
@@ -41601,12 +42672,12 @@
           <a:lstStyle/>
           <a:p>
             <a:r>
-              <a:rPr lang="fr-BE" dirty="0" err="1"/>
-              <a:t>Trytond</a:t>
-            </a:r>
-            <a:r>
-              <a:rPr lang="fr-BE" dirty="0"/>
-              <a:t> Documentation</a:t>
+              <a:rPr lang="fr-BE" dirty="0"/>
+              <a:t>Documentation </a:t>
+            </a:r>
+            <a:r>
+              <a:rPr lang="fr-BE" dirty="0" err="1"/>
+              <a:t>Latest</a:t>
             </a:r>
             <a:br>
               <a:rPr lang="fr-BE" dirty="0"/>
@@ -41619,7 +42690,7 @@
               <a:rPr lang="fr-BE" dirty="0">
                 <a:hlinkClick r:id="rId2"/>
               </a:rPr>
-              <a:t>https://readthedocs.org/projects/trytond/downloads/pdf/latest/</a:t>
+              <a:t>https://docs.tryton.org/en/latest</a:t>
             </a:r>
             <a:r>
               <a:rPr lang="fr-BE" dirty="0"/>
@@ -41632,17 +42703,29 @@
           <a:p>
             <a:r>
               <a:rPr lang="fr-BE" dirty="0"/>
-              <a:t>[</a:t>
-            </a:r>
+              <a:t>Docker Installation </a:t>
+            </a:r>
+          </a:p>
+          <a:p>
             <a:r>
               <a:rPr lang="fr-BE" dirty="0">
                 <a:hlinkClick r:id="rId3"/>
               </a:rPr>
-              <a:t>https://trytond.readthedocs.io/en/latest/</a:t>
-            </a:r>
-            <a:r>
-              <a:rPr lang="fr-BE" dirty="0"/>
-              <a:t>]</a:t>
+              <a:t>https://hub.docker.com/r/tryton/tryton/</a:t>
+            </a:r>
+            <a:br>
+              <a:rPr lang="fr-BE" dirty="0"/>
+            </a:br>
+            <a:endParaRPr lang="fr-BE" dirty="0"/>
+          </a:p>
+          <a:p>
+            <a:r>
+              <a:rPr lang="fr-BE" dirty="0" err="1"/>
+              <a:t>Classic</a:t>
+            </a:r>
+            <a:r>
+              <a:rPr lang="fr-BE" dirty="0"/>
+              <a:t> Installation</a:t>
             </a:r>
           </a:p>
           <a:p>
@@ -41654,7 +42737,7 @@
               <a:rPr lang="fr-BE" dirty="0">
                 <a:hlinkClick r:id="rId4"/>
               </a:rPr>
-              <a:t>https://tryton.readthedocs.io/en/latest/</a:t>
+              <a:t>https://blog.lordvan.com/blog/tryton-setup-config/</a:t>
             </a:r>
             <a:r>
               <a:rPr lang="fr-BE" dirty="0"/>
@@ -41670,7 +42753,7 @@
               <a:rPr lang="fr-BE" dirty="0">
                 <a:hlinkClick r:id="rId5"/>
               </a:rPr>
-              <a:t>http://hg.tryton.org/readthedocs/</a:t>
+              <a:t>https://www.akarei.cz/tryton/</a:t>
             </a:r>
             <a:r>
               <a:rPr lang="fr-BE" dirty="0"/>
@@ -41678,18 +42761,23 @@
             </a:r>
           </a:p>
           <a:p>
-            <a:r>
-              <a:rPr lang="fr-BE" dirty="0"/>
-              <a:t>[</a:t>
-            </a:r>
-            <a:r>
-              <a:rPr lang="fr-BE" dirty="0">
+            <a:br>
+              <a:rPr lang="fr-BE" dirty="0"/>
+            </a:br>
+            <a:r>
+              <a:rPr lang="fr-BE" dirty="0"/>
+              <a:t>Administration Manual</a:t>
+            </a:r>
+          </a:p>
+          <a:p>
+            <a:r>
+              <a:rPr lang="en-US" dirty="0">
                 <a:hlinkClick r:id="rId6"/>
               </a:rPr>
-              <a:t>https://docs.readthedocs.io/en/latest/subprojects.html</a:t>
-            </a:r>
-            <a:r>
-              <a:rPr lang="fr-BE" dirty="0"/>
+              <a:t>[https://readthedocs.org/projects/tryton-administration-manual/downloads/pdf/latest/</a:t>
+            </a:r>
+            <a:r>
+              <a:rPr lang="en-US" dirty="0"/>
               <a:t>]</a:t>
             </a:r>
           </a:p>
@@ -41702,7 +42790,74 @@
               <a:rPr lang="fr-BE" dirty="0">
                 <a:hlinkClick r:id="rId7"/>
               </a:rPr>
-              <a:t>https://docs.readthedocs.io/en/latest/alternate_domains.html</a:t>
+              <a:t>https://tryton-administration-manual.readthedocs.io/_/downloads/en/latest/pdf/</a:t>
+            </a:r>
+            <a:r>
+              <a:rPr lang="fr-BE" dirty="0"/>
+              <a:t>]</a:t>
+            </a:r>
+          </a:p>
+          <a:p>
+            <a:br>
+              <a:rPr lang="fr-BE" dirty="0"/>
+            </a:br>
+            <a:r>
+              <a:rPr lang="fr-BE" dirty="0"/>
+              <a:t>List of Modules</a:t>
+            </a:r>
+            <a:br>
+              <a:rPr lang="fr-BE" dirty="0"/>
+            </a:br>
+            <a:r>
+              <a:rPr lang="fr-BE" dirty="0"/>
+              <a:t>[</a:t>
+            </a:r>
+            <a:r>
+              <a:rPr lang="fr-BE" dirty="0">
+                <a:hlinkClick r:id="rId8"/>
+              </a:rPr>
+              <a:t>https://discuss.tryton.org/t/list-of-modules-and-what-they-do/2675/7</a:t>
+            </a:r>
+            <a:r>
+              <a:rPr lang="fr-BE" dirty="0"/>
+              <a:t>]</a:t>
+            </a:r>
+          </a:p>
+          <a:p>
+            <a:endParaRPr lang="fr-BE" dirty="0"/>
+          </a:p>
+          <a:p>
+            <a:r>
+              <a:rPr lang="fr-BE" dirty="0"/>
+              <a:t>Stock</a:t>
+            </a:r>
+          </a:p>
+          <a:p>
+            <a:r>
+              <a:rPr lang="fr-BE" dirty="0"/>
+              <a:t>[</a:t>
+            </a:r>
+            <a:r>
+              <a:rPr lang="fr-BE" dirty="0">
+                <a:hlinkClick r:id="rId9"/>
+              </a:rPr>
+              <a:t>https://groups.google.com/g/tryton/c/H4ZqsJq37M8/m/W1TaVWu0AQAJ</a:t>
+            </a:r>
+            <a:r>
+              <a:rPr lang="fr-BE" dirty="0"/>
+              <a:t>]</a:t>
+            </a:r>
+          </a:p>
+          <a:p>
+            <a:r>
+              <a:rPr lang="fr-BE" dirty="0"/>
+              <a:t>[</a:t>
+            </a:r>
+            <a:r>
+              <a:rPr lang="fr-BE" dirty="0">
+                <a:hlinkClick r:id="rId10"/>
+              </a:rPr>
+              <a:t>https://docs.tryton.org/en/latest/stock.html#index-stock</a:t>
             </a:r>
             <a:r>
               <a:rPr lang="fr-BE" dirty="0"/>
@@ -41800,7 +42955,7 @@
     </p:spTree>
     <p:extLst>
       <p:ext uri="{BB962C8B-B14F-4D97-AF65-F5344CB8AC3E}">
-        <p14:creationId xmlns:p14="http://schemas.microsoft.com/office/powerpoint/2010/main" val="1400368836"/>
+        <p14:creationId xmlns:p14="http://schemas.microsoft.com/office/powerpoint/2010/main" val="87697850"/>
       </p:ext>
     </p:extLst>
   </p:cSld>
@@ -41850,6 +43005,294 @@
           <a:p>
             <a:r>
               <a:rPr lang="fr-BE" dirty="0" err="1"/>
+              <a:t>Various</a:t>
+            </a:r>
+            <a:r>
+              <a:rPr lang="fr-BE" dirty="0"/>
+              <a:t> sources of documentation</a:t>
+            </a:r>
+            <a:endParaRPr lang="en-BE" dirty="0"/>
+          </a:p>
+        </p:txBody>
+      </p:sp>
+      <p:sp>
+        <p:nvSpPr>
+          <p:cNvPr id="9" name="TextBox 8">
+            <a:extLst>
+              <a:ext uri="{FF2B5EF4-FFF2-40B4-BE49-F238E27FC236}">
+                <a16:creationId xmlns:a16="http://schemas.microsoft.com/office/drawing/2014/main" id="{910E734F-8298-48DF-9657-AA598445572F}"/>
+              </a:ext>
+            </a:extLst>
+          </p:cNvPr>
+          <p:cNvSpPr txBox="1"/>
+          <p:nvPr/>
+        </p:nvSpPr>
+        <p:spPr>
+          <a:xfrm>
+            <a:off x="749300" y="1098928"/>
+            <a:ext cx="10604500" cy="2308324"/>
+          </a:xfrm>
+          <a:prstGeom prst="rect">
+            <a:avLst/>
+          </a:prstGeom>
+          <a:noFill/>
+        </p:spPr>
+        <p:txBody>
+          <a:bodyPr wrap="square">
+            <a:spAutoFit/>
+          </a:bodyPr>
+          <a:lstStyle/>
+          <a:p>
+            <a:r>
+              <a:rPr lang="fr-BE" dirty="0" err="1"/>
+              <a:t>Trytond</a:t>
+            </a:r>
+            <a:r>
+              <a:rPr lang="fr-BE" dirty="0"/>
+              <a:t> Documentation</a:t>
+            </a:r>
+            <a:br>
+              <a:rPr lang="fr-BE" dirty="0"/>
+            </a:br>
+            <a:r>
+              <a:rPr lang="fr-BE" dirty="0"/>
+              <a:t>[</a:t>
+            </a:r>
+            <a:r>
+              <a:rPr lang="fr-BE" dirty="0">
+                <a:hlinkClick r:id="rId2"/>
+              </a:rPr>
+              <a:t>https://readthedocs.org/projects/trytond/downloads/pdf/latest/</a:t>
+            </a:r>
+            <a:r>
+              <a:rPr lang="fr-BE" dirty="0"/>
+              <a:t>]</a:t>
+            </a:r>
+          </a:p>
+          <a:p>
+            <a:endParaRPr lang="fr-BE" dirty="0"/>
+          </a:p>
+          <a:p>
+            <a:r>
+              <a:rPr lang="fr-BE" dirty="0"/>
+              <a:t>[</a:t>
+            </a:r>
+            <a:r>
+              <a:rPr lang="fr-BE" dirty="0">
+                <a:hlinkClick r:id="rId3"/>
+              </a:rPr>
+              <a:t>https://trytond.readthedocs.io/en/latest/</a:t>
+            </a:r>
+            <a:r>
+              <a:rPr lang="fr-BE" dirty="0"/>
+              <a:t>]</a:t>
+            </a:r>
+          </a:p>
+          <a:p>
+            <a:r>
+              <a:rPr lang="fr-BE" dirty="0"/>
+              <a:t>[</a:t>
+            </a:r>
+            <a:r>
+              <a:rPr lang="fr-BE" dirty="0">
+                <a:hlinkClick r:id="rId4"/>
+              </a:rPr>
+              <a:t>https://tryton.readthedocs.io/en/latest/</a:t>
+            </a:r>
+            <a:r>
+              <a:rPr lang="fr-BE" dirty="0"/>
+              <a:t>]</a:t>
+            </a:r>
+          </a:p>
+          <a:p>
+            <a:r>
+              <a:rPr lang="fr-BE" dirty="0"/>
+              <a:t>[</a:t>
+            </a:r>
+            <a:r>
+              <a:rPr lang="fr-BE" dirty="0">
+                <a:hlinkClick r:id="rId5"/>
+              </a:rPr>
+              <a:t>http://hg.tryton.org/readthedocs/</a:t>
+            </a:r>
+            <a:r>
+              <a:rPr lang="fr-BE" dirty="0"/>
+              <a:t>]</a:t>
+            </a:r>
+          </a:p>
+          <a:p>
+            <a:r>
+              <a:rPr lang="fr-BE" dirty="0"/>
+              <a:t>[</a:t>
+            </a:r>
+            <a:r>
+              <a:rPr lang="fr-BE" dirty="0">
+                <a:hlinkClick r:id="rId6"/>
+              </a:rPr>
+              <a:t>https://docs.readthedocs.io/en/latest/subprojects.html</a:t>
+            </a:r>
+            <a:r>
+              <a:rPr lang="fr-BE" dirty="0"/>
+              <a:t>]</a:t>
+            </a:r>
+          </a:p>
+          <a:p>
+            <a:r>
+              <a:rPr lang="fr-BE" dirty="0"/>
+              <a:t>[</a:t>
+            </a:r>
+            <a:r>
+              <a:rPr lang="fr-BE" dirty="0">
+                <a:hlinkClick r:id="rId7"/>
+              </a:rPr>
+              <a:t>https://docs.readthedocs.io/en/latest/alternate_domains.html</a:t>
+            </a:r>
+            <a:r>
+              <a:rPr lang="fr-BE" dirty="0"/>
+              <a:t>]</a:t>
+            </a:r>
+          </a:p>
+        </p:txBody>
+      </p:sp>
+      <p:sp>
+        <p:nvSpPr>
+          <p:cNvPr id="4" name="Slide Number Placeholder 3">
+            <a:extLst>
+              <a:ext uri="{FF2B5EF4-FFF2-40B4-BE49-F238E27FC236}">
+                <a16:creationId xmlns:a16="http://schemas.microsoft.com/office/drawing/2014/main" id="{89FD420A-27AF-4FCC-8602-C9AB4F3056EC}"/>
+              </a:ext>
+            </a:extLst>
+          </p:cNvPr>
+          <p:cNvSpPr>
+            <a:spLocks noGrp="1"/>
+          </p:cNvSpPr>
+          <p:nvPr>
+            <p:ph type="sldNum" sz="quarter" idx="12"/>
+          </p:nvPr>
+        </p:nvSpPr>
+        <p:spPr>
+          <a:xfrm rot="16200000">
+            <a:off x="-40341" y="6146519"/>
+            <a:ext cx="842683" cy="365125"/>
+          </a:xfrm>
+        </p:spPr>
+        <p:txBody>
+          <a:bodyPr/>
+          <a:lstStyle/>
+          <a:p>
+            <a:fld id="{69D2CCA8-53B9-41C4-8716-EA9CD8A55276}" type="slidenum">
+              <a:rPr lang="en-BE" smtClean="0"/>
+              <a:t>91</a:t>
+            </a:fld>
+            <a:endParaRPr lang="en-BE"/>
+          </a:p>
+        </p:txBody>
+      </p:sp>
+      <p:sp>
+        <p:nvSpPr>
+          <p:cNvPr id="5" name="Rectangle 4">
+            <a:extLst>
+              <a:ext uri="{FF2B5EF4-FFF2-40B4-BE49-F238E27FC236}">
+                <a16:creationId xmlns:a16="http://schemas.microsoft.com/office/drawing/2014/main" id="{4E9D4968-5894-46D8-9B53-5A7AC99618E7}"/>
+              </a:ext>
+            </a:extLst>
+          </p:cNvPr>
+          <p:cNvSpPr/>
+          <p:nvPr/>
+        </p:nvSpPr>
+        <p:spPr>
+          <a:xfrm>
+            <a:off x="11728938" y="6453554"/>
+            <a:ext cx="463062" cy="404446"/>
+          </a:xfrm>
+          <a:prstGeom prst="rect">
+            <a:avLst/>
+          </a:prstGeom>
+          <a:solidFill>
+            <a:srgbClr val="92D050"/>
+          </a:solidFill>
+          <a:ln>
+            <a:noFill/>
+          </a:ln>
+        </p:spPr>
+        <p:style>
+          <a:lnRef idx="2">
+            <a:schemeClr val="accent1">
+              <a:shade val="50000"/>
+            </a:schemeClr>
+          </a:lnRef>
+          <a:fillRef idx="1">
+            <a:schemeClr val="accent1"/>
+          </a:fillRef>
+          <a:effectRef idx="0">
+            <a:schemeClr val="accent1"/>
+          </a:effectRef>
+          <a:fontRef idx="minor">
+            <a:schemeClr val="lt1"/>
+          </a:fontRef>
+        </p:style>
+        <p:txBody>
+          <a:bodyPr rtlCol="0" anchor="ctr"/>
+          <a:lstStyle/>
+          <a:p>
+            <a:pPr algn="ctr"/>
+            <a:endParaRPr lang="en-BE"/>
+          </a:p>
+        </p:txBody>
+      </p:sp>
+    </p:spTree>
+    <p:extLst>
+      <p:ext uri="{BB962C8B-B14F-4D97-AF65-F5344CB8AC3E}">
+        <p14:creationId xmlns:p14="http://schemas.microsoft.com/office/powerpoint/2010/main" val="1400368836"/>
+      </p:ext>
+    </p:extLst>
+  </p:cSld>
+  <p:clrMapOvr>
+    <a:masterClrMapping/>
+  </p:clrMapOvr>
+</p:sld>
+</file>
+
+<file path=ppt/slides/slide92.xml><?xml version="1.0" encoding="utf-8"?>
+<p:sld xmlns:a="http://schemas.openxmlformats.org/drawingml/2006/main" xmlns:r="http://schemas.openxmlformats.org/officeDocument/2006/relationships" xmlns:p="http://schemas.openxmlformats.org/presentationml/2006/main">
+  <p:cSld>
+    <p:spTree>
+      <p:nvGrpSpPr>
+        <p:cNvPr id="1" name=""/>
+        <p:cNvGrpSpPr/>
+        <p:nvPr/>
+      </p:nvGrpSpPr>
+      <p:grpSpPr>
+        <a:xfrm>
+          <a:off x="0" y="0"/>
+          <a:ext cx="0" cy="0"/>
+          <a:chOff x="0" y="0"/>
+          <a:chExt cx="0" cy="0"/>
+        </a:xfrm>
+      </p:grpSpPr>
+      <p:sp>
+        <p:nvSpPr>
+          <p:cNvPr id="6" name="Title 5">
+            <a:extLst>
+              <a:ext uri="{FF2B5EF4-FFF2-40B4-BE49-F238E27FC236}">
+                <a16:creationId xmlns:a16="http://schemas.microsoft.com/office/drawing/2014/main" id="{58602178-544B-4666-8E9B-555376EB72FA}"/>
+              </a:ext>
+            </a:extLst>
+          </p:cNvPr>
+          <p:cNvSpPr>
+            <a:spLocks noGrp="1"/>
+          </p:cNvSpPr>
+          <p:nvPr>
+            <p:ph type="title"/>
+          </p:nvPr>
+        </p:nvSpPr>
+        <p:spPr/>
+        <p:txBody>
+          <a:bodyPr/>
+          <a:lstStyle/>
+          <a:p>
+            <a:r>
+              <a:rPr lang="fr-BE" dirty="0" err="1"/>
               <a:t>Other</a:t>
             </a:r>
             <a:r>
@@ -41965,7 +43408,7 @@
           <a:p>
             <a:fld id="{69D2CCA8-53B9-41C4-8716-EA9CD8A55276}" type="slidenum">
               <a:rPr lang="en-BE" smtClean="0"/>
-              <a:t>91</a:t>
+              <a:t>92</a:t>
             </a:fld>
             <a:endParaRPr lang="en-BE"/>
           </a:p>

--- a/Tryton 6.0 - Doc 00.01 - Installation & administration.pptx
+++ b/Tryton 6.0 - Doc 00.01 - Installation & administration.pptx
@@ -486,7 +486,7 @@
           <a:p>
             <a:fld id="{1888941B-6604-4841-9FBD-A94850160ED1}" type="datetimeFigureOut">
               <a:rPr lang="en-BE" smtClean="0"/>
-              <a:t>15/05/2021</a:t>
+              <a:t>16/05/2021</a:t>
             </a:fld>
             <a:endParaRPr lang="en-BE"/>
           </a:p>
@@ -663,7 +663,7 @@
           <a:p>
             <a:fld id="{F8FD9220-3D18-4077-BD0E-AFA621EE8E9B}" type="datetimeFigureOut">
               <a:rPr lang="en-BE" smtClean="0"/>
-              <a:t>15/05/2021</a:t>
+              <a:t>16/05/2021</a:t>
             </a:fld>
             <a:endParaRPr lang="en-BE"/>
           </a:p>
@@ -5624,8 +5624,16 @@
               <a:rPr lang="fr-BE" sz="3200" dirty="0"/>
             </a:br>
             <a:r>
+              <a:rPr lang="fr-BE" sz="3200" dirty="0" err="1"/>
+              <a:t>Getting</a:t>
+            </a:r>
+            <a:r>
               <a:rPr lang="fr-BE" sz="3200" dirty="0"/>
-              <a:t>First time installation &amp; usage</a:t>
+              <a:t> </a:t>
+            </a:r>
+            <a:r>
+              <a:rPr lang="fr-BE" sz="3200" dirty="0" err="1"/>
+              <a:t>started</a:t>
             </a:r>
             <a:br>
               <a:rPr lang="fr-BE" sz="3200" dirty="0"/>

--- a/Tryton 6.0 - Doc 00.01 - Installation & administration.pptx
+++ b/Tryton 6.0 - Doc 00.01 - Installation & administration.pptx
@@ -43569,14 +43569,14 @@
           <p:nvPr>
             <p:extLst>
               <p:ext uri="{D42A27DB-BD31-4B8C-83A1-F6EECF244321}">
-                <p14:modId xmlns:p14="http://schemas.microsoft.com/office/powerpoint/2010/main" val="248155231"/>
+                <p14:modId xmlns:p14="http://schemas.microsoft.com/office/powerpoint/2010/main" val="1250090762"/>
               </p:ext>
             </p:extLst>
           </p:nvPr>
         </p:nvGraphicFramePr>
         <p:xfrm>
           <a:off x="838199" y="1615590"/>
-          <a:ext cx="10004350" cy="1112520"/>
+          <a:ext cx="10004350" cy="741680"/>
         </p:xfrm>
         <a:graphic>
           <a:graphicData uri="http://schemas.openxmlformats.org/drawingml/2006/table">
@@ -43711,49 +43711,6 @@
                 <a:extLst>
                   <a:ext uri="{0D108BD9-81ED-4DB2-BD59-A6C34878D82A}">
                     <a16:rowId xmlns:a16="http://schemas.microsoft.com/office/drawing/2014/main" val="303687828"/>
-                  </a:ext>
-                </a:extLst>
-              </a:tr>
-              <a:tr h="370840">
-                <a:tc>
-                  <a:txBody>
-                    <a:bodyPr/>
-                    <a:lstStyle/>
-                    <a:p>
-                      <a:r>
-                        <a:rPr lang="en-GB" sz="1600" dirty="0" err="1"/>
-                        <a:t>Tryton</a:t>
-                      </a:r>
-                      <a:r>
-                        <a:rPr lang="en-GB" sz="1600" dirty="0"/>
-                        <a:t> 6.0 - Doc 80.01 - Ancillaries</a:t>
-                      </a:r>
-                      <a:endParaRPr lang="en-BE" sz="1600" dirty="0"/>
-                    </a:p>
-                  </a:txBody>
-                  <a:tcPr/>
-                </a:tc>
-                <a:tc>
-                  <a:txBody>
-                    <a:bodyPr/>
-                    <a:lstStyle/>
-                    <a:p>
-                      <a:r>
-                        <a:rPr lang="fr-BE" sz="1600" dirty="0" err="1"/>
-                        <a:t>Attaching</a:t>
-                      </a:r>
-                      <a:r>
-                        <a:rPr lang="fr-BE" sz="1600" dirty="0"/>
-                        <a:t> a document to an item causes an exception</a:t>
-                      </a:r>
-                      <a:endParaRPr lang="en-BE" sz="1600" dirty="0"/>
-                    </a:p>
-                  </a:txBody>
-                  <a:tcPr/>
-                </a:tc>
-                <a:extLst>
-                  <a:ext uri="{0D108BD9-81ED-4DB2-BD59-A6C34878D82A}">
-                    <a16:rowId xmlns:a16="http://schemas.microsoft.com/office/drawing/2014/main" val="3592771881"/>
                   </a:ext>
                 </a:extLst>
               </a:tr>
